--- a/L2L3 스위치 구축.pptx
+++ b/L2L3 스위치 구축.pptx
@@ -34,18 +34,23 @@
     <p:sldId id="280" r:id="rId28"/>
     <p:sldId id="281" r:id="rId29"/>
     <p:sldId id="282" r:id="rId30"/>
-    <p:sldId id="283" r:id="rId31"/>
-    <p:sldId id="286" r:id="rId32"/>
-    <p:sldId id="287" r:id="rId33"/>
+    <p:sldId id="287" r:id="rId31"/>
+    <p:sldId id="283" r:id="rId32"/>
+    <p:sldId id="286" r:id="rId33"/>
     <p:sldId id="288" r:id="rId34"/>
     <p:sldId id="289" r:id="rId35"/>
     <p:sldId id="290" r:id="rId36"/>
-    <p:sldId id="291" r:id="rId37"/>
-    <p:sldId id="292" r:id="rId38"/>
-    <p:sldId id="293" r:id="rId39"/>
-    <p:sldId id="294" r:id="rId40"/>
-    <p:sldId id="295" r:id="rId41"/>
-    <p:sldId id="296" r:id="rId42"/>
+    <p:sldId id="298" r:id="rId37"/>
+    <p:sldId id="299" r:id="rId38"/>
+    <p:sldId id="297" r:id="rId39"/>
+    <p:sldId id="291" r:id="rId40"/>
+    <p:sldId id="292" r:id="rId41"/>
+    <p:sldId id="293" r:id="rId42"/>
+    <p:sldId id="294" r:id="rId43"/>
+    <p:sldId id="295" r:id="rId44"/>
+    <p:sldId id="296" r:id="rId45"/>
+    <p:sldId id="300" r:id="rId46"/>
+    <p:sldId id="301" r:id="rId47"/>
   </p:sldIdLst>
   <p:sldSz cx="12192000" cy="6858000"/>
   <p:notesSz cx="6858000" cy="9144000"/>
@@ -299,7 +304,7 @@
           <a:p>
             <a:fld id="{06A60B17-2656-4C09-A24A-B8AE84C95C86}" type="datetimeFigureOut">
               <a:rPr lang="ko-KR" altLang="en-US" smtClean="0"/>
-              <a:t>2024-03-20</a:t>
+              <a:t>2024-03-22</a:t>
             </a:fld>
             <a:endParaRPr lang="ko-KR" altLang="en-US"/>
           </a:p>
@@ -497,7 +502,7 @@
           <a:p>
             <a:fld id="{06A60B17-2656-4C09-A24A-B8AE84C95C86}" type="datetimeFigureOut">
               <a:rPr lang="ko-KR" altLang="en-US" smtClean="0"/>
-              <a:t>2024-03-20</a:t>
+              <a:t>2024-03-22</a:t>
             </a:fld>
             <a:endParaRPr lang="ko-KR" altLang="en-US"/>
           </a:p>
@@ -705,7 +710,7 @@
           <a:p>
             <a:fld id="{06A60B17-2656-4C09-A24A-B8AE84C95C86}" type="datetimeFigureOut">
               <a:rPr lang="ko-KR" altLang="en-US" smtClean="0"/>
-              <a:t>2024-03-20</a:t>
+              <a:t>2024-03-22</a:t>
             </a:fld>
             <a:endParaRPr lang="ko-KR" altLang="en-US"/>
           </a:p>
@@ -903,7 +908,7 @@
           <a:p>
             <a:fld id="{06A60B17-2656-4C09-A24A-B8AE84C95C86}" type="datetimeFigureOut">
               <a:rPr lang="ko-KR" altLang="en-US" smtClean="0"/>
-              <a:t>2024-03-20</a:t>
+              <a:t>2024-03-22</a:t>
             </a:fld>
             <a:endParaRPr lang="ko-KR" altLang="en-US"/>
           </a:p>
@@ -1178,7 +1183,7 @@
           <a:p>
             <a:fld id="{06A60B17-2656-4C09-A24A-B8AE84C95C86}" type="datetimeFigureOut">
               <a:rPr lang="ko-KR" altLang="en-US" smtClean="0"/>
-              <a:t>2024-03-20</a:t>
+              <a:t>2024-03-22</a:t>
             </a:fld>
             <a:endParaRPr lang="ko-KR" altLang="en-US"/>
           </a:p>
@@ -1443,7 +1448,7 @@
           <a:p>
             <a:fld id="{06A60B17-2656-4C09-A24A-B8AE84C95C86}" type="datetimeFigureOut">
               <a:rPr lang="ko-KR" altLang="en-US" smtClean="0"/>
-              <a:t>2024-03-20</a:t>
+              <a:t>2024-03-22</a:t>
             </a:fld>
             <a:endParaRPr lang="ko-KR" altLang="en-US"/>
           </a:p>
@@ -1855,7 +1860,7 @@
           <a:p>
             <a:fld id="{06A60B17-2656-4C09-A24A-B8AE84C95C86}" type="datetimeFigureOut">
               <a:rPr lang="ko-KR" altLang="en-US" smtClean="0"/>
-              <a:t>2024-03-20</a:t>
+              <a:t>2024-03-22</a:t>
             </a:fld>
             <a:endParaRPr lang="ko-KR" altLang="en-US"/>
           </a:p>
@@ -1996,7 +2001,7 @@
           <a:p>
             <a:fld id="{06A60B17-2656-4C09-A24A-B8AE84C95C86}" type="datetimeFigureOut">
               <a:rPr lang="ko-KR" altLang="en-US" smtClean="0"/>
-              <a:t>2024-03-20</a:t>
+              <a:t>2024-03-22</a:t>
             </a:fld>
             <a:endParaRPr lang="ko-KR" altLang="en-US"/>
           </a:p>
@@ -2109,7 +2114,7 @@
           <a:p>
             <a:fld id="{06A60B17-2656-4C09-A24A-B8AE84C95C86}" type="datetimeFigureOut">
               <a:rPr lang="ko-KR" altLang="en-US" smtClean="0"/>
-              <a:t>2024-03-20</a:t>
+              <a:t>2024-03-22</a:t>
             </a:fld>
             <a:endParaRPr lang="ko-KR" altLang="en-US"/>
           </a:p>
@@ -2420,7 +2425,7 @@
           <a:p>
             <a:fld id="{06A60B17-2656-4C09-A24A-B8AE84C95C86}" type="datetimeFigureOut">
               <a:rPr lang="ko-KR" altLang="en-US" smtClean="0"/>
-              <a:t>2024-03-20</a:t>
+              <a:t>2024-03-22</a:t>
             </a:fld>
             <a:endParaRPr lang="ko-KR" altLang="en-US"/>
           </a:p>
@@ -2708,7 +2713,7 @@
           <a:p>
             <a:fld id="{06A60B17-2656-4C09-A24A-B8AE84C95C86}" type="datetimeFigureOut">
               <a:rPr lang="ko-KR" altLang="en-US" smtClean="0"/>
-              <a:t>2024-03-20</a:t>
+              <a:t>2024-03-22</a:t>
             </a:fld>
             <a:endParaRPr lang="ko-KR" altLang="en-US"/>
           </a:p>
@@ -2949,7 +2954,7 @@
           <a:p>
             <a:fld id="{06A60B17-2656-4C09-A24A-B8AE84C95C86}" type="datetimeFigureOut">
               <a:rPr lang="ko-KR" altLang="en-US" smtClean="0"/>
-              <a:t>2024-03-20</a:t>
+              <a:t>2024-03-22</a:t>
             </a:fld>
             <a:endParaRPr lang="ko-KR" altLang="en-US"/>
           </a:p>
@@ -6086,7 +6091,7 @@
         </p:blipFill>
         <p:spPr>
           <a:xfrm>
-            <a:off x="231659" y="4891918"/>
+            <a:off x="2295353" y="4891918"/>
             <a:ext cx="6151617" cy="611260"/>
           </a:xfrm>
           <a:prstGeom prst="rect">
@@ -6130,7 +6135,7 @@
         </p:blipFill>
         <p:spPr>
           <a:xfrm>
-            <a:off x="231659" y="5624519"/>
+            <a:off x="2295353" y="5624519"/>
             <a:ext cx="6151617" cy="1104888"/>
           </a:xfrm>
           <a:prstGeom prst="rect">
@@ -6174,7 +6179,7 @@
         </p:blipFill>
         <p:spPr>
           <a:xfrm>
-            <a:off x="6656442" y="4891918"/>
+            <a:off x="8720136" y="4891918"/>
             <a:ext cx="666750" cy="628650"/>
           </a:xfrm>
           <a:prstGeom prst="rect">
@@ -6204,7 +6209,7 @@
         </p:blipFill>
         <p:spPr>
           <a:xfrm>
-            <a:off x="6704067" y="5914326"/>
+            <a:off x="8767761" y="5914326"/>
             <a:ext cx="619125" cy="666750"/>
           </a:xfrm>
           <a:prstGeom prst="rect">
@@ -11636,11 +11641,32 @@
           <a:lstStyle/>
           <a:p>
             <a:r>
+              <a:rPr lang="ko-KR" altLang="en-US" dirty="0">
+                <a:latin typeface="HY헤드라인M" panose="02030600000101010101" pitchFamily="18" charset="-127"/>
+                <a:ea typeface="HY헤드라인M" panose="02030600000101010101" pitchFamily="18" charset="-127"/>
+              </a:rPr>
+              <a:t>키워드</a:t>
+            </a:r>
+            <a:r>
               <a:rPr lang="en-US" altLang="ko-KR" dirty="0">
                 <a:latin typeface="HY헤드라인M" panose="02030600000101010101" pitchFamily="18" charset="-127"/>
                 <a:ea typeface="HY헤드라인M" panose="02030600000101010101" pitchFamily="18" charset="-127"/>
               </a:rPr>
-              <a:t>?</a:t>
+              <a:t>(keyboards)</a:t>
+            </a:r>
+            <a:r>
+              <a:rPr lang="ko-KR" altLang="en-US" dirty="0">
+                <a:latin typeface="HY헤드라인M" panose="02030600000101010101" pitchFamily="18" charset="-127"/>
+                <a:ea typeface="HY헤드라인M" panose="02030600000101010101" pitchFamily="18" charset="-127"/>
+              </a:rPr>
+              <a:t>와 인수</a:t>
+            </a:r>
+            <a:r>
+              <a:rPr lang="en-US" altLang="ko-KR" dirty="0">
+                <a:latin typeface="HY헤드라인M" panose="02030600000101010101" pitchFamily="18" charset="-127"/>
+                <a:ea typeface="HY헤드라인M" panose="02030600000101010101" pitchFamily="18" charset="-127"/>
+              </a:rPr>
+              <a:t>(arguments)</a:t>
             </a:r>
             <a:endParaRPr lang="ko-KR" altLang="en-US" dirty="0">
               <a:latin typeface="HY헤드라인M" panose="02030600000101010101" pitchFamily="18" charset="-127"/>
@@ -11734,100 +11760,132 @@
           </a:fontRef>
         </p:style>
       </p:cxnSp>
-      <p:pic>
-        <p:nvPicPr>
-          <p:cNvPr id="3" name="내용 개체 틀 2">
-            <a:extLst>
-              <a:ext uri="{FF2B5EF4-FFF2-40B4-BE49-F238E27FC236}">
-                <a16:creationId xmlns:a16="http://schemas.microsoft.com/office/drawing/2014/main" id="{7AC34120-4B9E-4848-892C-74D255B79C25}"/>
-              </a:ext>
-            </a:extLst>
-          </p:cNvPr>
-          <p:cNvPicPr>
-            <a:picLocks noGrp="1" noChangeAspect="1"/>
-          </p:cNvPicPr>
+      <p:sp>
+        <p:nvSpPr>
+          <p:cNvPr id="7" name="내용 개체 틀 6">
+            <a:extLst>
+              <a:ext uri="{FF2B5EF4-FFF2-40B4-BE49-F238E27FC236}">
+                <a16:creationId xmlns:a16="http://schemas.microsoft.com/office/drawing/2014/main" id="{D952638E-18BD-4894-91AB-D859C866F918}"/>
+              </a:ext>
+            </a:extLst>
+          </p:cNvPr>
+          <p:cNvSpPr>
+            <a:spLocks noGrp="1"/>
+          </p:cNvSpPr>
           <p:nvPr>
             <p:ph idx="1"/>
           </p:nvPr>
-        </p:nvPicPr>
-        <p:blipFill>
-          <a:blip r:embed="rId2"/>
-          <a:stretch>
-            <a:fillRect/>
-          </a:stretch>
-        </p:blipFill>
-        <p:spPr>
-          <a:xfrm>
-            <a:off x="838200" y="1968624"/>
-            <a:ext cx="6149191" cy="3509387"/>
-          </a:xfrm>
-          <a:prstGeom prst="rect">
-            <a:avLst/>
-          </a:prstGeom>
-          <a:ln w="38100" cap="sq">
-            <a:solidFill>
-              <a:srgbClr val="000000"/>
-            </a:solidFill>
-            <a:prstDash val="solid"/>
-            <a:miter lim="800000"/>
-          </a:ln>
-          <a:effectLst>
-            <a:outerShdw blurRad="50800" dist="38100" dir="2700000" algn="tl" rotWithShape="0">
-              <a:srgbClr val="000000">
-                <a:alpha val="43000"/>
-              </a:srgbClr>
-            </a:outerShdw>
-          </a:effectLst>
-        </p:spPr>
-      </p:pic>
-      <p:pic>
-        <p:nvPicPr>
-          <p:cNvPr id="5" name="그림 4">
-            <a:extLst>
-              <a:ext uri="{FF2B5EF4-FFF2-40B4-BE49-F238E27FC236}">
-                <a16:creationId xmlns:a16="http://schemas.microsoft.com/office/drawing/2014/main" id="{EB000662-AC87-4301-9206-FC619D454949}"/>
-              </a:ext>
-            </a:extLst>
-          </p:cNvPr>
-          <p:cNvPicPr>
-            <a:picLocks noChangeAspect="1"/>
-          </p:cNvPicPr>
-          <p:nvPr/>
-        </p:nvPicPr>
-        <p:blipFill>
-          <a:blip r:embed="rId3"/>
-          <a:stretch>
-            <a:fillRect/>
-          </a:stretch>
-        </p:blipFill>
-        <p:spPr>
-          <a:xfrm>
-            <a:off x="5796793" y="3238150"/>
-            <a:ext cx="5452844" cy="3341595"/>
-          </a:xfrm>
-          <a:prstGeom prst="rect">
-            <a:avLst/>
-          </a:prstGeom>
-          <a:ln w="38100" cap="sq">
-            <a:solidFill>
-              <a:srgbClr val="000000"/>
-            </a:solidFill>
-            <a:prstDash val="solid"/>
-            <a:miter lim="800000"/>
-          </a:ln>
-          <a:effectLst>
-            <a:outerShdw blurRad="50800" dist="38100" dir="2700000" algn="tl" rotWithShape="0">
-              <a:srgbClr val="000000">
-                <a:alpha val="43000"/>
-              </a:srgbClr>
-            </a:outerShdw>
-          </a:effectLst>
-        </p:spPr>
-      </p:pic>
+        </p:nvSpPr>
+        <p:spPr/>
+        <p:txBody>
+          <a:bodyPr>
+            <a:normAutofit fontScale="92500" lnSpcReduction="10000"/>
+          </a:bodyPr>
+          <a:lstStyle/>
+          <a:p>
+            <a:r>
+              <a:rPr lang="ko-KR" altLang="en-US" dirty="0"/>
+              <a:t>키워드와 인수는 명령을 어디서 또는 어떻게 실행할 것인지를 식별</a:t>
+            </a:r>
+            <a:r>
+              <a:rPr lang="en-US" altLang="ko-KR" dirty="0"/>
+              <a:t>.</a:t>
+            </a:r>
+          </a:p>
+          <a:p>
+            <a:endParaRPr lang="en-US" altLang="ko-KR" dirty="0"/>
+          </a:p>
+          <a:p>
+            <a:r>
+              <a:rPr lang="ko-KR" altLang="en-US" dirty="0" err="1"/>
+              <a:t>리졸버</a:t>
+            </a:r>
+            <a:r>
+              <a:rPr lang="en-US" altLang="ko-KR" dirty="0"/>
+              <a:t>(resolver) : </a:t>
+            </a:r>
+            <a:r>
+              <a:rPr lang="ko-KR" altLang="en-US" dirty="0"/>
+              <a:t>네임서버로 질의를 수행하여 그 결과를 응용프로그램에 반환해주는 소프트웨어 모듈</a:t>
+            </a:r>
+            <a:r>
+              <a:rPr lang="en-US" altLang="ko-KR" dirty="0"/>
+              <a:t>/</a:t>
+            </a:r>
+            <a:r>
+              <a:rPr lang="ko-KR" altLang="en-US" dirty="0"/>
+              <a:t>라이브러리</a:t>
+            </a:r>
+            <a:endParaRPr lang="en-US" altLang="ko-KR" dirty="0"/>
+          </a:p>
+          <a:p>
+            <a:endParaRPr lang="en-US" altLang="ko-KR" dirty="0"/>
+          </a:p>
+          <a:p>
+            <a:r>
+              <a:rPr lang="ko-KR" altLang="en-US" dirty="0"/>
+              <a:t>명령어 </a:t>
+            </a:r>
+            <a:r>
+              <a:rPr lang="ko-KR" altLang="en-US" dirty="0" err="1"/>
+              <a:t>리졸버</a:t>
+            </a:r>
+            <a:r>
+              <a:rPr lang="en-US" altLang="ko-KR" dirty="0"/>
+              <a:t>(resolver)</a:t>
+            </a:r>
+            <a:r>
+              <a:rPr lang="ko-KR" altLang="en-US" dirty="0"/>
+              <a:t>에 특별한 파라미터 값들을 표현</a:t>
+            </a:r>
+            <a:r>
+              <a:rPr lang="en-US" altLang="ko-KR" dirty="0"/>
+              <a:t>.</a:t>
+            </a:r>
+          </a:p>
+          <a:p>
+            <a:endParaRPr lang="en-US" altLang="ko-KR" dirty="0"/>
+          </a:p>
+          <a:p>
+            <a:r>
+              <a:rPr lang="ko-KR" altLang="en-US" dirty="0"/>
+              <a:t>키워드와 다르게 인수는 일반적으로 미리 정해진 단어가 아님</a:t>
+            </a:r>
+            <a:r>
+              <a:rPr lang="en-US" altLang="ko-KR" dirty="0"/>
+              <a:t>.</a:t>
+            </a:r>
+          </a:p>
+          <a:p>
+            <a:endParaRPr lang="en-US" altLang="ko-KR" dirty="0"/>
+          </a:p>
+          <a:p>
+            <a:r>
+              <a:rPr lang="ko-KR" altLang="en-US" dirty="0"/>
+              <a:t>인수는 어떤 값이나 사용자에 의해 정의된 변수</a:t>
+            </a:r>
+            <a:r>
+              <a:rPr lang="en-US" altLang="ko-KR" dirty="0"/>
+              <a:t>.</a:t>
+            </a:r>
+            <a:r>
+              <a:rPr lang="ko-KR" altLang="en-US" dirty="0"/>
+              <a:t> </a:t>
+            </a:r>
+            <a:endParaRPr lang="en-US" altLang="ko-KR" dirty="0"/>
+          </a:p>
+          <a:p>
+            <a:endParaRPr lang="en-US" altLang="ko-KR" dirty="0"/>
+          </a:p>
+          <a:p>
+            <a:endParaRPr lang="ko-KR" altLang="en-US" dirty="0"/>
+          </a:p>
+        </p:txBody>
+      </p:sp>
     </p:spTree>
     <p:extLst>
       <p:ext uri="{BB962C8B-B14F-4D97-AF65-F5344CB8AC3E}">
-        <p14:creationId xmlns:p14="http://schemas.microsoft.com/office/powerpoint/2010/main" val="2052250639"/>
+        <p14:creationId xmlns:p14="http://schemas.microsoft.com/office/powerpoint/2010/main" val="613020117"/>
       </p:ext>
     </p:extLst>
   </p:cSld>
@@ -11885,35 +11943,7 @@
                 <a:latin typeface="HY헤드라인M" panose="02030600000101010101" pitchFamily="18" charset="-127"/>
                 <a:ea typeface="HY헤드라인M" panose="02030600000101010101" pitchFamily="18" charset="-127"/>
               </a:rPr>
-              <a:t>no</a:t>
-            </a:r>
-            <a:r>
-              <a:rPr lang="ko-KR" altLang="en-US" dirty="0">
-                <a:latin typeface="HY헤드라인M" panose="02030600000101010101" pitchFamily="18" charset="-127"/>
-                <a:ea typeface="HY헤드라인M" panose="02030600000101010101" pitchFamily="18" charset="-127"/>
-              </a:rPr>
-              <a:t> </a:t>
-            </a:r>
-            <a:r>
-              <a:rPr lang="en-US" altLang="ko-KR" dirty="0" err="1">
-                <a:latin typeface="HY헤드라인M" panose="02030600000101010101" pitchFamily="18" charset="-127"/>
-                <a:ea typeface="HY헤드라인M" panose="02030600000101010101" pitchFamily="18" charset="-127"/>
-              </a:rPr>
-              <a:t>ip</a:t>
-            </a:r>
-            <a:r>
-              <a:rPr lang="ko-KR" altLang="en-US" dirty="0">
-                <a:latin typeface="HY헤드라인M" panose="02030600000101010101" pitchFamily="18" charset="-127"/>
-                <a:ea typeface="HY헤드라인M" panose="02030600000101010101" pitchFamily="18" charset="-127"/>
-              </a:rPr>
-              <a:t> </a:t>
-            </a:r>
-            <a:r>
-              <a:rPr lang="en-US" altLang="ko-KR" dirty="0">
-                <a:latin typeface="HY헤드라인M" panose="02030600000101010101" pitchFamily="18" charset="-127"/>
-                <a:ea typeface="HY헤드라인M" panose="02030600000101010101" pitchFamily="18" charset="-127"/>
-              </a:rPr>
-              <a:t>domain-lookup</a:t>
+              <a:t>?</a:t>
             </a:r>
             <a:endParaRPr lang="ko-KR" altLang="en-US" dirty="0">
               <a:latin typeface="HY헤드라인M" panose="02030600000101010101" pitchFamily="18" charset="-127"/>
@@ -12007,120 +12037,32 @@
           </a:fontRef>
         </p:style>
       </p:cxnSp>
-      <p:sp>
-        <p:nvSpPr>
-          <p:cNvPr id="7" name="내용 개체 틀 6">
-            <a:extLst>
-              <a:ext uri="{FF2B5EF4-FFF2-40B4-BE49-F238E27FC236}">
-                <a16:creationId xmlns:a16="http://schemas.microsoft.com/office/drawing/2014/main" id="{D952638E-18BD-4894-91AB-D859C866F918}"/>
-              </a:ext>
-            </a:extLst>
-          </p:cNvPr>
-          <p:cNvSpPr>
-            <a:spLocks noGrp="1"/>
-          </p:cNvSpPr>
+      <p:pic>
+        <p:nvPicPr>
+          <p:cNvPr id="3" name="내용 개체 틀 2">
+            <a:extLst>
+              <a:ext uri="{FF2B5EF4-FFF2-40B4-BE49-F238E27FC236}">
+                <a16:creationId xmlns:a16="http://schemas.microsoft.com/office/drawing/2014/main" id="{7AC34120-4B9E-4848-892C-74D255B79C25}"/>
+              </a:ext>
+            </a:extLst>
+          </p:cNvPr>
+          <p:cNvPicPr>
+            <a:picLocks noGrp="1" noChangeAspect="1"/>
+          </p:cNvPicPr>
           <p:nvPr>
             <p:ph idx="1"/>
           </p:nvPr>
-        </p:nvSpPr>
-        <p:spPr/>
-        <p:txBody>
-          <a:bodyPr/>
-          <a:lstStyle/>
-          <a:p>
-            <a:r>
-              <a:rPr lang="ko-KR" altLang="en-US" dirty="0"/>
-              <a:t>명령어를 잘못 입력 시 </a:t>
-            </a:r>
-            <a:r>
-              <a:rPr lang="en-US" altLang="ko-KR" dirty="0"/>
-              <a:t>DNS</a:t>
-            </a:r>
-            <a:r>
-              <a:rPr lang="ko-KR" altLang="en-US" dirty="0"/>
-              <a:t>서버를 찾는 시간을 줄임</a:t>
-            </a:r>
-            <a:r>
-              <a:rPr lang="en-US" altLang="ko-KR" dirty="0"/>
-              <a:t>.</a:t>
-            </a:r>
-          </a:p>
-          <a:p>
-            <a:endParaRPr lang="en-US" altLang="ko-KR" sz="1000" dirty="0"/>
-          </a:p>
-          <a:p>
-            <a:r>
-              <a:rPr lang="en-US" altLang="ko-KR" dirty="0"/>
-              <a:t>DNS </a:t>
-            </a:r>
-            <a:r>
-              <a:rPr lang="ko-KR" altLang="en-US" dirty="0"/>
-              <a:t>서버 찾기 종료 키 </a:t>
-            </a:r>
-            <a:r>
-              <a:rPr lang="en-US" altLang="ko-KR" dirty="0"/>
-              <a:t>: </a:t>
-            </a:r>
-            <a:r>
-              <a:rPr lang="en-US" altLang="ko-KR" dirty="0">
-                <a:solidFill>
-                  <a:srgbClr val="FF0000"/>
-                </a:solidFill>
-              </a:rPr>
-              <a:t>CTRL + SHIFT + 6 </a:t>
-            </a:r>
-          </a:p>
-          <a:p>
-            <a:pPr marL="0" indent="0">
-              <a:buNone/>
-            </a:pPr>
-            <a:r>
-              <a:rPr lang="en-US" altLang="ko-KR" dirty="0"/>
-              <a:t>  (</a:t>
-            </a:r>
-            <a:r>
-              <a:rPr lang="ko-KR" altLang="en-US" dirty="0"/>
-              <a:t>동시에 누르면 </a:t>
-            </a:r>
-            <a:r>
-              <a:rPr lang="en-US" altLang="ko-KR" dirty="0"/>
-              <a:t>DNS </a:t>
-            </a:r>
-            <a:r>
-              <a:rPr lang="ko-KR" altLang="en-US" dirty="0"/>
-              <a:t>서버 찾기가 중지</a:t>
-            </a:r>
-            <a:r>
-              <a:rPr lang="en-US" altLang="ko-KR" dirty="0"/>
-              <a:t>)</a:t>
-            </a:r>
-            <a:endParaRPr lang="ko-KR" altLang="en-US" dirty="0"/>
-          </a:p>
-        </p:txBody>
-      </p:sp>
-      <p:pic>
-        <p:nvPicPr>
-          <p:cNvPr id="3" name="그림 2">
-            <a:extLst>
-              <a:ext uri="{FF2B5EF4-FFF2-40B4-BE49-F238E27FC236}">
-                <a16:creationId xmlns:a16="http://schemas.microsoft.com/office/drawing/2014/main" id="{5C9FFBE7-F4DC-4660-98D8-76E8392F779A}"/>
-              </a:ext>
-            </a:extLst>
-          </p:cNvPr>
-          <p:cNvPicPr>
-            <a:picLocks noChangeAspect="1"/>
-          </p:cNvPicPr>
-          <p:nvPr/>
         </p:nvPicPr>
-        <p:blipFill rotWithShape="1">
+        <p:blipFill>
           <a:blip r:embed="rId2"/>
-          <a:srcRect b="12463"/>
-          <a:stretch/>
+          <a:stretch>
+            <a:fillRect/>
+          </a:stretch>
         </p:blipFill>
         <p:spPr>
           <a:xfrm>
-            <a:off x="838200" y="3811336"/>
-            <a:ext cx="8266996" cy="707027"/>
+            <a:off x="838200" y="1968624"/>
+            <a:ext cx="6149191" cy="3509387"/>
           </a:xfrm>
           <a:prstGeom prst="rect">
             <a:avLst/>
@@ -12146,7 +12088,7 @@
           <p:cNvPr id="5" name="그림 4">
             <a:extLst>
               <a:ext uri="{FF2B5EF4-FFF2-40B4-BE49-F238E27FC236}">
-                <a16:creationId xmlns:a16="http://schemas.microsoft.com/office/drawing/2014/main" id="{D2F7593F-B973-4218-80DA-C5B6F5795A85}"/>
+                <a16:creationId xmlns:a16="http://schemas.microsoft.com/office/drawing/2014/main" id="{EB000662-AC87-4301-9206-FC619D454949}"/>
               </a:ext>
             </a:extLst>
           </p:cNvPr>
@@ -12163,8 +12105,8 @@
         </p:blipFill>
         <p:spPr>
           <a:xfrm>
-            <a:off x="838200" y="4767596"/>
-            <a:ext cx="8266996" cy="1912295"/>
+            <a:off x="5796793" y="3238150"/>
+            <a:ext cx="5452844" cy="3341595"/>
           </a:xfrm>
           <a:prstGeom prst="rect">
             <a:avLst/>
@@ -12185,208 +12127,10 @@
           </a:effectLst>
         </p:spPr>
       </p:pic>
-      <p:sp>
-        <p:nvSpPr>
-          <p:cNvPr id="8" name="사각형: 둥근 모서리 7">
-            <a:extLst>
-              <a:ext uri="{FF2B5EF4-FFF2-40B4-BE49-F238E27FC236}">
-                <a16:creationId xmlns:a16="http://schemas.microsoft.com/office/drawing/2014/main" id="{E49F0804-3FE8-480D-BEC0-01F2D4CA5A28}"/>
-              </a:ext>
-            </a:extLst>
-          </p:cNvPr>
-          <p:cNvSpPr/>
-          <p:nvPr/>
-        </p:nvSpPr>
-        <p:spPr>
-          <a:xfrm>
-            <a:off x="2877431" y="5234794"/>
-            <a:ext cx="2650914" cy="293551"/>
-          </a:xfrm>
-          <a:prstGeom prst="roundRect">
-            <a:avLst/>
-          </a:prstGeom>
-          <a:noFill/>
-          <a:ln w="12700">
-            <a:solidFill>
-              <a:srgbClr val="FF0000"/>
-            </a:solidFill>
-          </a:ln>
-        </p:spPr>
-        <p:style>
-          <a:lnRef idx="2">
-            <a:schemeClr val="accent1">
-              <a:shade val="50000"/>
-            </a:schemeClr>
-          </a:lnRef>
-          <a:fillRef idx="1">
-            <a:schemeClr val="accent1"/>
-          </a:fillRef>
-          <a:effectRef idx="0">
-            <a:schemeClr val="accent1"/>
-          </a:effectRef>
-          <a:fontRef idx="minor">
-            <a:schemeClr val="lt1"/>
-          </a:fontRef>
-        </p:style>
-        <p:txBody>
-          <a:bodyPr rtlCol="0" anchor="ctr"/>
-          <a:lstStyle/>
-          <a:p>
-            <a:pPr algn="ctr"/>
-            <a:endParaRPr lang="ko-KR" altLang="en-US" dirty="0"/>
-          </a:p>
-        </p:txBody>
-      </p:sp>
-      <p:sp>
-        <p:nvSpPr>
-          <p:cNvPr id="9" name="사각형: 둥근 모서리 8">
-            <a:extLst>
-              <a:ext uri="{FF2B5EF4-FFF2-40B4-BE49-F238E27FC236}">
-                <a16:creationId xmlns:a16="http://schemas.microsoft.com/office/drawing/2014/main" id="{A1D5AAE6-5127-42F6-8FB3-25F5F9A66F2E}"/>
-              </a:ext>
-            </a:extLst>
-          </p:cNvPr>
-          <p:cNvSpPr/>
-          <p:nvPr/>
-        </p:nvSpPr>
-        <p:spPr>
-          <a:xfrm>
-            <a:off x="1830206" y="4832059"/>
-            <a:ext cx="871049" cy="229088"/>
-          </a:xfrm>
-          <a:prstGeom prst="roundRect">
-            <a:avLst/>
-          </a:prstGeom>
-          <a:noFill/>
-          <a:ln w="12700">
-            <a:solidFill>
-              <a:srgbClr val="FF0000"/>
-            </a:solidFill>
-          </a:ln>
-        </p:spPr>
-        <p:style>
-          <a:lnRef idx="2">
-            <a:schemeClr val="accent1">
-              <a:shade val="50000"/>
-            </a:schemeClr>
-          </a:lnRef>
-          <a:fillRef idx="1">
-            <a:schemeClr val="accent1"/>
-          </a:fillRef>
-          <a:effectRef idx="0">
-            <a:schemeClr val="accent1"/>
-          </a:effectRef>
-          <a:fontRef idx="minor">
-            <a:schemeClr val="lt1"/>
-          </a:fontRef>
-        </p:style>
-        <p:txBody>
-          <a:bodyPr rtlCol="0" anchor="ctr"/>
-          <a:lstStyle/>
-          <a:p>
-            <a:pPr algn="ctr"/>
-            <a:endParaRPr lang="ko-KR" altLang="en-US" dirty="0"/>
-          </a:p>
-        </p:txBody>
-      </p:sp>
-      <p:sp>
-        <p:nvSpPr>
-          <p:cNvPr id="10" name="사각형: 둥근 모서리 9">
-            <a:extLst>
-              <a:ext uri="{FF2B5EF4-FFF2-40B4-BE49-F238E27FC236}">
-                <a16:creationId xmlns:a16="http://schemas.microsoft.com/office/drawing/2014/main" id="{07F9F1B2-7EA9-4BF9-BA41-673189A21D84}"/>
-              </a:ext>
-            </a:extLst>
-          </p:cNvPr>
-          <p:cNvSpPr/>
-          <p:nvPr/>
-        </p:nvSpPr>
-        <p:spPr>
-          <a:xfrm>
-            <a:off x="5092820" y="2639142"/>
-            <a:ext cx="3111613" cy="407521"/>
-          </a:xfrm>
-          <a:prstGeom prst="roundRect">
-            <a:avLst/>
-          </a:prstGeom>
-          <a:noFill/>
-          <a:ln w="12700">
-            <a:solidFill>
-              <a:srgbClr val="FF0000"/>
-            </a:solidFill>
-          </a:ln>
-        </p:spPr>
-        <p:style>
-          <a:lnRef idx="2">
-            <a:schemeClr val="accent1">
-              <a:shade val="50000"/>
-            </a:schemeClr>
-          </a:lnRef>
-          <a:fillRef idx="1">
-            <a:schemeClr val="accent1"/>
-          </a:fillRef>
-          <a:effectRef idx="0">
-            <a:schemeClr val="accent1"/>
-          </a:effectRef>
-          <a:fontRef idx="minor">
-            <a:schemeClr val="lt1"/>
-          </a:fontRef>
-        </p:style>
-        <p:txBody>
-          <a:bodyPr rtlCol="0" anchor="ctr"/>
-          <a:lstStyle/>
-          <a:p>
-            <a:pPr algn="ctr"/>
-            <a:endParaRPr lang="ko-KR" altLang="en-US" dirty="0"/>
-          </a:p>
-        </p:txBody>
-      </p:sp>
-      <p:cxnSp>
-        <p:nvCxnSpPr>
-          <p:cNvPr id="14" name="직선 화살표 연결선 13">
-            <a:extLst>
-              <a:ext uri="{FF2B5EF4-FFF2-40B4-BE49-F238E27FC236}">
-                <a16:creationId xmlns:a16="http://schemas.microsoft.com/office/drawing/2014/main" id="{90D6EFC6-88B1-412D-9E8C-E6535403C35B}"/>
-              </a:ext>
-            </a:extLst>
-          </p:cNvPr>
-          <p:cNvCxnSpPr/>
-          <p:nvPr/>
-        </p:nvCxnSpPr>
-        <p:spPr>
-          <a:xfrm>
-            <a:off x="7843706" y="3046663"/>
-            <a:ext cx="0" cy="1055554"/>
-          </a:xfrm>
-          <a:prstGeom prst="straightConnector1">
-            <a:avLst/>
-          </a:prstGeom>
-          <a:ln>
-            <a:solidFill>
-              <a:srgbClr val="FF0000"/>
-            </a:solidFill>
-            <a:tailEnd type="triangle"/>
-          </a:ln>
-        </p:spPr>
-        <p:style>
-          <a:lnRef idx="1">
-            <a:schemeClr val="accent1"/>
-          </a:lnRef>
-          <a:fillRef idx="0">
-            <a:schemeClr val="accent1"/>
-          </a:fillRef>
-          <a:effectRef idx="0">
-            <a:schemeClr val="accent1"/>
-          </a:effectRef>
-          <a:fontRef idx="minor">
-            <a:schemeClr val="tx1"/>
-          </a:fontRef>
-        </p:style>
-      </p:cxnSp>
     </p:spTree>
     <p:extLst>
       <p:ext uri="{BB962C8B-B14F-4D97-AF65-F5344CB8AC3E}">
-        <p14:creationId xmlns:p14="http://schemas.microsoft.com/office/powerpoint/2010/main" val="4182656783"/>
+        <p14:creationId xmlns:p14="http://schemas.microsoft.com/office/powerpoint/2010/main" val="2052250639"/>
       </p:ext>
     </p:extLst>
   </p:cSld>
@@ -12439,6 +12183,41 @@
           <a:bodyPr/>
           <a:lstStyle/>
           <a:p>
+            <a:r>
+              <a:rPr lang="en-US" altLang="ko-KR" dirty="0">
+                <a:latin typeface="HY헤드라인M" panose="02030600000101010101" pitchFamily="18" charset="-127"/>
+                <a:ea typeface="HY헤드라인M" panose="02030600000101010101" pitchFamily="18" charset="-127"/>
+              </a:rPr>
+              <a:t>no</a:t>
+            </a:r>
+            <a:r>
+              <a:rPr lang="ko-KR" altLang="en-US" dirty="0">
+                <a:latin typeface="HY헤드라인M" panose="02030600000101010101" pitchFamily="18" charset="-127"/>
+                <a:ea typeface="HY헤드라인M" panose="02030600000101010101" pitchFamily="18" charset="-127"/>
+              </a:rPr>
+              <a:t> </a:t>
+            </a:r>
+            <a:r>
+              <a:rPr lang="en-US" altLang="ko-KR" dirty="0" err="1">
+                <a:latin typeface="HY헤드라인M" panose="02030600000101010101" pitchFamily="18" charset="-127"/>
+                <a:ea typeface="HY헤드라인M" panose="02030600000101010101" pitchFamily="18" charset="-127"/>
+              </a:rPr>
+              <a:t>ip</a:t>
+            </a:r>
+            <a:r>
+              <a:rPr lang="ko-KR" altLang="en-US" dirty="0">
+                <a:latin typeface="HY헤드라인M" panose="02030600000101010101" pitchFamily="18" charset="-127"/>
+                <a:ea typeface="HY헤드라인M" panose="02030600000101010101" pitchFamily="18" charset="-127"/>
+              </a:rPr>
+              <a:t> </a:t>
+            </a:r>
+            <a:r>
+              <a:rPr lang="en-US" altLang="ko-KR" dirty="0">
+                <a:latin typeface="HY헤드라인M" panose="02030600000101010101" pitchFamily="18" charset="-127"/>
+                <a:ea typeface="HY헤드라인M" panose="02030600000101010101" pitchFamily="18" charset="-127"/>
+              </a:rPr>
+              <a:t>domain-lookup</a:t>
+            </a:r>
             <a:endParaRPr lang="ko-KR" altLang="en-US" dirty="0">
               <a:latin typeface="HY헤드라인M" panose="02030600000101010101" pitchFamily="18" charset="-127"/>
               <a:ea typeface="HY헤드라인M" panose="02030600000101010101" pitchFamily="18" charset="-127"/>
@@ -12552,14 +12331,365 @@
           <a:bodyPr/>
           <a:lstStyle/>
           <a:p>
-            <a:endParaRPr lang="ko-KR" altLang="en-US"/>
+            <a:r>
+              <a:rPr lang="ko-KR" altLang="en-US" dirty="0"/>
+              <a:t>명령어를 잘못 입력 시 </a:t>
+            </a:r>
+            <a:r>
+              <a:rPr lang="en-US" altLang="ko-KR" dirty="0"/>
+              <a:t>DNS</a:t>
+            </a:r>
+            <a:r>
+              <a:rPr lang="ko-KR" altLang="en-US" dirty="0"/>
+              <a:t>서버를 찾는 시간을 줄임</a:t>
+            </a:r>
+            <a:r>
+              <a:rPr lang="en-US" altLang="ko-KR" dirty="0"/>
+              <a:t>.</a:t>
+            </a:r>
+          </a:p>
+          <a:p>
+            <a:endParaRPr lang="en-US" altLang="ko-KR" sz="1000" dirty="0"/>
+          </a:p>
+          <a:p>
+            <a:r>
+              <a:rPr lang="en-US" altLang="ko-KR" dirty="0"/>
+              <a:t>DNS </a:t>
+            </a:r>
+            <a:r>
+              <a:rPr lang="ko-KR" altLang="en-US" dirty="0"/>
+              <a:t>서버 찾기 종료 키 </a:t>
+            </a:r>
+            <a:r>
+              <a:rPr lang="en-US" altLang="ko-KR" dirty="0"/>
+              <a:t>: </a:t>
+            </a:r>
+            <a:r>
+              <a:rPr lang="en-US" altLang="ko-KR" dirty="0">
+                <a:solidFill>
+                  <a:srgbClr val="FF0000"/>
+                </a:solidFill>
+              </a:rPr>
+              <a:t>CTRL + SHIFT + 6 </a:t>
+            </a:r>
+          </a:p>
+          <a:p>
+            <a:pPr marL="0" indent="0">
+              <a:buNone/>
+            </a:pPr>
+            <a:r>
+              <a:rPr lang="en-US" altLang="ko-KR" dirty="0"/>
+              <a:t>  (</a:t>
+            </a:r>
+            <a:r>
+              <a:rPr lang="ko-KR" altLang="en-US" dirty="0"/>
+              <a:t>동시에 누르면 </a:t>
+            </a:r>
+            <a:r>
+              <a:rPr lang="en-US" altLang="ko-KR" dirty="0"/>
+              <a:t>DNS </a:t>
+            </a:r>
+            <a:r>
+              <a:rPr lang="ko-KR" altLang="en-US" dirty="0"/>
+              <a:t>서버 찾기가 중지</a:t>
+            </a:r>
+            <a:r>
+              <a:rPr lang="en-US" altLang="ko-KR" dirty="0"/>
+              <a:t>)</a:t>
+            </a:r>
+            <a:endParaRPr lang="ko-KR" altLang="en-US" dirty="0"/>
           </a:p>
         </p:txBody>
       </p:sp>
+      <p:pic>
+        <p:nvPicPr>
+          <p:cNvPr id="3" name="그림 2">
+            <a:extLst>
+              <a:ext uri="{FF2B5EF4-FFF2-40B4-BE49-F238E27FC236}">
+                <a16:creationId xmlns:a16="http://schemas.microsoft.com/office/drawing/2014/main" id="{5C9FFBE7-F4DC-4660-98D8-76E8392F779A}"/>
+              </a:ext>
+            </a:extLst>
+          </p:cNvPr>
+          <p:cNvPicPr>
+            <a:picLocks noChangeAspect="1"/>
+          </p:cNvPicPr>
+          <p:nvPr/>
+        </p:nvPicPr>
+        <p:blipFill rotWithShape="1">
+          <a:blip r:embed="rId2"/>
+          <a:srcRect b="12463"/>
+          <a:stretch/>
+        </p:blipFill>
+        <p:spPr>
+          <a:xfrm>
+            <a:off x="838200" y="3811336"/>
+            <a:ext cx="8266996" cy="707027"/>
+          </a:xfrm>
+          <a:prstGeom prst="rect">
+            <a:avLst/>
+          </a:prstGeom>
+          <a:ln w="38100" cap="sq">
+            <a:solidFill>
+              <a:srgbClr val="000000"/>
+            </a:solidFill>
+            <a:prstDash val="solid"/>
+            <a:miter lim="800000"/>
+          </a:ln>
+          <a:effectLst>
+            <a:outerShdw blurRad="50800" dist="38100" dir="2700000" algn="tl" rotWithShape="0">
+              <a:srgbClr val="000000">
+                <a:alpha val="43000"/>
+              </a:srgbClr>
+            </a:outerShdw>
+          </a:effectLst>
+        </p:spPr>
+      </p:pic>
+      <p:pic>
+        <p:nvPicPr>
+          <p:cNvPr id="5" name="그림 4">
+            <a:extLst>
+              <a:ext uri="{FF2B5EF4-FFF2-40B4-BE49-F238E27FC236}">
+                <a16:creationId xmlns:a16="http://schemas.microsoft.com/office/drawing/2014/main" id="{D2F7593F-B973-4218-80DA-C5B6F5795A85}"/>
+              </a:ext>
+            </a:extLst>
+          </p:cNvPr>
+          <p:cNvPicPr>
+            <a:picLocks noChangeAspect="1"/>
+          </p:cNvPicPr>
+          <p:nvPr/>
+        </p:nvPicPr>
+        <p:blipFill>
+          <a:blip r:embed="rId3"/>
+          <a:stretch>
+            <a:fillRect/>
+          </a:stretch>
+        </p:blipFill>
+        <p:spPr>
+          <a:xfrm>
+            <a:off x="838200" y="4767596"/>
+            <a:ext cx="8266996" cy="1912295"/>
+          </a:xfrm>
+          <a:prstGeom prst="rect">
+            <a:avLst/>
+          </a:prstGeom>
+          <a:ln w="38100" cap="sq">
+            <a:solidFill>
+              <a:srgbClr val="000000"/>
+            </a:solidFill>
+            <a:prstDash val="solid"/>
+            <a:miter lim="800000"/>
+          </a:ln>
+          <a:effectLst>
+            <a:outerShdw blurRad="50800" dist="38100" dir="2700000" algn="tl" rotWithShape="0">
+              <a:srgbClr val="000000">
+                <a:alpha val="43000"/>
+              </a:srgbClr>
+            </a:outerShdw>
+          </a:effectLst>
+        </p:spPr>
+      </p:pic>
+      <p:sp>
+        <p:nvSpPr>
+          <p:cNvPr id="8" name="사각형: 둥근 모서리 7">
+            <a:extLst>
+              <a:ext uri="{FF2B5EF4-FFF2-40B4-BE49-F238E27FC236}">
+                <a16:creationId xmlns:a16="http://schemas.microsoft.com/office/drawing/2014/main" id="{E49F0804-3FE8-480D-BEC0-01F2D4CA5A28}"/>
+              </a:ext>
+            </a:extLst>
+          </p:cNvPr>
+          <p:cNvSpPr/>
+          <p:nvPr/>
+        </p:nvSpPr>
+        <p:spPr>
+          <a:xfrm>
+            <a:off x="2877431" y="5234794"/>
+            <a:ext cx="2650914" cy="293551"/>
+          </a:xfrm>
+          <a:prstGeom prst="roundRect">
+            <a:avLst/>
+          </a:prstGeom>
+          <a:noFill/>
+          <a:ln w="12700">
+            <a:solidFill>
+              <a:srgbClr val="FF0000"/>
+            </a:solidFill>
+          </a:ln>
+        </p:spPr>
+        <p:style>
+          <a:lnRef idx="2">
+            <a:schemeClr val="accent1">
+              <a:shade val="50000"/>
+            </a:schemeClr>
+          </a:lnRef>
+          <a:fillRef idx="1">
+            <a:schemeClr val="accent1"/>
+          </a:fillRef>
+          <a:effectRef idx="0">
+            <a:schemeClr val="accent1"/>
+          </a:effectRef>
+          <a:fontRef idx="minor">
+            <a:schemeClr val="lt1"/>
+          </a:fontRef>
+        </p:style>
+        <p:txBody>
+          <a:bodyPr rtlCol="0" anchor="ctr"/>
+          <a:lstStyle/>
+          <a:p>
+            <a:pPr algn="ctr"/>
+            <a:endParaRPr lang="ko-KR" altLang="en-US" dirty="0"/>
+          </a:p>
+        </p:txBody>
+      </p:sp>
+      <p:sp>
+        <p:nvSpPr>
+          <p:cNvPr id="9" name="사각형: 둥근 모서리 8">
+            <a:extLst>
+              <a:ext uri="{FF2B5EF4-FFF2-40B4-BE49-F238E27FC236}">
+                <a16:creationId xmlns:a16="http://schemas.microsoft.com/office/drawing/2014/main" id="{A1D5AAE6-5127-42F6-8FB3-25F5F9A66F2E}"/>
+              </a:ext>
+            </a:extLst>
+          </p:cNvPr>
+          <p:cNvSpPr/>
+          <p:nvPr/>
+        </p:nvSpPr>
+        <p:spPr>
+          <a:xfrm>
+            <a:off x="1830206" y="4832059"/>
+            <a:ext cx="871049" cy="229088"/>
+          </a:xfrm>
+          <a:prstGeom prst="roundRect">
+            <a:avLst/>
+          </a:prstGeom>
+          <a:noFill/>
+          <a:ln w="12700">
+            <a:solidFill>
+              <a:srgbClr val="FF0000"/>
+            </a:solidFill>
+          </a:ln>
+        </p:spPr>
+        <p:style>
+          <a:lnRef idx="2">
+            <a:schemeClr val="accent1">
+              <a:shade val="50000"/>
+            </a:schemeClr>
+          </a:lnRef>
+          <a:fillRef idx="1">
+            <a:schemeClr val="accent1"/>
+          </a:fillRef>
+          <a:effectRef idx="0">
+            <a:schemeClr val="accent1"/>
+          </a:effectRef>
+          <a:fontRef idx="minor">
+            <a:schemeClr val="lt1"/>
+          </a:fontRef>
+        </p:style>
+        <p:txBody>
+          <a:bodyPr rtlCol="0" anchor="ctr"/>
+          <a:lstStyle/>
+          <a:p>
+            <a:pPr algn="ctr"/>
+            <a:endParaRPr lang="ko-KR" altLang="en-US" dirty="0"/>
+          </a:p>
+        </p:txBody>
+      </p:sp>
+      <p:sp>
+        <p:nvSpPr>
+          <p:cNvPr id="10" name="사각형: 둥근 모서리 9">
+            <a:extLst>
+              <a:ext uri="{FF2B5EF4-FFF2-40B4-BE49-F238E27FC236}">
+                <a16:creationId xmlns:a16="http://schemas.microsoft.com/office/drawing/2014/main" id="{07F9F1B2-7EA9-4BF9-BA41-673189A21D84}"/>
+              </a:ext>
+            </a:extLst>
+          </p:cNvPr>
+          <p:cNvSpPr/>
+          <p:nvPr/>
+        </p:nvSpPr>
+        <p:spPr>
+          <a:xfrm>
+            <a:off x="5092820" y="2639142"/>
+            <a:ext cx="3111613" cy="407521"/>
+          </a:xfrm>
+          <a:prstGeom prst="roundRect">
+            <a:avLst/>
+          </a:prstGeom>
+          <a:noFill/>
+          <a:ln w="12700">
+            <a:solidFill>
+              <a:srgbClr val="FF0000"/>
+            </a:solidFill>
+          </a:ln>
+        </p:spPr>
+        <p:style>
+          <a:lnRef idx="2">
+            <a:schemeClr val="accent1">
+              <a:shade val="50000"/>
+            </a:schemeClr>
+          </a:lnRef>
+          <a:fillRef idx="1">
+            <a:schemeClr val="accent1"/>
+          </a:fillRef>
+          <a:effectRef idx="0">
+            <a:schemeClr val="accent1"/>
+          </a:effectRef>
+          <a:fontRef idx="minor">
+            <a:schemeClr val="lt1"/>
+          </a:fontRef>
+        </p:style>
+        <p:txBody>
+          <a:bodyPr rtlCol="0" anchor="ctr"/>
+          <a:lstStyle/>
+          <a:p>
+            <a:pPr algn="ctr"/>
+            <a:endParaRPr lang="ko-KR" altLang="en-US" dirty="0"/>
+          </a:p>
+        </p:txBody>
+      </p:sp>
+      <p:cxnSp>
+        <p:nvCxnSpPr>
+          <p:cNvPr id="14" name="직선 화살표 연결선 13">
+            <a:extLst>
+              <a:ext uri="{FF2B5EF4-FFF2-40B4-BE49-F238E27FC236}">
+                <a16:creationId xmlns:a16="http://schemas.microsoft.com/office/drawing/2014/main" id="{90D6EFC6-88B1-412D-9E8C-E6535403C35B}"/>
+              </a:ext>
+            </a:extLst>
+          </p:cNvPr>
+          <p:cNvCxnSpPr/>
+          <p:nvPr/>
+        </p:nvCxnSpPr>
+        <p:spPr>
+          <a:xfrm>
+            <a:off x="7843706" y="3046663"/>
+            <a:ext cx="0" cy="1055554"/>
+          </a:xfrm>
+          <a:prstGeom prst="straightConnector1">
+            <a:avLst/>
+          </a:prstGeom>
+          <a:ln>
+            <a:solidFill>
+              <a:srgbClr val="FF0000"/>
+            </a:solidFill>
+            <a:tailEnd type="triangle"/>
+          </a:ln>
+        </p:spPr>
+        <p:style>
+          <a:lnRef idx="1">
+            <a:schemeClr val="accent1"/>
+          </a:lnRef>
+          <a:fillRef idx="0">
+            <a:schemeClr val="accent1"/>
+          </a:fillRef>
+          <a:effectRef idx="0">
+            <a:schemeClr val="accent1"/>
+          </a:effectRef>
+          <a:fontRef idx="minor">
+            <a:schemeClr val="tx1"/>
+          </a:fontRef>
+        </p:style>
+      </p:cxnSp>
     </p:spTree>
     <p:extLst>
       <p:ext uri="{BB962C8B-B14F-4D97-AF65-F5344CB8AC3E}">
-        <p14:creationId xmlns:p14="http://schemas.microsoft.com/office/powerpoint/2010/main" val="613020117"/>
+        <p14:creationId xmlns:p14="http://schemas.microsoft.com/office/powerpoint/2010/main" val="4182656783"/>
       </p:ext>
     </p:extLst>
   </p:cSld>
@@ -12612,10 +12742,41 @@
           <a:bodyPr/>
           <a:lstStyle/>
           <a:p>
-            <a:endParaRPr lang="ko-KR" altLang="en-US" dirty="0">
-              <a:latin typeface="HY헤드라인M" panose="02030600000101010101" pitchFamily="18" charset="-127"/>
-              <a:ea typeface="HY헤드라인M" panose="02030600000101010101" pitchFamily="18" charset="-127"/>
-            </a:endParaRPr>
+            <a:r>
+              <a:rPr lang="ko-KR" altLang="en-US" dirty="0">
+                <a:latin typeface="HY헤드라인M" panose="02030600000101010101" pitchFamily="18" charset="-127"/>
+                <a:ea typeface="HY헤드라인M" panose="02030600000101010101" pitchFamily="18" charset="-127"/>
+              </a:rPr>
+              <a:t>수행 </a:t>
+            </a:r>
+            <a:r>
+              <a:rPr lang="en-US" altLang="ko-KR" dirty="0">
+                <a:latin typeface="HY헤드라인M" panose="02030600000101010101" pitchFamily="18" charset="-127"/>
+                <a:ea typeface="HY헤드라인M" panose="02030600000101010101" pitchFamily="18" charset="-127"/>
+              </a:rPr>
+              <a:t>– </a:t>
+            </a:r>
+            <a:r>
+              <a:rPr lang="ko-KR" altLang="en-US" dirty="0">
+                <a:latin typeface="HY헤드라인M" panose="02030600000101010101" pitchFamily="18" charset="-127"/>
+                <a:ea typeface="HY헤드라인M" panose="02030600000101010101" pitchFamily="18" charset="-127"/>
+              </a:rPr>
+              <a:t>콘솔</a:t>
+            </a:r>
+            <a:r>
+              <a:rPr lang="en-US" altLang="ko-KR" dirty="0">
+                <a:latin typeface="HY헤드라인M" panose="02030600000101010101" pitchFamily="18" charset="-127"/>
+                <a:ea typeface="HY헤드라인M" panose="02030600000101010101" pitchFamily="18" charset="-127"/>
+              </a:rPr>
+              <a:t>(Console) </a:t>
+            </a:r>
+            <a:r>
+              <a:rPr lang="ko-KR" altLang="en-US" dirty="0">
+                <a:latin typeface="HY헤드라인M" panose="02030600000101010101" pitchFamily="18" charset="-127"/>
+                <a:ea typeface="HY헤드라인M" panose="02030600000101010101" pitchFamily="18" charset="-127"/>
+              </a:rPr>
+              <a:t>연결</a:t>
+            </a:r>
           </a:p>
         </p:txBody>
       </p:sp>
@@ -12704,28 +12865,327 @@
           </a:fontRef>
         </p:style>
       </p:cxnSp>
-      <p:sp>
-        <p:nvSpPr>
-          <p:cNvPr id="7" name="내용 개체 틀 6">
-            <a:extLst>
-              <a:ext uri="{FF2B5EF4-FFF2-40B4-BE49-F238E27FC236}">
-                <a16:creationId xmlns:a16="http://schemas.microsoft.com/office/drawing/2014/main" id="{D952638E-18BD-4894-91AB-D859C866F918}"/>
-              </a:ext>
-            </a:extLst>
-          </p:cNvPr>
-          <p:cNvSpPr>
-            <a:spLocks noGrp="1"/>
-          </p:cNvSpPr>
+      <p:pic>
+        <p:nvPicPr>
+          <p:cNvPr id="3" name="내용 개체 틀 2">
+            <a:extLst>
+              <a:ext uri="{FF2B5EF4-FFF2-40B4-BE49-F238E27FC236}">
+                <a16:creationId xmlns:a16="http://schemas.microsoft.com/office/drawing/2014/main" id="{26D347A4-66BF-4D9B-84C9-95164DF5D8FF}"/>
+              </a:ext>
+            </a:extLst>
+          </p:cNvPr>
+          <p:cNvPicPr>
+            <a:picLocks noGrp="1" noChangeAspect="1"/>
+          </p:cNvPicPr>
           <p:nvPr>
             <p:ph idx="1"/>
           </p:nvPr>
+        </p:nvPicPr>
+        <p:blipFill>
+          <a:blip r:embed="rId2"/>
+          <a:stretch>
+            <a:fillRect/>
+          </a:stretch>
+        </p:blipFill>
+        <p:spPr>
+          <a:xfrm>
+            <a:off x="899151" y="1720135"/>
+            <a:ext cx="10762739" cy="2163937"/>
+          </a:xfrm>
+          <a:prstGeom prst="rect">
+            <a:avLst/>
+          </a:prstGeom>
+          <a:ln w="38100" cap="sq">
+            <a:solidFill>
+              <a:srgbClr val="000000"/>
+            </a:solidFill>
+            <a:prstDash val="solid"/>
+            <a:miter lim="800000"/>
+          </a:ln>
+          <a:effectLst>
+            <a:outerShdw blurRad="50800" dist="38100" dir="2700000" algn="tl" rotWithShape="0">
+              <a:srgbClr val="000000">
+                <a:alpha val="43000"/>
+              </a:srgbClr>
+            </a:outerShdw>
+          </a:effectLst>
+        </p:spPr>
+      </p:pic>
+      <p:sp>
+        <p:nvSpPr>
+          <p:cNvPr id="5" name="직사각형 4">
+            <a:extLst>
+              <a:ext uri="{FF2B5EF4-FFF2-40B4-BE49-F238E27FC236}">
+                <a16:creationId xmlns:a16="http://schemas.microsoft.com/office/drawing/2014/main" id="{B2E3CD43-BFE4-4940-82F1-91F6E11EFB05}"/>
+              </a:ext>
+            </a:extLst>
+          </p:cNvPr>
+          <p:cNvSpPr/>
+          <p:nvPr/>
         </p:nvSpPr>
-        <p:spPr/>
+        <p:spPr>
+          <a:xfrm>
+            <a:off x="5100506" y="2961314"/>
+            <a:ext cx="486562" cy="467686"/>
+          </a:xfrm>
+          <a:prstGeom prst="rect">
+            <a:avLst/>
+          </a:prstGeom>
+          <a:noFill/>
+          <a:ln w="28575">
+            <a:solidFill>
+              <a:srgbClr val="FF0000"/>
+            </a:solidFill>
+          </a:ln>
+        </p:spPr>
+        <p:style>
+          <a:lnRef idx="2">
+            <a:schemeClr val="accent1">
+              <a:shade val="50000"/>
+            </a:schemeClr>
+          </a:lnRef>
+          <a:fillRef idx="1">
+            <a:schemeClr val="accent1"/>
+          </a:fillRef>
+          <a:effectRef idx="0">
+            <a:schemeClr val="accent1"/>
+          </a:effectRef>
+          <a:fontRef idx="minor">
+            <a:schemeClr val="lt1"/>
+          </a:fontRef>
+        </p:style>
         <p:txBody>
-          <a:bodyPr/>
+          <a:bodyPr rtlCol="0" anchor="ctr"/>
           <a:lstStyle/>
           <a:p>
-            <a:endParaRPr lang="ko-KR" altLang="en-US"/>
+            <a:pPr algn="ctr"/>
+            <a:endParaRPr lang="ko-KR" altLang="en-US" dirty="0"/>
+          </a:p>
+        </p:txBody>
+      </p:sp>
+      <p:pic>
+        <p:nvPicPr>
+          <p:cNvPr id="9" name="그림 8">
+            <a:extLst>
+              <a:ext uri="{FF2B5EF4-FFF2-40B4-BE49-F238E27FC236}">
+                <a16:creationId xmlns:a16="http://schemas.microsoft.com/office/drawing/2014/main" id="{7CE1C5BC-A037-46C0-BE0B-A5DD95E045C1}"/>
+              </a:ext>
+            </a:extLst>
+          </p:cNvPr>
+          <p:cNvPicPr>
+            <a:picLocks noChangeAspect="1"/>
+          </p:cNvPicPr>
+          <p:nvPr/>
+        </p:nvPicPr>
+        <p:blipFill>
+          <a:blip r:embed="rId3"/>
+          <a:stretch>
+            <a:fillRect/>
+          </a:stretch>
+        </p:blipFill>
+        <p:spPr>
+          <a:xfrm>
+            <a:off x="5030561" y="4132277"/>
+            <a:ext cx="3354067" cy="2431427"/>
+          </a:xfrm>
+          <a:prstGeom prst="rect">
+            <a:avLst/>
+          </a:prstGeom>
+          <a:ln w="38100" cap="sq">
+            <a:solidFill>
+              <a:srgbClr val="000000"/>
+            </a:solidFill>
+            <a:prstDash val="solid"/>
+            <a:miter lim="800000"/>
+          </a:ln>
+          <a:effectLst>
+            <a:outerShdw blurRad="50800" dist="38100" dir="2700000" algn="tl" rotWithShape="0">
+              <a:srgbClr val="000000">
+                <a:alpha val="43000"/>
+              </a:srgbClr>
+            </a:outerShdw>
+          </a:effectLst>
+        </p:spPr>
+      </p:pic>
+      <p:cxnSp>
+        <p:nvCxnSpPr>
+          <p:cNvPr id="11" name="직선 화살표 연결선 10">
+            <a:extLst>
+              <a:ext uri="{FF2B5EF4-FFF2-40B4-BE49-F238E27FC236}">
+                <a16:creationId xmlns:a16="http://schemas.microsoft.com/office/drawing/2014/main" id="{D373F744-1985-4B92-AD6F-47F1B0DA4331}"/>
+              </a:ext>
+            </a:extLst>
+          </p:cNvPr>
+          <p:cNvCxnSpPr/>
+          <p:nvPr/>
+        </p:nvCxnSpPr>
+        <p:spPr>
+          <a:xfrm>
+            <a:off x="5587068" y="3429000"/>
+            <a:ext cx="1677798" cy="2527183"/>
+          </a:xfrm>
+          <a:prstGeom prst="straightConnector1">
+            <a:avLst/>
+          </a:prstGeom>
+          <a:ln w="38100">
+            <a:solidFill>
+              <a:srgbClr val="FF0000"/>
+            </a:solidFill>
+            <a:tailEnd type="triangle"/>
+          </a:ln>
+        </p:spPr>
+        <p:style>
+          <a:lnRef idx="1">
+            <a:schemeClr val="accent1"/>
+          </a:lnRef>
+          <a:fillRef idx="0">
+            <a:schemeClr val="accent1"/>
+          </a:fillRef>
+          <a:effectRef idx="0">
+            <a:schemeClr val="accent1"/>
+          </a:effectRef>
+          <a:fontRef idx="minor">
+            <a:schemeClr val="tx1"/>
+          </a:fontRef>
+        </p:style>
+      </p:cxnSp>
+      <p:pic>
+        <p:nvPicPr>
+          <p:cNvPr id="14" name="그림 13">
+            <a:extLst>
+              <a:ext uri="{FF2B5EF4-FFF2-40B4-BE49-F238E27FC236}">
+                <a16:creationId xmlns:a16="http://schemas.microsoft.com/office/drawing/2014/main" id="{5EF2A020-49B4-468A-8409-F5B7848582FD}"/>
+              </a:ext>
+            </a:extLst>
+          </p:cNvPr>
+          <p:cNvPicPr>
+            <a:picLocks noChangeAspect="1"/>
+          </p:cNvPicPr>
+          <p:nvPr/>
+        </p:nvPicPr>
+        <p:blipFill>
+          <a:blip r:embed="rId4"/>
+          <a:stretch>
+            <a:fillRect/>
+          </a:stretch>
+        </p:blipFill>
+        <p:spPr>
+          <a:xfrm>
+            <a:off x="838637" y="4208258"/>
+            <a:ext cx="3354067" cy="2355446"/>
+          </a:xfrm>
+          <a:prstGeom prst="rect">
+            <a:avLst/>
+          </a:prstGeom>
+          <a:ln w="38100" cap="sq">
+            <a:solidFill>
+              <a:srgbClr val="000000"/>
+            </a:solidFill>
+            <a:prstDash val="solid"/>
+            <a:miter lim="800000"/>
+          </a:ln>
+          <a:effectLst>
+            <a:outerShdw blurRad="50800" dist="38100" dir="2700000" algn="tl" rotWithShape="0">
+              <a:srgbClr val="000000">
+                <a:alpha val="43000"/>
+              </a:srgbClr>
+            </a:outerShdw>
+          </a:effectLst>
+        </p:spPr>
+      </p:pic>
+      <p:cxnSp>
+        <p:nvCxnSpPr>
+          <p:cNvPr id="13" name="직선 화살표 연결선 12">
+            <a:extLst>
+              <a:ext uri="{FF2B5EF4-FFF2-40B4-BE49-F238E27FC236}">
+                <a16:creationId xmlns:a16="http://schemas.microsoft.com/office/drawing/2014/main" id="{FB5BE503-60E9-47F3-AF27-CB14F1E64D96}"/>
+              </a:ext>
+            </a:extLst>
+          </p:cNvPr>
+          <p:cNvCxnSpPr>
+            <a:cxnSpLocks/>
+          </p:cNvCxnSpPr>
+          <p:nvPr/>
+        </p:nvCxnSpPr>
+        <p:spPr>
+          <a:xfrm flipV="1">
+            <a:off x="3682766" y="5763237"/>
+            <a:ext cx="1543575" cy="117446"/>
+          </a:xfrm>
+          <a:prstGeom prst="straightConnector1">
+            <a:avLst/>
+          </a:prstGeom>
+          <a:ln w="38100">
+            <a:solidFill>
+              <a:srgbClr val="FF0000"/>
+            </a:solidFill>
+            <a:tailEnd type="triangle"/>
+          </a:ln>
+        </p:spPr>
+        <p:style>
+          <a:lnRef idx="1">
+            <a:schemeClr val="accent1"/>
+          </a:lnRef>
+          <a:fillRef idx="0">
+            <a:schemeClr val="accent1"/>
+          </a:fillRef>
+          <a:effectRef idx="0">
+            <a:schemeClr val="accent1"/>
+          </a:effectRef>
+          <a:fontRef idx="minor">
+            <a:schemeClr val="tx1"/>
+          </a:fontRef>
+        </p:style>
+      </p:cxnSp>
+      <p:sp>
+        <p:nvSpPr>
+          <p:cNvPr id="16" name="직사각형 15">
+            <a:extLst>
+              <a:ext uri="{FF2B5EF4-FFF2-40B4-BE49-F238E27FC236}">
+                <a16:creationId xmlns:a16="http://schemas.microsoft.com/office/drawing/2014/main" id="{40821B80-4188-41F4-BF32-2B5D61D8BC02}"/>
+              </a:ext>
+            </a:extLst>
+          </p:cNvPr>
+          <p:cNvSpPr/>
+          <p:nvPr/>
+        </p:nvSpPr>
+        <p:spPr>
+          <a:xfrm>
+            <a:off x="2452419" y="5670958"/>
+            <a:ext cx="1230347" cy="520116"/>
+          </a:xfrm>
+          <a:prstGeom prst="rect">
+            <a:avLst/>
+          </a:prstGeom>
+          <a:noFill/>
+          <a:ln w="28575">
+            <a:solidFill>
+              <a:srgbClr val="FF0000"/>
+            </a:solidFill>
+          </a:ln>
+        </p:spPr>
+        <p:style>
+          <a:lnRef idx="2">
+            <a:schemeClr val="accent1">
+              <a:shade val="50000"/>
+            </a:schemeClr>
+          </a:lnRef>
+          <a:fillRef idx="1">
+            <a:schemeClr val="accent1"/>
+          </a:fillRef>
+          <a:effectRef idx="0">
+            <a:schemeClr val="accent1"/>
+          </a:effectRef>
+          <a:fontRef idx="minor">
+            <a:schemeClr val="lt1"/>
+          </a:fontRef>
+        </p:style>
+        <p:txBody>
+          <a:bodyPr rtlCol="0" anchor="ctr"/>
+          <a:lstStyle/>
+          <a:p>
+            <a:pPr algn="ctr"/>
+            <a:endParaRPr lang="ko-KR" altLang="en-US" dirty="0"/>
           </a:p>
         </p:txBody>
       </p:sp>
@@ -12785,6 +13245,48 @@
           <a:bodyPr/>
           <a:lstStyle/>
           <a:p>
+            <a:r>
+              <a:rPr lang="ko-KR" altLang="en-US" dirty="0">
+                <a:latin typeface="HY헤드라인M" panose="02030600000101010101" pitchFamily="18" charset="-127"/>
+                <a:ea typeface="HY헤드라인M" panose="02030600000101010101" pitchFamily="18" charset="-127"/>
+              </a:rPr>
+              <a:t>수행 </a:t>
+            </a:r>
+            <a:r>
+              <a:rPr lang="en-US" altLang="ko-KR" dirty="0">
+                <a:latin typeface="HY헤드라인M" panose="02030600000101010101" pitchFamily="18" charset="-127"/>
+                <a:ea typeface="HY헤드라인M" panose="02030600000101010101" pitchFamily="18" charset="-127"/>
+              </a:rPr>
+              <a:t>– </a:t>
+            </a:r>
+            <a:r>
+              <a:rPr lang="ko-KR" altLang="en-US" dirty="0">
+                <a:latin typeface="HY헤드라인M" panose="02030600000101010101" pitchFamily="18" charset="-127"/>
+                <a:ea typeface="HY헤드라인M" panose="02030600000101010101" pitchFamily="18" charset="-127"/>
+              </a:rPr>
+              <a:t>콘솔 연결</a:t>
+            </a:r>
+            <a:r>
+              <a:rPr lang="en-US" altLang="ko-KR" dirty="0">
+                <a:latin typeface="HY헤드라인M" panose="02030600000101010101" pitchFamily="18" charset="-127"/>
+                <a:ea typeface="HY헤드라인M" panose="02030600000101010101" pitchFamily="18" charset="-127"/>
+              </a:rPr>
+              <a:t>(</a:t>
+            </a:r>
+            <a:r>
+              <a:rPr lang="ko-KR" altLang="en-US" dirty="0">
+                <a:latin typeface="HY헤드라인M" panose="02030600000101010101" pitchFamily="18" charset="-127"/>
+                <a:ea typeface="HY헤드라인M" panose="02030600000101010101" pitchFamily="18" charset="-127"/>
+              </a:rPr>
+              <a:t>패킷 트레이서</a:t>
+            </a:r>
+            <a:r>
+              <a:rPr lang="en-US" altLang="ko-KR" dirty="0">
+                <a:latin typeface="HY헤드라인M" panose="02030600000101010101" pitchFamily="18" charset="-127"/>
+                <a:ea typeface="HY헤드라인M" panose="02030600000101010101" pitchFamily="18" charset="-127"/>
+              </a:rPr>
+              <a:t>)</a:t>
+            </a:r>
             <a:endParaRPr lang="ko-KR" altLang="en-US" dirty="0">
               <a:latin typeface="HY헤드라인M" panose="02030600000101010101" pitchFamily="18" charset="-127"/>
               <a:ea typeface="HY헤드라인M" panose="02030600000101010101" pitchFamily="18" charset="-127"/>
@@ -12877,31 +13379,282 @@
           </a:fontRef>
         </p:style>
       </p:cxnSp>
-      <p:sp>
-        <p:nvSpPr>
-          <p:cNvPr id="7" name="내용 개체 틀 6">
-            <a:extLst>
-              <a:ext uri="{FF2B5EF4-FFF2-40B4-BE49-F238E27FC236}">
-                <a16:creationId xmlns:a16="http://schemas.microsoft.com/office/drawing/2014/main" id="{D952638E-18BD-4894-91AB-D859C866F918}"/>
-              </a:ext>
-            </a:extLst>
-          </p:cNvPr>
-          <p:cNvSpPr>
-            <a:spLocks noGrp="1"/>
-          </p:cNvSpPr>
+      <p:pic>
+        <p:nvPicPr>
+          <p:cNvPr id="3" name="내용 개체 틀 2">
+            <a:extLst>
+              <a:ext uri="{FF2B5EF4-FFF2-40B4-BE49-F238E27FC236}">
+                <a16:creationId xmlns:a16="http://schemas.microsoft.com/office/drawing/2014/main" id="{2F537A21-5F28-4D65-A4B1-345977A0D423}"/>
+              </a:ext>
+            </a:extLst>
+          </p:cNvPr>
+          <p:cNvPicPr>
+            <a:picLocks noGrp="1" noChangeAspect="1"/>
+          </p:cNvPicPr>
           <p:nvPr>
             <p:ph idx="1"/>
           </p:nvPr>
+        </p:nvPicPr>
+        <p:blipFill>
+          <a:blip r:embed="rId2"/>
+          <a:stretch>
+            <a:fillRect/>
+          </a:stretch>
+        </p:blipFill>
+        <p:spPr>
+          <a:xfrm>
+            <a:off x="921916" y="2377755"/>
+            <a:ext cx="3219450" cy="3028950"/>
+          </a:xfrm>
+          <a:prstGeom prst="rect">
+            <a:avLst/>
+          </a:prstGeom>
+        </p:spPr>
+      </p:pic>
+      <p:pic>
+        <p:nvPicPr>
+          <p:cNvPr id="5" name="그림 4">
+            <a:extLst>
+              <a:ext uri="{FF2B5EF4-FFF2-40B4-BE49-F238E27FC236}">
+                <a16:creationId xmlns:a16="http://schemas.microsoft.com/office/drawing/2014/main" id="{150EB88E-A4A7-427C-BE5E-E29EC9D77DD4}"/>
+              </a:ext>
+            </a:extLst>
+          </p:cNvPr>
+          <p:cNvPicPr>
+            <a:picLocks noChangeAspect="1"/>
+          </p:cNvPicPr>
+          <p:nvPr/>
+        </p:nvPicPr>
+        <p:blipFill rotWithShape="1">
+          <a:blip r:embed="rId3"/>
+          <a:srcRect l="15688" t="54029" r="79426" b="41465"/>
+          <a:stretch/>
+        </p:blipFill>
+        <p:spPr>
+          <a:xfrm>
+            <a:off x="2093491" y="3888476"/>
+            <a:ext cx="1626493" cy="595618"/>
+          </a:xfrm>
+          <a:prstGeom prst="rect">
+            <a:avLst/>
+          </a:prstGeom>
+        </p:spPr>
+      </p:pic>
+      <p:pic>
+        <p:nvPicPr>
+          <p:cNvPr id="8" name="그림 7">
+            <a:extLst>
+              <a:ext uri="{FF2B5EF4-FFF2-40B4-BE49-F238E27FC236}">
+                <a16:creationId xmlns:a16="http://schemas.microsoft.com/office/drawing/2014/main" id="{C356BA40-DC24-44AD-BADD-4C1804289C5A}"/>
+              </a:ext>
+            </a:extLst>
+          </p:cNvPr>
+          <p:cNvPicPr>
+            <a:picLocks noChangeAspect="1"/>
+          </p:cNvPicPr>
+          <p:nvPr/>
+        </p:nvPicPr>
+        <p:blipFill>
+          <a:blip r:embed="rId4"/>
+          <a:stretch>
+            <a:fillRect/>
+          </a:stretch>
+        </p:blipFill>
+        <p:spPr>
+          <a:xfrm>
+            <a:off x="2093491" y="4540457"/>
+            <a:ext cx="438150" cy="476250"/>
+          </a:xfrm>
+          <a:prstGeom prst="rect">
+            <a:avLst/>
+          </a:prstGeom>
+          <a:ln w="38100" cap="sq">
+            <a:solidFill>
+              <a:srgbClr val="000000"/>
+            </a:solidFill>
+            <a:prstDash val="solid"/>
+            <a:miter lim="800000"/>
+          </a:ln>
+          <a:effectLst>
+            <a:outerShdw blurRad="50800" dist="38100" dir="2700000" algn="tl" rotWithShape="0">
+              <a:srgbClr val="000000">
+                <a:alpha val="43000"/>
+              </a:srgbClr>
+            </a:outerShdw>
+          </a:effectLst>
+        </p:spPr>
+      </p:pic>
+      <p:pic>
+        <p:nvPicPr>
+          <p:cNvPr id="9" name="그림 8">
+            <a:extLst>
+              <a:ext uri="{FF2B5EF4-FFF2-40B4-BE49-F238E27FC236}">
+                <a16:creationId xmlns:a16="http://schemas.microsoft.com/office/drawing/2014/main" id="{9898E43B-15F3-4793-B78F-0EB9BCEE2310}"/>
+              </a:ext>
+            </a:extLst>
+          </p:cNvPr>
+          <p:cNvPicPr>
+            <a:picLocks noChangeAspect="1"/>
+          </p:cNvPicPr>
+          <p:nvPr/>
+        </p:nvPicPr>
+        <p:blipFill rotWithShape="1">
+          <a:blip r:embed="rId5"/>
+          <a:srcRect l="23600" t="36049" r="70529" b="54702"/>
+          <a:stretch/>
+        </p:blipFill>
+        <p:spPr>
+          <a:xfrm>
+            <a:off x="3976387" y="1955041"/>
+            <a:ext cx="1451290" cy="907703"/>
+          </a:xfrm>
+          <a:prstGeom prst="rect">
+            <a:avLst/>
+          </a:prstGeom>
+        </p:spPr>
+      </p:pic>
+      <p:pic>
+        <p:nvPicPr>
+          <p:cNvPr id="10" name="그림 9">
+            <a:extLst>
+              <a:ext uri="{FF2B5EF4-FFF2-40B4-BE49-F238E27FC236}">
+                <a16:creationId xmlns:a16="http://schemas.microsoft.com/office/drawing/2014/main" id="{296B3735-9D7D-4236-9C9F-F0B17531C7EF}"/>
+              </a:ext>
+            </a:extLst>
+          </p:cNvPr>
+          <p:cNvPicPr>
+            <a:picLocks noChangeAspect="1"/>
+          </p:cNvPicPr>
+          <p:nvPr/>
+        </p:nvPicPr>
+        <p:blipFill>
+          <a:blip r:embed="rId6"/>
+          <a:stretch>
+            <a:fillRect/>
+          </a:stretch>
+        </p:blipFill>
+        <p:spPr>
+          <a:xfrm>
+            <a:off x="6798032" y="1955041"/>
+            <a:ext cx="4555768" cy="4223432"/>
+          </a:xfrm>
+          <a:prstGeom prst="rect">
+            <a:avLst/>
+          </a:prstGeom>
+          <a:ln w="38100" cap="sq">
+            <a:solidFill>
+              <a:srgbClr val="000000"/>
+            </a:solidFill>
+            <a:prstDash val="solid"/>
+            <a:miter lim="800000"/>
+          </a:ln>
+          <a:effectLst>
+            <a:outerShdw blurRad="50800" dist="38100" dir="2700000" algn="tl" rotWithShape="0">
+              <a:srgbClr val="000000">
+                <a:alpha val="43000"/>
+              </a:srgbClr>
+            </a:outerShdw>
+          </a:effectLst>
+        </p:spPr>
+      </p:pic>
+      <p:sp>
+        <p:nvSpPr>
+          <p:cNvPr id="12" name="직사각형 11">
+            <a:extLst>
+              <a:ext uri="{FF2B5EF4-FFF2-40B4-BE49-F238E27FC236}">
+                <a16:creationId xmlns:a16="http://schemas.microsoft.com/office/drawing/2014/main" id="{FA35D20D-EBF8-4D5F-A760-EFABC25DA5AD}"/>
+              </a:ext>
+            </a:extLst>
+          </p:cNvPr>
+          <p:cNvSpPr/>
+          <p:nvPr/>
         </p:nvSpPr>
-        <p:spPr/>
+        <p:spPr>
+          <a:xfrm>
+            <a:off x="838200" y="1690688"/>
+            <a:ext cx="4881459" cy="3982323"/>
+          </a:xfrm>
+          <a:prstGeom prst="rect">
+            <a:avLst/>
+          </a:prstGeom>
+          <a:noFill/>
+          <a:ln w="28575">
+            <a:solidFill>
+              <a:srgbClr val="FF0000"/>
+            </a:solidFill>
+          </a:ln>
+        </p:spPr>
+        <p:style>
+          <a:lnRef idx="2">
+            <a:schemeClr val="accent1">
+              <a:shade val="50000"/>
+            </a:schemeClr>
+          </a:lnRef>
+          <a:fillRef idx="1">
+            <a:schemeClr val="accent1"/>
+          </a:fillRef>
+          <a:effectRef idx="0">
+            <a:schemeClr val="accent1"/>
+          </a:effectRef>
+          <a:fontRef idx="minor">
+            <a:schemeClr val="lt1"/>
+          </a:fontRef>
+        </p:style>
         <p:txBody>
-          <a:bodyPr/>
+          <a:bodyPr rtlCol="0" anchor="ctr"/>
           <a:lstStyle/>
           <a:p>
-            <a:endParaRPr lang="ko-KR" altLang="en-US"/>
+            <a:pPr algn="ctr"/>
+            <a:endParaRPr lang="ko-KR" altLang="en-US" dirty="0"/>
           </a:p>
         </p:txBody>
       </p:sp>
+      <p:cxnSp>
+        <p:nvCxnSpPr>
+          <p:cNvPr id="14" name="직선 화살표 연결선 13">
+            <a:extLst>
+              <a:ext uri="{FF2B5EF4-FFF2-40B4-BE49-F238E27FC236}">
+                <a16:creationId xmlns:a16="http://schemas.microsoft.com/office/drawing/2014/main" id="{BD55928E-E02F-42BD-A2E0-A2834124488C}"/>
+              </a:ext>
+            </a:extLst>
+          </p:cNvPr>
+          <p:cNvCxnSpPr>
+            <a:cxnSpLocks/>
+            <a:stCxn id="12" idx="3"/>
+            <a:endCxn id="10" idx="1"/>
+          </p:cNvCxnSpPr>
+          <p:nvPr/>
+        </p:nvCxnSpPr>
+        <p:spPr>
+          <a:xfrm>
+            <a:off x="5719659" y="3681850"/>
+            <a:ext cx="1078373" cy="384907"/>
+          </a:xfrm>
+          <a:prstGeom prst="straightConnector1">
+            <a:avLst/>
+          </a:prstGeom>
+          <a:ln w="38100">
+            <a:solidFill>
+              <a:srgbClr val="FF0000"/>
+            </a:solidFill>
+            <a:tailEnd type="triangle"/>
+          </a:ln>
+        </p:spPr>
+        <p:style>
+          <a:lnRef idx="1">
+            <a:schemeClr val="accent1"/>
+          </a:lnRef>
+          <a:fillRef idx="0">
+            <a:schemeClr val="accent1"/>
+          </a:fillRef>
+          <a:effectRef idx="0">
+            <a:schemeClr val="accent1"/>
+          </a:effectRef>
+          <a:fontRef idx="minor">
+            <a:schemeClr val="tx1"/>
+          </a:fontRef>
+        </p:style>
+      </p:cxnSp>
     </p:spTree>
     <p:extLst>
       <p:ext uri="{BB962C8B-B14F-4D97-AF65-F5344CB8AC3E}">
@@ -12958,10 +13711,27 @@
           <a:bodyPr/>
           <a:lstStyle/>
           <a:p>
-            <a:endParaRPr lang="ko-KR" altLang="en-US" dirty="0">
-              <a:latin typeface="HY헤드라인M" panose="02030600000101010101" pitchFamily="18" charset="-127"/>
-              <a:ea typeface="HY헤드라인M" panose="02030600000101010101" pitchFamily="18" charset="-127"/>
-            </a:endParaRPr>
+            <a:r>
+              <a:rPr lang="ko-KR" altLang="en-US" dirty="0">
+                <a:latin typeface="HY헤드라인M" panose="02030600000101010101" pitchFamily="18" charset="-127"/>
+                <a:ea typeface="HY헤드라인M" panose="02030600000101010101" pitchFamily="18" charset="-127"/>
+              </a:rPr>
+              <a:t>수행 </a:t>
+            </a:r>
+            <a:r>
+              <a:rPr lang="en-US" altLang="ko-KR" dirty="0">
+                <a:latin typeface="HY헤드라인M" panose="02030600000101010101" pitchFamily="18" charset="-127"/>
+                <a:ea typeface="HY헤드라인M" panose="02030600000101010101" pitchFamily="18" charset="-127"/>
+              </a:rPr>
+              <a:t>– </a:t>
+            </a:r>
+            <a:r>
+              <a:rPr lang="ko-KR" altLang="en-US" dirty="0">
+                <a:latin typeface="HY헤드라인M" panose="02030600000101010101" pitchFamily="18" charset="-127"/>
+                <a:ea typeface="HY헤드라인M" panose="02030600000101010101" pitchFamily="18" charset="-127"/>
+              </a:rPr>
+              <a:t>콘솔 연결</a:t>
+            </a:r>
           </a:p>
         </p:txBody>
       </p:sp>
@@ -13050,31 +13820,517 @@
           </a:fontRef>
         </p:style>
       </p:cxnSp>
-      <p:sp>
-        <p:nvSpPr>
-          <p:cNvPr id="7" name="내용 개체 틀 6">
-            <a:extLst>
-              <a:ext uri="{FF2B5EF4-FFF2-40B4-BE49-F238E27FC236}">
-                <a16:creationId xmlns:a16="http://schemas.microsoft.com/office/drawing/2014/main" id="{D952638E-18BD-4894-91AB-D859C866F918}"/>
-              </a:ext>
-            </a:extLst>
-          </p:cNvPr>
-          <p:cNvSpPr>
-            <a:spLocks noGrp="1"/>
-          </p:cNvSpPr>
+      <p:pic>
+        <p:nvPicPr>
+          <p:cNvPr id="3" name="내용 개체 틀 2">
+            <a:extLst>
+              <a:ext uri="{FF2B5EF4-FFF2-40B4-BE49-F238E27FC236}">
+                <a16:creationId xmlns:a16="http://schemas.microsoft.com/office/drawing/2014/main" id="{8D1EC9D7-8C90-4391-93E2-42860DDD7E04}"/>
+              </a:ext>
+            </a:extLst>
+          </p:cNvPr>
+          <p:cNvPicPr>
+            <a:picLocks noGrp="1" noChangeAspect="1"/>
+          </p:cNvPicPr>
           <p:nvPr>
             <p:ph idx="1"/>
           </p:nvPr>
+        </p:nvPicPr>
+        <p:blipFill>
+          <a:blip r:embed="rId2"/>
+          <a:stretch>
+            <a:fillRect/>
+          </a:stretch>
+        </p:blipFill>
+        <p:spPr>
+          <a:xfrm>
+            <a:off x="927596" y="1780563"/>
+            <a:ext cx="4514850" cy="2266950"/>
+          </a:xfrm>
+          <a:prstGeom prst="rect">
+            <a:avLst/>
+          </a:prstGeom>
+          <a:ln w="38100" cap="sq">
+            <a:solidFill>
+              <a:srgbClr val="000000"/>
+            </a:solidFill>
+            <a:prstDash val="solid"/>
+            <a:miter lim="800000"/>
+          </a:ln>
+          <a:effectLst>
+            <a:outerShdw blurRad="50800" dist="38100" dir="2700000" algn="tl" rotWithShape="0">
+              <a:srgbClr val="000000">
+                <a:alpha val="43000"/>
+              </a:srgbClr>
+            </a:outerShdw>
+          </a:effectLst>
+        </p:spPr>
+      </p:pic>
+      <p:sp>
+        <p:nvSpPr>
+          <p:cNvPr id="8" name="직사각형 7">
+            <a:extLst>
+              <a:ext uri="{FF2B5EF4-FFF2-40B4-BE49-F238E27FC236}">
+                <a16:creationId xmlns:a16="http://schemas.microsoft.com/office/drawing/2014/main" id="{88AE9FFF-07C9-4D3C-BC43-7BBAC70C6DCB}"/>
+              </a:ext>
+            </a:extLst>
+          </p:cNvPr>
+          <p:cNvSpPr/>
+          <p:nvPr/>
         </p:nvSpPr>
-        <p:spPr/>
+        <p:spPr>
+          <a:xfrm>
+            <a:off x="4297998" y="2653980"/>
+            <a:ext cx="1079346" cy="1305624"/>
+          </a:xfrm>
+          <a:prstGeom prst="rect">
+            <a:avLst/>
+          </a:prstGeom>
+          <a:noFill/>
+          <a:ln w="28575">
+            <a:solidFill>
+              <a:srgbClr val="FF0000"/>
+            </a:solidFill>
+          </a:ln>
+        </p:spPr>
+        <p:style>
+          <a:lnRef idx="2">
+            <a:schemeClr val="accent1">
+              <a:shade val="50000"/>
+            </a:schemeClr>
+          </a:lnRef>
+          <a:fillRef idx="1">
+            <a:schemeClr val="accent1"/>
+          </a:fillRef>
+          <a:effectRef idx="0">
+            <a:schemeClr val="accent1"/>
+          </a:effectRef>
+          <a:fontRef idx="minor">
+            <a:schemeClr val="lt1"/>
+          </a:fontRef>
+        </p:style>
         <p:txBody>
-          <a:bodyPr/>
+          <a:bodyPr rtlCol="0" anchor="ctr"/>
           <a:lstStyle/>
           <a:p>
-            <a:endParaRPr lang="ko-KR" altLang="en-US"/>
+            <a:pPr algn="ctr"/>
+            <a:endParaRPr lang="ko-KR" altLang="en-US" dirty="0"/>
           </a:p>
         </p:txBody>
       </p:sp>
+      <p:pic>
+        <p:nvPicPr>
+          <p:cNvPr id="5" name="그림 4">
+            <a:extLst>
+              <a:ext uri="{FF2B5EF4-FFF2-40B4-BE49-F238E27FC236}">
+                <a16:creationId xmlns:a16="http://schemas.microsoft.com/office/drawing/2014/main" id="{7A8124EF-A5F8-473D-9EFF-4BAD13B0B91D}"/>
+              </a:ext>
+            </a:extLst>
+          </p:cNvPr>
+          <p:cNvPicPr>
+            <a:picLocks noChangeAspect="1"/>
+          </p:cNvPicPr>
+          <p:nvPr/>
+        </p:nvPicPr>
+        <p:blipFill rotWithShape="1">
+          <a:blip r:embed="rId3"/>
+          <a:srcRect l="226" t="603" r="-226" b="6491"/>
+          <a:stretch/>
+        </p:blipFill>
+        <p:spPr>
+          <a:xfrm>
+            <a:off x="838200" y="4401642"/>
+            <a:ext cx="3082342" cy="2149592"/>
+          </a:xfrm>
+          <a:prstGeom prst="rect">
+            <a:avLst/>
+          </a:prstGeom>
+          <a:ln w="38100" cap="sq">
+            <a:solidFill>
+              <a:srgbClr val="000000"/>
+            </a:solidFill>
+            <a:prstDash val="solid"/>
+            <a:miter lim="800000"/>
+          </a:ln>
+          <a:effectLst>
+            <a:outerShdw blurRad="50800" dist="38100" dir="2700000" algn="tl" rotWithShape="0">
+              <a:srgbClr val="000000">
+                <a:alpha val="43000"/>
+              </a:srgbClr>
+            </a:outerShdw>
+          </a:effectLst>
+        </p:spPr>
+      </p:pic>
+      <p:sp>
+        <p:nvSpPr>
+          <p:cNvPr id="9" name="직사각형 8">
+            <a:extLst>
+              <a:ext uri="{FF2B5EF4-FFF2-40B4-BE49-F238E27FC236}">
+                <a16:creationId xmlns:a16="http://schemas.microsoft.com/office/drawing/2014/main" id="{8070DD1E-57F6-4870-BB07-B85F3A413EC1}"/>
+              </a:ext>
+            </a:extLst>
+          </p:cNvPr>
+          <p:cNvSpPr/>
+          <p:nvPr/>
+        </p:nvSpPr>
+        <p:spPr>
+          <a:xfrm>
+            <a:off x="838200" y="4727459"/>
+            <a:ext cx="3082342" cy="1195169"/>
+          </a:xfrm>
+          <a:prstGeom prst="rect">
+            <a:avLst/>
+          </a:prstGeom>
+          <a:noFill/>
+          <a:ln w="28575">
+            <a:solidFill>
+              <a:srgbClr val="FF0000"/>
+            </a:solidFill>
+          </a:ln>
+        </p:spPr>
+        <p:style>
+          <a:lnRef idx="2">
+            <a:schemeClr val="accent1">
+              <a:shade val="50000"/>
+            </a:schemeClr>
+          </a:lnRef>
+          <a:fillRef idx="1">
+            <a:schemeClr val="accent1"/>
+          </a:fillRef>
+          <a:effectRef idx="0">
+            <a:schemeClr val="accent1"/>
+          </a:effectRef>
+          <a:fontRef idx="minor">
+            <a:schemeClr val="lt1"/>
+          </a:fontRef>
+        </p:style>
+        <p:txBody>
+          <a:bodyPr rtlCol="0" anchor="ctr"/>
+          <a:lstStyle/>
+          <a:p>
+            <a:pPr algn="ctr"/>
+            <a:endParaRPr lang="ko-KR" altLang="en-US" dirty="0"/>
+          </a:p>
+        </p:txBody>
+      </p:sp>
+      <p:cxnSp>
+        <p:nvCxnSpPr>
+          <p:cNvPr id="11" name="직선 화살표 연결선 10">
+            <a:extLst>
+              <a:ext uri="{FF2B5EF4-FFF2-40B4-BE49-F238E27FC236}">
+                <a16:creationId xmlns:a16="http://schemas.microsoft.com/office/drawing/2014/main" id="{C2565C25-7052-4576-9D15-C540FADEC016}"/>
+              </a:ext>
+            </a:extLst>
+          </p:cNvPr>
+          <p:cNvCxnSpPr>
+            <a:stCxn id="8" idx="2"/>
+            <a:endCxn id="9" idx="0"/>
+          </p:cNvCxnSpPr>
+          <p:nvPr/>
+        </p:nvCxnSpPr>
+        <p:spPr>
+          <a:xfrm flipH="1">
+            <a:off x="2379371" y="3959604"/>
+            <a:ext cx="2458300" cy="767855"/>
+          </a:xfrm>
+          <a:prstGeom prst="straightConnector1">
+            <a:avLst/>
+          </a:prstGeom>
+          <a:ln w="38100">
+            <a:solidFill>
+              <a:srgbClr val="FF0000"/>
+            </a:solidFill>
+            <a:tailEnd type="triangle"/>
+          </a:ln>
+        </p:spPr>
+        <p:style>
+          <a:lnRef idx="1">
+            <a:schemeClr val="accent1"/>
+          </a:lnRef>
+          <a:fillRef idx="0">
+            <a:schemeClr val="accent1"/>
+          </a:fillRef>
+          <a:effectRef idx="0">
+            <a:schemeClr val="accent1"/>
+          </a:effectRef>
+          <a:fontRef idx="minor">
+            <a:schemeClr val="tx1"/>
+          </a:fontRef>
+        </p:style>
+      </p:cxnSp>
+      <p:sp>
+        <p:nvSpPr>
+          <p:cNvPr id="12" name="직사각형 11">
+            <a:extLst>
+              <a:ext uri="{FF2B5EF4-FFF2-40B4-BE49-F238E27FC236}">
+                <a16:creationId xmlns:a16="http://schemas.microsoft.com/office/drawing/2014/main" id="{7BAC0E05-64DA-4561-9709-72C822E063F7}"/>
+              </a:ext>
+            </a:extLst>
+          </p:cNvPr>
+          <p:cNvSpPr/>
+          <p:nvPr/>
+        </p:nvSpPr>
+        <p:spPr>
+          <a:xfrm>
+            <a:off x="3185021" y="6358855"/>
+            <a:ext cx="808139" cy="271812"/>
+          </a:xfrm>
+          <a:prstGeom prst="rect">
+            <a:avLst/>
+          </a:prstGeom>
+          <a:noFill/>
+          <a:ln w="28575">
+            <a:solidFill>
+              <a:srgbClr val="FF0000"/>
+            </a:solidFill>
+          </a:ln>
+        </p:spPr>
+        <p:style>
+          <a:lnRef idx="2">
+            <a:schemeClr val="accent1">
+              <a:shade val="50000"/>
+            </a:schemeClr>
+          </a:lnRef>
+          <a:fillRef idx="1">
+            <a:schemeClr val="accent1"/>
+          </a:fillRef>
+          <a:effectRef idx="0">
+            <a:schemeClr val="accent1"/>
+          </a:effectRef>
+          <a:fontRef idx="minor">
+            <a:schemeClr val="lt1"/>
+          </a:fontRef>
+        </p:style>
+        <p:txBody>
+          <a:bodyPr rtlCol="0" anchor="ctr"/>
+          <a:lstStyle/>
+          <a:p>
+            <a:pPr algn="ctr"/>
+            <a:endParaRPr lang="ko-KR" altLang="en-US" dirty="0"/>
+          </a:p>
+        </p:txBody>
+      </p:sp>
+      <p:pic>
+        <p:nvPicPr>
+          <p:cNvPr id="13" name="그림 12">
+            <a:extLst>
+              <a:ext uri="{FF2B5EF4-FFF2-40B4-BE49-F238E27FC236}">
+                <a16:creationId xmlns:a16="http://schemas.microsoft.com/office/drawing/2014/main" id="{B97213D5-2146-4954-921D-A5D03DC41EB4}"/>
+              </a:ext>
+            </a:extLst>
+          </p:cNvPr>
+          <p:cNvPicPr>
+            <a:picLocks noChangeAspect="1"/>
+          </p:cNvPicPr>
+          <p:nvPr/>
+        </p:nvPicPr>
+        <p:blipFill>
+          <a:blip r:embed="rId4"/>
+          <a:stretch>
+            <a:fillRect/>
+          </a:stretch>
+        </p:blipFill>
+        <p:spPr>
+          <a:xfrm>
+            <a:off x="6039321" y="2034433"/>
+            <a:ext cx="5416849" cy="4299357"/>
+          </a:xfrm>
+          <a:prstGeom prst="rect">
+            <a:avLst/>
+          </a:prstGeom>
+          <a:ln w="38100" cap="sq">
+            <a:solidFill>
+              <a:srgbClr val="000000"/>
+            </a:solidFill>
+            <a:prstDash val="solid"/>
+            <a:miter lim="800000"/>
+          </a:ln>
+          <a:effectLst>
+            <a:outerShdw blurRad="50800" dist="38100" dir="2700000" algn="tl" rotWithShape="0">
+              <a:srgbClr val="000000">
+                <a:alpha val="43000"/>
+              </a:srgbClr>
+            </a:outerShdw>
+          </a:effectLst>
+        </p:spPr>
+      </p:pic>
+      <p:cxnSp>
+        <p:nvCxnSpPr>
+          <p:cNvPr id="15" name="직선 화살표 연결선 14">
+            <a:extLst>
+              <a:ext uri="{FF2B5EF4-FFF2-40B4-BE49-F238E27FC236}">
+                <a16:creationId xmlns:a16="http://schemas.microsoft.com/office/drawing/2014/main" id="{F568D45C-4B2B-46A7-98AE-8C36E5549BEA}"/>
+              </a:ext>
+            </a:extLst>
+          </p:cNvPr>
+          <p:cNvCxnSpPr>
+            <a:stCxn id="12" idx="3"/>
+            <a:endCxn id="13" idx="1"/>
+          </p:cNvCxnSpPr>
+          <p:nvPr/>
+        </p:nvCxnSpPr>
+        <p:spPr>
+          <a:xfrm flipV="1">
+            <a:off x="3993160" y="4184112"/>
+            <a:ext cx="2046161" cy="2310649"/>
+          </a:xfrm>
+          <a:prstGeom prst="straightConnector1">
+            <a:avLst/>
+          </a:prstGeom>
+          <a:ln w="38100">
+            <a:solidFill>
+              <a:srgbClr val="FF0000"/>
+            </a:solidFill>
+            <a:tailEnd type="triangle"/>
+          </a:ln>
+        </p:spPr>
+        <p:style>
+          <a:lnRef idx="1">
+            <a:schemeClr val="accent1"/>
+          </a:lnRef>
+          <a:fillRef idx="0">
+            <a:schemeClr val="accent1"/>
+          </a:fillRef>
+          <a:effectRef idx="0">
+            <a:schemeClr val="accent1"/>
+          </a:effectRef>
+          <a:fontRef idx="minor">
+            <a:schemeClr val="tx1"/>
+          </a:fontRef>
+        </p:style>
+      </p:cxnSp>
+      <p:sp>
+        <p:nvSpPr>
+          <p:cNvPr id="16" name="TextBox 15">
+            <a:extLst>
+              <a:ext uri="{FF2B5EF4-FFF2-40B4-BE49-F238E27FC236}">
+                <a16:creationId xmlns:a16="http://schemas.microsoft.com/office/drawing/2014/main" id="{E3B81CAD-7508-4E3B-B962-45A9444738DC}"/>
+              </a:ext>
+            </a:extLst>
+          </p:cNvPr>
+          <p:cNvSpPr txBox="1"/>
+          <p:nvPr/>
+        </p:nvSpPr>
+        <p:spPr>
+          <a:xfrm>
+            <a:off x="8867163" y="5860278"/>
+            <a:ext cx="533122" cy="369332"/>
+          </a:xfrm>
+          <a:prstGeom prst="rect">
+            <a:avLst/>
+          </a:prstGeom>
+          <a:noFill/>
+        </p:spPr>
+        <p:txBody>
+          <a:bodyPr wrap="square" rtlCol="0">
+            <a:spAutoFit/>
+          </a:bodyPr>
+          <a:lstStyle/>
+          <a:p>
+            <a:r>
+              <a:rPr lang="en-US" altLang="ko-KR" dirty="0">
+                <a:solidFill>
+                  <a:srgbClr val="FF0000"/>
+                </a:solidFill>
+              </a:rPr>
+              <a:t>no</a:t>
+            </a:r>
+            <a:endParaRPr lang="ko-KR" altLang="en-US" dirty="0">
+              <a:solidFill>
+                <a:srgbClr val="FF0000"/>
+              </a:solidFill>
+            </a:endParaRPr>
+          </a:p>
+        </p:txBody>
+      </p:sp>
+      <p:pic>
+        <p:nvPicPr>
+          <p:cNvPr id="17" name="그림 16">
+            <a:extLst>
+              <a:ext uri="{FF2B5EF4-FFF2-40B4-BE49-F238E27FC236}">
+                <a16:creationId xmlns:a16="http://schemas.microsoft.com/office/drawing/2014/main" id="{8276C75A-8B6E-491B-A961-BCD07F791C06}"/>
+              </a:ext>
+            </a:extLst>
+          </p:cNvPr>
+          <p:cNvPicPr>
+            <a:picLocks noChangeAspect="1"/>
+          </p:cNvPicPr>
+          <p:nvPr/>
+        </p:nvPicPr>
+        <p:blipFill>
+          <a:blip r:embed="rId5"/>
+          <a:stretch>
+            <a:fillRect/>
+          </a:stretch>
+        </p:blipFill>
+        <p:spPr>
+          <a:xfrm>
+            <a:off x="8118437" y="363217"/>
+            <a:ext cx="3505200" cy="4581525"/>
+          </a:xfrm>
+          <a:prstGeom prst="rect">
+            <a:avLst/>
+          </a:prstGeom>
+          <a:ln w="38100" cap="sq">
+            <a:solidFill>
+              <a:srgbClr val="000000"/>
+            </a:solidFill>
+            <a:prstDash val="solid"/>
+            <a:miter lim="800000"/>
+          </a:ln>
+          <a:effectLst>
+            <a:outerShdw blurRad="50800" dist="38100" dir="2700000" algn="tl" rotWithShape="0">
+              <a:srgbClr val="000000">
+                <a:alpha val="43000"/>
+              </a:srgbClr>
+            </a:outerShdw>
+          </a:effectLst>
+        </p:spPr>
+      </p:pic>
+      <p:cxnSp>
+        <p:nvCxnSpPr>
+          <p:cNvPr id="18" name="직선 화살표 연결선 17">
+            <a:extLst>
+              <a:ext uri="{FF2B5EF4-FFF2-40B4-BE49-F238E27FC236}">
+                <a16:creationId xmlns:a16="http://schemas.microsoft.com/office/drawing/2014/main" id="{87EE7A43-8B31-49D1-8A9F-B516C78F88DB}"/>
+              </a:ext>
+            </a:extLst>
+          </p:cNvPr>
+          <p:cNvCxnSpPr>
+            <a:cxnSpLocks/>
+          </p:cNvCxnSpPr>
+          <p:nvPr/>
+        </p:nvCxnSpPr>
+        <p:spPr>
+          <a:xfrm flipH="1" flipV="1">
+            <a:off x="9034943" y="4790114"/>
+            <a:ext cx="313947" cy="1254831"/>
+          </a:xfrm>
+          <a:prstGeom prst="straightConnector1">
+            <a:avLst/>
+          </a:prstGeom>
+          <a:ln w="38100">
+            <a:solidFill>
+              <a:srgbClr val="FF0000"/>
+            </a:solidFill>
+            <a:tailEnd type="triangle"/>
+          </a:ln>
+        </p:spPr>
+        <p:style>
+          <a:lnRef idx="1">
+            <a:schemeClr val="accent1"/>
+          </a:lnRef>
+          <a:fillRef idx="0">
+            <a:schemeClr val="accent1"/>
+          </a:fillRef>
+          <a:effectRef idx="0">
+            <a:schemeClr val="accent1"/>
+          </a:effectRef>
+          <a:fontRef idx="minor">
+            <a:schemeClr val="tx1"/>
+          </a:fontRef>
+        </p:style>
+      </p:cxnSp>
     </p:spTree>
     <p:extLst>
       <p:ext uri="{BB962C8B-B14F-4D97-AF65-F5344CB8AC3E}">
@@ -13110,7 +14366,7 @@
           <p:cNvPr id="2" name="제목 1">
             <a:extLst>
               <a:ext uri="{FF2B5EF4-FFF2-40B4-BE49-F238E27FC236}">
-                <a16:creationId xmlns:a16="http://schemas.microsoft.com/office/drawing/2014/main" id="{0B510ACA-92C1-4DB2-B891-D4872C9B4F9C}"/>
+                <a16:creationId xmlns:a16="http://schemas.microsoft.com/office/drawing/2014/main" id="{4644C6AC-953F-48CE-8BB3-492AEB20AC2F}"/>
               </a:ext>
             </a:extLst>
           </p:cNvPr>
@@ -13121,29 +14377,78 @@
             <p:ph type="title"/>
           </p:nvPr>
         </p:nvSpPr>
-        <p:spPr>
-          <a:xfrm>
-            <a:off x="838200" y="365125"/>
-            <a:ext cx="10515600" cy="1325563"/>
-          </a:xfrm>
-        </p:spPr>
+        <p:spPr/>
         <p:txBody>
           <a:bodyPr/>
           <a:lstStyle/>
           <a:p>
-            <a:endParaRPr lang="ko-KR" altLang="en-US" dirty="0">
-              <a:latin typeface="HY헤드라인M" panose="02030600000101010101" pitchFamily="18" charset="-127"/>
-              <a:ea typeface="HY헤드라인M" panose="02030600000101010101" pitchFamily="18" charset="-127"/>
-            </a:endParaRPr>
+            <a:r>
+              <a:rPr lang="ko-KR" altLang="en-US" dirty="0"/>
+              <a:t>수행 </a:t>
+            </a:r>
+            <a:r>
+              <a:rPr lang="en-US" altLang="ko-KR" dirty="0"/>
+              <a:t>– </a:t>
+            </a:r>
+            <a:r>
+              <a:rPr lang="ko-KR" altLang="en-US" dirty="0"/>
+              <a:t>콘솔 연결 시 암호 설정</a:t>
+            </a:r>
           </a:p>
         </p:txBody>
       </p:sp>
+      <p:pic>
+        <p:nvPicPr>
+          <p:cNvPr id="6" name="내용 개체 틀 5">
+            <a:extLst>
+              <a:ext uri="{FF2B5EF4-FFF2-40B4-BE49-F238E27FC236}">
+                <a16:creationId xmlns:a16="http://schemas.microsoft.com/office/drawing/2014/main" id="{0DC63230-037E-41DD-A330-A6B9FC0BC66D}"/>
+              </a:ext>
+            </a:extLst>
+          </p:cNvPr>
+          <p:cNvPicPr>
+            <a:picLocks noGrp="1" noChangeAspect="1"/>
+          </p:cNvPicPr>
+          <p:nvPr>
+            <p:ph idx="1"/>
+          </p:nvPr>
+        </p:nvPicPr>
+        <p:blipFill>
+          <a:blip r:embed="rId2"/>
+          <a:stretch>
+            <a:fillRect/>
+          </a:stretch>
+        </p:blipFill>
+        <p:spPr>
+          <a:xfrm>
+            <a:off x="922658" y="1848812"/>
+            <a:ext cx="7559173" cy="1666175"/>
+          </a:xfrm>
+          <a:prstGeom prst="rect">
+            <a:avLst/>
+          </a:prstGeom>
+          <a:ln w="38100" cap="sq">
+            <a:solidFill>
+              <a:srgbClr val="000000"/>
+            </a:solidFill>
+            <a:prstDash val="solid"/>
+            <a:miter lim="800000"/>
+          </a:ln>
+          <a:effectLst>
+            <a:outerShdw blurRad="50800" dist="38100" dir="2700000" algn="tl" rotWithShape="0">
+              <a:srgbClr val="000000">
+                <a:alpha val="43000"/>
+              </a:srgbClr>
+            </a:outerShdw>
+          </a:effectLst>
+        </p:spPr>
+      </p:pic>
       <p:cxnSp>
         <p:nvCxnSpPr>
           <p:cNvPr id="4" name="직선 연결선 3">
             <a:extLst>
               <a:ext uri="{FF2B5EF4-FFF2-40B4-BE49-F238E27FC236}">
-                <a16:creationId xmlns:a16="http://schemas.microsoft.com/office/drawing/2014/main" id="{B52E875F-886D-4368-BB96-91473E4BD429}"/>
+                <a16:creationId xmlns:a16="http://schemas.microsoft.com/office/drawing/2014/main" id="{2205ED9B-1556-4650-A991-EC72AC049D1E}"/>
               </a:ext>
             </a:extLst>
           </p:cNvPr>
@@ -13186,10 +14491,10 @@
       </p:cxnSp>
       <p:cxnSp>
         <p:nvCxnSpPr>
-          <p:cNvPr id="6" name="직선 연결선 5">
-            <a:extLst>
-              <a:ext uri="{FF2B5EF4-FFF2-40B4-BE49-F238E27FC236}">
-                <a16:creationId xmlns:a16="http://schemas.microsoft.com/office/drawing/2014/main" id="{18BBC0F2-0F71-4015-8396-16B4367F8F99}"/>
+          <p:cNvPr id="5" name="직선 연결선 4">
+            <a:extLst>
+              <a:ext uri="{FF2B5EF4-FFF2-40B4-BE49-F238E27FC236}">
+                <a16:creationId xmlns:a16="http://schemas.microsoft.com/office/drawing/2014/main" id="{C0396C4D-6E01-4089-ABA6-5BD68537140D}"/>
               </a:ext>
             </a:extLst>
           </p:cNvPr>
@@ -13225,33 +14530,415 @@
       </p:cxnSp>
       <p:sp>
         <p:nvSpPr>
-          <p:cNvPr id="7" name="내용 개체 틀 6">
-            <a:extLst>
-              <a:ext uri="{FF2B5EF4-FFF2-40B4-BE49-F238E27FC236}">
-                <a16:creationId xmlns:a16="http://schemas.microsoft.com/office/drawing/2014/main" id="{D952638E-18BD-4894-91AB-D859C866F918}"/>
-              </a:ext>
-            </a:extLst>
-          </p:cNvPr>
-          <p:cNvSpPr>
-            <a:spLocks noGrp="1"/>
-          </p:cNvSpPr>
-          <p:nvPr>
-            <p:ph idx="1"/>
-          </p:nvPr>
+          <p:cNvPr id="8" name="직사각형 7">
+            <a:extLst>
+              <a:ext uri="{FF2B5EF4-FFF2-40B4-BE49-F238E27FC236}">
+                <a16:creationId xmlns:a16="http://schemas.microsoft.com/office/drawing/2014/main" id="{ED7D7C12-54C0-43D8-9580-8DE7445AF3BF}"/>
+              </a:ext>
+            </a:extLst>
+          </p:cNvPr>
+          <p:cNvSpPr/>
+          <p:nvPr/>
         </p:nvSpPr>
-        <p:spPr/>
+        <p:spPr>
+          <a:xfrm>
+            <a:off x="922658" y="1937856"/>
+            <a:ext cx="1669540" cy="223575"/>
+          </a:xfrm>
+          <a:prstGeom prst="rect">
+            <a:avLst/>
+          </a:prstGeom>
+          <a:noFill/>
+          <a:ln w="28575">
+            <a:solidFill>
+              <a:srgbClr val="FF0000"/>
+            </a:solidFill>
+          </a:ln>
+        </p:spPr>
+        <p:style>
+          <a:lnRef idx="2">
+            <a:schemeClr val="accent1">
+              <a:shade val="50000"/>
+            </a:schemeClr>
+          </a:lnRef>
+          <a:fillRef idx="1">
+            <a:schemeClr val="accent1"/>
+          </a:fillRef>
+          <a:effectRef idx="0">
+            <a:schemeClr val="accent1"/>
+          </a:effectRef>
+          <a:fontRef idx="minor">
+            <a:schemeClr val="lt1"/>
+          </a:fontRef>
+        </p:style>
         <p:txBody>
-          <a:bodyPr/>
+          <a:bodyPr rtlCol="0" anchor="ctr"/>
           <a:lstStyle/>
           <a:p>
-            <a:endParaRPr lang="ko-KR" altLang="en-US"/>
+            <a:pPr algn="ctr"/>
+            <a:endParaRPr lang="ko-KR" altLang="en-US" dirty="0"/>
+          </a:p>
+        </p:txBody>
+      </p:sp>
+      <p:sp>
+        <p:nvSpPr>
+          <p:cNvPr id="9" name="직사각형 8">
+            <a:extLst>
+              <a:ext uri="{FF2B5EF4-FFF2-40B4-BE49-F238E27FC236}">
+                <a16:creationId xmlns:a16="http://schemas.microsoft.com/office/drawing/2014/main" id="{69E495F4-94EC-423C-AD3A-63B51E4365DA}"/>
+              </a:ext>
+            </a:extLst>
+          </p:cNvPr>
+          <p:cNvSpPr/>
+          <p:nvPr/>
+        </p:nvSpPr>
+        <p:spPr>
+          <a:xfrm>
+            <a:off x="922658" y="2207000"/>
+            <a:ext cx="1669540" cy="223575"/>
+          </a:xfrm>
+          <a:prstGeom prst="rect">
+            <a:avLst/>
+          </a:prstGeom>
+          <a:noFill/>
+          <a:ln w="28575">
+            <a:solidFill>
+              <a:srgbClr val="FF0000"/>
+            </a:solidFill>
+          </a:ln>
+        </p:spPr>
+        <p:style>
+          <a:lnRef idx="2">
+            <a:schemeClr val="accent1">
+              <a:shade val="50000"/>
+            </a:schemeClr>
+          </a:lnRef>
+          <a:fillRef idx="1">
+            <a:schemeClr val="accent1"/>
+          </a:fillRef>
+          <a:effectRef idx="0">
+            <a:schemeClr val="accent1"/>
+          </a:effectRef>
+          <a:fontRef idx="minor">
+            <a:schemeClr val="lt1"/>
+          </a:fontRef>
+        </p:style>
+        <p:txBody>
+          <a:bodyPr rtlCol="0" anchor="ctr"/>
+          <a:lstStyle/>
+          <a:p>
+            <a:pPr algn="ctr"/>
+            <a:endParaRPr lang="ko-KR" altLang="en-US" dirty="0"/>
+          </a:p>
+        </p:txBody>
+      </p:sp>
+      <p:sp>
+        <p:nvSpPr>
+          <p:cNvPr id="10" name="직사각형 9">
+            <a:extLst>
+              <a:ext uri="{FF2B5EF4-FFF2-40B4-BE49-F238E27FC236}">
+                <a16:creationId xmlns:a16="http://schemas.microsoft.com/office/drawing/2014/main" id="{05A07977-6349-4FAE-BE1A-BD8DF549124F}"/>
+              </a:ext>
+            </a:extLst>
+          </p:cNvPr>
+          <p:cNvSpPr/>
+          <p:nvPr/>
+        </p:nvSpPr>
+        <p:spPr>
+          <a:xfrm>
+            <a:off x="922658" y="2713009"/>
+            <a:ext cx="3608795" cy="223575"/>
+          </a:xfrm>
+          <a:prstGeom prst="rect">
+            <a:avLst/>
+          </a:prstGeom>
+          <a:noFill/>
+          <a:ln w="28575">
+            <a:solidFill>
+              <a:srgbClr val="FF0000"/>
+            </a:solidFill>
+          </a:ln>
+        </p:spPr>
+        <p:style>
+          <a:lnRef idx="2">
+            <a:schemeClr val="accent1">
+              <a:shade val="50000"/>
+            </a:schemeClr>
+          </a:lnRef>
+          <a:fillRef idx="1">
+            <a:schemeClr val="accent1"/>
+          </a:fillRef>
+          <a:effectRef idx="0">
+            <a:schemeClr val="accent1"/>
+          </a:effectRef>
+          <a:fontRef idx="minor">
+            <a:schemeClr val="lt1"/>
+          </a:fontRef>
+        </p:style>
+        <p:txBody>
+          <a:bodyPr rtlCol="0" anchor="ctr"/>
+          <a:lstStyle/>
+          <a:p>
+            <a:pPr algn="ctr"/>
+            <a:endParaRPr lang="ko-KR" altLang="en-US" dirty="0"/>
+          </a:p>
+        </p:txBody>
+      </p:sp>
+      <p:sp>
+        <p:nvSpPr>
+          <p:cNvPr id="11" name="직사각형 10">
+            <a:extLst>
+              <a:ext uri="{FF2B5EF4-FFF2-40B4-BE49-F238E27FC236}">
+                <a16:creationId xmlns:a16="http://schemas.microsoft.com/office/drawing/2014/main" id="{4FFE9D08-617D-4DF0-8372-23B0762DEDE7}"/>
+              </a:ext>
+            </a:extLst>
+          </p:cNvPr>
+          <p:cNvSpPr/>
+          <p:nvPr/>
+        </p:nvSpPr>
+        <p:spPr>
+          <a:xfrm>
+            <a:off x="891200" y="2974531"/>
+            <a:ext cx="4771367" cy="266984"/>
+          </a:xfrm>
+          <a:prstGeom prst="rect">
+            <a:avLst/>
+          </a:prstGeom>
+          <a:noFill/>
+          <a:ln w="28575">
+            <a:solidFill>
+              <a:srgbClr val="FF0000"/>
+            </a:solidFill>
+          </a:ln>
+        </p:spPr>
+        <p:style>
+          <a:lnRef idx="2">
+            <a:schemeClr val="accent1">
+              <a:shade val="50000"/>
+            </a:schemeClr>
+          </a:lnRef>
+          <a:fillRef idx="1">
+            <a:schemeClr val="accent1"/>
+          </a:fillRef>
+          <a:effectRef idx="0">
+            <a:schemeClr val="accent1"/>
+          </a:effectRef>
+          <a:fontRef idx="minor">
+            <a:schemeClr val="lt1"/>
+          </a:fontRef>
+        </p:style>
+        <p:txBody>
+          <a:bodyPr rtlCol="0" anchor="ctr"/>
+          <a:lstStyle/>
+          <a:p>
+            <a:pPr algn="ctr"/>
+            <a:endParaRPr lang="ko-KR" altLang="en-US" dirty="0"/>
+          </a:p>
+        </p:txBody>
+      </p:sp>
+      <p:sp>
+        <p:nvSpPr>
+          <p:cNvPr id="7" name="직사각형 6">
+            <a:extLst>
+              <a:ext uri="{FF2B5EF4-FFF2-40B4-BE49-F238E27FC236}">
+                <a16:creationId xmlns:a16="http://schemas.microsoft.com/office/drawing/2014/main" id="{3B9E8235-3124-4297-9865-76738926AB01}"/>
+              </a:ext>
+            </a:extLst>
+          </p:cNvPr>
+          <p:cNvSpPr/>
+          <p:nvPr/>
+        </p:nvSpPr>
+        <p:spPr>
+          <a:xfrm>
+            <a:off x="4468537" y="2978092"/>
+            <a:ext cx="1194032" cy="271812"/>
+          </a:xfrm>
+          <a:prstGeom prst="rect">
+            <a:avLst/>
+          </a:prstGeom>
+          <a:noFill/>
+          <a:ln w="28575">
+            <a:solidFill>
+              <a:srgbClr val="92D050"/>
+            </a:solidFill>
+          </a:ln>
+        </p:spPr>
+        <p:style>
+          <a:lnRef idx="2">
+            <a:schemeClr val="accent1">
+              <a:shade val="50000"/>
+            </a:schemeClr>
+          </a:lnRef>
+          <a:fillRef idx="1">
+            <a:schemeClr val="accent1"/>
+          </a:fillRef>
+          <a:effectRef idx="0">
+            <a:schemeClr val="accent1"/>
+          </a:effectRef>
+          <a:fontRef idx="minor">
+            <a:schemeClr val="lt1"/>
+          </a:fontRef>
+        </p:style>
+        <p:txBody>
+          <a:bodyPr rtlCol="0" anchor="ctr"/>
+          <a:lstStyle/>
+          <a:p>
+            <a:pPr algn="ctr"/>
+            <a:endParaRPr lang="ko-KR" altLang="en-US" dirty="0"/>
+          </a:p>
+        </p:txBody>
+      </p:sp>
+      <p:sp>
+        <p:nvSpPr>
+          <p:cNvPr id="12" name="직사각형 11">
+            <a:extLst>
+              <a:ext uri="{FF2B5EF4-FFF2-40B4-BE49-F238E27FC236}">
+                <a16:creationId xmlns:a16="http://schemas.microsoft.com/office/drawing/2014/main" id="{5158C98E-C357-426A-BE88-EDA479DF194A}"/>
+              </a:ext>
+            </a:extLst>
+          </p:cNvPr>
+          <p:cNvSpPr/>
+          <p:nvPr/>
+        </p:nvSpPr>
+        <p:spPr>
+          <a:xfrm>
+            <a:off x="891199" y="3264587"/>
+            <a:ext cx="3185849" cy="223575"/>
+          </a:xfrm>
+          <a:prstGeom prst="rect">
+            <a:avLst/>
+          </a:prstGeom>
+          <a:noFill/>
+          <a:ln w="28575">
+            <a:solidFill>
+              <a:srgbClr val="FF0000"/>
+            </a:solidFill>
+          </a:ln>
+        </p:spPr>
+        <p:style>
+          <a:lnRef idx="2">
+            <a:schemeClr val="accent1">
+              <a:shade val="50000"/>
+            </a:schemeClr>
+          </a:lnRef>
+          <a:fillRef idx="1">
+            <a:schemeClr val="accent1"/>
+          </a:fillRef>
+          <a:effectRef idx="0">
+            <a:schemeClr val="accent1"/>
+          </a:effectRef>
+          <a:fontRef idx="minor">
+            <a:schemeClr val="lt1"/>
+          </a:fontRef>
+        </p:style>
+        <p:txBody>
+          <a:bodyPr rtlCol="0" anchor="ctr"/>
+          <a:lstStyle/>
+          <a:p>
+            <a:pPr algn="ctr"/>
+            <a:endParaRPr lang="ko-KR" altLang="en-US" dirty="0"/>
+          </a:p>
+        </p:txBody>
+      </p:sp>
+      <p:pic>
+        <p:nvPicPr>
+          <p:cNvPr id="13" name="그림 12">
+            <a:extLst>
+              <a:ext uri="{FF2B5EF4-FFF2-40B4-BE49-F238E27FC236}">
+                <a16:creationId xmlns:a16="http://schemas.microsoft.com/office/drawing/2014/main" id="{511902CA-4BCB-4C75-81A6-44CEE2593458}"/>
+              </a:ext>
+            </a:extLst>
+          </p:cNvPr>
+          <p:cNvPicPr>
+            <a:picLocks noChangeAspect="1"/>
+          </p:cNvPicPr>
+          <p:nvPr/>
+        </p:nvPicPr>
+        <p:blipFill rotWithShape="1">
+          <a:blip r:embed="rId3"/>
+          <a:srcRect r="11973"/>
+          <a:stretch/>
+        </p:blipFill>
+        <p:spPr>
+          <a:xfrm>
+            <a:off x="6437863" y="1882775"/>
+            <a:ext cx="4988784" cy="4610100"/>
+          </a:xfrm>
+          <a:prstGeom prst="rect">
+            <a:avLst/>
+          </a:prstGeom>
+          <a:ln w="38100" cap="sq">
+            <a:solidFill>
+              <a:srgbClr val="000000"/>
+            </a:solidFill>
+            <a:prstDash val="solid"/>
+            <a:miter lim="800000"/>
+          </a:ln>
+          <a:effectLst>
+            <a:outerShdw blurRad="50800" dist="38100" dir="2700000" algn="tl" rotWithShape="0">
+              <a:srgbClr val="000000">
+                <a:alpha val="43000"/>
+              </a:srgbClr>
+            </a:outerShdw>
+          </a:effectLst>
+        </p:spPr>
+      </p:pic>
+      <p:sp>
+        <p:nvSpPr>
+          <p:cNvPr id="14" name="직사각형 13">
+            <a:extLst>
+              <a:ext uri="{FF2B5EF4-FFF2-40B4-BE49-F238E27FC236}">
+                <a16:creationId xmlns:a16="http://schemas.microsoft.com/office/drawing/2014/main" id="{8312A32A-E6DC-4748-A106-57720B0702AC}"/>
+              </a:ext>
+            </a:extLst>
+          </p:cNvPr>
+          <p:cNvSpPr/>
+          <p:nvPr/>
+        </p:nvSpPr>
+        <p:spPr>
+          <a:xfrm>
+            <a:off x="6580334" y="6276422"/>
+            <a:ext cx="751644" cy="223575"/>
+          </a:xfrm>
+          <a:prstGeom prst="rect">
+            <a:avLst/>
+          </a:prstGeom>
+          <a:noFill/>
+          <a:ln w="28575">
+            <a:solidFill>
+              <a:srgbClr val="FF0000"/>
+            </a:solidFill>
+          </a:ln>
+        </p:spPr>
+        <p:style>
+          <a:lnRef idx="2">
+            <a:schemeClr val="accent1">
+              <a:shade val="50000"/>
+            </a:schemeClr>
+          </a:lnRef>
+          <a:fillRef idx="1">
+            <a:schemeClr val="accent1"/>
+          </a:fillRef>
+          <a:effectRef idx="0">
+            <a:schemeClr val="accent1"/>
+          </a:effectRef>
+          <a:fontRef idx="minor">
+            <a:schemeClr val="lt1"/>
+          </a:fontRef>
+        </p:style>
+        <p:txBody>
+          <a:bodyPr rtlCol="0" anchor="ctr"/>
+          <a:lstStyle/>
+          <a:p>
+            <a:pPr algn="ctr"/>
+            <a:endParaRPr lang="ko-KR" altLang="en-US" dirty="0"/>
           </a:p>
         </p:txBody>
       </p:sp>
     </p:spTree>
     <p:extLst>
       <p:ext uri="{BB962C8B-B14F-4D97-AF65-F5344CB8AC3E}">
-        <p14:creationId xmlns:p14="http://schemas.microsoft.com/office/powerpoint/2010/main" val="3603750003"/>
+        <p14:creationId xmlns:p14="http://schemas.microsoft.com/office/powerpoint/2010/main" val="2289028941"/>
       </p:ext>
     </p:extLst>
   </p:cSld>
@@ -13283,7 +14970,7 @@
           <p:cNvPr id="2" name="제목 1">
             <a:extLst>
               <a:ext uri="{FF2B5EF4-FFF2-40B4-BE49-F238E27FC236}">
-                <a16:creationId xmlns:a16="http://schemas.microsoft.com/office/drawing/2014/main" id="{0B510ACA-92C1-4DB2-B891-D4872C9B4F9C}"/>
+                <a16:creationId xmlns:a16="http://schemas.microsoft.com/office/drawing/2014/main" id="{1872070C-63D1-4545-8A64-30442EC3D55D}"/>
               </a:ext>
             </a:extLst>
           </p:cNvPr>
@@ -13294,29 +14981,69 @@
             <p:ph type="title"/>
           </p:nvPr>
         </p:nvSpPr>
-        <p:spPr>
-          <a:xfrm>
-            <a:off x="838200" y="365125"/>
-            <a:ext cx="10515600" cy="1325563"/>
-          </a:xfrm>
-        </p:spPr>
+        <p:spPr/>
         <p:txBody>
           <a:bodyPr/>
           <a:lstStyle/>
           <a:p>
-            <a:endParaRPr lang="ko-KR" altLang="en-US" dirty="0">
-              <a:latin typeface="HY헤드라인M" panose="02030600000101010101" pitchFamily="18" charset="-127"/>
-              <a:ea typeface="HY헤드라인M" panose="02030600000101010101" pitchFamily="18" charset="-127"/>
-            </a:endParaRPr>
+            <a:r>
+              <a:rPr lang="ko-KR" altLang="en-US" dirty="0"/>
+              <a:t>원격접속</a:t>
+            </a:r>
           </a:p>
         </p:txBody>
       </p:sp>
+      <p:pic>
+        <p:nvPicPr>
+          <p:cNvPr id="4" name="내용 개체 틀 3">
+            <a:extLst>
+              <a:ext uri="{FF2B5EF4-FFF2-40B4-BE49-F238E27FC236}">
+                <a16:creationId xmlns:a16="http://schemas.microsoft.com/office/drawing/2014/main" id="{DC2F3052-D8AB-41F8-8185-60CF0C68DD59}"/>
+              </a:ext>
+            </a:extLst>
+          </p:cNvPr>
+          <p:cNvPicPr>
+            <a:picLocks noGrp="1" noChangeAspect="1"/>
+          </p:cNvPicPr>
+          <p:nvPr>
+            <p:ph idx="1"/>
+          </p:nvPr>
+        </p:nvPicPr>
+        <p:blipFill rotWithShape="1">
+          <a:blip r:embed="rId2"/>
+          <a:srcRect b="8336"/>
+          <a:stretch/>
+        </p:blipFill>
+        <p:spPr>
+          <a:xfrm>
+            <a:off x="995532" y="1898009"/>
+            <a:ext cx="10200935" cy="1406722"/>
+          </a:xfrm>
+          <a:prstGeom prst="rect">
+            <a:avLst/>
+          </a:prstGeom>
+          <a:ln w="38100" cap="sq">
+            <a:solidFill>
+              <a:srgbClr val="000000"/>
+            </a:solidFill>
+            <a:prstDash val="solid"/>
+            <a:miter lim="800000"/>
+          </a:ln>
+          <a:effectLst>
+            <a:outerShdw blurRad="50800" dist="38100" dir="2700000" algn="tl" rotWithShape="0">
+              <a:srgbClr val="000000">
+                <a:alpha val="43000"/>
+              </a:srgbClr>
+            </a:outerShdw>
+          </a:effectLst>
+        </p:spPr>
+      </p:pic>
       <p:cxnSp>
         <p:nvCxnSpPr>
-          <p:cNvPr id="4" name="직선 연결선 3">
-            <a:extLst>
-              <a:ext uri="{FF2B5EF4-FFF2-40B4-BE49-F238E27FC236}">
-                <a16:creationId xmlns:a16="http://schemas.microsoft.com/office/drawing/2014/main" id="{B52E875F-886D-4368-BB96-91473E4BD429}"/>
+          <p:cNvPr id="5" name="직선 연결선 4">
+            <a:extLst>
+              <a:ext uri="{FF2B5EF4-FFF2-40B4-BE49-F238E27FC236}">
+                <a16:creationId xmlns:a16="http://schemas.microsoft.com/office/drawing/2014/main" id="{B57A7936-F3A1-4BD2-9FEF-E324545E3E3A}"/>
               </a:ext>
             </a:extLst>
           </p:cNvPr>
@@ -13362,7 +15089,7 @@
           <p:cNvPr id="6" name="직선 연결선 5">
             <a:extLst>
               <a:ext uri="{FF2B5EF4-FFF2-40B4-BE49-F238E27FC236}">
-                <a16:creationId xmlns:a16="http://schemas.microsoft.com/office/drawing/2014/main" id="{18BBC0F2-0F71-4015-8396-16B4367F8F99}"/>
+                <a16:creationId xmlns:a16="http://schemas.microsoft.com/office/drawing/2014/main" id="{55923C7A-42E9-4CCA-A9B5-E59A33F6CD54}"/>
               </a:ext>
             </a:extLst>
           </p:cNvPr>
@@ -13396,35 +15123,10 @@
           </a:fontRef>
         </p:style>
       </p:cxnSp>
-      <p:sp>
-        <p:nvSpPr>
-          <p:cNvPr id="7" name="내용 개체 틀 6">
-            <a:extLst>
-              <a:ext uri="{FF2B5EF4-FFF2-40B4-BE49-F238E27FC236}">
-                <a16:creationId xmlns:a16="http://schemas.microsoft.com/office/drawing/2014/main" id="{D952638E-18BD-4894-91AB-D859C866F918}"/>
-              </a:ext>
-            </a:extLst>
-          </p:cNvPr>
-          <p:cNvSpPr>
-            <a:spLocks noGrp="1"/>
-          </p:cNvSpPr>
-          <p:nvPr>
-            <p:ph idx="1"/>
-          </p:nvPr>
-        </p:nvSpPr>
-        <p:spPr/>
-        <p:txBody>
-          <a:bodyPr/>
-          <a:lstStyle/>
-          <a:p>
-            <a:endParaRPr lang="ko-KR" altLang="en-US"/>
-          </a:p>
-        </p:txBody>
-      </p:sp>
     </p:spTree>
     <p:extLst>
       <p:ext uri="{BB962C8B-B14F-4D97-AF65-F5344CB8AC3E}">
-        <p14:creationId xmlns:p14="http://schemas.microsoft.com/office/powerpoint/2010/main" val="87648563"/>
+        <p14:creationId xmlns:p14="http://schemas.microsoft.com/office/powerpoint/2010/main" val="512117734"/>
       </p:ext>
     </p:extLst>
   </p:cSld>
@@ -13456,7 +15158,7 @@
           <p:cNvPr id="2" name="제목 1">
             <a:extLst>
               <a:ext uri="{FF2B5EF4-FFF2-40B4-BE49-F238E27FC236}">
-                <a16:creationId xmlns:a16="http://schemas.microsoft.com/office/drawing/2014/main" id="{0B510ACA-92C1-4DB2-B891-D4872C9B4F9C}"/>
+                <a16:creationId xmlns:a16="http://schemas.microsoft.com/office/drawing/2014/main" id="{319A7577-5E63-4473-A475-6A4FF2184916}"/>
               </a:ext>
             </a:extLst>
           </p:cNvPr>
@@ -13467,29 +15169,80 @@
             <p:ph type="title"/>
           </p:nvPr>
         </p:nvSpPr>
-        <p:spPr>
-          <a:xfrm>
-            <a:off x="838200" y="365125"/>
-            <a:ext cx="10515600" cy="1325563"/>
-          </a:xfrm>
-        </p:spPr>
+        <p:spPr/>
         <p:txBody>
           <a:bodyPr/>
           <a:lstStyle/>
           <a:p>
-            <a:endParaRPr lang="ko-KR" altLang="en-US" dirty="0">
-              <a:latin typeface="HY헤드라인M" panose="02030600000101010101" pitchFamily="18" charset="-127"/>
-              <a:ea typeface="HY헤드라인M" panose="02030600000101010101" pitchFamily="18" charset="-127"/>
-            </a:endParaRPr>
+            <a:r>
+              <a:rPr lang="ko-KR" altLang="en-US" dirty="0"/>
+              <a:t>수행 </a:t>
+            </a:r>
+            <a:r>
+              <a:rPr lang="en-US" altLang="ko-KR" dirty="0"/>
+              <a:t>– </a:t>
+            </a:r>
+            <a:r>
+              <a:rPr lang="ko-KR" altLang="en-US" dirty="0"/>
+              <a:t>원격접속</a:t>
+            </a:r>
+            <a:r>
+              <a:rPr lang="en-US" altLang="ko-KR" dirty="0"/>
+              <a:t>(Telnet)</a:t>
+            </a:r>
+            <a:r>
+              <a:rPr lang="ko-KR" altLang="en-US" dirty="0"/>
+              <a:t>위한</a:t>
+            </a:r>
+            <a:r>
+              <a:rPr lang="en-US" altLang="ko-KR" dirty="0"/>
+              <a:t> IP</a:t>
+            </a:r>
+            <a:r>
+              <a:rPr lang="ko-KR" altLang="en-US" dirty="0"/>
+              <a:t>설정</a:t>
+            </a:r>
           </a:p>
         </p:txBody>
       </p:sp>
+      <p:pic>
+        <p:nvPicPr>
+          <p:cNvPr id="6" name="내용 개체 틀 5">
+            <a:extLst>
+              <a:ext uri="{FF2B5EF4-FFF2-40B4-BE49-F238E27FC236}">
+                <a16:creationId xmlns:a16="http://schemas.microsoft.com/office/drawing/2014/main" id="{6A86A754-4DCE-4349-9B45-47E3850C8DB1}"/>
+              </a:ext>
+            </a:extLst>
+          </p:cNvPr>
+          <p:cNvPicPr>
+            <a:picLocks noGrp="1" noChangeAspect="1"/>
+          </p:cNvPicPr>
+          <p:nvPr>
+            <p:ph idx="1"/>
+          </p:nvPr>
+        </p:nvPicPr>
+        <p:blipFill>
+          <a:blip r:embed="rId2"/>
+          <a:stretch>
+            <a:fillRect/>
+          </a:stretch>
+        </p:blipFill>
+        <p:spPr>
+          <a:xfrm>
+            <a:off x="1051594" y="2149897"/>
+            <a:ext cx="2857500" cy="2809875"/>
+          </a:xfrm>
+          <a:prstGeom prst="rect">
+            <a:avLst/>
+          </a:prstGeom>
+        </p:spPr>
+      </p:pic>
       <p:cxnSp>
         <p:nvCxnSpPr>
           <p:cNvPr id="4" name="직선 연결선 3">
             <a:extLst>
               <a:ext uri="{FF2B5EF4-FFF2-40B4-BE49-F238E27FC236}">
-                <a16:creationId xmlns:a16="http://schemas.microsoft.com/office/drawing/2014/main" id="{B52E875F-886D-4368-BB96-91473E4BD429}"/>
+                <a16:creationId xmlns:a16="http://schemas.microsoft.com/office/drawing/2014/main" id="{9F3067AE-831C-477A-AB65-AAD7C9E9617B}"/>
               </a:ext>
             </a:extLst>
           </p:cNvPr>
@@ -13532,10 +15285,10 @@
       </p:cxnSp>
       <p:cxnSp>
         <p:nvCxnSpPr>
-          <p:cNvPr id="6" name="직선 연결선 5">
-            <a:extLst>
-              <a:ext uri="{FF2B5EF4-FFF2-40B4-BE49-F238E27FC236}">
-                <a16:creationId xmlns:a16="http://schemas.microsoft.com/office/drawing/2014/main" id="{18BBC0F2-0F71-4015-8396-16B4367F8F99}"/>
+          <p:cNvPr id="5" name="직선 연결선 4">
+            <a:extLst>
+              <a:ext uri="{FF2B5EF4-FFF2-40B4-BE49-F238E27FC236}">
+                <a16:creationId xmlns:a16="http://schemas.microsoft.com/office/drawing/2014/main" id="{34118B64-877F-439C-A6EB-007FEBDFB12A}"/>
               </a:ext>
             </a:extLst>
           </p:cNvPr>
@@ -13569,35 +15322,853 @@
           </a:fontRef>
         </p:style>
       </p:cxnSp>
+      <p:pic>
+        <p:nvPicPr>
+          <p:cNvPr id="7" name="그림 6">
+            <a:extLst>
+              <a:ext uri="{FF2B5EF4-FFF2-40B4-BE49-F238E27FC236}">
+                <a16:creationId xmlns:a16="http://schemas.microsoft.com/office/drawing/2014/main" id="{37E76555-F14F-4F8D-9A48-86344F12E2AC}"/>
+              </a:ext>
+            </a:extLst>
+          </p:cNvPr>
+          <p:cNvPicPr>
+            <a:picLocks noChangeAspect="1"/>
+          </p:cNvPicPr>
+          <p:nvPr/>
+        </p:nvPicPr>
+        <p:blipFill>
+          <a:blip r:embed="rId3"/>
+          <a:stretch>
+            <a:fillRect/>
+          </a:stretch>
+        </p:blipFill>
+        <p:spPr>
+          <a:xfrm>
+            <a:off x="1926847" y="4237008"/>
+            <a:ext cx="419100" cy="447675"/>
+          </a:xfrm>
+          <a:prstGeom prst="rect">
+            <a:avLst/>
+          </a:prstGeom>
+        </p:spPr>
+      </p:pic>
+      <p:pic>
+        <p:nvPicPr>
+          <p:cNvPr id="8" name="그림 7">
+            <a:extLst>
+              <a:ext uri="{FF2B5EF4-FFF2-40B4-BE49-F238E27FC236}">
+                <a16:creationId xmlns:a16="http://schemas.microsoft.com/office/drawing/2014/main" id="{240D3BBB-E27E-4C5C-A63B-9F8A52F50E2B}"/>
+              </a:ext>
+            </a:extLst>
+          </p:cNvPr>
+          <p:cNvPicPr>
+            <a:picLocks noChangeAspect="1"/>
+          </p:cNvPicPr>
+          <p:nvPr/>
+        </p:nvPicPr>
+        <p:blipFill>
+          <a:blip r:embed="rId4"/>
+          <a:stretch>
+            <a:fillRect/>
+          </a:stretch>
+        </p:blipFill>
+        <p:spPr>
+          <a:xfrm>
+            <a:off x="2427433" y="4251689"/>
+            <a:ext cx="1400175" cy="247650"/>
+          </a:xfrm>
+          <a:prstGeom prst="rect">
+            <a:avLst/>
+          </a:prstGeom>
+        </p:spPr>
+      </p:pic>
+      <p:pic>
+        <p:nvPicPr>
+          <p:cNvPr id="9" name="그림 8">
+            <a:extLst>
+              <a:ext uri="{FF2B5EF4-FFF2-40B4-BE49-F238E27FC236}">
+                <a16:creationId xmlns:a16="http://schemas.microsoft.com/office/drawing/2014/main" id="{F326A04E-5C96-41D3-8B7E-7F6BEFDED2CE}"/>
+              </a:ext>
+            </a:extLst>
+          </p:cNvPr>
+          <p:cNvPicPr>
+            <a:picLocks noChangeAspect="1"/>
+          </p:cNvPicPr>
+          <p:nvPr/>
+        </p:nvPicPr>
+        <p:blipFill rotWithShape="1">
+          <a:blip r:embed="rId5"/>
+          <a:srcRect l="15136" t="53782" r="79220" b="43733"/>
+          <a:stretch/>
+        </p:blipFill>
+        <p:spPr>
+          <a:xfrm>
+            <a:off x="1926847" y="3776575"/>
+            <a:ext cx="1967459" cy="343950"/>
+          </a:xfrm>
+          <a:prstGeom prst="rect">
+            <a:avLst/>
+          </a:prstGeom>
+        </p:spPr>
+      </p:pic>
+      <p:pic>
+        <p:nvPicPr>
+          <p:cNvPr id="10" name="그림 9">
+            <a:extLst>
+              <a:ext uri="{FF2B5EF4-FFF2-40B4-BE49-F238E27FC236}">
+                <a16:creationId xmlns:a16="http://schemas.microsoft.com/office/drawing/2014/main" id="{8AEC5D22-2A38-4F14-BED1-BC9745C5CC61}"/>
+              </a:ext>
+            </a:extLst>
+          </p:cNvPr>
+          <p:cNvPicPr>
+            <a:picLocks noChangeAspect="1"/>
+          </p:cNvPicPr>
+          <p:nvPr/>
+        </p:nvPicPr>
+        <p:blipFill rotWithShape="1">
+          <a:blip r:embed="rId6"/>
+          <a:srcRect l="23604" t="36050" r="70138" b="58167"/>
+          <a:stretch/>
+        </p:blipFill>
+        <p:spPr>
+          <a:xfrm>
+            <a:off x="2755938" y="1690688"/>
+            <a:ext cx="2143340" cy="786467"/>
+          </a:xfrm>
+          <a:prstGeom prst="rect">
+            <a:avLst/>
+          </a:prstGeom>
+        </p:spPr>
+      </p:pic>
+      <p:pic>
+        <p:nvPicPr>
+          <p:cNvPr id="11" name="그림 10">
+            <a:extLst>
+              <a:ext uri="{FF2B5EF4-FFF2-40B4-BE49-F238E27FC236}">
+                <a16:creationId xmlns:a16="http://schemas.microsoft.com/office/drawing/2014/main" id="{DD5BEBCB-2FDF-4AF1-844D-D13F9EA1017C}"/>
+              </a:ext>
+            </a:extLst>
+          </p:cNvPr>
+          <p:cNvPicPr>
+            <a:picLocks noChangeAspect="1"/>
+          </p:cNvPicPr>
+          <p:nvPr/>
+        </p:nvPicPr>
+        <p:blipFill>
+          <a:blip r:embed="rId7"/>
+          <a:stretch>
+            <a:fillRect/>
+          </a:stretch>
+        </p:blipFill>
+        <p:spPr>
+          <a:xfrm>
+            <a:off x="6102990" y="1721667"/>
+            <a:ext cx="2186282" cy="2082173"/>
+          </a:xfrm>
+          <a:prstGeom prst="rect">
+            <a:avLst/>
+          </a:prstGeom>
+          <a:ln w="38100" cap="sq">
+            <a:solidFill>
+              <a:srgbClr val="000000"/>
+            </a:solidFill>
+            <a:prstDash val="solid"/>
+            <a:miter lim="800000"/>
+          </a:ln>
+          <a:effectLst>
+            <a:outerShdw blurRad="50800" dist="38100" dir="2700000" algn="tl" rotWithShape="0">
+              <a:srgbClr val="000000">
+                <a:alpha val="43000"/>
+              </a:srgbClr>
+            </a:outerShdw>
+          </a:effectLst>
+        </p:spPr>
+      </p:pic>
       <p:sp>
         <p:nvSpPr>
-          <p:cNvPr id="7" name="내용 개체 틀 6">
-            <a:extLst>
-              <a:ext uri="{FF2B5EF4-FFF2-40B4-BE49-F238E27FC236}">
-                <a16:creationId xmlns:a16="http://schemas.microsoft.com/office/drawing/2014/main" id="{D952638E-18BD-4894-91AB-D859C866F918}"/>
-              </a:ext>
-            </a:extLst>
-          </p:cNvPr>
-          <p:cNvSpPr>
-            <a:spLocks noGrp="1"/>
-          </p:cNvSpPr>
-          <p:nvPr>
-            <p:ph idx="1"/>
-          </p:nvPr>
+          <p:cNvPr id="12" name="직사각형 11">
+            <a:extLst>
+              <a:ext uri="{FF2B5EF4-FFF2-40B4-BE49-F238E27FC236}">
+                <a16:creationId xmlns:a16="http://schemas.microsoft.com/office/drawing/2014/main" id="{318FA3D6-CF74-4766-B12E-8F71E4CF53A3}"/>
+              </a:ext>
+            </a:extLst>
+          </p:cNvPr>
+          <p:cNvSpPr/>
+          <p:nvPr/>
         </p:nvSpPr>
-        <p:spPr/>
+        <p:spPr>
+          <a:xfrm>
+            <a:off x="838200" y="1690688"/>
+            <a:ext cx="4881459" cy="3982323"/>
+          </a:xfrm>
+          <a:prstGeom prst="rect">
+            <a:avLst/>
+          </a:prstGeom>
+          <a:noFill/>
+          <a:ln w="28575">
+            <a:solidFill>
+              <a:srgbClr val="FF0000"/>
+            </a:solidFill>
+          </a:ln>
+        </p:spPr>
+        <p:style>
+          <a:lnRef idx="2">
+            <a:schemeClr val="accent1">
+              <a:shade val="50000"/>
+            </a:schemeClr>
+          </a:lnRef>
+          <a:fillRef idx="1">
+            <a:schemeClr val="accent1"/>
+          </a:fillRef>
+          <a:effectRef idx="0">
+            <a:schemeClr val="accent1"/>
+          </a:effectRef>
+          <a:fontRef idx="minor">
+            <a:schemeClr val="lt1"/>
+          </a:fontRef>
+        </p:style>
         <p:txBody>
-          <a:bodyPr/>
+          <a:bodyPr rtlCol="0" anchor="ctr"/>
           <a:lstStyle/>
           <a:p>
-            <a:endParaRPr lang="ko-KR" altLang="en-US"/>
+            <a:pPr algn="ctr"/>
+            <a:endParaRPr lang="ko-KR" altLang="en-US" dirty="0"/>
           </a:p>
         </p:txBody>
       </p:sp>
+      <p:cxnSp>
+        <p:nvCxnSpPr>
+          <p:cNvPr id="14" name="직선 화살표 연결선 13">
+            <a:extLst>
+              <a:ext uri="{FF2B5EF4-FFF2-40B4-BE49-F238E27FC236}">
+                <a16:creationId xmlns:a16="http://schemas.microsoft.com/office/drawing/2014/main" id="{9AE5F57A-CC8D-46FD-A998-872B6905C475}"/>
+              </a:ext>
+            </a:extLst>
+          </p:cNvPr>
+          <p:cNvCxnSpPr>
+            <a:cxnSpLocks/>
+            <a:stCxn id="12" idx="3"/>
+            <a:endCxn id="11" idx="1"/>
+          </p:cNvCxnSpPr>
+          <p:nvPr/>
+        </p:nvCxnSpPr>
+        <p:spPr>
+          <a:xfrm flipV="1">
+            <a:off x="5719659" y="2762754"/>
+            <a:ext cx="383331" cy="919096"/>
+          </a:xfrm>
+          <a:prstGeom prst="straightConnector1">
+            <a:avLst/>
+          </a:prstGeom>
+          <a:ln w="38100">
+            <a:solidFill>
+              <a:srgbClr val="FF0000"/>
+            </a:solidFill>
+            <a:tailEnd type="triangle"/>
+          </a:ln>
+        </p:spPr>
+        <p:style>
+          <a:lnRef idx="1">
+            <a:schemeClr val="accent1"/>
+          </a:lnRef>
+          <a:fillRef idx="0">
+            <a:schemeClr val="accent1"/>
+          </a:fillRef>
+          <a:effectRef idx="0">
+            <a:schemeClr val="accent1"/>
+          </a:effectRef>
+          <a:fontRef idx="minor">
+            <a:schemeClr val="tx1"/>
+          </a:fontRef>
+        </p:style>
+      </p:cxnSp>
+      <p:pic>
+        <p:nvPicPr>
+          <p:cNvPr id="19" name="그림 18">
+            <a:extLst>
+              <a:ext uri="{FF2B5EF4-FFF2-40B4-BE49-F238E27FC236}">
+                <a16:creationId xmlns:a16="http://schemas.microsoft.com/office/drawing/2014/main" id="{0B532E60-3462-4456-AFC4-F19593543F8B}"/>
+              </a:ext>
+            </a:extLst>
+          </p:cNvPr>
+          <p:cNvPicPr>
+            <a:picLocks noChangeAspect="1"/>
+          </p:cNvPicPr>
+          <p:nvPr/>
+        </p:nvPicPr>
+        <p:blipFill>
+          <a:blip r:embed="rId8"/>
+          <a:stretch>
+            <a:fillRect/>
+          </a:stretch>
+        </p:blipFill>
+        <p:spPr>
+          <a:xfrm>
+            <a:off x="4206554" y="4073525"/>
+            <a:ext cx="2705100" cy="2419350"/>
+          </a:xfrm>
+          <a:prstGeom prst="rect">
+            <a:avLst/>
+          </a:prstGeom>
+          <a:ln w="38100" cap="sq">
+            <a:solidFill>
+              <a:srgbClr val="000000"/>
+            </a:solidFill>
+            <a:prstDash val="solid"/>
+            <a:miter lim="800000"/>
+          </a:ln>
+          <a:effectLst>
+            <a:outerShdw blurRad="50800" dist="38100" dir="2700000" algn="tl" rotWithShape="0">
+              <a:srgbClr val="000000">
+                <a:alpha val="43000"/>
+              </a:srgbClr>
+            </a:outerShdw>
+          </a:effectLst>
+        </p:spPr>
+      </p:pic>
+      <p:sp>
+        <p:nvSpPr>
+          <p:cNvPr id="20" name="사각형: 둥근 모서리 19">
+            <a:extLst>
+              <a:ext uri="{FF2B5EF4-FFF2-40B4-BE49-F238E27FC236}">
+                <a16:creationId xmlns:a16="http://schemas.microsoft.com/office/drawing/2014/main" id="{D701F523-C02F-480D-87C5-4F31D65EC9CF}"/>
+              </a:ext>
+            </a:extLst>
+          </p:cNvPr>
+          <p:cNvSpPr/>
+          <p:nvPr/>
+        </p:nvSpPr>
+        <p:spPr>
+          <a:xfrm>
+            <a:off x="6192888" y="3167424"/>
+            <a:ext cx="619911" cy="554273"/>
+          </a:xfrm>
+          <a:prstGeom prst="roundRect">
+            <a:avLst/>
+          </a:prstGeom>
+          <a:noFill/>
+        </p:spPr>
+        <p:style>
+          <a:lnRef idx="2">
+            <a:schemeClr val="accent1">
+              <a:shade val="50000"/>
+            </a:schemeClr>
+          </a:lnRef>
+          <a:fillRef idx="1">
+            <a:schemeClr val="accent1"/>
+          </a:fillRef>
+          <a:effectRef idx="0">
+            <a:schemeClr val="accent1"/>
+          </a:effectRef>
+          <a:fontRef idx="minor">
+            <a:schemeClr val="lt1"/>
+          </a:fontRef>
+        </p:style>
+        <p:txBody>
+          <a:bodyPr rtlCol="0" anchor="ctr"/>
+          <a:lstStyle/>
+          <a:p>
+            <a:pPr algn="ctr"/>
+            <a:endParaRPr lang="ko-KR" altLang="en-US" dirty="0"/>
+          </a:p>
+        </p:txBody>
+      </p:sp>
+      <p:sp>
+        <p:nvSpPr>
+          <p:cNvPr id="21" name="사각형: 둥근 모서리 20">
+            <a:extLst>
+              <a:ext uri="{FF2B5EF4-FFF2-40B4-BE49-F238E27FC236}">
+                <a16:creationId xmlns:a16="http://schemas.microsoft.com/office/drawing/2014/main" id="{D08160ED-FF7E-4177-A5FB-796D5A8501BA}"/>
+              </a:ext>
+            </a:extLst>
+          </p:cNvPr>
+          <p:cNvSpPr/>
+          <p:nvPr/>
+        </p:nvSpPr>
+        <p:spPr>
+          <a:xfrm>
+            <a:off x="5620624" y="5314575"/>
+            <a:ext cx="1107347" cy="1027502"/>
+          </a:xfrm>
+          <a:prstGeom prst="roundRect">
+            <a:avLst/>
+          </a:prstGeom>
+          <a:noFill/>
+        </p:spPr>
+        <p:style>
+          <a:lnRef idx="2">
+            <a:schemeClr val="accent1">
+              <a:shade val="50000"/>
+            </a:schemeClr>
+          </a:lnRef>
+          <a:fillRef idx="1">
+            <a:schemeClr val="accent1"/>
+          </a:fillRef>
+          <a:effectRef idx="0">
+            <a:schemeClr val="accent1"/>
+          </a:effectRef>
+          <a:fontRef idx="minor">
+            <a:schemeClr val="lt1"/>
+          </a:fontRef>
+        </p:style>
+        <p:txBody>
+          <a:bodyPr rtlCol="0" anchor="ctr"/>
+          <a:lstStyle/>
+          <a:p>
+            <a:pPr algn="ctr"/>
+            <a:endParaRPr lang="ko-KR" altLang="en-US" dirty="0"/>
+          </a:p>
+        </p:txBody>
+      </p:sp>
+      <p:pic>
+        <p:nvPicPr>
+          <p:cNvPr id="22" name="그림 21">
+            <a:extLst>
+              <a:ext uri="{FF2B5EF4-FFF2-40B4-BE49-F238E27FC236}">
+                <a16:creationId xmlns:a16="http://schemas.microsoft.com/office/drawing/2014/main" id="{D0AD06BA-762B-4A18-8CB1-BB8A6FCFC41C}"/>
+              </a:ext>
+            </a:extLst>
+          </p:cNvPr>
+          <p:cNvPicPr>
+            <a:picLocks noChangeAspect="1"/>
+          </p:cNvPicPr>
+          <p:nvPr/>
+        </p:nvPicPr>
+        <p:blipFill rotWithShape="1">
+          <a:blip r:embed="rId9"/>
+          <a:srcRect l="1220" r="23345"/>
+          <a:stretch/>
+        </p:blipFill>
+        <p:spPr>
+          <a:xfrm>
+            <a:off x="7133730" y="4073524"/>
+            <a:ext cx="4253230" cy="2327271"/>
+          </a:xfrm>
+          <a:prstGeom prst="rect">
+            <a:avLst/>
+          </a:prstGeom>
+          <a:ln w="38100" cap="sq">
+            <a:solidFill>
+              <a:srgbClr val="000000"/>
+            </a:solidFill>
+            <a:prstDash val="solid"/>
+            <a:miter lim="800000"/>
+          </a:ln>
+          <a:effectLst>
+            <a:outerShdw blurRad="50800" dist="38100" dir="2700000" algn="tl" rotWithShape="0">
+              <a:srgbClr val="000000">
+                <a:alpha val="43000"/>
+              </a:srgbClr>
+            </a:outerShdw>
+          </a:effectLst>
+        </p:spPr>
+      </p:pic>
+      <p:sp>
+        <p:nvSpPr>
+          <p:cNvPr id="23" name="사각형: 둥근 모서리 22">
+            <a:extLst>
+              <a:ext uri="{FF2B5EF4-FFF2-40B4-BE49-F238E27FC236}">
+                <a16:creationId xmlns:a16="http://schemas.microsoft.com/office/drawing/2014/main" id="{36092804-CF8B-4A8E-B87A-D9F55D5F190E}"/>
+              </a:ext>
+            </a:extLst>
+          </p:cNvPr>
+          <p:cNvSpPr/>
+          <p:nvPr/>
+        </p:nvSpPr>
+        <p:spPr>
+          <a:xfrm>
+            <a:off x="7662564" y="1899552"/>
+            <a:ext cx="651875" cy="659090"/>
+          </a:xfrm>
+          <a:prstGeom prst="roundRect">
+            <a:avLst/>
+          </a:prstGeom>
+          <a:noFill/>
+          <a:ln>
+            <a:solidFill>
+              <a:srgbClr val="FFC000"/>
+            </a:solidFill>
+          </a:ln>
+        </p:spPr>
+        <p:style>
+          <a:lnRef idx="2">
+            <a:schemeClr val="accent1">
+              <a:shade val="50000"/>
+            </a:schemeClr>
+          </a:lnRef>
+          <a:fillRef idx="1">
+            <a:schemeClr val="accent1"/>
+          </a:fillRef>
+          <a:effectRef idx="0">
+            <a:schemeClr val="accent1"/>
+          </a:effectRef>
+          <a:fontRef idx="minor">
+            <a:schemeClr val="lt1"/>
+          </a:fontRef>
+        </p:style>
+        <p:txBody>
+          <a:bodyPr rtlCol="0" anchor="ctr"/>
+          <a:lstStyle/>
+          <a:p>
+            <a:pPr algn="ctr"/>
+            <a:endParaRPr lang="ko-KR" altLang="en-US" dirty="0"/>
+          </a:p>
+        </p:txBody>
+      </p:sp>
+      <p:sp>
+        <p:nvSpPr>
+          <p:cNvPr id="24" name="사각형: 둥근 모서리 23">
+            <a:extLst>
+              <a:ext uri="{FF2B5EF4-FFF2-40B4-BE49-F238E27FC236}">
+                <a16:creationId xmlns:a16="http://schemas.microsoft.com/office/drawing/2014/main" id="{7A37BF3E-7E10-42B7-A50A-1C9AF2883698}"/>
+              </a:ext>
+            </a:extLst>
+          </p:cNvPr>
+          <p:cNvSpPr/>
+          <p:nvPr/>
+        </p:nvSpPr>
+        <p:spPr>
+          <a:xfrm>
+            <a:off x="7133730" y="4098691"/>
+            <a:ext cx="651875" cy="178165"/>
+          </a:xfrm>
+          <a:prstGeom prst="roundRect">
+            <a:avLst/>
+          </a:prstGeom>
+          <a:noFill/>
+          <a:ln>
+            <a:solidFill>
+              <a:srgbClr val="FFC000"/>
+            </a:solidFill>
+          </a:ln>
+        </p:spPr>
+        <p:style>
+          <a:lnRef idx="2">
+            <a:schemeClr val="accent1">
+              <a:shade val="50000"/>
+            </a:schemeClr>
+          </a:lnRef>
+          <a:fillRef idx="1">
+            <a:schemeClr val="accent1"/>
+          </a:fillRef>
+          <a:effectRef idx="0">
+            <a:schemeClr val="accent1"/>
+          </a:effectRef>
+          <a:fontRef idx="minor">
+            <a:schemeClr val="lt1"/>
+          </a:fontRef>
+        </p:style>
+        <p:txBody>
+          <a:bodyPr rtlCol="0" anchor="ctr"/>
+          <a:lstStyle/>
+          <a:p>
+            <a:pPr algn="ctr"/>
+            <a:endParaRPr lang="ko-KR" altLang="en-US" dirty="0"/>
+          </a:p>
+        </p:txBody>
+      </p:sp>
+      <p:sp>
+        <p:nvSpPr>
+          <p:cNvPr id="25" name="사각형: 둥근 모서리 24">
+            <a:extLst>
+              <a:ext uri="{FF2B5EF4-FFF2-40B4-BE49-F238E27FC236}">
+                <a16:creationId xmlns:a16="http://schemas.microsoft.com/office/drawing/2014/main" id="{F04133E6-6CAB-43B0-BA77-5CB1014524B0}"/>
+              </a:ext>
+            </a:extLst>
+          </p:cNvPr>
+          <p:cNvSpPr/>
+          <p:nvPr/>
+        </p:nvSpPr>
+        <p:spPr>
+          <a:xfrm>
+            <a:off x="7120367" y="4285245"/>
+            <a:ext cx="949842" cy="178165"/>
+          </a:xfrm>
+          <a:prstGeom prst="roundRect">
+            <a:avLst/>
+          </a:prstGeom>
+          <a:noFill/>
+          <a:ln>
+            <a:solidFill>
+              <a:srgbClr val="FFC000"/>
+            </a:solidFill>
+          </a:ln>
+        </p:spPr>
+        <p:style>
+          <a:lnRef idx="2">
+            <a:schemeClr val="accent1">
+              <a:shade val="50000"/>
+            </a:schemeClr>
+          </a:lnRef>
+          <a:fillRef idx="1">
+            <a:schemeClr val="accent1"/>
+          </a:fillRef>
+          <a:effectRef idx="0">
+            <a:schemeClr val="accent1"/>
+          </a:effectRef>
+          <a:fontRef idx="minor">
+            <a:schemeClr val="lt1"/>
+          </a:fontRef>
+        </p:style>
+        <p:txBody>
+          <a:bodyPr rtlCol="0" anchor="ctr"/>
+          <a:lstStyle/>
+          <a:p>
+            <a:pPr algn="ctr"/>
+            <a:endParaRPr lang="ko-KR" altLang="en-US" dirty="0"/>
+          </a:p>
+        </p:txBody>
+      </p:sp>
+      <p:sp>
+        <p:nvSpPr>
+          <p:cNvPr id="26" name="사각형: 둥근 모서리 25">
+            <a:extLst>
+              <a:ext uri="{FF2B5EF4-FFF2-40B4-BE49-F238E27FC236}">
+                <a16:creationId xmlns:a16="http://schemas.microsoft.com/office/drawing/2014/main" id="{39E5122B-3240-4262-948C-1C0FAF918603}"/>
+              </a:ext>
+            </a:extLst>
+          </p:cNvPr>
+          <p:cNvSpPr/>
+          <p:nvPr/>
+        </p:nvSpPr>
+        <p:spPr>
+          <a:xfrm>
+            <a:off x="7111965" y="4635622"/>
+            <a:ext cx="1704863" cy="178165"/>
+          </a:xfrm>
+          <a:prstGeom prst="roundRect">
+            <a:avLst/>
+          </a:prstGeom>
+          <a:noFill/>
+          <a:ln>
+            <a:solidFill>
+              <a:srgbClr val="FFC000"/>
+            </a:solidFill>
+          </a:ln>
+        </p:spPr>
+        <p:style>
+          <a:lnRef idx="2">
+            <a:schemeClr val="accent1">
+              <a:shade val="50000"/>
+            </a:schemeClr>
+          </a:lnRef>
+          <a:fillRef idx="1">
+            <a:schemeClr val="accent1"/>
+          </a:fillRef>
+          <a:effectRef idx="0">
+            <a:schemeClr val="accent1"/>
+          </a:effectRef>
+          <a:fontRef idx="minor">
+            <a:schemeClr val="lt1"/>
+          </a:fontRef>
+        </p:style>
+        <p:txBody>
+          <a:bodyPr rtlCol="0" anchor="ctr"/>
+          <a:lstStyle/>
+          <a:p>
+            <a:pPr algn="ctr"/>
+            <a:endParaRPr lang="ko-KR" altLang="en-US" dirty="0"/>
+          </a:p>
+        </p:txBody>
+      </p:sp>
+      <p:sp>
+        <p:nvSpPr>
+          <p:cNvPr id="27" name="사각형: 둥근 모서리 26">
+            <a:extLst>
+              <a:ext uri="{FF2B5EF4-FFF2-40B4-BE49-F238E27FC236}">
+                <a16:creationId xmlns:a16="http://schemas.microsoft.com/office/drawing/2014/main" id="{1502FD29-D434-4CB0-B9FD-B6380EF584C7}"/>
+              </a:ext>
+            </a:extLst>
+          </p:cNvPr>
+          <p:cNvSpPr/>
+          <p:nvPr/>
+        </p:nvSpPr>
+        <p:spPr>
+          <a:xfrm>
+            <a:off x="7111964" y="4813788"/>
+            <a:ext cx="3500109" cy="172212"/>
+          </a:xfrm>
+          <a:prstGeom prst="roundRect">
+            <a:avLst/>
+          </a:prstGeom>
+          <a:noFill/>
+          <a:ln>
+            <a:solidFill>
+              <a:srgbClr val="FFC000"/>
+            </a:solidFill>
+          </a:ln>
+        </p:spPr>
+        <p:style>
+          <a:lnRef idx="2">
+            <a:schemeClr val="accent1">
+              <a:shade val="50000"/>
+            </a:schemeClr>
+          </a:lnRef>
+          <a:fillRef idx="1">
+            <a:schemeClr val="accent1"/>
+          </a:fillRef>
+          <a:effectRef idx="0">
+            <a:schemeClr val="accent1"/>
+          </a:effectRef>
+          <a:fontRef idx="minor">
+            <a:schemeClr val="lt1"/>
+          </a:fontRef>
+        </p:style>
+        <p:txBody>
+          <a:bodyPr rtlCol="0" anchor="ctr"/>
+          <a:lstStyle/>
+          <a:p>
+            <a:pPr algn="ctr"/>
+            <a:endParaRPr lang="ko-KR" altLang="en-US" dirty="0"/>
+          </a:p>
+        </p:txBody>
+      </p:sp>
+      <p:sp>
+        <p:nvSpPr>
+          <p:cNvPr id="28" name="사각형: 둥근 모서리 27">
+            <a:extLst>
+              <a:ext uri="{FF2B5EF4-FFF2-40B4-BE49-F238E27FC236}">
+                <a16:creationId xmlns:a16="http://schemas.microsoft.com/office/drawing/2014/main" id="{0AE3D1BF-F8EF-48B0-AFF9-224279985679}"/>
+              </a:ext>
+            </a:extLst>
+          </p:cNvPr>
+          <p:cNvSpPr/>
+          <p:nvPr/>
+        </p:nvSpPr>
+        <p:spPr>
+          <a:xfrm>
+            <a:off x="7111964" y="5000048"/>
+            <a:ext cx="1704864" cy="203626"/>
+          </a:xfrm>
+          <a:prstGeom prst="roundRect">
+            <a:avLst/>
+          </a:prstGeom>
+          <a:noFill/>
+          <a:ln>
+            <a:solidFill>
+              <a:srgbClr val="FFC000"/>
+            </a:solidFill>
+          </a:ln>
+        </p:spPr>
+        <p:style>
+          <a:lnRef idx="2">
+            <a:schemeClr val="accent1">
+              <a:shade val="50000"/>
+            </a:schemeClr>
+          </a:lnRef>
+          <a:fillRef idx="1">
+            <a:schemeClr val="accent1"/>
+          </a:fillRef>
+          <a:effectRef idx="0">
+            <a:schemeClr val="accent1"/>
+          </a:effectRef>
+          <a:fontRef idx="minor">
+            <a:schemeClr val="lt1"/>
+          </a:fontRef>
+        </p:style>
+        <p:txBody>
+          <a:bodyPr rtlCol="0" anchor="ctr"/>
+          <a:lstStyle/>
+          <a:p>
+            <a:pPr algn="ctr"/>
+            <a:endParaRPr lang="ko-KR" altLang="en-US" dirty="0"/>
+          </a:p>
+        </p:txBody>
+      </p:sp>
+      <p:pic>
+        <p:nvPicPr>
+          <p:cNvPr id="29" name="그림 28">
+            <a:extLst>
+              <a:ext uri="{FF2B5EF4-FFF2-40B4-BE49-F238E27FC236}">
+                <a16:creationId xmlns:a16="http://schemas.microsoft.com/office/drawing/2014/main" id="{96A70F24-7BD0-491D-A8DC-0C444A56D6BB}"/>
+              </a:ext>
+            </a:extLst>
+          </p:cNvPr>
+          <p:cNvPicPr>
+            <a:picLocks noChangeAspect="1"/>
+          </p:cNvPicPr>
+          <p:nvPr/>
+        </p:nvPicPr>
+        <p:blipFill>
+          <a:blip r:embed="rId10"/>
+          <a:stretch>
+            <a:fillRect/>
+          </a:stretch>
+        </p:blipFill>
+        <p:spPr>
+          <a:xfrm>
+            <a:off x="9260345" y="1721667"/>
+            <a:ext cx="2162175" cy="2066925"/>
+          </a:xfrm>
+          <a:prstGeom prst="rect">
+            <a:avLst/>
+          </a:prstGeom>
+          <a:ln w="38100" cap="sq">
+            <a:solidFill>
+              <a:srgbClr val="000000"/>
+            </a:solidFill>
+            <a:prstDash val="solid"/>
+            <a:miter lim="800000"/>
+          </a:ln>
+          <a:effectLst>
+            <a:outerShdw blurRad="50800" dist="38100" dir="2700000" algn="tl" rotWithShape="0">
+              <a:srgbClr val="000000">
+                <a:alpha val="43000"/>
+              </a:srgbClr>
+            </a:outerShdw>
+          </a:effectLst>
+        </p:spPr>
+      </p:pic>
+      <p:cxnSp>
+        <p:nvCxnSpPr>
+          <p:cNvPr id="30" name="직선 화살표 연결선 29">
+            <a:extLst>
+              <a:ext uri="{FF2B5EF4-FFF2-40B4-BE49-F238E27FC236}">
+                <a16:creationId xmlns:a16="http://schemas.microsoft.com/office/drawing/2014/main" id="{BA0BB8D7-1C6F-4498-835C-47F04E84AD3C}"/>
+              </a:ext>
+            </a:extLst>
+          </p:cNvPr>
+          <p:cNvCxnSpPr>
+            <a:cxnSpLocks/>
+            <a:stCxn id="11" idx="3"/>
+            <a:endCxn id="29" idx="1"/>
+          </p:cNvCxnSpPr>
+          <p:nvPr/>
+        </p:nvCxnSpPr>
+        <p:spPr>
+          <a:xfrm flipV="1">
+            <a:off x="8289272" y="2755130"/>
+            <a:ext cx="971073" cy="7624"/>
+          </a:xfrm>
+          <a:prstGeom prst="straightConnector1">
+            <a:avLst/>
+          </a:prstGeom>
+          <a:ln w="38100">
+            <a:solidFill>
+              <a:srgbClr val="FF0000"/>
+            </a:solidFill>
+            <a:tailEnd type="triangle"/>
+          </a:ln>
+        </p:spPr>
+        <p:style>
+          <a:lnRef idx="1">
+            <a:schemeClr val="accent1"/>
+          </a:lnRef>
+          <a:fillRef idx="0">
+            <a:schemeClr val="accent1"/>
+          </a:fillRef>
+          <a:effectRef idx="0">
+            <a:schemeClr val="accent1"/>
+          </a:effectRef>
+          <a:fontRef idx="minor">
+            <a:schemeClr val="tx1"/>
+          </a:fontRef>
+        </p:style>
+      </p:cxnSp>
     </p:spTree>
     <p:extLst>
       <p:ext uri="{BB962C8B-B14F-4D97-AF65-F5344CB8AC3E}">
-        <p14:creationId xmlns:p14="http://schemas.microsoft.com/office/powerpoint/2010/main" val="386570523"/>
+        <p14:creationId xmlns:p14="http://schemas.microsoft.com/office/powerpoint/2010/main" val="3010170449"/>
       </p:ext>
     </p:extLst>
   </p:cSld>
@@ -13650,10 +16221,41 @@
           <a:bodyPr/>
           <a:lstStyle/>
           <a:p>
-            <a:endParaRPr lang="ko-KR" altLang="en-US" dirty="0">
-              <a:latin typeface="HY헤드라인M" panose="02030600000101010101" pitchFamily="18" charset="-127"/>
-              <a:ea typeface="HY헤드라인M" panose="02030600000101010101" pitchFamily="18" charset="-127"/>
-            </a:endParaRPr>
+            <a:r>
+              <a:rPr lang="ko-KR" altLang="en-US" dirty="0">
+                <a:latin typeface="HY헤드라인M" panose="02030600000101010101" pitchFamily="18" charset="-127"/>
+                <a:ea typeface="HY헤드라인M" panose="02030600000101010101" pitchFamily="18" charset="-127"/>
+              </a:rPr>
+              <a:t>수행 </a:t>
+            </a:r>
+            <a:r>
+              <a:rPr lang="en-US" altLang="ko-KR" dirty="0">
+                <a:latin typeface="HY헤드라인M" panose="02030600000101010101" pitchFamily="18" charset="-127"/>
+                <a:ea typeface="HY헤드라인M" panose="02030600000101010101" pitchFamily="18" charset="-127"/>
+              </a:rPr>
+              <a:t>– </a:t>
+            </a:r>
+            <a:r>
+              <a:rPr lang="ko-KR" altLang="en-US" dirty="0">
+                <a:latin typeface="HY헤드라인M" panose="02030600000101010101" pitchFamily="18" charset="-127"/>
+                <a:ea typeface="HY헤드라인M" panose="02030600000101010101" pitchFamily="18" charset="-127"/>
+              </a:rPr>
+              <a:t>원격접속</a:t>
+            </a:r>
+            <a:r>
+              <a:rPr lang="en-US" altLang="ko-KR" dirty="0">
+                <a:latin typeface="HY헤드라인M" panose="02030600000101010101" pitchFamily="18" charset="-127"/>
+                <a:ea typeface="HY헤드라인M" panose="02030600000101010101" pitchFamily="18" charset="-127"/>
+              </a:rPr>
+              <a:t>(Telnet) </a:t>
+            </a:r>
+            <a:r>
+              <a:rPr lang="ko-KR" altLang="en-US" dirty="0">
+                <a:latin typeface="HY헤드라인M" panose="02030600000101010101" pitchFamily="18" charset="-127"/>
+                <a:ea typeface="HY헤드라인M" panose="02030600000101010101" pitchFamily="18" charset="-127"/>
+              </a:rPr>
+              <a:t>설정</a:t>
+            </a:r>
           </a:p>
         </p:txBody>
       </p:sp>
@@ -13742,35 +16344,764 @@
           </a:fontRef>
         </p:style>
       </p:cxnSp>
-      <p:sp>
-        <p:nvSpPr>
-          <p:cNvPr id="7" name="내용 개체 틀 6">
-            <a:extLst>
-              <a:ext uri="{FF2B5EF4-FFF2-40B4-BE49-F238E27FC236}">
-                <a16:creationId xmlns:a16="http://schemas.microsoft.com/office/drawing/2014/main" id="{D952638E-18BD-4894-91AB-D859C866F918}"/>
-              </a:ext>
-            </a:extLst>
-          </p:cNvPr>
-          <p:cNvSpPr>
-            <a:spLocks noGrp="1"/>
-          </p:cNvSpPr>
+      <p:pic>
+        <p:nvPicPr>
+          <p:cNvPr id="3" name="내용 개체 틀 2">
+            <a:extLst>
+              <a:ext uri="{FF2B5EF4-FFF2-40B4-BE49-F238E27FC236}">
+                <a16:creationId xmlns:a16="http://schemas.microsoft.com/office/drawing/2014/main" id="{8871141C-D9DA-4B37-854C-B8F6AEACF0BF}"/>
+              </a:ext>
+            </a:extLst>
+          </p:cNvPr>
+          <p:cNvPicPr>
+            <a:picLocks noGrp="1" noChangeAspect="1"/>
+          </p:cNvPicPr>
           <p:nvPr>
             <p:ph idx="1"/>
           </p:nvPr>
+        </p:nvPicPr>
+        <p:blipFill>
+          <a:blip r:embed="rId2"/>
+          <a:stretch>
+            <a:fillRect/>
+          </a:stretch>
+        </p:blipFill>
+        <p:spPr>
+          <a:xfrm>
+            <a:off x="937163" y="1720136"/>
+            <a:ext cx="6758847" cy="1476070"/>
+          </a:xfrm>
+          <a:prstGeom prst="rect">
+            <a:avLst/>
+          </a:prstGeom>
+          <a:ln w="38100" cap="sq">
+            <a:solidFill>
+              <a:srgbClr val="000000"/>
+            </a:solidFill>
+            <a:prstDash val="solid"/>
+            <a:miter lim="800000"/>
+          </a:ln>
+          <a:effectLst>
+            <a:outerShdw blurRad="50800" dist="38100" dir="2700000" algn="tl" rotWithShape="0">
+              <a:srgbClr val="000000">
+                <a:alpha val="43000"/>
+              </a:srgbClr>
+            </a:outerShdw>
+          </a:effectLst>
+        </p:spPr>
+      </p:pic>
+      <p:pic>
+        <p:nvPicPr>
+          <p:cNvPr id="5" name="그림 4">
+            <a:extLst>
+              <a:ext uri="{FF2B5EF4-FFF2-40B4-BE49-F238E27FC236}">
+                <a16:creationId xmlns:a16="http://schemas.microsoft.com/office/drawing/2014/main" id="{1CB00859-BFA5-4373-BAA3-11CD29734F8C}"/>
+              </a:ext>
+            </a:extLst>
+          </p:cNvPr>
+          <p:cNvPicPr>
+            <a:picLocks noChangeAspect="1"/>
+          </p:cNvPicPr>
+          <p:nvPr/>
+        </p:nvPicPr>
+        <p:blipFill>
+          <a:blip r:embed="rId3"/>
+          <a:stretch>
+            <a:fillRect/>
+          </a:stretch>
+        </p:blipFill>
+        <p:spPr>
+          <a:xfrm>
+            <a:off x="6096000" y="1720136"/>
+            <a:ext cx="5380839" cy="4940723"/>
+          </a:xfrm>
+          <a:prstGeom prst="rect">
+            <a:avLst/>
+          </a:prstGeom>
+          <a:ln w="38100" cap="sq">
+            <a:solidFill>
+              <a:srgbClr val="000000"/>
+            </a:solidFill>
+            <a:prstDash val="solid"/>
+            <a:miter lim="800000"/>
+          </a:ln>
+          <a:effectLst>
+            <a:outerShdw blurRad="50800" dist="38100" dir="2700000" algn="tl" rotWithShape="0">
+              <a:srgbClr val="000000">
+                <a:alpha val="43000"/>
+              </a:srgbClr>
+            </a:outerShdw>
+          </a:effectLst>
+        </p:spPr>
+      </p:pic>
+      <p:sp>
+        <p:nvSpPr>
+          <p:cNvPr id="9" name="직사각형 8">
+            <a:extLst>
+              <a:ext uri="{FF2B5EF4-FFF2-40B4-BE49-F238E27FC236}">
+                <a16:creationId xmlns:a16="http://schemas.microsoft.com/office/drawing/2014/main" id="{761C7B91-1FE4-400B-A615-88EF4BD64E98}"/>
+              </a:ext>
+            </a:extLst>
+          </p:cNvPr>
+          <p:cNvSpPr/>
+          <p:nvPr/>
         </p:nvSpPr>
-        <p:spPr/>
+        <p:spPr>
+          <a:xfrm>
+            <a:off x="937163" y="1786221"/>
+            <a:ext cx="1669540" cy="223575"/>
+          </a:xfrm>
+          <a:prstGeom prst="rect">
+            <a:avLst/>
+          </a:prstGeom>
+          <a:noFill/>
+          <a:ln w="28575">
+            <a:solidFill>
+              <a:srgbClr val="FF0000"/>
+            </a:solidFill>
+          </a:ln>
+        </p:spPr>
+        <p:style>
+          <a:lnRef idx="2">
+            <a:schemeClr val="accent1">
+              <a:shade val="50000"/>
+            </a:schemeClr>
+          </a:lnRef>
+          <a:fillRef idx="1">
+            <a:schemeClr val="accent1"/>
+          </a:fillRef>
+          <a:effectRef idx="0">
+            <a:schemeClr val="accent1"/>
+          </a:effectRef>
+          <a:fontRef idx="minor">
+            <a:schemeClr val="lt1"/>
+          </a:fontRef>
+        </p:style>
         <p:txBody>
-          <a:bodyPr/>
+          <a:bodyPr rtlCol="0" anchor="ctr"/>
           <a:lstStyle/>
           <a:p>
-            <a:endParaRPr lang="ko-KR" altLang="en-US"/>
+            <a:pPr algn="ctr"/>
+            <a:endParaRPr lang="ko-KR" altLang="en-US" dirty="0"/>
           </a:p>
         </p:txBody>
       </p:sp>
+      <p:sp>
+        <p:nvSpPr>
+          <p:cNvPr id="10" name="직사각형 9">
+            <a:extLst>
+              <a:ext uri="{FF2B5EF4-FFF2-40B4-BE49-F238E27FC236}">
+                <a16:creationId xmlns:a16="http://schemas.microsoft.com/office/drawing/2014/main" id="{8DA3A3AB-803A-4F2D-B4AB-4A28DC12A232}"/>
+              </a:ext>
+            </a:extLst>
+          </p:cNvPr>
+          <p:cNvSpPr/>
+          <p:nvPr/>
+        </p:nvSpPr>
+        <p:spPr>
+          <a:xfrm>
+            <a:off x="937163" y="2009796"/>
+            <a:ext cx="1669540" cy="223575"/>
+          </a:xfrm>
+          <a:prstGeom prst="rect">
+            <a:avLst/>
+          </a:prstGeom>
+          <a:noFill/>
+          <a:ln w="28575">
+            <a:solidFill>
+              <a:srgbClr val="FF0000"/>
+            </a:solidFill>
+          </a:ln>
+        </p:spPr>
+        <p:style>
+          <a:lnRef idx="2">
+            <a:schemeClr val="accent1">
+              <a:shade val="50000"/>
+            </a:schemeClr>
+          </a:lnRef>
+          <a:fillRef idx="1">
+            <a:schemeClr val="accent1"/>
+          </a:fillRef>
+          <a:effectRef idx="0">
+            <a:schemeClr val="accent1"/>
+          </a:effectRef>
+          <a:fontRef idx="minor">
+            <a:schemeClr val="lt1"/>
+          </a:fontRef>
+        </p:style>
+        <p:txBody>
+          <a:bodyPr rtlCol="0" anchor="ctr"/>
+          <a:lstStyle/>
+          <a:p>
+            <a:pPr algn="ctr"/>
+            <a:endParaRPr lang="ko-KR" altLang="en-US" dirty="0"/>
+          </a:p>
+        </p:txBody>
+      </p:sp>
+      <p:sp>
+        <p:nvSpPr>
+          <p:cNvPr id="11" name="직사각형 10">
+            <a:extLst>
+              <a:ext uri="{FF2B5EF4-FFF2-40B4-BE49-F238E27FC236}">
+                <a16:creationId xmlns:a16="http://schemas.microsoft.com/office/drawing/2014/main" id="{B2FE1846-EAB3-4B6F-A1CB-5E04E745B494}"/>
+              </a:ext>
+            </a:extLst>
+          </p:cNvPr>
+          <p:cNvSpPr/>
+          <p:nvPr/>
+        </p:nvSpPr>
+        <p:spPr>
+          <a:xfrm>
+            <a:off x="937162" y="2491213"/>
+            <a:ext cx="2997273" cy="223575"/>
+          </a:xfrm>
+          <a:prstGeom prst="rect">
+            <a:avLst/>
+          </a:prstGeom>
+          <a:noFill/>
+          <a:ln w="28575">
+            <a:solidFill>
+              <a:srgbClr val="FF0000"/>
+            </a:solidFill>
+          </a:ln>
+        </p:spPr>
+        <p:style>
+          <a:lnRef idx="2">
+            <a:schemeClr val="accent1">
+              <a:shade val="50000"/>
+            </a:schemeClr>
+          </a:lnRef>
+          <a:fillRef idx="1">
+            <a:schemeClr val="accent1"/>
+          </a:fillRef>
+          <a:effectRef idx="0">
+            <a:schemeClr val="accent1"/>
+          </a:effectRef>
+          <a:fontRef idx="minor">
+            <a:schemeClr val="lt1"/>
+          </a:fontRef>
+        </p:style>
+        <p:txBody>
+          <a:bodyPr rtlCol="0" anchor="ctr"/>
+          <a:lstStyle/>
+          <a:p>
+            <a:pPr algn="ctr"/>
+            <a:endParaRPr lang="ko-KR" altLang="en-US" dirty="0"/>
+          </a:p>
+        </p:txBody>
+      </p:sp>
+      <p:sp>
+        <p:nvSpPr>
+          <p:cNvPr id="12" name="직사각형 11">
+            <a:extLst>
+              <a:ext uri="{FF2B5EF4-FFF2-40B4-BE49-F238E27FC236}">
+                <a16:creationId xmlns:a16="http://schemas.microsoft.com/office/drawing/2014/main" id="{0FFEF079-D178-4E7D-921E-17A6C2753689}"/>
+              </a:ext>
+            </a:extLst>
+          </p:cNvPr>
+          <p:cNvSpPr/>
+          <p:nvPr/>
+        </p:nvSpPr>
+        <p:spPr>
+          <a:xfrm>
+            <a:off x="937162" y="2731921"/>
+            <a:ext cx="4238845" cy="223575"/>
+          </a:xfrm>
+          <a:prstGeom prst="rect">
+            <a:avLst/>
+          </a:prstGeom>
+          <a:noFill/>
+          <a:ln w="28575">
+            <a:solidFill>
+              <a:srgbClr val="FF0000"/>
+            </a:solidFill>
+          </a:ln>
+        </p:spPr>
+        <p:style>
+          <a:lnRef idx="2">
+            <a:schemeClr val="accent1">
+              <a:shade val="50000"/>
+            </a:schemeClr>
+          </a:lnRef>
+          <a:fillRef idx="1">
+            <a:schemeClr val="accent1"/>
+          </a:fillRef>
+          <a:effectRef idx="0">
+            <a:schemeClr val="accent1"/>
+          </a:effectRef>
+          <a:fontRef idx="minor">
+            <a:schemeClr val="lt1"/>
+          </a:fontRef>
+        </p:style>
+        <p:txBody>
+          <a:bodyPr rtlCol="0" anchor="ctr"/>
+          <a:lstStyle/>
+          <a:p>
+            <a:pPr algn="ctr"/>
+            <a:endParaRPr lang="ko-KR" altLang="en-US" dirty="0"/>
+          </a:p>
+        </p:txBody>
+      </p:sp>
+      <p:sp>
+        <p:nvSpPr>
+          <p:cNvPr id="13" name="직사각형 12">
+            <a:extLst>
+              <a:ext uri="{FF2B5EF4-FFF2-40B4-BE49-F238E27FC236}">
+                <a16:creationId xmlns:a16="http://schemas.microsoft.com/office/drawing/2014/main" id="{9EECECDE-EDE3-4DFA-8767-16D4B3BFA7C1}"/>
+              </a:ext>
+            </a:extLst>
+          </p:cNvPr>
+          <p:cNvSpPr/>
+          <p:nvPr/>
+        </p:nvSpPr>
+        <p:spPr>
+          <a:xfrm>
+            <a:off x="937162" y="2953510"/>
+            <a:ext cx="2854661" cy="223575"/>
+          </a:xfrm>
+          <a:prstGeom prst="rect">
+            <a:avLst/>
+          </a:prstGeom>
+          <a:noFill/>
+          <a:ln w="28575">
+            <a:solidFill>
+              <a:srgbClr val="FF0000"/>
+            </a:solidFill>
+          </a:ln>
+        </p:spPr>
+        <p:style>
+          <a:lnRef idx="2">
+            <a:schemeClr val="accent1">
+              <a:shade val="50000"/>
+            </a:schemeClr>
+          </a:lnRef>
+          <a:fillRef idx="1">
+            <a:schemeClr val="accent1"/>
+          </a:fillRef>
+          <a:effectRef idx="0">
+            <a:schemeClr val="accent1"/>
+          </a:effectRef>
+          <a:fontRef idx="minor">
+            <a:schemeClr val="lt1"/>
+          </a:fontRef>
+        </p:style>
+        <p:txBody>
+          <a:bodyPr rtlCol="0" anchor="ctr"/>
+          <a:lstStyle/>
+          <a:p>
+            <a:pPr algn="ctr"/>
+            <a:endParaRPr lang="ko-KR" altLang="en-US" dirty="0"/>
+          </a:p>
+        </p:txBody>
+      </p:sp>
+      <p:sp>
+        <p:nvSpPr>
+          <p:cNvPr id="14" name="직사각형 13">
+            <a:extLst>
+              <a:ext uri="{FF2B5EF4-FFF2-40B4-BE49-F238E27FC236}">
+                <a16:creationId xmlns:a16="http://schemas.microsoft.com/office/drawing/2014/main" id="{3579CA9A-F288-4518-8085-4A9883F0D454}"/>
+              </a:ext>
+            </a:extLst>
+          </p:cNvPr>
+          <p:cNvSpPr/>
+          <p:nvPr/>
+        </p:nvSpPr>
+        <p:spPr>
+          <a:xfrm>
+            <a:off x="6102990" y="2098523"/>
+            <a:ext cx="1936982" cy="223575"/>
+          </a:xfrm>
+          <a:prstGeom prst="rect">
+            <a:avLst/>
+          </a:prstGeom>
+          <a:noFill/>
+          <a:ln w="28575">
+            <a:solidFill>
+              <a:srgbClr val="FF0000"/>
+            </a:solidFill>
+          </a:ln>
+        </p:spPr>
+        <p:style>
+          <a:lnRef idx="2">
+            <a:schemeClr val="accent1">
+              <a:shade val="50000"/>
+            </a:schemeClr>
+          </a:lnRef>
+          <a:fillRef idx="1">
+            <a:schemeClr val="accent1"/>
+          </a:fillRef>
+          <a:effectRef idx="0">
+            <a:schemeClr val="accent1"/>
+          </a:effectRef>
+          <a:fontRef idx="minor">
+            <a:schemeClr val="lt1"/>
+          </a:fontRef>
+        </p:style>
+        <p:txBody>
+          <a:bodyPr rtlCol="0" anchor="ctr"/>
+          <a:lstStyle/>
+          <a:p>
+            <a:pPr algn="ctr"/>
+            <a:endParaRPr lang="ko-KR" altLang="en-US" dirty="0"/>
+          </a:p>
+        </p:txBody>
+      </p:sp>
+      <p:sp>
+        <p:nvSpPr>
+          <p:cNvPr id="15" name="직사각형 14">
+            <a:extLst>
+              <a:ext uri="{FF2B5EF4-FFF2-40B4-BE49-F238E27FC236}">
+                <a16:creationId xmlns:a16="http://schemas.microsoft.com/office/drawing/2014/main" id="{B769AED3-9264-4210-840A-B189F91A7B3B}"/>
+              </a:ext>
+            </a:extLst>
+          </p:cNvPr>
+          <p:cNvSpPr/>
+          <p:nvPr/>
+        </p:nvSpPr>
+        <p:spPr>
+          <a:xfrm>
+            <a:off x="6095999" y="2953256"/>
+            <a:ext cx="4776131" cy="779845"/>
+          </a:xfrm>
+          <a:prstGeom prst="rect">
+            <a:avLst/>
+          </a:prstGeom>
+          <a:noFill/>
+          <a:ln w="28575">
+            <a:solidFill>
+              <a:srgbClr val="FF0000"/>
+            </a:solidFill>
+          </a:ln>
+        </p:spPr>
+        <p:style>
+          <a:lnRef idx="2">
+            <a:schemeClr val="accent1">
+              <a:shade val="50000"/>
+            </a:schemeClr>
+          </a:lnRef>
+          <a:fillRef idx="1">
+            <a:schemeClr val="accent1"/>
+          </a:fillRef>
+          <a:effectRef idx="0">
+            <a:schemeClr val="accent1"/>
+          </a:effectRef>
+          <a:fontRef idx="minor">
+            <a:schemeClr val="lt1"/>
+          </a:fontRef>
+        </p:style>
+        <p:txBody>
+          <a:bodyPr rtlCol="0" anchor="ctr"/>
+          <a:lstStyle/>
+          <a:p>
+            <a:pPr algn="ctr"/>
+            <a:endParaRPr lang="ko-KR" altLang="en-US" dirty="0"/>
+          </a:p>
+        </p:txBody>
+      </p:sp>
+      <p:sp>
+        <p:nvSpPr>
+          <p:cNvPr id="16" name="직사각형 15">
+            <a:extLst>
+              <a:ext uri="{FF2B5EF4-FFF2-40B4-BE49-F238E27FC236}">
+                <a16:creationId xmlns:a16="http://schemas.microsoft.com/office/drawing/2014/main" id="{9F9C6A02-5CD4-4144-AEF9-2E980EAB0CDF}"/>
+              </a:ext>
+            </a:extLst>
+          </p:cNvPr>
+          <p:cNvSpPr/>
+          <p:nvPr/>
+        </p:nvSpPr>
+        <p:spPr>
+          <a:xfrm>
+            <a:off x="6089515" y="4982745"/>
+            <a:ext cx="2165251" cy="223575"/>
+          </a:xfrm>
+          <a:prstGeom prst="rect">
+            <a:avLst/>
+          </a:prstGeom>
+          <a:noFill/>
+          <a:ln w="28575">
+            <a:solidFill>
+              <a:srgbClr val="FF0000"/>
+            </a:solidFill>
+          </a:ln>
+        </p:spPr>
+        <p:style>
+          <a:lnRef idx="2">
+            <a:schemeClr val="accent1">
+              <a:shade val="50000"/>
+            </a:schemeClr>
+          </a:lnRef>
+          <a:fillRef idx="1">
+            <a:schemeClr val="accent1"/>
+          </a:fillRef>
+          <a:effectRef idx="0">
+            <a:schemeClr val="accent1"/>
+          </a:effectRef>
+          <a:fontRef idx="minor">
+            <a:schemeClr val="lt1"/>
+          </a:fontRef>
+        </p:style>
+        <p:txBody>
+          <a:bodyPr rtlCol="0" anchor="ctr"/>
+          <a:lstStyle/>
+          <a:p>
+            <a:pPr algn="ctr"/>
+            <a:endParaRPr lang="ko-KR" altLang="en-US" dirty="0"/>
+          </a:p>
+        </p:txBody>
+      </p:sp>
+      <p:sp>
+        <p:nvSpPr>
+          <p:cNvPr id="17" name="직사각형 16">
+            <a:extLst>
+              <a:ext uri="{FF2B5EF4-FFF2-40B4-BE49-F238E27FC236}">
+                <a16:creationId xmlns:a16="http://schemas.microsoft.com/office/drawing/2014/main" id="{1BFE6BD5-B03B-40B4-92F0-0B3297B7CDA9}"/>
+              </a:ext>
+            </a:extLst>
+          </p:cNvPr>
+          <p:cNvSpPr/>
+          <p:nvPr/>
+        </p:nvSpPr>
+        <p:spPr>
+          <a:xfrm>
+            <a:off x="6102990" y="6192158"/>
+            <a:ext cx="1036041" cy="223575"/>
+          </a:xfrm>
+          <a:prstGeom prst="rect">
+            <a:avLst/>
+          </a:prstGeom>
+          <a:noFill/>
+          <a:ln w="28575">
+            <a:solidFill>
+              <a:srgbClr val="FF0000"/>
+            </a:solidFill>
+          </a:ln>
+        </p:spPr>
+        <p:style>
+          <a:lnRef idx="2">
+            <a:schemeClr val="accent1">
+              <a:shade val="50000"/>
+            </a:schemeClr>
+          </a:lnRef>
+          <a:fillRef idx="1">
+            <a:schemeClr val="accent1"/>
+          </a:fillRef>
+          <a:effectRef idx="0">
+            <a:schemeClr val="accent1"/>
+          </a:effectRef>
+          <a:fontRef idx="minor">
+            <a:schemeClr val="lt1"/>
+          </a:fontRef>
+        </p:style>
+        <p:txBody>
+          <a:bodyPr rtlCol="0" anchor="ctr"/>
+          <a:lstStyle/>
+          <a:p>
+            <a:pPr algn="ctr"/>
+            <a:endParaRPr lang="ko-KR" altLang="en-US" dirty="0"/>
+          </a:p>
+        </p:txBody>
+      </p:sp>
+      <p:sp>
+        <p:nvSpPr>
+          <p:cNvPr id="18" name="TextBox 17">
+            <a:extLst>
+              <a:ext uri="{FF2B5EF4-FFF2-40B4-BE49-F238E27FC236}">
+                <a16:creationId xmlns:a16="http://schemas.microsoft.com/office/drawing/2014/main" id="{D246BBC4-37BD-4ABD-9C02-5438AC73B90A}"/>
+              </a:ext>
+            </a:extLst>
+          </p:cNvPr>
+          <p:cNvSpPr txBox="1"/>
+          <p:nvPr/>
+        </p:nvSpPr>
+        <p:spPr>
+          <a:xfrm>
+            <a:off x="652410" y="5660029"/>
+            <a:ext cx="4840621" cy="646331"/>
+          </a:xfrm>
+          <a:prstGeom prst="rect">
+            <a:avLst/>
+          </a:prstGeom>
+          <a:noFill/>
+        </p:spPr>
+        <p:txBody>
+          <a:bodyPr wrap="none" rtlCol="0">
+            <a:spAutoFit/>
+          </a:bodyPr>
+          <a:lstStyle/>
+          <a:p>
+            <a:r>
+              <a:rPr lang="en-US" altLang="ko-KR" dirty="0"/>
+              <a:t>- Password </a:t>
+            </a:r>
+            <a:r>
+              <a:rPr lang="ko-KR" altLang="en-US" dirty="0"/>
+              <a:t>입력</a:t>
+            </a:r>
+            <a:r>
+              <a:rPr lang="en-US" altLang="ko-KR" dirty="0"/>
+              <a:t>, </a:t>
+            </a:r>
+            <a:r>
+              <a:rPr lang="ko-KR" altLang="en-US" dirty="0"/>
+              <a:t>입력한 내용은 보이지 않음</a:t>
+            </a:r>
+            <a:r>
+              <a:rPr lang="en-US" altLang="ko-KR" dirty="0"/>
+              <a:t>.</a:t>
+            </a:r>
+          </a:p>
+          <a:p>
+            <a:r>
+              <a:rPr lang="en-US" altLang="ko-KR" dirty="0"/>
+              <a:t>- Password</a:t>
+            </a:r>
+            <a:r>
+              <a:rPr lang="ko-KR" altLang="en-US" dirty="0"/>
+              <a:t>가 올바르면 라우터에 접속</a:t>
+            </a:r>
+          </a:p>
+        </p:txBody>
+      </p:sp>
+      <p:cxnSp>
+        <p:nvCxnSpPr>
+          <p:cNvPr id="20" name="직선 화살표 연결선 19">
+            <a:extLst>
+              <a:ext uri="{FF2B5EF4-FFF2-40B4-BE49-F238E27FC236}">
+                <a16:creationId xmlns:a16="http://schemas.microsoft.com/office/drawing/2014/main" id="{B523298D-A5A6-4914-88A3-DA1868723208}"/>
+              </a:ext>
+            </a:extLst>
+          </p:cNvPr>
+          <p:cNvCxnSpPr>
+            <a:stCxn id="17" idx="1"/>
+            <a:endCxn id="18" idx="3"/>
+          </p:cNvCxnSpPr>
+          <p:nvPr/>
+        </p:nvCxnSpPr>
+        <p:spPr>
+          <a:xfrm flipH="1" flipV="1">
+            <a:off x="5493031" y="5983195"/>
+            <a:ext cx="609959" cy="320751"/>
+          </a:xfrm>
+          <a:prstGeom prst="straightConnector1">
+            <a:avLst/>
+          </a:prstGeom>
+          <a:ln w="38100">
+            <a:solidFill>
+              <a:srgbClr val="FF0000"/>
+            </a:solidFill>
+            <a:tailEnd type="triangle"/>
+          </a:ln>
+        </p:spPr>
+        <p:style>
+          <a:lnRef idx="1">
+            <a:schemeClr val="accent1"/>
+          </a:lnRef>
+          <a:fillRef idx="0">
+            <a:schemeClr val="accent1"/>
+          </a:fillRef>
+          <a:effectRef idx="0">
+            <a:schemeClr val="accent1"/>
+          </a:effectRef>
+          <a:fontRef idx="minor">
+            <a:schemeClr val="tx1"/>
+          </a:fontRef>
+        </p:style>
+      </p:cxnSp>
+      <p:sp>
+        <p:nvSpPr>
+          <p:cNvPr id="22" name="TextBox 21">
+            <a:extLst>
+              <a:ext uri="{FF2B5EF4-FFF2-40B4-BE49-F238E27FC236}">
+                <a16:creationId xmlns:a16="http://schemas.microsoft.com/office/drawing/2014/main" id="{74749537-A32A-40E7-867E-1D7295C55B9B}"/>
+              </a:ext>
+            </a:extLst>
+          </p:cNvPr>
+          <p:cNvSpPr txBox="1"/>
+          <p:nvPr/>
+        </p:nvSpPr>
+        <p:spPr>
+          <a:xfrm>
+            <a:off x="662730" y="4232120"/>
+            <a:ext cx="4899098" cy="369332"/>
+          </a:xfrm>
+          <a:prstGeom prst="rect">
+            <a:avLst/>
+          </a:prstGeom>
+          <a:noFill/>
+        </p:spPr>
+        <p:txBody>
+          <a:bodyPr wrap="none" rtlCol="0">
+            <a:spAutoFit/>
+          </a:bodyPr>
+          <a:lstStyle/>
+          <a:p>
+            <a:r>
+              <a:rPr lang="en-US" altLang="ko-KR" dirty="0"/>
+              <a:t>- ping </a:t>
+            </a:r>
+            <a:r>
+              <a:rPr lang="ko-KR" altLang="en-US" dirty="0"/>
+              <a:t>명령어로 라우터에 연결가능한지 확인</a:t>
+            </a:r>
+            <a:r>
+              <a:rPr lang="en-US" altLang="ko-KR" dirty="0"/>
+              <a:t>.</a:t>
+            </a:r>
+            <a:endParaRPr lang="ko-KR" altLang="en-US" dirty="0"/>
+          </a:p>
+        </p:txBody>
+      </p:sp>
+      <p:cxnSp>
+        <p:nvCxnSpPr>
+          <p:cNvPr id="23" name="직선 화살표 연결선 22">
+            <a:extLst>
+              <a:ext uri="{FF2B5EF4-FFF2-40B4-BE49-F238E27FC236}">
+                <a16:creationId xmlns:a16="http://schemas.microsoft.com/office/drawing/2014/main" id="{69F9DCDB-1B6A-470C-98EC-00B506062C82}"/>
+              </a:ext>
+            </a:extLst>
+          </p:cNvPr>
+          <p:cNvCxnSpPr>
+            <a:cxnSpLocks/>
+            <a:stCxn id="14" idx="1"/>
+            <a:endCxn id="22" idx="3"/>
+          </p:cNvCxnSpPr>
+          <p:nvPr/>
+        </p:nvCxnSpPr>
+        <p:spPr>
+          <a:xfrm flipH="1">
+            <a:off x="5561828" y="2210311"/>
+            <a:ext cx="541162" cy="2206475"/>
+          </a:xfrm>
+          <a:prstGeom prst="straightConnector1">
+            <a:avLst/>
+          </a:prstGeom>
+          <a:ln w="38100">
+            <a:solidFill>
+              <a:srgbClr val="FF0000"/>
+            </a:solidFill>
+            <a:tailEnd type="triangle"/>
+          </a:ln>
+        </p:spPr>
+        <p:style>
+          <a:lnRef idx="1">
+            <a:schemeClr val="accent1"/>
+          </a:lnRef>
+          <a:fillRef idx="0">
+            <a:schemeClr val="accent1"/>
+          </a:fillRef>
+          <a:effectRef idx="0">
+            <a:schemeClr val="accent1"/>
+          </a:effectRef>
+          <a:fontRef idx="minor">
+            <a:schemeClr val="tx1"/>
+          </a:fontRef>
+        </p:style>
+      </p:cxnSp>
     </p:spTree>
     <p:extLst>
       <p:ext uri="{BB962C8B-B14F-4D97-AF65-F5344CB8AC3E}">
-        <p14:creationId xmlns:p14="http://schemas.microsoft.com/office/powerpoint/2010/main" val="264636872"/>
+        <p14:creationId xmlns:p14="http://schemas.microsoft.com/office/powerpoint/2010/main" val="3603750003"/>
       </p:ext>
     </p:extLst>
   </p:cSld>
@@ -14025,6 +17356,34 @@
           <a:bodyPr/>
           <a:lstStyle/>
           <a:p>
+            <a:r>
+              <a:rPr lang="ko-KR" altLang="en-US" dirty="0">
+                <a:latin typeface="HY헤드라인M" panose="02030600000101010101" pitchFamily="18" charset="-127"/>
+                <a:ea typeface="HY헤드라인M" panose="02030600000101010101" pitchFamily="18" charset="-127"/>
+              </a:rPr>
+              <a:t>수행 </a:t>
+            </a:r>
+            <a:r>
+              <a:rPr lang="en-US" altLang="ko-KR" dirty="0">
+                <a:latin typeface="HY헤드라인M" panose="02030600000101010101" pitchFamily="18" charset="-127"/>
+                <a:ea typeface="HY헤드라인M" panose="02030600000101010101" pitchFamily="18" charset="-127"/>
+              </a:rPr>
+              <a:t>– </a:t>
+            </a:r>
+            <a:r>
+              <a:rPr lang="ko-KR" altLang="en-US" dirty="0">
+                <a:latin typeface="HY헤드라인M" panose="02030600000101010101" pitchFamily="18" charset="-127"/>
+                <a:ea typeface="HY헤드라인M" panose="02030600000101010101" pitchFamily="18" charset="-127"/>
+              </a:rPr>
+              <a:t>원격접속</a:t>
+            </a:r>
+            <a:r>
+              <a:rPr lang="en-US" altLang="ko-KR" dirty="0">
+                <a:latin typeface="HY헤드라인M" panose="02030600000101010101" pitchFamily="18" charset="-127"/>
+                <a:ea typeface="HY헤드라인M" panose="02030600000101010101" pitchFamily="18" charset="-127"/>
+              </a:rPr>
+              <a:t>(SSH)</a:t>
+            </a:r>
             <a:endParaRPr lang="ko-KR" altLang="en-US" dirty="0">
               <a:latin typeface="HY헤드라인M" panose="02030600000101010101" pitchFamily="18" charset="-127"/>
               <a:ea typeface="HY헤드라인M" panose="02030600000101010101" pitchFamily="18" charset="-127"/>
@@ -14138,14 +17497,93 @@
           <a:bodyPr/>
           <a:lstStyle/>
           <a:p>
-            <a:endParaRPr lang="ko-KR" altLang="en-US"/>
+            <a:r>
+              <a:rPr lang="en-US" altLang="ko-KR" dirty="0"/>
+              <a:t>SSH(Secure</a:t>
+            </a:r>
+            <a:r>
+              <a:rPr lang="ko-KR" altLang="en-US" dirty="0"/>
+              <a:t> </a:t>
+            </a:r>
+            <a:r>
+              <a:rPr lang="en-US" altLang="ko-KR" dirty="0"/>
+              <a:t>Shell)</a:t>
+            </a:r>
+          </a:p>
+          <a:p>
+            <a:pPr lvl="1">
+              <a:buFont typeface="Wingdings" panose="05000000000000000000" pitchFamily="2" charset="2"/>
+              <a:buChar char="§"/>
+            </a:pPr>
+            <a:r>
+              <a:rPr lang="ko-KR" altLang="en-US" dirty="0"/>
+              <a:t>원격 접속 시 상대를 확인하는 인증</a:t>
+            </a:r>
+            <a:r>
+              <a:rPr lang="en-US" altLang="ko-KR" dirty="0"/>
+              <a:t>(authentication) </a:t>
+            </a:r>
+            <a:r>
+              <a:rPr lang="ko-KR" altLang="en-US" dirty="0"/>
+              <a:t>기능 외에 텔넷에 없는 패킷 암호화</a:t>
+            </a:r>
+            <a:r>
+              <a:rPr lang="en-US" altLang="ko-KR" dirty="0"/>
+              <a:t>(encryption) </a:t>
+            </a:r>
+            <a:r>
+              <a:rPr lang="ko-KR" altLang="en-US" dirty="0"/>
+              <a:t>기능</a:t>
+            </a:r>
+            <a:r>
+              <a:rPr lang="en-US" altLang="ko-KR" dirty="0"/>
+              <a:t>, </a:t>
+            </a:r>
+            <a:r>
+              <a:rPr lang="ko-KR" altLang="en-US" dirty="0"/>
+              <a:t>패킷 변조를 방지하는 무결성 확인</a:t>
+            </a:r>
+            <a:r>
+              <a:rPr lang="en-US" altLang="ko-KR" dirty="0"/>
+              <a:t>(integrity) </a:t>
+            </a:r>
+            <a:r>
+              <a:rPr lang="ko-KR" altLang="en-US" dirty="0"/>
+              <a:t>기능을 제공</a:t>
+            </a:r>
+            <a:r>
+              <a:rPr lang="en-US" altLang="ko-KR" dirty="0"/>
+              <a:t>.</a:t>
+            </a:r>
+          </a:p>
+          <a:p>
+            <a:pPr lvl="1">
+              <a:buFont typeface="Wingdings" panose="05000000000000000000" pitchFamily="2" charset="2"/>
+              <a:buChar char="§"/>
+            </a:pPr>
+            <a:endParaRPr lang="en-US" altLang="ko-KR" dirty="0"/>
+          </a:p>
+          <a:p>
+            <a:pPr lvl="1">
+              <a:buFont typeface="Wingdings" panose="05000000000000000000" pitchFamily="2" charset="2"/>
+              <a:buChar char="§"/>
+            </a:pPr>
+            <a:r>
+              <a:rPr lang="ko-KR" altLang="en-US" dirty="0"/>
+              <a:t>보안성이 뛰어남</a:t>
+            </a:r>
+            <a:r>
+              <a:rPr lang="en-US" altLang="ko-KR" dirty="0"/>
+              <a:t>.</a:t>
+            </a:r>
+            <a:endParaRPr lang="ko-KR" altLang="en-US" dirty="0"/>
           </a:p>
         </p:txBody>
       </p:sp>
     </p:spTree>
     <p:extLst>
       <p:ext uri="{BB962C8B-B14F-4D97-AF65-F5344CB8AC3E}">
-        <p14:creationId xmlns:p14="http://schemas.microsoft.com/office/powerpoint/2010/main" val="3040802241"/>
+        <p14:creationId xmlns:p14="http://schemas.microsoft.com/office/powerpoint/2010/main" val="87648563"/>
       </p:ext>
     </p:extLst>
   </p:cSld>
@@ -14318,7 +17756,1173 @@
     </p:spTree>
     <p:extLst>
       <p:ext uri="{BB962C8B-B14F-4D97-AF65-F5344CB8AC3E}">
+        <p14:creationId xmlns:p14="http://schemas.microsoft.com/office/powerpoint/2010/main" val="386570523"/>
+      </p:ext>
+    </p:extLst>
+  </p:cSld>
+  <p:clrMapOvr>
+    <a:masterClrMapping/>
+  </p:clrMapOvr>
+</p:sld>
+</file>
+
+<file path=ppt/slides/slide42.xml><?xml version="1.0" encoding="utf-8"?>
+<p:sld xmlns:a="http://schemas.openxmlformats.org/drawingml/2006/main" xmlns:r="http://schemas.openxmlformats.org/officeDocument/2006/relationships" xmlns:p="http://schemas.openxmlformats.org/presentationml/2006/main">
+  <p:cSld>
+    <p:spTree>
+      <p:nvGrpSpPr>
+        <p:cNvPr id="1" name=""/>
+        <p:cNvGrpSpPr/>
+        <p:nvPr/>
+      </p:nvGrpSpPr>
+      <p:grpSpPr>
+        <a:xfrm>
+          <a:off x="0" y="0"/>
+          <a:ext cx="0" cy="0"/>
+          <a:chOff x="0" y="0"/>
+          <a:chExt cx="0" cy="0"/>
+        </a:xfrm>
+      </p:grpSpPr>
+      <p:sp>
+        <p:nvSpPr>
+          <p:cNvPr id="2" name="제목 1">
+            <a:extLst>
+              <a:ext uri="{FF2B5EF4-FFF2-40B4-BE49-F238E27FC236}">
+                <a16:creationId xmlns:a16="http://schemas.microsoft.com/office/drawing/2014/main" id="{0B510ACA-92C1-4DB2-B891-D4872C9B4F9C}"/>
+              </a:ext>
+            </a:extLst>
+          </p:cNvPr>
+          <p:cNvSpPr>
+            <a:spLocks noGrp="1"/>
+          </p:cNvSpPr>
+          <p:nvPr>
+            <p:ph type="title"/>
+          </p:nvPr>
+        </p:nvSpPr>
+        <p:spPr>
+          <a:xfrm>
+            <a:off x="838200" y="365125"/>
+            <a:ext cx="10515600" cy="1325563"/>
+          </a:xfrm>
+        </p:spPr>
+        <p:txBody>
+          <a:bodyPr/>
+          <a:lstStyle/>
+          <a:p>
+            <a:endParaRPr lang="ko-KR" altLang="en-US" dirty="0">
+              <a:latin typeface="HY헤드라인M" panose="02030600000101010101" pitchFamily="18" charset="-127"/>
+              <a:ea typeface="HY헤드라인M" panose="02030600000101010101" pitchFamily="18" charset="-127"/>
+            </a:endParaRPr>
+          </a:p>
+        </p:txBody>
+      </p:sp>
+      <p:cxnSp>
+        <p:nvCxnSpPr>
+          <p:cNvPr id="4" name="직선 연결선 3">
+            <a:extLst>
+              <a:ext uri="{FF2B5EF4-FFF2-40B4-BE49-F238E27FC236}">
+                <a16:creationId xmlns:a16="http://schemas.microsoft.com/office/drawing/2014/main" id="{B52E875F-886D-4368-BB96-91473E4BD429}"/>
+              </a:ext>
+            </a:extLst>
+          </p:cNvPr>
+          <p:cNvCxnSpPr>
+            <a:cxnSpLocks/>
+          </p:cNvCxnSpPr>
+          <p:nvPr/>
+        </p:nvCxnSpPr>
+        <p:spPr>
+          <a:xfrm>
+            <a:off x="494950" y="1560352"/>
+            <a:ext cx="11216081" cy="0"/>
+          </a:xfrm>
+          <a:prstGeom prst="line">
+            <a:avLst/>
+          </a:prstGeom>
+          <a:ln w="38100">
+            <a:solidFill>
+              <a:schemeClr val="accent6">
+                <a:lumMod val="60000"/>
+                <a:lumOff val="40000"/>
+              </a:schemeClr>
+            </a:solidFill>
+          </a:ln>
+        </p:spPr>
+        <p:style>
+          <a:lnRef idx="1">
+            <a:schemeClr val="accent6"/>
+          </a:lnRef>
+          <a:fillRef idx="0">
+            <a:schemeClr val="accent6"/>
+          </a:fillRef>
+          <a:effectRef idx="0">
+            <a:schemeClr val="accent6"/>
+          </a:effectRef>
+          <a:fontRef idx="minor">
+            <a:schemeClr val="tx1"/>
+          </a:fontRef>
+        </p:style>
+      </p:cxnSp>
+      <p:cxnSp>
+        <p:nvCxnSpPr>
+          <p:cNvPr id="6" name="직선 연결선 5">
+            <a:extLst>
+              <a:ext uri="{FF2B5EF4-FFF2-40B4-BE49-F238E27FC236}">
+                <a16:creationId xmlns:a16="http://schemas.microsoft.com/office/drawing/2014/main" id="{18BBC0F2-0F71-4015-8396-16B4367F8F99}"/>
+              </a:ext>
+            </a:extLst>
+          </p:cNvPr>
+          <p:cNvCxnSpPr>
+            <a:cxnSpLocks/>
+          </p:cNvCxnSpPr>
+          <p:nvPr/>
+        </p:nvCxnSpPr>
+        <p:spPr>
+          <a:xfrm>
+            <a:off x="662730" y="367018"/>
+            <a:ext cx="0" cy="3061982"/>
+          </a:xfrm>
+          <a:prstGeom prst="line">
+            <a:avLst/>
+          </a:prstGeom>
+          <a:ln w="57150"/>
+        </p:spPr>
+        <p:style>
+          <a:lnRef idx="1">
+            <a:schemeClr val="accent1"/>
+          </a:lnRef>
+          <a:fillRef idx="0">
+            <a:schemeClr val="accent1"/>
+          </a:fillRef>
+          <a:effectRef idx="0">
+            <a:schemeClr val="accent1"/>
+          </a:effectRef>
+          <a:fontRef idx="minor">
+            <a:schemeClr val="tx1"/>
+          </a:fontRef>
+        </p:style>
+      </p:cxnSp>
+      <p:sp>
+        <p:nvSpPr>
+          <p:cNvPr id="7" name="내용 개체 틀 6">
+            <a:extLst>
+              <a:ext uri="{FF2B5EF4-FFF2-40B4-BE49-F238E27FC236}">
+                <a16:creationId xmlns:a16="http://schemas.microsoft.com/office/drawing/2014/main" id="{D952638E-18BD-4894-91AB-D859C866F918}"/>
+              </a:ext>
+            </a:extLst>
+          </p:cNvPr>
+          <p:cNvSpPr>
+            <a:spLocks noGrp="1"/>
+          </p:cNvSpPr>
+          <p:nvPr>
+            <p:ph idx="1"/>
+          </p:nvPr>
+        </p:nvSpPr>
+        <p:spPr/>
+        <p:txBody>
+          <a:bodyPr/>
+          <a:lstStyle/>
+          <a:p>
+            <a:endParaRPr lang="ko-KR" altLang="en-US"/>
+          </a:p>
+        </p:txBody>
+      </p:sp>
+    </p:spTree>
+    <p:extLst>
+      <p:ext uri="{BB962C8B-B14F-4D97-AF65-F5344CB8AC3E}">
+        <p14:creationId xmlns:p14="http://schemas.microsoft.com/office/powerpoint/2010/main" val="264636872"/>
+      </p:ext>
+    </p:extLst>
+  </p:cSld>
+  <p:clrMapOvr>
+    <a:masterClrMapping/>
+  </p:clrMapOvr>
+</p:sld>
+</file>
+
+<file path=ppt/slides/slide43.xml><?xml version="1.0" encoding="utf-8"?>
+<p:sld xmlns:a="http://schemas.openxmlformats.org/drawingml/2006/main" xmlns:r="http://schemas.openxmlformats.org/officeDocument/2006/relationships" xmlns:p="http://schemas.openxmlformats.org/presentationml/2006/main">
+  <p:cSld>
+    <p:spTree>
+      <p:nvGrpSpPr>
+        <p:cNvPr id="1" name=""/>
+        <p:cNvGrpSpPr/>
+        <p:nvPr/>
+      </p:nvGrpSpPr>
+      <p:grpSpPr>
+        <a:xfrm>
+          <a:off x="0" y="0"/>
+          <a:ext cx="0" cy="0"/>
+          <a:chOff x="0" y="0"/>
+          <a:chExt cx="0" cy="0"/>
+        </a:xfrm>
+      </p:grpSpPr>
+      <p:sp>
+        <p:nvSpPr>
+          <p:cNvPr id="2" name="제목 1">
+            <a:extLst>
+              <a:ext uri="{FF2B5EF4-FFF2-40B4-BE49-F238E27FC236}">
+                <a16:creationId xmlns:a16="http://schemas.microsoft.com/office/drawing/2014/main" id="{0B510ACA-92C1-4DB2-B891-D4872C9B4F9C}"/>
+              </a:ext>
+            </a:extLst>
+          </p:cNvPr>
+          <p:cNvSpPr>
+            <a:spLocks noGrp="1"/>
+          </p:cNvSpPr>
+          <p:nvPr>
+            <p:ph type="title"/>
+          </p:nvPr>
+        </p:nvSpPr>
+        <p:spPr>
+          <a:xfrm>
+            <a:off x="838200" y="365125"/>
+            <a:ext cx="10515600" cy="1325563"/>
+          </a:xfrm>
+        </p:spPr>
+        <p:txBody>
+          <a:bodyPr/>
+          <a:lstStyle/>
+          <a:p>
+            <a:endParaRPr lang="ko-KR" altLang="en-US" dirty="0">
+              <a:latin typeface="HY헤드라인M" panose="02030600000101010101" pitchFamily="18" charset="-127"/>
+              <a:ea typeface="HY헤드라인M" panose="02030600000101010101" pitchFamily="18" charset="-127"/>
+            </a:endParaRPr>
+          </a:p>
+        </p:txBody>
+      </p:sp>
+      <p:cxnSp>
+        <p:nvCxnSpPr>
+          <p:cNvPr id="4" name="직선 연결선 3">
+            <a:extLst>
+              <a:ext uri="{FF2B5EF4-FFF2-40B4-BE49-F238E27FC236}">
+                <a16:creationId xmlns:a16="http://schemas.microsoft.com/office/drawing/2014/main" id="{B52E875F-886D-4368-BB96-91473E4BD429}"/>
+              </a:ext>
+            </a:extLst>
+          </p:cNvPr>
+          <p:cNvCxnSpPr>
+            <a:cxnSpLocks/>
+          </p:cNvCxnSpPr>
+          <p:nvPr/>
+        </p:nvCxnSpPr>
+        <p:spPr>
+          <a:xfrm>
+            <a:off x="494950" y="1560352"/>
+            <a:ext cx="11216081" cy="0"/>
+          </a:xfrm>
+          <a:prstGeom prst="line">
+            <a:avLst/>
+          </a:prstGeom>
+          <a:ln w="38100">
+            <a:solidFill>
+              <a:schemeClr val="accent6">
+                <a:lumMod val="60000"/>
+                <a:lumOff val="40000"/>
+              </a:schemeClr>
+            </a:solidFill>
+          </a:ln>
+        </p:spPr>
+        <p:style>
+          <a:lnRef idx="1">
+            <a:schemeClr val="accent6"/>
+          </a:lnRef>
+          <a:fillRef idx="0">
+            <a:schemeClr val="accent6"/>
+          </a:fillRef>
+          <a:effectRef idx="0">
+            <a:schemeClr val="accent6"/>
+          </a:effectRef>
+          <a:fontRef idx="minor">
+            <a:schemeClr val="tx1"/>
+          </a:fontRef>
+        </p:style>
+      </p:cxnSp>
+      <p:cxnSp>
+        <p:nvCxnSpPr>
+          <p:cNvPr id="6" name="직선 연결선 5">
+            <a:extLst>
+              <a:ext uri="{FF2B5EF4-FFF2-40B4-BE49-F238E27FC236}">
+                <a16:creationId xmlns:a16="http://schemas.microsoft.com/office/drawing/2014/main" id="{18BBC0F2-0F71-4015-8396-16B4367F8F99}"/>
+              </a:ext>
+            </a:extLst>
+          </p:cNvPr>
+          <p:cNvCxnSpPr>
+            <a:cxnSpLocks/>
+          </p:cNvCxnSpPr>
+          <p:nvPr/>
+        </p:nvCxnSpPr>
+        <p:spPr>
+          <a:xfrm>
+            <a:off x="662730" y="367018"/>
+            <a:ext cx="0" cy="3061982"/>
+          </a:xfrm>
+          <a:prstGeom prst="line">
+            <a:avLst/>
+          </a:prstGeom>
+          <a:ln w="57150"/>
+        </p:spPr>
+        <p:style>
+          <a:lnRef idx="1">
+            <a:schemeClr val="accent1"/>
+          </a:lnRef>
+          <a:fillRef idx="0">
+            <a:schemeClr val="accent1"/>
+          </a:fillRef>
+          <a:effectRef idx="0">
+            <a:schemeClr val="accent1"/>
+          </a:effectRef>
+          <a:fontRef idx="minor">
+            <a:schemeClr val="tx1"/>
+          </a:fontRef>
+        </p:style>
+      </p:cxnSp>
+      <p:sp>
+        <p:nvSpPr>
+          <p:cNvPr id="7" name="내용 개체 틀 6">
+            <a:extLst>
+              <a:ext uri="{FF2B5EF4-FFF2-40B4-BE49-F238E27FC236}">
+                <a16:creationId xmlns:a16="http://schemas.microsoft.com/office/drawing/2014/main" id="{D952638E-18BD-4894-91AB-D859C866F918}"/>
+              </a:ext>
+            </a:extLst>
+          </p:cNvPr>
+          <p:cNvSpPr>
+            <a:spLocks noGrp="1"/>
+          </p:cNvSpPr>
+          <p:nvPr>
+            <p:ph idx="1"/>
+          </p:nvPr>
+        </p:nvSpPr>
+        <p:spPr/>
+        <p:txBody>
+          <a:bodyPr/>
+          <a:lstStyle/>
+          <a:p>
+            <a:endParaRPr lang="ko-KR" altLang="en-US"/>
+          </a:p>
+        </p:txBody>
+      </p:sp>
+    </p:spTree>
+    <p:extLst>
+      <p:ext uri="{BB962C8B-B14F-4D97-AF65-F5344CB8AC3E}">
+        <p14:creationId xmlns:p14="http://schemas.microsoft.com/office/powerpoint/2010/main" val="3040802241"/>
+      </p:ext>
+    </p:extLst>
+  </p:cSld>
+  <p:clrMapOvr>
+    <a:masterClrMapping/>
+  </p:clrMapOvr>
+</p:sld>
+</file>
+
+<file path=ppt/slides/slide44.xml><?xml version="1.0" encoding="utf-8"?>
+<p:sld xmlns:a="http://schemas.openxmlformats.org/drawingml/2006/main" xmlns:r="http://schemas.openxmlformats.org/officeDocument/2006/relationships" xmlns:p="http://schemas.openxmlformats.org/presentationml/2006/main">
+  <p:cSld>
+    <p:spTree>
+      <p:nvGrpSpPr>
+        <p:cNvPr id="1" name=""/>
+        <p:cNvGrpSpPr/>
+        <p:nvPr/>
+      </p:nvGrpSpPr>
+      <p:grpSpPr>
+        <a:xfrm>
+          <a:off x="0" y="0"/>
+          <a:ext cx="0" cy="0"/>
+          <a:chOff x="0" y="0"/>
+          <a:chExt cx="0" cy="0"/>
+        </a:xfrm>
+      </p:grpSpPr>
+      <p:sp>
+        <p:nvSpPr>
+          <p:cNvPr id="2" name="제목 1">
+            <a:extLst>
+              <a:ext uri="{FF2B5EF4-FFF2-40B4-BE49-F238E27FC236}">
+                <a16:creationId xmlns:a16="http://schemas.microsoft.com/office/drawing/2014/main" id="{0B510ACA-92C1-4DB2-B891-D4872C9B4F9C}"/>
+              </a:ext>
+            </a:extLst>
+          </p:cNvPr>
+          <p:cNvSpPr>
+            <a:spLocks noGrp="1"/>
+          </p:cNvSpPr>
+          <p:nvPr>
+            <p:ph type="title"/>
+          </p:nvPr>
+        </p:nvSpPr>
+        <p:spPr>
+          <a:xfrm>
+            <a:off x="838200" y="365125"/>
+            <a:ext cx="10515600" cy="1325563"/>
+          </a:xfrm>
+        </p:spPr>
+        <p:txBody>
+          <a:bodyPr/>
+          <a:lstStyle/>
+          <a:p>
+            <a:r>
+              <a:rPr lang="ko-KR" altLang="en-US" dirty="0">
+                <a:latin typeface="HY헤드라인M" panose="02030600000101010101" pitchFamily="18" charset="-127"/>
+                <a:ea typeface="HY헤드라인M" panose="02030600000101010101" pitchFamily="18" charset="-127"/>
+              </a:rPr>
+              <a:t>실습 더하기 </a:t>
+            </a:r>
+            <a:r>
+              <a:rPr lang="en-US" altLang="ko-KR" dirty="0">
+                <a:latin typeface="HY헤드라인M" panose="02030600000101010101" pitchFamily="18" charset="-127"/>
+                <a:ea typeface="HY헤드라인M" panose="02030600000101010101" pitchFamily="18" charset="-127"/>
+              </a:rPr>
+              <a:t>: hostname</a:t>
+            </a:r>
+            <a:r>
+              <a:rPr lang="ko-KR" altLang="en-US" dirty="0">
+                <a:latin typeface="HY헤드라인M" panose="02030600000101010101" pitchFamily="18" charset="-127"/>
+                <a:ea typeface="HY헤드라인M" panose="02030600000101010101" pitchFamily="18" charset="-127"/>
+              </a:rPr>
+              <a:t> </a:t>
+            </a:r>
+          </a:p>
+        </p:txBody>
+      </p:sp>
+      <p:cxnSp>
+        <p:nvCxnSpPr>
+          <p:cNvPr id="4" name="직선 연결선 3">
+            <a:extLst>
+              <a:ext uri="{FF2B5EF4-FFF2-40B4-BE49-F238E27FC236}">
+                <a16:creationId xmlns:a16="http://schemas.microsoft.com/office/drawing/2014/main" id="{B52E875F-886D-4368-BB96-91473E4BD429}"/>
+              </a:ext>
+            </a:extLst>
+          </p:cNvPr>
+          <p:cNvCxnSpPr>
+            <a:cxnSpLocks/>
+          </p:cNvCxnSpPr>
+          <p:nvPr/>
+        </p:nvCxnSpPr>
+        <p:spPr>
+          <a:xfrm>
+            <a:off x="494950" y="1560352"/>
+            <a:ext cx="11216081" cy="0"/>
+          </a:xfrm>
+          <a:prstGeom prst="line">
+            <a:avLst/>
+          </a:prstGeom>
+          <a:ln w="38100">
+            <a:solidFill>
+              <a:schemeClr val="accent6">
+                <a:lumMod val="60000"/>
+                <a:lumOff val="40000"/>
+              </a:schemeClr>
+            </a:solidFill>
+          </a:ln>
+        </p:spPr>
+        <p:style>
+          <a:lnRef idx="1">
+            <a:schemeClr val="accent6"/>
+          </a:lnRef>
+          <a:fillRef idx="0">
+            <a:schemeClr val="accent6"/>
+          </a:fillRef>
+          <a:effectRef idx="0">
+            <a:schemeClr val="accent6"/>
+          </a:effectRef>
+          <a:fontRef idx="minor">
+            <a:schemeClr val="tx1"/>
+          </a:fontRef>
+        </p:style>
+      </p:cxnSp>
+      <p:cxnSp>
+        <p:nvCxnSpPr>
+          <p:cNvPr id="6" name="직선 연결선 5">
+            <a:extLst>
+              <a:ext uri="{FF2B5EF4-FFF2-40B4-BE49-F238E27FC236}">
+                <a16:creationId xmlns:a16="http://schemas.microsoft.com/office/drawing/2014/main" id="{18BBC0F2-0F71-4015-8396-16B4367F8F99}"/>
+              </a:ext>
+            </a:extLst>
+          </p:cNvPr>
+          <p:cNvCxnSpPr>
+            <a:cxnSpLocks/>
+          </p:cNvCxnSpPr>
+          <p:nvPr/>
+        </p:nvCxnSpPr>
+        <p:spPr>
+          <a:xfrm>
+            <a:off x="662730" y="367018"/>
+            <a:ext cx="0" cy="3061982"/>
+          </a:xfrm>
+          <a:prstGeom prst="line">
+            <a:avLst/>
+          </a:prstGeom>
+          <a:ln w="57150"/>
+        </p:spPr>
+        <p:style>
+          <a:lnRef idx="1">
+            <a:schemeClr val="accent1"/>
+          </a:lnRef>
+          <a:fillRef idx="0">
+            <a:schemeClr val="accent1"/>
+          </a:fillRef>
+          <a:effectRef idx="0">
+            <a:schemeClr val="accent1"/>
+          </a:effectRef>
+          <a:fontRef idx="minor">
+            <a:schemeClr val="tx1"/>
+          </a:fontRef>
+        </p:style>
+      </p:cxnSp>
+      <p:sp>
+        <p:nvSpPr>
+          <p:cNvPr id="7" name="내용 개체 틀 6">
+            <a:extLst>
+              <a:ext uri="{FF2B5EF4-FFF2-40B4-BE49-F238E27FC236}">
+                <a16:creationId xmlns:a16="http://schemas.microsoft.com/office/drawing/2014/main" id="{D952638E-18BD-4894-91AB-D859C866F918}"/>
+              </a:ext>
+            </a:extLst>
+          </p:cNvPr>
+          <p:cNvSpPr>
+            <a:spLocks noGrp="1"/>
+          </p:cNvSpPr>
+          <p:nvPr>
+            <p:ph idx="1"/>
+          </p:nvPr>
+        </p:nvSpPr>
+        <p:spPr/>
+        <p:txBody>
+          <a:bodyPr/>
+          <a:lstStyle/>
+          <a:p>
+            <a:r>
+              <a:rPr lang="en-US" altLang="ko-KR" dirty="0"/>
+              <a:t>Hostname</a:t>
+            </a:r>
+          </a:p>
+          <a:p>
+            <a:pPr lvl="1">
+              <a:buFont typeface="Wingdings" panose="05000000000000000000" pitchFamily="2" charset="2"/>
+              <a:buChar char="§"/>
+            </a:pPr>
+            <a:r>
+              <a:rPr lang="ko-KR" altLang="en-US" dirty="0"/>
+              <a:t>네트워크의 장비를 설치하고 동작을 설정하고자 할 때</a:t>
+            </a:r>
+            <a:r>
+              <a:rPr lang="en-US" altLang="ko-KR" dirty="0"/>
+              <a:t>, </a:t>
+            </a:r>
+            <a:r>
+              <a:rPr lang="ko-KR" altLang="en-US" dirty="0"/>
+              <a:t>필수적으로 </a:t>
+            </a:r>
+            <a:r>
+              <a:rPr lang="ko-KR" altLang="en-US" dirty="0">
+                <a:solidFill>
+                  <a:srgbClr val="FF0000"/>
+                </a:solidFill>
+              </a:rPr>
+              <a:t>장비에 이름을 부여하여 관리</a:t>
+            </a:r>
+            <a:r>
+              <a:rPr lang="ko-KR" altLang="en-US" dirty="0"/>
+              <a:t>하는 것이 유리</a:t>
+            </a:r>
+            <a:r>
+              <a:rPr lang="en-US" altLang="ko-KR" dirty="0"/>
+              <a:t>.</a:t>
+            </a:r>
+          </a:p>
+          <a:p>
+            <a:pPr lvl="1">
+              <a:buFont typeface="Wingdings" panose="05000000000000000000" pitchFamily="2" charset="2"/>
+              <a:buChar char="§"/>
+            </a:pPr>
+            <a:endParaRPr lang="en-US" altLang="ko-KR" dirty="0"/>
+          </a:p>
+          <a:p>
+            <a:pPr lvl="1">
+              <a:buFont typeface="Wingdings" panose="05000000000000000000" pitchFamily="2" charset="2"/>
+              <a:buChar char="§"/>
+            </a:pPr>
+            <a:r>
+              <a:rPr lang="ko-KR" altLang="en-US" dirty="0"/>
+              <a:t>이름은 문자와 숫자로 시작하고 중간에 띄어쓰기를 할 수 없으며 총 </a:t>
+            </a:r>
+            <a:r>
+              <a:rPr lang="en-US" altLang="ko-KR" dirty="0"/>
+              <a:t>63</a:t>
+            </a:r>
+            <a:r>
+              <a:rPr lang="ko-KR" altLang="en-US" dirty="0"/>
+              <a:t>자 이내로 부여</a:t>
+            </a:r>
+            <a:r>
+              <a:rPr lang="en-US" altLang="ko-KR" dirty="0"/>
+              <a:t>.</a:t>
+            </a:r>
+            <a:endParaRPr lang="ko-KR" altLang="en-US" dirty="0"/>
+          </a:p>
+        </p:txBody>
+      </p:sp>
+      <p:pic>
+        <p:nvPicPr>
+          <p:cNvPr id="3" name="그림 2">
+            <a:extLst>
+              <a:ext uri="{FF2B5EF4-FFF2-40B4-BE49-F238E27FC236}">
+                <a16:creationId xmlns:a16="http://schemas.microsoft.com/office/drawing/2014/main" id="{E8717AD0-AFC4-49E0-BE26-F94B1FF7341A}"/>
+              </a:ext>
+            </a:extLst>
+          </p:cNvPr>
+          <p:cNvPicPr>
+            <a:picLocks noChangeAspect="1"/>
+          </p:cNvPicPr>
+          <p:nvPr/>
+        </p:nvPicPr>
+        <p:blipFill>
+          <a:blip r:embed="rId2"/>
+          <a:stretch>
+            <a:fillRect/>
+          </a:stretch>
+        </p:blipFill>
+        <p:spPr>
+          <a:xfrm>
+            <a:off x="1375794" y="4454554"/>
+            <a:ext cx="9978006" cy="1958013"/>
+          </a:xfrm>
+          <a:prstGeom prst="rect">
+            <a:avLst/>
+          </a:prstGeom>
+          <a:ln w="38100" cap="sq">
+            <a:solidFill>
+              <a:srgbClr val="000000"/>
+            </a:solidFill>
+            <a:prstDash val="solid"/>
+            <a:miter lim="800000"/>
+          </a:ln>
+          <a:effectLst>
+            <a:outerShdw blurRad="50800" dist="38100" dir="2700000" algn="tl" rotWithShape="0">
+              <a:srgbClr val="000000">
+                <a:alpha val="43000"/>
+              </a:srgbClr>
+            </a:outerShdw>
+          </a:effectLst>
+        </p:spPr>
+      </p:pic>
+      <p:sp>
+        <p:nvSpPr>
+          <p:cNvPr id="5" name="사각형: 둥근 모서리 4">
+            <a:extLst>
+              <a:ext uri="{FF2B5EF4-FFF2-40B4-BE49-F238E27FC236}">
+                <a16:creationId xmlns:a16="http://schemas.microsoft.com/office/drawing/2014/main" id="{02ED42CE-8394-4A3D-8207-E5CFBCE7D2F4}"/>
+              </a:ext>
+            </a:extLst>
+          </p:cNvPr>
+          <p:cNvSpPr/>
+          <p:nvPr/>
+        </p:nvSpPr>
+        <p:spPr>
+          <a:xfrm>
+            <a:off x="1375794" y="4454554"/>
+            <a:ext cx="2206305" cy="394283"/>
+          </a:xfrm>
+          <a:prstGeom prst="roundRect">
+            <a:avLst/>
+          </a:prstGeom>
+          <a:noFill/>
+          <a:ln>
+            <a:solidFill>
+              <a:srgbClr val="FF0000"/>
+            </a:solidFill>
+          </a:ln>
+        </p:spPr>
+        <p:style>
+          <a:lnRef idx="2">
+            <a:schemeClr val="accent1">
+              <a:shade val="50000"/>
+            </a:schemeClr>
+          </a:lnRef>
+          <a:fillRef idx="1">
+            <a:schemeClr val="accent1"/>
+          </a:fillRef>
+          <a:effectRef idx="0">
+            <a:schemeClr val="accent1"/>
+          </a:effectRef>
+          <a:fontRef idx="minor">
+            <a:schemeClr val="lt1"/>
+          </a:fontRef>
+        </p:style>
+        <p:txBody>
+          <a:bodyPr rtlCol="0" anchor="ctr"/>
+          <a:lstStyle/>
+          <a:p>
+            <a:pPr algn="ctr"/>
+            <a:endParaRPr lang="ko-KR" altLang="en-US"/>
+          </a:p>
+        </p:txBody>
+      </p:sp>
+      <p:sp>
+        <p:nvSpPr>
+          <p:cNvPr id="8" name="사각형: 둥근 모서리 7">
+            <a:extLst>
+              <a:ext uri="{FF2B5EF4-FFF2-40B4-BE49-F238E27FC236}">
+                <a16:creationId xmlns:a16="http://schemas.microsoft.com/office/drawing/2014/main" id="{9E806862-8609-4037-9DDE-28D57EB11A79}"/>
+              </a:ext>
+            </a:extLst>
+          </p:cNvPr>
+          <p:cNvSpPr/>
+          <p:nvPr/>
+        </p:nvSpPr>
+        <p:spPr>
+          <a:xfrm>
+            <a:off x="1375793" y="4956495"/>
+            <a:ext cx="2365697" cy="394283"/>
+          </a:xfrm>
+          <a:prstGeom prst="roundRect">
+            <a:avLst/>
+          </a:prstGeom>
+          <a:noFill/>
+          <a:ln>
+            <a:solidFill>
+              <a:srgbClr val="FF0000"/>
+            </a:solidFill>
+          </a:ln>
+        </p:spPr>
+        <p:style>
+          <a:lnRef idx="2">
+            <a:schemeClr val="accent1">
+              <a:shade val="50000"/>
+            </a:schemeClr>
+          </a:lnRef>
+          <a:fillRef idx="1">
+            <a:schemeClr val="accent1"/>
+          </a:fillRef>
+          <a:effectRef idx="0">
+            <a:schemeClr val="accent1"/>
+          </a:effectRef>
+          <a:fontRef idx="minor">
+            <a:schemeClr val="lt1"/>
+          </a:fontRef>
+        </p:style>
+        <p:txBody>
+          <a:bodyPr rtlCol="0" anchor="ctr"/>
+          <a:lstStyle/>
+          <a:p>
+            <a:pPr algn="ctr"/>
+            <a:endParaRPr lang="ko-KR" altLang="en-US"/>
+          </a:p>
+        </p:txBody>
+      </p:sp>
+      <p:sp>
+        <p:nvSpPr>
+          <p:cNvPr id="9" name="사각형: 둥근 모서리 8">
+            <a:extLst>
+              <a:ext uri="{FF2B5EF4-FFF2-40B4-BE49-F238E27FC236}">
+                <a16:creationId xmlns:a16="http://schemas.microsoft.com/office/drawing/2014/main" id="{78E75BC0-D945-443D-8F32-D70F2FF418D0}"/>
+              </a:ext>
+            </a:extLst>
+          </p:cNvPr>
+          <p:cNvSpPr/>
+          <p:nvPr/>
+        </p:nvSpPr>
+        <p:spPr>
+          <a:xfrm>
+            <a:off x="1375793" y="5979821"/>
+            <a:ext cx="4421000" cy="394283"/>
+          </a:xfrm>
+          <a:prstGeom prst="roundRect">
+            <a:avLst/>
+          </a:prstGeom>
+          <a:noFill/>
+          <a:ln>
+            <a:solidFill>
+              <a:srgbClr val="FF0000"/>
+            </a:solidFill>
+          </a:ln>
+        </p:spPr>
+        <p:style>
+          <a:lnRef idx="2">
+            <a:schemeClr val="accent1">
+              <a:shade val="50000"/>
+            </a:schemeClr>
+          </a:lnRef>
+          <a:fillRef idx="1">
+            <a:schemeClr val="accent1"/>
+          </a:fillRef>
+          <a:effectRef idx="0">
+            <a:schemeClr val="accent1"/>
+          </a:effectRef>
+          <a:fontRef idx="minor">
+            <a:schemeClr val="lt1"/>
+          </a:fontRef>
+        </p:style>
+        <p:txBody>
+          <a:bodyPr rtlCol="0" anchor="ctr"/>
+          <a:lstStyle/>
+          <a:p>
+            <a:pPr algn="ctr"/>
+            <a:endParaRPr lang="ko-KR" altLang="en-US"/>
+          </a:p>
+        </p:txBody>
+      </p:sp>
+    </p:spTree>
+    <p:extLst>
+      <p:ext uri="{BB962C8B-B14F-4D97-AF65-F5344CB8AC3E}">
         <p14:creationId xmlns:p14="http://schemas.microsoft.com/office/powerpoint/2010/main" val="2709572869"/>
+      </p:ext>
+    </p:extLst>
+  </p:cSld>
+  <p:clrMapOvr>
+    <a:masterClrMapping/>
+  </p:clrMapOvr>
+</p:sld>
+</file>
+
+<file path=ppt/slides/slide45.xml><?xml version="1.0" encoding="utf-8"?>
+<p:sld xmlns:a="http://schemas.openxmlformats.org/drawingml/2006/main" xmlns:r="http://schemas.openxmlformats.org/officeDocument/2006/relationships" xmlns:p="http://schemas.openxmlformats.org/presentationml/2006/main">
+  <p:cSld>
+    <p:spTree>
+      <p:nvGrpSpPr>
+        <p:cNvPr id="1" name=""/>
+        <p:cNvGrpSpPr/>
+        <p:nvPr/>
+      </p:nvGrpSpPr>
+      <p:grpSpPr>
+        <a:xfrm>
+          <a:off x="0" y="0"/>
+          <a:ext cx="0" cy="0"/>
+          <a:chOff x="0" y="0"/>
+          <a:chExt cx="0" cy="0"/>
+        </a:xfrm>
+      </p:grpSpPr>
+      <p:sp>
+        <p:nvSpPr>
+          <p:cNvPr id="2" name="제목 1">
+            <a:extLst>
+              <a:ext uri="{FF2B5EF4-FFF2-40B4-BE49-F238E27FC236}">
+                <a16:creationId xmlns:a16="http://schemas.microsoft.com/office/drawing/2014/main" id="{0B510ACA-92C1-4DB2-B891-D4872C9B4F9C}"/>
+              </a:ext>
+            </a:extLst>
+          </p:cNvPr>
+          <p:cNvSpPr>
+            <a:spLocks noGrp="1"/>
+          </p:cNvSpPr>
+          <p:nvPr>
+            <p:ph type="title"/>
+          </p:nvPr>
+        </p:nvSpPr>
+        <p:spPr>
+          <a:xfrm>
+            <a:off x="838200" y="365125"/>
+            <a:ext cx="10515600" cy="1325563"/>
+          </a:xfrm>
+        </p:spPr>
+        <p:txBody>
+          <a:bodyPr/>
+          <a:lstStyle/>
+          <a:p>
+            <a:r>
+              <a:rPr lang="ko-KR" altLang="en-US" dirty="0">
+                <a:latin typeface="HY헤드라인M" panose="02030600000101010101" pitchFamily="18" charset="-127"/>
+                <a:ea typeface="HY헤드라인M" panose="02030600000101010101" pitchFamily="18" charset="-127"/>
+              </a:rPr>
+              <a:t>실습 더하기 </a:t>
+            </a:r>
+            <a:r>
+              <a:rPr lang="en-US" altLang="ko-KR" dirty="0">
+                <a:latin typeface="HY헤드라인M" panose="02030600000101010101" pitchFamily="18" charset="-127"/>
+                <a:ea typeface="HY헤드라인M" panose="02030600000101010101" pitchFamily="18" charset="-127"/>
+              </a:rPr>
+              <a:t>: IP </a:t>
+            </a:r>
+            <a:r>
+              <a:rPr lang="ko-KR" altLang="en-US" dirty="0">
+                <a:latin typeface="HY헤드라인M" panose="02030600000101010101" pitchFamily="18" charset="-127"/>
+                <a:ea typeface="HY헤드라인M" panose="02030600000101010101" pitchFamily="18" charset="-127"/>
+              </a:rPr>
+              <a:t>설정</a:t>
+            </a:r>
+          </a:p>
+        </p:txBody>
+      </p:sp>
+      <p:cxnSp>
+        <p:nvCxnSpPr>
+          <p:cNvPr id="4" name="직선 연결선 3">
+            <a:extLst>
+              <a:ext uri="{FF2B5EF4-FFF2-40B4-BE49-F238E27FC236}">
+                <a16:creationId xmlns:a16="http://schemas.microsoft.com/office/drawing/2014/main" id="{B52E875F-886D-4368-BB96-91473E4BD429}"/>
+              </a:ext>
+            </a:extLst>
+          </p:cNvPr>
+          <p:cNvCxnSpPr>
+            <a:cxnSpLocks/>
+          </p:cNvCxnSpPr>
+          <p:nvPr/>
+        </p:nvCxnSpPr>
+        <p:spPr>
+          <a:xfrm>
+            <a:off x="494950" y="1560352"/>
+            <a:ext cx="11216081" cy="0"/>
+          </a:xfrm>
+          <a:prstGeom prst="line">
+            <a:avLst/>
+          </a:prstGeom>
+          <a:ln w="38100">
+            <a:solidFill>
+              <a:schemeClr val="accent6">
+                <a:lumMod val="60000"/>
+                <a:lumOff val="40000"/>
+              </a:schemeClr>
+            </a:solidFill>
+          </a:ln>
+        </p:spPr>
+        <p:style>
+          <a:lnRef idx="1">
+            <a:schemeClr val="accent6"/>
+          </a:lnRef>
+          <a:fillRef idx="0">
+            <a:schemeClr val="accent6"/>
+          </a:fillRef>
+          <a:effectRef idx="0">
+            <a:schemeClr val="accent6"/>
+          </a:effectRef>
+          <a:fontRef idx="minor">
+            <a:schemeClr val="tx1"/>
+          </a:fontRef>
+        </p:style>
+      </p:cxnSp>
+      <p:cxnSp>
+        <p:nvCxnSpPr>
+          <p:cNvPr id="6" name="직선 연결선 5">
+            <a:extLst>
+              <a:ext uri="{FF2B5EF4-FFF2-40B4-BE49-F238E27FC236}">
+                <a16:creationId xmlns:a16="http://schemas.microsoft.com/office/drawing/2014/main" id="{18BBC0F2-0F71-4015-8396-16B4367F8F99}"/>
+              </a:ext>
+            </a:extLst>
+          </p:cNvPr>
+          <p:cNvCxnSpPr>
+            <a:cxnSpLocks/>
+          </p:cNvCxnSpPr>
+          <p:nvPr/>
+        </p:nvCxnSpPr>
+        <p:spPr>
+          <a:xfrm>
+            <a:off x="662730" y="367018"/>
+            <a:ext cx="0" cy="3061982"/>
+          </a:xfrm>
+          <a:prstGeom prst="line">
+            <a:avLst/>
+          </a:prstGeom>
+          <a:ln w="57150"/>
+        </p:spPr>
+        <p:style>
+          <a:lnRef idx="1">
+            <a:schemeClr val="accent1"/>
+          </a:lnRef>
+          <a:fillRef idx="0">
+            <a:schemeClr val="accent1"/>
+          </a:fillRef>
+          <a:effectRef idx="0">
+            <a:schemeClr val="accent1"/>
+          </a:effectRef>
+          <a:fontRef idx="minor">
+            <a:schemeClr val="tx1"/>
+          </a:fontRef>
+        </p:style>
+      </p:cxnSp>
+      <p:sp>
+        <p:nvSpPr>
+          <p:cNvPr id="7" name="내용 개체 틀 6">
+            <a:extLst>
+              <a:ext uri="{FF2B5EF4-FFF2-40B4-BE49-F238E27FC236}">
+                <a16:creationId xmlns:a16="http://schemas.microsoft.com/office/drawing/2014/main" id="{D952638E-18BD-4894-91AB-D859C866F918}"/>
+              </a:ext>
+            </a:extLst>
+          </p:cNvPr>
+          <p:cNvSpPr>
+            <a:spLocks noGrp="1"/>
+          </p:cNvSpPr>
+          <p:nvPr>
+            <p:ph idx="1"/>
+          </p:nvPr>
+        </p:nvSpPr>
+        <p:spPr/>
+        <p:txBody>
+          <a:bodyPr/>
+          <a:lstStyle/>
+          <a:p>
+            <a:endParaRPr lang="ko-KR" altLang="en-US"/>
+          </a:p>
+        </p:txBody>
+      </p:sp>
+    </p:spTree>
+    <p:extLst>
+      <p:ext uri="{BB962C8B-B14F-4D97-AF65-F5344CB8AC3E}">
+        <p14:creationId xmlns:p14="http://schemas.microsoft.com/office/powerpoint/2010/main" val="1065364503"/>
+      </p:ext>
+    </p:extLst>
+  </p:cSld>
+  <p:clrMapOvr>
+    <a:masterClrMapping/>
+  </p:clrMapOvr>
+</p:sld>
+</file>
+
+<file path=ppt/slides/slide46.xml><?xml version="1.0" encoding="utf-8"?>
+<p:sld xmlns:a="http://schemas.openxmlformats.org/drawingml/2006/main" xmlns:r="http://schemas.openxmlformats.org/officeDocument/2006/relationships" xmlns:p="http://schemas.openxmlformats.org/presentationml/2006/main">
+  <p:cSld>
+    <p:spTree>
+      <p:nvGrpSpPr>
+        <p:cNvPr id="1" name=""/>
+        <p:cNvGrpSpPr/>
+        <p:nvPr/>
+      </p:nvGrpSpPr>
+      <p:grpSpPr>
+        <a:xfrm>
+          <a:off x="0" y="0"/>
+          <a:ext cx="0" cy="0"/>
+          <a:chOff x="0" y="0"/>
+          <a:chExt cx="0" cy="0"/>
+        </a:xfrm>
+      </p:grpSpPr>
+      <p:sp>
+        <p:nvSpPr>
+          <p:cNvPr id="2" name="제목 1">
+            <a:extLst>
+              <a:ext uri="{FF2B5EF4-FFF2-40B4-BE49-F238E27FC236}">
+                <a16:creationId xmlns:a16="http://schemas.microsoft.com/office/drawing/2014/main" id="{0B510ACA-92C1-4DB2-B891-D4872C9B4F9C}"/>
+              </a:ext>
+            </a:extLst>
+          </p:cNvPr>
+          <p:cNvSpPr>
+            <a:spLocks noGrp="1"/>
+          </p:cNvSpPr>
+          <p:nvPr>
+            <p:ph type="title"/>
+          </p:nvPr>
+        </p:nvSpPr>
+        <p:spPr>
+          <a:xfrm>
+            <a:off x="838200" y="365125"/>
+            <a:ext cx="10515600" cy="1325563"/>
+          </a:xfrm>
+        </p:spPr>
+        <p:txBody>
+          <a:bodyPr/>
+          <a:lstStyle/>
+          <a:p>
+            <a:endParaRPr lang="ko-KR" altLang="en-US" dirty="0">
+              <a:latin typeface="HY헤드라인M" panose="02030600000101010101" pitchFamily="18" charset="-127"/>
+              <a:ea typeface="HY헤드라인M" panose="02030600000101010101" pitchFamily="18" charset="-127"/>
+            </a:endParaRPr>
+          </a:p>
+        </p:txBody>
+      </p:sp>
+      <p:cxnSp>
+        <p:nvCxnSpPr>
+          <p:cNvPr id="4" name="직선 연결선 3">
+            <a:extLst>
+              <a:ext uri="{FF2B5EF4-FFF2-40B4-BE49-F238E27FC236}">
+                <a16:creationId xmlns:a16="http://schemas.microsoft.com/office/drawing/2014/main" id="{B52E875F-886D-4368-BB96-91473E4BD429}"/>
+              </a:ext>
+            </a:extLst>
+          </p:cNvPr>
+          <p:cNvCxnSpPr>
+            <a:cxnSpLocks/>
+          </p:cNvCxnSpPr>
+          <p:nvPr/>
+        </p:nvCxnSpPr>
+        <p:spPr>
+          <a:xfrm>
+            <a:off x="494950" y="1560352"/>
+            <a:ext cx="11216081" cy="0"/>
+          </a:xfrm>
+          <a:prstGeom prst="line">
+            <a:avLst/>
+          </a:prstGeom>
+          <a:ln w="38100">
+            <a:solidFill>
+              <a:schemeClr val="accent6">
+                <a:lumMod val="60000"/>
+                <a:lumOff val="40000"/>
+              </a:schemeClr>
+            </a:solidFill>
+          </a:ln>
+        </p:spPr>
+        <p:style>
+          <a:lnRef idx="1">
+            <a:schemeClr val="accent6"/>
+          </a:lnRef>
+          <a:fillRef idx="0">
+            <a:schemeClr val="accent6"/>
+          </a:fillRef>
+          <a:effectRef idx="0">
+            <a:schemeClr val="accent6"/>
+          </a:effectRef>
+          <a:fontRef idx="minor">
+            <a:schemeClr val="tx1"/>
+          </a:fontRef>
+        </p:style>
+      </p:cxnSp>
+      <p:cxnSp>
+        <p:nvCxnSpPr>
+          <p:cNvPr id="6" name="직선 연결선 5">
+            <a:extLst>
+              <a:ext uri="{FF2B5EF4-FFF2-40B4-BE49-F238E27FC236}">
+                <a16:creationId xmlns:a16="http://schemas.microsoft.com/office/drawing/2014/main" id="{18BBC0F2-0F71-4015-8396-16B4367F8F99}"/>
+              </a:ext>
+            </a:extLst>
+          </p:cNvPr>
+          <p:cNvCxnSpPr>
+            <a:cxnSpLocks/>
+          </p:cNvCxnSpPr>
+          <p:nvPr/>
+        </p:nvCxnSpPr>
+        <p:spPr>
+          <a:xfrm>
+            <a:off x="662730" y="367018"/>
+            <a:ext cx="0" cy="3061982"/>
+          </a:xfrm>
+          <a:prstGeom prst="line">
+            <a:avLst/>
+          </a:prstGeom>
+          <a:ln w="57150"/>
+        </p:spPr>
+        <p:style>
+          <a:lnRef idx="1">
+            <a:schemeClr val="accent1"/>
+          </a:lnRef>
+          <a:fillRef idx="0">
+            <a:schemeClr val="accent1"/>
+          </a:fillRef>
+          <a:effectRef idx="0">
+            <a:schemeClr val="accent1"/>
+          </a:effectRef>
+          <a:fontRef idx="minor">
+            <a:schemeClr val="tx1"/>
+          </a:fontRef>
+        </p:style>
+      </p:cxnSp>
+      <p:sp>
+        <p:nvSpPr>
+          <p:cNvPr id="7" name="내용 개체 틀 6">
+            <a:extLst>
+              <a:ext uri="{FF2B5EF4-FFF2-40B4-BE49-F238E27FC236}">
+                <a16:creationId xmlns:a16="http://schemas.microsoft.com/office/drawing/2014/main" id="{D952638E-18BD-4894-91AB-D859C866F918}"/>
+              </a:ext>
+            </a:extLst>
+          </p:cNvPr>
+          <p:cNvSpPr>
+            <a:spLocks noGrp="1"/>
+          </p:cNvSpPr>
+          <p:nvPr>
+            <p:ph idx="1"/>
+          </p:nvPr>
+        </p:nvSpPr>
+        <p:spPr/>
+        <p:txBody>
+          <a:bodyPr/>
+          <a:lstStyle/>
+          <a:p>
+            <a:endParaRPr lang="ko-KR" altLang="en-US"/>
+          </a:p>
+        </p:txBody>
+      </p:sp>
+    </p:spTree>
+    <p:extLst>
+      <p:ext uri="{BB962C8B-B14F-4D97-AF65-F5344CB8AC3E}">
+        <p14:creationId xmlns:p14="http://schemas.microsoft.com/office/powerpoint/2010/main" val="949317208"/>
       </p:ext>
     </p:extLst>
   </p:cSld>

--- a/L2L3 스위치 구축.pptx
+++ b/L2L3 스위치 구축.pptx
@@ -157,6 +157,388 @@
 </p:presentation>
 </file>
 
+<file path=ppt/ink/ink1.xml><?xml version="1.0" encoding="utf-8"?>
+<inkml:ink xmlns:inkml="http://www.w3.org/2003/InkML">
+  <inkml:definitions>
+    <inkml:context xml:id="ctx0">
+      <inkml:inkSource xml:id="inkSrc0">
+        <inkml:traceFormat>
+          <inkml:channel name="X" type="integer" max="1920" units="cm"/>
+          <inkml:channel name="Y" type="integer" max="1080" units="cm"/>
+          <inkml:channel name="T" type="integer" max="2.14748E9" units="dev"/>
+        </inkml:traceFormat>
+        <inkml:channelProperties>
+          <inkml:channelProperty channel="X" name="resolution" value="36.15819" units="1/cm"/>
+          <inkml:channelProperty channel="Y" name="resolution" value="36.24161" units="1/cm"/>
+          <inkml:channelProperty channel="T" name="resolution" value="1" units="1/dev"/>
+        </inkml:channelProperties>
+      </inkml:inkSource>
+      <inkml:timestamp xml:id="ts0" timeString="2024-03-25T04:52:17.754"/>
+    </inkml:context>
+    <inkml:brush xml:id="br0">
+      <inkml:brushProperty name="width" value="0.05292" units="cm"/>
+      <inkml:brushProperty name="height" value="0.05292" units="cm"/>
+      <inkml:brushProperty name="color" value="#FF0000"/>
+    </inkml:brush>
+  </inkml:definitions>
+  <inkml:trace contextRef="#ctx0" brushRef="#br0">11307 16245 0,'-18'0'62,"0"0"-46,1 0-16,-19 0 16,19 0-16,-19 0 15,-87 0 1,35 18-16,-142-18 16,89 0-1,0 0-15,-88 18 16,0-1-1,17-17 1,-17 0 15,52 0-15,36 0 0,-18 0-1,18 0 1,18 0-1,17 0 1,18 0-16,0 0 16,35 0-1,17 0-15,-87 0 16,35 0 0,0 0-1,-1 0 1,-34-17-1,-1-19 1,1 19 15,-1-1-15,-17 0 0,35-17-1,36 18-15,-36-19 16,53 1-16,0 35 15,-35-18 1,-35 1 0,34-36-1,54 35 1,-53-17 0,17 0-1,18-1 1,-35-17-1,18 18 1,-36-35 15,71 52-31,-18-35 16,17 35-16,19 1 16,-36-36-1,0 0 1,18 0-1,-36-35 1,36 35 0,0 18-1,35-18 1,0 35 0,0-52-1,0 34 1,0 19-16,0-36 15,0 35 1,0-35-16,35 0 31,18 0-15,-18 18 0,-17 17-1,-1-17 1,54-18-1,-1 0 1,19 18 0,16-18-1,-34 35 1,-36 1-16,53-18 16,-35 17-1,-17 18-15,105-18 16,-18 1-1,36-19 1,-53 19 15,17 17-15,-17 0 0,18 0-1,52-18 1,0 0-1,1-17 1,-1 0 0,-17 17-1,0-17 1,-54 35 0,37 0-1,-1 0 1,70 0-1,-17 0 1,0 0 15,0 0-15,36 0 0,-19 0-1,36 0 1,-105 0-1,-37 0 1,1 0 0,0-18-1,35 1 1,-35 17 0,53 0-1,-1 0 1,19 0-1,-36 0 1,88 0 15,-52 0-15,-1 0 0,18 0-1,53 0 1,-53 0-1,-18 0 1,1 0 0,-36 0-1,-35 0 1,-18 0 0,18 0-1,35 35 1,-106-35-16,71 18 15,-53-18 1,-18 0-16,36 17 31,-1-17-15,36 18 0,18 0-1,-19 17 1,19-18-1,-36 1 1,0 17 0,-35-17-1,0 17 1,-18-35-16,1 36 16,17-19-1,-18 1 1,-17-1-1,17 19 1,-18-36 0,1 17-1,0 1 1,-1 0 0,19 17-1,-19-17 1,1-1-1,0 36 1,-18-35 15,0-1-15,17 1-16,1 0 16,-1 17-1,-17-17 16,18 17-15,-18 0-16,18-17 31,17 70-15,-35-35 0,18 0-1,-18 0 1,0 17-1,0-52 1,0 35 0,-18-18-1,0-17 1,1 35 0,-19 0-1,-34 17 1,35-35-1,17 1 1,-70 34 15,35-17-15,0-18 0,-35 1-1,0-19 1,-1 36-1,-16-35 1,-54 17 0,35 0-1,36 1 1,0-1 0,0-17-1,0 17 1,-89 18-1,54-18 1,34 0 15,-52 1-15,0-19 0,18 19-1,-1-36 1,36 17-1,0 1 1,-18-18 0,-35 18-1,35 17 1,-141-18 0,141 1-1,18-18 1,18 0-1,-1 0 1,18 0 15,-35 0-15,0 0 0,17 0-1,1 0 1,34 0-1,-17 0 1,36 0 0,-36 0-1,18 0 1,-36 0 0,1 0-1,34 0 1,19 0-1,-19 0 1,1 0 15,17 0-15,-35 0 0,18 0-1,0 0-15,0 0 16,17 0-16,-17 0 15,-18 0 1,-18 0 0,18 0-1,0 0 1,18 0 0,0 0-1,-36 0 1,18 0-1,1 0 1,-37 0 15,72 0-31,-36-35 16,35 35 0,0 0-16,-17 0 15,18 0 1,-1 0-1,-35-18 1,18 18 0,17 0-1,-35 0 1,18-17 0,-36 17-1,54 0 1,-19 0-1,19-18 1</inkml:trace>
+  <inkml:trace contextRef="#ctx0" brushRef="#br0" timeOffset="3640.6291">14270 15769 0,'-18'18'0,"1"-1"15,-1-17 1,0 0-16,1 18 15,-54 0 1,1-18 0,34 17 15,19-17-15,-36 0-1,17 0 1,-16 0-16,-19 0 15,53 0-15,1 0 16,-54 0 0,53 0-1,-52 0 1,-18 0 0,-36 0-1,18 0 1,1 0-1,52 0 1,-18-17 0,54 17 15,-54-18-15,53-17-1,-70-36 1,35 18-1,18 18 1,-18-18 0,35 18-1,1 17 1,-1-35 0,18 36-1,0-54 1,0 36-1,0-18-15,0-35 16,0 70 0,0-17-16,0-36 31,0 18-15,0 36-1,18-19 1,17-34-1,0 17 1,18 0 0,-18 18-1,18-18 1,0 18 0,-17-1-16,-1 19 15,18-1 1,-18-17-16,0 17 15,36 0 1,-36 18 0,0-17 15,18-1-15,-35 1-1,35-1 1,35 18-1,-35-18 1,35 18 0,-35 0-16,18-17 15,-36 17 1,18 0-16,0 0 16,-18 0-1,18 0 1,0 0-1,-18 0 1,18 0 0,18 0 15,-54 0-15,1 0-1,0 17 1,17-17-1,18 36 1,-36-19 0,1 1-1,17-1 1,1 36 0,17 36-1,-36-72 1,36 54-1,-18-54 1,18 1 15,-17 0-15,-1 17 0,-18-17-1,1-1 1,0 18-1,-18-17 1,0 0 0,-36 17-1,19 0 1,-1-17 0,18 17-1,0 1 1,-17 34-1,-1-35-15,-17 18 16,35-35 0,-18 0-1,18 17 1,0 0 0,-18-17-1,-17 35 1,17-18-1,18 0 1,-17 1 0,-1-19-1,-17 18 1,17 1 0,-17-19-1,0 19 1,-1-1-1,-16-17 1,34-1 0,-35 18 15,35-35-15,1 18-1,-19 0 1,1-1-1,17-17 1,1 0 15,-1-17 360,18-1-375,0 0-1</inkml:trace>
+  <inkml:trace contextRef="#ctx0" brushRef="#br0" timeOffset="9624.8805">12030 14217 0,'0'-18'78,"0"1"-62,0-19 15,17 1-15,19-18-1,-19 18-15,1-36 16,17-70 0,18-18-1,18-17 1,-1 0 0,-17-36-1,35 0 1,1 18-1,-37 53-15,54-123 16,-35 140 0,-36 36-16,53-141 31,1 35-15,-1-36-1,0 1 1,0 17-1,36 1 1,-72 34 0,37 1-1,-19 35 1,1 0 0,-54 53-16,89-124 15,-53 124 1,-18-1-16,18-52 15,18 0 1,-18 0 0,17 0 15,1-18-15,-18 18-1,0 0 1,53-35-1,-36 70 1,-17-18 0,35-34-1,-52 87 1,16 1 0,-16-19-1,17 1 1,-18 35-1,0-17 1,0-1 0,1-17 15,-1 17-15,0 36-1,-17-18 1,17 0-1,-17 36 1,0-19 0,-1-17-1,-17 36 1,18-1 62</inkml:trace>
+  <inkml:trace contextRef="#ctx0" brushRef="#br0" timeOffset="11109.3805">14870 7285 0,'0'-18'109,"35"-17"-93,-18 35 15,1-18-31,0 1 32,-1 17-17,19-18-15,-19 0 31,1 1-15,0-1 0,-1 18-16,1-18 31,0 1-15,-1-1 46,1 18-31,17 18 126,-17-1-126,-1 19-16,19-1 1,-19-17 0,1-1 15,17 19-15,-17-19-1,-1 1 1,1-1-1,0 1 1,-18 0 47,35 17-48,-17-17 1,-18-1-1,17 19 17</inkml:trace>
+  <inkml:trace contextRef="#ctx0" brushRef="#br0" timeOffset="30421.8806">6632 16034 0,'0'0'0,"-17"0"0,-19-18 16,1 18-1,0-18 1,-1-17-1,36 18 1,-52-36 0,34 17-1,-35-52 17,35 35-17,1-53 1,-1-17-1,-17-18 1,17 35 0,18 18-1,0 17 1,0-17 0,0 17-1,0 1 1,0 17-1,35-18 1,-17 19 0,53-19-1,-36 18 17,53-53-17,-35 89 1,18-36-1,-1 35 1,36 0 0,-18-17-1,0 18 1,36 17 0,35 0-1,-54 0 1,-16 0-1,-1 17 1,0 1 0,-17 17-1,-1 0 17,36 18-17,-18 18 1,-35-18-1,0 0 1,0 0 0,-18-1-1,18 37 1,-18-19 0,18 54-1,-17-36 1,-19-18-1,18 1 1,-17-18 0,-18 0-1,0 0 17,0 17-17,0 1 1,0-1-1,0-17 1,-18 18 0,-17-1-1,0 19 1,0-54 0,17-17-1,-70 52 1,0 1-1,17-36 1,18 0 0,-35-17-1,53-1 17,-18-17-17,-35 18 1,35 17-1,17-35-15,-52 0 16,53 0-16,-18 0 16,0 0-1,0 0 1,-17 0 0,17 0-1,-18 0 1,1-35-1,-36 0 1,53-18 0,-35-18-1,52 54 17,-69-54-17,52 36 1,0-18-1,-18 0 1,18 0 0,36 18-1,-1-18 1,-35-35 0,35 35-1,18 18 1,-17-18-1,17 17 1,0-34 0,-18-1-1,18 1 17,0 17-17,0-18 1,0 18-1,0 0 1,0 0 0,0 18-1,0-35 1,18 17 0,17 0-1,0-18 1,-17 18-1,35 0 1,0-17 0,-36 52-1,19 1 17,34-36-17,-17 53 1,35-18-1,-17 0 1,35 18 0,-36-35-1,89 35 1,0 0 0,0 0-1,-1 35 1,-52-17-1,-18 17 1,-70-17 0,35 0-1,-35-1 17,34 36-17,1-18 1,18 36-1,-18 17 1,-18-17 0,-17 17-1,17 0 1,0 18 0,-17-18-1,0-17 1,-18 17-1,17-18 1,-17 19 0,0-19-1,0-17 17,0 0-17,0-35-15,0 35 16,0-18-16,0-17 15,-35 52 1,0-17 0,-1 0-1,-17 17 1,18-34 0,-18-1-1,18 0 1,-18-17-1,-35 17 1,-53-17 0,35 17-1,18-17 17,52 17-17,-52-35 1,0 0-1,0 0 1,0 0 0,-36 0-1,18 0 1,1 0 0,34-18-1,-35-17 1,53 17-1,0 1 1,18-36 0,-36 0-1,36 35 17,0-17-17,35 0 1,-18-36-1,-17-17 1,17-18 0,1 0-1,-1-88 1,18 106 0,0-35-1,0 70 1,0-35-1,18-36 1,-1 18 0,19 36-1,-19-36 17,19 18-17,-1 17 1,0 18-1,18-70 1,-18 70 0,18 0-1,-35 18 1,17 17 0,18-17-1,18 35 1,34 0-1,37 0 1,16 0 0,-34 0-1,-36 0 17,-17 0-17,-36 0-15,53 35 16,-35-17-16,0 17 15,70 0 1,-34 36 0,-19-36-1,-17 18 1,18 18 0,-36-19-1,18 37 1,0-1-1,17 0 1,1 18 0,-54-18-1,19 0 17,-19 0-17,-17-35 1,18 18-1,-18 17 1,0-17 0,0-1-1,0-34 1,0-19 0,-18 54-1,-35-1 1,0-34-1,1 16 1,-1-16 0,-18-1-1,36 0 17,-36-17-17,1 0 1,17 34-1,-18-34 1,-17 0 0,0 17-1,0-17 1,17-18 0,18 17-1,0-17 1,-17 18-1,-1-18 1,-35 35 0,36-35-1,-1 0 17,36 0-17,-36 0 1,1 0-1,17 0 1,-18-35 0,-17-18-1,35 35 1,0-17 0,0 0-1,18 17 1,0 1-1,17-1 1,1 18 0,-19-18-1,1-17 17,17 17-17,1 1 1,17-1-1,-18 0 17,18 1-32,0-1 15,-35-17 1,35 17 0,-18-17-1,1-36 1,-1 19-1,-35-19 1,35 0 0,1 18-16,-19-17 15,19 35 1,17 17 0,0-70-1,0 17 1,0 1-1,0-1 1,0 18 0,17-17-1,19-36 1,34 18 0,-34 35-1,16-18 1,19 18-1,17 18 1,0-36 0,36 1-1,-18 35 17,0-1-17,-54 1 1,1 35-1,18-53 1,-36 53 0,36-18-1,35 18 1,-36 0 0,-35 0-1,18 0 1,-35 0-1,35 0 1,-35 0 0,-1 0-1</inkml:trace>
+  <inkml:trace contextRef="#ctx0" brushRef="#br0" timeOffset="126116.309">24553 15240 0,'-17'0'0,"-1"0"31,-17 0 0,17 0-15,-35-18-1,36-17 1,-1 17 0,-17 1-1,17-54 1,18 1 0,0 34-1,0-34 1,0 17-1,0 18 1,0-18 0,0 17-1,18-16 1,17-19 0,-17 36-1,17-18 1,53-18 15,-35 18-15,18 0-1,-36 36 1,18-18 0,35 17-1,-18 0 1,36 18-1,-35-35 1,35 17 0,17-17-1,1 35 1,70-35 0,-36 35-1,-34 0 1,35 0 15,17 0-15,0 0-1,71 0 1,18 0 0,-36 0-1,-17 0 1,-89 17-1,-34 54 1,34-18 0,-17 0-1,0-18 1,-36 18 0,1 18-1,-18-19 1,0 1 15,-36-35-15,19 35-1,-19-35 1,36 34 0,-35 19-1,-18-53-15,17 70 16,19-18-1,-36-34-15,17 34 16,1-17 0,0 0-1,-18-35 1,0-1 0,35 19-1,-35-19 1,0 19 15,0-1-15,0 0-1,-35 53 1,-1-70 0,-52 35-1,35-18 1,-53-17-1,18 35 1,0-36 0,-35-17-1,-1 18 1,-52 17 0,-1-35-1,19 18 1,69-18-1,1 18 1,35-18-16,0 0 16,-35 17-1,-35-17 1,-1 35 0,-52-17-1,-18 0 1,17 17-1,36-17 1,0-18 0,0 0-1,-18 0 1,36 0 0,52 0-16,-17 0 15,35 0 1,35 0-16,-34-18 31,-19-17-15,53 17-1,-52-35 1,-1 0 0,-17-17-1,53 34 1,-53-52-1,52 53 1,-34-36 0,52 54-1,1-19 1,-1 19 0,-17-54-1,-18 18 1,53 36 15,-18-19-15,18 19-1,-18-1 1,1 1 0,17-1 15,17 0 63,-17 1-79,0-19-15,18 19 16,-18-19-16,35-105 31,18 53-15,-17 0-1,34-18 1,-35 71-16,18-36 16,-17 36-16,-1 0 15,35-53 1,-17 52-1,18-17 1,-18 36 0,17-1-1,1-17 1,52 35 0,36-18-1,35-17 1,88 0 15,-70 17-15,-71 18-1,0 0 1,-35 0 0,-18 0-1,0 0 1,1 0-1,-19 18 1,36 17 0,-18-18-1,18 19 1,-18-19 0,-35 1-16,35 0 15,-35 17 1,-35-35-16,35 18 31,17-1-15,-52 1-1,17 17 1,-17-35 0,0 18-1,17-1 1,-18-17-1,36 53 1,-17-35 0,-1 0-16,-17-1 15</inkml:trace>
+</inkml:ink>
+</file>
+
+<file path=ppt/ink/ink10.xml><?xml version="1.0" encoding="utf-8"?>
+<inkml:ink xmlns:inkml="http://www.w3.org/2003/InkML">
+  <inkml:definitions>
+    <inkml:context xml:id="ctx0">
+      <inkml:inkSource xml:id="inkSrc0">
+        <inkml:traceFormat>
+          <inkml:channel name="X" type="integer" max="1920" units="cm"/>
+          <inkml:channel name="Y" type="integer" max="1080" units="cm"/>
+          <inkml:channel name="T" type="integer" max="2.14748E9" units="dev"/>
+        </inkml:traceFormat>
+        <inkml:channelProperties>
+          <inkml:channelProperty channel="X" name="resolution" value="36.15819" units="1/cm"/>
+          <inkml:channelProperty channel="Y" name="resolution" value="36.24161" units="1/cm"/>
+          <inkml:channelProperty channel="T" name="resolution" value="1" units="1/dev"/>
+        </inkml:channelProperties>
+      </inkml:inkSource>
+      <inkml:timestamp xml:id="ts0" timeString="2024-03-25T05:06:29.355"/>
+    </inkml:context>
+    <inkml:brush xml:id="br0">
+      <inkml:brushProperty name="width" value="0.05292" units="cm"/>
+      <inkml:brushProperty name="height" value="0.05292" units="cm"/>
+      <inkml:brushProperty name="color" value="#FF0000"/>
+    </inkml:brush>
+  </inkml:definitions>
+  <inkml:trace contextRef="#ctx0" brushRef="#br0">11606 18256 0,'-17'0'78,"-1"0"-63,0 0-15,-17 18 16,18-18 0,-1 0-1,0 0 1,-35 0 0,18-18-1,0-17 1,-18-18-1,0 0 1,18 18 0,-18-18-1,35 35 1,18-35 0,0 36-16,0-1 15,0-52 1,0 17-1,18 0 1,-1-18 0,19 1-1,17-1 1,0-35 0,17 18-1,36 0 1,17 0-1,-52 52-15,35-52 16,-18 71 0,-35-19-16,88 1 15,18 0 17,17-1-17,18 36 1,18 0-1,-18 0 1,18 0 0,-1 0-1,-17 0 1,0 0 0,-123 0-16,140 36 15,-52-1 1,-18 18-16,124 17 15,-18 36 1,-106-35 0,0-36-1,-17 36 17,17-1-17,-18-17 1,-52 18-1,17 17 1,-35-18 0,0 19-1,-53-19 1,0-35 0,0 18-1,0 18 1,0-36-1,0 18 1,-36 0 0,-34 18-1,-36-1 17,36-35-17,-36 18 1,-124 0-1,36 18 1,18-54 0,-18 19-1,0-19 1,35 1 0,0 0-1,18 17 1,0-35-1,-18 0 1,-17 0 0,17 0-1,-70-35 17,70 17-17,-17-17 1,-1 17-1,72 18 1,-1 0 0,-18-18-1,18 1 1,-17-18 0,52 35-1,-17-18 1,18 0-1,-1 1 1,1 17 0,34-36-1,-17 36 17,18 0-17,-35-17 1,52 17-1,0 0 1,-17 0 0,17 0-1,1-18 1,-1 0 78,36 18 46,-1-17-77,-17-1-63,0 1 15,0-1 1,0-17 0,18 17-1</inkml:trace>
+  <inkml:trace contextRef="#ctx0" brushRef="#br0" timeOffset="1953.2444">12788 17057 0,'0'-53'62,"0"35"-46,0 1-16,0-36 16,0 0-1,35-35 1,1-195-1,-19 72 1,19-36 0,-1-35-1,-35-1 1,0-52 0,0-71-1,0-17 1,18-35-1,-18-1 1,0 36 0,0-1-1,0-158 17,0 229-17,-36 36 1,-17-18-1,-52-18 1,16 53 0,19 71-1,17 52 1,-18-17 0,1 0-1,-54-35 1,18-18-1,-52-159 1,70 107 0,-1 34-1,-16-17 17,69 52-17,1 54 1,0 17-1,17 36 1,-17 17 0,35 18-1,-18 17 1,0-17 0,1-18-1,-1 18 1,1 35-1,-1 0 1,18 18 0,-18 17-1,18 1 17,-17-1-1,17 0-16</inkml:trace>
+  <inkml:trace contextRef="#ctx0" brushRef="#br0" timeOffset="4218.7506">11624 6332 0,'-18'36'31,"1"-36"-16,-1 0 1,0 0-16,-17 0 16,0 0-1,-18 0-15,0 0 32,0 0-32,-17 0 15,34 0-15,-17 0 16,-70 0-1,-18 0 1,35 0 0,18 0-1,-18-53 1,-35 17 0,17-16-1,-17-1 1,18-18-1,-1 0 1,89 54-16,-18-36 16,35 35-1,1 1-15,-18-107 32,-1 54-17,19 17 1,-1-18-1,0 1 1,18 17 0,-17-18-1,17 1 1,0 34 0,0-17-1,0 18-15,0-18 16,0 36-1,0-1-15,17-70 16,19 17 0,17-17-1,17 17 1,-17 36 15,35-18-15,0 18-1,1 17 1,34-35 0,36 18-1,-71 35-15,106-53 16,-106 53-16,0 0 16,89 0-1,-18 0 1,-1 0-1,-34 0 1,35 0 0,-54 0-1,-52 0 17,18 18-17,17 17 1,-17 18-1,-1-18-15,18 18 16,-52-18-16,-1-17 16,18 35-1,-18-18 1,18 18 0,-18-17-1,1 16 1,17 19-1,-36-36 1,-17 36 0,18-1-1,-18-34 1,0-1 0,0 0-1,0-17-15,0 17 16,0-17-1,0-1 1,0 36 0,-18-17-1,-35 34 1,36-35 0,-19 18-1,1-17 1,-36-19-1,36 19 1,0-19-16,-18 18 16,53-17-1,-35 0-15,-1-1 16,-16 1 15,-19 35-15,36-35-1,-36-1 1,36 18 0,0 1-1,-18-19 1,35-17 0,-17 18-1,17-18-15,1 0 16,-1 18-1,0-1-15,1-17 32,-1 0-32,-17 18 15,-1-18 1,19 0 15,-1 18-15,0-18-1,-17 17 1,0 1 0,17 0-1,-17-1 1,17-17 0,1 18 30,-1-18 1,0 17 0,-17 1 0</inkml:trace>
+  <inkml:trace contextRef="#ctx0" brushRef="#br0" timeOffset="20890.6254">23530 17498 0,'0'0'0,"0"17"15,0 1 1,0 0-1,-35 17 1,35 0 0,0-17-16,-18 52 15,18-17 1,0-35-16,0 88 31,0 0-15,18 17-1,0-17 1,17-35 0,35-1-1,-17-17 1,-35-35 0,53-1-1,-1-17 1,-17 18-16,71 0 15,-36-18 1,-35 0-16,123 0 16,89 0-1,34 35 1,54-18 15,-35-17-15,-36 0-1,-53 0 1,-17 0 0,-18 0-1,-35 0 1,-89 0-16,71 0 16,-105 0-1,34 0-15,71-17 16,-35-36-1,0 35 1,-18 1 0,-17-19-1,-18 1 1,0 0 15,-1-36-15,1 1-1,-35-54 1,-18 71-16,0-70 16,35 88-16,-35-36 15,0-52 1,18-36 0,0 53-1,-18-18 1,0 36-1,0 53 1,0 17 0,0-17-1,-36 0 1,-34-36 15,52 54-31,-35-1 16,0 0-16,-35-35 15,-106 36 1,-35-1 0,17-17-1,-17 35 1,17-18 0,-17 18-1,17 0 1,1 0-1,-19 0 1,-17 36 0,88-1-16,-123 35 15,141-17 1,35-35-16,1 17 31,-1 18-15,53-35-1,-18 35 1,18-18 0,-53 18-1,-17-36 1,35 19 0,-18 34-1,-18-17 1,89-35-16,0-1 15,0 1 1,-1 0 0,19 17 15,52-17 78,36-18-93</inkml:trace>
+  <inkml:trace contextRef="#ctx0" brushRef="#br0" timeOffset="22625.1216">24677 17145 0,'0'-18'16,"0"1"15,0-1-16,17-17-15,19 0 16,-19-1 0,54-70-1,52-17 1,18-36 15,-52 71-31,105-106 16,-88 70-16,-18 19 15,106-125 1,17-17 0,-34 18-1,-1-35 1,1 34 0,-72 36-1,1-35 1,0 0-1,-35 52 1,17 1 0,-70 88-16,34-71 15,-16 88 1,-1-17-16,0-159 31,18 53-15,-35 53-1,-18-35 1,0-71 0,-53 88-1,-53 18 1,36 35 0,-1 0-1,36 53 1,-89-229-1,1 123 1,52 71 0,-17 0-1,17 0 1,18 35 15,-17-53-15,-71 0-1,-71-70 1,53 35 0,1 17-1,17-17 1,70 70-16,-158-123 16,105 106-1,-17-18-15,-212-158 16,106 123-1,18 0 1,-71-36 0,106 36-1,0 35 1,-53 0 15,71-17-15,-177-71-1,53 70 1,159 54-16,-212-89 16,195 89-16,16 17 15,-122-71 1,52 18 0,-17-17-1,70 52 1,0 1-1,-17-1 1,-18-17 0,35 35-1,-52-35 1,-19 0 15,107 35-31,-177-71 16,229 89-16,-34 0 15,-19-36 1,36 54 0,17-1-1,1 18 1,34-35 0,-16 17-1,-1 0 1,-36 1-1,37 17 1,-19-35 0,36 17-16,17 18 15,-17 0 17,17 0-17,1 0 63</inkml:trace>
+  <inkml:trace contextRef="#ctx0" brushRef="#br0" timeOffset="25171.8794">15981 6773 0,'-18'-17'0,"36"-1"31,-1 18-15,54-18-1,0 1 1,52-18 0,1 17-1,-1 0 1,-17 18-1,-36-17 1,54-19 0,-54 36-1,36-17 1,18-1 15,-89 18-31,71-18 16,-53 18-16,17-35 15,36 17 1,18-17 0,-19 0-1,37 0 1,16 17 0,36-17-1,-17 17 1,-36 0-1,-18 1 1,-35-18 0,-35 35-16,18-36 15,-18 19 1,-35 17-16,52-36 31,-17 1-15,0 17-1,-18-17 1,0 17 0,1 1-1,-19-1 1,1-17 0,0 17-1,-1 1 1,1-19-16,0-17 15,-1 1 1,1 34-16,0 0 16,-18-17-1,0 17 1,0 1 15,0-1-15,0-17-1,0 17 1,-18-17 0,0-18 15,1 35 0,17 1 0,-18-36 1,18 35-1,0 1-15,0-19-1,-35 1 1,-1 0-1,19-1 1,-19 1-16,-16-18 16,34 36-16,-17 17 15,-54-18 1,-69-35 0,-36 0-1,-53-17 1,-35-1-1,17-17 1,124 52 0,88 36-1,18 0 1,17 0 15,0 0-31,1 0 16,-19 0-16,19 0 15,-19 0 1,-34 0 0,-36 0-1,18 0 1,-36 0 0,19 18-1,-19 17 1,-35 18-1,54-17 1,-37-1 0,72-17-16,-54 34 15,54-34 1,35-18-16,-18 18 31,0 35-15,17-36-1,-16 36 1,16-18 0,-34 36-1,34-18 1,19 0 0,-1 35-1,18-17 1,0 87-1,0-87 1,0-18 0,18-18-1,-1 18 1,36-18 15,0 18-15,-17-35-1,16-18 1,19 35 0,-36-35-1,53 18 1,-35-1-16,36 1 16,-36 17-1,-1-35-15,54 18 16,-18 0-1,18 35 1,-17-36 0,52 1-1,-53 17 1,-18-17 15,-34-1-15,17-17-1,-36 18 1</inkml:trace>
+  <inkml:trace contextRef="#ctx0" brushRef="#br0" timeOffset="28953.251">8537 3757 0,'35'0'94,"1"0"-94,34 0 15,-34 0-15,52 0 16,159 0 0,88 0-1,106 0 1,70 0-1,-264 0-15,230 0 16,-319 0 0,-52 0-16,-35 0 15,-54 0 1</inkml:trace>
+</inkml:ink>
+</file>
+
+<file path=ppt/ink/ink11.xml><?xml version="1.0" encoding="utf-8"?>
+<inkml:ink xmlns:inkml="http://www.w3.org/2003/InkML">
+  <inkml:definitions>
+    <inkml:context xml:id="ctx0">
+      <inkml:inkSource xml:id="inkSrc0">
+        <inkml:traceFormat>
+          <inkml:channel name="X" type="integer" max="1920" units="cm"/>
+          <inkml:channel name="Y" type="integer" max="1080" units="cm"/>
+          <inkml:channel name="T" type="integer" max="2.14748E9" units="dev"/>
+        </inkml:traceFormat>
+        <inkml:channelProperties>
+          <inkml:channelProperty channel="X" name="resolution" value="36.15819" units="1/cm"/>
+          <inkml:channelProperty channel="Y" name="resolution" value="36.24161" units="1/cm"/>
+          <inkml:channelProperty channel="T" name="resolution" value="1" units="1/dev"/>
+        </inkml:channelProperties>
+      </inkml:inkSource>
+      <inkml:timestamp xml:id="ts0" timeString="2024-03-25T05:07:03.668"/>
+    </inkml:context>
+    <inkml:brush xml:id="br0">
+      <inkml:brushProperty name="width" value="0.05292" units="cm"/>
+      <inkml:brushProperty name="height" value="0.05292" units="cm"/>
+      <inkml:brushProperty name="color" value="#FF0000"/>
+    </inkml:brush>
+  </inkml:definitions>
+  <inkml:trace contextRef="#ctx0" brushRef="#br0">24148 14834 0,'-18'-17'63,"0"17"-47,1 0-1,-36 0 1,-88 0-1,-18 0 1,18 0 0,17 0-1,36 0 1,-18-36 0,36 36-1,52-17 1,-35-1-1,36-17 1,-1 0 0,18 17-1,-18-35 1,18 18 0,0-1 15,0 1-16,0 18 1,0-36 0,0 35-16,0-53 15,0 54-15,18-1 16,-18-17 0,0-53-1,35 35 1,-17 0-1,0 18 1,-1-36 0,1 36-1,17-1 1,-17-16 0,-1 16 15,89-87-16,-18 52 1,18 18 0,-35 18-1,17 17 1,0 18 0,0 0-1,18 0 1,0 53-1,0-17 1,17 16 0,36 19-1,17 35 1,-123-71 0,0 0 15,-17-17-16,-19 0 1,36 35 0,-53-36-1,18 71 1,-18-35 0,0 0-1,0 18 1,0-18-1,-18 0 1,18-18 0,-18 0-1,1-17 1,-1 17 0,-17 0 15,17-17-16,1 17 1,-1 1 0,18-19-1,-18 1 1,1 0 0,-1-1-1,0 1 16</inkml:trace>
+</inkml:ink>
+</file>
+
+<file path=ppt/ink/ink2.xml><?xml version="1.0" encoding="utf-8"?>
+<inkml:ink xmlns:inkml="http://www.w3.org/2003/InkML">
+  <inkml:definitions>
+    <inkml:context xml:id="ctx0">
+      <inkml:inkSource xml:id="inkSrc0">
+        <inkml:traceFormat>
+          <inkml:channel name="X" type="integer" max="1920" units="cm"/>
+          <inkml:channel name="Y" type="integer" max="1080" units="cm"/>
+          <inkml:channel name="T" type="integer" max="2.14748E9" units="dev"/>
+        </inkml:traceFormat>
+        <inkml:channelProperties>
+          <inkml:channelProperty channel="X" name="resolution" value="36.15819" units="1/cm"/>
+          <inkml:channelProperty channel="Y" name="resolution" value="36.24161" units="1/cm"/>
+          <inkml:channelProperty channel="T" name="resolution" value="1" units="1/dev"/>
+        </inkml:channelProperties>
+      </inkml:inkSource>
+      <inkml:timestamp xml:id="ts0" timeString="2024-03-25T04:55:00.355"/>
+    </inkml:context>
+    <inkml:brush xml:id="br0">
+      <inkml:brushProperty name="width" value="0.05292" units="cm"/>
+      <inkml:brushProperty name="height" value="0.05292" units="cm"/>
+      <inkml:brushProperty name="color" value="#FF0000"/>
+    </inkml:brush>
+  </inkml:definitions>
+  <inkml:trace contextRef="#ctx0" brushRef="#br0">30392 10530 0,'-18'0'31,"1"0"-31,-36 0 16,17 0-1,19 0 1,-72-35 0,54 0-1,0-18 1,17 0 0,1 18-1,17 17 1,0-17-16,0 0 15,0 17 1,0-17 0,0-1-1,0 19 1,0-19 0,0 19 15,17-1-16,19-17 1,16-18 0,1 35-1,36-35 1,-36 36-16,35-19 16,-35 19-1,-18-1-15,71 1 16,-18-1-1,18-17 17,-18-1-17,-53 19 1,1 17 0,-1 0-1,18-18 1,17 18-1,-17-35 1,0 35-16,18-18 16,-54 18-1,1 0-15,0 0 16,17 0 0,0 18-1,-17-18 1,52 0-1,-52 0 17,53 17-17,-54-17 1,54 18 0,-1-18-1,-52 0-15,35 18 16,-18-18-16,0 35 15,1-35 1,-1 18 0,0-1-1,18 19 1,-53-19 0,35 18-1,1-35 1,-19 36-1,19-1 17,-19-17-17,1 35 1,-18-36 0,0 36-1,0 0 1,0 0-1,0-18 1,0 1 0,0-1-1,0 18 1,0-18 0,0 18-1,-35-18 1,-1 18-1,1 0 17,0-18-17,-18 1 1,-18-1 0,18 18-1,0-36 1,-35 36-1,18-35 1,-36 0 0,-18 35-1,54-36 1,-18 1-16,-18-18 16,53 0-1,-18 0-15,-70 0 16,-70 0-1,-1 0 17,18-35-17,35 17 1,53 0 0,-17 1-1,88 17 1,-36-18-1,53 0 1,-35 1 0,36 17-1,-18 0 1,17-18 31,-17 18 250,-71 0-297,-35-18 15</inkml:trace>
+  <inkml:trace contextRef="#ctx0" brushRef="#br0" timeOffset="3093.7423">25329 10460 0,'-17'0'16,"-18"0"15,17 0-15,0 0-1,1 0-15,-54 0 16,-70 0 0,-35 0-1,-54 0 1,-34 0-1,-54 0 17,106 0-17,-34 0 1,69 0 0,1 0-1,70 0-15,-159 0 16,107 0-16,-1 0 15,-88 0 1,53 0 0,70 0-1,-34 0 1,-1 0 0,-17 0-1,-54 0 1,-17 0-1,18 0 17,17 0-17,124 0-15,-71 0 16,124 0-16,0 0 16,17 0-1,1 0 1,-1-18 46,0-17-30,1 17-17,17-17 1,0 0-16,0-36 15,0-35 17,0 36-17,0-18 1,0 52 0,0-17-1,17 36 1,-17-1-1,18 0 1,17 18 47,-17-17-63,70-1 15,88 1 1,-17-19-1,35 1 17,0 17-17,35 18 1,-17 0 0,17 0-1,1 0 1,-19 0-1,-34 0 1,-107 0-16,89 0 16,-88-17-1,17 17-15,88 0 16,18 0 0,53 0-1,0 0 1,-53 0-1,0 0 17,-53 0-17,18 0 1,18 0 0,-36 0-1,141 0 1,-88 35-1,-18-17 1,-70-1 0,35 1-1,-17-18 1,-54 0 0,-17 35-1,-18-35 1,-17 0 15,0 18 32,-18-1-17,17 36-14,1-35-17,-18 0 1,18 35-16,-1-36 16,-17 1-1,0 52 1,0 19-1,0-19 17,0-52-17,0-1 17,-17 19-17,17-19 32,0 1 16,17 0-48,-34 17 204,-1-17-219,0-1 16,-17-17-1,17 0-15,-34 18 16,-1 0-1,-36-18 17,-34 35-17,35-35 1,52 0 0,19 0-1,-18 0 1,17 0 31</inkml:trace>
+  <inkml:trace contextRef="#ctx0" brushRef="#br0" timeOffset="10640.6256">16404 9190 0,'-35'0'16,"17"0"46,1-18-46,-1 1-1,0-1 1,18 0-16,0 1 16,0-19-1,0-34 1,0 17-1,0 0 1,0 0 15,0 35-15,0 1 0,18-18-1,17-1 1,-17 19-1,0-1 1,-18 0 0,17 1-1,1-1 1,-1 18 15,1 0-15,0-18-16,17 18 15,0 0 1,-17-17 15,35 17-15,-18 0-16,18 0 16,-35 0-16,-1 0 15,54 0 1,-18 0-1,-36 0 1,1 0 0,0 0-1,17 0 1,-17 0 0,-1 0-1,1 0 1,17 0-1,-17 17 1,-1 1 15,1 17-15,0-17 0,-18 17-1,17 18 1,1 0-1,-18-18 1,0 36 0,-35-36-1,-1 18 1,-16-18 0,-19 1-1,53-19 1,-52 1-1,17 0 1,0 17 15,18-35-15,17 18 0,0-1-1,-17 1 1,17-18-1,1 0 17,-18 35-1</inkml:trace>
+  <inkml:trace contextRef="#ctx0" brushRef="#br0" timeOffset="12749.9034">4692 12488 0,'0'36'32,"35"-1"-17,18-35-15,-18 18 16,54-1 0,-19-17-1,-35 0 1,36 0-1,0 0 1,-1 0 0,18 0-1,-35-17 1,35-36 0,-35 17-1,0-17 1,18-17-1,-54 35 1,-17-18 15,0 17-15,0-34 0,0-18-1,0 35 1,0 0-1,-17-18 1,-1 36 0,-35-18-1,36 35 1,-36 1 0,-18 17-1,36 0 1,-53-35-1,-53 35 1,-18 0 15,53 0-15,18 17 0,-18 1-1,35 17 1,1 0-1,17-17 1,0 17 0,-53 53-1,89-52 1,-1-19 0,18 19-1,-18-1 1</inkml:trace>
+  <inkml:trace contextRef="#ctx0" brushRef="#br0" timeOffset="14812.4937">16387 9296 0,'0'-18'140,"0"0"-124,-36-17-16,19 0 16,-1 17-1,0-70 1,18-18 0,0 36-1,0 17 1,0 0-1,0 0 1,53 18 0,0-18-1,0 35 1,18-17 0,34-1-1,-16 1 1,-72 18-1,54-19 1,-53 19 15,-1-1-15,1 0 0,35-17-1,0 0 1,-36 35-1,1 0 17,17 0-1,-17 0-15,-1 17-1,1 36 1,-18 36-1,0-19 1,-35 36 15,0-35-15,17-19 0,-35 1-1,0 36 1,0-19-1,18 1 1,0-36 0,-36 36-1,36-36 1,-36 18 0,36-18-1,-18-17 1,35-1-1,1 1 1</inkml:trace>
+  <inkml:trace contextRef="#ctx0" brushRef="#br0" timeOffset="17625.0042">30110 10707 0,'0'0'0,"17"0"16,36 0 0,-35 0-1,35-18 1,-36 18 0,36-17-1,-17 17 1,16-18-1,1 18-15,71-18 16,-36 18-16,0 0 16,159-35-1,-53 17 1,-53-17 0,-105 35-1,16 0 1,-16-35 15,17 35-31,141 0 31,-36 0-15,-69 0 0,-54 0-16,18 0 15,-35 0-15,-1 0 31,18 0-15,-17-18 0,0 18-1,-1 0 1,19 0 0,-19-17-1,-17-1 79,-17-17-78,17 17-16,-18-35 15,-35-35 1,35-18-1,1 18 1,-1 0 0,-17 52-1,35 1 1,-18 0 0,18 17-1,-17-17 1,17 17-1,-18 1 64,0 17-33,-17-18-30,17 18 0,-35 0-16,18-18 15,0 18-15,-71-35 16,36 17 0,17 18-16,-71-17 15,-17 17 1,-35 0-1,-1 0 1,19 0 15,-37 0-15,37 0 0,17-18-1,52 18 1,1 0-1,71 0 1,-1 0 0,0 18 31,1-1-32,-1 1 1,0-18-16,-35 35 15,18-35 1,18 18 15,-1 0-15,0-1 0,18 18-1,0 36 1,0-18-1,0-35 1,0 17 0,0 35-1,0-52 1,0 35 0,0-18-1,0 18 1,0-18-1,18 36 1,-18-53 15,0 17-15,0-17 0,18-1-1,-1 1 1,1 0 31,-18-1 15</inkml:trace>
+  <inkml:trace contextRef="#ctx0" brushRef="#br0" timeOffset="20593.628">22931 10619 0,'0'0'0,"-53"0"16,17 0 0,-17 0-16,18 17 15,-18-17-15,-106 18 16,107 17-1,-37-35-15,-122 0 16,52 0 15,-35 0-15,53 0 0,-36 0-1,36 0 1,71 0-1,17 0 1,-18 0 0,1 0-1,52 0-15,-70 0 16,70 0 0,-17 0-16,-18-17 15,-17-1 1,52 18-1,-53-18 1,1-35 15,-18 18-15,17-35 0,18 17-1,35 17 1,18-34-1,0 17-15,0 0 16,0-18-16,0 18 16,0 1-1,0-19 1,18-17 0,35 35-1,18-18 1,17 1-1,35 17 1,36 18 15,17-36-15,89 36 0,-124-1-16,159 19 15,-124-1-15,1 1 16,193 17-1,36 0 1,-89 0 0,1 0-1,-18 0 1,-18 52 0,-53-16-1,1 34 1,-36-52-1,-36 0 1,-87 17 0,52-35-1,-52 17-15,17 1 16,71 35 0,-53-18-1,-18-17 1,-18 17-1,19-17 1,-1-1 0,-53 1-1,36 35 1,-36-18 0,18 18-1,-18-17-15,18 52 16,-35-71-1,-18 1-15,17 17 16,-17 1 15,0-1-15,0 18 0,-53-18-1,0-17 1,-35-1-1,0 19 1,-35-19 0,-142-17-1,124 0-15,-159 0 16,177 0 0,-36 0-16,-159 0 15,71 0 1,18-35-1,17 17 1,89 18 15,52 0-15,-17 0 0,18 0-1,17 0 1,-35 0-1,35 0-15,-71 0 16,54 0-16,-1 0 16,-17 0-1,17 0 1,18 0 0,-88 0-1,-18 0 1,-17 0-1,0 0 1,-1 36 15,54-36-15,52 17 0,54-17-1,-1 0 1,0 18 15</inkml:trace>
+  <inkml:trace contextRef="#ctx0" brushRef="#br0" timeOffset="25984.3714">21749 8643 0,'0'35'63,"0"18"-63,0 0 15,0 18-15,0 35 16,0 17-1,0-17 1,0-18 0,0 0 15,0 0-15,17 1-1,-17-19 1,0-35-1,0 18 1,0-35 0,0 0-1</inkml:trace>
+  <inkml:trace contextRef="#ctx0" brushRef="#br0" timeOffset="26781.128">21643 9313 0,'18'71'47,"-18"-18"-32,0-18 1,17-17-16,1 35 16,-18 17-1,35-17 1,-17-35-1,-18-1 1,17 1 15,1 0 47,0-18-46,17-18-17,-17 0-15,-1 1 16,36-36 0,-53 18-1,35-18 1,1-18-1,-19 53 1,-17 1 0,18-1-1</inkml:trace>
+  <inkml:trace contextRef="#ctx0" brushRef="#br0" timeOffset="30515.5049">30551 10478 0,'-18'0'78,"0"0"-47,-17-18-15,0 18-16,-1-35 15,-69-18 1,-1-53 0,18 18-1,70-18 1,18 0 0,0 35-1,18-34 1,17 52-1,18 17 1,0 1 0,17 0 15,-34 17-15,69 1-1,1 17 1,53-18-1,-36-17 1,19 17 0,-54 18-1,70 0 1,-16 0 0,34 0-1,36 35 1,-71 1-1,-35 34 1,-18 1 0,-71-54 15,19 19-15,-36-19-1,0 18 1,17 36-1,-17 0 1,0-18 0,0-1-1,-35 19 1,17 0 0,1-36-1,-18 35 1,-1-34-1,1 17 1,0 0 0,-54 17 15,1-52-15,-35 52-1,52-70 1,-17 18-1,35 17 1,18-35 0,-36 0-1,36 0 1,-18 0 0,18 0-1,0 0 1,-1 0-1,19 0 32,-1-17 172,-17-1-219,-1 0 16,-34 18-16,17-35 15</inkml:trace>
+  <inkml:trace contextRef="#ctx0" brushRef="#br0" timeOffset="31125.0007">28822 8925 0,'18'18'47,"34"17"-31,19 18-16,17-18 15,0 36-15,1 0 16,122 87 0,-52-52-1,-35-18 1,-36-17-1,-53-36 1,18-17 0,0-1 15,-36 1-15,36 0-1,-35-1 1,0 1-1,-18-71 32</inkml:trace>
+  <inkml:trace contextRef="#ctx0" brushRef="#br0" timeOffset="31781.1557">29986 9560 0,'-18'18'78,"18"17"-62,0 0-16,18 18 15,35 0-15,-18 18 16,36-1-1,-18 1 1,-36-36 0,1-17 15,-36-18 172,1 0-203,-19-18 16,19-35-16,-36-88 31,18 53-31</inkml:trace>
+  <inkml:trace contextRef="#ctx0" brushRef="#br0" timeOffset="32906.2498">29880 9243 0,'53'53'125,"-35"-36"-125,-1 19 16,1-1-16,17 0 15,1 18-15,-1 18 16,0-36 0,-17 18-1,35 70 1,-53-87-16,17-1 16,1 35-1,-18 1 1,0-53-1,-18-1 204,-17-17-203,17 0-1,-34 0-15,-19 0 16,-52 0 0,-19 0-1,37 0 1,87 0-16,-70 0 16,35 0-1,18 0-15,-36 0 16,-35 0-1,36 0 1,-1 0 0,53 0 15,1 0-15,-1 0-1,-17 0 16</inkml:trace>
+</inkml:ink>
+</file>
+
+<file path=ppt/ink/ink3.xml><?xml version="1.0" encoding="utf-8"?>
+<inkml:ink xmlns:inkml="http://www.w3.org/2003/InkML">
+  <inkml:definitions>
+    <inkml:context xml:id="ctx0">
+      <inkml:inkSource xml:id="inkSrc0">
+        <inkml:traceFormat>
+          <inkml:channel name="X" type="integer" max="1920" units="cm"/>
+          <inkml:channel name="Y" type="integer" max="1080" units="cm"/>
+          <inkml:channel name="T" type="integer" max="2.14748E9" units="dev"/>
+        </inkml:traceFormat>
+        <inkml:channelProperties>
+          <inkml:channelProperty channel="X" name="resolution" value="36.15819" units="1/cm"/>
+          <inkml:channelProperty channel="Y" name="resolution" value="36.24161" units="1/cm"/>
+          <inkml:channelProperty channel="T" name="resolution" value="1" units="1/dev"/>
+        </inkml:channelProperties>
+      </inkml:inkSource>
+      <inkml:timestamp xml:id="ts0" timeString="2024-03-25T04:56:08.621"/>
+    </inkml:context>
+    <inkml:brush xml:id="br0">
+      <inkml:brushProperty name="width" value="0.05292" units="cm"/>
+      <inkml:brushProperty name="height" value="0.05292" units="cm"/>
+      <inkml:brushProperty name="color" value="#FF0000"/>
+    </inkml:brush>
+  </inkml:definitions>
+  <inkml:trace contextRef="#ctx0" brushRef="#br0">3316 6332 0,'35'36'31,"-17"-36"-15,0 0-1,-1 0 1,36 0-1,0 0 1,18 0 0,-1 0-1,-34 0-15,52 0 16,-35-18-16,-18 18 16,18-18-1,17 18 1,-17-17-1,18-1 1,-18 0 0,-18-17-1,36-18 1,-18 0 15,-1 0-15,-34 0-1,35-35 1,-35 35 0,-1-17-1,1-1 1,-18-17 0,0 18-1,0-36 1,0 0-1,0 0 1,0 0 0,0 36-1,0 17 1,-18 17 0,1-16-1,-19 16-15,19 19 16,-1-19-1,0 36 17,1 0-32,-1-17 15,1 17 1,-19-18 0,-17 18-1,0 0 1,18 0-1,-18 0 1,18 0 0,0 0-1,-1 0 1,-17-18 15,36 18-15,-1 0-1,1 0 1,-19 0 0,19 0-1,-1 0 1,-35 0 0,18 0-1,-18 0 1,35 0-1,1 0 17,-1 0-17,-35 0 1,35 0-16,1 18 31,-36-18-15,18 35-1,17-17 1,0-18 0,1 18-1,-1-1 1,-17 19 0,17-19-1,-17 1 1,17-1-1,-35 36 1,36-35 0,-1 35-1,-17 0 1,-1-18 15,1 36-15,0-18-1,0 35 1,35-35 0,-18-18-1,18 36 1,0-19 0,0 1-1,0 0 1,0-17-1,0-1 1</inkml:trace>
+  <inkml:trace contextRef="#ctx0" brushRef="#br0" timeOffset="1750.1232">5133 8996 0,'0'0'0,"18"0"16,-1-18 0,36 18-1,-18 0-15,71-53 16,-18 36 15,36-19-15,-18 36-1,-36-35-15,71 0 16,-88 17-16,0 1 16,106-19-1,53 19 1,-1 17 0,36 0-1,-53 0 1,0 0-1,18 0 1,-36 0 0,1 0-1,-1 0 1,18 0 15,-70 0-15,-1 0-1,-17 0 1,-18 35 0,18-17-1,0-1 1,35 1 0,35 17-1,18-17 1,0-1-1,18 36 1,17-35 0,-105 0-16,105-18 15,-88 0 1,-17 0-16,105 0 31,-35 0-15,-18 0-1,-70 0 1,0 52 0,-71-52-1,1 0 1,17 0 0,-36 0-1,1 0 1,17 0-1,-17 0 1,-1 0 47</inkml:trace>
+  <inkml:trace contextRef="#ctx0" brushRef="#br0" timeOffset="41609.4965">11659 6085 0,'0'18'63,"0"0"-32,0-1-15,0 36-16,0-17 15,0 87 1,0-17 0,0-36-1,0 54-15,0-54 16,0 19-1,0 87 1,0-53 0,0 1-1,0-36 1,0 0 0,0 1-1,0 16 1,0 1-1,0-35 1,0-54 0,18 1 93,0-18-78,-1 0-31,19 0 16,-19 0-16,1 0 16,17-18-1,18 1 1,-35-1-16,105 18 15,-88 0 1,18 0-16,71-18 16,17 18-1,-18 0 1,-17 0 0,-18 0-1,53-17 16,-17-18-15,35 35 0,-18 0-1,-35 0 1,-36 0-16,18 0 16,-35 0-16,-17 0 15,16 0 1,19 0-1,0 0 1,-36 0 0,0 0-1,0 0 1,18-18 0,-35 18-1,17 0 16,18 0-15,-35 0-16,70-18 16,-70 18-16,17-17 15,0 17 1,18 0 0,-35 0-1,17 0 1,0 0-1,1-36 1,-19 19 109,-52-19-94,35 19-15,-18-18-16,18 17 16,0-106-1,0 36 1,0 35-1,0-53 1,0 36 0,0-1-16,-17-17 15,17 35 1,-18 0-16,18-35 16,-35-18-1,35 53 16,0-17-15,0 35 0,0-1-1,0 1 1,0-18 0,0 18-1,0 17 1,0-17-1,0 17 1,0 1 0,-18-1 109,1 18-47,-19 0-78,19 0 15,-19 0-15,1 0 16,0 0 0,-36 0-1,-35 0 1,1 0 0,-37 0-1,19 0 16,-18 0-15,53 0-16,-89 0 16,107 0-16,-18 0 15,-54 0 1,1 0 0,18 0-1,-1 0 1,1 0-1,-18 0 1,17 0 0,-17 35-1,18-35 1,17 0 0,71 0-16,-18 0 15,17 0 1,19 0-1,-19 0 1,1 0 0</inkml:trace>
+  <inkml:trace contextRef="#ctx0" brushRef="#br0" timeOffset="64296.9935">8502 15575 0,'-18'0'47,"1"0"-47,-19 0 15,1 0 1,-35 0 0,-19 0-1,36-53 1,-17 36-1,-18-54 1,17 36 0,-17-18-1,35 18 1,18-1 0,17 1-1,0-18 1,-34 0 15,34 0-15,0 36-1,18-19 1,-35 1 0,35 17-1,-18 1 1,1-36-1,17 0 1,-18 18 0,18-18-1,-35 0 1,35-35 0,0 35-1,0 17 1,-18-52 15,18 53-15,18 17-1,-18 1 1,17-1 0,-17-35-1,36 18 1,17-36-1,52-87 1,1 52 0,-17 18-1,-1 17 1,-18 18 0,18 0-1,1 18 1,-1 0 15,53 35-15,-18 0-1,19 17 1,-54 1 0,18 52-1,-89-52 1,71 53-1,-17-1 1,17 36 0,0 17-1,-17 1 1,-18-18 0,0-18-1,-36-17 1,1-1 15,-18 18-15,0 36-1,0-18 1,-18-18 0,-17 0-1,0-17 1,17-19-1,-17-16 1,17-19 0,1-17-1,-19 0 1,19 0 0,-36-35-1,0-18-15</inkml:trace>
+  <inkml:trace contextRef="#ctx0" brushRef="#br0" timeOffset="67515.7423">5715 13088 0,'-18'0'15,"1"0"1,-1 18-16,0-1 47,-34 1-31,34 0-1,0-1-15,-52 54 16,-18 70 15,-18 0-15,17 0-1,54-70-15,-18 52 16,18-70-16,0 0 16,17 35-1,0 0 1,-17 18-1,35-18 1,0 1 0,0-1-1,0 35 1,0-35 0,35 18-1,1 18 1,-19-89-1,19 71 1,-19-71-16,19 36 16,-1-1-1,35 18 1,-17 1 0,36-72-1,-1 19 1,18 17-1,52-18 1,19 0 0,34-17-1,-105-1-15,141 1 16,-106 17 0,0-17-16,177 17 15,-18 0 1,105-35 15,36 0-15,18 0-1,-18 0 1,0 0 0,-88 0-1,-106 0 1,0 0-1,-36 0 1,-123 0-16,142 0 16,-124-17-1,-36 17-15,54 0 16,17 0 0,-35 0-1,52 0 1,1 0 15,88 0-15,70 0-1,1 0 1,-18-35 0,0-18-1,-159 35-15,123 18 16,-158-18-16,0 18 15,159 0 1,-36 0 0,-35-35-1,-18 17 1,-87-17 0,-19 18-1,1-19 1,35 1 15,17-18-15,-35 18-1,-35 35-15,35-71 16,-52 36-16,17 0 16,-1-36-1,37-35 1,-1-17-1,-18-18 1,1-18 0,-36 0-1,0 53 1,-35 18 0,0 0-1,0 17 1,0 36-1,0-18 1,0 36-16,0-1 31,-17-17-15,-1 17 0,1 0-1,-54-52 1,-17-18-1,-18-1 1,18 19 0,17 17-1,1 18 1,34 17-16,-34-35 16,17 0-1,18 36-15,-142-54 16,36 53 15,18 1-15,-36-1-1,-17-17 1,17 17 0,35 1-1,-17 17 1,-53-53-1,-70 53 1,105 0-16,-194 0 16,177 0-1,17 0-15,-123 0 16,52 0 0,19 0-1,-36 0 1,-35 0 15,17 0-15,-35 0-1,18 0 1,53 0 0,70 0-1,71 0-15,-89 0 16,71 0-16,1 0 15,-142 0 1,53 0 0,17 0-1,18 0 1,54 0 0,-36 0-1,17 0 1,-105 0 15,35 0-15,17 0-1,72 0-15,-54 0 16,88 0-16,-17 0 16,-106 0-1,-35 0 1,17 0-1,18 0 1,35 0 0,0 0-1,36 0 1,0 0 0,-1 0-1,-17 0 1,0 0 15,70 0-15,54 0-1,-19 0 1,19-18 93</inkml:trace>
+  <inkml:trace contextRef="#ctx0" brushRef="#br0" timeOffset="69656.2597">14164 13229 0,'18'-17'125,"17"-36"-109,0 35-16,53-35 16,106-70-1,142-36 1,122 35 0,71-34-1,71 52 1,300-35 15,-459 88-15,35 0-1,53 53 1,-53 0 0,-35 0-1,-123 0 1,-177-18-1,-71 1 1,-52 17 187</inkml:trace>
+  <inkml:trace contextRef="#ctx0" brushRef="#br0" timeOffset="71078.2349">19897 11959 0,'17'0'125,"19"18"-109,-19-18-16,18 0 16,36 35-1,17 0 1,-35-17 0,0 17-1,-18-35 63,-17 18-62,0-18 15,-1 18 32,1-1-32,-18 1-15,-18 17-1,1-17-15,-1-1 16,-35 54-1,0-18 1,18 35 0,-18-35-1,18-18 1,35-17 0,-36 35-1,19-36 1,17 1 15,-18 0-15,18 17-1,0-17 17,-18-1 93</inkml:trace>
+  <inkml:trace contextRef="#ctx0" brushRef="#br0" timeOffset="72968.8713">19015 7602 0,'17'0'110,"19"0"-79,-1 0-31,-17 0 15,17 0-15,-18 0 16,72-17 0,-19 17-1,-17-18 1,18 18 0,-1 0-1,-34-18 1,34 18 15,-17 0-31,0 0 16,-18 0-16,0 0 15,36-35 1,-18 18 0,-18 17-1,0 0 1,18 0-1,-35 0 1,0 0 0,35 0-1,-18 0 1,18 0 0,-36 0-16,54 0 15,-53 0 1,-1 0-16,36 0 15,-18 0 17,18 0-17,-17 0 1,-1 0 0,0 0-1,18 0 1,-35 0-1,-1 0 1,1 0 0,0 0-1,-1 0 1,1-18 0,0 36 187</inkml:trace>
+  <inkml:trace contextRef="#ctx0" brushRef="#br0" timeOffset="74203.2427">22754 8326 0,'0'0'0,"0"17"31,0 18-31,0-17 16,0 0-1,0 52 1,18 18-1,17-52 1,0 87 0,1-87-1,-1-19 1,18-17 0,17 0-1,36-53 1,-53-17-1,18-89 17,-18-17-17,-36 87 1,-17 36 0,0 71 62,0 17-63,0 18-15,18 53 16,0 0 0,34-18-1,-34-53 1,17-35 15,-17 0-15,0 0-1,35 0 1,-36 0-16,1-17 16,-1-1-16,-17 0 15,18 1 1,0-18-1,-1 17-15</inkml:trace>
+  <inkml:trace contextRef="#ctx0" brushRef="#br0" timeOffset="83734.4917">19526 7655 0,'-17'0'16,"-1"0"-1,-17 0-15,-1-17 16,19 17-1,-54-36 17,18 1-17,-17-35 1,34 34-16,1 1 16,18 17-16,-19-17 15,1-18 1,0 18-1,-1-18 1,1-18 0,18 36-1,-1 0 1,-17-71 0,17 71-1,18-36 1,0 18-1,0 18 1,0-36 0,0 54-16,0-18 15,0-18 1,0-18 0,18 0-1,35-17 1,-18 53-1,18-53 1,-18 53 0,0-18-1,18-18 1,0 36 0,18-18-1,17 18 1,-70 17-1,87-17 17,-69 35-17,-1-18 1,53 0 0,-70 18-1,70 0 1,-18 0-1,19 0 1,-1 0 0,-53 0-16,18 0 15,-35 0 1,35 0-16,-18 0 16,53 53-1,-35-35 1,0 35-1,0-18 17,35 18-17,-53-18 1,18 18 0,0 0-1,0 0 1,-35-35-16,-18 17 15,35 0-15,-17-17 16,-1 17 0,-17 0-1,0 36 1,0-36 0,0 36-1,0-18 1,0 35-1,-35-35 17,0 0-17,17 17 1,-52 36 0,17 0-1,17-71 1,19 18-1,-19-18 1,1 1 0,17-19-1,-34 36 1,16-17 0,-34-1-1,-18 18 1,52-53-1,1 17 1,0 1 0,17-18-16,0 0 15,-17 35 1,0-35 0,17 0-1,1 18 1,-1-18-1,-35 0 1,35 18 0,-52-1-1,35 1 1,-1 0 0,19-1-16,-54 1 15,53-18 1,-17 17-16,-53-17 15,35 36 17,18-36-17,0 0 1,17 0 0,0 0-1</inkml:trace>
+  <inkml:trace contextRef="#ctx0" brushRef="#br0" timeOffset="89421.9864">20355 7743 0,'36'0'0,"-19"0"31,1 0-15,-1 0-1,19 0 1,-19 0-1,36 0 1,71-17 0,140-36-1,1 18 1,17-18 0,106 35-1,-35 0 1,-36 18-1,-34 0 17,-19 0-17,-34 0 1,17 0 0,-18 0-1,88 0 1,142 0-1,-89 71 1,-34 0 0,-1 17-1,-71-35 1,18 17 0,-17 1-1,-36-54 1,-35 1-1,-17 35 17,-18-35-17,-36-1 1,106 19 0,-105-19-1,-18-17 1,-18 0-1,-35 0 1,-36 0 0,1 0-1,0 18 32</inkml:trace>
+  <inkml:trace contextRef="#ctx0" brushRef="#br0" timeOffset="92984.3851">5944 17445 0,'-17'35'78,"-1"-17"-78,-17-1 16,-1 1-1,-52 17 1,35-17-1,18-18-15,-53 18 16,70-18-16,-35 0 16,-35 0-1,0 0 1,-18 0 0,0 0-1,18-36 1,0 1-1,17-18 17,36 18-17,-36-18 1,19 0 0,16 18-16,-17-36 15,18 18-15,17 18 16,-17-53-1,18-18 1,17 18 0,0 0-1,0-18 1,0 18 0,0-1-1,17 19 1,18-1-1,36 1 17,-53 34-32,35 1 15,-18 17-15,35-17 16,-17 0 0,53-18-1,-35 35 1,17 18-1,35-17 1,36 17 0,-35 0-1,-36 0 1,35 53 0,18 17-1,-52-17-15,87 35 16,-88-17-1,0-36-15,36 36 32,-54-1-17,-34 1 1,-19-1 0,-17 19-1,18-1 1,-18 18-1,0-1 1,0 1 0,0 0-1,0-71-15,0 36 16,0-53 0,0-1-16,-35 18 15,17 1 1,0-19-1,1 19 1,-1-19 15,0 1-15,18-53 62,71-36-62,0 36-1</inkml:trace>
+  <inkml:trace contextRef="#ctx0" brushRef="#br0" timeOffset="94968.8714">6809 17515 0,'17'0'94,"19"0"-94,-1 0 15,0 0-15,18 0 16,0 0 0,35 0-1,-35 0-15,35 0 16,-53 0-1,1 0-15,17 0 32,0 0-17,-18-35 1,18 0 0,-36 0-1,19-1 1,-1-70-1,-17 54 1,-1-19 0,1 18-1,-18 18-15,35 0 16,-35 17 0,0-35-1,0 18-15,0-36 16,0-17-1,0-18 17,-17 0-17,-1 53 1,-35-35 0,35 18-1,1 52 1,-1-53-1,-17 36-15,0 0 16,17 17 0,-17-17-1,17 17-15,-17-17 32,17 35-32,0 0 15,1 0 1,-36 0-1,35 0 1,-52 0 15,34 0-15,-34 0 0,52 0-16,-35 0 15,36 0-15,-1 18 16,-17-18-1,-1 17 1,19 1 0,-89 35-1,18 17 1,35-34 0,18 17-1,-36 17 1,36-17-1,-1 0 1,1-18 0,18 18-1,-19 0-15,19-35 16,-36 52 0,17-17-1,36 0 1,0 0-1,-17 0 1,17 18 0,0 17-1,0 18 1,0-18 0,35 0-1,18 35 1,18-52-1,-19-36 1,-16-35 15,34 36-15,-52-36 0,35 0-1,0 0 1,0 0-1,0 0 1,-18 0 0,-17 0-1,17 0-15,-18 0 32,1-36 171</inkml:trace>
+  <inkml:trace contextRef="#ctx0" brushRef="#br0" timeOffset="96671.9561">9719 17410 0,'0'0'0,"-18"0"15,-35 17 1,18-17 0,-35 18-1,-1-18 1,36 0-1,-18 0 1,18 0 15,-18 0-15,-18 0 0,36 0-1,-18-53 1,0 0-1,-18-18 1,-17-52 0,53 17-1,0 36-15,35-19 16,0 54 0,0-18-16,0 0 15,0-35 1,0 0-1,0-36 1,17 72 15,19-37-15,-1 1 0,18 18-1,0 17 1,17-18-1,36 1 1,-18 17 0,-17 53-1,17-18 1,18 18 0,0 0-1,-36 0 1,-34 18-1,-1 17 1,-18 18 15,1 53-15,35 17 0,-18 71-1,18-70 1,-53-71-1,0-1 1,18 1 0,-18-17-1,0 17 1,0-18 0,0 18-1,0 17 1,0-52-1,0 0 1,18-1 15,17-17-15,0 0 0,141 0-1,36 0 1,-18 53-1,-53-18 1,-53 18 0,-52-17-1,-19-19 1,1 1 0,-18 0-1,18 17 1,-1 0-1,-17-17 1,0-1 31,0 1-16,-17 17-31</inkml:trace>
+  <inkml:trace contextRef="#ctx0" brushRef="#br0" timeOffset="97109.3711">10707 17551 0,'17'17'15,"1"-17"16,17 0-15,-17 0-16,0 0 31,35 0-31,-1 0 16,19 0 0,-18 0-1,-35-17 63</inkml:trace>
+  <inkml:trace contextRef="#ctx0" brushRef="#br0" timeOffset="99218.8683">6262 11642 0,'0'17'0,"0"1"31,0 0-31,0 35 16,-18 70-1,-17-35-15,0 106 16,35-88-1,0-18-15,-53 53 16,53-17 15,0-89-15,0-17 0,17-1 15,36-17-16,-17 0-15,34 0 16,71-35 0,0 17-1,53 1 1,-105 17 0,-37 0-1,-34 0 1,0 0-1,17 0 17,-17-18-17,-1 1 1,-17-1 0,18-17-1,0 17 1,17-123-1,-35-159 1,0 71 0,0 123-1,0 53 1,0 35 0,-18 1 46,-35 17-46,-17 0-1,-36 0 1,-106 0 0,-141 0-1,265 0 1</inkml:trace>
+  <inkml:trace contextRef="#ctx0" brushRef="#br0" timeOffset="100328.2419">7585 11712 0,'0'18'31,"0"17"-15,0-17 0,0 70-1,-53 88 1,35-35-1,1-35 1,17-18 15,0 1-15,0-19 0,0-34-1,0 16 1,35 1-1,-18-53 17,1 0-17,17 0-15,54 0 16,87 0 0,124 0-1,17 0 1,-52 0-1,-124-17 1,-106-19 15,-17 19 32,-18-36-48,0 0 1,18-35-16,-18 0 16,17-36-1,1 36-15,17-36 16,-35 54 0,0 35-1,0-1 1,-18 19 78,-52 17-79,-54 0-15,-34 0 16,-195 0-1,88-36 1,107 19 0,122-1-1,19 1 1</inkml:trace>
+  <inkml:trace contextRef="#ctx0" brushRef="#br0" timeOffset="101437.6177">9878 11677 0,'-18'18'16,"18"35"-1,-53-1 1,36 19-1,-1 17 1,18 53 15,-35 18-15,-1 35 0,19-35-1,17 17 1,-36-70-1,36-35 1,18-54 31,0-17-47,123-17 16,18-1-1,52 0 1,124 18-1,-35 0 1,-70 0 15,-142 0-15,-35-35 0,-53 17 46,0 1-62,0-19 16,0 1-1,0-18-15,35-123 16,-17-36 0,-18 71-1,0 53 1,0 53-1,0 17 1,-18 0 93,-17 18-93,-36-35-16,-17 17 16,-124-17-1,1-35 1,17-1 0,105 53-1</inkml:trace>
+  <inkml:trace contextRef="#ctx0" brushRef="#br0" timeOffset="103187.5371">4022 11465 0,'-18'-17'93,"36"17"-77,-1-18-16,1 0 16,35-35-16,0 36 15,53-124 1,-18 17-1,88 18 1,-105 53 0,105-35-1,-105 35-15,-18 36 16,105-19 0,-69 36-1,16 0 1,54 0-1,0 0 1,35 71 0,-18-36-1,-17 18 1,-53 0 0,-53 0-1,35 0 1,-35-18-1,17 36 1,-52-54 15,0 72-15,-1-36 0,36 70-1,-53-70 1,18-35-1,0-1 1,-18 18 0</inkml:trace>
+  <inkml:trace contextRef="#ctx0" brushRef="#br0" timeOffset="103890.7433">6156 10213 0,'0'18'0,"0"17"16,0 18 0,0-18-16,0 18 15,0 123 1,0-123-16,-35 106 15,35-106 1,-18-35-16,18 52 31,0-52-15,18-1 0,17-17 30,0 0-30,-17-17-16,52 17 16,1-18-1,0 18 1,-36 0-16,-18-18 16,1 18-1</inkml:trace>
+  <inkml:trace contextRef="#ctx0" brushRef="#br0" timeOffset="104812.6174">6773 10495 0,'36'0'63,"-19"0"-47,1 0-1,35 35 1,-36-17-1,1 0 1,0 17 0,-18 36-1,0-36 1,0 18 0,0-18-1,-53 18 1,35-35 15,36-1 125,-1-17-156,19 0 16,-1 0-16,0 0 16,71 18-1,-71-18 1,-17 0-16,0 17 15,-1-17 32,19 0-31,-19 0 0,1 0 15</inkml:trace>
+  <inkml:trace contextRef="#ctx0" brushRef="#br0" timeOffset="106718.8683">4092 11430 0,'18'-18'187,"-18"1"-156,0-1-31,18-17 16,-18 17-16,17-35 16,36-106-1,18-87 1,-71 140-16,88-159 16,-35 177-1,17-53-15,89-88 16,17 17-1,71-17 1,18 52 15,-53 1-15,87 17 0,19 36-1,70-1 1,-18 36-1,54 35 1,-213 18-16,230-18 16,-211 53-1,-36 0-15,211 0 16,1 0 0,17 0-1,-17 0 1,-35 0-1,-19 0 1,1 0 15,0 0-15,17 0 0,18 70-1,-158-52-15,246 53 16,-194-36-16,-17 18 15,299 35 1,-88-18 0,-52-17-1,-71 36 1,-1-1 0,-17 18-1,-70-18 1,-71 18-1,-88-53 1,0 52 15,-71-52-31,124 106 16,-89-88-16,36 17 16,18 35-1,-54-52 1,-17-18-1,-18 0 1,1 88 0,-1-35-1,71 35 1,-71-18 0,-17-52-1,-18-36 1,0 0-16,-71-35 156,-17-17-140</inkml:trace>
+  <inkml:trace contextRef="#ctx0" brushRef="#br0" timeOffset="107468.8715">16581 10548 0,'0'35'15,"35"1"1,-18-19-1,54 54 1,-36-54-16,36 19 16,-36-1-1,18 0-15,-18 1 16,1-19 0,-1 1-1,18-1 1,-36-17-1,36 0 1,-17 0 15,-19 0-15,36 0 0,-18 0-1,1-17-15,34-36 16,-34 18-16,-1-1 15,71-122 1,-36 87 0,-52 36-1,-18 17 1,18 1 0</inkml:trace>
+  <inkml:trace contextRef="#ctx0" brushRef="#br0" timeOffset="110624.9962">12488 8220 0,'18'-18'46,"17"18"-30,-17 0 0,0-18-16,34 18 15,19-17 1,-18 17 0,0 0-1,-18 0 1,-17 0-1</inkml:trace>
+  <inkml:trace contextRef="#ctx0" brushRef="#br0" timeOffset="110968.7461">12718 8343 0,'0'0'0,"0"35"0,0 1 15,0 34 1,0-34-1,0 16 1,0-34 15,0 0-15,0 17 15,-18-17-15,0-1-1,-17 19 1,0-19-16</inkml:trace>
+  <inkml:trace contextRef="#ctx0" brushRef="#br0" timeOffset="111390.7578">12577 8802 0,'35'17'15,"0"1"-15,-17-18 16,70 0-1,-35 0 1,-18 0 0,-17 0-1,35 0 1,-36 0 0,1 0 30,0-18-30</inkml:trace>
+  <inkml:trace contextRef="#ctx0" brushRef="#br0" timeOffset="111906.367">13353 8114 0,'0'18'31,"0"17"-31,0 0 16,0 0-1,0 54 1,0 52-1,0-18 1,0-17 0,0-35-1,0-1 1,0 1 0,-18-36-1,18-17 16</inkml:trace>
+  <inkml:trace contextRef="#ctx0" brushRef="#br0" timeOffset="112890.6493">13353 8132 0,'0'0'0,"17"-18"15,1 18 32,17 0-15,-17 0-32,-1 0 15,1 0 1,17 18-1,-17-1 1,0 1 0,-1-1-1,1 19 1,-18-19 15,0 1-15,0 17-1,0-17 1,0 0 0,0-1-1,0 18 1,-18-17 0,-35 35-1,18-35 1,-18 17-1,36-17 1,-19-18 62,19 17-78</inkml:trace>
+</inkml:ink>
+</file>
+
+<file path=ppt/ink/ink4.xml><?xml version="1.0" encoding="utf-8"?>
+<inkml:ink xmlns:inkml="http://www.w3.org/2003/InkML">
+  <inkml:definitions>
+    <inkml:context xml:id="ctx0">
+      <inkml:inkSource xml:id="inkSrc0">
+        <inkml:traceFormat>
+          <inkml:channel name="X" type="integer" max="1920" units="cm"/>
+          <inkml:channel name="Y" type="integer" max="1080" units="cm"/>
+          <inkml:channel name="T" type="integer" max="2.14748E9" units="dev"/>
+        </inkml:traceFormat>
+        <inkml:channelProperties>
+          <inkml:channelProperty channel="X" name="resolution" value="36.15819" units="1/cm"/>
+          <inkml:channelProperty channel="Y" name="resolution" value="36.24161" units="1/cm"/>
+          <inkml:channelProperty channel="T" name="resolution" value="1" units="1/dev"/>
+        </inkml:channelProperties>
+      </inkml:inkSource>
+      <inkml:timestamp xml:id="ts0" timeString="2024-03-25T04:58:32.652"/>
+    </inkml:context>
+    <inkml:brush xml:id="br0">
+      <inkml:brushProperty name="width" value="0.05292" units="cm"/>
+      <inkml:brushProperty name="height" value="0.05292" units="cm"/>
+      <inkml:brushProperty name="color" value="#FF0000"/>
+    </inkml:brush>
+  </inkml:definitions>
+  <inkml:trace contextRef="#ctx0" brushRef="#br0">5045 7056 0,'-18'17'78,"36"-17"-78,17 35 15,18-35-15,35 36 16,-17-19 0,158 54-1,18-18 1,0-18-1,-35-17 1,-36-18 0,-88 0-1,-70 0 1,17 0 140,0-18-140,1-17-16,-1 17 15,0 1 1,71-54 0,-35 53-1,-36 18 1,-18-17-16</inkml:trace>
+  <inkml:trace contextRef="#ctx0" brushRef="#br0" timeOffset="1390.6247">6967 7108 0,'18'0'31,"17"0"-15,-17 0 0,141 0-1,88 18 1,35 17 0,-18 18-1,-70-35 1,-35 0-1,-71-18 1,1 0 0,-19 0-1,-52 0 17,35 0-17,-36 0 1,1-18 31,-18 0-16,0 1-31,0-19 16,0-105-1,18-35 1,-1 17-1,19 53 1,-36 0 0,0 54-16,0-37 15,0 54 1,0-18 0,0 0-1,0 0 1,0 36-1,-18-1 17,0 0 15,-35-17-32,-35 0-15,18 17 16,-36-17-16,-141-18 15,141 18 1,18-1-16,-124-16 16,36 16-1,35 36 17,-18 0-17,18 0 1,-18 0-1,71 0 1,35 0 0,35 0-1,1 0 32,-1 18-47,18 0 31,0-1-31,-53 107 16,18 34 0,17 72-1,-52 34 17,52-34-17,-17-89 1,17-71-1,36-34 1,-1-19-16,1 18 16,0-17-16,17 17 31,-35-17-31,18 17 16,-1-35 93,-17-35-93,18-18-16,35 0 15</inkml:trace>
+  <inkml:trace contextRef="#ctx0" brushRef="#br0" timeOffset="2812.5049">14429 7197 0,'17'0'16,"19"0"-1,-19 0-15,71 0 16,71 0 0,17 0-1,1-36 17,52 1-17,-52 0 1,-36 17-1,-71 1 1,-17-19-16,0 1 16,-18 17-16,36-35 15,17-35 1,0-35 0,0-18-1,-52 0 1,17-1-1,-53 1 1,0 35 0,0 36-1,-36 35 17,1 17-17,17 18-15,-34 0 16,16 0-16,1 0 15,-53 0 1,-36 0 0,-34 0-1,-1 0 1,-35 35 0,35 1-1,0-1 1,18 18-1,71-18 1,-36 18 0,71-35-16,-54 52 15,72-52 1,-19 52 0,-34 19-1,52-1 1,-17 0-1,17 0 1,1-17 0,17-1-1,0-52 1,0 0 0</inkml:trace>
+  <inkml:trace contextRef="#ctx0" brushRef="#br0" timeOffset="3984.3739">14799 5874 0,'0'-18'110,"0"0"-95,0-17-15,0 0 16,0 17-1,-35-70-15,-106-88 16,-106-18 0,-18 17-1,-123 1 17,0 52-17,194 71-15,-159-17 16,142 17-16,69 35 15,-122 1 1,-54 17 0,36 0-1,18 0 1,34 0 0,1 0-1,0 35 1,-18 0-1,17 36 1,-34-1 0,-124 72-1,70-1 17,1-18-17,-36 54 1,53-36-1,71-53 1,70 18 0,88-53-1,36-18 1,18 18 0,-1-36 30,53-34 64,-17-1-95,-1 0 1,1-17 0,0 0-1,17 0-15,-17-1 16,-1 19-16</inkml:trace>
+  <inkml:trace contextRef="#ctx0" brushRef="#br0" timeOffset="4953.0491">8202 5098 0,'-18'17'110,"-17"36"-95,0 18-15,17-36 16,-35 53-16,-35 71 16,53-71-1,0 0 17,17-52-17,36-19 188,-1-17-187,71 18-16,1 17 16,-19-35-1,124 18 1,0 52-1,-70-70 1,-71 18 0,-18-18 62</inkml:trace>
+  <inkml:trace contextRef="#ctx0" brushRef="#br0" timeOffset="40234.3851">18556 8008 0,'18'0'47,"35"0"-31,35-18-16,18 18 15,158 0 1,54 0 0,-142 0-16,195 0 15,-160 0 1,-17 0-16,230 0 16,-19 0 15,1 0-16,-18 0 1,-35 0 0,-53 0-1,-53 0 1,0 0 0,-36 0-1,36 0 1,-159 0-16,159 0 15,-158 0 1,16 0-16,72 0 16,17 0-1,-18 0 1,1 0 0,-1 0 15,18 0-16,53 0 1,-53 0 0,0 0-1,-35 0 1,-89 0-16,54 0 16,-71 0-16,17 0 15,89 0 1,-53-17-1,53 17 1,-36 0 0,18 0-1,-17 0 1,17 0 0,-18 0 15,36 0-16,-36 0 1,-52 0-16,105 0 16,-87 0-16,-1 0 15,71 0 1,-1 0 0,-17 0-1,18 0 1,-53 0-1,35 0 1,-35 0 0,-18 0-1,0 0 1,0 0 0,-70 0-1,53 0 1,-54 0-16,19 0 15,-1 0 1,-17 0 0,17 0-1,-18 0 1,1-18 0,0 18-1</inkml:trace>
+</inkml:ink>
+</file>
+
+<file path=ppt/ink/ink5.xml><?xml version="1.0" encoding="utf-8"?>
+<inkml:ink xmlns:inkml="http://www.w3.org/2003/InkML">
+  <inkml:definitions>
+    <inkml:context xml:id="ctx0">
+      <inkml:inkSource xml:id="inkSrc0">
+        <inkml:traceFormat>
+          <inkml:channel name="X" type="integer" max="1920" units="cm"/>
+          <inkml:channel name="Y" type="integer" max="1080" units="cm"/>
+          <inkml:channel name="T" type="integer" max="2.14748E9" units="dev"/>
+        </inkml:traceFormat>
+        <inkml:channelProperties>
+          <inkml:channelProperty channel="X" name="resolution" value="36.15819" units="1/cm"/>
+          <inkml:channelProperty channel="Y" name="resolution" value="36.24161" units="1/cm"/>
+          <inkml:channelProperty channel="T" name="resolution" value="1" units="1/dev"/>
+        </inkml:channelProperties>
+      </inkml:inkSource>
+      <inkml:timestamp xml:id="ts0" timeString="2024-03-25T05:01:58.886"/>
+    </inkml:context>
+    <inkml:brush xml:id="br0">
+      <inkml:brushProperty name="width" value="0.05292" units="cm"/>
+      <inkml:brushProperty name="height" value="0.05292" units="cm"/>
+      <inkml:brushProperty name="color" value="#FF0000"/>
+    </inkml:brush>
+  </inkml:definitions>
+  <inkml:trace contextRef="#ctx0" brushRef="#br0">20038 10760 0,'35'-36'62,"-17"36"-62,70 0 16,88-17 0,124 17-1,88 0 1,71 0 0,105 0-1,1 0 1,52 0-1,0 0 1,-87 0 0,-54 0-1,-18 0 1,-264 0-16,142 0 16,-213 0-1,-35 0 1,71 0-1,-53 0 1,-18 17 0,71 19-1,105 34 1,107 1 0,34-18-1,36 17 1,-88-17-1,-106-35 1,-159-1-16,18 1 16,-88-18 77,-1 18 1,-17-1-78,18 19-16,-18-1 15,0 18-15,18 70 16,17 89 0,0 35-1,-35 18 1,18-1 0,17-105 15,-17-53-16,-18-36 1,0-34 0,0 16-1,0-34-15,0 0 16,0-1-16,0 19 16,-18-19-1,1 1 63,-36-18-62,0 0 0,-18 18-16,-17-1 15,-88 19 1,-177-36-1,176 0-15,-193 0 16,229 0-16,-18 0 16,-123 0-1,35 17 1,35 1 0,-52 35-1,-18-36 1,-54-17-1,89 0 1,71 0 0,0 0-1,-18 0 1,88 0-16,-123 0 16,123 0-1,0 0 1,-123 0-1,-18 0 1,-18 0 0,0 0-1,19 18 1,16 0 0,1 35-1,-18-36 1,0 1-1,35-18 1,124 0-16,-53 0 16,53 0-1,17 0-15,-70 0 16,18 0 0,-54 0 15,-34 17-16,-1 1 1,18-18 0,35 0-1,89 0 1,34 0 0,19 0 15,-1 0-31,-52-18 15,-1 18 1,53-17 0,-17 17 15,0 0-31,-53-18 16,35-17 15,17 17-16,19 1 1,-1-36 0,18 35-1,0-158 1,-70-89 0,52-52-1,18-71 1,0 52-1,0 19 1,0 35 0,18 70-1,34 53 1,-16 36 0,-1 35 15,-17 35-31,-18 35 15,17 0-15,1-35 0,-18 36 16,35-36 0,-17 18-1,-1-18 1,1 17 0,0 36 93,-1 0-93</inkml:trace>
+  <inkml:trace contextRef="#ctx0" brushRef="#br0" timeOffset="1656.366">20902 13406 0,'-35'0'31,"0"0"-31,-18 0 16,17 0-16,-34 0 16,-89-71-1,-53-70 1,36 0 0,0-36 15,34 1-16,107 105-15,18-158 16,17 106-16,0-1 16,0-70-1,52 18 1,19 17 0,-18-17-1,0 35 1,35-1-1,18 1 1,0 0 0,17 71-1,-52 34 1,-36 19-16,71-1 16,-53 0-1,-18 1 1,106 17-1,-53 0 1,18 0 0,35 35-1,53 0 1,-17 54 0,-1 52-1,-52-36 1,52 54-1,-70-35 1,35 123 0,-71-71-1,1-17 1,-18 0 0,-35-1-1,17-34 16,-18-18-15,-17 17 0,0-17-1,-17 0 1,-36 35 0,-71-18-1,19-87-15,-89 87 16,123-88-1,-35 18-15,-70-17 16,-1 16 0,36-34-1,18 0 1,-18-18 0,35 0 15,18 0-16,17 0 1,-35-18 0,89 0-1,-1 1 1,18-54 0,0-35-1,53 18-15</inkml:trace>
+  <inkml:trace contextRef="#ctx0" brushRef="#br0" timeOffset="3172.0005">23865 13282 0,'0'0'0,"-17"0"16,-1 0-16,-35 0 15,-35 0 1,70 0-16,-70 0 16,53 0-1,-18 0-15,-88-18 16,0-17 0,35-53-1,-35 0 16,53 0-15,17 17 0,18 0-1,-17-70 1,34-35 0,-52-18-1,18-141 1,70 194-1,0 0 1,35 17 0,53-70-1,-35 71 1,70-19 0,-17 37 15,18 16-16,-36 19 1,0 52 0,-35-17-1,53 17 1,-36 18 0,36 0-1,35 0 1,-35 0-1,0 36 1,18 17 0,-19 35-1,-16 0 1,-1 71 0,35 17-1,-17 36 16,-71-124-31,18 88 16,-17-87-16,-1 16 16,18 54-1,-36-53 1,1 0 0,-18-18-1,0-17 1,0 34-1,-35 19 1,-36-1 0,-17-17-1,17-53 1,19-18-16,-1 1 16,35-19-1,0 1-15,1 0 31,-1-18-15,-35 17 0,35-17-1,-34 18 1,34-18 0,0 0-1,-17 0 1,17 0-16</inkml:trace>
+  <inkml:trace contextRef="#ctx0" brushRef="#br0" timeOffset="4640.7418">25929 13106 0,'-17'17'31,"-1"-17"-15,0 0 0,-17 0-1,-53 0 1,-53 0 0,35-35-1,0-18 1,35 18-1,-17-36 1,0-17 0,53 0-1,-53 0 1,35-18 0,17-35-1,-17-36 16,18-70-15,35 106 0,0 0-1,0 0 1,71 0 0,-18 0-1,0 17 1,17 19-1,1-19 1,-36 71 0,36-53-1,-19 36 1,72-18 0,-54 52-1,1-17 16,-18 36-15,0 17 0,-18-18-1,36 18 1,-54 0 0,36 0-1,-35 0 1,70 53-1,18 35 1,176 159 0,-123-53-1,0 0 1,-18-35 0,-71-53-1,-17 53 16,-35-36-15,35 1 0,-36 17-1,1 17 1,-18 19 0,0-1-1,0-88-15,-35 53 16,17-52-1,-17-36-15,-53 88 16,17-71 0,1 1-1,-1-36 1,36-17 0,-1-18 30,19-18 33,52-17-79,-17 17 15</inkml:trace>
+  <inkml:trace contextRef="#ctx0" brushRef="#br0" timeOffset="5984.4972">28258 12982 0,'-36'0'78,"-34"0"-63,17 0 1,17 0-16,-16 0 16,-37 0-1,1-17 1,18-36 0,17 17-1,-53-69 1,0-37-1,18-69 1,0-124 0,52 88-1,19 0 1,17 0 0,70-35-1,89-1 16,-18 89-15,-17 71 0,-1 35-1,1 52 1,17-17 0,-35 36-1,52-1 1,-122 18-1,16 0 1,-34 0 0,88 124-1,0 70 1,17 17 0,-17 1-1,-35 0 16,-18-54-15,-36-87 0,-17 17-1,35 71 1,-35-36 0,0 19-1,0-1 1,0-18-1,0-70 1,-17 0 0,-1 17-1,1-34 1,-19-1 0,19 0-1,17 1 16,-36 87-15,-87 36 0,17 0-1,-70 70 1,35-88 0,-1-18-1,1 1 1,53-71-1,-18-18 1,18-53 0,88-87-1</inkml:trace>
+  <inkml:trace contextRef="#ctx0" brushRef="#br0" timeOffset="7375.1154">20302 10495 0,'0'71'47,"0"-1"-47,0 18 15,36 18 1,-19 88 0,1-35-1,17-18 1,-17-53 0,-1-70-1,1 0 1,35-54 31,-18-34-32,1-1-15,69-123 16,-16-53 0,16 18-1,-16 53 16,-36 52-15,-53 89 0</inkml:trace>
+  <inkml:trace contextRef="#ctx0" brushRef="#br0" timeOffset="10547.0007">24289 12876 0,'-18'18'16,"-17"0"-1,-71 17 1,-35 36 0,0 34-1,17-34 1,1-18 0,17-18-1,18-17 1,53-18-1,-54 0 1,-52 0 0,71-36-16,-107-87 15,89 35 1,18 17-16,-72-88 16,54-70-1,35 70 16,18 18-15,17-17 0,1 52-1,17-35 1,0 17 0,53-35-1,0 36 1,-1 35-16,54-71 15,-35 106 1,-36 0-16,106-35 16,-17 0-1,-1 70 1,-17-35 0,35 36-1,-17-1 16,-36 18-15,-18 0 0,36 70-1,18 36 1,-54-53-16,107 71 16,-54-54-16,-35-34 15,53 87 1,-52-35-1,-19 0 1,-52-52 0,-18 52-1,17 53 1,19-18 0,-36 36-1,0 0 16,0-53-15,0-53-16,-36 70 16,36-52-16,-17-54 15,-18 89 1,-1-35 0,19-54-1</inkml:trace>
+  <inkml:trace contextRef="#ctx0" brushRef="#br0" timeOffset="11921.997">23442 10266 0,'0'17'32,"0"1"-1,0 35-31,0-35 16,0 105-1,0 54 1,0-36-1,18 17 1,17-34 0,-17-54-1,-1-34 1,-17-1 0,0-17 15,18-1 0,0-17-15,17-17-1,53-125 1,35-87 0,89-71-1,0-17 1,-36 52-1</inkml:trace>
+  <inkml:trace contextRef="#ctx0" brushRef="#br0" timeOffset="14328.1251">26458 11165 0,'0'0'0,"53"36"0,35 17 15,-70-36-15,88 54 31,-18 52-15,-17-35 0,-18 1-1,-36-36 1,19 17 0,-1-17-1,0 71 1,-17-89-16,17 106 15,-17-106 1,-1 53-16,1 1 16,17-1-1,-35 35 1,0 1 0,0 34-1,0-16 16,-17-54-15,-19 53 0,-17-53-1,18 0 1,35-70-16,-70 70 16,52-70-16,-17 17 15,-18 18 1,0-53-1,-18 18 1,-52-18 0,-18 35-1,35-18 1,-35 1 0,52-18-1,-16 0 16,69 0-31,-17 0 16,18-35-16,-71-53 16,36 35-1,-18-35 1,-1 17 0,1 0-1,18 19 1,-1-54-1,18 35 1,0-17 0,18 0-1,-36-18 1,18 18 0,53 52-16,-17-105 15,-1 106 1,18-36-1,0-34 1,0-36 0,0 17-1,35 1 1,1 17 0,17-18-1,0-17 1,17 35-1,1 1 1,17-1 0,-70 70-16,34-17 15,-34 36 1,0-1-16,-18 1 78</inkml:trace>
+  <inkml:trace contextRef="#ctx0" brushRef="#br0" timeOffset="14937.6223">25488 9313 0,'0'0'16,"0"71"-16,0 17 0,0 36 15,0 211 1,0 17 0,35-87-1,-17-89 1,0-70 0,-1-35-1,-17-54 16,18 19 16,0-19 0,-18 1-47,0 0 16,-18-1-16,0 19 15,-17-1 1</inkml:trace>
+  <inkml:trace contextRef="#ctx0" brushRef="#br0" timeOffset="15562.6216">25206 11060 0,'18'35'47,"17"53"-47,0-17 16,18-1-16,-18-17 15,1 0-15,-1-18 16,-17-35 31,17 0-16,-18 0-15,72-70-1,-1-107 1,88-87 0,1 17-1,-36 53 1,-71 123-1,-70 54 1</inkml:trace>
+</inkml:ink>
+</file>
+
+<file path=ppt/ink/ink6.xml><?xml version="1.0" encoding="utf-8"?>
+<inkml:ink xmlns:inkml="http://www.w3.org/2003/InkML">
+  <inkml:definitions>
+    <inkml:context xml:id="ctx0">
+      <inkml:inkSource xml:id="inkSrc0">
+        <inkml:traceFormat>
+          <inkml:channel name="X" type="integer" max="1920" units="cm"/>
+          <inkml:channel name="Y" type="integer" max="1080" units="cm"/>
+          <inkml:channel name="T" type="integer" max="2.14748E9" units="dev"/>
+        </inkml:traceFormat>
+        <inkml:channelProperties>
+          <inkml:channelProperty channel="X" name="resolution" value="36.15819" units="1/cm"/>
+          <inkml:channelProperty channel="Y" name="resolution" value="36.24161" units="1/cm"/>
+          <inkml:channelProperty channel="T" name="resolution" value="1" units="1/dev"/>
+        </inkml:channelProperties>
+      </inkml:inkSource>
+      <inkml:timestamp xml:id="ts0" timeString="2024-03-25T05:02:21.699"/>
+    </inkml:context>
+    <inkml:brush xml:id="br0">
+      <inkml:brushProperty name="width" value="0.05292" units="cm"/>
+      <inkml:brushProperty name="height" value="0.05292" units="cm"/>
+      <inkml:brushProperty name="color" value="#FF0000"/>
+    </inkml:brush>
+  </inkml:definitions>
+  <inkml:trace contextRef="#ctx0" brushRef="#br0">2769 6438 0,'18'0'62,"53"0"-46,-1 0-16,124-53 31,106 18-15,159 0-1,123 35 1,123 0 0,-52 0-1,-53 0 1,-124 0-1,-317 0-15,123 0 16,-229 0 0,0 0-16,-18 0 15,0 0 1</inkml:trace>
+  <inkml:trace contextRef="#ctx0" brushRef="#br0" timeOffset="25312.5019">4674 9190 0,'18'0'15,"0"0"17,-1 0-17,1 0-15,70 0 16,36 0-1,-1 0 17,53 0-17,54 0 1,-19 0 0,36 0-1,-70 0 1,-71 0-1,-18 0 1,-35 0 0,-18 0-16,71 35 15,-71-35 1,53 0-16,89 35 16,-72-35-1,-34 18 1,-53-18 31,-1 18-32,1-1 1,-18 1 31,18 0-32,17 52 1,-35 1 0,17 35-1,-17-18 1,0 53 0,18-35-1,-18-18 1,0 35-1,0 18 17,-70-17-17,52-1 1,-35-70-16,35 0 16,18-35-16,-17 0 15,-19 70 1,19-71-1,-1 19 1,1-19 0,-1 1-1,0-18 1,1 18 0,-1-18 15,-35 0-31,35 0 15,1 0 1,-71 35 0,52-35-16,1 0 15,-53 17 1,-53-17 0,0 0-1,-18 0 1,-35 0-1,-35 0 1,35 0 0,-18 0-1,53-35 1,36 35 0,52-17-16,18 17 15,0-18 1,36 18-16,-1 0 15,0 0 17,1-18-17,17 1 63,17-1-62,1 0 15,0 1-15,-18-1-16,0-88 16,0-17-1,0-36 1,0 18-1,17 35 17,1 0-17,17 0 1,-17 53 0,-1 18-1,1-35 1,-18 52-16,18-35 15,-18 35-15,17 1 16,19-36 0,-19 18-1,-17-18 1,53 0 0,-53 35-1,0 1 16,18-1 16,-18 0 16,0-17-32,17 17 0</inkml:trace>
+</inkml:ink>
+</file>
+
+<file path=ppt/ink/ink7.xml><?xml version="1.0" encoding="utf-8"?>
+<inkml:ink xmlns:inkml="http://www.w3.org/2003/InkML">
+  <inkml:definitions>
+    <inkml:context xml:id="ctx0">
+      <inkml:inkSource xml:id="inkSrc0">
+        <inkml:traceFormat>
+          <inkml:channel name="X" type="integer" max="1920" units="cm"/>
+          <inkml:channel name="Y" type="integer" max="1080" units="cm"/>
+          <inkml:channel name="T" type="integer" max="2.14748E9" units="dev"/>
+        </inkml:traceFormat>
+        <inkml:channelProperties>
+          <inkml:channelProperty channel="X" name="resolution" value="36.15819" units="1/cm"/>
+          <inkml:channelProperty channel="Y" name="resolution" value="36.24161" units="1/cm"/>
+          <inkml:channelProperty channel="T" name="resolution" value="1" units="1/dev"/>
+        </inkml:channelProperties>
+      </inkml:inkSource>
+      <inkml:timestamp xml:id="ts0" timeString="2024-03-25T05:03:43.668"/>
+    </inkml:context>
+    <inkml:brush xml:id="br0">
+      <inkml:brushProperty name="width" value="0.05292" units="cm"/>
+      <inkml:brushProperty name="height" value="0.05292" units="cm"/>
+      <inkml:brushProperty name="color" value="#FF0000"/>
+    </inkml:brush>
+  </inkml:definitions>
+  <inkml:trace contextRef="#ctx0" brushRef="#br0">3228 6315 0,'18'-18'47,"17"18"62,-18 0-93,1 0-16,53 0 16,17 0-1,18 0 17,-18-18-17,53 1 1,0 17-1,0 0 1,-53 0-16,18-35 16,-35 35-16,-1 0 15,36 0 1,18 0 0,52 0-1,71 0 1,18 0-1,-1 0 1,18 0 0,-52 0-1,-36 17 17,0 1-17,-124-18-15,36 17 16,-18 19-16,-17-36 15,35 0 1,-36 0 0,-34 0-1,-1 0 1,-18 0 0,1 0-1,17 0 16,-17 0 94,0 0-109,-1 0 0,19 0 15,-19 0-15,1 0-16,-1 0 15,19 0 1,-19 0-1,1 0 32,0 0-15</inkml:trace>
+</inkml:ink>
+</file>
+
+<file path=ppt/ink/ink8.xml><?xml version="1.0" encoding="utf-8"?>
+<inkml:ink xmlns:inkml="http://www.w3.org/2003/InkML">
+  <inkml:definitions>
+    <inkml:context xml:id="ctx0">
+      <inkml:inkSource xml:id="inkSrc0">
+        <inkml:traceFormat>
+          <inkml:channel name="X" type="integer" max="1920" units="cm"/>
+          <inkml:channel name="Y" type="integer" max="1080" units="cm"/>
+          <inkml:channel name="T" type="integer" max="2.14748E9" units="dev"/>
+        </inkml:traceFormat>
+        <inkml:channelProperties>
+          <inkml:channelProperty channel="X" name="resolution" value="36.15819" units="1/cm"/>
+          <inkml:channelProperty channel="Y" name="resolution" value="36.24161" units="1/cm"/>
+          <inkml:channelProperty channel="T" name="resolution" value="1" units="1/dev"/>
+        </inkml:channelProperties>
+      </inkml:inkSource>
+      <inkml:timestamp xml:id="ts0" timeString="2024-03-25T05:04:15.652"/>
+    </inkml:context>
+    <inkml:brush xml:id="br0">
+      <inkml:brushProperty name="width" value="0.05292" units="cm"/>
+      <inkml:brushProperty name="height" value="0.05292" units="cm"/>
+      <inkml:brushProperty name="color" value="#FF0000"/>
+    </inkml:brush>
+  </inkml:definitions>
+  <inkml:trace contextRef="#ctx0" brushRef="#br0">2575 6456 0,'18'0'31,"0"0"-15,-1 0-16,107 0 15,-1 0 1,18 0 15,36 0-15,-54-18-1,-52-17-15,87 35 16,-122-18-16,52 18 16,18-17-1,-18 17 1,35 0 0,-70 0-1,18 0 1,-18 0-1,-18 0 1,18 0 0,-35 0-1,17 0 1,0 0 0,-17 0-1,-1 0-15,1 0 16,35 0-1,-18 0 1,18 0 0,-18 0-1,18 0 1,-17 0 0,-1 0-1,-17 0 1,-1 0 15</inkml:trace>
+  <inkml:trace contextRef="#ctx0" brushRef="#br0" timeOffset="36109.3801">24059 13600 0,'0'17'63,"-35"18"-48,35-17 17,0 17-32,0-17 15,-17 53 1,17-36 0,0 35-1,-18-34 1,18 87-1,-18-88-15,18 36 16,-35 35 0,35 17-1,-18 1 1,1-18 0,17-18-1,-18 18 1,-17-18-1,35 0 1,0 18 0,0 0-1,0 0 1,0-71 0,0 35-1,0-17 16,0-17-15,0 17 0,0-36-1,0 1 1,17-1 62,1-17-15,17 0-48,-17 0 16,0 0-15,17 0 0,18 0-1,17 0 1,19 0 0,-72 0-16,71 0 15,-35 0-15,-17 0 16,87 0-1,-17 0 1,-18 0 0,0 0-1,-35 0 1,35 0 0,-17 0-1,17 0 16,-17 0-15,-1 0 0,-34 0-1,-19 0-15,71 0 16,-52 0-16,-19 0 16,89 0-1,-18 0 1,18 0-1,35 0 1,-17 0 0,17 0-1,-35 0 1,-18 0 0,-18 0-1,-52 0 1,35 0-1,-35 0-15,-1 0 16,1 0 93,0-17 1157,-1-1 3859,1 1-4937,-1-1-188,-17-17 31,0 17-16,0 0 1,0 1 0,0-19-16,0 19 15,0-1-15,0 0 16,0-34-16,0 34 16,0 0-16,0-17 15,0 0-15,0 17 16,0-17-16,0 17 15,0-17-15,0 0 16,0 17-16,0-17 16,0-1-1,0 19-15,0-1 16,0 0-16,0-34 16,0 34-1,0 0-15,0-35 16,0 18-16,0 0 15,0 17-15,0-17 16,0 0-16,0-1 16,0 19-16,0-19 15,0 1-15,0-18 16,0 36-16,0-19 16,0 1-16,0 0 15,0 17-15,0-35 16,0 18-16,0-18 15,0 0-15,0 18 16,0-18-16,0 18 16,18-1-16,-18 1 15,0 17-15,0 1 16,0-1-16,18 1 16,-18-1-16,0 0 62,0 1 126</inkml:trace>
+  <inkml:trace contextRef="#ctx0" brushRef="#br0" timeOffset="37906.1308">24024 13458 0,'-17'-17'110,"52"-18"-79,-18 35-15,19-36-16,-1 36 15,36-17 1,34-1-1,19-17 1,-36-1-16,106 19 16,-88 17-1,17-18-15,142 18 16,-18 0 0,-35 0-1,-18 0 16,-53 0-15,17 0 0,-69 18-1,-1-18 1,-18 35 0,-34-35-16,17 18 15,-18-18-15,18 0 16,17 0-1,-17 0 1,35 0 0,-17 0-1,-18 17 1,-35-17 15,-1 18 32,-17 0 46,0-1-93,0 1-16,0 0 15,0 34-15,-17-16 16,17 87 0,0-17-1,-18-18 16,18-52-31,-18 34 16,18-52-16,0 17 16,0-17-1,0-1 1,0 1 0,-17 0-1,17-1 1,0 1 109</inkml:trace>
+  <inkml:trace contextRef="#ctx0" brushRef="#br0" timeOffset="39640.63">5768 13388 0</inkml:trace>
+  <inkml:trace contextRef="#ctx0" brushRef="#br0" timeOffset="43343.755">25365 15399 0,'-18'0'46,"0"0"1,1 0-31,-18 0-16,17 0 16,-53 0-1,18 0 1,-35 0-1,0 0 1,-53-18 0,53-17-1,-53-36 1,35 18 0,18 0-1,-1 1 1,36 16 15,1 1-15,34 0-1,-17-54 1,-1 19 0,36-1-1,-35-34 1,17 34-1,18 36 1,0-53 0,-35-1-1,35 19 1,-17-1 0,17 1-1,0-19 16,0 1-15,0 35 0,0 0-1,0-17 1,35 17 0,-18-18-1,54-34 1,-36 52-1,36-36 1,-18 54 0,35-35-1,0 17 1,0 0 0,36-18-1,-36 36 16,-53 35-31,71-53 16,-88 53-16,52 0 16,1-18-1,17 18 1,0 0 0,36 0-1,34 0 1,-16 36-1,-1-1 1,-53 18 0,35 17-1,-70-17 1,53 53 0,-53-53-1,-18-18 16,-17 1-15,17-1 0,0 35-1,18 19 1,-35-36 0,17 0-1,1 35 1,-1-18-1,-17 1 1,17-36-16,-18 36 16,-17-54-1,0 19 1,0-19-16,0 54 16,0-36-1,0 53 16,0-17-15,0-1 0,-17-17-1,-1 0 1,1 18 0,-1-18-1,18 0-15,-53 35 16,35-53-16,1 18 15,-36 35 1,17 0 0,1-52-1,-18 34 1,0-17 0,0 0-1,1 0 1,-1-18 15,17-17-15,-34 17-1,52-17-15,-35-18 16,18 17-16,-18 1 16,-70 17-1,-1-17 1,18-18-1,71 18 1,-36-18 0,1 0-1,35 0 1,-18 0 0,17 0-1,1 0 1,17 0-1,-17 0 1,18 0 15,-1 0-31</inkml:trace>
+  <inkml:trace contextRef="#ctx0" brushRef="#br0" timeOffset="54031.2513">25788 15522 0,'-18'0'15,"1"0"1,-36 18 0,35-18-1,-35 0 1,0 0-1,-17 35 1,-36-35 0,35 0-1,-17 0 1,-18 0 0,-17 0-1,-53 0 16,123 0-31,-71-35 16,71 17-16,-17 1 16,-18-54-1,17 18 1,0 18 0,18-18-1,-17-35 1,52 35-1,-52-53 1,52 53 0,0 0-1,-17-17 1,18-1 0,17 36-16,-18-36 15,18 36 1,0-36-16,-18-17 31,-17-35-15,35 17-1,0 18 1,0-1 0,0 1-1,0 0 1,18 0-1,-1 35 1,36-71 0,-35 89-16,52-71 15,-52 71 1,17 0-16,1-53 16,34 17-1,-17 1 1,18 17 15,-18-36-15,17 37-1,18-1 1,-17 0 0,35 0-1,-1 17 1,-69 19-16,52-18 15,-70 17 1,34 0-16,19 1 16,17 17-1,-70-18 1,17 18 0,53 0-1,-17 0 1,-1 0 15,19 0-15,17 53-1,-36-18 1,18 53 0,18 1-1,18-19 1,-1 18-1,-52-17 1,17-18 0,0 17-1,-35-17 1,0 35 0,0-35-1,0 18 1,-18-1 15,-17 1-31,17 17 16,-35-70-16,17 52 15,1 36 1,17 18 0,-35-1-1,18-17 1,-18 0-1,0-18 1,0 0 0,0-17-1,0-1 1,-18-34 0,1 34-1,-1-52 1,0 17 15,1-17-15,-1-18 15</inkml:trace>
+  <inkml:trace contextRef="#ctx0" brushRef="#br0" timeOffset="57531.255">25523 18891 0,'-17'0'0,"-1"0"32,-17 0-32,17 0 15,1 18 1,-1 0 15,-17-18-15,-1 0-16,19 0 15,-54 0 1,-17 0 0,0 0-1,35 0-15,-71-18 16,72 18-1,16-18 1,-70 1 0,18 17-1,-18-53 1,36 35 0,-54-53-1,71 36 1,1-18-1,-37-35 1,36 35 0,-17-17-1,52 34-15,-52-69 16,52 52 0,-35 0-1,53 17-15,-35-52 16,-18 18 15,35-1-15,18-17-1,-17 0 1,17-36 0,0 18-1,0 18 1,0 0-1,0 53-15,53-89 16,-53 89 0,17-18-16,18-70 15,36 17 1,-18-18 0,0 18-1,17 1 1,-17-1 15,0 35-15,0 1-1,0 17 1,0 0 0,0 35-16,-18 1 15,1-19-15,-19 19 16,54-1-1,-1 0 1,18-35 0,36 53-1,-1 0 1,36 0 0,18 36-1,17 34 1,-18 18 15,-35-35-15,-70 0-16,52 36 15,-70-72-15,18 36 16,-19-35 0,1 17-1,18 36 1,17-1-1,-17 1 1,-1-1 0,1 1-1,-18-18 1,-18-18 0,18 18-1,0 0-15,-18-18 16,18 18-1,-35-35 1,35 35 0,-18-1-1,-17 1 1,34 0 0,-34 18-1,0 17 1,-18-17-1,0 17 1,35-18 0,-35-17-1,0-17-15,0-1 16,0-18 0,0 19-1,0-19-15,0 19 16,0 17 15,0-36-15,-18 36-1,1 0 1,-36 18 0,35-54-1,1 19 1,-36 16-1,35-16 1,0-19 0,-17 19-1,0-19 1,-36 1 0,36 17-1,-18-17 1,18-18 15,-1 17-15,-16 19-1,16-19 1,-17 1 0,18-18-16,0 18 15,17-1-15,-17 1 16,-18 0-1,-35 17 1,17 0 0,1-17-1,-1-18 1,18 17 0,0 1-1,-17 17 1,17-35 15,0 0-31,18 18 16,-1-18 15,19 0-15,-1 0-1,0 18 1,-17-18-1,0 17-15,17-17 63,-17 0-32,17 0 16,1 0-16,-1 0 16</inkml:trace>
+</inkml:ink>
+</file>
+
+<file path=ppt/ink/ink9.xml><?xml version="1.0" encoding="utf-8"?>
+<inkml:ink xmlns:inkml="http://www.w3.org/2003/InkML">
+  <inkml:definitions>
+    <inkml:context xml:id="ctx0">
+      <inkml:inkSource xml:id="inkSrc0">
+        <inkml:traceFormat>
+          <inkml:channel name="X" type="integer" max="1920" units="cm"/>
+          <inkml:channel name="Y" type="integer" max="1080" units="cm"/>
+          <inkml:channel name="T" type="integer" max="2.14748E9" units="dev"/>
+        </inkml:traceFormat>
+        <inkml:channelProperties>
+          <inkml:channelProperty channel="X" name="resolution" value="36.15819" units="1/cm"/>
+          <inkml:channelProperty channel="Y" name="resolution" value="36.24161" units="1/cm"/>
+          <inkml:channelProperty channel="T" name="resolution" value="1" units="1/dev"/>
+        </inkml:channelProperties>
+      </inkml:inkSource>
+      <inkml:timestamp xml:id="ts0" timeString="2024-03-25T05:06:19.136"/>
+    </inkml:context>
+    <inkml:brush xml:id="br0">
+      <inkml:brushProperty name="width" value="0.05292" units="cm"/>
+      <inkml:brushProperty name="height" value="0.05292" units="cm"/>
+      <inkml:brushProperty name="color" value="#FF0000"/>
+    </inkml:brush>
+  </inkml:definitions>
+  <inkml:trace contextRef="#ctx0" brushRef="#br0">3034 15910 0,'0'0'0,"18"0"47,-1 0-32,18 0 1,-17 0-16,17 0 16,36-17-1,35-19 1,17 1-1,18 17 1,-17 1 0,87 17 15,-34 0-15,-1 0-1,18 0 1,36 0-1,-1 17 1,0 36 0,-70-35-1,0 35 1,-36-35 0,-17-18-1,35 17 1,35 1-1,-70 17 1,-35-35 0,17 0 15,0 0-15,-17 0-1,17 0 1,-35 0-1,0 0 1,-18 0 0,0 0 15,-17 0-15,0-18-16,-1 18 15,19 0 1,-19 0-1,1-17 17,0-1 15,-18 1-32,0-1 1,0-17-1,0-36 1,0-35 0,0 18-1,0-35 1,0 70 0,0-36-1,17-34 1,-17 35-1,35 0 1,-35-18 0,18 0-1,0 0 17,-18 18-17,17 0 1,-17 35-16,18 0 15,0 35-15,-18 1 16,0-1 0,0 0 77,-18 1-30,0 17-63,-17 0 16,-88-36-1,-36 19 1,-53 17-1,1 0 1,-1 0 0,18 0-1,0 0 1,35 0 0,0 0-1,18 0 1,-70 0-1,52 0 1,0 0 0,18 0-1,-18 0 17,18 0-17,53 0 1,0 0-1,-36 0 1,36 0 0,-53 0-1,17 0 1,54 0 0,35 0-16,-18 0 15,17 0 1,1 0-16,-18 0 15,18 0 1,0 0 0,17 0-1,-17 0 17,17 17-17,0 1 141,18 0-124,0 17-32,-17-17 15,17 17 1,-18 0 0,18 18-1,-35-18-15,35 18 16,0 0-16,0-18 15,-18 36 1,1 0 0,17-36-1,0 35 1,0 1 0,-18-36-1,18 18 1,0 18-1,0-36 1,0 53 0,0 0 15,0-17-15,-18-18-1,1 17 1,17 1-1,0-18 1,-18 0 0,18 0-1,-18-36 1,18 36 0,0-17-1,0-19 1,-17 36-1,17-18 1,0 18 0,0-35-1,0 35 17,-35-18-17,35-17 1,-18 35-1,18-36 1,0 1 0,0 17 15,0-52 110</inkml:trace>
+  <inkml:trace contextRef="#ctx0" brushRef="#br0" timeOffset="2671.9707">20867 15752 0,'17'0'94,"36"0"-78,-35 0-16,53 0 15,52-18 1,53 0-1,-34 1-15,140-19 16,-106 36 0,1 0-16,211 0 15,35 0 17,-17 0-17,-54 0 1,-34 0-1,-18 0 1,-36 0 0,1 0-1,-1 0 1,1 0 0,-141 0-16,123-17 15,-142 17 1,36 0-16,142 0 15,-1 0 1,53 35 0,18-17-1,35 52 17,-53-35-17,-35-35 1,-71 0-1,18 36 1,-53-36 0,-53 0-16,53 17 15,-88-17-15,-18 0 16,89 0 0,-54 0-1,-35 0 1,-52 0-1,17 0 1,-36 0 0,1 0-1,-1 0 17,19 0-17,-19 0 32,1 0 0,0 0 62,-36 0 63,-17 0-156,-53 0-16</inkml:trace>
+  <inkml:trace contextRef="#ctx0" brushRef="#br0" timeOffset="4312.5894">2681 16775 0,'18'-18'15,"-1"18"32,19 0-31,-19 0-16,19 0 15,34 0 1,36 0 0,-18 0-1,36 0 17,-1 0-17,18 0 1,-88 0-1,0 0 1,-18 0 0,18 0-16,35 0 15,-52 0-15,17 0 16,35 0 0,-18 0-1,-52 0 1,17 0-1,1 0 1,-19 0 15</inkml:trace>
+</inkml:ink>
+</file>
+
 <file path=ppt/slideLayouts/slideLayout1.xml><?xml version="1.0" encoding="utf-8"?>
 <p:sldLayout xmlns:a="http://schemas.openxmlformats.org/drawingml/2006/main" xmlns:r="http://schemas.openxmlformats.org/officeDocument/2006/relationships" xmlns:p="http://schemas.openxmlformats.org/presentationml/2006/main" type="title" preserve="1">
   <p:cSld name="제목 슬라이드">
@@ -304,7 +686,7 @@
           <a:p>
             <a:fld id="{06A60B17-2656-4C09-A24A-B8AE84C95C86}" type="datetimeFigureOut">
               <a:rPr lang="ko-KR" altLang="en-US" smtClean="0"/>
-              <a:t>2024-03-22</a:t>
+              <a:t>2024-03-25</a:t>
             </a:fld>
             <a:endParaRPr lang="ko-KR" altLang="en-US"/>
           </a:p>
@@ -502,7 +884,7 @@
           <a:p>
             <a:fld id="{06A60B17-2656-4C09-A24A-B8AE84C95C86}" type="datetimeFigureOut">
               <a:rPr lang="ko-KR" altLang="en-US" smtClean="0"/>
-              <a:t>2024-03-22</a:t>
+              <a:t>2024-03-25</a:t>
             </a:fld>
             <a:endParaRPr lang="ko-KR" altLang="en-US"/>
           </a:p>
@@ -710,7 +1092,7 @@
           <a:p>
             <a:fld id="{06A60B17-2656-4C09-A24A-B8AE84C95C86}" type="datetimeFigureOut">
               <a:rPr lang="ko-KR" altLang="en-US" smtClean="0"/>
-              <a:t>2024-03-22</a:t>
+              <a:t>2024-03-25</a:t>
             </a:fld>
             <a:endParaRPr lang="ko-KR" altLang="en-US"/>
           </a:p>
@@ -908,7 +1290,7 @@
           <a:p>
             <a:fld id="{06A60B17-2656-4C09-A24A-B8AE84C95C86}" type="datetimeFigureOut">
               <a:rPr lang="ko-KR" altLang="en-US" smtClean="0"/>
-              <a:t>2024-03-22</a:t>
+              <a:t>2024-03-25</a:t>
             </a:fld>
             <a:endParaRPr lang="ko-KR" altLang="en-US"/>
           </a:p>
@@ -1183,7 +1565,7 @@
           <a:p>
             <a:fld id="{06A60B17-2656-4C09-A24A-B8AE84C95C86}" type="datetimeFigureOut">
               <a:rPr lang="ko-KR" altLang="en-US" smtClean="0"/>
-              <a:t>2024-03-22</a:t>
+              <a:t>2024-03-25</a:t>
             </a:fld>
             <a:endParaRPr lang="ko-KR" altLang="en-US"/>
           </a:p>
@@ -1448,7 +1830,7 @@
           <a:p>
             <a:fld id="{06A60B17-2656-4C09-A24A-B8AE84C95C86}" type="datetimeFigureOut">
               <a:rPr lang="ko-KR" altLang="en-US" smtClean="0"/>
-              <a:t>2024-03-22</a:t>
+              <a:t>2024-03-25</a:t>
             </a:fld>
             <a:endParaRPr lang="ko-KR" altLang="en-US"/>
           </a:p>
@@ -1860,7 +2242,7 @@
           <a:p>
             <a:fld id="{06A60B17-2656-4C09-A24A-B8AE84C95C86}" type="datetimeFigureOut">
               <a:rPr lang="ko-KR" altLang="en-US" smtClean="0"/>
-              <a:t>2024-03-22</a:t>
+              <a:t>2024-03-25</a:t>
             </a:fld>
             <a:endParaRPr lang="ko-KR" altLang="en-US"/>
           </a:p>
@@ -2001,7 +2383,7 @@
           <a:p>
             <a:fld id="{06A60B17-2656-4C09-A24A-B8AE84C95C86}" type="datetimeFigureOut">
               <a:rPr lang="ko-KR" altLang="en-US" smtClean="0"/>
-              <a:t>2024-03-22</a:t>
+              <a:t>2024-03-25</a:t>
             </a:fld>
             <a:endParaRPr lang="ko-KR" altLang="en-US"/>
           </a:p>
@@ -2114,7 +2496,7 @@
           <a:p>
             <a:fld id="{06A60B17-2656-4C09-A24A-B8AE84C95C86}" type="datetimeFigureOut">
               <a:rPr lang="ko-KR" altLang="en-US" smtClean="0"/>
-              <a:t>2024-03-22</a:t>
+              <a:t>2024-03-25</a:t>
             </a:fld>
             <a:endParaRPr lang="ko-KR" altLang="en-US"/>
           </a:p>
@@ -2425,7 +2807,7 @@
           <a:p>
             <a:fld id="{06A60B17-2656-4C09-A24A-B8AE84C95C86}" type="datetimeFigureOut">
               <a:rPr lang="ko-KR" altLang="en-US" smtClean="0"/>
-              <a:t>2024-03-22</a:t>
+              <a:t>2024-03-25</a:t>
             </a:fld>
             <a:endParaRPr lang="ko-KR" altLang="en-US"/>
           </a:p>
@@ -2713,7 +3095,7 @@
           <a:p>
             <a:fld id="{06A60B17-2656-4C09-A24A-B8AE84C95C86}" type="datetimeFigureOut">
               <a:rPr lang="ko-KR" altLang="en-US" smtClean="0"/>
-              <a:t>2024-03-22</a:t>
+              <a:t>2024-03-25</a:t>
             </a:fld>
             <a:endParaRPr lang="ko-KR" altLang="en-US"/>
           </a:p>
@@ -2954,7 +3336,7 @@
           <a:p>
             <a:fld id="{06A60B17-2656-4C09-A24A-B8AE84C95C86}" type="datetimeFigureOut">
               <a:rPr lang="ko-KR" altLang="en-US" smtClean="0"/>
-              <a:t>2024-03-22</a:t>
+              <a:t>2024-03-25</a:t>
             </a:fld>
             <a:endParaRPr lang="ko-KR" altLang="en-US"/>
           </a:p>
@@ -3411,6 +3793,13 @@
               </a:rPr>
               <a:t>스위치 구축</a:t>
             </a:r>
+            <a:r>
+              <a:rPr lang="en-US" altLang="ko-KR" dirty="0">
+                <a:latin typeface="HY헤드라인M" panose="02030600000101010101" pitchFamily="18" charset="-127"/>
+                <a:ea typeface="HY헤드라인M" panose="02030600000101010101" pitchFamily="18" charset="-127"/>
+              </a:rPr>
+              <a:t/>
+            </a:r>
             <a:br>
               <a:rPr lang="en-US" altLang="ko-KR" dirty="0">
                 <a:latin typeface="HY헤드라인M" panose="02030600000101010101" pitchFamily="18" charset="-127"/>
@@ -3640,6 +4029,13 @@
   <p:clrMapOvr>
     <a:masterClrMapping/>
   </p:clrMapOvr>
+  <p:timing>
+    <p:tnLst>
+      <p:par>
+        <p:cTn id="1" dur="indefinite" restart="never" nodeType="tmRoot"/>
+      </p:par>
+    </p:tnLst>
+  </p:timing>
 </p:sld>
 </file>
 
@@ -4375,6 +4771,45 @@
           </a:p>
         </p:txBody>
       </p:sp>
+      <mc:AlternateContent xmlns:mc="http://schemas.openxmlformats.org/markup-compatibility/2006" xmlns:p14="http://schemas.microsoft.com/office/powerpoint/2010/main">
+        <mc:Choice Requires="p14">
+          <p:contentPart p14:bwMode="auto" r:id="rId2">
+            <p14:nvContentPartPr>
+              <p14:cNvPr id="7" name="잉크 6"/>
+              <p14:cNvContentPartPr/>
+              <p14:nvPr/>
+            </p14:nvContentPartPr>
+            <p14:xfrm>
+              <a:off x="1809720" y="1657440"/>
+              <a:ext cx="8852400" cy="1225800"/>
+            </p14:xfrm>
+          </p:contentPart>
+        </mc:Choice>
+        <mc:Fallback xmlns="">
+          <p:pic>
+            <p:nvPicPr>
+              <p:cNvPr id="7" name="잉크 6"/>
+              <p:cNvPicPr/>
+              <p:nvPr/>
+            </p:nvPicPr>
+            <p:blipFill>
+              <a:blip r:embed="rId3"/>
+              <a:stretch>
+                <a:fillRect/>
+              </a:stretch>
+            </p:blipFill>
+            <p:spPr>
+              <a:xfrm>
+                <a:off x="1800360" y="1648080"/>
+                <a:ext cx="8871120" cy="1244520"/>
+              </a:xfrm>
+              <a:prstGeom prst="rect">
+                <a:avLst/>
+              </a:prstGeom>
+            </p:spPr>
+          </p:pic>
+        </mc:Fallback>
+      </mc:AlternateContent>
     </p:spTree>
     <p:extLst>
       <p:ext uri="{BB962C8B-B14F-4D97-AF65-F5344CB8AC3E}">
@@ -4385,6 +4820,13 @@
   <p:clrMapOvr>
     <a:masterClrMapping/>
   </p:clrMapOvr>
+  <p:timing>
+    <p:tnLst>
+      <p:par>
+        <p:cTn id="1" dur="indefinite" restart="never" nodeType="tmRoot"/>
+      </p:par>
+    </p:tnLst>
+  </p:timing>
 </p:sld>
 </file>
 
@@ -4637,6 +5079,45 @@
           </a:effectLst>
         </p:spPr>
       </p:pic>
+      <mc:AlternateContent xmlns:mc="http://schemas.openxmlformats.org/markup-compatibility/2006" xmlns:p14="http://schemas.microsoft.com/office/powerpoint/2010/main">
+        <mc:Choice Requires="p14">
+          <p:contentPart p14:bwMode="auto" r:id="rId4">
+            <p14:nvContentPartPr>
+              <p14:cNvPr id="3" name="잉크 2"/>
+              <p14:cNvContentPartPr/>
+              <p14:nvPr/>
+            </p14:nvContentPartPr>
+            <p14:xfrm>
+              <a:off x="7105680" y="3352680"/>
+              <a:ext cx="3384720" cy="1568880"/>
+            </p14:xfrm>
+          </p:contentPart>
+        </mc:Choice>
+        <mc:Fallback xmlns="">
+          <p:pic>
+            <p:nvPicPr>
+              <p:cNvPr id="3" name="잉크 2"/>
+              <p:cNvPicPr/>
+              <p:nvPr/>
+            </p:nvPicPr>
+            <p:blipFill>
+              <a:blip r:embed="rId5"/>
+              <a:stretch>
+                <a:fillRect/>
+              </a:stretch>
+            </p:blipFill>
+            <p:spPr>
+              <a:xfrm>
+                <a:off x="7096320" y="3343320"/>
+                <a:ext cx="3403440" cy="1587600"/>
+              </a:xfrm>
+              <a:prstGeom prst="rect">
+                <a:avLst/>
+              </a:prstGeom>
+            </p:spPr>
+          </p:pic>
+        </mc:Fallback>
+      </mc:AlternateContent>
     </p:spTree>
     <p:extLst>
       <p:ext uri="{BB962C8B-B14F-4D97-AF65-F5344CB8AC3E}">
@@ -4647,6 +5128,13 @@
   <p:clrMapOvr>
     <a:masterClrMapping/>
   </p:clrMapOvr>
+  <p:timing>
+    <p:tnLst>
+      <p:par>
+        <p:cTn id="1" dur="indefinite" restart="never" nodeType="tmRoot"/>
+      </p:par>
+    </p:tnLst>
+  </p:timing>
 </p:sld>
 </file>
 
@@ -5049,6 +5537,45 @@
           </a:effectLst>
         </p:spPr>
       </p:pic>
+      <mc:AlternateContent xmlns:mc="http://schemas.openxmlformats.org/markup-compatibility/2006" xmlns:p14="http://schemas.microsoft.com/office/powerpoint/2010/main">
+        <mc:Choice Requires="p14">
+          <p:contentPart p14:bwMode="auto" r:id="rId3">
+            <p14:nvContentPartPr>
+              <p14:cNvPr id="7" name="잉크 6"/>
+              <p14:cNvContentPartPr/>
+              <p14:nvPr/>
+            </p14:nvContentPartPr>
+            <p14:xfrm>
+              <a:off x="996840" y="2273400"/>
+              <a:ext cx="1708560" cy="1657440"/>
+            </p14:xfrm>
+          </p:contentPart>
+        </mc:Choice>
+        <mc:Fallback xmlns="">
+          <p:pic>
+            <p:nvPicPr>
+              <p:cNvPr id="7" name="잉크 6"/>
+              <p:cNvPicPr/>
+              <p:nvPr/>
+            </p:nvPicPr>
+            <p:blipFill>
+              <a:blip r:embed="rId4"/>
+              <a:stretch>
+                <a:fillRect/>
+              </a:stretch>
+            </p:blipFill>
+            <p:spPr>
+              <a:xfrm>
+                <a:off x="987480" y="2264040"/>
+                <a:ext cx="1727280" cy="1676160"/>
+              </a:xfrm>
+              <a:prstGeom prst="rect">
+                <a:avLst/>
+              </a:prstGeom>
+            </p:spPr>
+          </p:pic>
+        </mc:Fallback>
+      </mc:AlternateContent>
     </p:spTree>
     <p:extLst>
       <p:ext uri="{BB962C8B-B14F-4D97-AF65-F5344CB8AC3E}">
@@ -5059,6 +5586,13 @@
   <p:clrMapOvr>
     <a:masterClrMapping/>
   </p:clrMapOvr>
+  <p:timing>
+    <p:tnLst>
+      <p:par>
+        <p:cTn id="1" dur="indefinite" restart="never" nodeType="tmRoot"/>
+      </p:par>
+    </p:tnLst>
+  </p:timing>
 </p:sld>
 </file>
 
@@ -5476,6 +6010,45 @@
           </a:prstGeom>
         </p:spPr>
       </p:pic>
+      <mc:AlternateContent xmlns:mc="http://schemas.openxmlformats.org/markup-compatibility/2006" xmlns:p14="http://schemas.microsoft.com/office/powerpoint/2010/main">
+        <mc:Choice Requires="p14">
+          <p:contentPart p14:bwMode="auto" r:id="rId3">
+            <p14:nvContentPartPr>
+              <p14:cNvPr id="7" name="잉크 6"/>
+              <p14:cNvContentPartPr/>
+              <p14:nvPr/>
+            </p14:nvContentPartPr>
+            <p14:xfrm>
+              <a:off x="1162080" y="2241720"/>
+              <a:ext cx="1499040" cy="32040"/>
+            </p14:xfrm>
+          </p:contentPart>
+        </mc:Choice>
+        <mc:Fallback xmlns="">
+          <p:pic>
+            <p:nvPicPr>
+              <p:cNvPr id="7" name="잉크 6"/>
+              <p:cNvPicPr/>
+              <p:nvPr/>
+            </p:nvPicPr>
+            <p:blipFill>
+              <a:blip r:embed="rId4"/>
+              <a:stretch>
+                <a:fillRect/>
+              </a:stretch>
+            </p:blipFill>
+            <p:spPr>
+              <a:xfrm>
+                <a:off x="1152720" y="2232360"/>
+                <a:ext cx="1517760" cy="50760"/>
+              </a:xfrm>
+              <a:prstGeom prst="rect">
+                <a:avLst/>
+              </a:prstGeom>
+            </p:spPr>
+          </p:pic>
+        </mc:Fallback>
+      </mc:AlternateContent>
     </p:spTree>
     <p:extLst>
       <p:ext uri="{BB962C8B-B14F-4D97-AF65-F5344CB8AC3E}">
@@ -5486,6 +6059,13 @@
   <p:clrMapOvr>
     <a:masterClrMapping/>
   </p:clrMapOvr>
+  <p:timing>
+    <p:tnLst>
+      <p:par>
+        <p:cTn id="1" dur="indefinite" restart="never" nodeType="tmRoot"/>
+      </p:par>
+    </p:tnLst>
+  </p:timing>
 </p:sld>
 </file>
 
@@ -5715,6 +6295,13 @@
   <p:clrMapOvr>
     <a:masterClrMapping/>
   </p:clrMapOvr>
+  <p:timing>
+    <p:tnLst>
+      <p:par>
+        <p:cTn id="1" dur="indefinite" restart="never" nodeType="tmRoot"/>
+      </p:par>
+    </p:tnLst>
+  </p:timing>
 </p:sld>
 </file>
 
@@ -6217,6 +6804,45 @@
           </a:prstGeom>
         </p:spPr>
       </p:pic>
+      <mc:AlternateContent xmlns:mc="http://schemas.openxmlformats.org/markup-compatibility/2006" xmlns:p14="http://schemas.microsoft.com/office/powerpoint/2010/main">
+        <mc:Choice Requires="p14">
+          <p:contentPart p14:bwMode="auto" r:id="rId6">
+            <p14:nvContentPartPr>
+              <p14:cNvPr id="10" name="잉크 9"/>
+              <p14:cNvContentPartPr/>
+              <p14:nvPr/>
+            </p14:nvContentPartPr>
+            <p14:xfrm>
+              <a:off x="927000" y="2292480"/>
+              <a:ext cx="8833320" cy="4521600"/>
+            </p14:xfrm>
+          </p:contentPart>
+        </mc:Choice>
+        <mc:Fallback xmlns="">
+          <p:pic>
+            <p:nvPicPr>
+              <p:cNvPr id="10" name="잉크 9"/>
+              <p:cNvPicPr/>
+              <p:nvPr/>
+            </p:nvPicPr>
+            <p:blipFill>
+              <a:blip r:embed="rId7"/>
+              <a:stretch>
+                <a:fillRect/>
+              </a:stretch>
+            </p:blipFill>
+            <p:spPr>
+              <a:xfrm>
+                <a:off x="917640" y="2283120"/>
+                <a:ext cx="8852040" cy="4540320"/>
+              </a:xfrm>
+              <a:prstGeom prst="rect">
+                <a:avLst/>
+              </a:prstGeom>
+            </p:spPr>
+          </p:pic>
+        </mc:Fallback>
+      </mc:AlternateContent>
     </p:spTree>
     <p:extLst>
       <p:ext uri="{BB962C8B-B14F-4D97-AF65-F5344CB8AC3E}">
@@ -6227,6 +6853,13 @@
   <p:clrMapOvr>
     <a:masterClrMapping/>
   </p:clrMapOvr>
+  <p:timing>
+    <p:tnLst>
+      <p:par>
+        <p:cTn id="1" dur="indefinite" restart="never" nodeType="tmRoot"/>
+      </p:par>
+    </p:tnLst>
+  </p:timing>
 </p:sld>
 </file>
 
@@ -6620,6 +7253,13 @@
   <p:clrMapOvr>
     <a:masterClrMapping/>
   </p:clrMapOvr>
+  <p:timing>
+    <p:tnLst>
+      <p:par>
+        <p:cTn id="1" dur="indefinite" restart="never" nodeType="tmRoot"/>
+      </p:par>
+    </p:tnLst>
+  </p:timing>
 </p:sld>
 </file>
 
@@ -7038,6 +7678,45 @@
           </a:fontRef>
         </p:style>
       </p:cxnSp>
+      <mc:AlternateContent xmlns:mc="http://schemas.openxmlformats.org/markup-compatibility/2006" xmlns:p14="http://schemas.microsoft.com/office/powerpoint/2010/main">
+        <mc:Choice Requires="p14">
+          <p:contentPart p14:bwMode="auto" r:id="rId3">
+            <p14:nvContentPartPr>
+              <p14:cNvPr id="3" name="잉크 2"/>
+              <p14:cNvContentPartPr/>
+              <p14:nvPr/>
+            </p14:nvContentPartPr>
+            <p14:xfrm>
+              <a:off x="965160" y="5156280"/>
+              <a:ext cx="9855720" cy="883080"/>
+            </p14:xfrm>
+          </p:contentPart>
+        </mc:Choice>
+        <mc:Fallback xmlns="">
+          <p:pic>
+            <p:nvPicPr>
+              <p:cNvPr id="3" name="잉크 2"/>
+              <p:cNvPicPr/>
+              <p:nvPr/>
+            </p:nvPicPr>
+            <p:blipFill>
+              <a:blip r:embed="rId4"/>
+              <a:stretch>
+                <a:fillRect/>
+              </a:stretch>
+            </p:blipFill>
+            <p:spPr>
+              <a:xfrm>
+                <a:off x="955800" y="5146920"/>
+                <a:ext cx="9874440" cy="901800"/>
+              </a:xfrm>
+              <a:prstGeom prst="rect">
+                <a:avLst/>
+              </a:prstGeom>
+            </p:spPr>
+          </p:pic>
+        </mc:Fallback>
+      </mc:AlternateContent>
     </p:spTree>
     <p:extLst>
       <p:ext uri="{BB962C8B-B14F-4D97-AF65-F5344CB8AC3E}">
@@ -7048,6 +7727,13 @@
   <p:clrMapOvr>
     <a:masterClrMapping/>
   </p:clrMapOvr>
+  <p:timing>
+    <p:tnLst>
+      <p:par>
+        <p:cTn id="1" dur="indefinite" restart="never" nodeType="tmRoot"/>
+      </p:par>
+    </p:tnLst>
+  </p:timing>
 </p:sld>
 </file>
 
@@ -7114,6 +7800,45 @@
           </a:effectLst>
         </p:spPr>
       </p:pic>
+      <mc:AlternateContent xmlns:mc="http://schemas.openxmlformats.org/markup-compatibility/2006" xmlns:p14="http://schemas.microsoft.com/office/powerpoint/2010/main">
+        <mc:Choice Requires="p14">
+          <p:contentPart p14:bwMode="auto" r:id="rId3">
+            <p14:nvContentPartPr>
+              <p14:cNvPr id="2" name="잉크 1"/>
+              <p14:cNvContentPartPr/>
+              <p14:nvPr/>
+            </p14:nvContentPartPr>
+            <p14:xfrm>
+              <a:off x="3073320" y="1352520"/>
+              <a:ext cx="6922080" cy="5366160"/>
+            </p14:xfrm>
+          </p:contentPart>
+        </mc:Choice>
+        <mc:Fallback xmlns="">
+          <p:pic>
+            <p:nvPicPr>
+              <p:cNvPr id="2" name="잉크 1"/>
+              <p:cNvPicPr/>
+              <p:nvPr/>
+            </p:nvPicPr>
+            <p:blipFill>
+              <a:blip r:embed="rId4"/>
+              <a:stretch>
+                <a:fillRect/>
+              </a:stretch>
+            </p:blipFill>
+            <p:spPr>
+              <a:xfrm>
+                <a:off x="3063960" y="1343160"/>
+                <a:ext cx="6940800" cy="5384880"/>
+              </a:xfrm>
+              <a:prstGeom prst="rect">
+                <a:avLst/>
+              </a:prstGeom>
+            </p:spPr>
+          </p:pic>
+        </mc:Fallback>
+      </mc:AlternateContent>
     </p:spTree>
     <p:extLst>
       <p:ext uri="{BB962C8B-B14F-4D97-AF65-F5344CB8AC3E}">
@@ -7124,6 +7849,13 @@
   <p:clrMapOvr>
     <a:masterClrMapping/>
   </p:clrMapOvr>
+  <p:timing>
+    <p:tnLst>
+      <p:par>
+        <p:cTn id="1" dur="indefinite" restart="never" nodeType="tmRoot"/>
+      </p:par>
+    </p:tnLst>
+  </p:timing>
 </p:sld>
 </file>
 
@@ -7557,6 +8289,45 @@
           </a:p>
         </p:txBody>
       </p:sp>
+      <mc:AlternateContent xmlns:mc="http://schemas.openxmlformats.org/markup-compatibility/2006" xmlns:p14="http://schemas.microsoft.com/office/powerpoint/2010/main">
+        <mc:Choice Requires="p14">
+          <p:contentPart p14:bwMode="auto" r:id="rId4">
+            <p14:nvContentPartPr>
+              <p14:cNvPr id="7" name="잉크 6"/>
+              <p14:cNvContentPartPr/>
+              <p14:nvPr/>
+            </p14:nvContentPartPr>
+            <p14:xfrm>
+              <a:off x="8312040" y="4863960"/>
+              <a:ext cx="660960" cy="476640"/>
+            </p14:xfrm>
+          </p:contentPart>
+        </mc:Choice>
+        <mc:Fallback xmlns="">
+          <p:pic>
+            <p:nvPicPr>
+              <p:cNvPr id="7" name="잉크 6"/>
+              <p:cNvPicPr/>
+              <p:nvPr/>
+            </p:nvPicPr>
+            <p:blipFill>
+              <a:blip r:embed="rId5"/>
+              <a:stretch>
+                <a:fillRect/>
+              </a:stretch>
+            </p:blipFill>
+            <p:spPr>
+              <a:xfrm>
+                <a:off x="8302680" y="4854600"/>
+                <a:ext cx="679680" cy="495360"/>
+              </a:xfrm>
+              <a:prstGeom prst="rect">
+                <a:avLst/>
+              </a:prstGeom>
+            </p:spPr>
+          </p:pic>
+        </mc:Fallback>
+      </mc:AlternateContent>
     </p:spTree>
     <p:extLst>
       <p:ext uri="{BB962C8B-B14F-4D97-AF65-F5344CB8AC3E}">
@@ -7567,6 +8338,13 @@
   <p:clrMapOvr>
     <a:masterClrMapping/>
   </p:clrMapOvr>
+  <p:timing>
+    <p:tnLst>
+      <p:par>
+        <p:cTn id="1" dur="indefinite" restart="never" nodeType="tmRoot"/>
+      </p:par>
+    </p:tnLst>
+  </p:timing>
 </p:sld>
 </file>
 
@@ -7882,6 +8660,13 @@
   <p:clrMapOvr>
     <a:masterClrMapping/>
   </p:clrMapOvr>
+  <p:timing>
+    <p:tnLst>
+      <p:par>
+        <p:cTn id="1" dur="indefinite" restart="never" nodeType="tmRoot"/>
+      </p:par>
+    </p:tnLst>
+  </p:timing>
 </p:sld>
 </file>
 
@@ -8283,6 +9068,13 @@
   <p:clrMapOvr>
     <a:masterClrMapping/>
   </p:clrMapOvr>
+  <p:timing>
+    <p:tnLst>
+      <p:par>
+        <p:cTn id="1" dur="indefinite" restart="never" nodeType="tmRoot"/>
+      </p:par>
+    </p:tnLst>
+  </p:timing>
 </p:sld>
 </file>
 
@@ -8630,6 +9422,13 @@
   <p:clrMapOvr>
     <a:masterClrMapping/>
   </p:clrMapOvr>
+  <p:timing>
+    <p:tnLst>
+      <p:par>
+        <p:cTn id="1" dur="indefinite" restart="never" nodeType="tmRoot"/>
+      </p:par>
+    </p:tnLst>
+  </p:timing>
 </p:sld>
 </file>
 
@@ -9125,6 +9924,13 @@
   <p:clrMapOvr>
     <a:masterClrMapping/>
   </p:clrMapOvr>
+  <p:timing>
+    <p:tnLst>
+      <p:par>
+        <p:cTn id="1" dur="indefinite" restart="never" nodeType="tmRoot"/>
+      </p:par>
+    </p:tnLst>
+  </p:timing>
 </p:sld>
 </file>
 
@@ -9421,6 +10227,13 @@
   <p:clrMapOvr>
     <a:masterClrMapping/>
   </p:clrMapOvr>
+  <p:timing>
+    <p:tnLst>
+      <p:par>
+        <p:cTn id="1" dur="indefinite" restart="never" nodeType="tmRoot"/>
+      </p:par>
+    </p:tnLst>
+  </p:timing>
 </p:sld>
 </file>
 
@@ -9641,6 +10454,13 @@
   <p:clrMapOvr>
     <a:masterClrMapping/>
   </p:clrMapOvr>
+  <p:timing>
+    <p:tnLst>
+      <p:par>
+        <p:cTn id="1" dur="indefinite" restart="never" nodeType="tmRoot"/>
+      </p:par>
+    </p:tnLst>
+  </p:timing>
 </p:sld>
 </file>
 
@@ -9848,6 +10668,13 @@
   <p:clrMapOvr>
     <a:masterClrMapping/>
   </p:clrMapOvr>
+  <p:timing>
+    <p:tnLst>
+      <p:par>
+        <p:cTn id="1" dur="indefinite" restart="never" nodeType="tmRoot"/>
+      </p:par>
+    </p:tnLst>
+  </p:timing>
 </p:sld>
 </file>
 
@@ -10052,6 +10879,13 @@
   <p:clrMapOvr>
     <a:masterClrMapping/>
   </p:clrMapOvr>
+  <p:timing>
+    <p:tnLst>
+      <p:par>
+        <p:cTn id="1" dur="indefinite" restart="never" nodeType="tmRoot"/>
+      </p:par>
+    </p:tnLst>
+  </p:timing>
 </p:sld>
 </file>
 
@@ -10254,6 +11088,13 @@
   <p:clrMapOvr>
     <a:masterClrMapping/>
   </p:clrMapOvr>
+  <p:timing>
+    <p:tnLst>
+      <p:par>
+        <p:cTn id="1" dur="indefinite" restart="never" nodeType="tmRoot"/>
+      </p:par>
+    </p:tnLst>
+  </p:timing>
 </p:sld>
 </file>
 
@@ -10986,6 +11827,13 @@
   <p:clrMapOvr>
     <a:masterClrMapping/>
   </p:clrMapOvr>
+  <p:timing>
+    <p:tnLst>
+      <p:par>
+        <p:cTn id="1" dur="indefinite" restart="never" nodeType="tmRoot"/>
+      </p:par>
+    </p:tnLst>
+  </p:timing>
 </p:sld>
 </file>
 
@@ -11278,6 +12126,13 @@
   <p:clrMapOvr>
     <a:masterClrMapping/>
   </p:clrMapOvr>
+  <p:timing>
+    <p:tnLst>
+      <p:par>
+        <p:cTn id="1" dur="indefinite" restart="never" nodeType="tmRoot"/>
+      </p:par>
+    </p:tnLst>
+  </p:timing>
 </p:sld>
 </file>
 
@@ -11594,6 +12449,13 @@
   <p:clrMapOvr>
     <a:masterClrMapping/>
   </p:clrMapOvr>
+  <p:timing>
+    <p:tnLst>
+      <p:par>
+        <p:cTn id="1" dur="indefinite" restart="never" nodeType="tmRoot"/>
+      </p:par>
+    </p:tnLst>
+  </p:timing>
 </p:sld>
 </file>
 
@@ -11892,6 +12754,13 @@
   <p:clrMapOvr>
     <a:masterClrMapping/>
   </p:clrMapOvr>
+  <p:timing>
+    <p:tnLst>
+      <p:par>
+        <p:cTn id="1" dur="indefinite" restart="never" nodeType="tmRoot"/>
+      </p:par>
+    </p:tnLst>
+  </p:timing>
 </p:sld>
 </file>
 
@@ -12137,6 +13006,13 @@
   <p:clrMapOvr>
     <a:masterClrMapping/>
   </p:clrMapOvr>
+  <p:timing>
+    <p:tnLst>
+      <p:par>
+        <p:cTn id="1" dur="indefinite" restart="never" nodeType="tmRoot"/>
+      </p:par>
+    </p:tnLst>
+  </p:timing>
 </p:sld>
 </file>
 
@@ -12696,6 +13572,13 @@
   <p:clrMapOvr>
     <a:masterClrMapping/>
   </p:clrMapOvr>
+  <p:timing>
+    <p:tnLst>
+      <p:par>
+        <p:cTn id="1" dur="indefinite" restart="never" nodeType="tmRoot"/>
+      </p:par>
+    </p:tnLst>
+  </p:timing>
 </p:sld>
 </file>
 
@@ -13199,6 +14082,13 @@
   <p:clrMapOvr>
     <a:masterClrMapping/>
   </p:clrMapOvr>
+  <p:timing>
+    <p:tnLst>
+      <p:par>
+        <p:cTn id="1" dur="indefinite" restart="never" nodeType="tmRoot"/>
+      </p:par>
+    </p:tnLst>
+  </p:timing>
 </p:sld>
 </file>
 
@@ -13665,6 +14555,13 @@
   <p:clrMapOvr>
     <a:masterClrMapping/>
   </p:clrMapOvr>
+  <p:timing>
+    <p:tnLst>
+      <p:par>
+        <p:cTn id="1" dur="indefinite" restart="never" nodeType="tmRoot"/>
+      </p:par>
+    </p:tnLst>
+  </p:timing>
 </p:sld>
 </file>
 
@@ -14341,6 +15238,13 @@
   <p:clrMapOvr>
     <a:masterClrMapping/>
   </p:clrMapOvr>
+  <p:timing>
+    <p:tnLst>
+      <p:par>
+        <p:cTn id="1" dur="indefinite" restart="never" nodeType="tmRoot"/>
+      </p:par>
+    </p:tnLst>
+  </p:timing>
 </p:sld>
 </file>
 
@@ -14945,6 +15849,13 @@
   <p:clrMapOvr>
     <a:masterClrMapping/>
   </p:clrMapOvr>
+  <p:timing>
+    <p:tnLst>
+      <p:par>
+        <p:cTn id="1" dur="indefinite" restart="never" nodeType="tmRoot"/>
+      </p:par>
+    </p:tnLst>
+  </p:timing>
 </p:sld>
 </file>
 
@@ -15133,6 +16044,13 @@
   <p:clrMapOvr>
     <a:masterClrMapping/>
   </p:clrMapOvr>
+  <p:timing>
+    <p:tnLst>
+      <p:par>
+        <p:cTn id="1" dur="indefinite" restart="never" nodeType="tmRoot"/>
+      </p:par>
+    </p:tnLst>
+  </p:timing>
 </p:sld>
 </file>
 
@@ -16175,6 +17093,13 @@
   <p:clrMapOvr>
     <a:masterClrMapping/>
   </p:clrMapOvr>
+  <p:timing>
+    <p:tnLst>
+      <p:par>
+        <p:cTn id="1" dur="indefinite" restart="never" nodeType="tmRoot"/>
+      </p:par>
+    </p:tnLst>
+  </p:timing>
 </p:sld>
 </file>
 
@@ -17310,6 +18235,13 @@
   <p:clrMapOvr>
     <a:masterClrMapping/>
   </p:clrMapOvr>
+  <p:timing>
+    <p:tnLst>
+      <p:par>
+        <p:cTn id="1" dur="indefinite" restart="never" nodeType="tmRoot"/>
+      </p:par>
+    </p:tnLst>
+  </p:timing>
 </p:sld>
 </file>
 
@@ -18802,6 +19734,55 @@
           <a:bodyPr/>
           <a:lstStyle/>
           <a:p>
+            <a:r>
+              <a:rPr lang="ko-KR" altLang="en-US" dirty="0" smtClean="0">
+                <a:latin typeface="HY헤드라인M" panose="02030600000101010101" pitchFamily="18" charset="-127"/>
+                <a:ea typeface="HY헤드라인M" panose="02030600000101010101" pitchFamily="18" charset="-127"/>
+              </a:rPr>
+              <a:t>실습 더하기 </a:t>
+            </a:r>
+            <a:r>
+              <a:rPr lang="en-US" altLang="ko-KR" dirty="0" smtClean="0">
+                <a:latin typeface="HY헤드라인M" panose="02030600000101010101" pitchFamily="18" charset="-127"/>
+                <a:ea typeface="HY헤드라인M" panose="02030600000101010101" pitchFamily="18" charset="-127"/>
+              </a:rPr>
+              <a:t>: </a:t>
+            </a:r>
+            <a:r>
+              <a:rPr lang="ko-KR" altLang="en-US" dirty="0" smtClean="0">
+                <a:latin typeface="HY헤드라인M" panose="02030600000101010101" pitchFamily="18" charset="-127"/>
+                <a:ea typeface="HY헤드라인M" panose="02030600000101010101" pitchFamily="18" charset="-127"/>
+              </a:rPr>
+              <a:t>콘솔 연결 시 </a:t>
+            </a:r>
+            <a:r>
+              <a:rPr lang="en-US" altLang="ko-KR" dirty="0" smtClean="0">
+                <a:latin typeface="HY헤드라인M" panose="02030600000101010101" pitchFamily="18" charset="-127"/>
+                <a:ea typeface="HY헤드라인M" panose="02030600000101010101" pitchFamily="18" charset="-127"/>
+              </a:rPr>
+              <a:t>id</a:t>
+            </a:r>
+            <a:r>
+              <a:rPr lang="ko-KR" altLang="en-US" dirty="0" smtClean="0">
+                <a:latin typeface="HY헤드라인M" panose="02030600000101010101" pitchFamily="18" charset="-127"/>
+                <a:ea typeface="HY헤드라인M" panose="02030600000101010101" pitchFamily="18" charset="-127"/>
+              </a:rPr>
+              <a:t>와 </a:t>
+            </a:r>
+            <a:r>
+              <a:rPr lang="en-US" altLang="ko-KR" dirty="0" smtClean="0">
+                <a:latin typeface="HY헤드라인M" panose="02030600000101010101" pitchFamily="18" charset="-127"/>
+                <a:ea typeface="HY헤드라인M" panose="02030600000101010101" pitchFamily="18" charset="-127"/>
+              </a:rPr>
+              <a:t>pw </a:t>
+            </a:r>
+            <a:r>
+              <a:rPr lang="ko-KR" altLang="en-US" dirty="0" smtClean="0">
+                <a:latin typeface="HY헤드라인M" panose="02030600000101010101" pitchFamily="18" charset="-127"/>
+                <a:ea typeface="HY헤드라인M" panose="02030600000101010101" pitchFamily="18" charset="-127"/>
+              </a:rPr>
+              <a:t>설정</a:t>
+            </a:r>
             <a:endParaRPr lang="ko-KR" altLang="en-US" dirty="0">
               <a:latin typeface="HY헤드라인M" panose="02030600000101010101" pitchFamily="18" charset="-127"/>
               <a:ea typeface="HY헤드라인M" panose="02030600000101010101" pitchFamily="18" charset="-127"/>
@@ -18894,31 +19875,90 @@
           </a:fontRef>
         </p:style>
       </p:cxnSp>
-      <p:sp>
-        <p:nvSpPr>
-          <p:cNvPr id="7" name="내용 개체 틀 6">
-            <a:extLst>
-              <a:ext uri="{FF2B5EF4-FFF2-40B4-BE49-F238E27FC236}">
-                <a16:creationId xmlns:a16="http://schemas.microsoft.com/office/drawing/2014/main" id="{D952638E-18BD-4894-91AB-D859C866F918}"/>
-              </a:ext>
-            </a:extLst>
-          </p:cNvPr>
-          <p:cNvSpPr>
-            <a:spLocks noGrp="1"/>
-          </p:cNvSpPr>
-          <p:nvPr>
-            <p:ph idx="1"/>
-          </p:nvPr>
-        </p:nvSpPr>
-        <p:spPr/>
-        <p:txBody>
-          <a:bodyPr/>
-          <a:lstStyle/>
-          <a:p>
-            <a:endParaRPr lang="ko-KR" altLang="en-US"/>
-          </a:p>
-        </p:txBody>
-      </p:sp>
+      <p:pic>
+        <p:nvPicPr>
+          <p:cNvPr id="5" name="그림 4"/>
+          <p:cNvPicPr>
+            <a:picLocks noChangeAspect="1"/>
+          </p:cNvPicPr>
+          <p:nvPr/>
+        </p:nvPicPr>
+        <p:blipFill rotWithShape="1">
+          <a:blip r:embed="rId2"/>
+          <a:srcRect t="18148" r="9851" b="72288"/>
+          <a:stretch/>
+        </p:blipFill>
+        <p:spPr>
+          <a:xfrm>
+            <a:off x="846589" y="1901013"/>
+            <a:ext cx="10864442" cy="473229"/>
+          </a:xfrm>
+          <a:prstGeom prst="rect">
+            <a:avLst/>
+          </a:prstGeom>
+        </p:spPr>
+      </p:pic>
+      <p:pic>
+        <p:nvPicPr>
+          <p:cNvPr id="9" name="그림 8"/>
+          <p:cNvPicPr>
+            <a:picLocks noChangeAspect="1"/>
+          </p:cNvPicPr>
+          <p:nvPr/>
+        </p:nvPicPr>
+        <p:blipFill rotWithShape="1">
+          <a:blip r:embed="rId2"/>
+          <a:srcRect t="40730" r="41320" b="17327"/>
+          <a:stretch/>
+        </p:blipFill>
+        <p:spPr>
+          <a:xfrm>
+            <a:off x="846589" y="2474753"/>
+            <a:ext cx="7071920" cy="1384184"/>
+          </a:xfrm>
+          <a:prstGeom prst="rect">
+            <a:avLst/>
+          </a:prstGeom>
+        </p:spPr>
+      </p:pic>
+      <p:pic>
+        <p:nvPicPr>
+          <p:cNvPr id="10" name="그림 9"/>
+          <p:cNvPicPr>
+            <a:picLocks noChangeAspect="1"/>
+          </p:cNvPicPr>
+          <p:nvPr/>
+        </p:nvPicPr>
+        <p:blipFill>
+          <a:blip r:embed="rId3"/>
+          <a:stretch>
+            <a:fillRect/>
+          </a:stretch>
+        </p:blipFill>
+        <p:spPr>
+          <a:xfrm>
+            <a:off x="1099018" y="4646190"/>
+            <a:ext cx="2756093" cy="1041546"/>
+          </a:xfrm>
+          <a:prstGeom prst="rect">
+            <a:avLst/>
+          </a:prstGeom>
+          <a:ln w="38100" cap="sq">
+            <a:solidFill>
+              <a:srgbClr val="000000"/>
+            </a:solidFill>
+            <a:prstDash val="solid"/>
+            <a:miter lim="800000"/>
+          </a:ln>
+          <a:effectLst>
+            <a:outerShdw blurRad="50800" dist="38100" dir="2700000" algn="tl" rotWithShape="0">
+              <a:srgbClr val="000000">
+                <a:alpha val="43000"/>
+              </a:srgbClr>
+            </a:outerShdw>
+          </a:effectLst>
+        </p:spPr>
+      </p:pic>
     </p:spTree>
     <p:extLst>
       <p:ext uri="{BB962C8B-B14F-4D97-AF65-F5344CB8AC3E}">
@@ -19317,6 +20357,13 @@
   <p:clrMapOvr>
     <a:masterClrMapping/>
   </p:clrMapOvr>
+  <p:timing>
+    <p:tnLst>
+      <p:par>
+        <p:cTn id="1" dur="indefinite" restart="never" nodeType="tmRoot"/>
+      </p:par>
+    </p:tnLst>
+  </p:timing>
 </p:sld>
 </file>
 
@@ -19379,6 +20426,13 @@
   <p:clrMapOvr>
     <a:masterClrMapping/>
   </p:clrMapOvr>
+  <p:timing>
+    <p:tnLst>
+      <p:par>
+        <p:cTn id="1" dur="indefinite" restart="never" nodeType="tmRoot"/>
+      </p:par>
+    </p:tnLst>
+  </p:timing>
 </p:sld>
 </file>
 
@@ -19884,6 +20938,45 @@
           </a:p>
         </p:txBody>
       </p:sp>
+      <mc:AlternateContent xmlns:mc="http://schemas.openxmlformats.org/markup-compatibility/2006" xmlns:p14="http://schemas.microsoft.com/office/powerpoint/2010/main">
+        <mc:Choice Requires="p14">
+          <p:contentPart p14:bwMode="auto" r:id="rId6">
+            <p14:nvContentPartPr>
+              <p14:cNvPr id="3" name="잉크 2"/>
+              <p14:cNvContentPartPr/>
+              <p14:nvPr/>
+            </p14:nvContentPartPr>
+            <p14:xfrm>
+              <a:off x="2082960" y="2546280"/>
+              <a:ext cx="8153640" cy="3378600"/>
+            </p14:xfrm>
+          </p:contentPart>
+        </mc:Choice>
+        <mc:Fallback xmlns="">
+          <p:pic>
+            <p:nvPicPr>
+              <p:cNvPr id="3" name="잉크 2"/>
+              <p:cNvPicPr/>
+              <p:nvPr/>
+            </p:nvPicPr>
+            <p:blipFill>
+              <a:blip r:embed="rId7"/>
+              <a:stretch>
+                <a:fillRect/>
+              </a:stretch>
+            </p:blipFill>
+            <p:spPr>
+              <a:xfrm>
+                <a:off x="2073600" y="2536920"/>
+                <a:ext cx="8172360" cy="3397320"/>
+              </a:xfrm>
+              <a:prstGeom prst="rect">
+                <a:avLst/>
+              </a:prstGeom>
+            </p:spPr>
+          </p:pic>
+        </mc:Fallback>
+      </mc:AlternateContent>
     </p:spTree>
     <p:extLst>
       <p:ext uri="{BB962C8B-B14F-4D97-AF65-F5344CB8AC3E}">
@@ -19894,6 +20987,13 @@
   <p:clrMapOvr>
     <a:masterClrMapping/>
   </p:clrMapOvr>
+  <p:timing>
+    <p:tnLst>
+      <p:par>
+        <p:cTn id="1" dur="indefinite" restart="never" nodeType="tmRoot"/>
+      </p:par>
+    </p:tnLst>
+  </p:timing>
 </p:sld>
 </file>
 
@@ -20503,6 +21603,45 @@
           </a:p>
         </p:txBody>
       </p:sp>
+      <mc:AlternateContent xmlns:mc="http://schemas.openxmlformats.org/markup-compatibility/2006" xmlns:p14="http://schemas.microsoft.com/office/powerpoint/2010/main">
+        <mc:Choice Requires="p14">
+          <p:contentPart p14:bwMode="auto" r:id="rId6">
+            <p14:nvContentPartPr>
+              <p14:cNvPr id="3" name="잉크 2"/>
+              <p14:cNvContentPartPr/>
+              <p14:nvPr/>
+            </p14:nvContentPartPr>
+            <p14:xfrm>
+              <a:off x="1542960" y="3009960"/>
+              <a:ext cx="10065240" cy="1524240"/>
+            </p14:xfrm>
+          </p:contentPart>
+        </mc:Choice>
+        <mc:Fallback xmlns="">
+          <p:pic>
+            <p:nvPicPr>
+              <p:cNvPr id="3" name="잉크 2"/>
+              <p:cNvPicPr/>
+              <p:nvPr/>
+            </p:nvPicPr>
+            <p:blipFill>
+              <a:blip r:embed="rId7"/>
+              <a:stretch>
+                <a:fillRect/>
+              </a:stretch>
+            </p:blipFill>
+            <p:spPr>
+              <a:xfrm>
+                <a:off x="1533600" y="3000600"/>
+                <a:ext cx="10083960" cy="1542960"/>
+              </a:xfrm>
+              <a:prstGeom prst="rect">
+                <a:avLst/>
+              </a:prstGeom>
+            </p:spPr>
+          </p:pic>
+        </mc:Fallback>
+      </mc:AlternateContent>
     </p:spTree>
     <p:extLst>
       <p:ext uri="{BB962C8B-B14F-4D97-AF65-F5344CB8AC3E}">
@@ -20513,6 +21652,13 @@
   <p:clrMapOvr>
     <a:masterClrMapping/>
   </p:clrMapOvr>
+  <p:timing>
+    <p:tnLst>
+      <p:par>
+        <p:cTn id="1" dur="indefinite" restart="never" nodeType="tmRoot"/>
+      </p:par>
+    </p:tnLst>
+  </p:timing>
 </p:sld>
 </file>
 
@@ -20809,6 +21955,45 @@
           </a:prstGeom>
         </p:spPr>
       </p:pic>
+      <mc:AlternateContent xmlns:mc="http://schemas.openxmlformats.org/markup-compatibility/2006" xmlns:p14="http://schemas.microsoft.com/office/powerpoint/2010/main">
+        <mc:Choice Requires="p14">
+          <p:contentPart p14:bwMode="auto" r:id="rId3">
+            <p14:nvContentPartPr>
+              <p14:cNvPr id="7" name="잉크 6"/>
+              <p14:cNvContentPartPr/>
+              <p14:nvPr/>
+            </p14:nvContentPartPr>
+            <p14:xfrm>
+              <a:off x="1073160" y="1733400"/>
+              <a:ext cx="8992080" cy="4623480"/>
+            </p14:xfrm>
+          </p:contentPart>
+        </mc:Choice>
+        <mc:Fallback xmlns="">
+          <p:pic>
+            <p:nvPicPr>
+              <p:cNvPr id="7" name="잉크 6"/>
+              <p:cNvPicPr/>
+              <p:nvPr/>
+            </p:nvPicPr>
+            <p:blipFill>
+              <a:blip r:embed="rId4"/>
+              <a:stretch>
+                <a:fillRect/>
+              </a:stretch>
+            </p:blipFill>
+            <p:spPr>
+              <a:xfrm>
+                <a:off x="1063800" y="1724040"/>
+                <a:ext cx="9010800" cy="4642200"/>
+              </a:xfrm>
+              <a:prstGeom prst="rect">
+                <a:avLst/>
+              </a:prstGeom>
+            </p:spPr>
+          </p:pic>
+        </mc:Fallback>
+      </mc:AlternateContent>
     </p:spTree>
     <p:extLst>
       <p:ext uri="{BB962C8B-B14F-4D97-AF65-F5344CB8AC3E}">
@@ -20819,6 +22004,13 @@
   <p:clrMapOvr>
     <a:masterClrMapping/>
   </p:clrMapOvr>
+  <p:timing>
+    <p:tnLst>
+      <p:par>
+        <p:cTn id="1" dur="indefinite" restart="never" nodeType="tmRoot"/>
+      </p:par>
+    </p:tnLst>
+  </p:timing>
 </p:sld>
 </file>
 

--- a/L2L3 스위치 구축.pptx
+++ b/L2L3 스위치 구축.pptx
@@ -45,12 +45,17 @@
     <p:sldId id="297" r:id="rId39"/>
     <p:sldId id="291" r:id="rId40"/>
     <p:sldId id="292" r:id="rId41"/>
-    <p:sldId id="293" r:id="rId42"/>
-    <p:sldId id="294" r:id="rId43"/>
-    <p:sldId id="295" r:id="rId44"/>
-    <p:sldId id="296" r:id="rId45"/>
-    <p:sldId id="300" r:id="rId46"/>
-    <p:sldId id="301" r:id="rId47"/>
+    <p:sldId id="306" r:id="rId42"/>
+    <p:sldId id="307" r:id="rId43"/>
+    <p:sldId id="294" r:id="rId44"/>
+    <p:sldId id="295" r:id="rId45"/>
+    <p:sldId id="296" r:id="rId46"/>
+    <p:sldId id="302" r:id="rId47"/>
+    <p:sldId id="303" r:id="rId48"/>
+    <p:sldId id="304" r:id="rId49"/>
+    <p:sldId id="305" r:id="rId50"/>
+    <p:sldId id="300" r:id="rId51"/>
+    <p:sldId id="301" r:id="rId52"/>
   </p:sldIdLst>
   <p:sldSz cx="12192000" cy="6858000"/>
   <p:notesSz cx="6858000" cy="9144000"/>
@@ -173,358 +178,6 @@
           <inkml:channelProperty channel="T" name="resolution" value="1" units="1/dev"/>
         </inkml:channelProperties>
       </inkml:inkSource>
-      <inkml:timestamp xml:id="ts0" timeString="2024-03-25T04:52:17.754"/>
-    </inkml:context>
-    <inkml:brush xml:id="br0">
-      <inkml:brushProperty name="width" value="0.05292" units="cm"/>
-      <inkml:brushProperty name="height" value="0.05292" units="cm"/>
-      <inkml:brushProperty name="color" value="#FF0000"/>
-    </inkml:brush>
-  </inkml:definitions>
-  <inkml:trace contextRef="#ctx0" brushRef="#br0">11307 16245 0,'-18'0'62,"0"0"-46,1 0-16,-19 0 16,19 0-16,-19 0 15,-87 0 1,35 18-16,-142-18 16,89 0-1,0 0-15,-88 18 16,0-1-1,17-17 1,-17 0 15,52 0-15,36 0 0,-18 0-1,18 0 1,18 0-1,17 0 1,18 0-16,0 0 16,35 0-1,17 0-15,-87 0 16,35 0 0,0 0-1,-1 0 1,-34-17-1,-1-19 1,1 19 15,-1-1-15,-17 0 0,35-17-1,36 18-15,-36-19 16,53 1-16,0 35 15,-35-18 1,-35 1 0,34-36-1,54 35 1,-53-17 0,17 0-1,18-1 1,-35-17-1,18 18 1,-36-35 15,71 52-31,-18-35 16,17 35-16,19 1 16,-36-36-1,0 0 1,18 0-1,-36-35 1,36 35 0,0 18-1,35-18 1,0 35 0,0-52-1,0 34 1,0 19-16,0-36 15,0 35 1,0-35-16,35 0 31,18 0-15,-18 18 0,-17 17-1,-1-17 1,54-18-1,-1 0 1,19 18 0,16-18-1,-34 35 1,-36 1-16,53-18 16,-35 17-1,-17 18-15,105-18 16,-18 1-1,36-19 1,-53 19 15,17 17-15,-17 0 0,18 0-1,52-18 1,0 0-1,1-17 1,-1 0 0,-17 17-1,0-17 1,-54 35 0,37 0-1,-1 0 1,70 0-1,-17 0 1,0 0 15,0 0-15,36 0 0,-19 0-1,36 0 1,-105 0-1,-37 0 1,1 0 0,0-18-1,35 1 1,-35 17 0,53 0-1,-1 0 1,19 0-1,-36 0 1,88 0 15,-52 0-15,-1 0 0,18 0-1,53 0 1,-53 0-1,-18 0 1,1 0 0,-36 0-1,-35 0 1,-18 0 0,18 0-1,35 35 1,-106-35-16,71 18 15,-53-18 1,-18 0-16,36 17 31,-1-17-15,36 18 0,18 0-1,-19 17 1,19-18-1,-36 1 1,0 17 0,-35-17-1,0 17 1,-18-35-16,1 36 16,17-19-1,-18 1 1,-17-1-1,17 19 1,-18-36 0,1 17-1,0 1 1,-1 0 0,19 17-1,-19-17 1,1-1-1,0 36 1,-18-35 15,0-1-15,17 1-16,1 0 16,-1 17-1,-17-17 16,18 17-15,-18 0-16,18-17 31,17 70-15,-35-35 0,18 0-1,-18 0 1,0 17-1,0-52 1,0 35 0,-18-18-1,0-17 1,1 35 0,-19 0-1,-34 17 1,35-35-1,17 1 1,-70 34 15,35-17-15,0-18 0,-35 1-1,0-19 1,-1 36-1,-16-35 1,-54 17 0,35 0-1,36 1 1,0-1 0,0-17-1,0 17 1,-89 18-1,54-18 1,34 0 15,-52 1-15,0-19 0,18 19-1,-1-36 1,36 17-1,0 1 1,-18-18 0,-35 18-1,35 17 1,-141-18 0,141 1-1,18-18 1,18 0-1,-1 0 1,18 0 15,-35 0-15,0 0 0,17 0-1,1 0 1,34 0-1,-17 0 1,36 0 0,-36 0-1,18 0 1,-36 0 0,1 0-1,34 0 1,19 0-1,-19 0 1,1 0 15,17 0-15,-35 0 0,18 0-1,0 0-15,0 0 16,17 0-16,-17 0 15,-18 0 1,-18 0 0,18 0-1,0 0 1,18 0 0,0 0-1,-36 0 1,18 0-1,1 0 1,-37 0 15,72 0-31,-36-35 16,35 35 0,0 0-16,-17 0 15,18 0 1,-1 0-1,-35-18 1,18 18 0,17 0-1,-35 0 1,18-17 0,-36 17-1,54 0 1,-19 0-1,19-18 1</inkml:trace>
-  <inkml:trace contextRef="#ctx0" brushRef="#br0" timeOffset="3640.6291">14270 15769 0,'-18'18'0,"1"-1"15,-1-17 1,0 0-16,1 18 15,-54 0 1,1-18 0,34 17 15,19-17-15,-36 0-1,17 0 1,-16 0-16,-19 0 15,53 0-15,1 0 16,-54 0 0,53 0-1,-52 0 1,-18 0 0,-36 0-1,18 0 1,1 0-1,52 0 1,-18-17 0,54 17 15,-54-18-15,53-17-1,-70-36 1,35 18-1,18 18 1,-18-18 0,35 18-1,1 17 1,-1-35 0,18 36-1,0-54 1,0 36-1,0-18-15,0-35 16,0 70 0,0-17-16,0-36 31,0 18-15,0 36-1,18-19 1,17-34-1,0 17 1,18 0 0,-18 18-1,18-18 1,0 18 0,-17-1-16,-1 19 15,18-1 1,-18-17-16,0 17 15,36 0 1,-36 18 0,0-17 15,18-1-15,-35 1-1,35-1 1,35 18-1,-35-18 1,35 18 0,-35 0-16,18-17 15,-36 17 1,18 0-16,0 0 16,-18 0-1,18 0 1,0 0-1,-18 0 1,18 0 0,18 0 15,-54 0-15,1 0-1,0 17 1,17-17-1,18 36 1,-36-19 0,1 1-1,17-1 1,1 36 0,17 36-1,-36-72 1,36 54-1,-18-54 1,18 1 15,-17 0-15,-1 17 0,-18-17-1,1-1 1,0 18-1,-18-17 1,0 0 0,-36 17-1,19 0 1,-1-17 0,18 17-1,0 1 1,-17 34-1,-1-35-15,-17 18 16,35-35 0,-18 0-1,18 17 1,0 0 0,-18-17-1,-17 35 1,17-18-1,18 0 1,-17 1 0,-1-19-1,-17 18 1,17 1 0,-17-19-1,0 19 1,-1-1-1,-16-17 1,34-1 0,-35 18 15,35-35-15,1 18-1,-19 0 1,1-1-1,17-17 1,1 0 15,-1-17 360,18-1-375,0 0-1</inkml:trace>
-  <inkml:trace contextRef="#ctx0" brushRef="#br0" timeOffset="9624.8805">12030 14217 0,'0'-18'78,"0"1"-62,0-19 15,17 1-15,19-18-1,-19 18-15,1-36 16,17-70 0,18-18-1,18-17 1,-1 0 0,-17-36-1,35 0 1,1 18-1,-37 53-15,54-123 16,-35 140 0,-36 36-16,53-141 31,1 35-15,-1-36-1,0 1 1,0 17-1,36 1 1,-72 34 0,37 1-1,-19 35 1,1 0 0,-54 53-16,89-124 15,-53 124 1,-18-1-16,18-52 15,18 0 1,-18 0 0,17 0 15,1-18-15,-18 18-1,0 0 1,53-35-1,-36 70 1,-17-18 0,35-34-1,-52 87 1,16 1 0,-16-19-1,17 1 1,-18 35-1,0-17 1,0-1 0,1-17 15,-1 17-15,0 36-1,-17-18 1,17 0-1,-17 36 1,0-19 0,-1-17-1,-17 36 1,18-1 62</inkml:trace>
-  <inkml:trace contextRef="#ctx0" brushRef="#br0" timeOffset="11109.3805">14870 7285 0,'0'-18'109,"35"-17"-93,-18 35 15,1-18-31,0 1 32,-1 17-17,19-18-15,-19 0 31,1 1-15,0-1 0,-1 18-16,1-18 31,0 1-15,-1-1 46,1 18-31,17 18 126,-17-1-126,-1 19-16,19-1 1,-19-17 0,1-1 15,17 19-15,-17-19-1,-1 1 1,1-1-1,0 1 1,-18 0 47,35 17-48,-17-17 1,-18-1-1,17 19 17</inkml:trace>
-  <inkml:trace contextRef="#ctx0" brushRef="#br0" timeOffset="30421.8806">6632 16034 0,'0'0'0,"-17"0"0,-19-18 16,1 18-1,0-18 1,-1-17-1,36 18 1,-52-36 0,34 17-1,-35-52 17,35 35-17,1-53 1,-1-17-1,-17-18 1,17 35 0,18 18-1,0 17 1,0-17 0,0 17-1,0 1 1,0 17-1,35-18 1,-17 19 0,53-19-1,-36 18 17,53-53-17,-35 89 1,18-36-1,-1 35 1,36 0 0,-18-17-1,0 18 1,36 17 0,35 0-1,-54 0 1,-16 0-1,-1 17 1,0 1 0,-17 17-1,-1 0 17,36 18-17,-18 18 1,-35-18-1,0 0 1,0 0 0,-18-1-1,18 37 1,-18-19 0,18 54-1,-17-36 1,-19-18-1,18 1 1,-17-18 0,-18 0-1,0 0 17,0 17-17,0 1 1,0-1-1,0-17 1,-18 18 0,-17-1-1,0 19 1,0-54 0,17-17-1,-70 52 1,0 1-1,17-36 1,18 0 0,-35-17-1,53-1 17,-18-17-17,-35 18 1,35 17-1,17-35-15,-52 0 16,53 0-16,-18 0 16,0 0-1,0 0 1,-17 0 0,17 0-1,-18 0 1,1-35-1,-36 0 1,53-18 0,-35-18-1,52 54 17,-69-54-17,52 36 1,0-18-1,-18 0 1,18 0 0,36 18-1,-1-18 1,-35-35 0,35 35-1,18 18 1,-17-18-1,17 17 1,0-34 0,-18-1-1,18 1 17,0 17-17,0-18 1,0 18-1,0 0 1,0 0 0,0 18-1,0-35 1,18 17 0,17 0-1,0-18 1,-17 18-1,35 0 1,0-17 0,-36 52-1,19 1 17,34-36-17,-17 53 1,35-18-1,-17 0 1,35 18 0,-36-35-1,89 35 1,0 0 0,0 0-1,-1 35 1,-52-17-1,-18 17 1,-70-17 0,35 0-1,-35-1 17,34 36-17,1-18 1,18 36-1,-18 17 1,-18-17 0,-17 17-1,17 0 1,0 18 0,-17-18-1,0-17 1,-18 17-1,17-18 1,-17 19 0,0-19-1,0-17 17,0 0-17,0-35-15,0 35 16,0-18-16,0-17 15,-35 52 1,0-17 0,-1 0-1,-17 17 1,18-34 0,-18-1-1,18 0 1,-18-17-1,-35 17 1,-53-17 0,35 17-1,18-17 17,52 17-17,-52-35 1,0 0-1,0 0 1,0 0 0,-36 0-1,18 0 1,1 0 0,34-18-1,-35-17 1,53 17-1,0 1 1,18-36 0,-36 0-1,36 35 17,0-17-17,35 0 1,-18-36-1,-17-17 1,17-18 0,1 0-1,-1-88 1,18 106 0,0-35-1,0 70 1,0-35-1,18-36 1,-1 18 0,19 36-1,-19-36 17,19 18-17,-1 17 1,0 18-1,18-70 1,-18 70 0,18 0-1,-35 18 1,17 17 0,18-17-1,18 35 1,34 0-1,37 0 1,16 0 0,-34 0-1,-36 0 17,-17 0-17,-36 0-15,53 35 16,-35-17-16,0 17 15,70 0 1,-34 36 0,-19-36-1,-17 18 1,18 18 0,-36-19-1,18 37 1,0-1-1,17 0 1,1 18 0,-54-18-1,19 0 17,-19 0-17,-17-35 1,18 18-1,-18 17 1,0-17 0,0-1-1,0-34 1,0-19 0,-18 54-1,-35-1 1,0-34-1,1 16 1,-1-16 0,-18-1-1,36 0 17,-36-17-17,1 0 1,17 34-1,-18-34 1,-17 0 0,0 17-1,0-17 1,17-18 0,18 17-1,0-17 1,-17 18-1,-1-18 1,-35 35 0,36-35-1,-1 0 17,36 0-17,-36 0 1,1 0-1,17 0 1,-18-35 0,-17-18-1,35 35 1,0-17 0,0 0-1,18 17 1,0 1-1,17-1 1,1 18 0,-19-18-1,1-17 17,17 17-17,1 1 1,17-1-1,-18 0 17,18 1-32,0-1 15,-35-17 1,35 17 0,-18-17-1,1-36 1,-1 19-1,-35-19 1,35 0 0,1 18-16,-19-17 15,19 35 1,17 17 0,0-70-1,0 17 1,0 1-1,0-1 1,0 18 0,17-17-1,19-36 1,34 18 0,-34 35-1,16-18 1,19 18-1,17 18 1,0-36 0,36 1-1,-18 35 17,0-1-17,-54 1 1,1 35-1,18-53 1,-36 53 0,36-18-1,35 18 1,-36 0 0,-35 0-1,18 0 1,-35 0-1,35 0 1,-35 0 0,-1 0-1</inkml:trace>
-  <inkml:trace contextRef="#ctx0" brushRef="#br0" timeOffset="126116.309">24553 15240 0,'-17'0'0,"-1"0"31,-17 0 0,17 0-15,-35-18-1,36-17 1,-1 17 0,-17 1-1,17-54 1,18 1 0,0 34-1,0-34 1,0 17-1,0 18 1,0-18 0,0 17-1,18-16 1,17-19 0,-17 36-1,17-18 1,53-18 15,-35 18-15,18 0-1,-36 36 1,18-18 0,35 17-1,-18 0 1,36 18-1,-35-35 1,35 17 0,17-17-1,1 35 1,70-35 0,-36 35-1,-34 0 1,35 0 15,17 0-15,0 0-1,71 0 1,18 0 0,-36 0-1,-17 0 1,-89 17-1,-34 54 1,34-18 0,-17 0-1,0-18 1,-36 18 0,1 18-1,-18-19 1,0 1 15,-36-35-15,19 35-1,-19-35 1,36 34 0,-35 19-1,-18-53-15,17 70 16,19-18-1,-36-34-15,17 34 16,1-17 0,0 0-1,-18-35 1,0-1 0,35 19-1,-35-19 1,0 19 15,0-1-15,0 0-1,-35 53 1,-1-70 0,-52 35-1,35-18 1,-53-17-1,18 35 1,0-36 0,-35-17-1,-1 18 1,-52 17 0,-1-35-1,19 18 1,69-18-1,1 18 1,35-18-16,0 0 16,-35 17-1,-35-17 1,-1 35 0,-52-17-1,-18 0 1,17 17-1,36-17 1,0-18 0,0 0-1,-18 0 1,36 0 0,52 0-16,-17 0 15,35 0 1,35 0-16,-34-18 31,-19-17-15,53 17-1,-52-35 1,-1 0 0,-17-17-1,53 34 1,-53-52-1,52 53 1,-34-36 0,52 54-1,1-19 1,-1 19 0,-17-54-1,-18 18 1,53 36 15,-18-19-15,18 19-1,-18-1 1,1 1 0,17-1 15,17 0 63,-17 1-79,0-19-15,18 19 16,-18-19-16,35-105 31,18 53-15,-17 0-1,34-18 1,-35 71-16,18-36 16,-17 36-16,-1 0 15,35-53 1,-17 52-1,18-17 1,-18 36 0,17-1-1,1-17 1,52 35 0,36-18-1,35-17 1,88 0 15,-70 17-15,-71 18-1,0 0 1,-35 0 0,-18 0-1,0 0 1,1 0-1,-19 18 1,36 17 0,-18-18-1,18 19 1,-18-19 0,-35 1-16,35 0 15,-35 17 1,-35-35-16,35 18 31,17-1-15,-52 1-1,17 17 1,-17-35 0,0 18-1,17-1 1,-18-17-1,36 53 1,-17-35 0,-1 0-16,-17-1 15</inkml:trace>
-</inkml:ink>
-</file>
-
-<file path=ppt/ink/ink10.xml><?xml version="1.0" encoding="utf-8"?>
-<inkml:ink xmlns:inkml="http://www.w3.org/2003/InkML">
-  <inkml:definitions>
-    <inkml:context xml:id="ctx0">
-      <inkml:inkSource xml:id="inkSrc0">
-        <inkml:traceFormat>
-          <inkml:channel name="X" type="integer" max="1920" units="cm"/>
-          <inkml:channel name="Y" type="integer" max="1080" units="cm"/>
-          <inkml:channel name="T" type="integer" max="2.14748E9" units="dev"/>
-        </inkml:traceFormat>
-        <inkml:channelProperties>
-          <inkml:channelProperty channel="X" name="resolution" value="36.15819" units="1/cm"/>
-          <inkml:channelProperty channel="Y" name="resolution" value="36.24161" units="1/cm"/>
-          <inkml:channelProperty channel="T" name="resolution" value="1" units="1/dev"/>
-        </inkml:channelProperties>
-      </inkml:inkSource>
-      <inkml:timestamp xml:id="ts0" timeString="2024-03-25T05:06:29.355"/>
-    </inkml:context>
-    <inkml:brush xml:id="br0">
-      <inkml:brushProperty name="width" value="0.05292" units="cm"/>
-      <inkml:brushProperty name="height" value="0.05292" units="cm"/>
-      <inkml:brushProperty name="color" value="#FF0000"/>
-    </inkml:brush>
-  </inkml:definitions>
-  <inkml:trace contextRef="#ctx0" brushRef="#br0">11606 18256 0,'-17'0'78,"-1"0"-63,0 0-15,-17 18 16,18-18 0,-1 0-1,0 0 1,-35 0 0,18-18-1,0-17 1,-18-18-1,0 0 1,18 18 0,-18-18-1,35 35 1,18-35 0,0 36-16,0-1 15,0-52 1,0 17-1,18 0 1,-1-18 0,19 1-1,17-1 1,0-35 0,17 18-1,36 0 1,17 0-1,-52 52-15,35-52 16,-18 71 0,-35-19-16,88 1 15,18 0 17,17-1-17,18 36 1,18 0-1,-18 0 1,18 0 0,-1 0-1,-17 0 1,0 0 0,-123 0-16,140 36 15,-52-1 1,-18 18-16,124 17 15,-18 36 1,-106-35 0,0-36-1,-17 36 17,17-1-17,-18-17 1,-52 18-1,17 17 1,-35-18 0,0 19-1,-53-19 1,0-35 0,0 18-1,0 18 1,0-36-1,0 18 1,-36 0 0,-34 18-1,-36-1 17,36-35-17,-36 18 1,-124 0-1,36 18 1,18-54 0,-18 19-1,0-19 1,35 1 0,0 0-1,18 17 1,0-35-1,-18 0 1,-17 0 0,17 0-1,-70-35 17,70 17-17,-17-17 1,-1 17-1,72 18 1,-1 0 0,-18-18-1,18 1 1,-17-18 0,52 35-1,-17-18 1,18 0-1,-1 1 1,1 17 0,34-36-1,-17 36 17,18 0-17,-35-17 1,52 17-1,0 0 1,-17 0 0,17 0-1,1-18 1,-1 0 78,36 18 46,-1-17-77,-17-1-63,0 1 15,0-1 1,0-17 0,18 17-1</inkml:trace>
-  <inkml:trace contextRef="#ctx0" brushRef="#br0" timeOffset="1953.2444">12788 17057 0,'0'-53'62,"0"35"-46,0 1-16,0-36 16,0 0-1,35-35 1,1-195-1,-19 72 1,19-36 0,-1-35-1,-35-1 1,0-52 0,0-71-1,0-17 1,18-35-1,-18-1 1,0 36 0,0-1-1,0-158 17,0 229-17,-36 36 1,-17-18-1,-52-18 1,16 53 0,19 71-1,17 52 1,-18-17 0,1 0-1,-54-35 1,18-18-1,-52-159 1,70 107 0,-1 34-1,-16-17 17,69 52-17,1 54 1,0 17-1,17 36 1,-17 17 0,35 18-1,-18 17 1,0-17 0,1-18-1,-1 18 1,1 35-1,-1 0 1,18 18 0,-18 17-1,18 1 17,-17-1-1,17 0-16</inkml:trace>
-  <inkml:trace contextRef="#ctx0" brushRef="#br0" timeOffset="4218.7506">11624 6332 0,'-18'36'31,"1"-36"-16,-1 0 1,0 0-16,-17 0 16,0 0-1,-18 0-15,0 0 32,0 0-32,-17 0 15,34 0-15,-17 0 16,-70 0-1,-18 0 1,35 0 0,18 0-1,-18-53 1,-35 17 0,17-16-1,-17-1 1,18-18-1,-1 0 1,89 54-16,-18-36 16,35 35-1,1 1-15,-18-107 32,-1 54-17,19 17 1,-1-18-1,0 1 1,18 17 0,-17-18-1,17 1 1,0 34 0,0-17-1,0 18-15,0-18 16,0 36-1,0-1-15,17-70 16,19 17 0,17-17-1,17 17 1,-17 36 15,35-18-15,0 18-1,1 17 1,34-35 0,36 18-1,-71 35-15,106-53 16,-106 53-16,0 0 16,89 0-1,-18 0 1,-1 0-1,-34 0 1,35 0 0,-54 0-1,-52 0 17,18 18-17,17 17 1,-17 18-1,-1-18-15,18 18 16,-52-18-16,-1-17 16,18 35-1,-18-18 1,18 18 0,-18-17-1,1 16 1,17 19-1,-36-36 1,-17 36 0,18-1-1,-18-34 1,0-1 0,0 0-1,0-17-15,0 17 16,0-17-1,0-1 1,0 36 0,-18-17-1,-35 34 1,36-35 0,-19 18-1,1-17 1,-36-19-1,36 19 1,0-19-16,-18 18 16,53-17-1,-35 0-15,-1-1 16,-16 1 15,-19 35-15,36-35-1,-36-1 1,36 18 0,0 1-1,-18-19 1,35-17 0,-17 18-1,17-18-15,1 0 16,-1 18-1,0-1-15,1-17 32,-1 0-32,-17 18 15,-1-18 1,19 0 15,-1 18-15,0-18-1,-17 17 1,0 1 0,17 0-1,-17-1 1,17-17 0,1 18 30,-1-18 1,0 17 0,-17 1 0</inkml:trace>
-  <inkml:trace contextRef="#ctx0" brushRef="#br0" timeOffset="20890.6254">23530 17498 0,'0'0'0,"0"17"15,0 1 1,0 0-1,-35 17 1,35 0 0,0-17-16,-18 52 15,18-17 1,0-35-16,0 88 31,0 0-15,18 17-1,0-17 1,17-35 0,35-1-1,-17-17 1,-35-35 0,53-1-1,-1-17 1,-17 18-16,71 0 15,-36-18 1,-35 0-16,123 0 16,89 0-1,34 35 1,54-18 15,-35-17-15,-36 0-1,-53 0 1,-17 0 0,-18 0-1,-35 0 1,-89 0-16,71 0 16,-105 0-1,34 0-15,71-17 16,-35-36-1,0 35 1,-18 1 0,-17-19-1,-18 1 1,0 0 15,-1-36-15,1 1-1,-35-54 1,-18 71-16,0-70 16,35 88-16,-35-36 15,0-52 1,18-36 0,0 53-1,-18-18 1,0 36-1,0 53 1,0 17 0,0-17-1,-36 0 1,-34-36 15,52 54-31,-35-1 16,0 0-16,-35-35 15,-106 36 1,-35-1 0,17-17-1,-17 35 1,17-18 0,-17 18-1,17 0 1,1 0-1,-19 0 1,-17 36 0,88-1-16,-123 35 15,141-17 1,35-35-16,1 17 31,-1 18-15,53-35-1,-18 35 1,18-18 0,-53 18-1,-17-36 1,35 19 0,-18 34-1,-18-17 1,89-35-16,0-1 15,0 1 1,-1 0 0,19 17 15,52-17 78,36-18-93</inkml:trace>
-  <inkml:trace contextRef="#ctx0" brushRef="#br0" timeOffset="22625.1216">24677 17145 0,'0'-18'16,"0"1"15,0-1-16,17-17-15,19 0 16,-19-1 0,54-70-1,52-17 1,18-36 15,-52 71-31,105-106 16,-88 70-16,-18 19 15,106-125 1,17-17 0,-34 18-1,-1-35 1,1 34 0,-72 36-1,1-35 1,0 0-1,-35 52 1,17 1 0,-70 88-16,34-71 15,-16 88 1,-1-17-16,0-159 31,18 53-15,-35 53-1,-18-35 1,0-71 0,-53 88-1,-53 18 1,36 35 0,-1 0-1,36 53 1,-89-229-1,1 123 1,52 71 0,-17 0-1,17 0 1,18 35 15,-17-53-15,-71 0-1,-71-70 1,53 35 0,1 17-1,17-17 1,70 70-16,-158-123 16,105 106-1,-17-18-15,-212-158 16,106 123-1,18 0 1,-71-36 0,106 36-1,0 35 1,-53 0 15,71-17-15,-177-71-1,53 70 1,159 54-16,-212-89 16,195 89-16,16 17 15,-122-71 1,52 18 0,-17-17-1,70 52 1,0 1-1,-17-1 1,-18-17 0,35 35-1,-52-35 1,-19 0 15,107 35-31,-177-71 16,229 89-16,-34 0 15,-19-36 1,36 54 0,17-1-1,1 18 1,34-35 0,-16 17-1,-1 0 1,-36 1-1,37 17 1,-19-35 0,36 17-16,17 18 15,-17 0 17,17 0-17,1 0 63</inkml:trace>
-  <inkml:trace contextRef="#ctx0" brushRef="#br0" timeOffset="25171.8794">15981 6773 0,'-18'-17'0,"36"-1"31,-1 18-15,54-18-1,0 1 1,52-18 0,1 17-1,-1 0 1,-17 18-1,-36-17 1,54-19 0,-54 36-1,36-17 1,18-1 15,-89 18-31,71-18 16,-53 18-16,17-35 15,36 17 1,18-17 0,-19 0-1,37 0 1,16 17 0,36-17-1,-17 17 1,-36 0-1,-18 1 1,-35-18 0,-35 35-16,18-36 15,-18 19 1,-35 17-16,52-36 31,-17 1-15,0 17-1,-18-17 1,0 17 0,1 1-1,-19-1 1,1-17 0,0 17-1,-1 1 1,1-19-16,0-17 15,-1 1 1,1 34-16,0 0 16,-18-17-1,0 17 1,0 1 15,0-1-15,0-17-1,0 17 1,-18-17 0,0-18 15,1 35 0,17 1 0,-18-36 1,18 35-1,0 1-15,0-19-1,-35 1 1,-1 0-1,19-1 1,-19 1-16,-16-18 16,34 36-16,-17 17 15,-54-18 1,-69-35 0,-36 0-1,-53-17 1,-35-1-1,17-17 1,124 52 0,88 36-1,18 0 1,17 0 15,0 0-31,1 0 16,-19 0-16,19 0 15,-19 0 1,-34 0 0,-36 0-1,18 0 1,-36 0 0,19 18-1,-19 17 1,-35 18-1,54-17 1,-37-1 0,72-17-16,-54 34 15,54-34 1,35-18-16,-18 18 31,0 35-15,17-36-1,-16 36 1,16-18 0,-34 36-1,34-18 1,19 0 0,-1 35-1,18-17 1,0 87-1,0-87 1,0-18 0,18-18-1,-1 18 1,36-18 15,0 18-15,-17-35-1,16-18 1,19 35 0,-36-35-1,53 18 1,-35-1-16,36 1 16,-36 17-1,-1-35-15,54 18 16,-18 0-1,18 35 1,-17-36 0,52 1-1,-53 17 1,-18-17 15,-34-1-15,17-17-1,-36 18 1</inkml:trace>
-  <inkml:trace contextRef="#ctx0" brushRef="#br0" timeOffset="28953.251">8537 3757 0,'35'0'94,"1"0"-94,34 0 15,-34 0-15,52 0 16,159 0 0,88 0-1,106 0 1,70 0-1,-264 0-15,230 0 16,-319 0 0,-52 0-16,-35 0 15,-54 0 1</inkml:trace>
-</inkml:ink>
-</file>
-
-<file path=ppt/ink/ink11.xml><?xml version="1.0" encoding="utf-8"?>
-<inkml:ink xmlns:inkml="http://www.w3.org/2003/InkML">
-  <inkml:definitions>
-    <inkml:context xml:id="ctx0">
-      <inkml:inkSource xml:id="inkSrc0">
-        <inkml:traceFormat>
-          <inkml:channel name="X" type="integer" max="1920" units="cm"/>
-          <inkml:channel name="Y" type="integer" max="1080" units="cm"/>
-          <inkml:channel name="T" type="integer" max="2.14748E9" units="dev"/>
-        </inkml:traceFormat>
-        <inkml:channelProperties>
-          <inkml:channelProperty channel="X" name="resolution" value="36.15819" units="1/cm"/>
-          <inkml:channelProperty channel="Y" name="resolution" value="36.24161" units="1/cm"/>
-          <inkml:channelProperty channel="T" name="resolution" value="1" units="1/dev"/>
-        </inkml:channelProperties>
-      </inkml:inkSource>
-      <inkml:timestamp xml:id="ts0" timeString="2024-03-25T05:07:03.668"/>
-    </inkml:context>
-    <inkml:brush xml:id="br0">
-      <inkml:brushProperty name="width" value="0.05292" units="cm"/>
-      <inkml:brushProperty name="height" value="0.05292" units="cm"/>
-      <inkml:brushProperty name="color" value="#FF0000"/>
-    </inkml:brush>
-  </inkml:definitions>
-  <inkml:trace contextRef="#ctx0" brushRef="#br0">24148 14834 0,'-18'-17'63,"0"17"-47,1 0-1,-36 0 1,-88 0-1,-18 0 1,18 0 0,17 0-1,36 0 1,-18-36 0,36 36-1,52-17 1,-35-1-1,36-17 1,-1 0 0,18 17-1,-18-35 1,18 18 0,0-1 15,0 1-16,0 18 1,0-36 0,0 35-16,0-53 15,0 54-15,18-1 16,-18-17 0,0-53-1,35 35 1,-17 0-1,0 18 1,-1-36 0,1 36-1,17-1 1,-17-16 0,-1 16 15,89-87-16,-18 52 1,18 18 0,-35 18-1,17 17 1,0 18 0,0 0-1,18 0 1,0 53-1,0-17 1,17 16 0,36 19-1,17 35 1,-123-71 0,0 0 15,-17-17-16,-19 0 1,36 35 0,-53-36-1,18 71 1,-18-35 0,0 0-1,0 18 1,0-18-1,-18 0 1,18-18 0,-18 0-1,1-17 1,-1 17 0,-17 0 15,17-17-16,1 17 1,-1 1 0,18-19-1,-18 1 1,1 0 0,-1-1-1,0 1 16</inkml:trace>
-</inkml:ink>
-</file>
-
-<file path=ppt/ink/ink2.xml><?xml version="1.0" encoding="utf-8"?>
-<inkml:ink xmlns:inkml="http://www.w3.org/2003/InkML">
-  <inkml:definitions>
-    <inkml:context xml:id="ctx0">
-      <inkml:inkSource xml:id="inkSrc0">
-        <inkml:traceFormat>
-          <inkml:channel name="X" type="integer" max="1920" units="cm"/>
-          <inkml:channel name="Y" type="integer" max="1080" units="cm"/>
-          <inkml:channel name="T" type="integer" max="2.14748E9" units="dev"/>
-        </inkml:traceFormat>
-        <inkml:channelProperties>
-          <inkml:channelProperty channel="X" name="resolution" value="36.15819" units="1/cm"/>
-          <inkml:channelProperty channel="Y" name="resolution" value="36.24161" units="1/cm"/>
-          <inkml:channelProperty channel="T" name="resolution" value="1" units="1/dev"/>
-        </inkml:channelProperties>
-      </inkml:inkSource>
-      <inkml:timestamp xml:id="ts0" timeString="2024-03-25T04:55:00.355"/>
-    </inkml:context>
-    <inkml:brush xml:id="br0">
-      <inkml:brushProperty name="width" value="0.05292" units="cm"/>
-      <inkml:brushProperty name="height" value="0.05292" units="cm"/>
-      <inkml:brushProperty name="color" value="#FF0000"/>
-    </inkml:brush>
-  </inkml:definitions>
-  <inkml:trace contextRef="#ctx0" brushRef="#br0">30392 10530 0,'-18'0'31,"1"0"-31,-36 0 16,17 0-1,19 0 1,-72-35 0,54 0-1,0-18 1,17 0 0,1 18-1,17 17 1,0-17-16,0 0 15,0 17 1,0-17 0,0-1-1,0 19 1,0-19 0,0 19 15,17-1-16,19-17 1,16-18 0,1 35-1,36-35 1,-36 36-16,35-19 16,-35 19-1,-18-1-15,71 1 16,-18-1-1,18-17 17,-18-1-17,-53 19 1,1 17 0,-1 0-1,18-18 1,17 18-1,-17-35 1,0 35-16,18-18 16,-54 18-1,1 0-15,0 0 16,17 0 0,0 18-1,-17-18 1,52 0-1,-52 0 17,53 17-17,-54-17 1,54 18 0,-1-18-1,-52 0-15,35 18 16,-18-18-16,0 35 15,1-35 1,-1 18 0,0-1-1,18 19 1,-53-19 0,35 18-1,1-35 1,-19 36-1,19-1 17,-19-17-17,1 35 1,-18-36 0,0 36-1,0 0 1,0 0-1,0-18 1,0 1 0,0-1-1,0 18 1,0-18 0,0 18-1,-35-18 1,-1 18-1,1 0 17,0-18-17,-18 1 1,-18-1 0,18 18-1,0-36 1,-35 36-1,18-35 1,-36 0 0,-18 35-1,54-36 1,-18 1-16,-18-18 16,53 0-1,-18 0-15,-70 0 16,-70 0-1,-1 0 17,18-35-17,35 17 1,53 0 0,-17 1-1,88 17 1,-36-18-1,53 0 1,-35 1 0,36 17-1,-18 0 1,17-18 31,-17 18 250,-71 0-297,-35-18 15</inkml:trace>
-  <inkml:trace contextRef="#ctx0" brushRef="#br0" timeOffset="3093.7423">25329 10460 0,'-17'0'16,"-18"0"15,17 0-15,0 0-1,1 0-15,-54 0 16,-70 0 0,-35 0-1,-54 0 1,-34 0-1,-54 0 17,106 0-17,-34 0 1,69 0 0,1 0-1,70 0-15,-159 0 16,107 0-16,-1 0 15,-88 0 1,53 0 0,70 0-1,-34 0 1,-1 0 0,-17 0-1,-54 0 1,-17 0-1,18 0 17,17 0-17,124 0-15,-71 0 16,124 0-16,0 0 16,17 0-1,1 0 1,-1-18 46,0-17-30,1 17-17,17-17 1,0 0-16,0-36 15,0-35 17,0 36-17,0-18 1,0 52 0,0-17-1,17 36 1,-17-1-1,18 0 1,17 18 47,-17-17-63,70-1 15,88 1 1,-17-19-1,35 1 17,0 17-17,35 18 1,-17 0 0,17 0-1,1 0 1,-19 0-1,-34 0 1,-107 0-16,89 0 16,-88-17-1,17 17-15,88 0 16,18 0 0,53 0-1,0 0 1,-53 0-1,0 0 17,-53 0-17,18 0 1,18 0 0,-36 0-1,141 0 1,-88 35-1,-18-17 1,-70-1 0,35 1-1,-17-18 1,-54 0 0,-17 35-1,-18-35 1,-17 0 15,0 18 32,-18-1-17,17 36-14,1-35-17,-18 0 1,18 35-16,-1-36 16,-17 1-1,0 52 1,0 19-1,0-19 17,0-52-17,0-1 17,-17 19-17,17-19 32,0 1 16,17 0-48,-34 17 204,-1-17-219,0-1 16,-17-17-1,17 0-15,-34 18 16,-1 0-1,-36-18 17,-34 35-17,35-35 1,52 0 0,19 0-1,-18 0 1,17 0 31</inkml:trace>
-  <inkml:trace contextRef="#ctx0" brushRef="#br0" timeOffset="10640.6256">16404 9190 0,'-35'0'16,"17"0"46,1-18-46,-1 1-1,0-1 1,18 0-16,0 1 16,0-19-1,0-34 1,0 17-1,0 0 1,0 0 15,0 35-15,0 1 0,18-18-1,17-1 1,-17 19-1,0-1 1,-18 0 0,17 1-1,1-1 1,-1 18 15,1 0-15,0-18-16,17 18 15,0 0 1,-17-17 15,35 17-15,-18 0-16,18 0 16,-35 0-16,-1 0 15,54 0 1,-18 0-1,-36 0 1,1 0 0,0 0-1,17 0 1,-17 0 0,-1 0-1,1 0 1,17 0-1,-17 17 1,-1 1 15,1 17-15,0-17 0,-18 17-1,17 18 1,1 0-1,-18-18 1,0 36 0,-35-36-1,-1 18 1,-16-18 0,-19 1-1,53-19 1,-52 1-1,17 0 1,0 17 15,18-35-15,17 18 0,0-1-1,-17 1 1,17-18-1,1 0 17,-18 35-1</inkml:trace>
-  <inkml:trace contextRef="#ctx0" brushRef="#br0" timeOffset="12749.9034">4692 12488 0,'0'36'32,"35"-1"-17,18-35-15,-18 18 16,54-1 0,-19-17-1,-35 0 1,36 0-1,0 0 1,-1 0 0,18 0-1,-35-17 1,35-36 0,-35 17-1,0-17 1,18-17-1,-54 35 1,-17-18 15,0 17-15,0-34 0,0-18-1,0 35 1,0 0-1,-17-18 1,-1 36 0,-35-18-1,36 35 1,-36 1 0,-18 17-1,36 0 1,-53-35-1,-53 35 1,-18 0 15,53 0-15,18 17 0,-18 1-1,35 17 1,1 0-1,17-17 1,0 17 0,-53 53-1,89-52 1,-1-19 0,18 19-1,-18-1 1</inkml:trace>
-  <inkml:trace contextRef="#ctx0" brushRef="#br0" timeOffset="14812.4937">16387 9296 0,'0'-18'140,"0"0"-124,-36-17-16,19 0 16,-1 17-1,0-70 1,18-18 0,0 36-1,0 17 1,0 0-1,0 0 1,53 18 0,0-18-1,0 35 1,18-17 0,34-1-1,-16 1 1,-72 18-1,54-19 1,-53 19 15,-1-1-15,1 0 0,35-17-1,0 0 1,-36 35-1,1 0 17,17 0-1,-17 0-15,-1 17-1,1 36 1,-18 36-1,0-19 1,-35 36 15,0-35-15,17-19 0,-35 1-1,0 36 1,0-19-1,18 1 1,0-36 0,-36 36-1,36-36 1,-36 18 0,36-18-1,-18-17 1,35-1-1,1 1 1</inkml:trace>
-  <inkml:trace contextRef="#ctx0" brushRef="#br0" timeOffset="17625.0042">30110 10707 0,'0'0'0,"17"0"16,36 0 0,-35 0-1,35-18 1,-36 18 0,36-17-1,-17 17 1,16-18-1,1 18-15,71-18 16,-36 18-16,0 0 16,159-35-1,-53 17 1,-53-17 0,-105 35-1,16 0 1,-16-35 15,17 35-31,141 0 31,-36 0-15,-69 0 0,-54 0-16,18 0 15,-35 0-15,-1 0 31,18 0-15,-17-18 0,0 18-1,-1 0 1,19 0 0,-19-17-1,-17-1 79,-17-17-78,17 17-16,-18-35 15,-35-35 1,35-18-1,1 18 1,-1 0 0,-17 52-1,35 1 1,-18 0 0,18 17-1,-17-17 1,17 17-1,-18 1 64,0 17-33,-17-18-30,17 18 0,-35 0-16,18-18 15,0 18-15,-71-35 16,36 17 0,17 18-16,-71-17 15,-17 17 1,-35 0-1,-1 0 1,19 0 15,-37 0-15,37 0 0,17-18-1,52 18 1,1 0-1,71 0 1,-1 0 0,0 18 31,1-1-32,-1 1 1,0-18-16,-35 35 15,18-35 1,18 18 15,-1 0-15,0-1 0,18 18-1,0 36 1,0-18-1,0-35 1,0 17 0,0 35-1,0-52 1,0 35 0,0-18-1,0 18 1,0-18-1,18 36 1,-18-53 15,0 17-15,0-17 0,18-1-1,-1 1 1,1 0 31,-18-1 15</inkml:trace>
-  <inkml:trace contextRef="#ctx0" brushRef="#br0" timeOffset="20593.628">22931 10619 0,'0'0'0,"-53"0"16,17 0 0,-17 0-16,18 17 15,-18-17-15,-106 18 16,107 17-1,-37-35-15,-122 0 16,52 0 15,-35 0-15,53 0 0,-36 0-1,36 0 1,71 0-1,17 0 1,-18 0 0,1 0-1,52 0-15,-70 0 16,70 0 0,-17 0-16,-18-17 15,-17-1 1,52 18-1,-53-18 1,1-35 15,-18 18-15,17-35 0,18 17-1,35 17 1,18-34-1,0 17-15,0 0 16,0-18-16,0 18 16,0 1-1,0-19 1,18-17 0,35 35-1,18-18 1,17 1-1,35 17 1,36 18 15,17-36-15,89 36 0,-124-1-16,159 19 15,-124-1-15,1 1 16,193 17-1,36 0 1,-89 0 0,1 0-1,-18 0 1,-18 52 0,-53-16-1,1 34 1,-36-52-1,-36 0 1,-87 17 0,52-35-1,-52 17-15,17 1 16,71 35 0,-53-18-1,-18-17 1,-18 17-1,19-17 1,-1-1 0,-53 1-1,36 35 1,-36-18 0,18 18-1,-18-17-15,18 52 16,-35-71-1,-18 1-15,17 17 16,-17 1 15,0-1-15,0 18 0,-53-18-1,0-17 1,-35-1-1,0 19 1,-35-19 0,-142-17-1,124 0-15,-159 0 16,177 0 0,-36 0-16,-159 0 15,71 0 1,18-35-1,17 17 1,89 18 15,52 0-15,-17 0 0,18 0-1,17 0 1,-35 0-1,35 0-15,-71 0 16,54 0-16,-1 0 16,-17 0-1,17 0 1,18 0 0,-88 0-1,-18 0 1,-17 0-1,0 0 1,-1 36 15,54-36-15,52 17 0,54-17-1,-1 0 1,0 18 15</inkml:trace>
-  <inkml:trace contextRef="#ctx0" brushRef="#br0" timeOffset="25984.3714">21749 8643 0,'0'35'63,"0"18"-63,0 0 15,0 18-15,0 35 16,0 17-1,0-17 1,0-18 0,0 0 15,0 0-15,17 1-1,-17-19 1,0-35-1,0 18 1,0-35 0,0 0-1</inkml:trace>
-  <inkml:trace contextRef="#ctx0" brushRef="#br0" timeOffset="26781.128">21643 9313 0,'18'71'47,"-18"-18"-32,0-18 1,17-17-16,1 35 16,-18 17-1,35-17 1,-17-35-1,-18-1 1,17 1 15,1 0 47,0-18-46,17-18-17,-17 0-15,-1 1 16,36-36 0,-53 18-1,35-18 1,1-18-1,-19 53 1,-17 1 0,18-1-1</inkml:trace>
-  <inkml:trace contextRef="#ctx0" brushRef="#br0" timeOffset="30515.5049">30551 10478 0,'-18'0'78,"0"0"-47,-17-18-15,0 18-16,-1-35 15,-69-18 1,-1-53 0,18 18-1,70-18 1,18 0 0,0 35-1,18-34 1,17 52-1,18 17 1,0 1 0,17 0 15,-34 17-15,69 1-1,1 17 1,53-18-1,-36-17 1,19 17 0,-54 18-1,70 0 1,-16 0 0,34 0-1,36 35 1,-71 1-1,-35 34 1,-18 1 0,-71-54 15,19 19-15,-36-19-1,0 18 1,17 36-1,-17 0 1,0-18 0,0-1-1,-35 19 1,17 0 0,1-36-1,-18 35 1,-1-34-1,1 17 1,0 0 0,-54 17 15,1-52-15,-35 52-1,52-70 1,-17 18-1,35 17 1,18-35 0,-36 0-1,36 0 1,-18 0 0,18 0-1,0 0 1,-1 0-1,19 0 32,-1-17 172,-17-1-219,-1 0 16,-34 18-16,17-35 15</inkml:trace>
-  <inkml:trace contextRef="#ctx0" brushRef="#br0" timeOffset="31125.0007">28822 8925 0,'18'18'47,"34"17"-31,19 18-16,17-18 15,0 36-15,1 0 16,122 87 0,-52-52-1,-35-18 1,-36-17-1,-53-36 1,18-17 0,0-1 15,-36 1-15,36 0-1,-35-1 1,0 1-1,-18-71 32</inkml:trace>
-  <inkml:trace contextRef="#ctx0" brushRef="#br0" timeOffset="31781.1557">29986 9560 0,'-18'18'78,"18"17"-62,0 0-16,18 18 15,35 0-15,-18 18 16,36-1-1,-18 1 1,-36-36 0,1-17 15,-36-18 172,1 0-203,-19-18 16,19-35-16,-36-88 31,18 53-31</inkml:trace>
-  <inkml:trace contextRef="#ctx0" brushRef="#br0" timeOffset="32906.2498">29880 9243 0,'53'53'125,"-35"-36"-125,-1 19 16,1-1-16,17 0 15,1 18-15,-1 18 16,0-36 0,-17 18-1,35 70 1,-53-87-16,17-1 16,1 35-1,-18 1 1,0-53-1,-18-1 204,-17-17-203,17 0-1,-34 0-15,-19 0 16,-52 0 0,-19 0-1,37 0 1,87 0-16,-70 0 16,35 0-1,18 0-15,-36 0 16,-35 0-1,36 0 1,-1 0 0,53 0 15,1 0-15,-1 0-1,-17 0 16</inkml:trace>
-</inkml:ink>
-</file>
-
-<file path=ppt/ink/ink3.xml><?xml version="1.0" encoding="utf-8"?>
-<inkml:ink xmlns:inkml="http://www.w3.org/2003/InkML">
-  <inkml:definitions>
-    <inkml:context xml:id="ctx0">
-      <inkml:inkSource xml:id="inkSrc0">
-        <inkml:traceFormat>
-          <inkml:channel name="X" type="integer" max="1920" units="cm"/>
-          <inkml:channel name="Y" type="integer" max="1080" units="cm"/>
-          <inkml:channel name="T" type="integer" max="2.14748E9" units="dev"/>
-        </inkml:traceFormat>
-        <inkml:channelProperties>
-          <inkml:channelProperty channel="X" name="resolution" value="36.15819" units="1/cm"/>
-          <inkml:channelProperty channel="Y" name="resolution" value="36.24161" units="1/cm"/>
-          <inkml:channelProperty channel="T" name="resolution" value="1" units="1/dev"/>
-        </inkml:channelProperties>
-      </inkml:inkSource>
-      <inkml:timestamp xml:id="ts0" timeString="2024-03-25T04:56:08.621"/>
-    </inkml:context>
-    <inkml:brush xml:id="br0">
-      <inkml:brushProperty name="width" value="0.05292" units="cm"/>
-      <inkml:brushProperty name="height" value="0.05292" units="cm"/>
-      <inkml:brushProperty name="color" value="#FF0000"/>
-    </inkml:brush>
-  </inkml:definitions>
-  <inkml:trace contextRef="#ctx0" brushRef="#br0">3316 6332 0,'35'36'31,"-17"-36"-15,0 0-1,-1 0 1,36 0-1,0 0 1,18 0 0,-1 0-1,-34 0-15,52 0 16,-35-18-16,-18 18 16,18-18-1,17 18 1,-17-17-1,18-1 1,-18 0 0,-18-17-1,36-18 1,-18 0 15,-1 0-15,-34 0-1,35-35 1,-35 35 0,-1-17-1,1-1 1,-18-17 0,0 18-1,0-36 1,0 0-1,0 0 1,0 0 0,0 36-1,0 17 1,-18 17 0,1-16-1,-19 16-15,19 19 16,-1-19-1,0 36 17,1 0-32,-1-17 15,1 17 1,-19-18 0,-17 18-1,0 0 1,18 0-1,-18 0 1,18 0 0,0 0-1,-1 0 1,-17-18 15,36 18-15,-1 0-1,1 0 1,-19 0 0,19 0-1,-1 0 1,-35 0 0,18 0-1,-18 0 1,35 0-1,1 0 17,-1 0-17,-35 0 1,35 0-16,1 18 31,-36-18-15,18 35-1,17-17 1,0-18 0,1 18-1,-1-1 1,-17 19 0,17-19-1,-17 1 1,17-1-1,-35 36 1,36-35 0,-1 35-1,-17 0 1,-1-18 15,1 36-15,0-18-1,0 35 1,35-35 0,-18-18-1,18 36 1,0-19 0,0 1-1,0 0 1,0-17-1,0-1 1</inkml:trace>
-  <inkml:trace contextRef="#ctx0" brushRef="#br0" timeOffset="1750.1232">5133 8996 0,'0'0'0,"18"0"16,-1-18 0,36 18-1,-18 0-15,71-53 16,-18 36 15,36-19-15,-18 36-1,-36-35-15,71 0 16,-88 17-16,0 1 16,106-19-1,53 19 1,-1 17 0,36 0-1,-53 0 1,0 0-1,18 0 1,-36 0 0,1 0-1,-1 0 1,18 0 15,-70 0-15,-1 0-1,-17 0 1,-18 35 0,18-17-1,0-1 1,35 1 0,35 17-1,18-17 1,0-1-1,18 36 1,17-35 0,-105 0-16,105-18 15,-88 0 1,-17 0-16,105 0 31,-35 0-15,-18 0-1,-70 0 1,0 52 0,-71-52-1,1 0 1,17 0 0,-36 0-1,1 0 1,17 0-1,-17 0 1,-1 0 47</inkml:trace>
-  <inkml:trace contextRef="#ctx0" brushRef="#br0" timeOffset="41609.4965">11659 6085 0,'0'18'63,"0"0"-32,0-1-15,0 36-16,0-17 15,0 87 1,0-17 0,0-36-1,0 54-15,0-54 16,0 19-1,0 87 1,0-53 0,0 1-1,0-36 1,0 0 0,0 1-1,0 16 1,0 1-1,0-35 1,0-54 0,18 1 93,0-18-78,-1 0-31,19 0 16,-19 0-16,1 0 16,17-18-1,18 1 1,-35-1-16,105 18 15,-88 0 1,18 0-16,71-18 16,17 18-1,-18 0 1,-17 0 0,-18 0-1,53-17 16,-17-18-15,35 35 0,-18 0-1,-35 0 1,-36 0-16,18 0 16,-35 0-16,-17 0 15,16 0 1,19 0-1,0 0 1,-36 0 0,0 0-1,0 0 1,18-18 0,-35 18-1,17 0 16,18 0-15,-35 0-16,70-18 16,-70 18-16,17-17 15,0 17 1,18 0 0,-35 0-1,17 0 1,0 0-1,1-36 1,-19 19 109,-52-19-94,35 19-15,-18-18-16,18 17 16,0-106-1,0 36 1,0 35-1,0-53 1,0 36 0,0-1-16,-17-17 15,17 35 1,-18 0-16,18-35 16,-35-18-1,35 53 16,0-17-15,0 35 0,0-1-1,0 1 1,0-18 0,0 18-1,0 17 1,0-17-1,0 17 1,0 1 0,-18-1 109,1 18-47,-19 0-78,19 0 15,-19 0-15,1 0 16,0 0 0,-36 0-1,-35 0 1,1 0 0,-37 0-1,19 0 16,-18 0-15,53 0-16,-89 0 16,107 0-16,-18 0 15,-54 0 1,1 0 0,18 0-1,-1 0 1,1 0-1,-18 0 1,17 0 0,-17 35-1,18-35 1,17 0 0,71 0-16,-18 0 15,17 0 1,19 0-1,-19 0 1,1 0 0</inkml:trace>
-  <inkml:trace contextRef="#ctx0" brushRef="#br0" timeOffset="64296.9935">8502 15575 0,'-18'0'47,"1"0"-47,-19 0 15,1 0 1,-35 0 0,-19 0-1,36-53 1,-17 36-1,-18-54 1,17 36 0,-17-18-1,35 18 1,18-1 0,17 1-1,0-18 1,-34 0 15,34 0-15,0 36-1,18-19 1,-35 1 0,35 17-1,-18 1 1,1-36-1,17 0 1,-18 18 0,18-18-1,-35 0 1,35-35 0,0 35-1,0 17 1,-18-52 15,18 53-15,18 17-1,-18 1 1,17-1 0,-17-35-1,36 18 1,17-36-1,52-87 1,1 52 0,-17 18-1,-1 17 1,-18 18 0,18 0-1,1 18 1,-1 0 15,53 35-15,-18 0-1,19 17 1,-54 1 0,18 52-1,-89-52 1,71 53-1,-17-1 1,17 36 0,0 17-1,-17 1 1,-18-18 0,0-18-1,-36-17 1,1-1 15,-18 18-15,0 36-1,0-18 1,-18-18 0,-17 0-1,0-17 1,17-19-1,-17-16 1,17-19 0,1-17-1,-19 0 1,19 0 0,-36-35-1,0-18-15</inkml:trace>
-  <inkml:trace contextRef="#ctx0" brushRef="#br0" timeOffset="67515.7423">5715 13088 0,'-18'0'15,"1"0"1,-1 18-16,0-1 47,-34 1-31,34 0-1,0-1-15,-52 54 16,-18 70 15,-18 0-15,17 0-1,54-70-15,-18 52 16,18-70-16,0 0 16,17 35-1,0 0 1,-17 18-1,35-18 1,0 1 0,0-1-1,0 35 1,0-35 0,35 18-1,1 18 1,-19-89-1,19 71 1,-19-71-16,19 36 16,-1-1-1,35 18 1,-17 1 0,36-72-1,-1 19 1,18 17-1,52-18 1,19 0 0,34-17-1,-105-1-15,141 1 16,-106 17 0,0-17-16,177 17 15,-18 0 1,105-35 15,36 0-15,18 0-1,-18 0 1,0 0 0,-88 0-1,-106 0 1,0 0-1,-36 0 1,-123 0-16,142 0 16,-124-17-1,-36 17-15,54 0 16,17 0 0,-35 0-1,52 0 1,1 0 15,88 0-15,70 0-1,1 0 1,-18-35 0,0-18-1,-159 35-15,123 18 16,-158-18-16,0 18 15,159 0 1,-36 0 0,-35-35-1,-18 17 1,-87-17 0,-19 18-1,1-19 1,35 1 15,17-18-15,-35 18-1,-35 35-15,35-71 16,-52 36-16,17 0 16,-1-36-1,37-35 1,-1-17-1,-18-18 1,1-18 0,-36 0-1,0 53 1,-35 18 0,0 0-1,0 17 1,0 36-1,0-18 1,0 36-16,0-1 31,-17-17-15,-1 17 0,1 0-1,-54-52 1,-17-18-1,-18-1 1,18 19 0,17 17-1,1 18 1,34 17-16,-34-35 16,17 0-1,18 36-15,-142-54 16,36 53 15,18 1-15,-36-1-1,-17-17 1,17 17 0,35 1-1,-17 17 1,-53-53-1,-70 53 1,105 0-16,-194 0 16,177 0-1,17 0-15,-123 0 16,52 0 0,19 0-1,-36 0 1,-35 0 15,17 0-15,-35 0-1,18 0 1,53 0 0,70 0-1,71 0-15,-89 0 16,71 0-16,1 0 15,-142 0 1,53 0 0,17 0-1,18 0 1,54 0 0,-36 0-1,17 0 1,-105 0 15,35 0-15,17 0-1,72 0-15,-54 0 16,88 0-16,-17 0 16,-106 0-1,-35 0 1,17 0-1,18 0 1,35 0 0,0 0-1,36 0 1,0 0 0,-1 0-1,-17 0 1,0 0 15,70 0-15,54 0-1,-19 0 1,19-18 93</inkml:trace>
-  <inkml:trace contextRef="#ctx0" brushRef="#br0" timeOffset="69656.2597">14164 13229 0,'18'-17'125,"17"-36"-109,0 35-16,53-35 16,106-70-1,142-36 1,122 35 0,71-34-1,71 52 1,300-35 15,-459 88-15,35 0-1,53 53 1,-53 0 0,-35 0-1,-123 0 1,-177-18-1,-71 1 1,-52 17 187</inkml:trace>
-  <inkml:trace contextRef="#ctx0" brushRef="#br0" timeOffset="71078.2349">19897 11959 0,'17'0'125,"19"18"-109,-19-18-16,18 0 16,36 35-1,17 0 1,-35-17 0,0 17-1,-18-35 63,-17 18-62,0-18 15,-1 18 32,1-1-32,-18 1-15,-18 17-1,1-17-15,-1-1 16,-35 54-1,0-18 1,18 35 0,-18-35-1,18-18 1,35-17 0,-36 35-1,19-36 1,17 1 15,-18 0-15,18 17-1,0-17 17,-18-1 93</inkml:trace>
-  <inkml:trace contextRef="#ctx0" brushRef="#br0" timeOffset="72968.8713">19015 7602 0,'17'0'110,"19"0"-79,-1 0-31,-17 0 15,17 0-15,-18 0 16,72-17 0,-19 17-1,-17-18 1,18 18 0,-1 0-1,-34-18 1,34 18 15,-17 0-31,0 0 16,-18 0-16,0 0 15,36-35 1,-18 18 0,-18 17-1,0 0 1,18 0-1,-35 0 1,0 0 0,35 0-1,-18 0 1,18 0 0,-36 0-16,54 0 15,-53 0 1,-1 0-16,36 0 15,-18 0 17,18 0-17,-17 0 1,-1 0 0,0 0-1,18 0 1,-35 0-1,-1 0 1,1 0 0,0 0-1,-1 0 1,1-18 0,0 36 187</inkml:trace>
-  <inkml:trace contextRef="#ctx0" brushRef="#br0" timeOffset="74203.2427">22754 8326 0,'0'0'0,"0"17"31,0 18-31,0-17 16,0 0-1,0 52 1,18 18-1,17-52 1,0 87 0,1-87-1,-1-19 1,18-17 0,17 0-1,36-53 1,-53-17-1,18-89 17,-18-17-17,-36 87 1,-17 36 0,0 71 62,0 17-63,0 18-15,18 53 16,0 0 0,34-18-1,-34-53 1,17-35 15,-17 0-15,0 0-1,35 0 1,-36 0-16,1-17 16,-1-1-16,-17 0 15,18 1 1,0-18-1,-1 17-15</inkml:trace>
-  <inkml:trace contextRef="#ctx0" brushRef="#br0" timeOffset="83734.4917">19526 7655 0,'-17'0'16,"-1"0"-1,-17 0-15,-1-17 16,19 17-1,-54-36 17,18 1-17,-17-35 1,34 34-16,1 1 16,18 17-16,-19-17 15,1-18 1,0 18-1,-1-18 1,1-18 0,18 36-1,-1 0 1,-17-71 0,17 71-1,18-36 1,0 18-1,0 18 1,0-36 0,0 54-16,0-18 15,0-18 1,0-18 0,18 0-1,35-17 1,-18 53-1,18-53 1,-18 53 0,0-18-1,18-18 1,0 36 0,18-18-1,17 18 1,-70 17-1,87-17 17,-69 35-17,-1-18 1,53 0 0,-70 18-1,70 0 1,-18 0-1,19 0 1,-1 0 0,-53 0-16,18 0 15,-35 0 1,35 0-16,-18 0 16,53 53-1,-35-35 1,0 35-1,0-18 17,35 18-17,-53-18 1,18 18 0,0 0-1,0 0 1,-35-35-16,-18 17 15,35 0-15,-17-17 16,-1 17 0,-17 0-1,0 36 1,0-36 0,0 36-1,0-18 1,0 35-1,-35-35 17,0 0-17,17 17 1,-52 36 0,17 0-1,17-71 1,19 18-1,-19-18 1,1 1 0,17-19-1,-34 36 1,16-17 0,-34-1-1,-18 18 1,52-53-1,1 17 1,0 1 0,17-18-16,0 0 15,-17 35 1,0-35 0,17 0-1,1 18 1,-1-18-1,-35 0 1,35 18 0,-52-1-1,35 1 1,-1 0 0,19-1-16,-54 1 15,53-18 1,-17 17-16,-53-17 15,35 36 17,18-36-17,0 0 1,17 0 0,0 0-1</inkml:trace>
-  <inkml:trace contextRef="#ctx0" brushRef="#br0" timeOffset="89421.9864">20355 7743 0,'36'0'0,"-19"0"31,1 0-15,-1 0-1,19 0 1,-19 0-1,36 0 1,71-17 0,140-36-1,1 18 1,17-18 0,106 35-1,-35 0 1,-36 18-1,-34 0 17,-19 0-17,-34 0 1,17 0 0,-18 0-1,88 0 1,142 0-1,-89 71 1,-34 0 0,-1 17-1,-71-35 1,18 17 0,-17 1-1,-36-54 1,-35 1-1,-17 35 17,-18-35-17,-36-1 1,106 19 0,-105-19-1,-18-17 1,-18 0-1,-35 0 1,-36 0 0,1 0-1,0 18 32</inkml:trace>
-  <inkml:trace contextRef="#ctx0" brushRef="#br0" timeOffset="92984.3851">5944 17445 0,'-17'35'78,"-1"-17"-78,-17-1 16,-1 1-1,-52 17 1,35-17-1,18-18-15,-53 18 16,70-18-16,-35 0 16,-35 0-1,0 0 1,-18 0 0,0 0-1,18-36 1,0 1-1,17-18 17,36 18-17,-36-18 1,19 0 0,16 18-16,-17-36 15,18 18-15,17 18 16,-17-53-1,18-18 1,17 18 0,0 0-1,0-18 1,0 18 0,0-1-1,17 19 1,18-1-1,36 1 17,-53 34-32,35 1 15,-18 17-15,35-17 16,-17 0 0,53-18-1,-35 35 1,17 18-1,35-17 1,36 17 0,-35 0-1,-36 0 1,35 53 0,18 17-1,-52-17-15,87 35 16,-88-17-1,0-36-15,36 36 32,-54-1-17,-34 1 1,-19-1 0,-17 19-1,18-1 1,-18 18-1,0-1 1,0 1 0,0 0-1,0-71-15,0 36 16,0-53 0,0-1-16,-35 18 15,17 1 1,0-19-1,1 19 1,-1-19 15,0 1-15,18-53 62,71-36-62,0 36-1</inkml:trace>
-  <inkml:trace contextRef="#ctx0" brushRef="#br0" timeOffset="94968.8714">6809 17515 0,'17'0'94,"19"0"-94,-1 0 15,0 0-15,18 0 16,0 0 0,35 0-1,-35 0-15,35 0 16,-53 0-1,1 0-15,17 0 32,0 0-17,-18-35 1,18 0 0,-36 0-1,19-1 1,-1-70-1,-17 54 1,-1-19 0,1 18-1,-18 18-15,35 0 16,-35 17 0,0-35-1,0 18-15,0-36 16,0-17-1,0-18 17,-17 0-17,-1 53 1,-35-35 0,35 18-1,1 52 1,-1-53-1,-17 36-15,0 0 16,17 17 0,-17-17-1,17 17-15,-17-17 32,17 35-32,0 0 15,1 0 1,-36 0-1,35 0 1,-52 0 15,34 0-15,-34 0 0,52 0-16,-35 0 15,36 0-15,-1 18 16,-17-18-1,-1 17 1,19 1 0,-89 35-1,18 17 1,35-34 0,18 17-1,-36 17 1,36-17-1,-1 0 1,1-18 0,18 18-1,-19 0-15,19-35 16,-36 52 0,17-17-1,36 0 1,0 0-1,-17 0 1,17 18 0,0 17-1,0 18 1,0-18 0,35 0-1,18 35 1,18-52-1,-19-36 1,-16-35 15,34 36-15,-52-36 0,35 0-1,0 0 1,0 0-1,0 0 1,-18 0 0,-17 0-1,17 0-15,-18 0 32,1-36 171</inkml:trace>
-  <inkml:trace contextRef="#ctx0" brushRef="#br0" timeOffset="96671.9561">9719 17410 0,'0'0'0,"-18"0"15,-35 17 1,18-17 0,-35 18-1,-1-18 1,36 0-1,-18 0 1,18 0 15,-18 0-15,-18 0 0,36 0-1,-18-53 1,0 0-1,-18-18 1,-17-52 0,53 17-1,0 36-15,35-19 16,0 54 0,0-18-16,0 0 15,0-35 1,0 0-1,0-36 1,17 72 15,19-37-15,-1 1 0,18 18-1,0 17 1,17-18-1,36 1 1,-18 17 0,-17 53-1,17-18 1,18 18 0,0 0-1,-36 0 1,-34 18-1,-1 17 1,-18 18 15,1 53-15,35 17 0,-18 71-1,18-70 1,-53-71-1,0-1 1,18 1 0,-18-17-1,0 17 1,0-18 0,0 18-1,0 17 1,0-52-1,0 0 1,18-1 15,17-17-15,0 0 0,141 0-1,36 0 1,-18 53-1,-53-18 1,-53 18 0,-52-17-1,-19-19 1,1 1 0,-18 0-1,18 17 1,-1 0-1,-17-17 1,0-1 31,0 1-16,-17 17-31</inkml:trace>
-  <inkml:trace contextRef="#ctx0" brushRef="#br0" timeOffset="97109.3711">10707 17551 0,'17'17'15,"1"-17"16,17 0-15,-17 0-16,0 0 31,35 0-31,-1 0 16,19 0 0,-18 0-1,-35-17 63</inkml:trace>
-  <inkml:trace contextRef="#ctx0" brushRef="#br0" timeOffset="99218.8683">6262 11642 0,'0'17'0,"0"1"31,0 0-31,0 35 16,-18 70-1,-17-35-15,0 106 16,35-88-1,0-18-15,-53 53 16,53-17 15,0-89-15,0-17 0,17-1 15,36-17-16,-17 0-15,34 0 16,71-35 0,0 17-1,53 1 1,-105 17 0,-37 0-1,-34 0 1,0 0-1,17 0 17,-17-18-17,-1 1 1,-17-1 0,18-17-1,0 17 1,17-123-1,-35-159 1,0 71 0,0 123-1,0 53 1,0 35 0,-18 1 46,-35 17-46,-17 0-1,-36 0 1,-106 0 0,-141 0-1,265 0 1</inkml:trace>
-  <inkml:trace contextRef="#ctx0" brushRef="#br0" timeOffset="100328.2419">7585 11712 0,'0'18'31,"0"17"-15,0-17 0,0 70-1,-53 88 1,35-35-1,1-35 1,17-18 15,0 1-15,0-19 0,0-34-1,0 16 1,35 1-1,-18-53 17,1 0-17,17 0-15,54 0 16,87 0 0,124 0-1,17 0 1,-52 0-1,-124-17 1,-106-19 15,-17 19 32,-18-36-48,0 0 1,18-35-16,-18 0 16,17-36-1,1 36-15,17-36 16,-35 54 0,0 35-1,0-1 1,-18 19 78,-52 17-79,-54 0-15,-34 0 16,-195 0-1,88-36 1,107 19 0,122-1-1,19 1 1</inkml:trace>
-  <inkml:trace contextRef="#ctx0" brushRef="#br0" timeOffset="101437.6177">9878 11677 0,'-18'18'16,"18"35"-1,-53-1 1,36 19-1,-1 17 1,18 53 15,-35 18-15,-1 35 0,19-35-1,17 17 1,-36-70-1,36-35 1,18-54 31,0-17-47,123-17 16,18-1-1,52 0 1,124 18-1,-35 0 1,-70 0 15,-142 0-15,-35-35 0,-53 17 46,0 1-62,0-19 16,0 1-1,0-18-15,35-123 16,-17-36 0,-18 71-1,0 53 1,0 53-1,0 17 1,-18 0 93,-17 18-93,-36-35-16,-17 17 16,-124-17-1,1-35 1,17-1 0,105 53-1</inkml:trace>
-  <inkml:trace contextRef="#ctx0" brushRef="#br0" timeOffset="103187.5371">4022 11465 0,'-18'-17'93,"36"17"-77,-1-18-16,1 0 16,35-35-16,0 36 15,53-124 1,-18 17-1,88 18 1,-105 53 0,105-35-1,-105 35-15,-18 36 16,105-19 0,-69 36-1,16 0 1,54 0-1,0 0 1,35 71 0,-18-36-1,-17 18 1,-53 0 0,-53 0-1,35 0 1,-35-18-1,17 36 1,-52-54 15,0 72-15,-1-36 0,36 70-1,-53-70 1,18-35-1,0-1 1,-18 18 0</inkml:trace>
-  <inkml:trace contextRef="#ctx0" brushRef="#br0" timeOffset="103890.7433">6156 10213 0,'0'18'0,"0"17"16,0 18 0,0-18-16,0 18 15,0 123 1,0-123-16,-35 106 15,35-106 1,-18-35-16,18 52 31,0-52-15,18-1 0,17-17 30,0 0-30,-17-17-16,52 17 16,1-18-1,0 18 1,-36 0-16,-18-18 16,1 18-1</inkml:trace>
-  <inkml:trace contextRef="#ctx0" brushRef="#br0" timeOffset="104812.6174">6773 10495 0,'36'0'63,"-19"0"-47,1 0-1,35 35 1,-36-17-1,1 0 1,0 17 0,-18 36-1,0-36 1,0 18 0,0-18-1,-53 18 1,35-35 15,36-1 125,-1-17-156,19 0 16,-1 0-16,0 0 16,71 18-1,-71-18 1,-17 0-16,0 17 15,-1-17 32,19 0-31,-19 0 0,1 0 15</inkml:trace>
-  <inkml:trace contextRef="#ctx0" brushRef="#br0" timeOffset="106718.8683">4092 11430 0,'18'-18'187,"-18"1"-156,0-1-31,18-17 16,-18 17-16,17-35 16,36-106-1,18-87 1,-71 140-16,88-159 16,-35 177-1,17-53-15,89-88 16,17 17-1,71-17 1,18 52 15,-53 1-15,87 17 0,19 36-1,70-1 1,-18 36-1,54 35 1,-213 18-16,230-18 16,-211 53-1,-36 0-15,211 0 16,1 0 0,17 0-1,-17 0 1,-35 0-1,-19 0 1,1 0 15,0 0-15,17 0 0,18 70-1,-158-52-15,246 53 16,-194-36-16,-17 18 15,299 35 1,-88-18 0,-52-17-1,-71 36 1,-1-1 0,-17 18-1,-70-18 1,-71 18-1,-88-53 1,0 52 15,-71-52-31,124 106 16,-89-88-16,36 17 16,18 35-1,-54-52 1,-17-18-1,-18 0 1,1 88 0,-1-35-1,71 35 1,-71-18 0,-17-52-1,-18-36 1,0 0-16,-71-35 156,-17-17-140</inkml:trace>
-  <inkml:trace contextRef="#ctx0" brushRef="#br0" timeOffset="107468.8715">16581 10548 0,'0'35'15,"35"1"1,-18-19-1,54 54 1,-36-54-16,36 19 16,-36-1-1,18 0-15,-18 1 16,1-19 0,-1 1-1,18-1 1,-36-17-1,36 0 1,-17 0 15,-19 0-15,36 0 0,-18 0-1,1-17-15,34-36 16,-34 18-16,-1-1 15,71-122 1,-36 87 0,-52 36-1,-18 17 1,18 1 0</inkml:trace>
-  <inkml:trace contextRef="#ctx0" brushRef="#br0" timeOffset="110624.9962">12488 8220 0,'18'-18'46,"17"18"-30,-17 0 0,0-18-16,34 18 15,19-17 1,-18 17 0,0 0-1,-18 0 1,-17 0-1</inkml:trace>
-  <inkml:trace contextRef="#ctx0" brushRef="#br0" timeOffset="110968.7461">12718 8343 0,'0'0'0,"0"35"0,0 1 15,0 34 1,0-34-1,0 16 1,0-34 15,0 0-15,0 17 15,-18-17-15,0-1-1,-17 19 1,0-19-16</inkml:trace>
-  <inkml:trace contextRef="#ctx0" brushRef="#br0" timeOffset="111390.7578">12577 8802 0,'35'17'15,"0"1"-15,-17-18 16,70 0-1,-35 0 1,-18 0 0,-17 0-1,35 0 1,-36 0 0,1 0 30,0-18-30</inkml:trace>
-  <inkml:trace contextRef="#ctx0" brushRef="#br0" timeOffset="111906.367">13353 8114 0,'0'18'31,"0"17"-31,0 0 16,0 0-1,0 54 1,0 52-1,0-18 1,0-17 0,0-35-1,0-1 1,0 1 0,-18-36-1,18-17 16</inkml:trace>
-  <inkml:trace contextRef="#ctx0" brushRef="#br0" timeOffset="112890.6493">13353 8132 0,'0'0'0,"17"-18"15,1 18 32,17 0-15,-17 0-32,-1 0 15,1 0 1,17 18-1,-17-1 1,0 1 0,-1-1-1,1 19 1,-18-19 15,0 1-15,0 17-1,0-17 1,0 0 0,0-1-1,0 18 1,-18-17 0,-35 35-1,18-35 1,-18 17-1,36-17 1,-19-18 62,19 17-78</inkml:trace>
-</inkml:ink>
-</file>
-
-<file path=ppt/ink/ink4.xml><?xml version="1.0" encoding="utf-8"?>
-<inkml:ink xmlns:inkml="http://www.w3.org/2003/InkML">
-  <inkml:definitions>
-    <inkml:context xml:id="ctx0">
-      <inkml:inkSource xml:id="inkSrc0">
-        <inkml:traceFormat>
-          <inkml:channel name="X" type="integer" max="1920" units="cm"/>
-          <inkml:channel name="Y" type="integer" max="1080" units="cm"/>
-          <inkml:channel name="T" type="integer" max="2.14748E9" units="dev"/>
-        </inkml:traceFormat>
-        <inkml:channelProperties>
-          <inkml:channelProperty channel="X" name="resolution" value="36.15819" units="1/cm"/>
-          <inkml:channelProperty channel="Y" name="resolution" value="36.24161" units="1/cm"/>
-          <inkml:channelProperty channel="T" name="resolution" value="1" units="1/dev"/>
-        </inkml:channelProperties>
-      </inkml:inkSource>
-      <inkml:timestamp xml:id="ts0" timeString="2024-03-25T04:58:32.652"/>
-    </inkml:context>
-    <inkml:brush xml:id="br0">
-      <inkml:brushProperty name="width" value="0.05292" units="cm"/>
-      <inkml:brushProperty name="height" value="0.05292" units="cm"/>
-      <inkml:brushProperty name="color" value="#FF0000"/>
-    </inkml:brush>
-  </inkml:definitions>
-  <inkml:trace contextRef="#ctx0" brushRef="#br0">5045 7056 0,'-18'17'78,"36"-17"-78,17 35 15,18-35-15,35 36 16,-17-19 0,158 54-1,18-18 1,0-18-1,-35-17 1,-36-18 0,-88 0-1,-70 0 1,17 0 140,0-18-140,1-17-16,-1 17 15,0 1 1,71-54 0,-35 53-1,-36 18 1,-18-17-16</inkml:trace>
-  <inkml:trace contextRef="#ctx0" brushRef="#br0" timeOffset="1390.6247">6967 7108 0,'18'0'31,"17"0"-15,-17 0 0,141 0-1,88 18 1,35 17 0,-18 18-1,-70-35 1,-35 0-1,-71-18 1,1 0 0,-19 0-1,-52 0 17,35 0-17,-36 0 1,1-18 31,-18 0-16,0 1-31,0-19 16,0-105-1,18-35 1,-1 17-1,19 53 1,-36 0 0,0 54-16,0-37 15,0 54 1,0-18 0,0 0-1,0 0 1,0 36-1,-18-1 17,0 0 15,-35-17-32,-35 0-15,18 17 16,-36-17-16,-141-18 15,141 18 1,18-1-16,-124-16 16,36 16-1,35 36 17,-18 0-17,18 0 1,-18 0-1,71 0 1,35 0 0,35 0-1,1 0 32,-1 18-47,18 0 31,0-1-31,-53 107 16,18 34 0,17 72-1,-52 34 17,52-34-17,-17-89 1,17-71-1,36-34 1,-1-19-16,1 18 16,0-17-16,17 17 31,-35-17-31,18 17 16,-1-35 93,-17-35-93,18-18-16,35 0 15</inkml:trace>
-  <inkml:trace contextRef="#ctx0" brushRef="#br0" timeOffset="2812.5049">14429 7197 0,'17'0'16,"19"0"-1,-19 0-15,71 0 16,71 0 0,17 0-1,1-36 17,52 1-17,-52 0 1,-36 17-1,-71 1 1,-17-19-16,0 1 16,-18 17-16,36-35 15,17-35 1,0-35 0,0-18-1,-52 0 1,17-1-1,-53 1 1,0 35 0,0 36-1,-36 35 17,1 17-17,17 18-15,-34 0 16,16 0-16,1 0 15,-53 0 1,-36 0 0,-34 0-1,-1 0 1,-35 35 0,35 1-1,0-1 1,18 18-1,71-18 1,-36 18 0,71-35-16,-54 52 15,72-52 1,-19 52 0,-34 19-1,52-1 1,-17 0-1,17 0 1,1-17 0,17-1-1,0-52 1,0 0 0</inkml:trace>
-  <inkml:trace contextRef="#ctx0" brushRef="#br0" timeOffset="3984.3739">14799 5874 0,'0'-18'110,"0"0"-95,0-17-15,0 0 16,0 17-1,-35-70-15,-106-88 16,-106-18 0,-18 17-1,-123 1 17,0 52-17,194 71-15,-159-17 16,142 17-16,69 35 15,-122 1 1,-54 17 0,36 0-1,18 0 1,34 0 0,1 0-1,0 35 1,-18 0-1,17 36 1,-34-1 0,-124 72-1,70-1 17,1-18-17,-36 54 1,53-36-1,71-53 1,70 18 0,88-53-1,36-18 1,18 18 0,-1-36 30,53-34 64,-17-1-95,-1 0 1,1-17 0,0 0-1,17 0-15,-17-1 16,-1 19-16</inkml:trace>
-  <inkml:trace contextRef="#ctx0" brushRef="#br0" timeOffset="4953.0491">8202 5098 0,'-18'17'110,"-17"36"-95,0 18-15,17-36 16,-35 53-16,-35 71 16,53-71-1,0 0 17,17-52-17,36-19 188,-1-17-187,71 18-16,1 17 16,-19-35-1,124 18 1,0 52-1,-70-70 1,-71 18 0,-18-18 62</inkml:trace>
-  <inkml:trace contextRef="#ctx0" brushRef="#br0" timeOffset="40234.3851">18556 8008 0,'18'0'47,"35"0"-31,35-18-16,18 18 15,158 0 1,54 0 0,-142 0-16,195 0 15,-160 0 1,-17 0-16,230 0 16,-19 0 15,1 0-16,-18 0 1,-35 0 0,-53 0-1,-53 0 1,0 0 0,-36 0-1,36 0 1,-159 0-16,159 0 15,-158 0 1,16 0-16,72 0 16,17 0-1,-18 0 1,1 0 0,-1 0 15,18 0-16,53 0 1,-53 0 0,0 0-1,-35 0 1,-89 0-16,54 0 16,-71 0-16,17 0 15,89 0 1,-53-17-1,53 17 1,-36 0 0,18 0-1,-17 0 1,17 0 0,-18 0 15,36 0-16,-36 0 1,-52 0-16,105 0 16,-87 0-16,-1 0 15,71 0 1,-1 0 0,-17 0-1,18 0 1,-53 0-1,35 0 1,-35 0 0,-18 0-1,0 0 1,0 0 0,-70 0-1,53 0 1,-54 0-16,19 0 15,-1 0 1,-17 0 0,17 0-1,-18 0 1,1-18 0,0 18-1</inkml:trace>
-</inkml:ink>
-</file>
-
-<file path=ppt/ink/ink5.xml><?xml version="1.0" encoding="utf-8"?>
-<inkml:ink xmlns:inkml="http://www.w3.org/2003/InkML">
-  <inkml:definitions>
-    <inkml:context xml:id="ctx0">
-      <inkml:inkSource xml:id="inkSrc0">
-        <inkml:traceFormat>
-          <inkml:channel name="X" type="integer" max="1920" units="cm"/>
-          <inkml:channel name="Y" type="integer" max="1080" units="cm"/>
-          <inkml:channel name="T" type="integer" max="2.14748E9" units="dev"/>
-        </inkml:traceFormat>
-        <inkml:channelProperties>
-          <inkml:channelProperty channel="X" name="resolution" value="36.15819" units="1/cm"/>
-          <inkml:channelProperty channel="Y" name="resolution" value="36.24161" units="1/cm"/>
-          <inkml:channelProperty channel="T" name="resolution" value="1" units="1/dev"/>
-        </inkml:channelProperties>
-      </inkml:inkSource>
-      <inkml:timestamp xml:id="ts0" timeString="2024-03-25T05:01:58.886"/>
-    </inkml:context>
-    <inkml:brush xml:id="br0">
-      <inkml:brushProperty name="width" value="0.05292" units="cm"/>
-      <inkml:brushProperty name="height" value="0.05292" units="cm"/>
-      <inkml:brushProperty name="color" value="#FF0000"/>
-    </inkml:brush>
-  </inkml:definitions>
-  <inkml:trace contextRef="#ctx0" brushRef="#br0">20038 10760 0,'35'-36'62,"-17"36"-62,70 0 16,88-17 0,124 17-1,88 0 1,71 0 0,105 0-1,1 0 1,52 0-1,0 0 1,-87 0 0,-54 0-1,-18 0 1,-264 0-16,142 0 16,-213 0-1,-35 0 1,71 0-1,-53 0 1,-18 17 0,71 19-1,105 34 1,107 1 0,34-18-1,36 17 1,-88-17-1,-106-35 1,-159-1-16,18 1 16,-88-18 77,-1 18 1,-17-1-78,18 19-16,-18-1 15,0 18-15,18 70 16,17 89 0,0 35-1,-35 18 1,18-1 0,17-105 15,-17-53-16,-18-36 1,0-34 0,0 16-1,0-34-15,0 0 16,0-1-16,0 19 16,-18-19-1,1 1 63,-36-18-62,0 0 0,-18 18-16,-17-1 15,-88 19 1,-177-36-1,176 0-15,-193 0 16,229 0-16,-18 0 16,-123 0-1,35 17 1,35 1 0,-52 35-1,-18-36 1,-54-17-1,89 0 1,71 0 0,0 0-1,-18 0 1,88 0-16,-123 0 16,123 0-1,0 0 1,-123 0-1,-18 0 1,-18 0 0,0 0-1,19 18 1,16 0 0,1 35-1,-18-36 1,0 1-1,35-18 1,124 0-16,-53 0 16,53 0-1,17 0-15,-70 0 16,18 0 0,-54 0 15,-34 17-16,-1 1 1,18-18 0,35 0-1,89 0 1,34 0 0,19 0 15,-1 0-31,-52-18 15,-1 18 1,53-17 0,-17 17 15,0 0-31,-53-18 16,35-17 15,17 17-16,19 1 1,-1-36 0,18 35-1,0-158 1,-70-89 0,52-52-1,18-71 1,0 52-1,0 19 1,0 35 0,18 70-1,34 53 1,-16 36 0,-1 35 15,-17 35-31,-18 35 15,17 0-15,1-35 0,-18 36 16,35-36 0,-17 18-1,-1-18 1,1 17 0,0 36 93,-1 0-93</inkml:trace>
-  <inkml:trace contextRef="#ctx0" brushRef="#br0" timeOffset="1656.366">20902 13406 0,'-35'0'31,"0"0"-31,-18 0 16,17 0-16,-34 0 16,-89-71-1,-53-70 1,36 0 0,0-36 15,34 1-16,107 105-15,18-158 16,17 106-16,0-1 16,0-70-1,52 18 1,19 17 0,-18-17-1,0 35 1,35-1-1,18 1 1,0 0 0,17 71-1,-52 34 1,-36 19-16,71-1 16,-53 0-1,-18 1 1,106 17-1,-53 0 1,18 0 0,35 35-1,53 0 1,-17 54 0,-1 52-1,-52-36 1,52 54-1,-70-35 1,35 123 0,-71-71-1,1-17 1,-18 0 0,-35-1-1,17-34 16,-18-18-15,-17 17 0,0-17-1,-17 0 1,-36 35 0,-71-18-1,19-87-15,-89 87 16,123-88-1,-35 18-15,-70-17 16,-1 16 0,36-34-1,18 0 1,-18-18 0,35 0 15,18 0-16,17 0 1,-35-18 0,89 0-1,-1 1 1,18-54 0,0-35-1,53 18-15</inkml:trace>
-  <inkml:trace contextRef="#ctx0" brushRef="#br0" timeOffset="3172.0005">23865 13282 0,'0'0'0,"-17"0"16,-1 0-16,-35 0 15,-35 0 1,70 0-16,-70 0 16,53 0-1,-18 0-15,-88-18 16,0-17 0,35-53-1,-35 0 16,53 0-15,17 17 0,18 0-1,-17-70 1,34-35 0,-52-18-1,18-141 1,70 194-1,0 0 1,35 17 0,53-70-1,-35 71 1,70-19 0,-17 37 15,18 16-16,-36 19 1,0 52 0,-35-17-1,53 17 1,-36 18 0,36 0-1,35 0 1,-35 0-1,0 36 1,18 17 0,-19 35-1,-16 0 1,-1 71 0,35 17-1,-17 36 16,-71-124-31,18 88 16,-17-87-16,-1 16 16,18 54-1,-36-53 1,1 0 0,-18-18-1,0-17 1,0 34-1,-35 19 1,-36-1 0,-17-17-1,17-53 1,19-18-16,-1 1 16,35-19-1,0 1-15,1 0 31,-1-18-15,-35 17 0,35-17-1,-34 18 1,34-18 0,0 0-1,-17 0 1,17 0-16</inkml:trace>
-  <inkml:trace contextRef="#ctx0" brushRef="#br0" timeOffset="4640.7418">25929 13106 0,'-17'17'31,"-1"-17"-15,0 0 0,-17 0-1,-53 0 1,-53 0 0,35-35-1,0-18 1,35 18-1,-17-36 1,0-17 0,53 0-1,-53 0 1,35-18 0,17-35-1,-17-36 16,18-70-15,35 106 0,0 0-1,0 0 1,71 0 0,-18 0-1,0 17 1,17 19-1,1-19 1,-36 71 0,36-53-1,-19 36 1,72-18 0,-54 52-1,1-17 16,-18 36-15,0 17 0,-18-18-1,36 18 1,-54 0 0,36 0-1,-35 0 1,70 53-1,18 35 1,176 159 0,-123-53-1,0 0 1,-18-35 0,-71-53-1,-17 53 16,-35-36-15,35 1 0,-36 17-1,1 17 1,-18 19 0,0-1-1,0-88-15,-35 53 16,17-52-1,-17-36-15,-53 88 16,17-71 0,1 1-1,-1-36 1,36-17 0,-1-18 30,19-18 33,52-17-79,-17 17 15</inkml:trace>
-  <inkml:trace contextRef="#ctx0" brushRef="#br0" timeOffset="5984.4972">28258 12982 0,'-36'0'78,"-34"0"-63,17 0 1,17 0-16,-16 0 16,-37 0-1,1-17 1,18-36 0,17 17-1,-53-69 1,0-37-1,18-69 1,0-124 0,52 88-1,19 0 1,17 0 0,70-35-1,89-1 16,-18 89-15,-17 71 0,-1 35-1,1 52 1,17-17 0,-35 36-1,52-1 1,-122 18-1,16 0 1,-34 0 0,88 124-1,0 70 1,17 17 0,-17 1-1,-35 0 16,-18-54-15,-36-87 0,-17 17-1,35 71 1,-35-36 0,0 19-1,0-1 1,0-18-1,0-70 1,-17 0 0,-1 17-1,1-34 1,-19-1 0,19 0-1,17 1 16,-36 87-15,-87 36 0,17 0-1,-70 70 1,35-88 0,-1-18-1,1 1 1,53-71-1,-18-18 1,18-53 0,88-87-1</inkml:trace>
-  <inkml:trace contextRef="#ctx0" brushRef="#br0" timeOffset="7375.1154">20302 10495 0,'0'71'47,"0"-1"-47,0 18 15,36 18 1,-19 88 0,1-35-1,17-18 1,-17-53 0,-1-70-1,1 0 1,35-54 31,-18-34-32,1-1-15,69-123 16,-16-53 0,16 18-1,-16 53 16,-36 52-15,-53 89 0</inkml:trace>
-  <inkml:trace contextRef="#ctx0" brushRef="#br0" timeOffset="10547.0007">24289 12876 0,'-18'18'16,"-17"0"-1,-71 17 1,-35 36 0,0 34-1,17-34 1,1-18 0,17-18-1,18-17 1,53-18-1,-54 0 1,-52 0 0,71-36-16,-107-87 15,89 35 1,18 17-16,-72-88 16,54-70-1,35 70 16,18 18-15,17-17 0,1 52-1,17-35 1,0 17 0,53-35-1,0 36 1,-1 35-16,54-71 15,-35 106 1,-36 0-16,106-35 16,-17 0-1,-1 70 1,-17-35 0,35 36-1,-17-1 16,-36 18-15,-18 0 0,36 70-1,18 36 1,-54-53-16,107 71 16,-54-54-16,-35-34 15,53 87 1,-52-35-1,-19 0 1,-52-52 0,-18 52-1,17 53 1,19-18 0,-36 36-1,0 0 16,0-53-15,0-53-16,-36 70 16,36-52-16,-17-54 15,-18 89 1,-1-35 0,19-54-1</inkml:trace>
-  <inkml:trace contextRef="#ctx0" brushRef="#br0" timeOffset="11921.997">23442 10266 0,'0'17'32,"0"1"-1,0 35-31,0-35 16,0 105-1,0 54 1,0-36-1,18 17 1,17-34 0,-17-54-1,-1-34 1,-17-1 0,0-17 15,18-1 0,0-17-15,17-17-1,53-125 1,35-87 0,89-71-1,0-17 1,-36 52-1</inkml:trace>
-  <inkml:trace contextRef="#ctx0" brushRef="#br0" timeOffset="14328.1251">26458 11165 0,'0'0'0,"53"36"0,35 17 15,-70-36-15,88 54 31,-18 52-15,-17-35 0,-18 1-1,-36-36 1,19 17 0,-1-17-1,0 71 1,-17-89-16,17 106 15,-17-106 1,-1 53-16,1 1 16,17-1-1,-35 35 1,0 1 0,0 34-1,0-16 16,-17-54-15,-19 53 0,-17-53-1,18 0 1,35-70-16,-70 70 16,52-70-16,-17 17 15,-18 18 1,0-53-1,-18 18 1,-52-18 0,-18 35-1,35-18 1,-35 1 0,52-18-1,-16 0 16,69 0-31,-17 0 16,18-35-16,-71-53 16,36 35-1,-18-35 1,-1 17 0,1 0-1,18 19 1,-1-54-1,18 35 1,0-17 0,18 0-1,-36-18 1,18 18 0,53 52-16,-17-105 15,-1 106 1,18-36-1,0-34 1,0-36 0,0 17-1,35 1 1,1 17 0,17-18-1,0-17 1,17 35-1,1 1 1,17-1 0,-70 70-16,34-17 15,-34 36 1,0-1-16,-18 1 78</inkml:trace>
-  <inkml:trace contextRef="#ctx0" brushRef="#br0" timeOffset="14937.6223">25488 9313 0,'0'0'16,"0"71"-16,0 17 0,0 36 15,0 211 1,0 17 0,35-87-1,-17-89 1,0-70 0,-1-35-1,-17-54 16,18 19 16,0-19 0,-18 1-47,0 0 16,-18-1-16,0 19 15,-17-1 1</inkml:trace>
-  <inkml:trace contextRef="#ctx0" brushRef="#br0" timeOffset="15562.6216">25206 11060 0,'18'35'47,"17"53"-47,0-17 16,18-1-16,-18-17 15,1 0-15,-1-18 16,-17-35 31,17 0-16,-18 0-15,72-70-1,-1-107 1,88-87 0,1 17-1,-36 53 1,-71 123-1,-70 54 1</inkml:trace>
-</inkml:ink>
-</file>
-
-<file path=ppt/ink/ink6.xml><?xml version="1.0" encoding="utf-8"?>
-<inkml:ink xmlns:inkml="http://www.w3.org/2003/InkML">
-  <inkml:definitions>
-    <inkml:context xml:id="ctx0">
-      <inkml:inkSource xml:id="inkSrc0">
-        <inkml:traceFormat>
-          <inkml:channel name="X" type="integer" max="1920" units="cm"/>
-          <inkml:channel name="Y" type="integer" max="1080" units="cm"/>
-          <inkml:channel name="T" type="integer" max="2.14748E9" units="dev"/>
-        </inkml:traceFormat>
-        <inkml:channelProperties>
-          <inkml:channelProperty channel="X" name="resolution" value="36.15819" units="1/cm"/>
-          <inkml:channelProperty channel="Y" name="resolution" value="36.24161" units="1/cm"/>
-          <inkml:channelProperty channel="T" name="resolution" value="1" units="1/dev"/>
-        </inkml:channelProperties>
-      </inkml:inkSource>
-      <inkml:timestamp xml:id="ts0" timeString="2024-03-25T05:02:21.699"/>
-    </inkml:context>
-    <inkml:brush xml:id="br0">
-      <inkml:brushProperty name="width" value="0.05292" units="cm"/>
-      <inkml:brushProperty name="height" value="0.05292" units="cm"/>
-      <inkml:brushProperty name="color" value="#FF0000"/>
-    </inkml:brush>
-  </inkml:definitions>
-  <inkml:trace contextRef="#ctx0" brushRef="#br0">2769 6438 0,'18'0'62,"53"0"-46,-1 0-16,124-53 31,106 18-15,159 0-1,123 35 1,123 0 0,-52 0-1,-53 0 1,-124 0-1,-317 0-15,123 0 16,-229 0 0,0 0-16,-18 0 15,0 0 1</inkml:trace>
-  <inkml:trace contextRef="#ctx0" brushRef="#br0" timeOffset="25312.5019">4674 9190 0,'18'0'15,"0"0"17,-1 0-17,1 0-15,70 0 16,36 0-1,-1 0 17,53 0-17,54 0 1,-19 0 0,36 0-1,-70 0 1,-71 0-1,-18 0 1,-35 0 0,-18 0-16,71 35 15,-71-35 1,53 0-16,89 35 16,-72-35-1,-34 18 1,-53-18 31,-1 18-32,1-1 1,-18 1 31,18 0-32,17 52 1,-35 1 0,17 35-1,-17-18 1,0 53 0,18-35-1,-18-18 1,0 35-1,0 18 17,-70-17-17,52-1 1,-35-70-16,35 0 16,18-35-16,-17 0 15,-19 70 1,19-71-1,-1 19 1,1-19 0,-1 1-1,0-18 1,1 18 0,-1-18 15,-35 0-31,35 0 15,1 0 1,-71 35 0,52-35-16,1 0 15,-53 17 1,-53-17 0,0 0-1,-18 0 1,-35 0-1,-35 0 1,35 0 0,-18 0-1,53-35 1,36 35 0,52-17-16,18 17 15,0-18 1,36 18-16,-1 0 15,0 0 17,1-18-17,17 1 63,17-1-62,1 0 15,0 1-15,-18-1-16,0-88 16,0-17-1,0-36 1,0 18-1,17 35 17,1 0-17,17 0 1,-17 53 0,-1 18-1,1-35 1,-18 52-16,18-35 15,-18 35-15,17 1 16,19-36 0,-19 18-1,-17-18 1,53 0 0,-53 35-1,0 1 16,18-1 16,-18 0 16,0-17-32,17 17 0</inkml:trace>
-</inkml:ink>
-</file>
-
-<file path=ppt/ink/ink7.xml><?xml version="1.0" encoding="utf-8"?>
-<inkml:ink xmlns:inkml="http://www.w3.org/2003/InkML">
-  <inkml:definitions>
-    <inkml:context xml:id="ctx0">
-      <inkml:inkSource xml:id="inkSrc0">
-        <inkml:traceFormat>
-          <inkml:channel name="X" type="integer" max="1920" units="cm"/>
-          <inkml:channel name="Y" type="integer" max="1080" units="cm"/>
-          <inkml:channel name="T" type="integer" max="2.14748E9" units="dev"/>
-        </inkml:traceFormat>
-        <inkml:channelProperties>
-          <inkml:channelProperty channel="X" name="resolution" value="36.15819" units="1/cm"/>
-          <inkml:channelProperty channel="Y" name="resolution" value="36.24161" units="1/cm"/>
-          <inkml:channelProperty channel="T" name="resolution" value="1" units="1/dev"/>
-        </inkml:channelProperties>
-      </inkml:inkSource>
-      <inkml:timestamp xml:id="ts0" timeString="2024-03-25T05:03:43.668"/>
-    </inkml:context>
-    <inkml:brush xml:id="br0">
-      <inkml:brushProperty name="width" value="0.05292" units="cm"/>
-      <inkml:brushProperty name="height" value="0.05292" units="cm"/>
-      <inkml:brushProperty name="color" value="#FF0000"/>
-    </inkml:brush>
-  </inkml:definitions>
-  <inkml:trace contextRef="#ctx0" brushRef="#br0">3228 6315 0,'18'-18'47,"17"18"62,-18 0-93,1 0-16,53 0 16,17 0-1,18 0 17,-18-18-17,53 1 1,0 17-1,0 0 1,-53 0-16,18-35 16,-35 35-16,-1 0 15,36 0 1,18 0 0,52 0-1,71 0 1,18 0-1,-1 0 1,18 0 0,-52 0-1,-36 17 17,0 1-17,-124-18-15,36 17 16,-18 19-16,-17-36 15,35 0 1,-36 0 0,-34 0-1,-1 0 1,-18 0 0,1 0-1,17 0 16,-17 0 94,0 0-109,-1 0 0,19 0 15,-19 0-15,1 0-16,-1 0 15,19 0 1,-19 0-1,1 0 32,0 0-15</inkml:trace>
-</inkml:ink>
-</file>
-
-<file path=ppt/ink/ink8.xml><?xml version="1.0" encoding="utf-8"?>
-<inkml:ink xmlns:inkml="http://www.w3.org/2003/InkML">
-  <inkml:definitions>
-    <inkml:context xml:id="ctx0">
-      <inkml:inkSource xml:id="inkSrc0">
-        <inkml:traceFormat>
-          <inkml:channel name="X" type="integer" max="1920" units="cm"/>
-          <inkml:channel name="Y" type="integer" max="1080" units="cm"/>
-          <inkml:channel name="T" type="integer" max="2.14748E9" units="dev"/>
-        </inkml:traceFormat>
-        <inkml:channelProperties>
-          <inkml:channelProperty channel="X" name="resolution" value="36.15819" units="1/cm"/>
-          <inkml:channelProperty channel="Y" name="resolution" value="36.24161" units="1/cm"/>
-          <inkml:channelProperty channel="T" name="resolution" value="1" units="1/dev"/>
-        </inkml:channelProperties>
-      </inkml:inkSource>
-      <inkml:timestamp xml:id="ts0" timeString="2024-03-25T05:04:15.652"/>
-    </inkml:context>
-    <inkml:brush xml:id="br0">
-      <inkml:brushProperty name="width" value="0.05292" units="cm"/>
-      <inkml:brushProperty name="height" value="0.05292" units="cm"/>
-      <inkml:brushProperty name="color" value="#FF0000"/>
-    </inkml:brush>
-  </inkml:definitions>
-  <inkml:trace contextRef="#ctx0" brushRef="#br0">2575 6456 0,'18'0'31,"0"0"-15,-1 0-16,107 0 15,-1 0 1,18 0 15,36 0-15,-54-18-1,-52-17-15,87 35 16,-122-18-16,52 18 16,18-17-1,-18 17 1,35 0 0,-70 0-1,18 0 1,-18 0-1,-18 0 1,18 0 0,-35 0-1,17 0 1,0 0 0,-17 0-1,-1 0-15,1 0 16,35 0-1,-18 0 1,18 0 0,-18 0-1,18 0 1,-17 0 0,-1 0-1,-17 0 1,-1 0 15</inkml:trace>
-  <inkml:trace contextRef="#ctx0" brushRef="#br0" timeOffset="36109.3801">24059 13600 0,'0'17'63,"-35"18"-48,35-17 17,0 17-32,0-17 15,-17 53 1,17-36 0,0 35-1,-18-34 1,18 87-1,-18-88-15,18 36 16,-35 35 0,35 17-1,-18 1 1,1-18 0,17-18-1,-18 18 1,-17-18-1,35 0 1,0 18 0,0 0-1,0 0 1,0-71 0,0 35-1,0-17 16,0-17-15,0 17 0,0-36-1,0 1 1,17-1 62,1-17-15,17 0-48,-17 0 16,0 0-15,17 0 0,18 0-1,17 0 1,19 0 0,-72 0-16,71 0 15,-35 0-15,-17 0 16,87 0-1,-17 0 1,-18 0 0,0 0-1,-35 0 1,35 0 0,-17 0-1,17 0 16,-17 0-15,-1 0 0,-34 0-1,-19 0-15,71 0 16,-52 0-16,-19 0 16,89 0-1,-18 0 1,18 0-1,35 0 1,-17 0 0,17 0-1,-35 0 1,-18 0 0,-18 0-1,-52 0 1,35 0-1,-35 0-15,-1 0 16,1 0 93,0-17 1157,-1-1 3859,1 1-4937,-1-1-188,-17-17 31,0 17-16,0 0 1,0 1 0,0-19-16,0 19 15,0-1-15,0 0 16,0-34-16,0 34 16,0 0-16,0-17 15,0 0-15,0 17 16,0-17-16,0 17 15,0-17-15,0 0 16,0 17-16,0-17 16,0-1-1,0 19-15,0-1 16,0 0-16,0-34 16,0 34-1,0 0-15,0-35 16,0 18-16,0 0 15,0 17-15,0-17 16,0 0-16,0-1 16,0 19-16,0-19 15,0 1-15,0-18 16,0 36-16,0-19 16,0 1-16,0 0 15,0 17-15,0-35 16,0 18-16,0-18 15,0 0-15,0 18 16,0-18-16,0 18 16,18-1-16,-18 1 15,0 17-15,0 1 16,0-1-16,18 1 16,-18-1-16,0 0 62,0 1 126</inkml:trace>
-  <inkml:trace contextRef="#ctx0" brushRef="#br0" timeOffset="37906.1308">24024 13458 0,'-17'-17'110,"52"-18"-79,-18 35-15,19-36-16,-1 36 15,36-17 1,34-1-1,19-17 1,-36-1-16,106 19 16,-88 17-1,17-18-15,142 18 16,-18 0 0,-35 0-1,-18 0 16,-53 0-15,17 0 0,-69 18-1,-1-18 1,-18 35 0,-34-35-16,17 18 15,-18-18-15,18 0 16,17 0-1,-17 0 1,35 0 0,-17 0-1,-18 17 1,-35-17 15,-1 18 32,-17 0 46,0-1-93,0 1-16,0 0 15,0 34-15,-17-16 16,17 87 0,0-17-1,-18-18 16,18-52-31,-18 34 16,18-52-16,0 17 16,0-17-1,0-1 1,0 1 0,-17 0-1,17-1 1,0 1 109</inkml:trace>
-  <inkml:trace contextRef="#ctx0" brushRef="#br0" timeOffset="39640.63">5768 13388 0</inkml:trace>
-  <inkml:trace contextRef="#ctx0" brushRef="#br0" timeOffset="43343.755">25365 15399 0,'-18'0'46,"0"0"1,1 0-31,-18 0-16,17 0 16,-53 0-1,18 0 1,-35 0-1,0 0 1,-53-18 0,53-17-1,-53-36 1,35 18 0,18 0-1,-1 1 1,36 16 15,1 1-15,34 0-1,-17-54 1,-1 19 0,36-1-1,-35-34 1,17 34-1,18 36 1,0-53 0,-35-1-1,35 19 1,-17-1 0,17 1-1,0-19 16,0 1-15,0 35 0,0 0-1,0-17 1,35 17 0,-18-18-1,54-34 1,-36 52-1,36-36 1,-18 54 0,35-35-1,0 17 1,0 0 0,36-18-1,-36 36 16,-53 35-31,71-53 16,-88 53-16,52 0 16,1-18-1,17 18 1,0 0 0,36 0-1,34 0 1,-16 36-1,-1-1 1,-53 18 0,35 17-1,-70-17 1,53 53 0,-53-53-1,-18-18 16,-17 1-15,17-1 0,0 35-1,18 19 1,-35-36 0,17 0-1,1 35 1,-1-18-1,-17 1 1,17-36-16,-18 36 16,-17-54-1,0 19 1,0-19-16,0 54 16,0-36-1,0 53 16,0-17-15,0-1 0,-17-17-1,-1 0 1,1 18 0,-1-18-1,18 0-15,-53 35 16,35-53-16,1 18 15,-36 35 1,17 0 0,1-52-1,-18 34 1,0-17 0,0 0-1,1 0 1,-1-18 15,17-17-15,-34 17-1,52-17-15,-35-18 16,18 17-16,-18 1 16,-70 17-1,-1-17 1,18-18-1,71 18 1,-36-18 0,1 0-1,35 0 1,-18 0 0,17 0-1,1 0 1,17 0-1,-17 0 1,18 0 15,-1 0-31</inkml:trace>
-  <inkml:trace contextRef="#ctx0" brushRef="#br0" timeOffset="54031.2513">25788 15522 0,'-18'0'15,"1"0"1,-36 18 0,35-18-1,-35 0 1,0 0-1,-17 35 1,-36-35 0,35 0-1,-17 0 1,-18 0 0,-17 0-1,-53 0 16,123 0-31,-71-35 16,71 17-16,-17 1 16,-18-54-1,17 18 1,0 18 0,18-18-1,-17-35 1,52 35-1,-52-53 1,52 53 0,0 0-1,-17-17 1,18-1 0,17 36-16,-18-36 15,18 36 1,0-36-16,-18-17 31,-17-35-15,35 17-1,0 18 1,0-1 0,0 1-1,0 0 1,18 0-1,-1 35 1,36-71 0,-35 89-16,52-71 15,-52 71 1,17 0-16,1-53 16,34 17-1,-17 1 1,18 17 15,-18-36-15,17 37-1,18-1 1,-17 0 0,35 0-1,-1 17 1,-69 19-16,52-18 15,-70 17 1,34 0-16,19 1 16,17 17-1,-70-18 1,17 18 0,53 0-1,-17 0 1,-1 0 15,19 0-15,17 53-1,-36-18 1,18 53 0,18 1-1,18-19 1,-1 18-1,-52-17 1,17-18 0,0 17-1,-35-17 1,0 35 0,0-35-1,0 18 1,-18-1 15,-17 1-31,17 17 16,-35-70-16,17 52 15,1 36 1,17 18 0,-35-1-1,18-17 1,-18 0-1,0-18 1,0 0 0,0-17-1,0-1 1,-18-34 0,1 34-1,-1-52 1,0 17 15,1-17-15,-1-18 15</inkml:trace>
-  <inkml:trace contextRef="#ctx0" brushRef="#br0" timeOffset="57531.255">25523 18891 0,'-17'0'0,"-1"0"32,-17 0-32,17 0 15,1 18 1,-1 0 15,-17-18-15,-1 0-16,19 0 15,-54 0 1,-17 0 0,0 0-1,35 0-15,-71-18 16,72 18-1,16-18 1,-70 1 0,18 17-1,-18-53 1,36 35 0,-54-53-1,71 36 1,1-18-1,-37-35 1,36 35 0,-17-17-1,52 34-15,-52-69 16,52 52 0,-35 0-1,53 17-15,-35-52 16,-18 18 15,35-1-15,18-17-1,-17 0 1,17-36 0,0 18-1,0 18 1,0 0-1,0 53-15,53-89 16,-53 89 0,17-18-16,18-70 15,36 17 1,-18-18 0,0 18-1,17 1 1,-17-1 15,0 35-15,0 1-1,0 17 1,0 0 0,0 35-16,-18 1 15,1-19-15,-19 19 16,54-1-1,-1 0 1,18-35 0,36 53-1,-1 0 1,36 0 0,18 36-1,17 34 1,-18 18 15,-35-35-15,-70 0-16,52 36 15,-70-72-15,18 36 16,-19-35 0,1 17-1,18 36 1,17-1-1,-17 1 1,-1-1 0,1 1-1,-18-18 1,-18-18 0,18 18-1,0 0-15,-18-18 16,18 18-1,-35-35 1,35 35 0,-18-1-1,-17 1 1,34 0 0,-34 18-1,0 17 1,-18-17-1,0 17 1,35-18 0,-35-17-1,0-17-15,0-1 16,0-18 0,0 19-1,0-19-15,0 19 16,0 17 15,0-36-15,-18 36-1,1 0 1,-36 18 0,35-54-1,1 19 1,-36 16-1,35-16 1,0-19 0,-17 19-1,0-19 1,-36 1 0,36 17-1,-18-17 1,18-18 15,-1 17-15,-16 19-1,16-19 1,-17 1 0,18-18-16,0 18 15,17-1-15,-17 1 16,-18 0-1,-35 17 1,17 0 0,1-17-1,-1-18 1,18 17 0,0 1-1,-17 17 1,17-35 15,0 0-31,18 18 16,-1-18 15,19 0-15,-1 0-1,0 18 1,-17-18-1,0 17-15,17-17 63,-17 0-32,17 0 16,1 0-16,-1 0 16</inkml:trace>
-</inkml:ink>
-</file>
-
-<file path=ppt/ink/ink9.xml><?xml version="1.0" encoding="utf-8"?>
-<inkml:ink xmlns:inkml="http://www.w3.org/2003/InkML">
-  <inkml:definitions>
-    <inkml:context xml:id="ctx0">
-      <inkml:inkSource xml:id="inkSrc0">
-        <inkml:traceFormat>
-          <inkml:channel name="X" type="integer" max="1920" units="cm"/>
-          <inkml:channel name="Y" type="integer" max="1080" units="cm"/>
-          <inkml:channel name="T" type="integer" max="2.14748E9" units="dev"/>
-        </inkml:traceFormat>
-        <inkml:channelProperties>
-          <inkml:channelProperty channel="X" name="resolution" value="36.15819" units="1/cm"/>
-          <inkml:channelProperty channel="Y" name="resolution" value="36.24161" units="1/cm"/>
-          <inkml:channelProperty channel="T" name="resolution" value="1" units="1/dev"/>
-        </inkml:channelProperties>
-      </inkml:inkSource>
       <inkml:timestamp xml:id="ts0" timeString="2024-03-25T05:06:19.136"/>
     </inkml:context>
     <inkml:brush xml:id="br0">
@@ -686,7 +339,7 @@
           <a:p>
             <a:fld id="{06A60B17-2656-4C09-A24A-B8AE84C95C86}" type="datetimeFigureOut">
               <a:rPr lang="ko-KR" altLang="en-US" smtClean="0"/>
-              <a:t>2024-03-25</a:t>
+              <a:t>2024-03-28</a:t>
             </a:fld>
             <a:endParaRPr lang="ko-KR" altLang="en-US"/>
           </a:p>
@@ -884,7 +537,7 @@
           <a:p>
             <a:fld id="{06A60B17-2656-4C09-A24A-B8AE84C95C86}" type="datetimeFigureOut">
               <a:rPr lang="ko-KR" altLang="en-US" smtClean="0"/>
-              <a:t>2024-03-25</a:t>
+              <a:t>2024-03-28</a:t>
             </a:fld>
             <a:endParaRPr lang="ko-KR" altLang="en-US"/>
           </a:p>
@@ -1092,7 +745,7 @@
           <a:p>
             <a:fld id="{06A60B17-2656-4C09-A24A-B8AE84C95C86}" type="datetimeFigureOut">
               <a:rPr lang="ko-KR" altLang="en-US" smtClean="0"/>
-              <a:t>2024-03-25</a:t>
+              <a:t>2024-03-28</a:t>
             </a:fld>
             <a:endParaRPr lang="ko-KR" altLang="en-US"/>
           </a:p>
@@ -1290,7 +943,7 @@
           <a:p>
             <a:fld id="{06A60B17-2656-4C09-A24A-B8AE84C95C86}" type="datetimeFigureOut">
               <a:rPr lang="ko-KR" altLang="en-US" smtClean="0"/>
-              <a:t>2024-03-25</a:t>
+              <a:t>2024-03-28</a:t>
             </a:fld>
             <a:endParaRPr lang="ko-KR" altLang="en-US"/>
           </a:p>
@@ -1565,7 +1218,7 @@
           <a:p>
             <a:fld id="{06A60B17-2656-4C09-A24A-B8AE84C95C86}" type="datetimeFigureOut">
               <a:rPr lang="ko-KR" altLang="en-US" smtClean="0"/>
-              <a:t>2024-03-25</a:t>
+              <a:t>2024-03-28</a:t>
             </a:fld>
             <a:endParaRPr lang="ko-KR" altLang="en-US"/>
           </a:p>
@@ -1830,7 +1483,7 @@
           <a:p>
             <a:fld id="{06A60B17-2656-4C09-A24A-B8AE84C95C86}" type="datetimeFigureOut">
               <a:rPr lang="ko-KR" altLang="en-US" smtClean="0"/>
-              <a:t>2024-03-25</a:t>
+              <a:t>2024-03-28</a:t>
             </a:fld>
             <a:endParaRPr lang="ko-KR" altLang="en-US"/>
           </a:p>
@@ -2242,7 +1895,7 @@
           <a:p>
             <a:fld id="{06A60B17-2656-4C09-A24A-B8AE84C95C86}" type="datetimeFigureOut">
               <a:rPr lang="ko-KR" altLang="en-US" smtClean="0"/>
-              <a:t>2024-03-25</a:t>
+              <a:t>2024-03-28</a:t>
             </a:fld>
             <a:endParaRPr lang="ko-KR" altLang="en-US"/>
           </a:p>
@@ -2383,7 +2036,7 @@
           <a:p>
             <a:fld id="{06A60B17-2656-4C09-A24A-B8AE84C95C86}" type="datetimeFigureOut">
               <a:rPr lang="ko-KR" altLang="en-US" smtClean="0"/>
-              <a:t>2024-03-25</a:t>
+              <a:t>2024-03-28</a:t>
             </a:fld>
             <a:endParaRPr lang="ko-KR" altLang="en-US"/>
           </a:p>
@@ -2496,7 +2149,7 @@
           <a:p>
             <a:fld id="{06A60B17-2656-4C09-A24A-B8AE84C95C86}" type="datetimeFigureOut">
               <a:rPr lang="ko-KR" altLang="en-US" smtClean="0"/>
-              <a:t>2024-03-25</a:t>
+              <a:t>2024-03-28</a:t>
             </a:fld>
             <a:endParaRPr lang="ko-KR" altLang="en-US"/>
           </a:p>
@@ -2807,7 +2460,7 @@
           <a:p>
             <a:fld id="{06A60B17-2656-4C09-A24A-B8AE84C95C86}" type="datetimeFigureOut">
               <a:rPr lang="ko-KR" altLang="en-US" smtClean="0"/>
-              <a:t>2024-03-25</a:t>
+              <a:t>2024-03-28</a:t>
             </a:fld>
             <a:endParaRPr lang="ko-KR" altLang="en-US"/>
           </a:p>
@@ -3095,7 +2748,7 @@
           <a:p>
             <a:fld id="{06A60B17-2656-4C09-A24A-B8AE84C95C86}" type="datetimeFigureOut">
               <a:rPr lang="ko-KR" altLang="en-US" smtClean="0"/>
-              <a:t>2024-03-25</a:t>
+              <a:t>2024-03-28</a:t>
             </a:fld>
             <a:endParaRPr lang="ko-KR" altLang="en-US"/>
           </a:p>
@@ -3336,7 +2989,7 @@
           <a:p>
             <a:fld id="{06A60B17-2656-4C09-A24A-B8AE84C95C86}" type="datetimeFigureOut">
               <a:rPr lang="ko-KR" altLang="en-US" smtClean="0"/>
-              <a:t>2024-03-25</a:t>
+              <a:t>2024-03-28</a:t>
             </a:fld>
             <a:endParaRPr lang="ko-KR" altLang="en-US"/>
           </a:p>
@@ -4771,45 +4424,6 @@
           </a:p>
         </p:txBody>
       </p:sp>
-      <mc:AlternateContent xmlns:mc="http://schemas.openxmlformats.org/markup-compatibility/2006" xmlns:p14="http://schemas.microsoft.com/office/powerpoint/2010/main">
-        <mc:Choice Requires="p14">
-          <p:contentPart p14:bwMode="auto" r:id="rId2">
-            <p14:nvContentPartPr>
-              <p14:cNvPr id="7" name="잉크 6"/>
-              <p14:cNvContentPartPr/>
-              <p14:nvPr/>
-            </p14:nvContentPartPr>
-            <p14:xfrm>
-              <a:off x="1809720" y="1657440"/>
-              <a:ext cx="8852400" cy="1225800"/>
-            </p14:xfrm>
-          </p:contentPart>
-        </mc:Choice>
-        <mc:Fallback xmlns="">
-          <p:pic>
-            <p:nvPicPr>
-              <p:cNvPr id="7" name="잉크 6"/>
-              <p:cNvPicPr/>
-              <p:nvPr/>
-            </p:nvPicPr>
-            <p:blipFill>
-              <a:blip r:embed="rId3"/>
-              <a:stretch>
-                <a:fillRect/>
-              </a:stretch>
-            </p:blipFill>
-            <p:spPr>
-              <a:xfrm>
-                <a:off x="1800360" y="1648080"/>
-                <a:ext cx="8871120" cy="1244520"/>
-              </a:xfrm>
-              <a:prstGeom prst="rect">
-                <a:avLst/>
-              </a:prstGeom>
-            </p:spPr>
-          </p:pic>
-        </mc:Fallback>
-      </mc:AlternateContent>
     </p:spTree>
     <p:extLst>
       <p:ext uri="{BB962C8B-B14F-4D97-AF65-F5344CB8AC3E}">
@@ -5079,45 +4693,6 @@
           </a:effectLst>
         </p:spPr>
       </p:pic>
-      <mc:AlternateContent xmlns:mc="http://schemas.openxmlformats.org/markup-compatibility/2006" xmlns:p14="http://schemas.microsoft.com/office/powerpoint/2010/main">
-        <mc:Choice Requires="p14">
-          <p:contentPart p14:bwMode="auto" r:id="rId4">
-            <p14:nvContentPartPr>
-              <p14:cNvPr id="3" name="잉크 2"/>
-              <p14:cNvContentPartPr/>
-              <p14:nvPr/>
-            </p14:nvContentPartPr>
-            <p14:xfrm>
-              <a:off x="7105680" y="3352680"/>
-              <a:ext cx="3384720" cy="1568880"/>
-            </p14:xfrm>
-          </p:contentPart>
-        </mc:Choice>
-        <mc:Fallback xmlns="">
-          <p:pic>
-            <p:nvPicPr>
-              <p:cNvPr id="3" name="잉크 2"/>
-              <p:cNvPicPr/>
-              <p:nvPr/>
-            </p:nvPicPr>
-            <p:blipFill>
-              <a:blip r:embed="rId5"/>
-              <a:stretch>
-                <a:fillRect/>
-              </a:stretch>
-            </p:blipFill>
-            <p:spPr>
-              <a:xfrm>
-                <a:off x="7096320" y="3343320"/>
-                <a:ext cx="3403440" cy="1587600"/>
-              </a:xfrm>
-              <a:prstGeom prst="rect">
-                <a:avLst/>
-              </a:prstGeom>
-            </p:spPr>
-          </p:pic>
-        </mc:Fallback>
-      </mc:AlternateContent>
     </p:spTree>
     <p:extLst>
       <p:ext uri="{BB962C8B-B14F-4D97-AF65-F5344CB8AC3E}">
@@ -5537,45 +5112,6 @@
           </a:effectLst>
         </p:spPr>
       </p:pic>
-      <mc:AlternateContent xmlns:mc="http://schemas.openxmlformats.org/markup-compatibility/2006" xmlns:p14="http://schemas.microsoft.com/office/powerpoint/2010/main">
-        <mc:Choice Requires="p14">
-          <p:contentPart p14:bwMode="auto" r:id="rId3">
-            <p14:nvContentPartPr>
-              <p14:cNvPr id="7" name="잉크 6"/>
-              <p14:cNvContentPartPr/>
-              <p14:nvPr/>
-            </p14:nvContentPartPr>
-            <p14:xfrm>
-              <a:off x="996840" y="2273400"/>
-              <a:ext cx="1708560" cy="1657440"/>
-            </p14:xfrm>
-          </p:contentPart>
-        </mc:Choice>
-        <mc:Fallback xmlns="">
-          <p:pic>
-            <p:nvPicPr>
-              <p:cNvPr id="7" name="잉크 6"/>
-              <p:cNvPicPr/>
-              <p:nvPr/>
-            </p:nvPicPr>
-            <p:blipFill>
-              <a:blip r:embed="rId4"/>
-              <a:stretch>
-                <a:fillRect/>
-              </a:stretch>
-            </p:blipFill>
-            <p:spPr>
-              <a:xfrm>
-                <a:off x="987480" y="2264040"/>
-                <a:ext cx="1727280" cy="1676160"/>
-              </a:xfrm>
-              <a:prstGeom prst="rect">
-                <a:avLst/>
-              </a:prstGeom>
-            </p:spPr>
-          </p:pic>
-        </mc:Fallback>
-      </mc:AlternateContent>
     </p:spTree>
     <p:extLst>
       <p:ext uri="{BB962C8B-B14F-4D97-AF65-F5344CB8AC3E}">
@@ -6010,45 +5546,6 @@
           </a:prstGeom>
         </p:spPr>
       </p:pic>
-      <mc:AlternateContent xmlns:mc="http://schemas.openxmlformats.org/markup-compatibility/2006" xmlns:p14="http://schemas.microsoft.com/office/powerpoint/2010/main">
-        <mc:Choice Requires="p14">
-          <p:contentPart p14:bwMode="auto" r:id="rId3">
-            <p14:nvContentPartPr>
-              <p14:cNvPr id="7" name="잉크 6"/>
-              <p14:cNvContentPartPr/>
-              <p14:nvPr/>
-            </p14:nvContentPartPr>
-            <p14:xfrm>
-              <a:off x="1162080" y="2241720"/>
-              <a:ext cx="1499040" cy="32040"/>
-            </p14:xfrm>
-          </p:contentPart>
-        </mc:Choice>
-        <mc:Fallback xmlns="">
-          <p:pic>
-            <p:nvPicPr>
-              <p:cNvPr id="7" name="잉크 6"/>
-              <p:cNvPicPr/>
-              <p:nvPr/>
-            </p:nvPicPr>
-            <p:blipFill>
-              <a:blip r:embed="rId4"/>
-              <a:stretch>
-                <a:fillRect/>
-              </a:stretch>
-            </p:blipFill>
-            <p:spPr>
-              <a:xfrm>
-                <a:off x="1152720" y="2232360"/>
-                <a:ext cx="1517760" cy="50760"/>
-              </a:xfrm>
-              <a:prstGeom prst="rect">
-                <a:avLst/>
-              </a:prstGeom>
-            </p:spPr>
-          </p:pic>
-        </mc:Fallback>
-      </mc:AlternateContent>
     </p:spTree>
     <p:extLst>
       <p:ext uri="{BB962C8B-B14F-4D97-AF65-F5344CB8AC3E}">
@@ -6804,45 +6301,6 @@
           </a:prstGeom>
         </p:spPr>
       </p:pic>
-      <mc:AlternateContent xmlns:mc="http://schemas.openxmlformats.org/markup-compatibility/2006" xmlns:p14="http://schemas.microsoft.com/office/powerpoint/2010/main">
-        <mc:Choice Requires="p14">
-          <p:contentPart p14:bwMode="auto" r:id="rId6">
-            <p14:nvContentPartPr>
-              <p14:cNvPr id="10" name="잉크 9"/>
-              <p14:cNvContentPartPr/>
-              <p14:nvPr/>
-            </p14:nvContentPartPr>
-            <p14:xfrm>
-              <a:off x="927000" y="2292480"/>
-              <a:ext cx="8833320" cy="4521600"/>
-            </p14:xfrm>
-          </p:contentPart>
-        </mc:Choice>
-        <mc:Fallback xmlns="">
-          <p:pic>
-            <p:nvPicPr>
-              <p:cNvPr id="10" name="잉크 9"/>
-              <p:cNvPicPr/>
-              <p:nvPr/>
-            </p:nvPicPr>
-            <p:blipFill>
-              <a:blip r:embed="rId7"/>
-              <a:stretch>
-                <a:fillRect/>
-              </a:stretch>
-            </p:blipFill>
-            <p:spPr>
-              <a:xfrm>
-                <a:off x="917640" y="2283120"/>
-                <a:ext cx="8852040" cy="4540320"/>
-              </a:xfrm>
-              <a:prstGeom prst="rect">
-                <a:avLst/>
-              </a:prstGeom>
-            </p:spPr>
-          </p:pic>
-        </mc:Fallback>
-      </mc:AlternateContent>
     </p:spTree>
     <p:extLst>
       <p:ext uri="{BB962C8B-B14F-4D97-AF65-F5344CB8AC3E}">
@@ -7800,45 +7258,6 @@
           </a:effectLst>
         </p:spPr>
       </p:pic>
-      <mc:AlternateContent xmlns:mc="http://schemas.openxmlformats.org/markup-compatibility/2006" xmlns:p14="http://schemas.microsoft.com/office/powerpoint/2010/main">
-        <mc:Choice Requires="p14">
-          <p:contentPart p14:bwMode="auto" r:id="rId3">
-            <p14:nvContentPartPr>
-              <p14:cNvPr id="2" name="잉크 1"/>
-              <p14:cNvContentPartPr/>
-              <p14:nvPr/>
-            </p14:nvContentPartPr>
-            <p14:xfrm>
-              <a:off x="3073320" y="1352520"/>
-              <a:ext cx="6922080" cy="5366160"/>
-            </p14:xfrm>
-          </p:contentPart>
-        </mc:Choice>
-        <mc:Fallback xmlns="">
-          <p:pic>
-            <p:nvPicPr>
-              <p:cNvPr id="2" name="잉크 1"/>
-              <p:cNvPicPr/>
-              <p:nvPr/>
-            </p:nvPicPr>
-            <p:blipFill>
-              <a:blip r:embed="rId4"/>
-              <a:stretch>
-                <a:fillRect/>
-              </a:stretch>
-            </p:blipFill>
-            <p:spPr>
-              <a:xfrm>
-                <a:off x="3063960" y="1343160"/>
-                <a:ext cx="6940800" cy="5384880"/>
-              </a:xfrm>
-              <a:prstGeom prst="rect">
-                <a:avLst/>
-              </a:prstGeom>
-            </p:spPr>
-          </p:pic>
-        </mc:Fallback>
-      </mc:AlternateContent>
     </p:spTree>
     <p:extLst>
       <p:ext uri="{BB962C8B-B14F-4D97-AF65-F5344CB8AC3E}">
@@ -8289,45 +7708,6 @@
           </a:p>
         </p:txBody>
       </p:sp>
-      <mc:AlternateContent xmlns:mc="http://schemas.openxmlformats.org/markup-compatibility/2006" xmlns:p14="http://schemas.microsoft.com/office/powerpoint/2010/main">
-        <mc:Choice Requires="p14">
-          <p:contentPart p14:bwMode="auto" r:id="rId4">
-            <p14:nvContentPartPr>
-              <p14:cNvPr id="7" name="잉크 6"/>
-              <p14:cNvContentPartPr/>
-              <p14:nvPr/>
-            </p14:nvContentPartPr>
-            <p14:xfrm>
-              <a:off x="8312040" y="4863960"/>
-              <a:ext cx="660960" cy="476640"/>
-            </p14:xfrm>
-          </p:contentPart>
-        </mc:Choice>
-        <mc:Fallback xmlns="">
-          <p:pic>
-            <p:nvPicPr>
-              <p:cNvPr id="7" name="잉크 6"/>
-              <p:cNvPicPr/>
-              <p:nvPr/>
-            </p:nvPicPr>
-            <p:blipFill>
-              <a:blip r:embed="rId5"/>
-              <a:stretch>
-                <a:fillRect/>
-              </a:stretch>
-            </p:blipFill>
-            <p:spPr>
-              <a:xfrm>
-                <a:off x="8302680" y="4854600"/>
-                <a:ext cx="679680" cy="495360"/>
-              </a:xfrm>
-              <a:prstGeom prst="rect">
-                <a:avLst/>
-              </a:prstGeom>
-            </p:spPr>
-          </p:pic>
-        </mc:Fallback>
-      </mc:AlternateContent>
     </p:spTree>
     <p:extLst>
       <p:ext uri="{BB962C8B-B14F-4D97-AF65-F5344CB8AC3E}">
@@ -18568,6 +17948,48 @@
           <a:bodyPr/>
           <a:lstStyle/>
           <a:p>
+            <a:r>
+              <a:rPr lang="ko-KR" altLang="en-US" dirty="0" smtClean="0">
+                <a:latin typeface="HY헤드라인M" panose="02030600000101010101" pitchFamily="18" charset="-127"/>
+                <a:ea typeface="HY헤드라인M" panose="02030600000101010101" pitchFamily="18" charset="-127"/>
+              </a:rPr>
+              <a:t>수행 </a:t>
+            </a:r>
+            <a:r>
+              <a:rPr lang="en-US" altLang="ko-KR" dirty="0" smtClean="0">
+                <a:latin typeface="HY헤드라인M" panose="02030600000101010101" pitchFamily="18" charset="-127"/>
+                <a:ea typeface="HY헤드라인M" panose="02030600000101010101" pitchFamily="18" charset="-127"/>
+              </a:rPr>
+              <a:t>– </a:t>
+            </a:r>
+            <a:r>
+              <a:rPr lang="en-US" altLang="ko-KR" dirty="0" err="1" smtClean="0">
+                <a:latin typeface="HY헤드라인M" panose="02030600000101010101" pitchFamily="18" charset="-127"/>
+                <a:ea typeface="HY헤드라인M" panose="02030600000101010101" pitchFamily="18" charset="-127"/>
+              </a:rPr>
+              <a:t>ssh</a:t>
+            </a:r>
+            <a:r>
+              <a:rPr lang="en-US" altLang="ko-KR" dirty="0" smtClean="0">
+                <a:latin typeface="HY헤드라인M" panose="02030600000101010101" pitchFamily="18" charset="-127"/>
+                <a:ea typeface="HY헤드라인M" panose="02030600000101010101" pitchFamily="18" charset="-127"/>
+              </a:rPr>
+              <a:t> </a:t>
+            </a:r>
+            <a:r>
+              <a:rPr lang="ko-KR" altLang="en-US" dirty="0" smtClean="0">
+                <a:latin typeface="HY헤드라인M" panose="02030600000101010101" pitchFamily="18" charset="-127"/>
+                <a:ea typeface="HY헤드라인M" panose="02030600000101010101" pitchFamily="18" charset="-127"/>
+              </a:rPr>
+              <a:t>설정</a:t>
+            </a:r>
+            <a:r>
+              <a:rPr lang="en-US" altLang="ko-KR" dirty="0" smtClean="0">
+                <a:latin typeface="HY헤드라인M" panose="02030600000101010101" pitchFamily="18" charset="-127"/>
+                <a:ea typeface="HY헤드라인M" panose="02030600000101010101" pitchFamily="18" charset="-127"/>
+              </a:rPr>
+              <a:t>(1)</a:t>
+            </a:r>
             <a:endParaRPr lang="ko-KR" altLang="en-US" dirty="0">
               <a:latin typeface="HY헤드라인M" panose="02030600000101010101" pitchFamily="18" charset="-127"/>
               <a:ea typeface="HY헤드라인M" panose="02030600000101010101" pitchFamily="18" charset="-127"/>
@@ -18681,14 +18103,94 @@
           <a:bodyPr/>
           <a:lstStyle/>
           <a:p>
-            <a:endParaRPr lang="ko-KR" altLang="en-US"/>
+            <a:r>
+              <a:rPr lang="ko-KR" altLang="en-US" dirty="0" smtClean="0"/>
+              <a:t>도메인 네임</a:t>
+            </a:r>
+            <a:endParaRPr lang="en-US" altLang="ko-KR" dirty="0" smtClean="0"/>
+          </a:p>
+          <a:p>
+            <a:pPr lvl="1">
+              <a:buFont typeface="Wingdings" panose="05000000000000000000" pitchFamily="2" charset="2"/>
+              <a:buChar char="§"/>
+            </a:pPr>
+            <a:r>
+              <a:rPr lang="en-US" altLang="ko-KR" dirty="0" err="1" smtClean="0"/>
+              <a:t>ssh</a:t>
+            </a:r>
+            <a:r>
+              <a:rPr lang="en-US" altLang="ko-KR" dirty="0" smtClean="0"/>
+              <a:t> </a:t>
+            </a:r>
+            <a:r>
+              <a:rPr lang="ko-KR" altLang="en-US" dirty="0" smtClean="0"/>
+              <a:t>접속을 하기 위해서는 적당한 도메인 네임이 필요</a:t>
+            </a:r>
+            <a:endParaRPr lang="en-US" altLang="ko-KR" dirty="0" smtClean="0"/>
+          </a:p>
+          <a:p>
+            <a:pPr lvl="1">
+              <a:buFont typeface="Wingdings" panose="05000000000000000000" pitchFamily="2" charset="2"/>
+              <a:buChar char="§"/>
+            </a:pPr>
+            <a:endParaRPr lang="en-US" altLang="ko-KR" dirty="0"/>
+          </a:p>
+          <a:p>
+            <a:pPr lvl="1">
+              <a:buFont typeface="Wingdings" panose="05000000000000000000" pitchFamily="2" charset="2"/>
+              <a:buChar char="§"/>
+            </a:pPr>
+            <a:endParaRPr lang="en-US" altLang="ko-KR" dirty="0" smtClean="0"/>
+          </a:p>
+          <a:p>
+            <a:pPr marL="457200" lvl="1" indent="0">
+              <a:buNone/>
+            </a:pPr>
+            <a:endParaRPr lang="ko-KR" altLang="en-US" dirty="0"/>
           </a:p>
         </p:txBody>
       </p:sp>
+      <p:pic>
+        <p:nvPicPr>
+          <p:cNvPr id="5" name="그림 4"/>
+          <p:cNvPicPr>
+            <a:picLocks noChangeAspect="1"/>
+          </p:cNvPicPr>
+          <p:nvPr/>
+        </p:nvPicPr>
+        <p:blipFill rotWithShape="1">
+          <a:blip r:embed="rId2"/>
+          <a:srcRect r="59699" b="82389"/>
+          <a:stretch/>
+        </p:blipFill>
+        <p:spPr>
+          <a:xfrm>
+            <a:off x="1340760" y="3231457"/>
+            <a:ext cx="8794552" cy="1114039"/>
+          </a:xfrm>
+          <a:prstGeom prst="rect">
+            <a:avLst/>
+          </a:prstGeom>
+          <a:ln w="38100" cap="sq">
+            <a:solidFill>
+              <a:srgbClr val="000000"/>
+            </a:solidFill>
+            <a:prstDash val="solid"/>
+            <a:miter lim="800000"/>
+          </a:ln>
+          <a:effectLst>
+            <a:outerShdw blurRad="50800" dist="38100" dir="2700000" algn="tl" rotWithShape="0">
+              <a:srgbClr val="000000">
+                <a:alpha val="43000"/>
+              </a:srgbClr>
+            </a:outerShdw>
+          </a:effectLst>
+        </p:spPr>
+      </p:pic>
     </p:spTree>
     <p:extLst>
       <p:ext uri="{BB962C8B-B14F-4D97-AF65-F5344CB8AC3E}">
-        <p14:creationId xmlns:p14="http://schemas.microsoft.com/office/powerpoint/2010/main" val="386570523"/>
+        <p14:creationId xmlns:p14="http://schemas.microsoft.com/office/powerpoint/2010/main" val="1403264075"/>
       </p:ext>
     </p:extLst>
   </p:cSld>
@@ -18741,6 +18243,48 @@
           <a:bodyPr/>
           <a:lstStyle/>
           <a:p>
+            <a:r>
+              <a:rPr lang="ko-KR" altLang="en-US" dirty="0" smtClean="0">
+                <a:latin typeface="HY헤드라인M" panose="02030600000101010101" pitchFamily="18" charset="-127"/>
+                <a:ea typeface="HY헤드라인M" panose="02030600000101010101" pitchFamily="18" charset="-127"/>
+              </a:rPr>
+              <a:t>수행 </a:t>
+            </a:r>
+            <a:r>
+              <a:rPr lang="en-US" altLang="ko-KR" dirty="0" smtClean="0">
+                <a:latin typeface="HY헤드라인M" panose="02030600000101010101" pitchFamily="18" charset="-127"/>
+                <a:ea typeface="HY헤드라인M" panose="02030600000101010101" pitchFamily="18" charset="-127"/>
+              </a:rPr>
+              <a:t>– </a:t>
+            </a:r>
+            <a:r>
+              <a:rPr lang="en-US" altLang="ko-KR" dirty="0" err="1" smtClean="0">
+                <a:latin typeface="HY헤드라인M" panose="02030600000101010101" pitchFamily="18" charset="-127"/>
+                <a:ea typeface="HY헤드라인M" panose="02030600000101010101" pitchFamily="18" charset="-127"/>
+              </a:rPr>
+              <a:t>ssh</a:t>
+            </a:r>
+            <a:r>
+              <a:rPr lang="en-US" altLang="ko-KR" dirty="0" smtClean="0">
+                <a:latin typeface="HY헤드라인M" panose="02030600000101010101" pitchFamily="18" charset="-127"/>
+                <a:ea typeface="HY헤드라인M" panose="02030600000101010101" pitchFamily="18" charset="-127"/>
+              </a:rPr>
+              <a:t> </a:t>
+            </a:r>
+            <a:r>
+              <a:rPr lang="ko-KR" altLang="en-US" dirty="0" smtClean="0">
+                <a:latin typeface="HY헤드라인M" panose="02030600000101010101" pitchFamily="18" charset="-127"/>
+                <a:ea typeface="HY헤드라인M" panose="02030600000101010101" pitchFamily="18" charset="-127"/>
+              </a:rPr>
+              <a:t>설정</a:t>
+            </a:r>
+            <a:r>
+              <a:rPr lang="en-US" altLang="ko-KR" dirty="0" smtClean="0">
+                <a:latin typeface="HY헤드라인M" panose="02030600000101010101" pitchFamily="18" charset="-127"/>
+                <a:ea typeface="HY헤드라인M" panose="02030600000101010101" pitchFamily="18" charset="-127"/>
+              </a:rPr>
+              <a:t>(2)</a:t>
+            </a:r>
             <a:endParaRPr lang="ko-KR" altLang="en-US" dirty="0">
               <a:latin typeface="HY헤드라인M" panose="02030600000101010101" pitchFamily="18" charset="-127"/>
               <a:ea typeface="HY헤드라인M" panose="02030600000101010101" pitchFamily="18" charset="-127"/>
@@ -18854,14 +18398,205 @@
           <a:bodyPr/>
           <a:lstStyle/>
           <a:p>
-            <a:endParaRPr lang="ko-KR" altLang="en-US"/>
+            <a:r>
+              <a:rPr lang="en-US" altLang="ko-KR" dirty="0" smtClean="0"/>
+              <a:t>RSA </a:t>
+            </a:r>
+            <a:r>
+              <a:rPr lang="ko-KR" altLang="en-US" dirty="0" smtClean="0"/>
+              <a:t>암호화 기법</a:t>
+            </a:r>
+            <a:endParaRPr lang="en-US" altLang="ko-KR" dirty="0" smtClean="0"/>
+          </a:p>
+          <a:p>
+            <a:pPr lvl="1">
+              <a:buFont typeface="Wingdings" panose="05000000000000000000" pitchFamily="2" charset="2"/>
+              <a:buChar char="§"/>
+            </a:pPr>
+            <a:r>
+              <a:rPr lang="en-US" altLang="ko-KR" dirty="0" smtClean="0"/>
+              <a:t>RSA </a:t>
+            </a:r>
+            <a:r>
+              <a:rPr lang="ko-KR" altLang="en-US" dirty="0" smtClean="0"/>
+              <a:t>암호화 기법을 적용하여 </a:t>
+            </a:r>
+            <a:r>
+              <a:rPr lang="ko-KR" altLang="en-US" dirty="0" err="1" smtClean="0"/>
+              <a:t>암호키</a:t>
+            </a:r>
+            <a:r>
+              <a:rPr lang="ko-KR" altLang="en-US" dirty="0" smtClean="0"/>
+              <a:t> 생성</a:t>
+            </a:r>
+            <a:endParaRPr lang="en-US" altLang="ko-KR" dirty="0"/>
+          </a:p>
+          <a:p>
+            <a:pPr lvl="1">
+              <a:buFont typeface="Wingdings" panose="05000000000000000000" pitchFamily="2" charset="2"/>
+              <a:buChar char="§"/>
+            </a:pPr>
+            <a:r>
+              <a:rPr lang="ko-KR" altLang="en-US" dirty="0" smtClean="0"/>
+              <a:t>암호 키의 길이를 </a:t>
+            </a:r>
+            <a:r>
+              <a:rPr lang="en-US" altLang="ko-KR" dirty="0" smtClean="0"/>
+              <a:t>768 </a:t>
+            </a:r>
+            <a:r>
+              <a:rPr lang="ko-KR" altLang="en-US" dirty="0" smtClean="0"/>
+              <a:t>이상 설정하면 </a:t>
+            </a:r>
+            <a:r>
+              <a:rPr lang="en-US" altLang="ko-KR" dirty="0" smtClean="0"/>
+              <a:t>ssh2</a:t>
+            </a:r>
+            <a:r>
+              <a:rPr lang="ko-KR" altLang="en-US" dirty="0" smtClean="0"/>
+              <a:t> 설정 가능</a:t>
+            </a:r>
+            <a:endParaRPr lang="en-US" altLang="ko-KR" dirty="0" smtClean="0"/>
+          </a:p>
+          <a:p>
+            <a:pPr marL="457200" lvl="1" indent="0">
+              <a:buNone/>
+            </a:pPr>
+            <a:endParaRPr lang="ko-KR" altLang="en-US" dirty="0"/>
+          </a:p>
+        </p:txBody>
+      </p:sp>
+      <p:pic>
+        <p:nvPicPr>
+          <p:cNvPr id="5" name="그림 4"/>
+          <p:cNvPicPr>
+            <a:picLocks noChangeAspect="1"/>
+          </p:cNvPicPr>
+          <p:nvPr/>
+        </p:nvPicPr>
+        <p:blipFill rotWithShape="1">
+          <a:blip r:embed="rId2"/>
+          <a:srcRect t="18793"/>
+          <a:stretch/>
+        </p:blipFill>
+        <p:spPr>
+          <a:xfrm>
+            <a:off x="1060445" y="3514988"/>
+            <a:ext cx="10085090" cy="2796912"/>
+          </a:xfrm>
+          <a:prstGeom prst="rect">
+            <a:avLst/>
+          </a:prstGeom>
+        </p:spPr>
+      </p:pic>
+      <p:sp>
+        <p:nvSpPr>
+          <p:cNvPr id="8" name="직사각형 7">
+            <a:extLst>
+              <a:ext uri="{FF2B5EF4-FFF2-40B4-BE49-F238E27FC236}">
+                <a16:creationId xmlns:a16="http://schemas.microsoft.com/office/drawing/2014/main" id="{3579CA9A-F288-4518-8085-4A9883F0D454}"/>
+              </a:ext>
+            </a:extLst>
+          </p:cNvPr>
+          <p:cNvSpPr/>
+          <p:nvPr/>
+        </p:nvSpPr>
+        <p:spPr>
+          <a:xfrm>
+            <a:off x="1060444" y="3514988"/>
+            <a:ext cx="4845405" cy="318781"/>
+          </a:xfrm>
+          <a:prstGeom prst="rect">
+            <a:avLst/>
+          </a:prstGeom>
+          <a:noFill/>
+          <a:ln w="28575">
+            <a:solidFill>
+              <a:srgbClr val="FF0000"/>
+            </a:solidFill>
+          </a:ln>
+        </p:spPr>
+        <p:style>
+          <a:lnRef idx="2">
+            <a:schemeClr val="accent1">
+              <a:shade val="50000"/>
+            </a:schemeClr>
+          </a:lnRef>
+          <a:fillRef idx="1">
+            <a:schemeClr val="accent1"/>
+          </a:fillRef>
+          <a:effectRef idx="0">
+            <a:schemeClr val="accent1"/>
+          </a:effectRef>
+          <a:fontRef idx="minor">
+            <a:schemeClr val="lt1"/>
+          </a:fontRef>
+        </p:style>
+        <p:txBody>
+          <a:bodyPr rtlCol="0" anchor="ctr"/>
+          <a:lstStyle/>
+          <a:p>
+            <a:pPr algn="ctr"/>
+            <a:endParaRPr lang="ko-KR" altLang="en-US" dirty="0"/>
+          </a:p>
+        </p:txBody>
+      </p:sp>
+      <p:sp>
+        <p:nvSpPr>
+          <p:cNvPr id="9" name="직사각형 8">
+            <a:extLst>
+              <a:ext uri="{FF2B5EF4-FFF2-40B4-BE49-F238E27FC236}">
+                <a16:creationId xmlns:a16="http://schemas.microsoft.com/office/drawing/2014/main" id="{3579CA9A-F288-4518-8085-4A9883F0D454}"/>
+              </a:ext>
+            </a:extLst>
+          </p:cNvPr>
+          <p:cNvSpPr/>
+          <p:nvPr/>
+        </p:nvSpPr>
+        <p:spPr>
+          <a:xfrm>
+            <a:off x="6003722" y="5570290"/>
+            <a:ext cx="732638" cy="345347"/>
+          </a:xfrm>
+          <a:prstGeom prst="rect">
+            <a:avLst/>
+          </a:prstGeom>
+          <a:noFill/>
+          <a:ln w="28575">
+            <a:solidFill>
+              <a:srgbClr val="FF0000"/>
+            </a:solidFill>
+          </a:ln>
+        </p:spPr>
+        <p:style>
+          <a:lnRef idx="2">
+            <a:schemeClr val="accent1">
+              <a:shade val="50000"/>
+            </a:schemeClr>
+          </a:lnRef>
+          <a:fillRef idx="1">
+            <a:schemeClr val="accent1"/>
+          </a:fillRef>
+          <a:effectRef idx="0">
+            <a:schemeClr val="accent1"/>
+          </a:effectRef>
+          <a:fontRef idx="minor">
+            <a:schemeClr val="lt1"/>
+          </a:fontRef>
+        </p:style>
+        <p:txBody>
+          <a:bodyPr rtlCol="0" anchor="ctr"/>
+          <a:lstStyle/>
+          <a:p>
+            <a:pPr algn="ctr"/>
+            <a:endParaRPr lang="ko-KR" altLang="en-US" dirty="0"/>
           </a:p>
         </p:txBody>
       </p:sp>
     </p:spTree>
     <p:extLst>
       <p:ext uri="{BB962C8B-B14F-4D97-AF65-F5344CB8AC3E}">
-        <p14:creationId xmlns:p14="http://schemas.microsoft.com/office/powerpoint/2010/main" val="264636872"/>
+        <p14:creationId xmlns:p14="http://schemas.microsoft.com/office/powerpoint/2010/main" val="1699106370"/>
       </p:ext>
     </p:extLst>
   </p:cSld>
@@ -18914,6 +18649,48 @@
           <a:bodyPr/>
           <a:lstStyle/>
           <a:p>
+            <a:r>
+              <a:rPr lang="ko-KR" altLang="en-US" dirty="0" smtClean="0">
+                <a:latin typeface="HY헤드라인M" panose="02030600000101010101" pitchFamily="18" charset="-127"/>
+                <a:ea typeface="HY헤드라인M" panose="02030600000101010101" pitchFamily="18" charset="-127"/>
+              </a:rPr>
+              <a:t>수행 </a:t>
+            </a:r>
+            <a:r>
+              <a:rPr lang="en-US" altLang="ko-KR" dirty="0" smtClean="0">
+                <a:latin typeface="HY헤드라인M" panose="02030600000101010101" pitchFamily="18" charset="-127"/>
+                <a:ea typeface="HY헤드라인M" panose="02030600000101010101" pitchFamily="18" charset="-127"/>
+              </a:rPr>
+              <a:t>– </a:t>
+            </a:r>
+            <a:r>
+              <a:rPr lang="en-US" altLang="ko-KR" dirty="0" err="1" smtClean="0">
+                <a:latin typeface="HY헤드라인M" panose="02030600000101010101" pitchFamily="18" charset="-127"/>
+                <a:ea typeface="HY헤드라인M" panose="02030600000101010101" pitchFamily="18" charset="-127"/>
+              </a:rPr>
+              <a:t>ssh</a:t>
+            </a:r>
+            <a:r>
+              <a:rPr lang="en-US" altLang="ko-KR" dirty="0" smtClean="0">
+                <a:latin typeface="HY헤드라인M" panose="02030600000101010101" pitchFamily="18" charset="-127"/>
+                <a:ea typeface="HY헤드라인M" panose="02030600000101010101" pitchFamily="18" charset="-127"/>
+              </a:rPr>
+              <a:t> </a:t>
+            </a:r>
+            <a:r>
+              <a:rPr lang="ko-KR" altLang="en-US" dirty="0" smtClean="0">
+                <a:latin typeface="HY헤드라인M" panose="02030600000101010101" pitchFamily="18" charset="-127"/>
+                <a:ea typeface="HY헤드라인M" panose="02030600000101010101" pitchFamily="18" charset="-127"/>
+              </a:rPr>
+              <a:t>설정</a:t>
+            </a:r>
+            <a:r>
+              <a:rPr lang="en-US" altLang="ko-KR" dirty="0" smtClean="0">
+                <a:latin typeface="HY헤드라인M" panose="02030600000101010101" pitchFamily="18" charset="-127"/>
+                <a:ea typeface="HY헤드라인M" panose="02030600000101010101" pitchFamily="18" charset="-127"/>
+              </a:rPr>
+              <a:t>(3)</a:t>
+            </a:r>
             <a:endParaRPr lang="ko-KR" altLang="en-US" dirty="0">
               <a:latin typeface="HY헤드라인M" panose="02030600000101010101" pitchFamily="18" charset="-127"/>
               <a:ea typeface="HY헤드라인M" panose="02030600000101010101" pitchFamily="18" charset="-127"/>
@@ -19027,14 +18804,88 @@
           <a:bodyPr/>
           <a:lstStyle/>
           <a:p>
-            <a:endParaRPr lang="ko-KR" altLang="en-US"/>
+            <a:r>
+              <a:rPr lang="en-US" altLang="ko-KR" dirty="0" err="1" smtClean="0"/>
+              <a:t>ssh</a:t>
+            </a:r>
+            <a:r>
+              <a:rPr lang="en-US" altLang="ko-KR" dirty="0" smtClean="0"/>
+              <a:t> </a:t>
+            </a:r>
+            <a:r>
+              <a:rPr lang="ko-KR" altLang="en-US" dirty="0" smtClean="0"/>
+              <a:t>접속 시 사용할 아이디와 패스워드 설정</a:t>
+            </a:r>
+            <a:endParaRPr lang="ko-KR" altLang="en-US" dirty="0"/>
           </a:p>
         </p:txBody>
       </p:sp>
+      <p:pic>
+        <p:nvPicPr>
+          <p:cNvPr id="3" name="그림 2"/>
+          <p:cNvPicPr>
+            <a:picLocks noChangeAspect="1"/>
+          </p:cNvPicPr>
+          <p:nvPr/>
+        </p:nvPicPr>
+        <p:blipFill>
+          <a:blip r:embed="rId2"/>
+          <a:stretch>
+            <a:fillRect/>
+          </a:stretch>
+        </p:blipFill>
+        <p:spPr>
+          <a:xfrm>
+            <a:off x="1091501" y="2672290"/>
+            <a:ext cx="9760655" cy="1387982"/>
+          </a:xfrm>
+          <a:prstGeom prst="rect">
+            <a:avLst/>
+          </a:prstGeom>
+          <a:ln w="38100" cap="sq">
+            <a:solidFill>
+              <a:srgbClr val="000000"/>
+            </a:solidFill>
+            <a:prstDash val="solid"/>
+            <a:miter lim="800000"/>
+          </a:ln>
+          <a:effectLst>
+            <a:outerShdw blurRad="50800" dist="38100" dir="2700000" algn="tl" rotWithShape="0">
+              <a:srgbClr val="000000">
+                <a:alpha val="43000"/>
+              </a:srgbClr>
+            </a:outerShdw>
+          </a:effectLst>
+        </p:spPr>
+      </p:pic>
+      <p:pic>
+        <p:nvPicPr>
+          <p:cNvPr id="5" name="그림 4"/>
+          <p:cNvPicPr>
+            <a:picLocks noChangeAspect="1"/>
+          </p:cNvPicPr>
+          <p:nvPr/>
+        </p:nvPicPr>
+        <p:blipFill>
+          <a:blip r:embed="rId3"/>
+          <a:stretch>
+            <a:fillRect/>
+          </a:stretch>
+        </p:blipFill>
+        <p:spPr>
+          <a:xfrm>
+            <a:off x="1091500" y="4602757"/>
+            <a:ext cx="3094605" cy="1843009"/>
+          </a:xfrm>
+          <a:prstGeom prst="rect">
+            <a:avLst/>
+          </a:prstGeom>
+        </p:spPr>
+      </p:pic>
     </p:spTree>
     <p:extLst>
       <p:ext uri="{BB962C8B-B14F-4D97-AF65-F5344CB8AC3E}">
-        <p14:creationId xmlns:p14="http://schemas.microsoft.com/office/powerpoint/2010/main" val="3040802241"/>
+        <p14:creationId xmlns:p14="http://schemas.microsoft.com/office/powerpoint/2010/main" val="264636872"/>
       </p:ext>
     </p:extLst>
   </p:cSld>
@@ -19087,27 +18938,10 @@
           <a:bodyPr/>
           <a:lstStyle/>
           <a:p>
-            <a:r>
-              <a:rPr lang="ko-KR" altLang="en-US" dirty="0">
-                <a:latin typeface="HY헤드라인M" panose="02030600000101010101" pitchFamily="18" charset="-127"/>
-                <a:ea typeface="HY헤드라인M" panose="02030600000101010101" pitchFamily="18" charset="-127"/>
-              </a:rPr>
-              <a:t>실습 더하기 </a:t>
-            </a:r>
-            <a:r>
-              <a:rPr lang="en-US" altLang="ko-KR" dirty="0">
-                <a:latin typeface="HY헤드라인M" panose="02030600000101010101" pitchFamily="18" charset="-127"/>
-                <a:ea typeface="HY헤드라인M" panose="02030600000101010101" pitchFamily="18" charset="-127"/>
-              </a:rPr>
-              <a:t>: hostname</a:t>
-            </a:r>
-            <a:r>
-              <a:rPr lang="ko-KR" altLang="en-US" dirty="0">
-                <a:latin typeface="HY헤드라인M" panose="02030600000101010101" pitchFamily="18" charset="-127"/>
-                <a:ea typeface="HY헤드라인M" panose="02030600000101010101" pitchFamily="18" charset="-127"/>
-              </a:rPr>
-              <a:t> </a:t>
-            </a:r>
+            <a:endParaRPr lang="ko-KR" altLang="en-US" dirty="0">
+              <a:latin typeface="HY헤드라인M" panose="02030600000101010101" pitchFamily="18" charset="-127"/>
+              <a:ea typeface="HY헤드라인M" panose="02030600000101010101" pitchFamily="18" charset="-127"/>
+            </a:endParaRPr>
           </a:p>
         </p:txBody>
       </p:sp>
@@ -19217,273 +19051,6 @@
           <a:bodyPr/>
           <a:lstStyle/>
           <a:p>
-            <a:r>
-              <a:rPr lang="en-US" altLang="ko-KR" dirty="0"/>
-              <a:t>Hostname</a:t>
-            </a:r>
-          </a:p>
-          <a:p>
-            <a:pPr lvl="1">
-              <a:buFont typeface="Wingdings" panose="05000000000000000000" pitchFamily="2" charset="2"/>
-              <a:buChar char="§"/>
-            </a:pPr>
-            <a:r>
-              <a:rPr lang="ko-KR" altLang="en-US" dirty="0"/>
-              <a:t>네트워크의 장비를 설치하고 동작을 설정하고자 할 때</a:t>
-            </a:r>
-            <a:r>
-              <a:rPr lang="en-US" altLang="ko-KR" dirty="0"/>
-              <a:t>, </a:t>
-            </a:r>
-            <a:r>
-              <a:rPr lang="ko-KR" altLang="en-US" dirty="0"/>
-              <a:t>필수적으로 </a:t>
-            </a:r>
-            <a:r>
-              <a:rPr lang="ko-KR" altLang="en-US" dirty="0">
-                <a:solidFill>
-                  <a:srgbClr val="FF0000"/>
-                </a:solidFill>
-              </a:rPr>
-              <a:t>장비에 이름을 부여하여 관리</a:t>
-            </a:r>
-            <a:r>
-              <a:rPr lang="ko-KR" altLang="en-US" dirty="0"/>
-              <a:t>하는 것이 유리</a:t>
-            </a:r>
-            <a:r>
-              <a:rPr lang="en-US" altLang="ko-KR" dirty="0"/>
-              <a:t>.</a:t>
-            </a:r>
-          </a:p>
-          <a:p>
-            <a:pPr lvl="1">
-              <a:buFont typeface="Wingdings" panose="05000000000000000000" pitchFamily="2" charset="2"/>
-              <a:buChar char="§"/>
-            </a:pPr>
-            <a:endParaRPr lang="en-US" altLang="ko-KR" dirty="0"/>
-          </a:p>
-          <a:p>
-            <a:pPr lvl="1">
-              <a:buFont typeface="Wingdings" panose="05000000000000000000" pitchFamily="2" charset="2"/>
-              <a:buChar char="§"/>
-            </a:pPr>
-            <a:r>
-              <a:rPr lang="ko-KR" altLang="en-US" dirty="0"/>
-              <a:t>이름은 문자와 숫자로 시작하고 중간에 띄어쓰기를 할 수 없으며 총 </a:t>
-            </a:r>
-            <a:r>
-              <a:rPr lang="en-US" altLang="ko-KR" dirty="0"/>
-              <a:t>63</a:t>
-            </a:r>
-            <a:r>
-              <a:rPr lang="ko-KR" altLang="en-US" dirty="0"/>
-              <a:t>자 이내로 부여</a:t>
-            </a:r>
-            <a:r>
-              <a:rPr lang="en-US" altLang="ko-KR" dirty="0"/>
-              <a:t>.</a:t>
-            </a:r>
-            <a:endParaRPr lang="ko-KR" altLang="en-US" dirty="0"/>
-          </a:p>
-        </p:txBody>
-      </p:sp>
-      <p:pic>
-        <p:nvPicPr>
-          <p:cNvPr id="3" name="그림 2">
-            <a:extLst>
-              <a:ext uri="{FF2B5EF4-FFF2-40B4-BE49-F238E27FC236}">
-                <a16:creationId xmlns:a16="http://schemas.microsoft.com/office/drawing/2014/main" id="{E8717AD0-AFC4-49E0-BE26-F94B1FF7341A}"/>
-              </a:ext>
-            </a:extLst>
-          </p:cNvPr>
-          <p:cNvPicPr>
-            <a:picLocks noChangeAspect="1"/>
-          </p:cNvPicPr>
-          <p:nvPr/>
-        </p:nvPicPr>
-        <p:blipFill>
-          <a:blip r:embed="rId2"/>
-          <a:stretch>
-            <a:fillRect/>
-          </a:stretch>
-        </p:blipFill>
-        <p:spPr>
-          <a:xfrm>
-            <a:off x="1375794" y="4454554"/>
-            <a:ext cx="9978006" cy="1958013"/>
-          </a:xfrm>
-          <a:prstGeom prst="rect">
-            <a:avLst/>
-          </a:prstGeom>
-          <a:ln w="38100" cap="sq">
-            <a:solidFill>
-              <a:srgbClr val="000000"/>
-            </a:solidFill>
-            <a:prstDash val="solid"/>
-            <a:miter lim="800000"/>
-          </a:ln>
-          <a:effectLst>
-            <a:outerShdw blurRad="50800" dist="38100" dir="2700000" algn="tl" rotWithShape="0">
-              <a:srgbClr val="000000">
-                <a:alpha val="43000"/>
-              </a:srgbClr>
-            </a:outerShdw>
-          </a:effectLst>
-        </p:spPr>
-      </p:pic>
-      <p:sp>
-        <p:nvSpPr>
-          <p:cNvPr id="5" name="사각형: 둥근 모서리 4">
-            <a:extLst>
-              <a:ext uri="{FF2B5EF4-FFF2-40B4-BE49-F238E27FC236}">
-                <a16:creationId xmlns:a16="http://schemas.microsoft.com/office/drawing/2014/main" id="{02ED42CE-8394-4A3D-8207-E5CFBCE7D2F4}"/>
-              </a:ext>
-            </a:extLst>
-          </p:cNvPr>
-          <p:cNvSpPr/>
-          <p:nvPr/>
-        </p:nvSpPr>
-        <p:spPr>
-          <a:xfrm>
-            <a:off x="1375794" y="4454554"/>
-            <a:ext cx="2206305" cy="394283"/>
-          </a:xfrm>
-          <a:prstGeom prst="roundRect">
-            <a:avLst/>
-          </a:prstGeom>
-          <a:noFill/>
-          <a:ln>
-            <a:solidFill>
-              <a:srgbClr val="FF0000"/>
-            </a:solidFill>
-          </a:ln>
-        </p:spPr>
-        <p:style>
-          <a:lnRef idx="2">
-            <a:schemeClr val="accent1">
-              <a:shade val="50000"/>
-            </a:schemeClr>
-          </a:lnRef>
-          <a:fillRef idx="1">
-            <a:schemeClr val="accent1"/>
-          </a:fillRef>
-          <a:effectRef idx="0">
-            <a:schemeClr val="accent1"/>
-          </a:effectRef>
-          <a:fontRef idx="minor">
-            <a:schemeClr val="lt1"/>
-          </a:fontRef>
-        </p:style>
-        <p:txBody>
-          <a:bodyPr rtlCol="0" anchor="ctr"/>
-          <a:lstStyle/>
-          <a:p>
-            <a:pPr algn="ctr"/>
-            <a:endParaRPr lang="ko-KR" altLang="en-US"/>
-          </a:p>
-        </p:txBody>
-      </p:sp>
-      <p:sp>
-        <p:nvSpPr>
-          <p:cNvPr id="8" name="사각형: 둥근 모서리 7">
-            <a:extLst>
-              <a:ext uri="{FF2B5EF4-FFF2-40B4-BE49-F238E27FC236}">
-                <a16:creationId xmlns:a16="http://schemas.microsoft.com/office/drawing/2014/main" id="{9E806862-8609-4037-9DDE-28D57EB11A79}"/>
-              </a:ext>
-            </a:extLst>
-          </p:cNvPr>
-          <p:cNvSpPr/>
-          <p:nvPr/>
-        </p:nvSpPr>
-        <p:spPr>
-          <a:xfrm>
-            <a:off x="1375793" y="4956495"/>
-            <a:ext cx="2365697" cy="394283"/>
-          </a:xfrm>
-          <a:prstGeom prst="roundRect">
-            <a:avLst/>
-          </a:prstGeom>
-          <a:noFill/>
-          <a:ln>
-            <a:solidFill>
-              <a:srgbClr val="FF0000"/>
-            </a:solidFill>
-          </a:ln>
-        </p:spPr>
-        <p:style>
-          <a:lnRef idx="2">
-            <a:schemeClr val="accent1">
-              <a:shade val="50000"/>
-            </a:schemeClr>
-          </a:lnRef>
-          <a:fillRef idx="1">
-            <a:schemeClr val="accent1"/>
-          </a:fillRef>
-          <a:effectRef idx="0">
-            <a:schemeClr val="accent1"/>
-          </a:effectRef>
-          <a:fontRef idx="minor">
-            <a:schemeClr val="lt1"/>
-          </a:fontRef>
-        </p:style>
-        <p:txBody>
-          <a:bodyPr rtlCol="0" anchor="ctr"/>
-          <a:lstStyle/>
-          <a:p>
-            <a:pPr algn="ctr"/>
-            <a:endParaRPr lang="ko-KR" altLang="en-US"/>
-          </a:p>
-        </p:txBody>
-      </p:sp>
-      <p:sp>
-        <p:nvSpPr>
-          <p:cNvPr id="9" name="사각형: 둥근 모서리 8">
-            <a:extLst>
-              <a:ext uri="{FF2B5EF4-FFF2-40B4-BE49-F238E27FC236}">
-                <a16:creationId xmlns:a16="http://schemas.microsoft.com/office/drawing/2014/main" id="{78E75BC0-D945-443D-8F32-D70F2FF418D0}"/>
-              </a:ext>
-            </a:extLst>
-          </p:cNvPr>
-          <p:cNvSpPr/>
-          <p:nvPr/>
-        </p:nvSpPr>
-        <p:spPr>
-          <a:xfrm>
-            <a:off x="1375793" y="5979821"/>
-            <a:ext cx="4421000" cy="394283"/>
-          </a:xfrm>
-          <a:prstGeom prst="roundRect">
-            <a:avLst/>
-          </a:prstGeom>
-          <a:noFill/>
-          <a:ln>
-            <a:solidFill>
-              <a:srgbClr val="FF0000"/>
-            </a:solidFill>
-          </a:ln>
-        </p:spPr>
-        <p:style>
-          <a:lnRef idx="2">
-            <a:schemeClr val="accent1">
-              <a:shade val="50000"/>
-            </a:schemeClr>
-          </a:lnRef>
-          <a:fillRef idx="1">
-            <a:schemeClr val="accent1"/>
-          </a:fillRef>
-          <a:effectRef idx="0">
-            <a:schemeClr val="accent1"/>
-          </a:effectRef>
-          <a:fontRef idx="minor">
-            <a:schemeClr val="lt1"/>
-          </a:fontRef>
-        </p:style>
-        <p:txBody>
-          <a:bodyPr rtlCol="0" anchor="ctr"/>
-          <a:lstStyle/>
-          <a:p>
-            <a:pPr algn="ctr"/>
             <a:endParaRPr lang="ko-KR" altLang="en-US"/>
           </a:p>
         </p:txBody>
@@ -19491,7 +19058,7 @@
     </p:spTree>
     <p:extLst>
       <p:ext uri="{BB962C8B-B14F-4D97-AF65-F5344CB8AC3E}">
-        <p14:creationId xmlns:p14="http://schemas.microsoft.com/office/powerpoint/2010/main" val="2709572869"/>
+        <p14:creationId xmlns:p14="http://schemas.microsoft.com/office/powerpoint/2010/main" val="3040802241"/>
       </p:ext>
     </p:extLst>
   </p:cSld>
@@ -19556,14 +19123,14 @@
                 <a:latin typeface="HY헤드라인M" panose="02030600000101010101" pitchFamily="18" charset="-127"/>
                 <a:ea typeface="HY헤드라인M" panose="02030600000101010101" pitchFamily="18" charset="-127"/>
               </a:rPr>
-              <a:t>: IP </a:t>
+              <a:t>: hostname</a:t>
             </a:r>
             <a:r>
               <a:rPr lang="ko-KR" altLang="en-US" dirty="0">
                 <a:latin typeface="HY헤드라인M" panose="02030600000101010101" pitchFamily="18" charset="-127"/>
                 <a:ea typeface="HY헤드라인M" panose="02030600000101010101" pitchFamily="18" charset="-127"/>
               </a:rPr>
-              <a:t>설정</a:t>
+              <a:t> </a:t>
             </a:r>
           </a:p>
         </p:txBody>
@@ -19674,6 +19241,273 @@
           <a:bodyPr/>
           <a:lstStyle/>
           <a:p>
+            <a:r>
+              <a:rPr lang="en-US" altLang="ko-KR" dirty="0"/>
+              <a:t>Hostname</a:t>
+            </a:r>
+          </a:p>
+          <a:p>
+            <a:pPr lvl="1">
+              <a:buFont typeface="Wingdings" panose="05000000000000000000" pitchFamily="2" charset="2"/>
+              <a:buChar char="§"/>
+            </a:pPr>
+            <a:r>
+              <a:rPr lang="ko-KR" altLang="en-US" dirty="0"/>
+              <a:t>네트워크의 장비를 설치하고 동작을 설정하고자 할 때</a:t>
+            </a:r>
+            <a:r>
+              <a:rPr lang="en-US" altLang="ko-KR" dirty="0"/>
+              <a:t>, </a:t>
+            </a:r>
+            <a:r>
+              <a:rPr lang="ko-KR" altLang="en-US" dirty="0"/>
+              <a:t>필수적으로 </a:t>
+            </a:r>
+            <a:r>
+              <a:rPr lang="ko-KR" altLang="en-US" dirty="0">
+                <a:solidFill>
+                  <a:srgbClr val="FF0000"/>
+                </a:solidFill>
+              </a:rPr>
+              <a:t>장비에 이름을 부여하여 관리</a:t>
+            </a:r>
+            <a:r>
+              <a:rPr lang="ko-KR" altLang="en-US" dirty="0"/>
+              <a:t>하는 것이 유리</a:t>
+            </a:r>
+            <a:r>
+              <a:rPr lang="en-US" altLang="ko-KR" dirty="0"/>
+              <a:t>.</a:t>
+            </a:r>
+          </a:p>
+          <a:p>
+            <a:pPr lvl="1">
+              <a:buFont typeface="Wingdings" panose="05000000000000000000" pitchFamily="2" charset="2"/>
+              <a:buChar char="§"/>
+            </a:pPr>
+            <a:endParaRPr lang="en-US" altLang="ko-KR" dirty="0"/>
+          </a:p>
+          <a:p>
+            <a:pPr lvl="1">
+              <a:buFont typeface="Wingdings" panose="05000000000000000000" pitchFamily="2" charset="2"/>
+              <a:buChar char="§"/>
+            </a:pPr>
+            <a:r>
+              <a:rPr lang="ko-KR" altLang="en-US" dirty="0"/>
+              <a:t>이름은 문자와 숫자로 시작하고 중간에 띄어쓰기를 할 수 없으며 총 </a:t>
+            </a:r>
+            <a:r>
+              <a:rPr lang="en-US" altLang="ko-KR" dirty="0"/>
+              <a:t>63</a:t>
+            </a:r>
+            <a:r>
+              <a:rPr lang="ko-KR" altLang="en-US" dirty="0"/>
+              <a:t>자 이내로 부여</a:t>
+            </a:r>
+            <a:r>
+              <a:rPr lang="en-US" altLang="ko-KR" dirty="0"/>
+              <a:t>.</a:t>
+            </a:r>
+            <a:endParaRPr lang="ko-KR" altLang="en-US" dirty="0"/>
+          </a:p>
+        </p:txBody>
+      </p:sp>
+      <p:pic>
+        <p:nvPicPr>
+          <p:cNvPr id="3" name="그림 2">
+            <a:extLst>
+              <a:ext uri="{FF2B5EF4-FFF2-40B4-BE49-F238E27FC236}">
+                <a16:creationId xmlns:a16="http://schemas.microsoft.com/office/drawing/2014/main" id="{E8717AD0-AFC4-49E0-BE26-F94B1FF7341A}"/>
+              </a:ext>
+            </a:extLst>
+          </p:cNvPr>
+          <p:cNvPicPr>
+            <a:picLocks noChangeAspect="1"/>
+          </p:cNvPicPr>
+          <p:nvPr/>
+        </p:nvPicPr>
+        <p:blipFill>
+          <a:blip r:embed="rId2"/>
+          <a:stretch>
+            <a:fillRect/>
+          </a:stretch>
+        </p:blipFill>
+        <p:spPr>
+          <a:xfrm>
+            <a:off x="1375794" y="4454554"/>
+            <a:ext cx="9978006" cy="1958013"/>
+          </a:xfrm>
+          <a:prstGeom prst="rect">
+            <a:avLst/>
+          </a:prstGeom>
+          <a:ln w="38100" cap="sq">
+            <a:solidFill>
+              <a:srgbClr val="000000"/>
+            </a:solidFill>
+            <a:prstDash val="solid"/>
+            <a:miter lim="800000"/>
+          </a:ln>
+          <a:effectLst>
+            <a:outerShdw blurRad="50800" dist="38100" dir="2700000" algn="tl" rotWithShape="0">
+              <a:srgbClr val="000000">
+                <a:alpha val="43000"/>
+              </a:srgbClr>
+            </a:outerShdw>
+          </a:effectLst>
+        </p:spPr>
+      </p:pic>
+      <p:sp>
+        <p:nvSpPr>
+          <p:cNvPr id="5" name="사각형: 둥근 모서리 4">
+            <a:extLst>
+              <a:ext uri="{FF2B5EF4-FFF2-40B4-BE49-F238E27FC236}">
+                <a16:creationId xmlns:a16="http://schemas.microsoft.com/office/drawing/2014/main" id="{02ED42CE-8394-4A3D-8207-E5CFBCE7D2F4}"/>
+              </a:ext>
+            </a:extLst>
+          </p:cNvPr>
+          <p:cNvSpPr/>
+          <p:nvPr/>
+        </p:nvSpPr>
+        <p:spPr>
+          <a:xfrm>
+            <a:off x="1375794" y="4454554"/>
+            <a:ext cx="2206305" cy="394283"/>
+          </a:xfrm>
+          <a:prstGeom prst="roundRect">
+            <a:avLst/>
+          </a:prstGeom>
+          <a:noFill/>
+          <a:ln>
+            <a:solidFill>
+              <a:srgbClr val="FF0000"/>
+            </a:solidFill>
+          </a:ln>
+        </p:spPr>
+        <p:style>
+          <a:lnRef idx="2">
+            <a:schemeClr val="accent1">
+              <a:shade val="50000"/>
+            </a:schemeClr>
+          </a:lnRef>
+          <a:fillRef idx="1">
+            <a:schemeClr val="accent1"/>
+          </a:fillRef>
+          <a:effectRef idx="0">
+            <a:schemeClr val="accent1"/>
+          </a:effectRef>
+          <a:fontRef idx="minor">
+            <a:schemeClr val="lt1"/>
+          </a:fontRef>
+        </p:style>
+        <p:txBody>
+          <a:bodyPr rtlCol="0" anchor="ctr"/>
+          <a:lstStyle/>
+          <a:p>
+            <a:pPr algn="ctr"/>
+            <a:endParaRPr lang="ko-KR" altLang="en-US"/>
+          </a:p>
+        </p:txBody>
+      </p:sp>
+      <p:sp>
+        <p:nvSpPr>
+          <p:cNvPr id="8" name="사각형: 둥근 모서리 7">
+            <a:extLst>
+              <a:ext uri="{FF2B5EF4-FFF2-40B4-BE49-F238E27FC236}">
+                <a16:creationId xmlns:a16="http://schemas.microsoft.com/office/drawing/2014/main" id="{9E806862-8609-4037-9DDE-28D57EB11A79}"/>
+              </a:ext>
+            </a:extLst>
+          </p:cNvPr>
+          <p:cNvSpPr/>
+          <p:nvPr/>
+        </p:nvSpPr>
+        <p:spPr>
+          <a:xfrm>
+            <a:off x="1375793" y="4956495"/>
+            <a:ext cx="2365697" cy="394283"/>
+          </a:xfrm>
+          <a:prstGeom prst="roundRect">
+            <a:avLst/>
+          </a:prstGeom>
+          <a:noFill/>
+          <a:ln>
+            <a:solidFill>
+              <a:srgbClr val="FF0000"/>
+            </a:solidFill>
+          </a:ln>
+        </p:spPr>
+        <p:style>
+          <a:lnRef idx="2">
+            <a:schemeClr val="accent1">
+              <a:shade val="50000"/>
+            </a:schemeClr>
+          </a:lnRef>
+          <a:fillRef idx="1">
+            <a:schemeClr val="accent1"/>
+          </a:fillRef>
+          <a:effectRef idx="0">
+            <a:schemeClr val="accent1"/>
+          </a:effectRef>
+          <a:fontRef idx="minor">
+            <a:schemeClr val="lt1"/>
+          </a:fontRef>
+        </p:style>
+        <p:txBody>
+          <a:bodyPr rtlCol="0" anchor="ctr"/>
+          <a:lstStyle/>
+          <a:p>
+            <a:pPr algn="ctr"/>
+            <a:endParaRPr lang="ko-KR" altLang="en-US"/>
+          </a:p>
+        </p:txBody>
+      </p:sp>
+      <p:sp>
+        <p:nvSpPr>
+          <p:cNvPr id="9" name="사각형: 둥근 모서리 8">
+            <a:extLst>
+              <a:ext uri="{FF2B5EF4-FFF2-40B4-BE49-F238E27FC236}">
+                <a16:creationId xmlns:a16="http://schemas.microsoft.com/office/drawing/2014/main" id="{78E75BC0-D945-443D-8F32-D70F2FF418D0}"/>
+              </a:ext>
+            </a:extLst>
+          </p:cNvPr>
+          <p:cNvSpPr/>
+          <p:nvPr/>
+        </p:nvSpPr>
+        <p:spPr>
+          <a:xfrm>
+            <a:off x="1375793" y="5979821"/>
+            <a:ext cx="4421000" cy="394283"/>
+          </a:xfrm>
+          <a:prstGeom prst="roundRect">
+            <a:avLst/>
+          </a:prstGeom>
+          <a:noFill/>
+          <a:ln>
+            <a:solidFill>
+              <a:srgbClr val="FF0000"/>
+            </a:solidFill>
+          </a:ln>
+        </p:spPr>
+        <p:style>
+          <a:lnRef idx="2">
+            <a:schemeClr val="accent1">
+              <a:shade val="50000"/>
+            </a:schemeClr>
+          </a:lnRef>
+          <a:fillRef idx="1">
+            <a:schemeClr val="accent1"/>
+          </a:fillRef>
+          <a:effectRef idx="0">
+            <a:schemeClr val="accent1"/>
+          </a:effectRef>
+          <a:fontRef idx="minor">
+            <a:schemeClr val="lt1"/>
+          </a:fontRef>
+        </p:style>
+        <p:txBody>
+          <a:bodyPr rtlCol="0" anchor="ctr"/>
+          <a:lstStyle/>
+          <a:p>
+            <a:pPr algn="ctr"/>
             <a:endParaRPr lang="ko-KR" altLang="en-US"/>
           </a:p>
         </p:txBody>
@@ -19681,7 +19515,7 @@
     </p:spTree>
     <p:extLst>
       <p:ext uri="{BB962C8B-B14F-4D97-AF65-F5344CB8AC3E}">
-        <p14:creationId xmlns:p14="http://schemas.microsoft.com/office/powerpoint/2010/main" val="1065364503"/>
+        <p14:creationId xmlns:p14="http://schemas.microsoft.com/office/powerpoint/2010/main" val="2709572869"/>
       </p:ext>
     </p:extLst>
   </p:cSld>
@@ -19746,42 +19580,7 @@
                 <a:latin typeface="HY헤드라인M" panose="02030600000101010101" pitchFamily="18" charset="-127"/>
                 <a:ea typeface="HY헤드라인M" panose="02030600000101010101" pitchFamily="18" charset="-127"/>
               </a:rPr>
-              <a:t>: </a:t>
-            </a:r>
-            <a:r>
-              <a:rPr lang="ko-KR" altLang="en-US" dirty="0" smtClean="0">
-                <a:latin typeface="HY헤드라인M" panose="02030600000101010101" pitchFamily="18" charset="-127"/>
-                <a:ea typeface="HY헤드라인M" panose="02030600000101010101" pitchFamily="18" charset="-127"/>
-              </a:rPr>
-              <a:t>콘솔 연결 시 </a:t>
-            </a:r>
-            <a:r>
-              <a:rPr lang="en-US" altLang="ko-KR" dirty="0" smtClean="0">
-                <a:latin typeface="HY헤드라인M" panose="02030600000101010101" pitchFamily="18" charset="-127"/>
-                <a:ea typeface="HY헤드라인M" panose="02030600000101010101" pitchFamily="18" charset="-127"/>
-              </a:rPr>
-              <a:t>id</a:t>
-            </a:r>
-            <a:r>
-              <a:rPr lang="ko-KR" altLang="en-US" dirty="0" smtClean="0">
-                <a:latin typeface="HY헤드라인M" panose="02030600000101010101" pitchFamily="18" charset="-127"/>
-                <a:ea typeface="HY헤드라인M" panose="02030600000101010101" pitchFamily="18" charset="-127"/>
-              </a:rPr>
-              <a:t>와 </a:t>
-            </a:r>
-            <a:r>
-              <a:rPr lang="en-US" altLang="ko-KR" dirty="0" smtClean="0">
-                <a:latin typeface="HY헤드라인M" panose="02030600000101010101" pitchFamily="18" charset="-127"/>
-                <a:ea typeface="HY헤드라인M" panose="02030600000101010101" pitchFamily="18" charset="-127"/>
-              </a:rPr>
-              <a:t>pw </a:t>
-            </a:r>
-            <a:r>
-              <a:rPr lang="ko-KR" altLang="en-US" dirty="0" smtClean="0">
-                <a:latin typeface="HY헤드라인M" panose="02030600000101010101" pitchFamily="18" charset="-127"/>
-                <a:ea typeface="HY헤드라인M" panose="02030600000101010101" pitchFamily="18" charset="-127"/>
-              </a:rPr>
-              <a:t>설정</a:t>
+              <a:t>: banner</a:t>
             </a:r>
             <a:endParaRPr lang="ko-KR" altLang="en-US" dirty="0">
               <a:latin typeface="HY헤드라인M" panose="02030600000101010101" pitchFamily="18" charset="-127"/>
@@ -19875,70 +19674,119 @@
           </a:fontRef>
         </p:style>
       </p:cxnSp>
+      <p:sp>
+        <p:nvSpPr>
+          <p:cNvPr id="7" name="내용 개체 틀 6">
+            <a:extLst>
+              <a:ext uri="{FF2B5EF4-FFF2-40B4-BE49-F238E27FC236}">
+                <a16:creationId xmlns:a16="http://schemas.microsoft.com/office/drawing/2014/main" id="{D952638E-18BD-4894-91AB-D859C866F918}"/>
+              </a:ext>
+            </a:extLst>
+          </p:cNvPr>
+          <p:cNvSpPr>
+            <a:spLocks noGrp="1"/>
+          </p:cNvSpPr>
+          <p:nvPr>
+            <p:ph idx="1"/>
+          </p:nvPr>
+        </p:nvSpPr>
+        <p:spPr/>
+        <p:txBody>
+          <a:bodyPr/>
+          <a:lstStyle/>
+          <a:p>
+            <a:r>
+              <a:rPr lang="ko-KR" altLang="en-US" dirty="0" smtClean="0"/>
+              <a:t>배너 메시지</a:t>
+            </a:r>
+            <a:endParaRPr lang="en-US" altLang="ko-KR" dirty="0" smtClean="0"/>
+          </a:p>
+          <a:p>
+            <a:pPr lvl="1">
+              <a:buFont typeface="Wingdings" panose="05000000000000000000" pitchFamily="2" charset="2"/>
+              <a:buChar char="§"/>
+            </a:pPr>
+            <a:r>
+              <a:rPr lang="ko-KR" altLang="en-US" dirty="0" smtClean="0"/>
+              <a:t>라우터나 스위치에 접속하는 사용자에게 보여주기 위한 메시지를 생성</a:t>
+            </a:r>
+            <a:endParaRPr lang="en-US" altLang="ko-KR" dirty="0" smtClean="0"/>
+          </a:p>
+          <a:p>
+            <a:pPr lvl="1">
+              <a:buFont typeface="Wingdings" panose="05000000000000000000" pitchFamily="2" charset="2"/>
+              <a:buChar char="§"/>
+            </a:pPr>
+            <a:endParaRPr lang="en-US" altLang="ko-KR" dirty="0"/>
+          </a:p>
+          <a:p>
+            <a:pPr lvl="1">
+              <a:buFont typeface="Wingdings" panose="05000000000000000000" pitchFamily="2" charset="2"/>
+              <a:buChar char="§"/>
+            </a:pPr>
+            <a:r>
+              <a:rPr lang="en-US" altLang="ko-KR" dirty="0" smtClean="0"/>
+              <a:t>#banner </a:t>
+            </a:r>
+            <a:r>
+              <a:rPr lang="en-US" altLang="ko-KR" dirty="0" err="1" smtClean="0"/>
+              <a:t>motd</a:t>
+            </a:r>
+            <a:r>
+              <a:rPr lang="en-US" altLang="ko-KR" dirty="0" smtClean="0"/>
+              <a:t> [</a:t>
+            </a:r>
+            <a:r>
+              <a:rPr lang="ko-KR" altLang="en-US" dirty="0" smtClean="0"/>
+              <a:t>기호</a:t>
+            </a:r>
+            <a:r>
+              <a:rPr lang="en-US" altLang="ko-KR" dirty="0" smtClean="0"/>
+              <a:t>]</a:t>
+            </a:r>
+          </a:p>
+          <a:p>
+            <a:pPr lvl="1">
+              <a:buFont typeface="Wingdings" panose="05000000000000000000" pitchFamily="2" charset="2"/>
+              <a:buChar char="§"/>
+            </a:pPr>
+            <a:r>
+              <a:rPr lang="ko-KR" altLang="en-US" dirty="0" smtClean="0"/>
+              <a:t>출력 문구 입력 </a:t>
+            </a:r>
+            <a:r>
+              <a:rPr lang="en-US" altLang="ko-KR" dirty="0" smtClean="0"/>
+              <a:t>[</a:t>
+            </a:r>
+            <a:r>
+              <a:rPr lang="ko-KR" altLang="en-US" dirty="0" smtClean="0"/>
+              <a:t>기호</a:t>
+            </a:r>
+            <a:r>
+              <a:rPr lang="en-US" altLang="ko-KR" dirty="0" smtClean="0"/>
+              <a:t>]</a:t>
+            </a:r>
+          </a:p>
+        </p:txBody>
+      </p:sp>
       <p:pic>
         <p:nvPicPr>
-          <p:cNvPr id="5" name="그림 4"/>
+          <p:cNvPr id="3" name="그림 2"/>
           <p:cNvPicPr>
             <a:picLocks noChangeAspect="1"/>
           </p:cNvPicPr>
           <p:nvPr/>
         </p:nvPicPr>
-        <p:blipFill rotWithShape="1">
+        <p:blipFill>
           <a:blip r:embed="rId2"/>
-          <a:srcRect t="18148" r="9851" b="72288"/>
-          <a:stretch/>
-        </p:blipFill>
-        <p:spPr>
-          <a:xfrm>
-            <a:off x="846589" y="1901013"/>
-            <a:ext cx="10864442" cy="473229"/>
-          </a:xfrm>
-          <a:prstGeom prst="rect">
-            <a:avLst/>
-          </a:prstGeom>
-        </p:spPr>
-      </p:pic>
-      <p:pic>
-        <p:nvPicPr>
-          <p:cNvPr id="9" name="그림 8"/>
-          <p:cNvPicPr>
-            <a:picLocks noChangeAspect="1"/>
-          </p:cNvPicPr>
-          <p:nvPr/>
-        </p:nvPicPr>
-        <p:blipFill rotWithShape="1">
-          <a:blip r:embed="rId2"/>
-          <a:srcRect t="40730" r="41320" b="17327"/>
-          <a:stretch/>
-        </p:blipFill>
-        <p:spPr>
-          <a:xfrm>
-            <a:off x="846589" y="2474753"/>
-            <a:ext cx="7071920" cy="1384184"/>
-          </a:xfrm>
-          <a:prstGeom prst="rect">
-            <a:avLst/>
-          </a:prstGeom>
-        </p:spPr>
-      </p:pic>
-      <p:pic>
-        <p:nvPicPr>
-          <p:cNvPr id="10" name="그림 9"/>
-          <p:cNvPicPr>
-            <a:picLocks noChangeAspect="1"/>
-          </p:cNvPicPr>
-          <p:nvPr/>
-        </p:nvPicPr>
-        <p:blipFill>
-          <a:blip r:embed="rId3"/>
           <a:stretch>
             <a:fillRect/>
           </a:stretch>
         </p:blipFill>
         <p:spPr>
           <a:xfrm>
-            <a:off x="1099018" y="4646190"/>
-            <a:ext cx="2756093" cy="1041546"/>
+            <a:off x="838200" y="4320088"/>
+            <a:ext cx="9010372" cy="2066599"/>
           </a:xfrm>
           <a:prstGeom prst="rect">
             <a:avLst/>
@@ -19959,10 +19807,1339 @@
           </a:effectLst>
         </p:spPr>
       </p:pic>
+      <p:pic>
+        <p:nvPicPr>
+          <p:cNvPr id="5" name="그림 4"/>
+          <p:cNvPicPr>
+            <a:picLocks noChangeAspect="1"/>
+          </p:cNvPicPr>
+          <p:nvPr/>
+        </p:nvPicPr>
+        <p:blipFill rotWithShape="1">
+          <a:blip r:embed="rId3"/>
+          <a:srcRect l="2822"/>
+          <a:stretch/>
+        </p:blipFill>
+        <p:spPr>
+          <a:xfrm>
+            <a:off x="8282473" y="3074650"/>
+            <a:ext cx="3071327" cy="926644"/>
+          </a:xfrm>
+          <a:prstGeom prst="rect">
+            <a:avLst/>
+          </a:prstGeom>
+          <a:ln w="38100" cap="sq">
+            <a:solidFill>
+              <a:srgbClr val="000000"/>
+            </a:solidFill>
+            <a:prstDash val="solid"/>
+            <a:miter lim="800000"/>
+          </a:ln>
+          <a:effectLst>
+            <a:outerShdw blurRad="50800" dist="38100" dir="2700000" algn="tl" rotWithShape="0">
+              <a:srgbClr val="000000">
+                <a:alpha val="43000"/>
+              </a:srgbClr>
+            </a:outerShdw>
+          </a:effectLst>
+        </p:spPr>
+      </p:pic>
+      <p:cxnSp>
+        <p:nvCxnSpPr>
+          <p:cNvPr id="9" name="직선 화살표 연결선 8"/>
+          <p:cNvCxnSpPr>
+            <a:stCxn id="3" idx="0"/>
+            <a:endCxn id="5" idx="1"/>
+          </p:cNvCxnSpPr>
+          <p:nvPr/>
+        </p:nvCxnSpPr>
+        <p:spPr>
+          <a:xfrm flipV="1">
+            <a:off x="5343386" y="3537972"/>
+            <a:ext cx="2939087" cy="782116"/>
+          </a:xfrm>
+          <a:prstGeom prst="straightConnector1">
+            <a:avLst/>
+          </a:prstGeom>
+          <a:ln w="38100">
+            <a:solidFill>
+              <a:srgbClr val="FF0000"/>
+            </a:solidFill>
+            <a:tailEnd type="triangle"/>
+          </a:ln>
+        </p:spPr>
+        <p:style>
+          <a:lnRef idx="1">
+            <a:schemeClr val="accent1"/>
+          </a:lnRef>
+          <a:fillRef idx="0">
+            <a:schemeClr val="accent1"/>
+          </a:fillRef>
+          <a:effectRef idx="0">
+            <a:schemeClr val="accent1"/>
+          </a:effectRef>
+          <a:fontRef idx="minor">
+            <a:schemeClr val="tx1"/>
+          </a:fontRef>
+        </p:style>
+      </p:cxnSp>
+      <p:sp>
+        <p:nvSpPr>
+          <p:cNvPr id="10" name="사각형: 둥근 모서리 7">
+            <a:extLst>
+              <a:ext uri="{FF2B5EF4-FFF2-40B4-BE49-F238E27FC236}">
+                <a16:creationId xmlns:a16="http://schemas.microsoft.com/office/drawing/2014/main" id="{9E806862-8609-4037-9DDE-28D57EB11A79}"/>
+              </a:ext>
+            </a:extLst>
+          </p:cNvPr>
+          <p:cNvSpPr/>
+          <p:nvPr/>
+        </p:nvSpPr>
+        <p:spPr>
+          <a:xfrm>
+            <a:off x="838201" y="5335210"/>
+            <a:ext cx="4329418" cy="394283"/>
+          </a:xfrm>
+          <a:prstGeom prst="roundRect">
+            <a:avLst/>
+          </a:prstGeom>
+          <a:noFill/>
+          <a:ln>
+            <a:solidFill>
+              <a:srgbClr val="FF0000"/>
+            </a:solidFill>
+          </a:ln>
+        </p:spPr>
+        <p:style>
+          <a:lnRef idx="2">
+            <a:schemeClr val="accent1">
+              <a:shade val="50000"/>
+            </a:schemeClr>
+          </a:lnRef>
+          <a:fillRef idx="1">
+            <a:schemeClr val="accent1"/>
+          </a:fillRef>
+          <a:effectRef idx="0">
+            <a:schemeClr val="accent1"/>
+          </a:effectRef>
+          <a:fontRef idx="minor">
+            <a:schemeClr val="lt1"/>
+          </a:fontRef>
+        </p:style>
+        <p:txBody>
+          <a:bodyPr rtlCol="0" anchor="ctr"/>
+          <a:lstStyle/>
+          <a:p>
+            <a:pPr algn="ctr"/>
+            <a:endParaRPr lang="ko-KR" altLang="en-US"/>
+          </a:p>
+        </p:txBody>
+      </p:sp>
+      <p:sp>
+        <p:nvSpPr>
+          <p:cNvPr id="12" name="사각형: 둥근 모서리 7">
+            <a:extLst>
+              <a:ext uri="{FF2B5EF4-FFF2-40B4-BE49-F238E27FC236}">
+                <a16:creationId xmlns:a16="http://schemas.microsoft.com/office/drawing/2014/main" id="{9E806862-8609-4037-9DDE-28D57EB11A79}"/>
+              </a:ext>
+            </a:extLst>
+          </p:cNvPr>
+          <p:cNvSpPr/>
+          <p:nvPr/>
+        </p:nvSpPr>
+        <p:spPr>
+          <a:xfrm>
+            <a:off x="838199" y="5979821"/>
+            <a:ext cx="4329418" cy="394283"/>
+          </a:xfrm>
+          <a:prstGeom prst="roundRect">
+            <a:avLst/>
+          </a:prstGeom>
+          <a:noFill/>
+          <a:ln>
+            <a:solidFill>
+              <a:srgbClr val="FF0000"/>
+            </a:solidFill>
+          </a:ln>
+        </p:spPr>
+        <p:style>
+          <a:lnRef idx="2">
+            <a:schemeClr val="accent1">
+              <a:shade val="50000"/>
+            </a:schemeClr>
+          </a:lnRef>
+          <a:fillRef idx="1">
+            <a:schemeClr val="accent1"/>
+          </a:fillRef>
+          <a:effectRef idx="0">
+            <a:schemeClr val="accent1"/>
+          </a:effectRef>
+          <a:fontRef idx="minor">
+            <a:schemeClr val="lt1"/>
+          </a:fontRef>
+        </p:style>
+        <p:txBody>
+          <a:bodyPr rtlCol="0" anchor="ctr"/>
+          <a:lstStyle/>
+          <a:p>
+            <a:pPr algn="ctr"/>
+            <a:endParaRPr lang="ko-KR" altLang="en-US"/>
+          </a:p>
+        </p:txBody>
+      </p:sp>
     </p:spTree>
     <p:extLst>
       <p:ext uri="{BB962C8B-B14F-4D97-AF65-F5344CB8AC3E}">
-        <p14:creationId xmlns:p14="http://schemas.microsoft.com/office/powerpoint/2010/main" val="949317208"/>
+        <p14:creationId xmlns:p14="http://schemas.microsoft.com/office/powerpoint/2010/main" val="3605033690"/>
+      </p:ext>
+    </p:extLst>
+  </p:cSld>
+  <p:clrMapOvr>
+    <a:masterClrMapping/>
+  </p:clrMapOvr>
+</p:sld>
+</file>
+
+<file path=ppt/slides/slide47.xml><?xml version="1.0" encoding="utf-8"?>
+<p:sld xmlns:a="http://schemas.openxmlformats.org/drawingml/2006/main" xmlns:r="http://schemas.openxmlformats.org/officeDocument/2006/relationships" xmlns:p="http://schemas.openxmlformats.org/presentationml/2006/main">
+  <p:cSld>
+    <p:spTree>
+      <p:nvGrpSpPr>
+        <p:cNvPr id="1" name=""/>
+        <p:cNvGrpSpPr/>
+        <p:nvPr/>
+      </p:nvGrpSpPr>
+      <p:grpSpPr>
+        <a:xfrm>
+          <a:off x="0" y="0"/>
+          <a:ext cx="0" cy="0"/>
+          <a:chOff x="0" y="0"/>
+          <a:chExt cx="0" cy="0"/>
+        </a:xfrm>
+      </p:grpSpPr>
+      <p:sp>
+        <p:nvSpPr>
+          <p:cNvPr id="2" name="제목 1">
+            <a:extLst>
+              <a:ext uri="{FF2B5EF4-FFF2-40B4-BE49-F238E27FC236}">
+                <a16:creationId xmlns:a16="http://schemas.microsoft.com/office/drawing/2014/main" id="{0B510ACA-92C1-4DB2-B891-D4872C9B4F9C}"/>
+              </a:ext>
+            </a:extLst>
+          </p:cNvPr>
+          <p:cNvSpPr>
+            <a:spLocks noGrp="1"/>
+          </p:cNvSpPr>
+          <p:nvPr>
+            <p:ph type="title"/>
+          </p:nvPr>
+        </p:nvSpPr>
+        <p:spPr>
+          <a:xfrm>
+            <a:off x="838200" y="365125"/>
+            <a:ext cx="10515600" cy="1325563"/>
+          </a:xfrm>
+        </p:spPr>
+        <p:txBody>
+          <a:bodyPr/>
+          <a:lstStyle/>
+          <a:p>
+            <a:r>
+              <a:rPr lang="ko-KR" altLang="en-US" dirty="0" smtClean="0">
+                <a:latin typeface="HY헤드라인M" panose="02030600000101010101" pitchFamily="18" charset="-127"/>
+                <a:ea typeface="HY헤드라인M" panose="02030600000101010101" pitchFamily="18" charset="-127"/>
+              </a:rPr>
+              <a:t>실습 더하기 </a:t>
+            </a:r>
+            <a:r>
+              <a:rPr lang="en-US" altLang="ko-KR" dirty="0" smtClean="0">
+                <a:latin typeface="HY헤드라인M" panose="02030600000101010101" pitchFamily="18" charset="-127"/>
+                <a:ea typeface="HY헤드라인M" panose="02030600000101010101" pitchFamily="18" charset="-127"/>
+              </a:rPr>
+              <a:t>: History </a:t>
+            </a:r>
+            <a:r>
+              <a:rPr lang="ko-KR" altLang="en-US" dirty="0" smtClean="0">
+                <a:latin typeface="HY헤드라인M" panose="02030600000101010101" pitchFamily="18" charset="-127"/>
+                <a:ea typeface="HY헤드라인M" panose="02030600000101010101" pitchFamily="18" charset="-127"/>
+              </a:rPr>
+              <a:t>설정</a:t>
+            </a:r>
+            <a:endParaRPr lang="ko-KR" altLang="en-US" dirty="0">
+              <a:latin typeface="HY헤드라인M" panose="02030600000101010101" pitchFamily="18" charset="-127"/>
+              <a:ea typeface="HY헤드라인M" panose="02030600000101010101" pitchFamily="18" charset="-127"/>
+            </a:endParaRPr>
+          </a:p>
+        </p:txBody>
+      </p:sp>
+      <p:cxnSp>
+        <p:nvCxnSpPr>
+          <p:cNvPr id="4" name="직선 연결선 3">
+            <a:extLst>
+              <a:ext uri="{FF2B5EF4-FFF2-40B4-BE49-F238E27FC236}">
+                <a16:creationId xmlns:a16="http://schemas.microsoft.com/office/drawing/2014/main" id="{B52E875F-886D-4368-BB96-91473E4BD429}"/>
+              </a:ext>
+            </a:extLst>
+          </p:cNvPr>
+          <p:cNvCxnSpPr>
+            <a:cxnSpLocks/>
+          </p:cNvCxnSpPr>
+          <p:nvPr/>
+        </p:nvCxnSpPr>
+        <p:spPr>
+          <a:xfrm>
+            <a:off x="494950" y="1560352"/>
+            <a:ext cx="11216081" cy="0"/>
+          </a:xfrm>
+          <a:prstGeom prst="line">
+            <a:avLst/>
+          </a:prstGeom>
+          <a:ln w="38100">
+            <a:solidFill>
+              <a:schemeClr val="accent6">
+                <a:lumMod val="60000"/>
+                <a:lumOff val="40000"/>
+              </a:schemeClr>
+            </a:solidFill>
+          </a:ln>
+        </p:spPr>
+        <p:style>
+          <a:lnRef idx="1">
+            <a:schemeClr val="accent6"/>
+          </a:lnRef>
+          <a:fillRef idx="0">
+            <a:schemeClr val="accent6"/>
+          </a:fillRef>
+          <a:effectRef idx="0">
+            <a:schemeClr val="accent6"/>
+          </a:effectRef>
+          <a:fontRef idx="minor">
+            <a:schemeClr val="tx1"/>
+          </a:fontRef>
+        </p:style>
+      </p:cxnSp>
+      <p:cxnSp>
+        <p:nvCxnSpPr>
+          <p:cNvPr id="6" name="직선 연결선 5">
+            <a:extLst>
+              <a:ext uri="{FF2B5EF4-FFF2-40B4-BE49-F238E27FC236}">
+                <a16:creationId xmlns:a16="http://schemas.microsoft.com/office/drawing/2014/main" id="{18BBC0F2-0F71-4015-8396-16B4367F8F99}"/>
+              </a:ext>
+            </a:extLst>
+          </p:cNvPr>
+          <p:cNvCxnSpPr>
+            <a:cxnSpLocks/>
+          </p:cNvCxnSpPr>
+          <p:nvPr/>
+        </p:nvCxnSpPr>
+        <p:spPr>
+          <a:xfrm>
+            <a:off x="662730" y="367018"/>
+            <a:ext cx="0" cy="3061982"/>
+          </a:xfrm>
+          <a:prstGeom prst="line">
+            <a:avLst/>
+          </a:prstGeom>
+          <a:ln w="57150"/>
+        </p:spPr>
+        <p:style>
+          <a:lnRef idx="1">
+            <a:schemeClr val="accent1"/>
+          </a:lnRef>
+          <a:fillRef idx="0">
+            <a:schemeClr val="accent1"/>
+          </a:fillRef>
+          <a:effectRef idx="0">
+            <a:schemeClr val="accent1"/>
+          </a:effectRef>
+          <a:fontRef idx="minor">
+            <a:schemeClr val="tx1"/>
+          </a:fontRef>
+        </p:style>
+      </p:cxnSp>
+      <p:sp>
+        <p:nvSpPr>
+          <p:cNvPr id="7" name="내용 개체 틀 6">
+            <a:extLst>
+              <a:ext uri="{FF2B5EF4-FFF2-40B4-BE49-F238E27FC236}">
+                <a16:creationId xmlns:a16="http://schemas.microsoft.com/office/drawing/2014/main" id="{D952638E-18BD-4894-91AB-D859C866F918}"/>
+              </a:ext>
+            </a:extLst>
+          </p:cNvPr>
+          <p:cNvSpPr>
+            <a:spLocks noGrp="1"/>
+          </p:cNvSpPr>
+          <p:nvPr>
+            <p:ph idx="1"/>
+          </p:nvPr>
+        </p:nvSpPr>
+        <p:spPr/>
+        <p:txBody>
+          <a:bodyPr/>
+          <a:lstStyle/>
+          <a:p>
+            <a:r>
+              <a:rPr lang="en-US" altLang="ko-KR" dirty="0" smtClean="0"/>
+              <a:t>History</a:t>
+            </a:r>
+          </a:p>
+          <a:p>
+            <a:pPr lvl="1">
+              <a:buFont typeface="Wingdings" panose="05000000000000000000" pitchFamily="2" charset="2"/>
+              <a:buChar char="§"/>
+            </a:pPr>
+            <a:r>
+              <a:rPr lang="ko-KR" altLang="en-US" dirty="0" smtClean="0"/>
+              <a:t>라우터가 최근의 사용한 명령어를 기억하는 기능</a:t>
+            </a:r>
+            <a:endParaRPr lang="en-US" altLang="ko-KR" dirty="0" smtClean="0"/>
+          </a:p>
+          <a:p>
+            <a:pPr lvl="1">
+              <a:buFont typeface="Wingdings" panose="05000000000000000000" pitchFamily="2" charset="2"/>
+              <a:buChar char="§"/>
+            </a:pPr>
+            <a:r>
+              <a:rPr lang="ko-KR" altLang="en-US" dirty="0" smtClean="0"/>
+              <a:t>기본적으로 </a:t>
+            </a:r>
+            <a:r>
+              <a:rPr lang="en-US" altLang="ko-KR" dirty="0" smtClean="0"/>
+              <a:t>10</a:t>
+            </a:r>
+            <a:r>
+              <a:rPr lang="ko-KR" altLang="en-US" dirty="0" smtClean="0"/>
+              <a:t>개의 명령어를 순차적으로 기억</a:t>
+            </a:r>
+            <a:endParaRPr lang="en-US" altLang="ko-KR" dirty="0" smtClean="0"/>
+          </a:p>
+          <a:p>
+            <a:pPr lvl="1">
+              <a:buFont typeface="Wingdings" panose="05000000000000000000" pitchFamily="2" charset="2"/>
+              <a:buChar char="§"/>
+            </a:pPr>
+            <a:r>
+              <a:rPr lang="ko-KR" altLang="en-US" dirty="0" smtClean="0"/>
+              <a:t>키보드의 위쪽 방향키를 누르면 입력한 순서대로 명령어를 호출</a:t>
+            </a:r>
+            <a:endParaRPr lang="ko-KR" altLang="en-US" dirty="0"/>
+          </a:p>
+        </p:txBody>
+      </p:sp>
+      <p:pic>
+        <p:nvPicPr>
+          <p:cNvPr id="3" name="그림 2"/>
+          <p:cNvPicPr>
+            <a:picLocks noChangeAspect="1"/>
+          </p:cNvPicPr>
+          <p:nvPr/>
+        </p:nvPicPr>
+        <p:blipFill>
+          <a:blip r:embed="rId2"/>
+          <a:stretch>
+            <a:fillRect/>
+          </a:stretch>
+        </p:blipFill>
+        <p:spPr>
+          <a:xfrm>
+            <a:off x="1311591" y="4012963"/>
+            <a:ext cx="6129084" cy="1355991"/>
+          </a:xfrm>
+          <a:prstGeom prst="rect">
+            <a:avLst/>
+          </a:prstGeom>
+          <a:ln w="38100" cap="sq">
+            <a:solidFill>
+              <a:srgbClr val="000000"/>
+            </a:solidFill>
+            <a:prstDash val="solid"/>
+            <a:miter lim="800000"/>
+          </a:ln>
+          <a:effectLst>
+            <a:outerShdw blurRad="50800" dist="38100" dir="2700000" algn="tl" rotWithShape="0">
+              <a:srgbClr val="000000">
+                <a:alpha val="43000"/>
+              </a:srgbClr>
+            </a:outerShdw>
+          </a:effectLst>
+        </p:spPr>
+      </p:pic>
+    </p:spTree>
+    <p:extLst>
+      <p:ext uri="{BB962C8B-B14F-4D97-AF65-F5344CB8AC3E}">
+        <p14:creationId xmlns:p14="http://schemas.microsoft.com/office/powerpoint/2010/main" val="3688975812"/>
+      </p:ext>
+    </p:extLst>
+  </p:cSld>
+  <p:clrMapOvr>
+    <a:masterClrMapping/>
+  </p:clrMapOvr>
+</p:sld>
+</file>
+
+<file path=ppt/slides/slide48.xml><?xml version="1.0" encoding="utf-8"?>
+<p:sld xmlns:a="http://schemas.openxmlformats.org/drawingml/2006/main" xmlns:r="http://schemas.openxmlformats.org/officeDocument/2006/relationships" xmlns:p="http://schemas.openxmlformats.org/presentationml/2006/main">
+  <p:cSld>
+    <p:spTree>
+      <p:nvGrpSpPr>
+        <p:cNvPr id="1" name=""/>
+        <p:cNvGrpSpPr/>
+        <p:nvPr/>
+      </p:nvGrpSpPr>
+      <p:grpSpPr>
+        <a:xfrm>
+          <a:off x="0" y="0"/>
+          <a:ext cx="0" cy="0"/>
+          <a:chOff x="0" y="0"/>
+          <a:chExt cx="0" cy="0"/>
+        </a:xfrm>
+      </p:grpSpPr>
+      <p:sp>
+        <p:nvSpPr>
+          <p:cNvPr id="2" name="제목 1">
+            <a:extLst>
+              <a:ext uri="{FF2B5EF4-FFF2-40B4-BE49-F238E27FC236}">
+                <a16:creationId xmlns:a16="http://schemas.microsoft.com/office/drawing/2014/main" id="{0B510ACA-92C1-4DB2-B891-D4872C9B4F9C}"/>
+              </a:ext>
+            </a:extLst>
+          </p:cNvPr>
+          <p:cNvSpPr>
+            <a:spLocks noGrp="1"/>
+          </p:cNvSpPr>
+          <p:nvPr>
+            <p:ph type="title"/>
+          </p:nvPr>
+        </p:nvSpPr>
+        <p:spPr>
+          <a:xfrm>
+            <a:off x="838200" y="365125"/>
+            <a:ext cx="10515600" cy="1325563"/>
+          </a:xfrm>
+        </p:spPr>
+        <p:txBody>
+          <a:bodyPr/>
+          <a:lstStyle/>
+          <a:p>
+            <a:r>
+              <a:rPr lang="ko-KR" altLang="en-US" dirty="0" smtClean="0">
+                <a:latin typeface="HY헤드라인M" panose="02030600000101010101" pitchFamily="18" charset="-127"/>
+                <a:ea typeface="HY헤드라인M" panose="02030600000101010101" pitchFamily="18" charset="-127"/>
+              </a:rPr>
+              <a:t>실습 더하기 </a:t>
+            </a:r>
+            <a:r>
+              <a:rPr lang="en-US" altLang="ko-KR" dirty="0" smtClean="0">
+                <a:latin typeface="HY헤드라인M" panose="02030600000101010101" pitchFamily="18" charset="-127"/>
+                <a:ea typeface="HY헤드라인M" panose="02030600000101010101" pitchFamily="18" charset="-127"/>
+              </a:rPr>
+              <a:t>: DNS </a:t>
+            </a:r>
+            <a:r>
+              <a:rPr lang="ko-KR" altLang="en-US" dirty="0" smtClean="0">
+                <a:latin typeface="HY헤드라인M" panose="02030600000101010101" pitchFamily="18" charset="-127"/>
+                <a:ea typeface="HY헤드라인M" panose="02030600000101010101" pitchFamily="18" charset="-127"/>
+              </a:rPr>
+              <a:t>설</a:t>
+            </a:r>
+            <a:r>
+              <a:rPr lang="ko-KR" altLang="en-US" dirty="0" smtClean="0">
+                <a:latin typeface="HY헤드라인M" panose="02030600000101010101" pitchFamily="18" charset="-127"/>
+                <a:ea typeface="HY헤드라인M" panose="02030600000101010101" pitchFamily="18" charset="-127"/>
+              </a:rPr>
+              <a:t>정</a:t>
+            </a:r>
+            <a:endParaRPr lang="ko-KR" altLang="en-US" dirty="0">
+              <a:latin typeface="HY헤드라인M" panose="02030600000101010101" pitchFamily="18" charset="-127"/>
+              <a:ea typeface="HY헤드라인M" panose="02030600000101010101" pitchFamily="18" charset="-127"/>
+            </a:endParaRPr>
+          </a:p>
+        </p:txBody>
+      </p:sp>
+      <p:cxnSp>
+        <p:nvCxnSpPr>
+          <p:cNvPr id="4" name="직선 연결선 3">
+            <a:extLst>
+              <a:ext uri="{FF2B5EF4-FFF2-40B4-BE49-F238E27FC236}">
+                <a16:creationId xmlns:a16="http://schemas.microsoft.com/office/drawing/2014/main" id="{B52E875F-886D-4368-BB96-91473E4BD429}"/>
+              </a:ext>
+            </a:extLst>
+          </p:cNvPr>
+          <p:cNvCxnSpPr>
+            <a:cxnSpLocks/>
+          </p:cNvCxnSpPr>
+          <p:nvPr/>
+        </p:nvCxnSpPr>
+        <p:spPr>
+          <a:xfrm>
+            <a:off x="494950" y="1560352"/>
+            <a:ext cx="11216081" cy="0"/>
+          </a:xfrm>
+          <a:prstGeom prst="line">
+            <a:avLst/>
+          </a:prstGeom>
+          <a:ln w="38100">
+            <a:solidFill>
+              <a:schemeClr val="accent6">
+                <a:lumMod val="60000"/>
+                <a:lumOff val="40000"/>
+              </a:schemeClr>
+            </a:solidFill>
+          </a:ln>
+        </p:spPr>
+        <p:style>
+          <a:lnRef idx="1">
+            <a:schemeClr val="accent6"/>
+          </a:lnRef>
+          <a:fillRef idx="0">
+            <a:schemeClr val="accent6"/>
+          </a:fillRef>
+          <a:effectRef idx="0">
+            <a:schemeClr val="accent6"/>
+          </a:effectRef>
+          <a:fontRef idx="minor">
+            <a:schemeClr val="tx1"/>
+          </a:fontRef>
+        </p:style>
+      </p:cxnSp>
+      <p:cxnSp>
+        <p:nvCxnSpPr>
+          <p:cNvPr id="6" name="직선 연결선 5">
+            <a:extLst>
+              <a:ext uri="{FF2B5EF4-FFF2-40B4-BE49-F238E27FC236}">
+                <a16:creationId xmlns:a16="http://schemas.microsoft.com/office/drawing/2014/main" id="{18BBC0F2-0F71-4015-8396-16B4367F8F99}"/>
+              </a:ext>
+            </a:extLst>
+          </p:cNvPr>
+          <p:cNvCxnSpPr>
+            <a:cxnSpLocks/>
+          </p:cNvCxnSpPr>
+          <p:nvPr/>
+        </p:nvCxnSpPr>
+        <p:spPr>
+          <a:xfrm>
+            <a:off x="662730" y="367018"/>
+            <a:ext cx="0" cy="3061982"/>
+          </a:xfrm>
+          <a:prstGeom prst="line">
+            <a:avLst/>
+          </a:prstGeom>
+          <a:ln w="57150"/>
+        </p:spPr>
+        <p:style>
+          <a:lnRef idx="1">
+            <a:schemeClr val="accent1"/>
+          </a:lnRef>
+          <a:fillRef idx="0">
+            <a:schemeClr val="accent1"/>
+          </a:fillRef>
+          <a:effectRef idx="0">
+            <a:schemeClr val="accent1"/>
+          </a:effectRef>
+          <a:fontRef idx="minor">
+            <a:schemeClr val="tx1"/>
+          </a:fontRef>
+        </p:style>
+      </p:cxnSp>
+      <p:sp>
+        <p:nvSpPr>
+          <p:cNvPr id="7" name="내용 개체 틀 6">
+            <a:extLst>
+              <a:ext uri="{FF2B5EF4-FFF2-40B4-BE49-F238E27FC236}">
+                <a16:creationId xmlns:a16="http://schemas.microsoft.com/office/drawing/2014/main" id="{D952638E-18BD-4894-91AB-D859C866F918}"/>
+              </a:ext>
+            </a:extLst>
+          </p:cNvPr>
+          <p:cNvSpPr>
+            <a:spLocks noGrp="1"/>
+          </p:cNvSpPr>
+          <p:nvPr>
+            <p:ph idx="1"/>
+          </p:nvPr>
+        </p:nvSpPr>
+        <p:spPr/>
+        <p:txBody>
+          <a:bodyPr/>
+          <a:lstStyle/>
+          <a:p>
+            <a:r>
+              <a:rPr lang="en-US" altLang="ko-KR" dirty="0" smtClean="0"/>
+              <a:t>DNS</a:t>
+            </a:r>
+          </a:p>
+          <a:p>
+            <a:pPr lvl="1">
+              <a:buFont typeface="Wingdings" panose="05000000000000000000" pitchFamily="2" charset="2"/>
+              <a:buChar char="§"/>
+            </a:pPr>
+            <a:r>
+              <a:rPr lang="ko-KR" altLang="en-US" dirty="0" smtClean="0"/>
+              <a:t>도메인 네임을 </a:t>
+            </a:r>
+            <a:r>
+              <a:rPr lang="en-US" altLang="ko-KR" dirty="0" smtClean="0"/>
+              <a:t>IP </a:t>
+            </a:r>
+            <a:r>
+              <a:rPr lang="ko-KR" altLang="en-US" dirty="0" smtClean="0"/>
+              <a:t>주소와 매칭해 주는 서버를 설정</a:t>
+            </a:r>
+            <a:endParaRPr lang="en-US" altLang="ko-KR" dirty="0" smtClean="0"/>
+          </a:p>
+          <a:p>
+            <a:pPr lvl="1">
+              <a:buFont typeface="Wingdings" panose="05000000000000000000" pitchFamily="2" charset="2"/>
+              <a:buChar char="§"/>
+            </a:pPr>
+            <a:r>
+              <a:rPr lang="en-US" altLang="ko-KR" dirty="0" smtClean="0"/>
+              <a:t>DNS</a:t>
+            </a:r>
+            <a:r>
+              <a:rPr lang="ko-KR" altLang="en-US" dirty="0" smtClean="0"/>
+              <a:t>를 설정하면 </a:t>
+            </a:r>
+            <a:r>
+              <a:rPr lang="en-US" altLang="ko-KR" dirty="0" smtClean="0"/>
+              <a:t>IP</a:t>
+            </a:r>
+            <a:r>
+              <a:rPr lang="ko-KR" altLang="en-US" dirty="0" smtClean="0"/>
+              <a:t>가 아닌 도메인을 입력하여 해당 </a:t>
+            </a:r>
+            <a:r>
+              <a:rPr lang="en-US" altLang="ko-KR" dirty="0" smtClean="0"/>
+              <a:t>SERVER</a:t>
+            </a:r>
+            <a:r>
+              <a:rPr lang="ko-KR" altLang="en-US" dirty="0" smtClean="0"/>
+              <a:t>나 </a:t>
+            </a:r>
+            <a:r>
+              <a:rPr lang="en-US" altLang="ko-KR" dirty="0" smtClean="0"/>
+              <a:t>PC</a:t>
+            </a:r>
+            <a:r>
+              <a:rPr lang="ko-KR" altLang="en-US" dirty="0" smtClean="0"/>
+              <a:t>로 데이터를 전송할 수 있음</a:t>
+            </a:r>
+            <a:r>
+              <a:rPr lang="en-US" altLang="ko-KR" dirty="0" smtClean="0"/>
+              <a:t>.</a:t>
+            </a:r>
+            <a:endParaRPr lang="ko-KR" altLang="en-US" dirty="0"/>
+          </a:p>
+        </p:txBody>
+      </p:sp>
+      <p:pic>
+        <p:nvPicPr>
+          <p:cNvPr id="3" name="그림 2"/>
+          <p:cNvPicPr>
+            <a:picLocks noChangeAspect="1"/>
+          </p:cNvPicPr>
+          <p:nvPr/>
+        </p:nvPicPr>
+        <p:blipFill>
+          <a:blip r:embed="rId2"/>
+          <a:stretch>
+            <a:fillRect/>
+          </a:stretch>
+        </p:blipFill>
+        <p:spPr>
+          <a:xfrm>
+            <a:off x="838201" y="3886417"/>
+            <a:ext cx="4748868" cy="1697556"/>
+          </a:xfrm>
+          <a:prstGeom prst="rect">
+            <a:avLst/>
+          </a:prstGeom>
+          <a:ln w="38100" cap="sq">
+            <a:solidFill>
+              <a:srgbClr val="000000"/>
+            </a:solidFill>
+            <a:prstDash val="solid"/>
+            <a:miter lim="800000"/>
+          </a:ln>
+          <a:effectLst>
+            <a:outerShdw blurRad="50800" dist="38100" dir="2700000" algn="tl" rotWithShape="0">
+              <a:srgbClr val="000000">
+                <a:alpha val="43000"/>
+              </a:srgbClr>
+            </a:outerShdw>
+          </a:effectLst>
+        </p:spPr>
+      </p:pic>
+      <p:pic>
+        <p:nvPicPr>
+          <p:cNvPr id="5" name="그림 4"/>
+          <p:cNvPicPr>
+            <a:picLocks noChangeAspect="1"/>
+          </p:cNvPicPr>
+          <p:nvPr/>
+        </p:nvPicPr>
+        <p:blipFill>
+          <a:blip r:embed="rId3"/>
+          <a:stretch>
+            <a:fillRect/>
+          </a:stretch>
+        </p:blipFill>
+        <p:spPr>
+          <a:xfrm>
+            <a:off x="5762538" y="3886417"/>
+            <a:ext cx="5591262" cy="1697556"/>
+          </a:xfrm>
+          <a:prstGeom prst="rect">
+            <a:avLst/>
+          </a:prstGeom>
+          <a:ln w="38100" cap="sq">
+            <a:solidFill>
+              <a:srgbClr val="000000"/>
+            </a:solidFill>
+            <a:prstDash val="solid"/>
+            <a:miter lim="800000"/>
+          </a:ln>
+          <a:effectLst>
+            <a:outerShdw blurRad="50800" dist="38100" dir="2700000" algn="tl" rotWithShape="0">
+              <a:srgbClr val="000000">
+                <a:alpha val="43000"/>
+              </a:srgbClr>
+            </a:outerShdw>
+          </a:effectLst>
+        </p:spPr>
+      </p:pic>
+      <p:sp>
+        <p:nvSpPr>
+          <p:cNvPr id="8" name="사각형: 둥근 모서리 7">
+            <a:extLst>
+              <a:ext uri="{FF2B5EF4-FFF2-40B4-BE49-F238E27FC236}">
+                <a16:creationId xmlns:a16="http://schemas.microsoft.com/office/drawing/2014/main" id="{9E806862-8609-4037-9DDE-28D57EB11A79}"/>
+              </a:ext>
+            </a:extLst>
+          </p:cNvPr>
+          <p:cNvSpPr/>
+          <p:nvPr/>
+        </p:nvSpPr>
+        <p:spPr>
+          <a:xfrm>
+            <a:off x="838199" y="5189690"/>
+            <a:ext cx="3146572" cy="394283"/>
+          </a:xfrm>
+          <a:prstGeom prst="roundRect">
+            <a:avLst/>
+          </a:prstGeom>
+          <a:noFill/>
+          <a:ln>
+            <a:solidFill>
+              <a:srgbClr val="FF0000"/>
+            </a:solidFill>
+          </a:ln>
+        </p:spPr>
+        <p:style>
+          <a:lnRef idx="2">
+            <a:schemeClr val="accent1">
+              <a:shade val="50000"/>
+            </a:schemeClr>
+          </a:lnRef>
+          <a:fillRef idx="1">
+            <a:schemeClr val="accent1"/>
+          </a:fillRef>
+          <a:effectRef idx="0">
+            <a:schemeClr val="accent1"/>
+          </a:effectRef>
+          <a:fontRef idx="minor">
+            <a:schemeClr val="lt1"/>
+          </a:fontRef>
+        </p:style>
+        <p:txBody>
+          <a:bodyPr rtlCol="0" anchor="ctr"/>
+          <a:lstStyle/>
+          <a:p>
+            <a:pPr algn="ctr"/>
+            <a:endParaRPr lang="ko-KR" altLang="en-US"/>
+          </a:p>
+        </p:txBody>
+      </p:sp>
+      <p:sp>
+        <p:nvSpPr>
+          <p:cNvPr id="9" name="사각형: 둥근 모서리 7">
+            <a:extLst>
+              <a:ext uri="{FF2B5EF4-FFF2-40B4-BE49-F238E27FC236}">
+                <a16:creationId xmlns:a16="http://schemas.microsoft.com/office/drawing/2014/main" id="{9E806862-8609-4037-9DDE-28D57EB11A79}"/>
+              </a:ext>
+            </a:extLst>
+          </p:cNvPr>
+          <p:cNvSpPr/>
+          <p:nvPr/>
+        </p:nvSpPr>
+        <p:spPr>
+          <a:xfrm>
+            <a:off x="5762537" y="3804152"/>
+            <a:ext cx="2131503" cy="394283"/>
+          </a:xfrm>
+          <a:prstGeom prst="roundRect">
+            <a:avLst/>
+          </a:prstGeom>
+          <a:noFill/>
+          <a:ln>
+            <a:solidFill>
+              <a:srgbClr val="FF0000"/>
+            </a:solidFill>
+          </a:ln>
+        </p:spPr>
+        <p:style>
+          <a:lnRef idx="2">
+            <a:schemeClr val="accent1">
+              <a:shade val="50000"/>
+            </a:schemeClr>
+          </a:lnRef>
+          <a:fillRef idx="1">
+            <a:schemeClr val="accent1"/>
+          </a:fillRef>
+          <a:effectRef idx="0">
+            <a:schemeClr val="accent1"/>
+          </a:effectRef>
+          <a:fontRef idx="minor">
+            <a:schemeClr val="lt1"/>
+          </a:fontRef>
+        </p:style>
+        <p:txBody>
+          <a:bodyPr rtlCol="0" anchor="ctr"/>
+          <a:lstStyle/>
+          <a:p>
+            <a:pPr algn="ctr"/>
+            <a:endParaRPr lang="ko-KR" altLang="en-US"/>
+          </a:p>
+        </p:txBody>
+      </p:sp>
+    </p:spTree>
+    <p:extLst>
+      <p:ext uri="{BB962C8B-B14F-4D97-AF65-F5344CB8AC3E}">
+        <p14:creationId xmlns:p14="http://schemas.microsoft.com/office/powerpoint/2010/main" val="2917343110"/>
+      </p:ext>
+    </p:extLst>
+  </p:cSld>
+  <p:clrMapOvr>
+    <a:masterClrMapping/>
+  </p:clrMapOvr>
+</p:sld>
+</file>
+
+<file path=ppt/slides/slide49.xml><?xml version="1.0" encoding="utf-8"?>
+<p:sld xmlns:a="http://schemas.openxmlformats.org/drawingml/2006/main" xmlns:r="http://schemas.openxmlformats.org/officeDocument/2006/relationships" xmlns:p="http://schemas.openxmlformats.org/presentationml/2006/main">
+  <p:cSld>
+    <p:spTree>
+      <p:nvGrpSpPr>
+        <p:cNvPr id="1" name=""/>
+        <p:cNvGrpSpPr/>
+        <p:nvPr/>
+      </p:nvGrpSpPr>
+      <p:grpSpPr>
+        <a:xfrm>
+          <a:off x="0" y="0"/>
+          <a:ext cx="0" cy="0"/>
+          <a:chOff x="0" y="0"/>
+          <a:chExt cx="0" cy="0"/>
+        </a:xfrm>
+      </p:grpSpPr>
+      <p:sp>
+        <p:nvSpPr>
+          <p:cNvPr id="2" name="제목 1">
+            <a:extLst>
+              <a:ext uri="{FF2B5EF4-FFF2-40B4-BE49-F238E27FC236}">
+                <a16:creationId xmlns:a16="http://schemas.microsoft.com/office/drawing/2014/main" id="{0B510ACA-92C1-4DB2-B891-D4872C9B4F9C}"/>
+              </a:ext>
+            </a:extLst>
+          </p:cNvPr>
+          <p:cNvSpPr>
+            <a:spLocks noGrp="1"/>
+          </p:cNvSpPr>
+          <p:nvPr>
+            <p:ph type="title"/>
+          </p:nvPr>
+        </p:nvSpPr>
+        <p:spPr>
+          <a:xfrm>
+            <a:off x="838200" y="365125"/>
+            <a:ext cx="10515600" cy="1325563"/>
+          </a:xfrm>
+        </p:spPr>
+        <p:txBody>
+          <a:bodyPr/>
+          <a:lstStyle/>
+          <a:p>
+            <a:r>
+              <a:rPr lang="ko-KR" altLang="en-US" dirty="0" smtClean="0">
+                <a:latin typeface="HY헤드라인M" panose="02030600000101010101" pitchFamily="18" charset="-127"/>
+                <a:ea typeface="HY헤드라인M" panose="02030600000101010101" pitchFamily="18" charset="-127"/>
+              </a:rPr>
+              <a:t>실습 더하기 </a:t>
+            </a:r>
+            <a:r>
+              <a:rPr lang="en-US" altLang="ko-KR" dirty="0" smtClean="0">
+                <a:latin typeface="HY헤드라인M" panose="02030600000101010101" pitchFamily="18" charset="-127"/>
+                <a:ea typeface="HY헤드라인M" panose="02030600000101010101" pitchFamily="18" charset="-127"/>
+              </a:rPr>
+              <a:t>: </a:t>
+            </a:r>
+            <a:r>
+              <a:rPr lang="ko-KR" altLang="en-US" dirty="0" smtClean="0">
+                <a:latin typeface="HY헤드라인M" panose="02030600000101010101" pitchFamily="18" charset="-127"/>
+                <a:ea typeface="HY헤드라인M" panose="02030600000101010101" pitchFamily="18" charset="-127"/>
+              </a:rPr>
+              <a:t>암호 저장 방식</a:t>
+            </a:r>
+            <a:endParaRPr lang="ko-KR" altLang="en-US" dirty="0">
+              <a:latin typeface="HY헤드라인M" panose="02030600000101010101" pitchFamily="18" charset="-127"/>
+              <a:ea typeface="HY헤드라인M" panose="02030600000101010101" pitchFamily="18" charset="-127"/>
+            </a:endParaRPr>
+          </a:p>
+        </p:txBody>
+      </p:sp>
+      <p:cxnSp>
+        <p:nvCxnSpPr>
+          <p:cNvPr id="4" name="직선 연결선 3">
+            <a:extLst>
+              <a:ext uri="{FF2B5EF4-FFF2-40B4-BE49-F238E27FC236}">
+                <a16:creationId xmlns:a16="http://schemas.microsoft.com/office/drawing/2014/main" id="{B52E875F-886D-4368-BB96-91473E4BD429}"/>
+              </a:ext>
+            </a:extLst>
+          </p:cNvPr>
+          <p:cNvCxnSpPr>
+            <a:cxnSpLocks/>
+          </p:cNvCxnSpPr>
+          <p:nvPr/>
+        </p:nvCxnSpPr>
+        <p:spPr>
+          <a:xfrm>
+            <a:off x="494950" y="1560352"/>
+            <a:ext cx="11216081" cy="0"/>
+          </a:xfrm>
+          <a:prstGeom prst="line">
+            <a:avLst/>
+          </a:prstGeom>
+          <a:ln w="38100">
+            <a:solidFill>
+              <a:schemeClr val="accent6">
+                <a:lumMod val="60000"/>
+                <a:lumOff val="40000"/>
+              </a:schemeClr>
+            </a:solidFill>
+          </a:ln>
+        </p:spPr>
+        <p:style>
+          <a:lnRef idx="1">
+            <a:schemeClr val="accent6"/>
+          </a:lnRef>
+          <a:fillRef idx="0">
+            <a:schemeClr val="accent6"/>
+          </a:fillRef>
+          <a:effectRef idx="0">
+            <a:schemeClr val="accent6"/>
+          </a:effectRef>
+          <a:fontRef idx="minor">
+            <a:schemeClr val="tx1"/>
+          </a:fontRef>
+        </p:style>
+      </p:cxnSp>
+      <p:cxnSp>
+        <p:nvCxnSpPr>
+          <p:cNvPr id="6" name="직선 연결선 5">
+            <a:extLst>
+              <a:ext uri="{FF2B5EF4-FFF2-40B4-BE49-F238E27FC236}">
+                <a16:creationId xmlns:a16="http://schemas.microsoft.com/office/drawing/2014/main" id="{18BBC0F2-0F71-4015-8396-16B4367F8F99}"/>
+              </a:ext>
+            </a:extLst>
+          </p:cNvPr>
+          <p:cNvCxnSpPr>
+            <a:cxnSpLocks/>
+          </p:cNvCxnSpPr>
+          <p:nvPr/>
+        </p:nvCxnSpPr>
+        <p:spPr>
+          <a:xfrm>
+            <a:off x="662730" y="367018"/>
+            <a:ext cx="0" cy="3061982"/>
+          </a:xfrm>
+          <a:prstGeom prst="line">
+            <a:avLst/>
+          </a:prstGeom>
+          <a:ln w="57150"/>
+        </p:spPr>
+        <p:style>
+          <a:lnRef idx="1">
+            <a:schemeClr val="accent1"/>
+          </a:lnRef>
+          <a:fillRef idx="0">
+            <a:schemeClr val="accent1"/>
+          </a:fillRef>
+          <a:effectRef idx="0">
+            <a:schemeClr val="accent1"/>
+          </a:effectRef>
+          <a:fontRef idx="minor">
+            <a:schemeClr val="tx1"/>
+          </a:fontRef>
+        </p:style>
+      </p:cxnSp>
+      <p:pic>
+        <p:nvPicPr>
+          <p:cNvPr id="3" name="내용 개체 틀 2"/>
+          <p:cNvPicPr>
+            <a:picLocks noGrp="1" noChangeAspect="1"/>
+          </p:cNvPicPr>
+          <p:nvPr>
+            <p:ph idx="1"/>
+          </p:nvPr>
+        </p:nvPicPr>
+        <p:blipFill>
+          <a:blip r:embed="rId2"/>
+          <a:stretch>
+            <a:fillRect/>
+          </a:stretch>
+        </p:blipFill>
+        <p:spPr>
+          <a:xfrm>
+            <a:off x="838199" y="1898009"/>
+            <a:ext cx="5098417" cy="299907"/>
+          </a:xfrm>
+          <a:prstGeom prst="rect">
+            <a:avLst/>
+          </a:prstGeom>
+          <a:ln w="38100" cap="sq">
+            <a:solidFill>
+              <a:srgbClr val="000000"/>
+            </a:solidFill>
+            <a:prstDash val="solid"/>
+            <a:miter lim="800000"/>
+          </a:ln>
+          <a:effectLst>
+            <a:outerShdw blurRad="50800" dist="38100" dir="2700000" algn="tl" rotWithShape="0">
+              <a:srgbClr val="000000">
+                <a:alpha val="43000"/>
+              </a:srgbClr>
+            </a:outerShdw>
+          </a:effectLst>
+        </p:spPr>
+      </p:pic>
+      <p:pic>
+        <p:nvPicPr>
+          <p:cNvPr id="5" name="그림 4"/>
+          <p:cNvPicPr>
+            <a:picLocks noChangeAspect="1"/>
+          </p:cNvPicPr>
+          <p:nvPr/>
+        </p:nvPicPr>
+        <p:blipFill>
+          <a:blip r:embed="rId3"/>
+          <a:stretch>
+            <a:fillRect/>
+          </a:stretch>
+        </p:blipFill>
+        <p:spPr>
+          <a:xfrm>
+            <a:off x="838199" y="2405237"/>
+            <a:ext cx="5098417" cy="3887755"/>
+          </a:xfrm>
+          <a:prstGeom prst="rect">
+            <a:avLst/>
+          </a:prstGeom>
+          <a:ln w="38100" cap="sq">
+            <a:solidFill>
+              <a:srgbClr val="000000"/>
+            </a:solidFill>
+            <a:prstDash val="solid"/>
+            <a:miter lim="800000"/>
+          </a:ln>
+          <a:effectLst>
+            <a:outerShdw blurRad="50800" dist="38100" dir="2700000" algn="tl" rotWithShape="0">
+              <a:srgbClr val="000000">
+                <a:alpha val="43000"/>
+              </a:srgbClr>
+            </a:outerShdw>
+          </a:effectLst>
+        </p:spPr>
+      </p:pic>
+      <p:pic>
+        <p:nvPicPr>
+          <p:cNvPr id="8" name="그림 7"/>
+          <p:cNvPicPr>
+            <a:picLocks noChangeAspect="1"/>
+          </p:cNvPicPr>
+          <p:nvPr/>
+        </p:nvPicPr>
+        <p:blipFill>
+          <a:blip r:embed="rId4"/>
+          <a:stretch>
+            <a:fillRect/>
+          </a:stretch>
+        </p:blipFill>
+        <p:spPr>
+          <a:xfrm>
+            <a:off x="6747488" y="1887378"/>
+            <a:ext cx="4606312" cy="310538"/>
+          </a:xfrm>
+          <a:prstGeom prst="rect">
+            <a:avLst/>
+          </a:prstGeom>
+          <a:ln w="38100" cap="sq">
+            <a:solidFill>
+              <a:srgbClr val="000000"/>
+            </a:solidFill>
+            <a:prstDash val="solid"/>
+            <a:miter lim="800000"/>
+          </a:ln>
+          <a:effectLst>
+            <a:outerShdw blurRad="50800" dist="38100" dir="2700000" algn="tl" rotWithShape="0">
+              <a:srgbClr val="000000">
+                <a:alpha val="43000"/>
+              </a:srgbClr>
+            </a:outerShdw>
+          </a:effectLst>
+        </p:spPr>
+      </p:pic>
+      <p:pic>
+        <p:nvPicPr>
+          <p:cNvPr id="9" name="그림 8"/>
+          <p:cNvPicPr>
+            <a:picLocks noChangeAspect="1"/>
+          </p:cNvPicPr>
+          <p:nvPr/>
+        </p:nvPicPr>
+        <p:blipFill>
+          <a:blip r:embed="rId5"/>
+          <a:stretch>
+            <a:fillRect/>
+          </a:stretch>
+        </p:blipFill>
+        <p:spPr>
+          <a:xfrm>
+            <a:off x="6747488" y="2523930"/>
+            <a:ext cx="4606312" cy="3030820"/>
+          </a:xfrm>
+          <a:prstGeom prst="rect">
+            <a:avLst/>
+          </a:prstGeom>
+          <a:ln w="38100" cap="sq">
+            <a:solidFill>
+              <a:srgbClr val="000000"/>
+            </a:solidFill>
+            <a:prstDash val="solid"/>
+            <a:miter lim="800000"/>
+          </a:ln>
+          <a:effectLst>
+            <a:outerShdw blurRad="50800" dist="38100" dir="2700000" algn="tl" rotWithShape="0">
+              <a:srgbClr val="000000">
+                <a:alpha val="43000"/>
+              </a:srgbClr>
+            </a:outerShdw>
+          </a:effectLst>
+        </p:spPr>
+      </p:pic>
+      <p:sp>
+        <p:nvSpPr>
+          <p:cNvPr id="10" name="사각형: 둥근 모서리 7">
+            <a:extLst>
+              <a:ext uri="{FF2B5EF4-FFF2-40B4-BE49-F238E27FC236}">
+                <a16:creationId xmlns:a16="http://schemas.microsoft.com/office/drawing/2014/main" id="{9E806862-8609-4037-9DDE-28D57EB11A79}"/>
+              </a:ext>
+            </a:extLst>
+          </p:cNvPr>
+          <p:cNvSpPr/>
+          <p:nvPr/>
+        </p:nvSpPr>
+        <p:spPr>
+          <a:xfrm>
+            <a:off x="838199" y="5968512"/>
+            <a:ext cx="2978792" cy="394283"/>
+          </a:xfrm>
+          <a:prstGeom prst="roundRect">
+            <a:avLst/>
+          </a:prstGeom>
+          <a:noFill/>
+          <a:ln>
+            <a:solidFill>
+              <a:srgbClr val="FF0000"/>
+            </a:solidFill>
+          </a:ln>
+        </p:spPr>
+        <p:style>
+          <a:lnRef idx="2">
+            <a:schemeClr val="accent1">
+              <a:shade val="50000"/>
+            </a:schemeClr>
+          </a:lnRef>
+          <a:fillRef idx="1">
+            <a:schemeClr val="accent1"/>
+          </a:fillRef>
+          <a:effectRef idx="0">
+            <a:schemeClr val="accent1"/>
+          </a:effectRef>
+          <a:fontRef idx="minor">
+            <a:schemeClr val="lt1"/>
+          </a:fontRef>
+        </p:style>
+        <p:txBody>
+          <a:bodyPr rtlCol="0" anchor="ctr"/>
+          <a:lstStyle/>
+          <a:p>
+            <a:pPr algn="ctr"/>
+            <a:endParaRPr lang="ko-KR" altLang="en-US"/>
+          </a:p>
+        </p:txBody>
+      </p:sp>
+      <p:sp>
+        <p:nvSpPr>
+          <p:cNvPr id="11" name="사각형: 둥근 모서리 7">
+            <a:extLst>
+              <a:ext uri="{FF2B5EF4-FFF2-40B4-BE49-F238E27FC236}">
+                <a16:creationId xmlns:a16="http://schemas.microsoft.com/office/drawing/2014/main" id="{9E806862-8609-4037-9DDE-28D57EB11A79}"/>
+              </a:ext>
+            </a:extLst>
+          </p:cNvPr>
+          <p:cNvSpPr/>
+          <p:nvPr/>
+        </p:nvSpPr>
+        <p:spPr>
+          <a:xfrm>
+            <a:off x="6747487" y="5248457"/>
+            <a:ext cx="4418259" cy="394283"/>
+          </a:xfrm>
+          <a:prstGeom prst="roundRect">
+            <a:avLst/>
+          </a:prstGeom>
+          <a:noFill/>
+          <a:ln>
+            <a:solidFill>
+              <a:srgbClr val="FF0000"/>
+            </a:solidFill>
+          </a:ln>
+        </p:spPr>
+        <p:style>
+          <a:lnRef idx="2">
+            <a:schemeClr val="accent1">
+              <a:shade val="50000"/>
+            </a:schemeClr>
+          </a:lnRef>
+          <a:fillRef idx="1">
+            <a:schemeClr val="accent1"/>
+          </a:fillRef>
+          <a:effectRef idx="0">
+            <a:schemeClr val="accent1"/>
+          </a:effectRef>
+          <a:fontRef idx="minor">
+            <a:schemeClr val="lt1"/>
+          </a:fontRef>
+        </p:style>
+        <p:txBody>
+          <a:bodyPr rtlCol="0" anchor="ctr"/>
+          <a:lstStyle/>
+          <a:p>
+            <a:pPr algn="ctr"/>
+            <a:endParaRPr lang="ko-KR" altLang="en-US"/>
+          </a:p>
+        </p:txBody>
+      </p:sp>
+    </p:spTree>
+    <p:extLst>
+      <p:ext uri="{BB962C8B-B14F-4D97-AF65-F5344CB8AC3E}">
+        <p14:creationId xmlns:p14="http://schemas.microsoft.com/office/powerpoint/2010/main" val="3781799601"/>
       </p:ext>
     </p:extLst>
   </p:cSld>
@@ -20364,6 +21541,477 @@
       </p:par>
     </p:tnLst>
   </p:timing>
+</p:sld>
+</file>
+
+<file path=ppt/slides/slide50.xml><?xml version="1.0" encoding="utf-8"?>
+<p:sld xmlns:a="http://schemas.openxmlformats.org/drawingml/2006/main" xmlns:r="http://schemas.openxmlformats.org/officeDocument/2006/relationships" xmlns:p="http://schemas.openxmlformats.org/presentationml/2006/main">
+  <p:cSld>
+    <p:spTree>
+      <p:nvGrpSpPr>
+        <p:cNvPr id="1" name=""/>
+        <p:cNvGrpSpPr/>
+        <p:nvPr/>
+      </p:nvGrpSpPr>
+      <p:grpSpPr>
+        <a:xfrm>
+          <a:off x="0" y="0"/>
+          <a:ext cx="0" cy="0"/>
+          <a:chOff x="0" y="0"/>
+          <a:chExt cx="0" cy="0"/>
+        </a:xfrm>
+      </p:grpSpPr>
+      <p:sp>
+        <p:nvSpPr>
+          <p:cNvPr id="2" name="제목 1">
+            <a:extLst>
+              <a:ext uri="{FF2B5EF4-FFF2-40B4-BE49-F238E27FC236}">
+                <a16:creationId xmlns:a16="http://schemas.microsoft.com/office/drawing/2014/main" id="{0B510ACA-92C1-4DB2-B891-D4872C9B4F9C}"/>
+              </a:ext>
+            </a:extLst>
+          </p:cNvPr>
+          <p:cNvSpPr>
+            <a:spLocks noGrp="1"/>
+          </p:cNvSpPr>
+          <p:nvPr>
+            <p:ph type="title"/>
+          </p:nvPr>
+        </p:nvSpPr>
+        <p:spPr>
+          <a:xfrm>
+            <a:off x="838200" y="365125"/>
+            <a:ext cx="10515600" cy="1325563"/>
+          </a:xfrm>
+        </p:spPr>
+        <p:txBody>
+          <a:bodyPr/>
+          <a:lstStyle/>
+          <a:p>
+            <a:r>
+              <a:rPr lang="ko-KR" altLang="en-US" dirty="0">
+                <a:latin typeface="HY헤드라인M" panose="02030600000101010101" pitchFamily="18" charset="-127"/>
+                <a:ea typeface="HY헤드라인M" panose="02030600000101010101" pitchFamily="18" charset="-127"/>
+              </a:rPr>
+              <a:t>실습 더하기 </a:t>
+            </a:r>
+            <a:r>
+              <a:rPr lang="en-US" altLang="ko-KR" dirty="0">
+                <a:latin typeface="HY헤드라인M" panose="02030600000101010101" pitchFamily="18" charset="-127"/>
+                <a:ea typeface="HY헤드라인M" panose="02030600000101010101" pitchFamily="18" charset="-127"/>
+              </a:rPr>
+              <a:t>: IP </a:t>
+            </a:r>
+            <a:r>
+              <a:rPr lang="ko-KR" altLang="en-US" dirty="0">
+                <a:latin typeface="HY헤드라인M" panose="02030600000101010101" pitchFamily="18" charset="-127"/>
+                <a:ea typeface="HY헤드라인M" panose="02030600000101010101" pitchFamily="18" charset="-127"/>
+              </a:rPr>
+              <a:t>설정</a:t>
+            </a:r>
+          </a:p>
+        </p:txBody>
+      </p:sp>
+      <p:cxnSp>
+        <p:nvCxnSpPr>
+          <p:cNvPr id="4" name="직선 연결선 3">
+            <a:extLst>
+              <a:ext uri="{FF2B5EF4-FFF2-40B4-BE49-F238E27FC236}">
+                <a16:creationId xmlns:a16="http://schemas.microsoft.com/office/drawing/2014/main" id="{B52E875F-886D-4368-BB96-91473E4BD429}"/>
+              </a:ext>
+            </a:extLst>
+          </p:cNvPr>
+          <p:cNvCxnSpPr>
+            <a:cxnSpLocks/>
+          </p:cNvCxnSpPr>
+          <p:nvPr/>
+        </p:nvCxnSpPr>
+        <p:spPr>
+          <a:xfrm>
+            <a:off x="494950" y="1560352"/>
+            <a:ext cx="11216081" cy="0"/>
+          </a:xfrm>
+          <a:prstGeom prst="line">
+            <a:avLst/>
+          </a:prstGeom>
+          <a:ln w="38100">
+            <a:solidFill>
+              <a:schemeClr val="accent6">
+                <a:lumMod val="60000"/>
+                <a:lumOff val="40000"/>
+              </a:schemeClr>
+            </a:solidFill>
+          </a:ln>
+        </p:spPr>
+        <p:style>
+          <a:lnRef idx="1">
+            <a:schemeClr val="accent6"/>
+          </a:lnRef>
+          <a:fillRef idx="0">
+            <a:schemeClr val="accent6"/>
+          </a:fillRef>
+          <a:effectRef idx="0">
+            <a:schemeClr val="accent6"/>
+          </a:effectRef>
+          <a:fontRef idx="minor">
+            <a:schemeClr val="tx1"/>
+          </a:fontRef>
+        </p:style>
+      </p:cxnSp>
+      <p:cxnSp>
+        <p:nvCxnSpPr>
+          <p:cNvPr id="6" name="직선 연결선 5">
+            <a:extLst>
+              <a:ext uri="{FF2B5EF4-FFF2-40B4-BE49-F238E27FC236}">
+                <a16:creationId xmlns:a16="http://schemas.microsoft.com/office/drawing/2014/main" id="{18BBC0F2-0F71-4015-8396-16B4367F8F99}"/>
+              </a:ext>
+            </a:extLst>
+          </p:cNvPr>
+          <p:cNvCxnSpPr>
+            <a:cxnSpLocks/>
+          </p:cNvCxnSpPr>
+          <p:nvPr/>
+        </p:nvCxnSpPr>
+        <p:spPr>
+          <a:xfrm>
+            <a:off x="662730" y="367018"/>
+            <a:ext cx="0" cy="3061982"/>
+          </a:xfrm>
+          <a:prstGeom prst="line">
+            <a:avLst/>
+          </a:prstGeom>
+          <a:ln w="57150"/>
+        </p:spPr>
+        <p:style>
+          <a:lnRef idx="1">
+            <a:schemeClr val="accent1"/>
+          </a:lnRef>
+          <a:fillRef idx="0">
+            <a:schemeClr val="accent1"/>
+          </a:fillRef>
+          <a:effectRef idx="0">
+            <a:schemeClr val="accent1"/>
+          </a:effectRef>
+          <a:fontRef idx="minor">
+            <a:schemeClr val="tx1"/>
+          </a:fontRef>
+        </p:style>
+      </p:cxnSp>
+      <p:sp>
+        <p:nvSpPr>
+          <p:cNvPr id="7" name="내용 개체 틀 6">
+            <a:extLst>
+              <a:ext uri="{FF2B5EF4-FFF2-40B4-BE49-F238E27FC236}">
+                <a16:creationId xmlns:a16="http://schemas.microsoft.com/office/drawing/2014/main" id="{D952638E-18BD-4894-91AB-D859C866F918}"/>
+              </a:ext>
+            </a:extLst>
+          </p:cNvPr>
+          <p:cNvSpPr>
+            <a:spLocks noGrp="1"/>
+          </p:cNvSpPr>
+          <p:nvPr>
+            <p:ph idx="1"/>
+          </p:nvPr>
+        </p:nvSpPr>
+        <p:spPr/>
+        <p:txBody>
+          <a:bodyPr/>
+          <a:lstStyle/>
+          <a:p>
+            <a:endParaRPr lang="ko-KR" altLang="en-US"/>
+          </a:p>
+        </p:txBody>
+      </p:sp>
+    </p:spTree>
+    <p:extLst>
+      <p:ext uri="{BB962C8B-B14F-4D97-AF65-F5344CB8AC3E}">
+        <p14:creationId xmlns:p14="http://schemas.microsoft.com/office/powerpoint/2010/main" val="1065364503"/>
+      </p:ext>
+    </p:extLst>
+  </p:cSld>
+  <p:clrMapOvr>
+    <a:masterClrMapping/>
+  </p:clrMapOvr>
+</p:sld>
+</file>
+
+<file path=ppt/slides/slide51.xml><?xml version="1.0" encoding="utf-8"?>
+<p:sld xmlns:a="http://schemas.openxmlformats.org/drawingml/2006/main" xmlns:r="http://schemas.openxmlformats.org/officeDocument/2006/relationships" xmlns:p="http://schemas.openxmlformats.org/presentationml/2006/main">
+  <p:cSld>
+    <p:spTree>
+      <p:nvGrpSpPr>
+        <p:cNvPr id="1" name=""/>
+        <p:cNvGrpSpPr/>
+        <p:nvPr/>
+      </p:nvGrpSpPr>
+      <p:grpSpPr>
+        <a:xfrm>
+          <a:off x="0" y="0"/>
+          <a:ext cx="0" cy="0"/>
+          <a:chOff x="0" y="0"/>
+          <a:chExt cx="0" cy="0"/>
+        </a:xfrm>
+      </p:grpSpPr>
+      <p:sp>
+        <p:nvSpPr>
+          <p:cNvPr id="2" name="제목 1">
+            <a:extLst>
+              <a:ext uri="{FF2B5EF4-FFF2-40B4-BE49-F238E27FC236}">
+                <a16:creationId xmlns:a16="http://schemas.microsoft.com/office/drawing/2014/main" id="{0B510ACA-92C1-4DB2-B891-D4872C9B4F9C}"/>
+              </a:ext>
+            </a:extLst>
+          </p:cNvPr>
+          <p:cNvSpPr>
+            <a:spLocks noGrp="1"/>
+          </p:cNvSpPr>
+          <p:nvPr>
+            <p:ph type="title"/>
+          </p:nvPr>
+        </p:nvSpPr>
+        <p:spPr>
+          <a:xfrm>
+            <a:off x="838200" y="365125"/>
+            <a:ext cx="10515600" cy="1325563"/>
+          </a:xfrm>
+        </p:spPr>
+        <p:txBody>
+          <a:bodyPr/>
+          <a:lstStyle/>
+          <a:p>
+            <a:r>
+              <a:rPr lang="ko-KR" altLang="en-US" dirty="0" smtClean="0">
+                <a:latin typeface="HY헤드라인M" panose="02030600000101010101" pitchFamily="18" charset="-127"/>
+                <a:ea typeface="HY헤드라인M" panose="02030600000101010101" pitchFamily="18" charset="-127"/>
+              </a:rPr>
+              <a:t>실습 더하기 </a:t>
+            </a:r>
+            <a:r>
+              <a:rPr lang="en-US" altLang="ko-KR" dirty="0" smtClean="0">
+                <a:latin typeface="HY헤드라인M" panose="02030600000101010101" pitchFamily="18" charset="-127"/>
+                <a:ea typeface="HY헤드라인M" panose="02030600000101010101" pitchFamily="18" charset="-127"/>
+              </a:rPr>
+              <a:t>: </a:t>
+            </a:r>
+            <a:r>
+              <a:rPr lang="ko-KR" altLang="en-US" dirty="0" smtClean="0">
+                <a:latin typeface="HY헤드라인M" panose="02030600000101010101" pitchFamily="18" charset="-127"/>
+                <a:ea typeface="HY헤드라인M" panose="02030600000101010101" pitchFamily="18" charset="-127"/>
+              </a:rPr>
+              <a:t>콘솔 연결 시 </a:t>
+            </a:r>
+            <a:r>
+              <a:rPr lang="en-US" altLang="ko-KR" dirty="0" smtClean="0">
+                <a:latin typeface="HY헤드라인M" panose="02030600000101010101" pitchFamily="18" charset="-127"/>
+                <a:ea typeface="HY헤드라인M" panose="02030600000101010101" pitchFamily="18" charset="-127"/>
+              </a:rPr>
+              <a:t>id</a:t>
+            </a:r>
+            <a:r>
+              <a:rPr lang="ko-KR" altLang="en-US" dirty="0" smtClean="0">
+                <a:latin typeface="HY헤드라인M" panose="02030600000101010101" pitchFamily="18" charset="-127"/>
+                <a:ea typeface="HY헤드라인M" panose="02030600000101010101" pitchFamily="18" charset="-127"/>
+              </a:rPr>
+              <a:t>와 </a:t>
+            </a:r>
+            <a:r>
+              <a:rPr lang="en-US" altLang="ko-KR" dirty="0" smtClean="0">
+                <a:latin typeface="HY헤드라인M" panose="02030600000101010101" pitchFamily="18" charset="-127"/>
+                <a:ea typeface="HY헤드라인M" panose="02030600000101010101" pitchFamily="18" charset="-127"/>
+              </a:rPr>
+              <a:t>pw </a:t>
+            </a:r>
+            <a:r>
+              <a:rPr lang="ko-KR" altLang="en-US" dirty="0" smtClean="0">
+                <a:latin typeface="HY헤드라인M" panose="02030600000101010101" pitchFamily="18" charset="-127"/>
+                <a:ea typeface="HY헤드라인M" panose="02030600000101010101" pitchFamily="18" charset="-127"/>
+              </a:rPr>
+              <a:t>설정</a:t>
+            </a:r>
+            <a:endParaRPr lang="ko-KR" altLang="en-US" dirty="0">
+              <a:latin typeface="HY헤드라인M" panose="02030600000101010101" pitchFamily="18" charset="-127"/>
+              <a:ea typeface="HY헤드라인M" panose="02030600000101010101" pitchFamily="18" charset="-127"/>
+            </a:endParaRPr>
+          </a:p>
+        </p:txBody>
+      </p:sp>
+      <p:cxnSp>
+        <p:nvCxnSpPr>
+          <p:cNvPr id="4" name="직선 연결선 3">
+            <a:extLst>
+              <a:ext uri="{FF2B5EF4-FFF2-40B4-BE49-F238E27FC236}">
+                <a16:creationId xmlns:a16="http://schemas.microsoft.com/office/drawing/2014/main" id="{B52E875F-886D-4368-BB96-91473E4BD429}"/>
+              </a:ext>
+            </a:extLst>
+          </p:cNvPr>
+          <p:cNvCxnSpPr>
+            <a:cxnSpLocks/>
+          </p:cNvCxnSpPr>
+          <p:nvPr/>
+        </p:nvCxnSpPr>
+        <p:spPr>
+          <a:xfrm>
+            <a:off x="494950" y="1560352"/>
+            <a:ext cx="11216081" cy="0"/>
+          </a:xfrm>
+          <a:prstGeom prst="line">
+            <a:avLst/>
+          </a:prstGeom>
+          <a:ln w="38100">
+            <a:solidFill>
+              <a:schemeClr val="accent6">
+                <a:lumMod val="60000"/>
+                <a:lumOff val="40000"/>
+              </a:schemeClr>
+            </a:solidFill>
+          </a:ln>
+        </p:spPr>
+        <p:style>
+          <a:lnRef idx="1">
+            <a:schemeClr val="accent6"/>
+          </a:lnRef>
+          <a:fillRef idx="0">
+            <a:schemeClr val="accent6"/>
+          </a:fillRef>
+          <a:effectRef idx="0">
+            <a:schemeClr val="accent6"/>
+          </a:effectRef>
+          <a:fontRef idx="minor">
+            <a:schemeClr val="tx1"/>
+          </a:fontRef>
+        </p:style>
+      </p:cxnSp>
+      <p:cxnSp>
+        <p:nvCxnSpPr>
+          <p:cNvPr id="6" name="직선 연결선 5">
+            <a:extLst>
+              <a:ext uri="{FF2B5EF4-FFF2-40B4-BE49-F238E27FC236}">
+                <a16:creationId xmlns:a16="http://schemas.microsoft.com/office/drawing/2014/main" id="{18BBC0F2-0F71-4015-8396-16B4367F8F99}"/>
+              </a:ext>
+            </a:extLst>
+          </p:cNvPr>
+          <p:cNvCxnSpPr>
+            <a:cxnSpLocks/>
+          </p:cNvCxnSpPr>
+          <p:nvPr/>
+        </p:nvCxnSpPr>
+        <p:spPr>
+          <a:xfrm>
+            <a:off x="662730" y="367018"/>
+            <a:ext cx="0" cy="3061982"/>
+          </a:xfrm>
+          <a:prstGeom prst="line">
+            <a:avLst/>
+          </a:prstGeom>
+          <a:ln w="57150"/>
+        </p:spPr>
+        <p:style>
+          <a:lnRef idx="1">
+            <a:schemeClr val="accent1"/>
+          </a:lnRef>
+          <a:fillRef idx="0">
+            <a:schemeClr val="accent1"/>
+          </a:fillRef>
+          <a:effectRef idx="0">
+            <a:schemeClr val="accent1"/>
+          </a:effectRef>
+          <a:fontRef idx="minor">
+            <a:schemeClr val="tx1"/>
+          </a:fontRef>
+        </p:style>
+      </p:cxnSp>
+      <p:pic>
+        <p:nvPicPr>
+          <p:cNvPr id="5" name="그림 4"/>
+          <p:cNvPicPr>
+            <a:picLocks noChangeAspect="1"/>
+          </p:cNvPicPr>
+          <p:nvPr/>
+        </p:nvPicPr>
+        <p:blipFill rotWithShape="1">
+          <a:blip r:embed="rId2"/>
+          <a:srcRect t="18148" r="9851" b="72288"/>
+          <a:stretch/>
+        </p:blipFill>
+        <p:spPr>
+          <a:xfrm>
+            <a:off x="846589" y="1901013"/>
+            <a:ext cx="10864442" cy="473229"/>
+          </a:xfrm>
+          <a:prstGeom prst="rect">
+            <a:avLst/>
+          </a:prstGeom>
+        </p:spPr>
+      </p:pic>
+      <p:pic>
+        <p:nvPicPr>
+          <p:cNvPr id="9" name="그림 8"/>
+          <p:cNvPicPr>
+            <a:picLocks noChangeAspect="1"/>
+          </p:cNvPicPr>
+          <p:nvPr/>
+        </p:nvPicPr>
+        <p:blipFill rotWithShape="1">
+          <a:blip r:embed="rId2"/>
+          <a:srcRect t="40730" r="41320" b="17327"/>
+          <a:stretch/>
+        </p:blipFill>
+        <p:spPr>
+          <a:xfrm>
+            <a:off x="846589" y="2474753"/>
+            <a:ext cx="7071920" cy="1384184"/>
+          </a:xfrm>
+          <a:prstGeom prst="rect">
+            <a:avLst/>
+          </a:prstGeom>
+        </p:spPr>
+      </p:pic>
+      <p:pic>
+        <p:nvPicPr>
+          <p:cNvPr id="10" name="그림 9"/>
+          <p:cNvPicPr>
+            <a:picLocks noChangeAspect="1"/>
+          </p:cNvPicPr>
+          <p:nvPr/>
+        </p:nvPicPr>
+        <p:blipFill>
+          <a:blip r:embed="rId3"/>
+          <a:stretch>
+            <a:fillRect/>
+          </a:stretch>
+        </p:blipFill>
+        <p:spPr>
+          <a:xfrm>
+            <a:off x="1099018" y="4646190"/>
+            <a:ext cx="2756093" cy="1041546"/>
+          </a:xfrm>
+          <a:prstGeom prst="rect">
+            <a:avLst/>
+          </a:prstGeom>
+          <a:ln w="38100" cap="sq">
+            <a:solidFill>
+              <a:srgbClr val="000000"/>
+            </a:solidFill>
+            <a:prstDash val="solid"/>
+            <a:miter lim="800000"/>
+          </a:ln>
+          <a:effectLst>
+            <a:outerShdw blurRad="50800" dist="38100" dir="2700000" algn="tl" rotWithShape="0">
+              <a:srgbClr val="000000">
+                <a:alpha val="43000"/>
+              </a:srgbClr>
+            </a:outerShdw>
+          </a:effectLst>
+        </p:spPr>
+      </p:pic>
+    </p:spTree>
+    <p:extLst>
+      <p:ext uri="{BB962C8B-B14F-4D97-AF65-F5344CB8AC3E}">
+        <p14:creationId xmlns:p14="http://schemas.microsoft.com/office/powerpoint/2010/main" val="949317208"/>
+      </p:ext>
+    </p:extLst>
+  </p:cSld>
+  <p:clrMapOvr>
+    <a:masterClrMapping/>
+  </p:clrMapOvr>
 </p:sld>
 </file>
 
@@ -20938,45 +22586,6 @@
           </a:p>
         </p:txBody>
       </p:sp>
-      <mc:AlternateContent xmlns:mc="http://schemas.openxmlformats.org/markup-compatibility/2006" xmlns:p14="http://schemas.microsoft.com/office/powerpoint/2010/main">
-        <mc:Choice Requires="p14">
-          <p:contentPart p14:bwMode="auto" r:id="rId6">
-            <p14:nvContentPartPr>
-              <p14:cNvPr id="3" name="잉크 2"/>
-              <p14:cNvContentPartPr/>
-              <p14:nvPr/>
-            </p14:nvContentPartPr>
-            <p14:xfrm>
-              <a:off x="2082960" y="2546280"/>
-              <a:ext cx="8153640" cy="3378600"/>
-            </p14:xfrm>
-          </p:contentPart>
-        </mc:Choice>
-        <mc:Fallback xmlns="">
-          <p:pic>
-            <p:nvPicPr>
-              <p:cNvPr id="3" name="잉크 2"/>
-              <p:cNvPicPr/>
-              <p:nvPr/>
-            </p:nvPicPr>
-            <p:blipFill>
-              <a:blip r:embed="rId7"/>
-              <a:stretch>
-                <a:fillRect/>
-              </a:stretch>
-            </p:blipFill>
-            <p:spPr>
-              <a:xfrm>
-                <a:off x="2073600" y="2536920"/>
-                <a:ext cx="8172360" cy="3397320"/>
-              </a:xfrm>
-              <a:prstGeom prst="rect">
-                <a:avLst/>
-              </a:prstGeom>
-            </p:spPr>
-          </p:pic>
-        </mc:Fallback>
-      </mc:AlternateContent>
     </p:spTree>
     <p:extLst>
       <p:ext uri="{BB962C8B-B14F-4D97-AF65-F5344CB8AC3E}">
@@ -21603,45 +23212,6 @@
           </a:p>
         </p:txBody>
       </p:sp>
-      <mc:AlternateContent xmlns:mc="http://schemas.openxmlformats.org/markup-compatibility/2006" xmlns:p14="http://schemas.microsoft.com/office/powerpoint/2010/main">
-        <mc:Choice Requires="p14">
-          <p:contentPart p14:bwMode="auto" r:id="rId6">
-            <p14:nvContentPartPr>
-              <p14:cNvPr id="3" name="잉크 2"/>
-              <p14:cNvContentPartPr/>
-              <p14:nvPr/>
-            </p14:nvContentPartPr>
-            <p14:xfrm>
-              <a:off x="1542960" y="3009960"/>
-              <a:ext cx="10065240" cy="1524240"/>
-            </p14:xfrm>
-          </p:contentPart>
-        </mc:Choice>
-        <mc:Fallback xmlns="">
-          <p:pic>
-            <p:nvPicPr>
-              <p:cNvPr id="3" name="잉크 2"/>
-              <p:cNvPicPr/>
-              <p:nvPr/>
-            </p:nvPicPr>
-            <p:blipFill>
-              <a:blip r:embed="rId7"/>
-              <a:stretch>
-                <a:fillRect/>
-              </a:stretch>
-            </p:blipFill>
-            <p:spPr>
-              <a:xfrm>
-                <a:off x="1533600" y="3000600"/>
-                <a:ext cx="10083960" cy="1542960"/>
-              </a:xfrm>
-              <a:prstGeom prst="rect">
-                <a:avLst/>
-              </a:prstGeom>
-            </p:spPr>
-          </p:pic>
-        </mc:Fallback>
-      </mc:AlternateContent>
     </p:spTree>
     <p:extLst>
       <p:ext uri="{BB962C8B-B14F-4D97-AF65-F5344CB8AC3E}">
@@ -21955,45 +23525,6 @@
           </a:prstGeom>
         </p:spPr>
       </p:pic>
-      <mc:AlternateContent xmlns:mc="http://schemas.openxmlformats.org/markup-compatibility/2006" xmlns:p14="http://schemas.microsoft.com/office/powerpoint/2010/main">
-        <mc:Choice Requires="p14">
-          <p:contentPart p14:bwMode="auto" r:id="rId3">
-            <p14:nvContentPartPr>
-              <p14:cNvPr id="7" name="잉크 6"/>
-              <p14:cNvContentPartPr/>
-              <p14:nvPr/>
-            </p14:nvContentPartPr>
-            <p14:xfrm>
-              <a:off x="1073160" y="1733400"/>
-              <a:ext cx="8992080" cy="4623480"/>
-            </p14:xfrm>
-          </p:contentPart>
-        </mc:Choice>
-        <mc:Fallback xmlns="">
-          <p:pic>
-            <p:nvPicPr>
-              <p:cNvPr id="7" name="잉크 6"/>
-              <p:cNvPicPr/>
-              <p:nvPr/>
-            </p:nvPicPr>
-            <p:blipFill>
-              <a:blip r:embed="rId4"/>
-              <a:stretch>
-                <a:fillRect/>
-              </a:stretch>
-            </p:blipFill>
-            <p:spPr>
-              <a:xfrm>
-                <a:off x="1063800" y="1724040"/>
-                <a:ext cx="9010800" cy="4642200"/>
-              </a:xfrm>
-              <a:prstGeom prst="rect">
-                <a:avLst/>
-              </a:prstGeom>
-            </p:spPr>
-          </p:pic>
-        </mc:Fallback>
-      </mc:AlternateContent>
     </p:spTree>
     <p:extLst>
       <p:ext uri="{BB962C8B-B14F-4D97-AF65-F5344CB8AC3E}">

--- a/L2L3 스위치 구축.pptx
+++ b/L2L3 스위치 구축.pptx
@@ -48,14 +48,28 @@
     <p:sldId id="306" r:id="rId42"/>
     <p:sldId id="307" r:id="rId43"/>
     <p:sldId id="294" r:id="rId44"/>
-    <p:sldId id="295" r:id="rId45"/>
-    <p:sldId id="296" r:id="rId46"/>
-    <p:sldId id="302" r:id="rId47"/>
-    <p:sldId id="303" r:id="rId48"/>
-    <p:sldId id="304" r:id="rId49"/>
-    <p:sldId id="305" r:id="rId50"/>
-    <p:sldId id="300" r:id="rId51"/>
-    <p:sldId id="301" r:id="rId52"/>
+    <p:sldId id="296" r:id="rId45"/>
+    <p:sldId id="302" r:id="rId46"/>
+    <p:sldId id="303" r:id="rId47"/>
+    <p:sldId id="304" r:id="rId48"/>
+    <p:sldId id="305" r:id="rId49"/>
+    <p:sldId id="301" r:id="rId50"/>
+    <p:sldId id="309" r:id="rId51"/>
+    <p:sldId id="308" r:id="rId52"/>
+    <p:sldId id="310" r:id="rId53"/>
+    <p:sldId id="311" r:id="rId54"/>
+    <p:sldId id="312" r:id="rId55"/>
+    <p:sldId id="313" r:id="rId56"/>
+    <p:sldId id="314" r:id="rId57"/>
+    <p:sldId id="315" r:id="rId58"/>
+    <p:sldId id="316" r:id="rId59"/>
+    <p:sldId id="317" r:id="rId60"/>
+    <p:sldId id="323" r:id="rId61"/>
+    <p:sldId id="318" r:id="rId62"/>
+    <p:sldId id="319" r:id="rId63"/>
+    <p:sldId id="320" r:id="rId64"/>
+    <p:sldId id="321" r:id="rId65"/>
+    <p:sldId id="322" r:id="rId66"/>
   </p:sldIdLst>
   <p:sldSz cx="12192000" cy="6858000"/>
   <p:notesSz cx="6858000" cy="9144000"/>
@@ -339,7 +353,7 @@
           <a:p>
             <a:fld id="{06A60B17-2656-4C09-A24A-B8AE84C95C86}" type="datetimeFigureOut">
               <a:rPr lang="ko-KR" altLang="en-US" smtClean="0"/>
-              <a:t>2024-03-28</a:t>
+              <a:t>2024-04-01</a:t>
             </a:fld>
             <a:endParaRPr lang="ko-KR" altLang="en-US"/>
           </a:p>
@@ -537,7 +551,7 @@
           <a:p>
             <a:fld id="{06A60B17-2656-4C09-A24A-B8AE84C95C86}" type="datetimeFigureOut">
               <a:rPr lang="ko-KR" altLang="en-US" smtClean="0"/>
-              <a:t>2024-03-28</a:t>
+              <a:t>2024-04-01</a:t>
             </a:fld>
             <a:endParaRPr lang="ko-KR" altLang="en-US"/>
           </a:p>
@@ -745,7 +759,7 @@
           <a:p>
             <a:fld id="{06A60B17-2656-4C09-A24A-B8AE84C95C86}" type="datetimeFigureOut">
               <a:rPr lang="ko-KR" altLang="en-US" smtClean="0"/>
-              <a:t>2024-03-28</a:t>
+              <a:t>2024-04-01</a:t>
             </a:fld>
             <a:endParaRPr lang="ko-KR" altLang="en-US"/>
           </a:p>
@@ -943,7 +957,7 @@
           <a:p>
             <a:fld id="{06A60B17-2656-4C09-A24A-B8AE84C95C86}" type="datetimeFigureOut">
               <a:rPr lang="ko-KR" altLang="en-US" smtClean="0"/>
-              <a:t>2024-03-28</a:t>
+              <a:t>2024-04-01</a:t>
             </a:fld>
             <a:endParaRPr lang="ko-KR" altLang="en-US"/>
           </a:p>
@@ -1218,7 +1232,7 @@
           <a:p>
             <a:fld id="{06A60B17-2656-4C09-A24A-B8AE84C95C86}" type="datetimeFigureOut">
               <a:rPr lang="ko-KR" altLang="en-US" smtClean="0"/>
-              <a:t>2024-03-28</a:t>
+              <a:t>2024-04-01</a:t>
             </a:fld>
             <a:endParaRPr lang="ko-KR" altLang="en-US"/>
           </a:p>
@@ -1483,7 +1497,7 @@
           <a:p>
             <a:fld id="{06A60B17-2656-4C09-A24A-B8AE84C95C86}" type="datetimeFigureOut">
               <a:rPr lang="ko-KR" altLang="en-US" smtClean="0"/>
-              <a:t>2024-03-28</a:t>
+              <a:t>2024-04-01</a:t>
             </a:fld>
             <a:endParaRPr lang="ko-KR" altLang="en-US"/>
           </a:p>
@@ -1895,7 +1909,7 @@
           <a:p>
             <a:fld id="{06A60B17-2656-4C09-A24A-B8AE84C95C86}" type="datetimeFigureOut">
               <a:rPr lang="ko-KR" altLang="en-US" smtClean="0"/>
-              <a:t>2024-03-28</a:t>
+              <a:t>2024-04-01</a:t>
             </a:fld>
             <a:endParaRPr lang="ko-KR" altLang="en-US"/>
           </a:p>
@@ -2036,7 +2050,7 @@
           <a:p>
             <a:fld id="{06A60B17-2656-4C09-A24A-B8AE84C95C86}" type="datetimeFigureOut">
               <a:rPr lang="ko-KR" altLang="en-US" smtClean="0"/>
-              <a:t>2024-03-28</a:t>
+              <a:t>2024-04-01</a:t>
             </a:fld>
             <a:endParaRPr lang="ko-KR" altLang="en-US"/>
           </a:p>
@@ -2149,7 +2163,7 @@
           <a:p>
             <a:fld id="{06A60B17-2656-4C09-A24A-B8AE84C95C86}" type="datetimeFigureOut">
               <a:rPr lang="ko-KR" altLang="en-US" smtClean="0"/>
-              <a:t>2024-03-28</a:t>
+              <a:t>2024-04-01</a:t>
             </a:fld>
             <a:endParaRPr lang="ko-KR" altLang="en-US"/>
           </a:p>
@@ -2460,7 +2474,7 @@
           <a:p>
             <a:fld id="{06A60B17-2656-4C09-A24A-B8AE84C95C86}" type="datetimeFigureOut">
               <a:rPr lang="ko-KR" altLang="en-US" smtClean="0"/>
-              <a:t>2024-03-28</a:t>
+              <a:t>2024-04-01</a:t>
             </a:fld>
             <a:endParaRPr lang="ko-KR" altLang="en-US"/>
           </a:p>
@@ -2748,7 +2762,7 @@
           <a:p>
             <a:fld id="{06A60B17-2656-4C09-A24A-B8AE84C95C86}" type="datetimeFigureOut">
               <a:rPr lang="ko-KR" altLang="en-US" smtClean="0"/>
-              <a:t>2024-03-28</a:t>
+              <a:t>2024-04-01</a:t>
             </a:fld>
             <a:endParaRPr lang="ko-KR" altLang="en-US"/>
           </a:p>
@@ -2989,7 +3003,7 @@
           <a:p>
             <a:fld id="{06A60B17-2656-4C09-A24A-B8AE84C95C86}" type="datetimeFigureOut">
               <a:rPr lang="ko-KR" altLang="en-US" smtClean="0"/>
-              <a:t>2024-03-28</a:t>
+              <a:t>2024-04-01</a:t>
             </a:fld>
             <a:endParaRPr lang="ko-KR" altLang="en-US"/>
           </a:p>
@@ -3424,8 +3438,8 @@
         </p:nvSpPr>
         <p:spPr>
           <a:xfrm>
-            <a:off x="4169328" y="1122363"/>
-            <a:ext cx="6498672" cy="2387600"/>
+            <a:off x="4169327" y="1122363"/>
+            <a:ext cx="7592037" cy="2387600"/>
           </a:xfrm>
         </p:spPr>
         <p:txBody>
@@ -3464,7 +3478,14 @@
                 <a:latin typeface="HY헤드라인M" panose="02030600000101010101" pitchFamily="18" charset="-127"/>
                 <a:ea typeface="HY헤드라인M" panose="02030600000101010101" pitchFamily="18" charset="-127"/>
               </a:rPr>
-              <a:t>(LM2002010313_16v1)</a:t>
+              <a:t>(</a:t>
+            </a:r>
+            <a:r>
+              <a:rPr lang="en-US" altLang="ko-KR" sz="4000" dirty="0" smtClean="0">
+                <a:latin typeface="HY헤드라인M" panose="02030600000101010101" pitchFamily="18" charset="-127"/>
+                <a:ea typeface="HY헤드라인M" panose="02030600000101010101" pitchFamily="18" charset="-127"/>
+              </a:rPr>
+              <a:t>LM2002010313_16v1)</a:t>
             </a:r>
             <a:endParaRPr lang="ko-KR" altLang="en-US" dirty="0">
               <a:latin typeface="HY헤드라인M" panose="02030600000101010101" pitchFamily="18" charset="-127"/>
@@ -18938,10 +18959,27 @@
           <a:bodyPr/>
           <a:lstStyle/>
           <a:p>
-            <a:endParaRPr lang="ko-KR" altLang="en-US" dirty="0">
-              <a:latin typeface="HY헤드라인M" panose="02030600000101010101" pitchFamily="18" charset="-127"/>
-              <a:ea typeface="HY헤드라인M" panose="02030600000101010101" pitchFamily="18" charset="-127"/>
-            </a:endParaRPr>
+            <a:r>
+              <a:rPr lang="ko-KR" altLang="en-US" dirty="0">
+                <a:latin typeface="HY헤드라인M" panose="02030600000101010101" pitchFamily="18" charset="-127"/>
+                <a:ea typeface="HY헤드라인M" panose="02030600000101010101" pitchFamily="18" charset="-127"/>
+              </a:rPr>
+              <a:t>실습 더하기 </a:t>
+            </a:r>
+            <a:r>
+              <a:rPr lang="en-US" altLang="ko-KR" dirty="0">
+                <a:latin typeface="HY헤드라인M" panose="02030600000101010101" pitchFamily="18" charset="-127"/>
+                <a:ea typeface="HY헤드라인M" panose="02030600000101010101" pitchFamily="18" charset="-127"/>
+              </a:rPr>
+              <a:t>: hostname</a:t>
+            </a:r>
+            <a:r>
+              <a:rPr lang="ko-KR" altLang="en-US" dirty="0">
+                <a:latin typeface="HY헤드라인M" panose="02030600000101010101" pitchFamily="18" charset="-127"/>
+                <a:ea typeface="HY헤드라인M" panose="02030600000101010101" pitchFamily="18" charset="-127"/>
+              </a:rPr>
+              <a:t> </a:t>
+            </a:r>
           </a:p>
         </p:txBody>
       </p:sp>
@@ -19051,6 +19089,273 @@
           <a:bodyPr/>
           <a:lstStyle/>
           <a:p>
+            <a:r>
+              <a:rPr lang="en-US" altLang="ko-KR" dirty="0"/>
+              <a:t>Hostname</a:t>
+            </a:r>
+          </a:p>
+          <a:p>
+            <a:pPr lvl="1">
+              <a:buFont typeface="Wingdings" panose="05000000000000000000" pitchFamily="2" charset="2"/>
+              <a:buChar char="§"/>
+            </a:pPr>
+            <a:r>
+              <a:rPr lang="ko-KR" altLang="en-US" dirty="0"/>
+              <a:t>네트워크의 장비를 설치하고 동작을 설정하고자 할 때</a:t>
+            </a:r>
+            <a:r>
+              <a:rPr lang="en-US" altLang="ko-KR" dirty="0"/>
+              <a:t>, </a:t>
+            </a:r>
+            <a:r>
+              <a:rPr lang="ko-KR" altLang="en-US" dirty="0"/>
+              <a:t>필수적으로 </a:t>
+            </a:r>
+            <a:r>
+              <a:rPr lang="ko-KR" altLang="en-US" dirty="0">
+                <a:solidFill>
+                  <a:srgbClr val="FF0000"/>
+                </a:solidFill>
+              </a:rPr>
+              <a:t>장비에 이름을 부여하여 관리</a:t>
+            </a:r>
+            <a:r>
+              <a:rPr lang="ko-KR" altLang="en-US" dirty="0"/>
+              <a:t>하는 것이 유리</a:t>
+            </a:r>
+            <a:r>
+              <a:rPr lang="en-US" altLang="ko-KR" dirty="0"/>
+              <a:t>.</a:t>
+            </a:r>
+          </a:p>
+          <a:p>
+            <a:pPr lvl="1">
+              <a:buFont typeface="Wingdings" panose="05000000000000000000" pitchFamily="2" charset="2"/>
+              <a:buChar char="§"/>
+            </a:pPr>
+            <a:endParaRPr lang="en-US" altLang="ko-KR" dirty="0"/>
+          </a:p>
+          <a:p>
+            <a:pPr lvl="1">
+              <a:buFont typeface="Wingdings" panose="05000000000000000000" pitchFamily="2" charset="2"/>
+              <a:buChar char="§"/>
+            </a:pPr>
+            <a:r>
+              <a:rPr lang="ko-KR" altLang="en-US" dirty="0"/>
+              <a:t>이름은 문자와 숫자로 시작하고 중간에 띄어쓰기를 할 수 없으며 총 </a:t>
+            </a:r>
+            <a:r>
+              <a:rPr lang="en-US" altLang="ko-KR" dirty="0"/>
+              <a:t>63</a:t>
+            </a:r>
+            <a:r>
+              <a:rPr lang="ko-KR" altLang="en-US" dirty="0"/>
+              <a:t>자 이내로 부여</a:t>
+            </a:r>
+            <a:r>
+              <a:rPr lang="en-US" altLang="ko-KR" dirty="0"/>
+              <a:t>.</a:t>
+            </a:r>
+            <a:endParaRPr lang="ko-KR" altLang="en-US" dirty="0"/>
+          </a:p>
+        </p:txBody>
+      </p:sp>
+      <p:pic>
+        <p:nvPicPr>
+          <p:cNvPr id="3" name="그림 2">
+            <a:extLst>
+              <a:ext uri="{FF2B5EF4-FFF2-40B4-BE49-F238E27FC236}">
+                <a16:creationId xmlns:a16="http://schemas.microsoft.com/office/drawing/2014/main" id="{E8717AD0-AFC4-49E0-BE26-F94B1FF7341A}"/>
+              </a:ext>
+            </a:extLst>
+          </p:cNvPr>
+          <p:cNvPicPr>
+            <a:picLocks noChangeAspect="1"/>
+          </p:cNvPicPr>
+          <p:nvPr/>
+        </p:nvPicPr>
+        <p:blipFill>
+          <a:blip r:embed="rId2"/>
+          <a:stretch>
+            <a:fillRect/>
+          </a:stretch>
+        </p:blipFill>
+        <p:spPr>
+          <a:xfrm>
+            <a:off x="1375794" y="4454554"/>
+            <a:ext cx="9978006" cy="1958013"/>
+          </a:xfrm>
+          <a:prstGeom prst="rect">
+            <a:avLst/>
+          </a:prstGeom>
+          <a:ln w="38100" cap="sq">
+            <a:solidFill>
+              <a:srgbClr val="000000"/>
+            </a:solidFill>
+            <a:prstDash val="solid"/>
+            <a:miter lim="800000"/>
+          </a:ln>
+          <a:effectLst>
+            <a:outerShdw blurRad="50800" dist="38100" dir="2700000" algn="tl" rotWithShape="0">
+              <a:srgbClr val="000000">
+                <a:alpha val="43000"/>
+              </a:srgbClr>
+            </a:outerShdw>
+          </a:effectLst>
+        </p:spPr>
+      </p:pic>
+      <p:sp>
+        <p:nvSpPr>
+          <p:cNvPr id="5" name="사각형: 둥근 모서리 4">
+            <a:extLst>
+              <a:ext uri="{FF2B5EF4-FFF2-40B4-BE49-F238E27FC236}">
+                <a16:creationId xmlns:a16="http://schemas.microsoft.com/office/drawing/2014/main" id="{02ED42CE-8394-4A3D-8207-E5CFBCE7D2F4}"/>
+              </a:ext>
+            </a:extLst>
+          </p:cNvPr>
+          <p:cNvSpPr/>
+          <p:nvPr/>
+        </p:nvSpPr>
+        <p:spPr>
+          <a:xfrm>
+            <a:off x="1375794" y="4454554"/>
+            <a:ext cx="2206305" cy="394283"/>
+          </a:xfrm>
+          <a:prstGeom prst="roundRect">
+            <a:avLst/>
+          </a:prstGeom>
+          <a:noFill/>
+          <a:ln>
+            <a:solidFill>
+              <a:srgbClr val="FF0000"/>
+            </a:solidFill>
+          </a:ln>
+        </p:spPr>
+        <p:style>
+          <a:lnRef idx="2">
+            <a:schemeClr val="accent1">
+              <a:shade val="50000"/>
+            </a:schemeClr>
+          </a:lnRef>
+          <a:fillRef idx="1">
+            <a:schemeClr val="accent1"/>
+          </a:fillRef>
+          <a:effectRef idx="0">
+            <a:schemeClr val="accent1"/>
+          </a:effectRef>
+          <a:fontRef idx="minor">
+            <a:schemeClr val="lt1"/>
+          </a:fontRef>
+        </p:style>
+        <p:txBody>
+          <a:bodyPr rtlCol="0" anchor="ctr"/>
+          <a:lstStyle/>
+          <a:p>
+            <a:pPr algn="ctr"/>
+            <a:endParaRPr lang="ko-KR" altLang="en-US"/>
+          </a:p>
+        </p:txBody>
+      </p:sp>
+      <p:sp>
+        <p:nvSpPr>
+          <p:cNvPr id="8" name="사각형: 둥근 모서리 7">
+            <a:extLst>
+              <a:ext uri="{FF2B5EF4-FFF2-40B4-BE49-F238E27FC236}">
+                <a16:creationId xmlns:a16="http://schemas.microsoft.com/office/drawing/2014/main" id="{9E806862-8609-4037-9DDE-28D57EB11A79}"/>
+              </a:ext>
+            </a:extLst>
+          </p:cNvPr>
+          <p:cNvSpPr/>
+          <p:nvPr/>
+        </p:nvSpPr>
+        <p:spPr>
+          <a:xfrm>
+            <a:off x="1375793" y="4956495"/>
+            <a:ext cx="2365697" cy="394283"/>
+          </a:xfrm>
+          <a:prstGeom prst="roundRect">
+            <a:avLst/>
+          </a:prstGeom>
+          <a:noFill/>
+          <a:ln>
+            <a:solidFill>
+              <a:srgbClr val="FF0000"/>
+            </a:solidFill>
+          </a:ln>
+        </p:spPr>
+        <p:style>
+          <a:lnRef idx="2">
+            <a:schemeClr val="accent1">
+              <a:shade val="50000"/>
+            </a:schemeClr>
+          </a:lnRef>
+          <a:fillRef idx="1">
+            <a:schemeClr val="accent1"/>
+          </a:fillRef>
+          <a:effectRef idx="0">
+            <a:schemeClr val="accent1"/>
+          </a:effectRef>
+          <a:fontRef idx="minor">
+            <a:schemeClr val="lt1"/>
+          </a:fontRef>
+        </p:style>
+        <p:txBody>
+          <a:bodyPr rtlCol="0" anchor="ctr"/>
+          <a:lstStyle/>
+          <a:p>
+            <a:pPr algn="ctr"/>
+            <a:endParaRPr lang="ko-KR" altLang="en-US"/>
+          </a:p>
+        </p:txBody>
+      </p:sp>
+      <p:sp>
+        <p:nvSpPr>
+          <p:cNvPr id="9" name="사각형: 둥근 모서리 8">
+            <a:extLst>
+              <a:ext uri="{FF2B5EF4-FFF2-40B4-BE49-F238E27FC236}">
+                <a16:creationId xmlns:a16="http://schemas.microsoft.com/office/drawing/2014/main" id="{78E75BC0-D945-443D-8F32-D70F2FF418D0}"/>
+              </a:ext>
+            </a:extLst>
+          </p:cNvPr>
+          <p:cNvSpPr/>
+          <p:nvPr/>
+        </p:nvSpPr>
+        <p:spPr>
+          <a:xfrm>
+            <a:off x="1375793" y="5979821"/>
+            <a:ext cx="4421000" cy="394283"/>
+          </a:xfrm>
+          <a:prstGeom prst="roundRect">
+            <a:avLst/>
+          </a:prstGeom>
+          <a:noFill/>
+          <a:ln>
+            <a:solidFill>
+              <a:srgbClr val="FF0000"/>
+            </a:solidFill>
+          </a:ln>
+        </p:spPr>
+        <p:style>
+          <a:lnRef idx="2">
+            <a:schemeClr val="accent1">
+              <a:shade val="50000"/>
+            </a:schemeClr>
+          </a:lnRef>
+          <a:fillRef idx="1">
+            <a:schemeClr val="accent1"/>
+          </a:fillRef>
+          <a:effectRef idx="0">
+            <a:schemeClr val="accent1"/>
+          </a:effectRef>
+          <a:fontRef idx="minor">
+            <a:schemeClr val="lt1"/>
+          </a:fontRef>
+        </p:style>
+        <p:txBody>
+          <a:bodyPr rtlCol="0" anchor="ctr"/>
+          <a:lstStyle/>
+          <a:p>
+            <a:pPr algn="ctr"/>
             <a:endParaRPr lang="ko-KR" altLang="en-US"/>
           </a:p>
         </p:txBody>
@@ -19058,7 +19363,7 @@
     </p:spTree>
     <p:extLst>
       <p:ext uri="{BB962C8B-B14F-4D97-AF65-F5344CB8AC3E}">
-        <p14:creationId xmlns:p14="http://schemas.microsoft.com/office/powerpoint/2010/main" val="3040802241"/>
+        <p14:creationId xmlns:p14="http://schemas.microsoft.com/office/powerpoint/2010/main" val="2709572869"/>
       </p:ext>
     </p:extLst>
   </p:cSld>
@@ -19112,26 +19417,23 @@
           <a:lstStyle/>
           <a:p>
             <a:r>
-              <a:rPr lang="ko-KR" altLang="en-US" dirty="0">
+              <a:rPr lang="ko-KR" altLang="en-US" dirty="0" smtClean="0">
                 <a:latin typeface="HY헤드라인M" panose="02030600000101010101" pitchFamily="18" charset="-127"/>
                 <a:ea typeface="HY헤드라인M" panose="02030600000101010101" pitchFamily="18" charset="-127"/>
               </a:rPr>
               <a:t>실습 더하기 </a:t>
             </a:r>
             <a:r>
-              <a:rPr lang="en-US" altLang="ko-KR" dirty="0">
-                <a:latin typeface="HY헤드라인M" panose="02030600000101010101" pitchFamily="18" charset="-127"/>
-                <a:ea typeface="HY헤드라인M" panose="02030600000101010101" pitchFamily="18" charset="-127"/>
-              </a:rPr>
-              <a:t>: hostname</a:t>
-            </a:r>
-            <a:r>
-              <a:rPr lang="ko-KR" altLang="en-US" dirty="0">
-                <a:latin typeface="HY헤드라인M" panose="02030600000101010101" pitchFamily="18" charset="-127"/>
-                <a:ea typeface="HY헤드라인M" panose="02030600000101010101" pitchFamily="18" charset="-127"/>
-              </a:rPr>
-              <a:t> </a:t>
-            </a:r>
+              <a:rPr lang="en-US" altLang="ko-KR" dirty="0" smtClean="0">
+                <a:latin typeface="HY헤드라인M" panose="02030600000101010101" pitchFamily="18" charset="-127"/>
+                <a:ea typeface="HY헤드라인M" panose="02030600000101010101" pitchFamily="18" charset="-127"/>
+              </a:rPr>
+              <a:t>: banner</a:t>
+            </a:r>
+            <a:endParaRPr lang="ko-KR" altLang="en-US" dirty="0">
+              <a:latin typeface="HY헤드라인M" panose="02030600000101010101" pitchFamily="18" charset="-127"/>
+              <a:ea typeface="HY헤드라인M" panose="02030600000101010101" pitchFamily="18" charset="-127"/>
+            </a:endParaRPr>
           </a:p>
         </p:txBody>
       </p:sp>
@@ -19242,9 +19544,10 @@
           <a:lstStyle/>
           <a:p>
             <a:r>
-              <a:rPr lang="en-US" altLang="ko-KR" dirty="0"/>
-              <a:t>Hostname</a:t>
-            </a:r>
+              <a:rPr lang="ko-KR" altLang="en-US" dirty="0" smtClean="0"/>
+              <a:t>배너 메시지</a:t>
+            </a:r>
+            <a:endParaRPr lang="en-US" altLang="ko-KR" dirty="0" smtClean="0"/>
           </a:p>
           <a:p>
             <a:pPr lvl="1">
@@ -19252,33 +19555,10 @@
               <a:buChar char="§"/>
             </a:pPr>
             <a:r>
-              <a:rPr lang="ko-KR" altLang="en-US" dirty="0"/>
-              <a:t>네트워크의 장비를 설치하고 동작을 설정하고자 할 때</a:t>
-            </a:r>
-            <a:r>
-              <a:rPr lang="en-US" altLang="ko-KR" dirty="0"/>
-              <a:t>, </a:t>
-            </a:r>
-            <a:r>
-              <a:rPr lang="ko-KR" altLang="en-US" dirty="0"/>
-              <a:t>필수적으로 </a:t>
-            </a:r>
-            <a:r>
-              <a:rPr lang="ko-KR" altLang="en-US" dirty="0">
-                <a:solidFill>
-                  <a:srgbClr val="FF0000"/>
-                </a:solidFill>
-              </a:rPr>
-              <a:t>장비에 이름을 부여하여 관리</a:t>
-            </a:r>
-            <a:r>
-              <a:rPr lang="ko-KR" altLang="en-US" dirty="0"/>
-              <a:t>하는 것이 유리</a:t>
-            </a:r>
-            <a:r>
-              <a:rPr lang="en-US" altLang="ko-KR" dirty="0"/>
-              <a:t>.</a:t>
-            </a:r>
+              <a:rPr lang="ko-KR" altLang="en-US" dirty="0" smtClean="0"/>
+              <a:t>라우터나 스위치에 접속하는 사용자에게 보여주기 위한 메시지를 생성</a:t>
+            </a:r>
+            <a:endParaRPr lang="en-US" altLang="ko-KR" dirty="0" smtClean="0"/>
           </a:p>
           <a:p>
             <a:pPr lvl="1">
@@ -19293,34 +19573,53 @@
               <a:buChar char="§"/>
             </a:pPr>
             <a:r>
-              <a:rPr lang="ko-KR" altLang="en-US" dirty="0"/>
-              <a:t>이름은 문자와 숫자로 시작하고 중간에 띄어쓰기를 할 수 없으며 총 </a:t>
-            </a:r>
-            <a:r>
-              <a:rPr lang="en-US" altLang="ko-KR" dirty="0"/>
-              <a:t>63</a:t>
-            </a:r>
-            <a:r>
-              <a:rPr lang="ko-KR" altLang="en-US" dirty="0"/>
-              <a:t>자 이내로 부여</a:t>
-            </a:r>
-            <a:r>
-              <a:rPr lang="en-US" altLang="ko-KR" dirty="0"/>
-              <a:t>.</a:t>
-            </a:r>
-            <a:endParaRPr lang="ko-KR" altLang="en-US" dirty="0"/>
+              <a:rPr lang="en-US" altLang="ko-KR" dirty="0" smtClean="0"/>
+              <a:t>#banner </a:t>
+            </a:r>
+            <a:r>
+              <a:rPr lang="en-US" altLang="ko-KR" dirty="0" err="1" smtClean="0"/>
+              <a:t>motd</a:t>
+            </a:r>
+            <a:r>
+              <a:rPr lang="en-US" altLang="ko-KR" dirty="0" smtClean="0"/>
+              <a:t> [</a:t>
+            </a:r>
+            <a:r>
+              <a:rPr lang="ko-KR" altLang="en-US" dirty="0" smtClean="0"/>
+              <a:t>기호</a:t>
+            </a:r>
+            <a:r>
+              <a:rPr lang="en-US" altLang="ko-KR" dirty="0" smtClean="0"/>
+              <a:t>]</a:t>
+            </a:r>
+          </a:p>
+          <a:p>
+            <a:pPr lvl="1">
+              <a:buFont typeface="Wingdings" panose="05000000000000000000" pitchFamily="2" charset="2"/>
+              <a:buChar char="§"/>
+            </a:pPr>
+            <a:r>
+              <a:rPr lang="ko-KR" altLang="en-US" dirty="0" smtClean="0"/>
+              <a:t>출력 문구 입력 </a:t>
+            </a:r>
+            <a:r>
+              <a:rPr lang="en-US" altLang="ko-KR" dirty="0" smtClean="0"/>
+              <a:t>[</a:t>
+            </a:r>
+            <a:r>
+              <a:rPr lang="ko-KR" altLang="en-US" dirty="0" smtClean="0"/>
+              <a:t>기호</a:t>
+            </a:r>
+            <a:r>
+              <a:rPr lang="en-US" altLang="ko-KR" dirty="0" smtClean="0"/>
+              <a:t>]</a:t>
+            </a:r>
           </a:p>
         </p:txBody>
       </p:sp>
       <p:pic>
         <p:nvPicPr>
-          <p:cNvPr id="3" name="그림 2">
-            <a:extLst>
-              <a:ext uri="{FF2B5EF4-FFF2-40B4-BE49-F238E27FC236}">
-                <a16:creationId xmlns:a16="http://schemas.microsoft.com/office/drawing/2014/main" id="{E8717AD0-AFC4-49E0-BE26-F94B1FF7341A}"/>
-              </a:ext>
-            </a:extLst>
-          </p:cNvPr>
+          <p:cNvPr id="3" name="그림 2"/>
           <p:cNvPicPr>
             <a:picLocks noChangeAspect="1"/>
           </p:cNvPicPr>
@@ -19334,8 +19633,8 @@
         </p:blipFill>
         <p:spPr>
           <a:xfrm>
-            <a:off x="1375794" y="4454554"/>
-            <a:ext cx="9978006" cy="1958013"/>
+            <a:off x="838200" y="4320088"/>
+            <a:ext cx="9010372" cy="2066599"/>
           </a:xfrm>
           <a:prstGeom prst="rect">
             <a:avLst/>
@@ -19356,12 +19655,88 @@
           </a:effectLst>
         </p:spPr>
       </p:pic>
+      <p:pic>
+        <p:nvPicPr>
+          <p:cNvPr id="5" name="그림 4"/>
+          <p:cNvPicPr>
+            <a:picLocks noChangeAspect="1"/>
+          </p:cNvPicPr>
+          <p:nvPr/>
+        </p:nvPicPr>
+        <p:blipFill rotWithShape="1">
+          <a:blip r:embed="rId3"/>
+          <a:srcRect l="2822"/>
+          <a:stretch/>
+        </p:blipFill>
+        <p:spPr>
+          <a:xfrm>
+            <a:off x="8282473" y="3074650"/>
+            <a:ext cx="3071327" cy="926644"/>
+          </a:xfrm>
+          <a:prstGeom prst="rect">
+            <a:avLst/>
+          </a:prstGeom>
+          <a:ln w="38100" cap="sq">
+            <a:solidFill>
+              <a:srgbClr val="000000"/>
+            </a:solidFill>
+            <a:prstDash val="solid"/>
+            <a:miter lim="800000"/>
+          </a:ln>
+          <a:effectLst>
+            <a:outerShdw blurRad="50800" dist="38100" dir="2700000" algn="tl" rotWithShape="0">
+              <a:srgbClr val="000000">
+                <a:alpha val="43000"/>
+              </a:srgbClr>
+            </a:outerShdw>
+          </a:effectLst>
+        </p:spPr>
+      </p:pic>
+      <p:cxnSp>
+        <p:nvCxnSpPr>
+          <p:cNvPr id="9" name="직선 화살표 연결선 8"/>
+          <p:cNvCxnSpPr>
+            <a:stCxn id="3" idx="0"/>
+            <a:endCxn id="5" idx="1"/>
+          </p:cNvCxnSpPr>
+          <p:nvPr/>
+        </p:nvCxnSpPr>
+        <p:spPr>
+          <a:xfrm flipV="1">
+            <a:off x="5343386" y="3537972"/>
+            <a:ext cx="2939087" cy="782116"/>
+          </a:xfrm>
+          <a:prstGeom prst="straightConnector1">
+            <a:avLst/>
+          </a:prstGeom>
+          <a:ln w="38100">
+            <a:solidFill>
+              <a:srgbClr val="FF0000"/>
+            </a:solidFill>
+            <a:tailEnd type="triangle"/>
+          </a:ln>
+        </p:spPr>
+        <p:style>
+          <a:lnRef idx="1">
+            <a:schemeClr val="accent1"/>
+          </a:lnRef>
+          <a:fillRef idx="0">
+            <a:schemeClr val="accent1"/>
+          </a:fillRef>
+          <a:effectRef idx="0">
+            <a:schemeClr val="accent1"/>
+          </a:effectRef>
+          <a:fontRef idx="minor">
+            <a:schemeClr val="tx1"/>
+          </a:fontRef>
+        </p:style>
+      </p:cxnSp>
       <p:sp>
         <p:nvSpPr>
-          <p:cNvPr id="5" name="사각형: 둥근 모서리 4">
-            <a:extLst>
-              <a:ext uri="{FF2B5EF4-FFF2-40B4-BE49-F238E27FC236}">
-                <a16:creationId xmlns:a16="http://schemas.microsoft.com/office/drawing/2014/main" id="{02ED42CE-8394-4A3D-8207-E5CFBCE7D2F4}"/>
+          <p:cNvPr id="10" name="사각형: 둥근 모서리 7">
+            <a:extLst>
+              <a:ext uri="{FF2B5EF4-FFF2-40B4-BE49-F238E27FC236}">
+                <a16:creationId xmlns:a16="http://schemas.microsoft.com/office/drawing/2014/main" id="{9E806862-8609-4037-9DDE-28D57EB11A79}"/>
               </a:ext>
             </a:extLst>
           </p:cNvPr>
@@ -19370,8 +19745,8 @@
         </p:nvSpPr>
         <p:spPr>
           <a:xfrm>
-            <a:off x="1375794" y="4454554"/>
-            <a:ext cx="2206305" cy="394283"/>
+            <a:off x="838201" y="5335210"/>
+            <a:ext cx="4329418" cy="394283"/>
           </a:xfrm>
           <a:prstGeom prst="roundRect">
             <a:avLst/>
@@ -19410,7 +19785,7 @@
       </p:sp>
       <p:sp>
         <p:nvSpPr>
-          <p:cNvPr id="8" name="사각형: 둥근 모서리 7">
+          <p:cNvPr id="12" name="사각형: 둥근 모서리 7">
             <a:extLst>
               <a:ext uri="{FF2B5EF4-FFF2-40B4-BE49-F238E27FC236}">
                 <a16:creationId xmlns:a16="http://schemas.microsoft.com/office/drawing/2014/main" id="{9E806862-8609-4037-9DDE-28D57EB11A79}"/>
@@ -19422,8 +19797,8 @@
         </p:nvSpPr>
         <p:spPr>
           <a:xfrm>
-            <a:off x="1375793" y="4956495"/>
-            <a:ext cx="2365697" cy="394283"/>
+            <a:off x="838199" y="5979821"/>
+            <a:ext cx="4329418" cy="394283"/>
           </a:xfrm>
           <a:prstGeom prst="roundRect">
             <a:avLst/>
@@ -19460,62 +19835,10 @@
           </a:p>
         </p:txBody>
       </p:sp>
-      <p:sp>
-        <p:nvSpPr>
-          <p:cNvPr id="9" name="사각형: 둥근 모서리 8">
-            <a:extLst>
-              <a:ext uri="{FF2B5EF4-FFF2-40B4-BE49-F238E27FC236}">
-                <a16:creationId xmlns:a16="http://schemas.microsoft.com/office/drawing/2014/main" id="{78E75BC0-D945-443D-8F32-D70F2FF418D0}"/>
-              </a:ext>
-            </a:extLst>
-          </p:cNvPr>
-          <p:cNvSpPr/>
-          <p:nvPr/>
-        </p:nvSpPr>
-        <p:spPr>
-          <a:xfrm>
-            <a:off x="1375793" y="5979821"/>
-            <a:ext cx="4421000" cy="394283"/>
-          </a:xfrm>
-          <a:prstGeom prst="roundRect">
-            <a:avLst/>
-          </a:prstGeom>
-          <a:noFill/>
-          <a:ln>
-            <a:solidFill>
-              <a:srgbClr val="FF0000"/>
-            </a:solidFill>
-          </a:ln>
-        </p:spPr>
-        <p:style>
-          <a:lnRef idx="2">
-            <a:schemeClr val="accent1">
-              <a:shade val="50000"/>
-            </a:schemeClr>
-          </a:lnRef>
-          <a:fillRef idx="1">
-            <a:schemeClr val="accent1"/>
-          </a:fillRef>
-          <a:effectRef idx="0">
-            <a:schemeClr val="accent1"/>
-          </a:effectRef>
-          <a:fontRef idx="minor">
-            <a:schemeClr val="lt1"/>
-          </a:fontRef>
-        </p:style>
-        <p:txBody>
-          <a:bodyPr rtlCol="0" anchor="ctr"/>
-          <a:lstStyle/>
-          <a:p>
-            <a:pPr algn="ctr"/>
-            <a:endParaRPr lang="ko-KR" altLang="en-US"/>
-          </a:p>
-        </p:txBody>
-      </p:sp>
     </p:spTree>
     <p:extLst>
       <p:ext uri="{BB962C8B-B14F-4D97-AF65-F5344CB8AC3E}">
-        <p14:creationId xmlns:p14="http://schemas.microsoft.com/office/powerpoint/2010/main" val="2709572869"/>
+        <p14:creationId xmlns:p14="http://schemas.microsoft.com/office/powerpoint/2010/main" val="3605033690"/>
       </p:ext>
     </p:extLst>
   </p:cSld>
@@ -19580,7 +19903,14 @@
                 <a:latin typeface="HY헤드라인M" panose="02030600000101010101" pitchFamily="18" charset="-127"/>
                 <a:ea typeface="HY헤드라인M" panose="02030600000101010101" pitchFamily="18" charset="-127"/>
               </a:rPr>
-              <a:t>: banner</a:t>
+              <a:t>: History </a:t>
+            </a:r>
+            <a:r>
+              <a:rPr lang="ko-KR" altLang="en-US" dirty="0" smtClean="0">
+                <a:latin typeface="HY헤드라인M" panose="02030600000101010101" pitchFamily="18" charset="-127"/>
+                <a:ea typeface="HY헤드라인M" panose="02030600000101010101" pitchFamily="18" charset="-127"/>
+              </a:rPr>
+              <a:t>설정</a:t>
             </a:r>
             <a:endParaRPr lang="ko-KR" altLang="en-US" dirty="0">
               <a:latin typeface="HY헤드라인M" panose="02030600000101010101" pitchFamily="18" charset="-127"/>
@@ -19696,10 +20026,9 @@
           <a:lstStyle/>
           <a:p>
             <a:r>
-              <a:rPr lang="ko-KR" altLang="en-US" dirty="0" smtClean="0"/>
-              <a:t>배너 메시지</a:t>
-            </a:r>
-            <a:endParaRPr lang="en-US" altLang="ko-KR" dirty="0" smtClean="0"/>
+              <a:rPr lang="en-US" altLang="ko-KR" dirty="0" smtClean="0"/>
+              <a:t>History</a:t>
+            </a:r>
           </a:p>
           <a:p>
             <a:pPr lvl="1">
@@ -19708,7 +20037,7 @@
             </a:pPr>
             <a:r>
               <a:rPr lang="ko-KR" altLang="en-US" dirty="0" smtClean="0"/>
-              <a:t>라우터나 스위치에 접속하는 사용자에게 보여주기 위한 메시지를 생성</a:t>
+              <a:t>라우터가 최근의 사용한 명령어를 기억하는 기능</a:t>
             </a:r>
             <a:endParaRPr lang="en-US" altLang="ko-KR" dirty="0" smtClean="0"/>
           </a:p>
@@ -19717,7 +20046,19 @@
               <a:buFont typeface="Wingdings" panose="05000000000000000000" pitchFamily="2" charset="2"/>
               <a:buChar char="§"/>
             </a:pPr>
-            <a:endParaRPr lang="en-US" altLang="ko-KR" dirty="0"/>
+            <a:r>
+              <a:rPr lang="ko-KR" altLang="en-US" dirty="0" smtClean="0"/>
+              <a:t>기본적으로 </a:t>
+            </a:r>
+            <a:r>
+              <a:rPr lang="en-US" altLang="ko-KR" dirty="0" smtClean="0"/>
+              <a:t>10</a:t>
+            </a:r>
+            <a:r>
+              <a:rPr lang="ko-KR" altLang="en-US" dirty="0" smtClean="0"/>
+              <a:t>개의 명령어를 순차적으로 기억</a:t>
+            </a:r>
+            <a:endParaRPr lang="en-US" altLang="ko-KR" dirty="0" smtClean="0"/>
           </a:p>
           <a:p>
             <a:pPr lvl="1">
@@ -19725,47 +20066,10 @@
               <a:buChar char="§"/>
             </a:pPr>
             <a:r>
-              <a:rPr lang="en-US" altLang="ko-KR" dirty="0" smtClean="0"/>
-              <a:t>#banner </a:t>
-            </a:r>
-            <a:r>
-              <a:rPr lang="en-US" altLang="ko-KR" dirty="0" err="1" smtClean="0"/>
-              <a:t>motd</a:t>
-            </a:r>
-            <a:r>
-              <a:rPr lang="en-US" altLang="ko-KR" dirty="0" smtClean="0"/>
-              <a:t> [</a:t>
-            </a:r>
-            <a:r>
               <a:rPr lang="ko-KR" altLang="en-US" dirty="0" smtClean="0"/>
-              <a:t>기호</a:t>
-            </a:r>
-            <a:r>
-              <a:rPr lang="en-US" altLang="ko-KR" dirty="0" smtClean="0"/>
-              <a:t>]</a:t>
-            </a:r>
-          </a:p>
-          <a:p>
-            <a:pPr lvl="1">
-              <a:buFont typeface="Wingdings" panose="05000000000000000000" pitchFamily="2" charset="2"/>
-              <a:buChar char="§"/>
-            </a:pPr>
-            <a:r>
-              <a:rPr lang="ko-KR" altLang="en-US" dirty="0" smtClean="0"/>
-              <a:t>출력 문구 입력 </a:t>
-            </a:r>
-            <a:r>
-              <a:rPr lang="en-US" altLang="ko-KR" dirty="0" smtClean="0"/>
-              <a:t>[</a:t>
-            </a:r>
-            <a:r>
-              <a:rPr lang="ko-KR" altLang="en-US" dirty="0" smtClean="0"/>
-              <a:t>기호</a:t>
-            </a:r>
-            <a:r>
-              <a:rPr lang="en-US" altLang="ko-KR" dirty="0" smtClean="0"/>
-              <a:t>]</a:t>
-            </a:r>
+              <a:t>키보드의 위쪽 방향키를 누르면 입력한 순서대로 명령어를 호출</a:t>
+            </a:r>
+            <a:endParaRPr lang="ko-KR" altLang="en-US" dirty="0"/>
           </a:p>
         </p:txBody>
       </p:sp>
@@ -19785,8 +20089,8 @@
         </p:blipFill>
         <p:spPr>
           <a:xfrm>
-            <a:off x="838200" y="4320088"/>
-            <a:ext cx="9010372" cy="2066599"/>
+            <a:off x="1311591" y="4012963"/>
+            <a:ext cx="6129084" cy="1355991"/>
           </a:xfrm>
           <a:prstGeom prst="rect">
             <a:avLst/>
@@ -19807,190 +20111,10 @@
           </a:effectLst>
         </p:spPr>
       </p:pic>
-      <p:pic>
-        <p:nvPicPr>
-          <p:cNvPr id="5" name="그림 4"/>
-          <p:cNvPicPr>
-            <a:picLocks noChangeAspect="1"/>
-          </p:cNvPicPr>
-          <p:nvPr/>
-        </p:nvPicPr>
-        <p:blipFill rotWithShape="1">
-          <a:blip r:embed="rId3"/>
-          <a:srcRect l="2822"/>
-          <a:stretch/>
-        </p:blipFill>
-        <p:spPr>
-          <a:xfrm>
-            <a:off x="8282473" y="3074650"/>
-            <a:ext cx="3071327" cy="926644"/>
-          </a:xfrm>
-          <a:prstGeom prst="rect">
-            <a:avLst/>
-          </a:prstGeom>
-          <a:ln w="38100" cap="sq">
-            <a:solidFill>
-              <a:srgbClr val="000000"/>
-            </a:solidFill>
-            <a:prstDash val="solid"/>
-            <a:miter lim="800000"/>
-          </a:ln>
-          <a:effectLst>
-            <a:outerShdw blurRad="50800" dist="38100" dir="2700000" algn="tl" rotWithShape="0">
-              <a:srgbClr val="000000">
-                <a:alpha val="43000"/>
-              </a:srgbClr>
-            </a:outerShdw>
-          </a:effectLst>
-        </p:spPr>
-      </p:pic>
-      <p:cxnSp>
-        <p:nvCxnSpPr>
-          <p:cNvPr id="9" name="직선 화살표 연결선 8"/>
-          <p:cNvCxnSpPr>
-            <a:stCxn id="3" idx="0"/>
-            <a:endCxn id="5" idx="1"/>
-          </p:cNvCxnSpPr>
-          <p:nvPr/>
-        </p:nvCxnSpPr>
-        <p:spPr>
-          <a:xfrm flipV="1">
-            <a:off x="5343386" y="3537972"/>
-            <a:ext cx="2939087" cy="782116"/>
-          </a:xfrm>
-          <a:prstGeom prst="straightConnector1">
-            <a:avLst/>
-          </a:prstGeom>
-          <a:ln w="38100">
-            <a:solidFill>
-              <a:srgbClr val="FF0000"/>
-            </a:solidFill>
-            <a:tailEnd type="triangle"/>
-          </a:ln>
-        </p:spPr>
-        <p:style>
-          <a:lnRef idx="1">
-            <a:schemeClr val="accent1"/>
-          </a:lnRef>
-          <a:fillRef idx="0">
-            <a:schemeClr val="accent1"/>
-          </a:fillRef>
-          <a:effectRef idx="0">
-            <a:schemeClr val="accent1"/>
-          </a:effectRef>
-          <a:fontRef idx="minor">
-            <a:schemeClr val="tx1"/>
-          </a:fontRef>
-        </p:style>
-      </p:cxnSp>
-      <p:sp>
-        <p:nvSpPr>
-          <p:cNvPr id="10" name="사각형: 둥근 모서리 7">
-            <a:extLst>
-              <a:ext uri="{FF2B5EF4-FFF2-40B4-BE49-F238E27FC236}">
-                <a16:creationId xmlns:a16="http://schemas.microsoft.com/office/drawing/2014/main" id="{9E806862-8609-4037-9DDE-28D57EB11A79}"/>
-              </a:ext>
-            </a:extLst>
-          </p:cNvPr>
-          <p:cNvSpPr/>
-          <p:nvPr/>
-        </p:nvSpPr>
-        <p:spPr>
-          <a:xfrm>
-            <a:off x="838201" y="5335210"/>
-            <a:ext cx="4329418" cy="394283"/>
-          </a:xfrm>
-          <a:prstGeom prst="roundRect">
-            <a:avLst/>
-          </a:prstGeom>
-          <a:noFill/>
-          <a:ln>
-            <a:solidFill>
-              <a:srgbClr val="FF0000"/>
-            </a:solidFill>
-          </a:ln>
-        </p:spPr>
-        <p:style>
-          <a:lnRef idx="2">
-            <a:schemeClr val="accent1">
-              <a:shade val="50000"/>
-            </a:schemeClr>
-          </a:lnRef>
-          <a:fillRef idx="1">
-            <a:schemeClr val="accent1"/>
-          </a:fillRef>
-          <a:effectRef idx="0">
-            <a:schemeClr val="accent1"/>
-          </a:effectRef>
-          <a:fontRef idx="minor">
-            <a:schemeClr val="lt1"/>
-          </a:fontRef>
-        </p:style>
-        <p:txBody>
-          <a:bodyPr rtlCol="0" anchor="ctr"/>
-          <a:lstStyle/>
-          <a:p>
-            <a:pPr algn="ctr"/>
-            <a:endParaRPr lang="ko-KR" altLang="en-US"/>
-          </a:p>
-        </p:txBody>
-      </p:sp>
-      <p:sp>
-        <p:nvSpPr>
-          <p:cNvPr id="12" name="사각형: 둥근 모서리 7">
-            <a:extLst>
-              <a:ext uri="{FF2B5EF4-FFF2-40B4-BE49-F238E27FC236}">
-                <a16:creationId xmlns:a16="http://schemas.microsoft.com/office/drawing/2014/main" id="{9E806862-8609-4037-9DDE-28D57EB11A79}"/>
-              </a:ext>
-            </a:extLst>
-          </p:cNvPr>
-          <p:cNvSpPr/>
-          <p:nvPr/>
-        </p:nvSpPr>
-        <p:spPr>
-          <a:xfrm>
-            <a:off x="838199" y="5979821"/>
-            <a:ext cx="4329418" cy="394283"/>
-          </a:xfrm>
-          <a:prstGeom prst="roundRect">
-            <a:avLst/>
-          </a:prstGeom>
-          <a:noFill/>
-          <a:ln>
-            <a:solidFill>
-              <a:srgbClr val="FF0000"/>
-            </a:solidFill>
-          </a:ln>
-        </p:spPr>
-        <p:style>
-          <a:lnRef idx="2">
-            <a:schemeClr val="accent1">
-              <a:shade val="50000"/>
-            </a:schemeClr>
-          </a:lnRef>
-          <a:fillRef idx="1">
-            <a:schemeClr val="accent1"/>
-          </a:fillRef>
-          <a:effectRef idx="0">
-            <a:schemeClr val="accent1"/>
-          </a:effectRef>
-          <a:fontRef idx="minor">
-            <a:schemeClr val="lt1"/>
-          </a:fontRef>
-        </p:style>
-        <p:txBody>
-          <a:bodyPr rtlCol="0" anchor="ctr"/>
-          <a:lstStyle/>
-          <a:p>
-            <a:pPr algn="ctr"/>
-            <a:endParaRPr lang="ko-KR" altLang="en-US"/>
-          </a:p>
-        </p:txBody>
-      </p:sp>
     </p:spTree>
     <p:extLst>
       <p:ext uri="{BB962C8B-B14F-4D97-AF65-F5344CB8AC3E}">
-        <p14:creationId xmlns:p14="http://schemas.microsoft.com/office/powerpoint/2010/main" val="3605033690"/>
+        <p14:creationId xmlns:p14="http://schemas.microsoft.com/office/powerpoint/2010/main" val="3688975812"/>
       </p:ext>
     </p:extLst>
   </p:cSld>
@@ -20055,7 +20179,7 @@
                 <a:latin typeface="HY헤드라인M" panose="02030600000101010101" pitchFamily="18" charset="-127"/>
                 <a:ea typeface="HY헤드라인M" panose="02030600000101010101" pitchFamily="18" charset="-127"/>
               </a:rPr>
-              <a:t>: History </a:t>
+              <a:t>: DNS </a:t>
             </a:r>
             <a:r>
               <a:rPr lang="ko-KR" altLang="en-US" dirty="0" smtClean="0">
@@ -20179,7 +20303,7 @@
           <a:p>
             <a:r>
               <a:rPr lang="en-US" altLang="ko-KR" dirty="0" smtClean="0"/>
-              <a:t>History</a:t>
+              <a:t>DNS</a:t>
             </a:r>
           </a:p>
           <a:p>
@@ -20189,7 +20313,15 @@
             </a:pPr>
             <a:r>
               <a:rPr lang="ko-KR" altLang="en-US" dirty="0" smtClean="0"/>
-              <a:t>라우터가 최근의 사용한 명령어를 기억하는 기능</a:t>
+              <a:t>도메인 네임을 </a:t>
+            </a:r>
+            <a:r>
+              <a:rPr lang="en-US" altLang="ko-KR" dirty="0" smtClean="0"/>
+              <a:t>IP </a:t>
+            </a:r>
+            <a:r>
+              <a:rPr lang="ko-KR" altLang="en-US" dirty="0" smtClean="0"/>
+              <a:t>주소와 매칭해 주는 서버를 설정</a:t>
             </a:r>
             <a:endParaRPr lang="en-US" altLang="ko-KR" dirty="0" smtClean="0"/>
           </a:p>
@@ -20199,27 +20331,40 @@
               <a:buChar char="§"/>
             </a:pPr>
             <a:r>
+              <a:rPr lang="en-US" altLang="ko-KR" dirty="0" smtClean="0"/>
+              <a:t>DNS</a:t>
+            </a:r>
+            <a:r>
               <a:rPr lang="ko-KR" altLang="en-US" dirty="0" smtClean="0"/>
-              <a:t>기본적으로 </a:t>
+              <a:t>를 설정하면 </a:t>
             </a:r>
             <a:r>
               <a:rPr lang="en-US" altLang="ko-KR" dirty="0" smtClean="0"/>
-              <a:t>10</a:t>
+              <a:t>IP</a:t>
             </a:r>
             <a:r>
               <a:rPr lang="ko-KR" altLang="en-US" dirty="0" smtClean="0"/>
-              <a:t>개의 명령어를 순차적으로 기억</a:t>
-            </a:r>
-            <a:endParaRPr lang="en-US" altLang="ko-KR" dirty="0" smtClean="0"/>
-          </a:p>
-          <a:p>
-            <a:pPr lvl="1">
-              <a:buFont typeface="Wingdings" panose="05000000000000000000" pitchFamily="2" charset="2"/>
-              <a:buChar char="§"/>
-            </a:pPr>
+              <a:t>가 아닌 도메인을 입력하여 해당 </a:t>
+            </a:r>
+            <a:r>
+              <a:rPr lang="en-US" altLang="ko-KR" dirty="0" smtClean="0"/>
+              <a:t>SERVER</a:t>
+            </a:r>
             <a:r>
               <a:rPr lang="ko-KR" altLang="en-US" dirty="0" smtClean="0"/>
-              <a:t>키보드의 위쪽 방향키를 누르면 입력한 순서대로 명령어를 호출</a:t>
+              <a:t>나 </a:t>
+            </a:r>
+            <a:r>
+              <a:rPr lang="en-US" altLang="ko-KR" dirty="0" smtClean="0"/>
+              <a:t>PC</a:t>
+            </a:r>
+            <a:r>
+              <a:rPr lang="ko-KR" altLang="en-US" dirty="0" smtClean="0"/>
+              <a:t>로 데이터를 전송할 수 있음</a:t>
+            </a:r>
+            <a:r>
+              <a:rPr lang="en-US" altLang="ko-KR" dirty="0" smtClean="0"/>
+              <a:t>.</a:t>
             </a:r>
             <a:endParaRPr lang="ko-KR" altLang="en-US" dirty="0"/>
           </a:p>
@@ -20241,8 +20386,8 @@
         </p:blipFill>
         <p:spPr>
           <a:xfrm>
-            <a:off x="1311591" y="4012963"/>
-            <a:ext cx="6129084" cy="1355991"/>
+            <a:off x="838201" y="3886417"/>
+            <a:ext cx="4748868" cy="1697556"/>
           </a:xfrm>
           <a:prstGeom prst="rect">
             <a:avLst/>
@@ -20263,10 +20408,152 @@
           </a:effectLst>
         </p:spPr>
       </p:pic>
+      <p:pic>
+        <p:nvPicPr>
+          <p:cNvPr id="5" name="그림 4"/>
+          <p:cNvPicPr>
+            <a:picLocks noChangeAspect="1"/>
+          </p:cNvPicPr>
+          <p:nvPr/>
+        </p:nvPicPr>
+        <p:blipFill>
+          <a:blip r:embed="rId3"/>
+          <a:stretch>
+            <a:fillRect/>
+          </a:stretch>
+        </p:blipFill>
+        <p:spPr>
+          <a:xfrm>
+            <a:off x="5762538" y="3886417"/>
+            <a:ext cx="5591262" cy="1697556"/>
+          </a:xfrm>
+          <a:prstGeom prst="rect">
+            <a:avLst/>
+          </a:prstGeom>
+          <a:ln w="38100" cap="sq">
+            <a:solidFill>
+              <a:srgbClr val="000000"/>
+            </a:solidFill>
+            <a:prstDash val="solid"/>
+            <a:miter lim="800000"/>
+          </a:ln>
+          <a:effectLst>
+            <a:outerShdw blurRad="50800" dist="38100" dir="2700000" algn="tl" rotWithShape="0">
+              <a:srgbClr val="000000">
+                <a:alpha val="43000"/>
+              </a:srgbClr>
+            </a:outerShdw>
+          </a:effectLst>
+        </p:spPr>
+      </p:pic>
+      <p:sp>
+        <p:nvSpPr>
+          <p:cNvPr id="8" name="사각형: 둥근 모서리 7">
+            <a:extLst>
+              <a:ext uri="{FF2B5EF4-FFF2-40B4-BE49-F238E27FC236}">
+                <a16:creationId xmlns:a16="http://schemas.microsoft.com/office/drawing/2014/main" id="{9E806862-8609-4037-9DDE-28D57EB11A79}"/>
+              </a:ext>
+            </a:extLst>
+          </p:cNvPr>
+          <p:cNvSpPr/>
+          <p:nvPr/>
+        </p:nvSpPr>
+        <p:spPr>
+          <a:xfrm>
+            <a:off x="838199" y="5189690"/>
+            <a:ext cx="3146572" cy="394283"/>
+          </a:xfrm>
+          <a:prstGeom prst="roundRect">
+            <a:avLst/>
+          </a:prstGeom>
+          <a:noFill/>
+          <a:ln>
+            <a:solidFill>
+              <a:srgbClr val="FF0000"/>
+            </a:solidFill>
+          </a:ln>
+        </p:spPr>
+        <p:style>
+          <a:lnRef idx="2">
+            <a:schemeClr val="accent1">
+              <a:shade val="50000"/>
+            </a:schemeClr>
+          </a:lnRef>
+          <a:fillRef idx="1">
+            <a:schemeClr val="accent1"/>
+          </a:fillRef>
+          <a:effectRef idx="0">
+            <a:schemeClr val="accent1"/>
+          </a:effectRef>
+          <a:fontRef idx="minor">
+            <a:schemeClr val="lt1"/>
+          </a:fontRef>
+        </p:style>
+        <p:txBody>
+          <a:bodyPr rtlCol="0" anchor="ctr"/>
+          <a:lstStyle/>
+          <a:p>
+            <a:pPr algn="ctr"/>
+            <a:endParaRPr lang="ko-KR" altLang="en-US"/>
+          </a:p>
+        </p:txBody>
+      </p:sp>
+      <p:sp>
+        <p:nvSpPr>
+          <p:cNvPr id="9" name="사각형: 둥근 모서리 7">
+            <a:extLst>
+              <a:ext uri="{FF2B5EF4-FFF2-40B4-BE49-F238E27FC236}">
+                <a16:creationId xmlns:a16="http://schemas.microsoft.com/office/drawing/2014/main" id="{9E806862-8609-4037-9DDE-28D57EB11A79}"/>
+              </a:ext>
+            </a:extLst>
+          </p:cNvPr>
+          <p:cNvSpPr/>
+          <p:nvPr/>
+        </p:nvSpPr>
+        <p:spPr>
+          <a:xfrm>
+            <a:off x="5762537" y="3804152"/>
+            <a:ext cx="2131503" cy="394283"/>
+          </a:xfrm>
+          <a:prstGeom prst="roundRect">
+            <a:avLst/>
+          </a:prstGeom>
+          <a:noFill/>
+          <a:ln>
+            <a:solidFill>
+              <a:srgbClr val="FF0000"/>
+            </a:solidFill>
+          </a:ln>
+        </p:spPr>
+        <p:style>
+          <a:lnRef idx="2">
+            <a:schemeClr val="accent1">
+              <a:shade val="50000"/>
+            </a:schemeClr>
+          </a:lnRef>
+          <a:fillRef idx="1">
+            <a:schemeClr val="accent1"/>
+          </a:fillRef>
+          <a:effectRef idx="0">
+            <a:schemeClr val="accent1"/>
+          </a:effectRef>
+          <a:fontRef idx="minor">
+            <a:schemeClr val="lt1"/>
+          </a:fontRef>
+        </p:style>
+        <p:txBody>
+          <a:bodyPr rtlCol="0" anchor="ctr"/>
+          <a:lstStyle/>
+          <a:p>
+            <a:pPr algn="ctr"/>
+            <a:endParaRPr lang="ko-KR" altLang="en-US"/>
+          </a:p>
+        </p:txBody>
+      </p:sp>
     </p:spTree>
     <p:extLst>
       <p:ext uri="{BB962C8B-B14F-4D97-AF65-F5344CB8AC3E}">
-        <p14:creationId xmlns:p14="http://schemas.microsoft.com/office/powerpoint/2010/main" val="3688975812"/>
+        <p14:creationId xmlns:p14="http://schemas.microsoft.com/office/powerpoint/2010/main" val="2917343110"/>
       </p:ext>
     </p:extLst>
   </p:cSld>
@@ -20331,21 +20618,14 @@
                 <a:latin typeface="HY헤드라인M" panose="02030600000101010101" pitchFamily="18" charset="-127"/>
                 <a:ea typeface="HY헤드라인M" panose="02030600000101010101" pitchFamily="18" charset="-127"/>
               </a:rPr>
-              <a:t>: DNS </a:t>
+              <a:t>: </a:t>
             </a:r>
             <a:r>
               <a:rPr lang="ko-KR" altLang="en-US" dirty="0" smtClean="0">
                 <a:latin typeface="HY헤드라인M" panose="02030600000101010101" pitchFamily="18" charset="-127"/>
                 <a:ea typeface="HY헤드라인M" panose="02030600000101010101" pitchFamily="18" charset="-127"/>
               </a:rPr>
-              <a:t>설</a:t>
-            </a:r>
-            <a:r>
-              <a:rPr lang="ko-KR" altLang="en-US" dirty="0" smtClean="0">
-                <a:latin typeface="HY헤드라인M" panose="02030600000101010101" pitchFamily="18" charset="-127"/>
-                <a:ea typeface="HY헤드라인M" panose="02030600000101010101" pitchFamily="18" charset="-127"/>
-              </a:rPr>
-              <a:t>정</a:t>
+              <a:t>암호 저장 방식</a:t>
             </a:r>
             <a:endParaRPr lang="ko-KR" altLang="en-US" dirty="0">
               <a:latin typeface="HY헤드라인M" panose="02030600000101010101" pitchFamily="18" charset="-127"/>
@@ -20439,103 +20719,15 @@
           </a:fontRef>
         </p:style>
       </p:cxnSp>
-      <p:sp>
-        <p:nvSpPr>
-          <p:cNvPr id="7" name="내용 개체 틀 6">
-            <a:extLst>
-              <a:ext uri="{FF2B5EF4-FFF2-40B4-BE49-F238E27FC236}">
-                <a16:creationId xmlns:a16="http://schemas.microsoft.com/office/drawing/2014/main" id="{D952638E-18BD-4894-91AB-D859C866F918}"/>
-              </a:ext>
-            </a:extLst>
-          </p:cNvPr>
-          <p:cNvSpPr>
-            <a:spLocks noGrp="1"/>
-          </p:cNvSpPr>
+      <p:pic>
+        <p:nvPicPr>
+          <p:cNvPr id="3" name="내용 개체 틀 2"/>
+          <p:cNvPicPr>
+            <a:picLocks noGrp="1" noChangeAspect="1"/>
+          </p:cNvPicPr>
           <p:nvPr>
             <p:ph idx="1"/>
           </p:nvPr>
-        </p:nvSpPr>
-        <p:spPr/>
-        <p:txBody>
-          <a:bodyPr/>
-          <a:lstStyle/>
-          <a:p>
-            <a:r>
-              <a:rPr lang="en-US" altLang="ko-KR" dirty="0" smtClean="0"/>
-              <a:t>DNS</a:t>
-            </a:r>
-          </a:p>
-          <a:p>
-            <a:pPr lvl="1">
-              <a:buFont typeface="Wingdings" panose="05000000000000000000" pitchFamily="2" charset="2"/>
-              <a:buChar char="§"/>
-            </a:pPr>
-            <a:r>
-              <a:rPr lang="ko-KR" altLang="en-US" dirty="0" smtClean="0"/>
-              <a:t>도메인 네임을 </a:t>
-            </a:r>
-            <a:r>
-              <a:rPr lang="en-US" altLang="ko-KR" dirty="0" smtClean="0"/>
-              <a:t>IP </a:t>
-            </a:r>
-            <a:r>
-              <a:rPr lang="ko-KR" altLang="en-US" dirty="0" smtClean="0"/>
-              <a:t>주소와 매칭해 주는 서버를 설정</a:t>
-            </a:r>
-            <a:endParaRPr lang="en-US" altLang="ko-KR" dirty="0" smtClean="0"/>
-          </a:p>
-          <a:p>
-            <a:pPr lvl="1">
-              <a:buFont typeface="Wingdings" panose="05000000000000000000" pitchFamily="2" charset="2"/>
-              <a:buChar char="§"/>
-            </a:pPr>
-            <a:r>
-              <a:rPr lang="en-US" altLang="ko-KR" dirty="0" smtClean="0"/>
-              <a:t>DNS</a:t>
-            </a:r>
-            <a:r>
-              <a:rPr lang="ko-KR" altLang="en-US" dirty="0" smtClean="0"/>
-              <a:t>를 설정하면 </a:t>
-            </a:r>
-            <a:r>
-              <a:rPr lang="en-US" altLang="ko-KR" dirty="0" smtClean="0"/>
-              <a:t>IP</a:t>
-            </a:r>
-            <a:r>
-              <a:rPr lang="ko-KR" altLang="en-US" dirty="0" smtClean="0"/>
-              <a:t>가 아닌 도메인을 입력하여 해당 </a:t>
-            </a:r>
-            <a:r>
-              <a:rPr lang="en-US" altLang="ko-KR" dirty="0" smtClean="0"/>
-              <a:t>SERVER</a:t>
-            </a:r>
-            <a:r>
-              <a:rPr lang="ko-KR" altLang="en-US" dirty="0" smtClean="0"/>
-              <a:t>나 </a:t>
-            </a:r>
-            <a:r>
-              <a:rPr lang="en-US" altLang="ko-KR" dirty="0" smtClean="0"/>
-              <a:t>PC</a:t>
-            </a:r>
-            <a:r>
-              <a:rPr lang="ko-KR" altLang="en-US" dirty="0" smtClean="0"/>
-              <a:t>로 데이터를 전송할 수 있음</a:t>
-            </a:r>
-            <a:r>
-              <a:rPr lang="en-US" altLang="ko-KR" dirty="0" smtClean="0"/>
-              <a:t>.</a:t>
-            </a:r>
-            <a:endParaRPr lang="ko-KR" altLang="en-US" dirty="0"/>
-          </a:p>
-        </p:txBody>
-      </p:sp>
-      <p:pic>
-        <p:nvPicPr>
-          <p:cNvPr id="3" name="그림 2"/>
-          <p:cNvPicPr>
-            <a:picLocks noChangeAspect="1"/>
-          </p:cNvPicPr>
-          <p:nvPr/>
         </p:nvPicPr>
         <p:blipFill>
           <a:blip r:embed="rId2"/>
@@ -20545,8 +20737,8 @@
         </p:blipFill>
         <p:spPr>
           <a:xfrm>
-            <a:off x="838201" y="3886417"/>
-            <a:ext cx="4748868" cy="1697556"/>
+            <a:off x="838199" y="1898009"/>
+            <a:ext cx="5098417" cy="299907"/>
           </a:xfrm>
           <a:prstGeom prst="rect">
             <a:avLst/>
@@ -20583,8 +20775,8 @@
         </p:blipFill>
         <p:spPr>
           <a:xfrm>
-            <a:off x="5762538" y="3886417"/>
-            <a:ext cx="5591262" cy="1697556"/>
+            <a:off x="838199" y="2405237"/>
+            <a:ext cx="5098417" cy="3887755"/>
           </a:xfrm>
           <a:prstGeom prst="rect">
             <a:avLst/>
@@ -20605,9 +20797,85 @@
           </a:effectLst>
         </p:spPr>
       </p:pic>
+      <p:pic>
+        <p:nvPicPr>
+          <p:cNvPr id="8" name="그림 7"/>
+          <p:cNvPicPr>
+            <a:picLocks noChangeAspect="1"/>
+          </p:cNvPicPr>
+          <p:nvPr/>
+        </p:nvPicPr>
+        <p:blipFill>
+          <a:blip r:embed="rId4"/>
+          <a:stretch>
+            <a:fillRect/>
+          </a:stretch>
+        </p:blipFill>
+        <p:spPr>
+          <a:xfrm>
+            <a:off x="6747488" y="1887378"/>
+            <a:ext cx="4606312" cy="310538"/>
+          </a:xfrm>
+          <a:prstGeom prst="rect">
+            <a:avLst/>
+          </a:prstGeom>
+          <a:ln w="38100" cap="sq">
+            <a:solidFill>
+              <a:srgbClr val="000000"/>
+            </a:solidFill>
+            <a:prstDash val="solid"/>
+            <a:miter lim="800000"/>
+          </a:ln>
+          <a:effectLst>
+            <a:outerShdw blurRad="50800" dist="38100" dir="2700000" algn="tl" rotWithShape="0">
+              <a:srgbClr val="000000">
+                <a:alpha val="43000"/>
+              </a:srgbClr>
+            </a:outerShdw>
+          </a:effectLst>
+        </p:spPr>
+      </p:pic>
+      <p:pic>
+        <p:nvPicPr>
+          <p:cNvPr id="9" name="그림 8"/>
+          <p:cNvPicPr>
+            <a:picLocks noChangeAspect="1"/>
+          </p:cNvPicPr>
+          <p:nvPr/>
+        </p:nvPicPr>
+        <p:blipFill>
+          <a:blip r:embed="rId5"/>
+          <a:stretch>
+            <a:fillRect/>
+          </a:stretch>
+        </p:blipFill>
+        <p:spPr>
+          <a:xfrm>
+            <a:off x="6747488" y="2523930"/>
+            <a:ext cx="4606312" cy="3030820"/>
+          </a:xfrm>
+          <a:prstGeom prst="rect">
+            <a:avLst/>
+          </a:prstGeom>
+          <a:ln w="38100" cap="sq">
+            <a:solidFill>
+              <a:srgbClr val="000000"/>
+            </a:solidFill>
+            <a:prstDash val="solid"/>
+            <a:miter lim="800000"/>
+          </a:ln>
+          <a:effectLst>
+            <a:outerShdw blurRad="50800" dist="38100" dir="2700000" algn="tl" rotWithShape="0">
+              <a:srgbClr val="000000">
+                <a:alpha val="43000"/>
+              </a:srgbClr>
+            </a:outerShdw>
+          </a:effectLst>
+        </p:spPr>
+      </p:pic>
       <p:sp>
         <p:nvSpPr>
-          <p:cNvPr id="8" name="사각형: 둥근 모서리 7">
+          <p:cNvPr id="10" name="사각형: 둥근 모서리 7">
             <a:extLst>
               <a:ext uri="{FF2B5EF4-FFF2-40B4-BE49-F238E27FC236}">
                 <a16:creationId xmlns:a16="http://schemas.microsoft.com/office/drawing/2014/main" id="{9E806862-8609-4037-9DDE-28D57EB11A79}"/>
@@ -20619,8 +20887,8 @@
         </p:nvSpPr>
         <p:spPr>
           <a:xfrm>
-            <a:off x="838199" y="5189690"/>
-            <a:ext cx="3146572" cy="394283"/>
+            <a:off x="838199" y="5968512"/>
+            <a:ext cx="2978792" cy="394283"/>
           </a:xfrm>
           <a:prstGeom prst="roundRect">
             <a:avLst/>
@@ -20659,7 +20927,7 @@
       </p:sp>
       <p:sp>
         <p:nvSpPr>
-          <p:cNvPr id="9" name="사각형: 둥근 모서리 7">
+          <p:cNvPr id="11" name="사각형: 둥근 모서리 7">
             <a:extLst>
               <a:ext uri="{FF2B5EF4-FFF2-40B4-BE49-F238E27FC236}">
                 <a16:creationId xmlns:a16="http://schemas.microsoft.com/office/drawing/2014/main" id="{9E806862-8609-4037-9DDE-28D57EB11A79}"/>
@@ -20671,8 +20939,8 @@
         </p:nvSpPr>
         <p:spPr>
           <a:xfrm>
-            <a:off x="5762537" y="3804152"/>
-            <a:ext cx="2131503" cy="394283"/>
+            <a:off x="6747487" y="5248457"/>
+            <a:ext cx="4418259" cy="394283"/>
           </a:xfrm>
           <a:prstGeom prst="roundRect">
             <a:avLst/>
@@ -20712,7 +20980,7 @@
     </p:spTree>
     <p:extLst>
       <p:ext uri="{BB962C8B-B14F-4D97-AF65-F5344CB8AC3E}">
-        <p14:creationId xmlns:p14="http://schemas.microsoft.com/office/powerpoint/2010/main" val="2917343110"/>
+        <p14:creationId xmlns:p14="http://schemas.microsoft.com/office/powerpoint/2010/main" val="3781799601"/>
       </p:ext>
     </p:extLst>
   </p:cSld>
@@ -20784,7 +21052,35 @@
                 <a:latin typeface="HY헤드라인M" panose="02030600000101010101" pitchFamily="18" charset="-127"/>
                 <a:ea typeface="HY헤드라인M" panose="02030600000101010101" pitchFamily="18" charset="-127"/>
               </a:rPr>
-              <a:t>암호 저장 방식</a:t>
+              <a:t>콘솔 연결 시 </a:t>
+            </a:r>
+            <a:r>
+              <a:rPr lang="en-US" altLang="ko-KR" dirty="0" smtClean="0">
+                <a:latin typeface="HY헤드라인M" panose="02030600000101010101" pitchFamily="18" charset="-127"/>
+                <a:ea typeface="HY헤드라인M" panose="02030600000101010101" pitchFamily="18" charset="-127"/>
+              </a:rPr>
+              <a:t>id</a:t>
+            </a:r>
+            <a:r>
+              <a:rPr lang="ko-KR" altLang="en-US" dirty="0" smtClean="0">
+                <a:latin typeface="HY헤드라인M" panose="02030600000101010101" pitchFamily="18" charset="-127"/>
+                <a:ea typeface="HY헤드라인M" panose="02030600000101010101" pitchFamily="18" charset="-127"/>
+              </a:rPr>
+              <a:t>와 </a:t>
+            </a:r>
+            <a:r>
+              <a:rPr lang="en-US" altLang="ko-KR" dirty="0" smtClean="0">
+                <a:latin typeface="HY헤드라인M" panose="02030600000101010101" pitchFamily="18" charset="-127"/>
+                <a:ea typeface="HY헤드라인M" panose="02030600000101010101" pitchFamily="18" charset="-127"/>
+              </a:rPr>
+              <a:t>pw </a:t>
+            </a:r>
+            <a:r>
+              <a:rPr lang="ko-KR" altLang="en-US" dirty="0" smtClean="0">
+                <a:latin typeface="HY헤드라인M" panose="02030600000101010101" pitchFamily="18" charset="-127"/>
+                <a:ea typeface="HY헤드라인M" panose="02030600000101010101" pitchFamily="18" charset="-127"/>
+              </a:rPr>
+              <a:t>설정</a:t>
             </a:r>
             <a:endParaRPr lang="ko-KR" altLang="en-US" dirty="0">
               <a:latin typeface="HY헤드라인M" panose="02030600000101010101" pitchFamily="18" charset="-127"/>
@@ -20880,24 +21176,68 @@
       </p:cxnSp>
       <p:pic>
         <p:nvPicPr>
-          <p:cNvPr id="3" name="내용 개체 틀 2"/>
+          <p:cNvPr id="5" name="그림 4"/>
           <p:cNvPicPr>
-            <a:picLocks noGrp="1" noChangeAspect="1"/>
+            <a:picLocks noChangeAspect="1"/>
           </p:cNvPicPr>
-          <p:nvPr>
-            <p:ph idx="1"/>
-          </p:nvPr>
+          <p:nvPr/>
+        </p:nvPicPr>
+        <p:blipFill rotWithShape="1">
+          <a:blip r:embed="rId2"/>
+          <a:srcRect t="18148" r="9851" b="72288"/>
+          <a:stretch/>
+        </p:blipFill>
+        <p:spPr>
+          <a:xfrm>
+            <a:off x="846589" y="1901013"/>
+            <a:ext cx="10864442" cy="473229"/>
+          </a:xfrm>
+          <a:prstGeom prst="rect">
+            <a:avLst/>
+          </a:prstGeom>
+        </p:spPr>
+      </p:pic>
+      <p:pic>
+        <p:nvPicPr>
+          <p:cNvPr id="9" name="그림 8"/>
+          <p:cNvPicPr>
+            <a:picLocks noChangeAspect="1"/>
+          </p:cNvPicPr>
+          <p:nvPr/>
+        </p:nvPicPr>
+        <p:blipFill rotWithShape="1">
+          <a:blip r:embed="rId2"/>
+          <a:srcRect t="40730" r="41320" b="17327"/>
+          <a:stretch/>
+        </p:blipFill>
+        <p:spPr>
+          <a:xfrm>
+            <a:off x="846589" y="2474753"/>
+            <a:ext cx="7071920" cy="1384184"/>
+          </a:xfrm>
+          <a:prstGeom prst="rect">
+            <a:avLst/>
+          </a:prstGeom>
+        </p:spPr>
+      </p:pic>
+      <p:pic>
+        <p:nvPicPr>
+          <p:cNvPr id="10" name="그림 9"/>
+          <p:cNvPicPr>
+            <a:picLocks noChangeAspect="1"/>
+          </p:cNvPicPr>
+          <p:nvPr/>
         </p:nvPicPr>
         <p:blipFill>
-          <a:blip r:embed="rId2"/>
+          <a:blip r:embed="rId3"/>
           <a:stretch>
             <a:fillRect/>
           </a:stretch>
         </p:blipFill>
         <p:spPr>
           <a:xfrm>
-            <a:off x="838199" y="1898009"/>
-            <a:ext cx="5098417" cy="299907"/>
+            <a:off x="1099018" y="4646190"/>
+            <a:ext cx="2756093" cy="1041546"/>
           </a:xfrm>
           <a:prstGeom prst="rect">
             <a:avLst/>
@@ -20918,228 +21258,10 @@
           </a:effectLst>
         </p:spPr>
       </p:pic>
-      <p:pic>
-        <p:nvPicPr>
-          <p:cNvPr id="5" name="그림 4"/>
-          <p:cNvPicPr>
-            <a:picLocks noChangeAspect="1"/>
-          </p:cNvPicPr>
-          <p:nvPr/>
-        </p:nvPicPr>
-        <p:blipFill>
-          <a:blip r:embed="rId3"/>
-          <a:stretch>
-            <a:fillRect/>
-          </a:stretch>
-        </p:blipFill>
-        <p:spPr>
-          <a:xfrm>
-            <a:off x="838199" y="2405237"/>
-            <a:ext cx="5098417" cy="3887755"/>
-          </a:xfrm>
-          <a:prstGeom prst="rect">
-            <a:avLst/>
-          </a:prstGeom>
-          <a:ln w="38100" cap="sq">
-            <a:solidFill>
-              <a:srgbClr val="000000"/>
-            </a:solidFill>
-            <a:prstDash val="solid"/>
-            <a:miter lim="800000"/>
-          </a:ln>
-          <a:effectLst>
-            <a:outerShdw blurRad="50800" dist="38100" dir="2700000" algn="tl" rotWithShape="0">
-              <a:srgbClr val="000000">
-                <a:alpha val="43000"/>
-              </a:srgbClr>
-            </a:outerShdw>
-          </a:effectLst>
-        </p:spPr>
-      </p:pic>
-      <p:pic>
-        <p:nvPicPr>
-          <p:cNvPr id="8" name="그림 7"/>
-          <p:cNvPicPr>
-            <a:picLocks noChangeAspect="1"/>
-          </p:cNvPicPr>
-          <p:nvPr/>
-        </p:nvPicPr>
-        <p:blipFill>
-          <a:blip r:embed="rId4"/>
-          <a:stretch>
-            <a:fillRect/>
-          </a:stretch>
-        </p:blipFill>
-        <p:spPr>
-          <a:xfrm>
-            <a:off x="6747488" y="1887378"/>
-            <a:ext cx="4606312" cy="310538"/>
-          </a:xfrm>
-          <a:prstGeom prst="rect">
-            <a:avLst/>
-          </a:prstGeom>
-          <a:ln w="38100" cap="sq">
-            <a:solidFill>
-              <a:srgbClr val="000000"/>
-            </a:solidFill>
-            <a:prstDash val="solid"/>
-            <a:miter lim="800000"/>
-          </a:ln>
-          <a:effectLst>
-            <a:outerShdw blurRad="50800" dist="38100" dir="2700000" algn="tl" rotWithShape="0">
-              <a:srgbClr val="000000">
-                <a:alpha val="43000"/>
-              </a:srgbClr>
-            </a:outerShdw>
-          </a:effectLst>
-        </p:spPr>
-      </p:pic>
-      <p:pic>
-        <p:nvPicPr>
-          <p:cNvPr id="9" name="그림 8"/>
-          <p:cNvPicPr>
-            <a:picLocks noChangeAspect="1"/>
-          </p:cNvPicPr>
-          <p:nvPr/>
-        </p:nvPicPr>
-        <p:blipFill>
-          <a:blip r:embed="rId5"/>
-          <a:stretch>
-            <a:fillRect/>
-          </a:stretch>
-        </p:blipFill>
-        <p:spPr>
-          <a:xfrm>
-            <a:off x="6747488" y="2523930"/>
-            <a:ext cx="4606312" cy="3030820"/>
-          </a:xfrm>
-          <a:prstGeom prst="rect">
-            <a:avLst/>
-          </a:prstGeom>
-          <a:ln w="38100" cap="sq">
-            <a:solidFill>
-              <a:srgbClr val="000000"/>
-            </a:solidFill>
-            <a:prstDash val="solid"/>
-            <a:miter lim="800000"/>
-          </a:ln>
-          <a:effectLst>
-            <a:outerShdw blurRad="50800" dist="38100" dir="2700000" algn="tl" rotWithShape="0">
-              <a:srgbClr val="000000">
-                <a:alpha val="43000"/>
-              </a:srgbClr>
-            </a:outerShdw>
-          </a:effectLst>
-        </p:spPr>
-      </p:pic>
-      <p:sp>
-        <p:nvSpPr>
-          <p:cNvPr id="10" name="사각형: 둥근 모서리 7">
-            <a:extLst>
-              <a:ext uri="{FF2B5EF4-FFF2-40B4-BE49-F238E27FC236}">
-                <a16:creationId xmlns:a16="http://schemas.microsoft.com/office/drawing/2014/main" id="{9E806862-8609-4037-9DDE-28D57EB11A79}"/>
-              </a:ext>
-            </a:extLst>
-          </p:cNvPr>
-          <p:cNvSpPr/>
-          <p:nvPr/>
-        </p:nvSpPr>
-        <p:spPr>
-          <a:xfrm>
-            <a:off x="838199" y="5968512"/>
-            <a:ext cx="2978792" cy="394283"/>
-          </a:xfrm>
-          <a:prstGeom prst="roundRect">
-            <a:avLst/>
-          </a:prstGeom>
-          <a:noFill/>
-          <a:ln>
-            <a:solidFill>
-              <a:srgbClr val="FF0000"/>
-            </a:solidFill>
-          </a:ln>
-        </p:spPr>
-        <p:style>
-          <a:lnRef idx="2">
-            <a:schemeClr val="accent1">
-              <a:shade val="50000"/>
-            </a:schemeClr>
-          </a:lnRef>
-          <a:fillRef idx="1">
-            <a:schemeClr val="accent1"/>
-          </a:fillRef>
-          <a:effectRef idx="0">
-            <a:schemeClr val="accent1"/>
-          </a:effectRef>
-          <a:fontRef idx="minor">
-            <a:schemeClr val="lt1"/>
-          </a:fontRef>
-        </p:style>
-        <p:txBody>
-          <a:bodyPr rtlCol="0" anchor="ctr"/>
-          <a:lstStyle/>
-          <a:p>
-            <a:pPr algn="ctr"/>
-            <a:endParaRPr lang="ko-KR" altLang="en-US"/>
-          </a:p>
-        </p:txBody>
-      </p:sp>
-      <p:sp>
-        <p:nvSpPr>
-          <p:cNvPr id="11" name="사각형: 둥근 모서리 7">
-            <a:extLst>
-              <a:ext uri="{FF2B5EF4-FFF2-40B4-BE49-F238E27FC236}">
-                <a16:creationId xmlns:a16="http://schemas.microsoft.com/office/drawing/2014/main" id="{9E806862-8609-4037-9DDE-28D57EB11A79}"/>
-              </a:ext>
-            </a:extLst>
-          </p:cNvPr>
-          <p:cNvSpPr/>
-          <p:nvPr/>
-        </p:nvSpPr>
-        <p:spPr>
-          <a:xfrm>
-            <a:off x="6747487" y="5248457"/>
-            <a:ext cx="4418259" cy="394283"/>
-          </a:xfrm>
-          <a:prstGeom prst="roundRect">
-            <a:avLst/>
-          </a:prstGeom>
-          <a:noFill/>
-          <a:ln>
-            <a:solidFill>
-              <a:srgbClr val="FF0000"/>
-            </a:solidFill>
-          </a:ln>
-        </p:spPr>
-        <p:style>
-          <a:lnRef idx="2">
-            <a:schemeClr val="accent1">
-              <a:shade val="50000"/>
-            </a:schemeClr>
-          </a:lnRef>
-          <a:fillRef idx="1">
-            <a:schemeClr val="accent1"/>
-          </a:fillRef>
-          <a:effectRef idx="0">
-            <a:schemeClr val="accent1"/>
-          </a:effectRef>
-          <a:fontRef idx="minor">
-            <a:schemeClr val="lt1"/>
-          </a:fontRef>
-        </p:style>
-        <p:txBody>
-          <a:bodyPr rtlCol="0" anchor="ctr"/>
-          <a:lstStyle/>
-          <a:p>
-            <a:pPr algn="ctr"/>
-            <a:endParaRPr lang="ko-KR" altLang="en-US"/>
-          </a:p>
-        </p:txBody>
-      </p:sp>
     </p:spTree>
     <p:extLst>
       <p:ext uri="{BB962C8B-B14F-4D97-AF65-F5344CB8AC3E}">
-        <p14:creationId xmlns:p14="http://schemas.microsoft.com/office/powerpoint/2010/main" val="3781799601"/>
+        <p14:creationId xmlns:p14="http://schemas.microsoft.com/office/powerpoint/2010/main" val="949317208"/>
       </p:ext>
     </p:extLst>
   </p:cSld>
@@ -21566,7 +21688,7 @@
           <p:cNvPr id="2" name="제목 1">
             <a:extLst>
               <a:ext uri="{FF2B5EF4-FFF2-40B4-BE49-F238E27FC236}">
-                <a16:creationId xmlns:a16="http://schemas.microsoft.com/office/drawing/2014/main" id="{0B510ACA-92C1-4DB2-B891-D4872C9B4F9C}"/>
+                <a16:creationId xmlns:a16="http://schemas.microsoft.com/office/drawing/2014/main" id="{9936C603-A6B7-46AF-818F-B8BD26544A4A}"/>
               </a:ext>
             </a:extLst>
           </p:cNvPr>
@@ -21574,13 +21696,13 @@
             <a:spLocks noGrp="1"/>
           </p:cNvSpPr>
           <p:nvPr>
-            <p:ph type="title"/>
+            <p:ph type="ctrTitle"/>
           </p:nvPr>
         </p:nvSpPr>
         <p:spPr>
           <a:xfrm>
-            <a:off x="838200" y="365125"/>
-            <a:ext cx="10515600" cy="1325563"/>
+            <a:off x="4169327" y="1122363"/>
+            <a:ext cx="7592037" cy="2387600"/>
           </a:xfrm>
         </p:spPr>
         <p:txBody>
@@ -21588,35 +21710,179 @@
           <a:lstStyle/>
           <a:p>
             <a:r>
+              <a:rPr lang="en-US" altLang="ko-KR" dirty="0">
+                <a:latin typeface="HY헤드라인M" panose="02030600000101010101" pitchFamily="18" charset="-127"/>
+                <a:ea typeface="HY헤드라인M" panose="02030600000101010101" pitchFamily="18" charset="-127"/>
+              </a:rPr>
+              <a:t>L2〮L3 </a:t>
+            </a:r>
+            <a:r>
               <a:rPr lang="ko-KR" altLang="en-US" dirty="0">
                 <a:latin typeface="HY헤드라인M" panose="02030600000101010101" pitchFamily="18" charset="-127"/>
                 <a:ea typeface="HY헤드라인M" panose="02030600000101010101" pitchFamily="18" charset="-127"/>
               </a:rPr>
-              <a:t>실습 더하기 </a:t>
+              <a:t>스위치 구축</a:t>
             </a:r>
             <a:r>
               <a:rPr lang="en-US" altLang="ko-KR" dirty="0">
                 <a:latin typeface="HY헤드라인M" panose="02030600000101010101" pitchFamily="18" charset="-127"/>
                 <a:ea typeface="HY헤드라인M" panose="02030600000101010101" pitchFamily="18" charset="-127"/>
               </a:rPr>
-              <a:t>: IP </a:t>
-            </a:r>
-            <a:r>
-              <a:rPr lang="ko-KR" altLang="en-US" dirty="0">
-                <a:latin typeface="HY헤드라인M" panose="02030600000101010101" pitchFamily="18" charset="-127"/>
-                <a:ea typeface="HY헤드라인M" panose="02030600000101010101" pitchFamily="18" charset="-127"/>
-              </a:rPr>
-              <a:t>설정</a:t>
-            </a:r>
+              <a:t/>
+            </a:r>
+            <a:br>
+              <a:rPr lang="en-US" altLang="ko-KR" dirty="0">
+                <a:latin typeface="HY헤드라인M" panose="02030600000101010101" pitchFamily="18" charset="-127"/>
+                <a:ea typeface="HY헤드라인M" panose="02030600000101010101" pitchFamily="18" charset="-127"/>
+              </a:rPr>
+            </a:br>
+            <a:r>
+              <a:rPr lang="en-US" altLang="ko-KR" sz="4000" dirty="0">
+                <a:latin typeface="HY헤드라인M" panose="02030600000101010101" pitchFamily="18" charset="-127"/>
+                <a:ea typeface="HY헤드라인M" panose="02030600000101010101" pitchFamily="18" charset="-127"/>
+              </a:rPr>
+              <a:t>(LM2002010313_16v1)</a:t>
+            </a:r>
+            <a:endParaRPr lang="ko-KR" altLang="en-US" dirty="0">
+              <a:latin typeface="HY헤드라인M" panose="02030600000101010101" pitchFamily="18" charset="-127"/>
+              <a:ea typeface="HY헤드라인M" panose="02030600000101010101" pitchFamily="18" charset="-127"/>
+            </a:endParaRPr>
           </a:p>
         </p:txBody>
       </p:sp>
+      <p:sp>
+        <p:nvSpPr>
+          <p:cNvPr id="3" name="부제목 2">
+            <a:extLst>
+              <a:ext uri="{FF2B5EF4-FFF2-40B4-BE49-F238E27FC236}">
+                <a16:creationId xmlns:a16="http://schemas.microsoft.com/office/drawing/2014/main" id="{DFD59516-B17F-4310-BB9C-8688D42F900A}"/>
+              </a:ext>
+            </a:extLst>
+          </p:cNvPr>
+          <p:cNvSpPr>
+            <a:spLocks noGrp="1"/>
+          </p:cNvSpPr>
+          <p:nvPr>
+            <p:ph type="subTitle" idx="1"/>
+          </p:nvPr>
+        </p:nvSpPr>
+        <p:spPr>
+          <a:xfrm>
+            <a:off x="4874005" y="3744651"/>
+            <a:ext cx="5793995" cy="1655762"/>
+          </a:xfrm>
+        </p:spPr>
+        <p:txBody>
+          <a:bodyPr/>
+          <a:lstStyle/>
+          <a:p>
+            <a:pPr algn="l"/>
+            <a:r>
+              <a:rPr lang="ko-KR" altLang="en-US" dirty="0">
+                <a:latin typeface="HY헤드라인M" panose="02030600000101010101" pitchFamily="18" charset="-127"/>
+                <a:ea typeface="HY헤드라인M" panose="02030600000101010101" pitchFamily="18" charset="-127"/>
+              </a:rPr>
+              <a:t>학습 </a:t>
+            </a:r>
+            <a:r>
+              <a:rPr lang="en-US" altLang="ko-KR" dirty="0" smtClean="0">
+                <a:latin typeface="HY헤드라인M" panose="02030600000101010101" pitchFamily="18" charset="-127"/>
+                <a:ea typeface="HY헤드라인M" panose="02030600000101010101" pitchFamily="18" charset="-127"/>
+              </a:rPr>
+              <a:t>2. </a:t>
+            </a:r>
+            <a:r>
+              <a:rPr lang="en-US" altLang="ko-KR" dirty="0" smtClean="0">
+                <a:latin typeface="HY헤드라인M" panose="02030600000101010101" pitchFamily="18" charset="-127"/>
+                <a:ea typeface="HY헤드라인M" panose="02030600000101010101" pitchFamily="18" charset="-127"/>
+              </a:rPr>
+              <a:t>VLAN </a:t>
+            </a:r>
+            <a:r>
+              <a:rPr lang="ko-KR" altLang="en-US" dirty="0" smtClean="0">
+                <a:latin typeface="HY헤드라인M" panose="02030600000101010101" pitchFamily="18" charset="-127"/>
+                <a:ea typeface="HY헤드라인M" panose="02030600000101010101" pitchFamily="18" charset="-127"/>
+              </a:rPr>
+              <a:t>및 </a:t>
+            </a:r>
+            <a:r>
+              <a:rPr lang="en-US" altLang="ko-KR" dirty="0" smtClean="0">
+                <a:latin typeface="HY헤드라인M" panose="02030600000101010101" pitchFamily="18" charset="-127"/>
+                <a:ea typeface="HY헤드라인M" panose="02030600000101010101" pitchFamily="18" charset="-127"/>
+              </a:rPr>
+              <a:t>PVLAN </a:t>
+            </a:r>
+            <a:r>
+              <a:rPr lang="ko-KR" altLang="en-US" dirty="0" smtClean="0">
+                <a:latin typeface="HY헤드라인M" panose="02030600000101010101" pitchFamily="18" charset="-127"/>
+                <a:ea typeface="HY헤드라인M" panose="02030600000101010101" pitchFamily="18" charset="-127"/>
+              </a:rPr>
+              <a:t>구성하기</a:t>
+            </a:r>
+            <a:endParaRPr lang="en-US" altLang="ko-KR" dirty="0">
+              <a:latin typeface="HY헤드라인M" panose="02030600000101010101" pitchFamily="18" charset="-127"/>
+              <a:ea typeface="HY헤드라인M" panose="02030600000101010101" pitchFamily="18" charset="-127"/>
+            </a:endParaRPr>
+          </a:p>
+          <a:p>
+            <a:pPr algn="l"/>
+            <a:endParaRPr lang="ko-KR" altLang="en-US" dirty="0">
+              <a:latin typeface="HY헤드라인M" panose="02030600000101010101" pitchFamily="18" charset="-127"/>
+              <a:ea typeface="HY헤드라인M" panose="02030600000101010101" pitchFamily="18" charset="-127"/>
+            </a:endParaRPr>
+          </a:p>
+        </p:txBody>
+      </p:sp>
+      <p:pic>
+        <p:nvPicPr>
+          <p:cNvPr id="4" name="그림 3">
+            <a:extLst>
+              <a:ext uri="{FF2B5EF4-FFF2-40B4-BE49-F238E27FC236}">
+                <a16:creationId xmlns:a16="http://schemas.microsoft.com/office/drawing/2014/main" id="{96C905C8-8812-4F67-A21A-3A0C119CBB61}"/>
+              </a:ext>
+            </a:extLst>
+          </p:cNvPr>
+          <p:cNvPicPr>
+            <a:picLocks noChangeAspect="1"/>
+          </p:cNvPicPr>
+          <p:nvPr/>
+        </p:nvPicPr>
+        <p:blipFill>
+          <a:blip r:embed="rId2"/>
+          <a:stretch>
+            <a:fillRect/>
+          </a:stretch>
+        </p:blipFill>
+        <p:spPr>
+          <a:xfrm>
+            <a:off x="275158" y="870059"/>
+            <a:ext cx="3524608" cy="5279807"/>
+          </a:xfrm>
+          <a:prstGeom prst="rect">
+            <a:avLst/>
+          </a:prstGeom>
+          <a:ln w="38100" cap="sq">
+            <a:solidFill>
+              <a:srgbClr val="000000"/>
+            </a:solidFill>
+            <a:prstDash val="solid"/>
+            <a:miter lim="800000"/>
+          </a:ln>
+          <a:effectLst>
+            <a:outerShdw blurRad="50800" dist="38100" dir="2700000" algn="tl" rotWithShape="0">
+              <a:srgbClr val="000000">
+                <a:alpha val="43000"/>
+              </a:srgbClr>
+            </a:outerShdw>
+          </a:effectLst>
+        </p:spPr>
+      </p:pic>
       <p:cxnSp>
         <p:nvCxnSpPr>
-          <p:cNvPr id="4" name="직선 연결선 3">
-            <a:extLst>
-              <a:ext uri="{FF2B5EF4-FFF2-40B4-BE49-F238E27FC236}">
-                <a16:creationId xmlns:a16="http://schemas.microsoft.com/office/drawing/2014/main" id="{B52E875F-886D-4368-BB96-91473E4BD429}"/>
+          <p:cNvPr id="6" name="직선 연결선 5">
+            <a:extLst>
+              <a:ext uri="{FF2B5EF4-FFF2-40B4-BE49-F238E27FC236}">
+                <a16:creationId xmlns:a16="http://schemas.microsoft.com/office/drawing/2014/main" id="{BE9E04FB-C8C2-43C6-9BDD-1F83CBE66803}"/>
               </a:ext>
             </a:extLst>
           </p:cNvPr>
@@ -21627,8 +21893,45 @@
         </p:nvCxnSpPr>
         <p:spPr>
           <a:xfrm>
-            <a:off x="494950" y="1560352"/>
-            <a:ext cx="11216081" cy="0"/>
+            <a:off x="4026716" y="696286"/>
+            <a:ext cx="0" cy="4118995"/>
+          </a:xfrm>
+          <a:prstGeom prst="line">
+            <a:avLst/>
+          </a:prstGeom>
+          <a:ln w="57150"/>
+        </p:spPr>
+        <p:style>
+          <a:lnRef idx="1">
+            <a:schemeClr val="accent1"/>
+          </a:lnRef>
+          <a:fillRef idx="0">
+            <a:schemeClr val="accent1"/>
+          </a:fillRef>
+          <a:effectRef idx="0">
+            <a:schemeClr val="accent1"/>
+          </a:effectRef>
+          <a:fontRef idx="minor">
+            <a:schemeClr val="tx1"/>
+          </a:fontRef>
+        </p:style>
+      </p:cxnSp>
+      <p:cxnSp>
+        <p:nvCxnSpPr>
+          <p:cNvPr id="8" name="직선 연결선 7">
+            <a:extLst>
+              <a:ext uri="{FF2B5EF4-FFF2-40B4-BE49-F238E27FC236}">
+                <a16:creationId xmlns:a16="http://schemas.microsoft.com/office/drawing/2014/main" id="{43E0C5C0-FA1C-4349-8140-C5F92053FD38}"/>
+              </a:ext>
+            </a:extLst>
+          </p:cNvPr>
+          <p:cNvCxnSpPr/>
+          <p:nvPr/>
+        </p:nvCxnSpPr>
+        <p:spPr>
+          <a:xfrm>
+            <a:off x="3540154" y="3632433"/>
+            <a:ext cx="8221211" cy="0"/>
           </a:xfrm>
           <a:prstGeom prst="line">
             <a:avLst/>
@@ -21657,80 +21960,23 @@
           </a:fontRef>
         </p:style>
       </p:cxnSp>
-      <p:cxnSp>
-        <p:nvCxnSpPr>
-          <p:cNvPr id="6" name="직선 연결선 5">
-            <a:extLst>
-              <a:ext uri="{FF2B5EF4-FFF2-40B4-BE49-F238E27FC236}">
-                <a16:creationId xmlns:a16="http://schemas.microsoft.com/office/drawing/2014/main" id="{18BBC0F2-0F71-4015-8396-16B4367F8F99}"/>
-              </a:ext>
-            </a:extLst>
-          </p:cNvPr>
-          <p:cNvCxnSpPr>
-            <a:cxnSpLocks/>
-          </p:cNvCxnSpPr>
-          <p:nvPr/>
-        </p:nvCxnSpPr>
-        <p:spPr>
-          <a:xfrm>
-            <a:off x="662730" y="367018"/>
-            <a:ext cx="0" cy="3061982"/>
-          </a:xfrm>
-          <a:prstGeom prst="line">
-            <a:avLst/>
-          </a:prstGeom>
-          <a:ln w="57150"/>
-        </p:spPr>
-        <p:style>
-          <a:lnRef idx="1">
-            <a:schemeClr val="accent1"/>
-          </a:lnRef>
-          <a:fillRef idx="0">
-            <a:schemeClr val="accent1"/>
-          </a:fillRef>
-          <a:effectRef idx="0">
-            <a:schemeClr val="accent1"/>
-          </a:effectRef>
-          <a:fontRef idx="minor">
-            <a:schemeClr val="tx1"/>
-          </a:fontRef>
-        </p:style>
-      </p:cxnSp>
-      <p:sp>
-        <p:nvSpPr>
-          <p:cNvPr id="7" name="내용 개체 틀 6">
-            <a:extLst>
-              <a:ext uri="{FF2B5EF4-FFF2-40B4-BE49-F238E27FC236}">
-                <a16:creationId xmlns:a16="http://schemas.microsoft.com/office/drawing/2014/main" id="{D952638E-18BD-4894-91AB-D859C866F918}"/>
-              </a:ext>
-            </a:extLst>
-          </p:cNvPr>
-          <p:cNvSpPr>
-            <a:spLocks noGrp="1"/>
-          </p:cNvSpPr>
-          <p:nvPr>
-            <p:ph idx="1"/>
-          </p:nvPr>
-        </p:nvSpPr>
-        <p:spPr/>
-        <p:txBody>
-          <a:bodyPr/>
-          <a:lstStyle/>
-          <a:p>
-            <a:endParaRPr lang="ko-KR" altLang="en-US"/>
-          </a:p>
-        </p:txBody>
-      </p:sp>
     </p:spTree>
     <p:extLst>
       <p:ext uri="{BB962C8B-B14F-4D97-AF65-F5344CB8AC3E}">
-        <p14:creationId xmlns:p14="http://schemas.microsoft.com/office/powerpoint/2010/main" val="1065364503"/>
+        <p14:creationId xmlns:p14="http://schemas.microsoft.com/office/powerpoint/2010/main" val="2187840087"/>
       </p:ext>
     </p:extLst>
   </p:cSld>
   <p:clrMapOvr>
     <a:masterClrMapping/>
   </p:clrMapOvr>
+  <p:timing>
+    <p:tnLst>
+      <p:par>
+        <p:cTn id="1" dur="indefinite" restart="never" nodeType="tmRoot"/>
+      </p:par>
+    </p:tnLst>
+  </p:timing>
 </p:sld>
 </file>
 
@@ -21778,53 +22024,257 @@
           <a:lstStyle/>
           <a:p>
             <a:r>
+              <a:rPr lang="ko-KR" altLang="en-US" dirty="0">
+                <a:latin typeface="HY헤드라인M" panose="02030600000101010101" pitchFamily="18" charset="-127"/>
+                <a:ea typeface="HY헤드라인M" panose="02030600000101010101" pitchFamily="18" charset="-127"/>
+              </a:rPr>
+              <a:t>학습 목표</a:t>
+            </a:r>
+          </a:p>
+        </p:txBody>
+      </p:sp>
+      <p:sp>
+        <p:nvSpPr>
+          <p:cNvPr id="3" name="내용 개체 틀 2">
+            <a:extLst>
+              <a:ext uri="{FF2B5EF4-FFF2-40B4-BE49-F238E27FC236}">
+                <a16:creationId xmlns:a16="http://schemas.microsoft.com/office/drawing/2014/main" id="{0C1BC93C-E185-473F-86D1-3480B93E937E}"/>
+              </a:ext>
+            </a:extLst>
+          </p:cNvPr>
+          <p:cNvSpPr>
+            <a:spLocks noGrp="1"/>
+          </p:cNvSpPr>
+          <p:nvPr>
+            <p:ph idx="1"/>
+          </p:nvPr>
+        </p:nvSpPr>
+        <p:spPr/>
+        <p:txBody>
+          <a:bodyPr>
+            <a:normAutofit/>
+          </a:bodyPr>
+          <a:lstStyle/>
+          <a:p>
+            <a:r>
               <a:rPr lang="ko-KR" altLang="en-US" dirty="0" smtClean="0">
                 <a:latin typeface="HY헤드라인M" panose="02030600000101010101" pitchFamily="18" charset="-127"/>
                 <a:ea typeface="HY헤드라인M" panose="02030600000101010101" pitchFamily="18" charset="-127"/>
               </a:rPr>
-              <a:t>실습 더하기 </a:t>
+              <a:t>네트워크 설계도에 준거하여 </a:t>
             </a:r>
             <a:r>
               <a:rPr lang="en-US" altLang="ko-KR" dirty="0" smtClean="0">
                 <a:latin typeface="HY헤드라인M" panose="02030600000101010101" pitchFamily="18" charset="-127"/>
                 <a:ea typeface="HY헤드라인M" panose="02030600000101010101" pitchFamily="18" charset="-127"/>
               </a:rPr>
-              <a:t>: </a:t>
+              <a:t>VLAN </a:t>
             </a:r>
             <a:r>
               <a:rPr lang="ko-KR" altLang="en-US" dirty="0" smtClean="0">
                 <a:latin typeface="HY헤드라인M" panose="02030600000101010101" pitchFamily="18" charset="-127"/>
                 <a:ea typeface="HY헤드라인M" panose="02030600000101010101" pitchFamily="18" charset="-127"/>
               </a:rPr>
-              <a:t>콘솔 연결 시 </a:t>
+              <a:t>및 </a:t>
             </a:r>
             <a:r>
               <a:rPr lang="en-US" altLang="ko-KR" dirty="0" smtClean="0">
                 <a:latin typeface="HY헤드라인M" panose="02030600000101010101" pitchFamily="18" charset="-127"/>
                 <a:ea typeface="HY헤드라인M" panose="02030600000101010101" pitchFamily="18" charset="-127"/>
               </a:rPr>
-              <a:t>id</a:t>
+              <a:t>Private VLAN</a:t>
             </a:r>
             <a:r>
               <a:rPr lang="ko-KR" altLang="en-US" dirty="0" smtClean="0">
                 <a:latin typeface="HY헤드라인M" panose="02030600000101010101" pitchFamily="18" charset="-127"/>
                 <a:ea typeface="HY헤드라인M" panose="02030600000101010101" pitchFamily="18" charset="-127"/>
               </a:rPr>
-              <a:t>와 </a:t>
+              <a:t>을 구성할 수 있다</a:t>
             </a:r>
             <a:r>
               <a:rPr lang="en-US" altLang="ko-KR" dirty="0" smtClean="0">
                 <a:latin typeface="HY헤드라인M" panose="02030600000101010101" pitchFamily="18" charset="-127"/>
                 <a:ea typeface="HY헤드라인M" panose="02030600000101010101" pitchFamily="18" charset="-127"/>
               </a:rPr>
-              <a:t>pw </a:t>
-            </a:r>
+              <a:t>.</a:t>
+            </a:r>
+          </a:p>
+          <a:p>
+            <a:endParaRPr lang="en-US" altLang="ko-KR" dirty="0">
+              <a:latin typeface="HY헤드라인M" panose="02030600000101010101" pitchFamily="18" charset="-127"/>
+              <a:ea typeface="HY헤드라인M" panose="02030600000101010101" pitchFamily="18" charset="-127"/>
+            </a:endParaRPr>
+          </a:p>
+          <a:p>
             <a:r>
               <a:rPr lang="ko-KR" altLang="en-US" dirty="0" smtClean="0">
                 <a:latin typeface="HY헤드라인M" panose="02030600000101010101" pitchFamily="18" charset="-127"/>
                 <a:ea typeface="HY헤드라인M" panose="02030600000101010101" pitchFamily="18" charset="-127"/>
               </a:rPr>
-              <a:t>설정</a:t>
+              <a:t>구성된 </a:t>
+            </a:r>
+            <a:r>
+              <a:rPr lang="en-US" altLang="ko-KR" dirty="0" smtClean="0">
+                <a:latin typeface="HY헤드라인M" panose="02030600000101010101" pitchFamily="18" charset="-127"/>
+                <a:ea typeface="HY헤드라인M" panose="02030600000101010101" pitchFamily="18" charset="-127"/>
+              </a:rPr>
+              <a:t>VLAN </a:t>
+            </a:r>
+            <a:r>
+              <a:rPr lang="ko-KR" altLang="en-US" dirty="0" smtClean="0">
+                <a:latin typeface="HY헤드라인M" panose="02030600000101010101" pitchFamily="18" charset="-127"/>
+                <a:ea typeface="HY헤드라인M" panose="02030600000101010101" pitchFamily="18" charset="-127"/>
+              </a:rPr>
+              <a:t>및 </a:t>
+            </a:r>
+            <a:r>
+              <a:rPr lang="en-US" altLang="ko-KR" dirty="0" smtClean="0">
+                <a:latin typeface="HY헤드라인M" panose="02030600000101010101" pitchFamily="18" charset="-127"/>
+                <a:ea typeface="HY헤드라인M" panose="02030600000101010101" pitchFamily="18" charset="-127"/>
+              </a:rPr>
+              <a:t>Private VLAN</a:t>
+            </a:r>
+            <a:r>
+              <a:rPr lang="ko-KR" altLang="en-US" dirty="0" smtClean="0">
+                <a:latin typeface="HY헤드라인M" panose="02030600000101010101" pitchFamily="18" charset="-127"/>
+                <a:ea typeface="HY헤드라인M" panose="02030600000101010101" pitchFamily="18" charset="-127"/>
+              </a:rPr>
+              <a:t>에 </a:t>
+            </a:r>
+            <a:r>
+              <a:rPr lang="en-US" altLang="ko-KR" dirty="0" smtClean="0">
+                <a:latin typeface="HY헤드라인M" panose="02030600000101010101" pitchFamily="18" charset="-127"/>
+                <a:ea typeface="HY헤드라인M" panose="02030600000101010101" pitchFamily="18" charset="-127"/>
+              </a:rPr>
+              <a:t>IP </a:t>
+            </a:r>
+            <a:r>
+              <a:rPr lang="en-US" altLang="ko-KR" dirty="0" smtClean="0">
+                <a:latin typeface="HY헤드라인M" panose="02030600000101010101" pitchFamily="18" charset="-127"/>
+                <a:ea typeface="HY헤드라인M" panose="02030600000101010101" pitchFamily="18" charset="-127"/>
+              </a:rPr>
+              <a:t>Subnet</a:t>
+            </a:r>
+            <a:r>
+              <a:rPr lang="ko-KR" altLang="en-US" dirty="0" smtClean="0">
+                <a:latin typeface="HY헤드라인M" panose="02030600000101010101" pitchFamily="18" charset="-127"/>
+                <a:ea typeface="HY헤드라인M" panose="02030600000101010101" pitchFamily="18" charset="-127"/>
+              </a:rPr>
+              <a:t>을 구성할 수 있다</a:t>
+            </a:r>
+            <a:r>
+              <a:rPr lang="en-US" altLang="ko-KR" dirty="0" smtClean="0">
+                <a:latin typeface="HY헤드라인M" panose="02030600000101010101" pitchFamily="18" charset="-127"/>
+                <a:ea typeface="HY헤드라인M" panose="02030600000101010101" pitchFamily="18" charset="-127"/>
+              </a:rPr>
+              <a:t>.</a:t>
+            </a:r>
+          </a:p>
+          <a:p>
+            <a:endParaRPr lang="en-US" altLang="ko-KR" dirty="0">
+              <a:latin typeface="HY헤드라인M" panose="02030600000101010101" pitchFamily="18" charset="-127"/>
+              <a:ea typeface="HY헤드라인M" panose="02030600000101010101" pitchFamily="18" charset="-127"/>
+            </a:endParaRPr>
+          </a:p>
+          <a:p>
+            <a:r>
+              <a:rPr lang="ko-KR" altLang="en-US" dirty="0" smtClean="0">
+                <a:latin typeface="HY헤드라인M" panose="02030600000101010101" pitchFamily="18" charset="-127"/>
+                <a:ea typeface="HY헤드라인M" panose="02030600000101010101" pitchFamily="18" charset="-127"/>
+              </a:rPr>
+              <a:t>구성된 </a:t>
+            </a:r>
+            <a:r>
+              <a:rPr lang="en-US" altLang="ko-KR" dirty="0" smtClean="0">
+                <a:latin typeface="HY헤드라인M" panose="02030600000101010101" pitchFamily="18" charset="-127"/>
+                <a:ea typeface="HY헤드라인M" panose="02030600000101010101" pitchFamily="18" charset="-127"/>
+              </a:rPr>
+              <a:t>VLAN </a:t>
+            </a:r>
+            <a:r>
+              <a:rPr lang="ko-KR" altLang="en-US" dirty="0" smtClean="0">
+                <a:latin typeface="HY헤드라인M" panose="02030600000101010101" pitchFamily="18" charset="-127"/>
+                <a:ea typeface="HY헤드라인M" panose="02030600000101010101" pitchFamily="18" charset="-127"/>
+              </a:rPr>
+              <a:t>및 </a:t>
+            </a:r>
+            <a:r>
+              <a:rPr lang="en-US" altLang="ko-KR" dirty="0" smtClean="0">
+                <a:latin typeface="HY헤드라인M" panose="02030600000101010101" pitchFamily="18" charset="-127"/>
+                <a:ea typeface="HY헤드라인M" panose="02030600000101010101" pitchFamily="18" charset="-127"/>
+              </a:rPr>
+              <a:t>Private VLAN</a:t>
+            </a:r>
+            <a:r>
+              <a:rPr lang="ko-KR" altLang="en-US" dirty="0" smtClean="0">
+                <a:latin typeface="HY헤드라인M" panose="02030600000101010101" pitchFamily="18" charset="-127"/>
+                <a:ea typeface="HY헤드라인M" panose="02030600000101010101" pitchFamily="18" charset="-127"/>
+              </a:rPr>
+              <a:t>에 </a:t>
+            </a:r>
+            <a:r>
+              <a:rPr lang="en-US" altLang="ko-KR" dirty="0" smtClean="0">
+                <a:latin typeface="HY헤드라인M" panose="02030600000101010101" pitchFamily="18" charset="-127"/>
+                <a:ea typeface="HY헤드라인M" panose="02030600000101010101" pitchFamily="18" charset="-127"/>
+              </a:rPr>
+              <a:t>IP</a:t>
+            </a:r>
+            <a:r>
+              <a:rPr lang="ko-KR" altLang="en-US" dirty="0" smtClean="0">
+                <a:latin typeface="HY헤드라인M" panose="02030600000101010101" pitchFamily="18" charset="-127"/>
+                <a:ea typeface="HY헤드라인M" panose="02030600000101010101" pitchFamily="18" charset="-127"/>
+              </a:rPr>
+              <a:t>를 설정할 수 있다</a:t>
+            </a:r>
+            <a:r>
+              <a:rPr lang="en-US" altLang="ko-KR" dirty="0" smtClean="0">
+                <a:latin typeface="HY헤드라인M" panose="02030600000101010101" pitchFamily="18" charset="-127"/>
+                <a:ea typeface="HY헤드라인M" panose="02030600000101010101" pitchFamily="18" charset="-127"/>
+              </a:rPr>
+              <a:t>.</a:t>
+            </a:r>
+          </a:p>
+          <a:p>
+            <a:endParaRPr lang="en-US" altLang="ko-KR" dirty="0">
+              <a:latin typeface="HY헤드라인M" panose="02030600000101010101" pitchFamily="18" charset="-127"/>
+              <a:ea typeface="HY헤드라인M" panose="02030600000101010101" pitchFamily="18" charset="-127"/>
+            </a:endParaRPr>
+          </a:p>
+          <a:p>
+            <a:r>
+              <a:rPr lang="en-US" altLang="ko-KR" dirty="0" smtClean="0">
+                <a:latin typeface="HY헤드라인M" panose="02030600000101010101" pitchFamily="18" charset="-127"/>
+                <a:ea typeface="HY헤드라인M" panose="02030600000101010101" pitchFamily="18" charset="-127"/>
+              </a:rPr>
+              <a:t>VLAN </a:t>
+            </a:r>
+            <a:r>
+              <a:rPr lang="ko-KR" altLang="en-US" dirty="0" smtClean="0">
+                <a:latin typeface="HY헤드라인M" panose="02030600000101010101" pitchFamily="18" charset="-127"/>
+                <a:ea typeface="HY헤드라인M" panose="02030600000101010101" pitchFamily="18" charset="-127"/>
+              </a:rPr>
+              <a:t>및 </a:t>
+            </a:r>
+            <a:r>
+              <a:rPr lang="en-US" altLang="ko-KR" dirty="0" smtClean="0">
+                <a:latin typeface="HY헤드라인M" panose="02030600000101010101" pitchFamily="18" charset="-127"/>
+                <a:ea typeface="HY헤드라인M" panose="02030600000101010101" pitchFamily="18" charset="-127"/>
+              </a:rPr>
+              <a:t>Private VLAN</a:t>
+            </a:r>
+            <a:r>
+              <a:rPr lang="ko-KR" altLang="en-US" dirty="0" smtClean="0">
+                <a:latin typeface="HY헤드라인M" panose="02030600000101010101" pitchFamily="18" charset="-127"/>
+                <a:ea typeface="HY헤드라인M" panose="02030600000101010101" pitchFamily="18" charset="-127"/>
+              </a:rPr>
+              <a:t>의 통신 상태를 점검할 수 있다</a:t>
+            </a:r>
+            <a:r>
+              <a:rPr lang="en-US" altLang="ko-KR" dirty="0" smtClean="0">
+                <a:latin typeface="HY헤드라인M" panose="02030600000101010101" pitchFamily="18" charset="-127"/>
+                <a:ea typeface="HY헤드라인M" panose="02030600000101010101" pitchFamily="18" charset="-127"/>
+              </a:rPr>
+              <a:t>.</a:t>
             </a:r>
             <a:endParaRPr lang="ko-KR" altLang="en-US" dirty="0">
               <a:latin typeface="HY헤드라인M" panose="02030600000101010101" pitchFamily="18" charset="-127"/>
@@ -21918,70 +22368,347 @@
           </a:fontRef>
         </p:style>
       </p:cxnSp>
+    </p:spTree>
+    <p:extLst>
+      <p:ext uri="{BB962C8B-B14F-4D97-AF65-F5344CB8AC3E}">
+        <p14:creationId xmlns:p14="http://schemas.microsoft.com/office/powerpoint/2010/main" val="3092985206"/>
+      </p:ext>
+    </p:extLst>
+  </p:cSld>
+  <p:clrMapOvr>
+    <a:masterClrMapping/>
+  </p:clrMapOvr>
+  <p:timing>
+    <p:tnLst>
+      <p:par>
+        <p:cTn id="1" dur="indefinite" restart="never" nodeType="tmRoot"/>
+      </p:par>
+    </p:tnLst>
+  </p:timing>
+</p:sld>
+</file>
+
+<file path=ppt/slides/slide52.xml><?xml version="1.0" encoding="utf-8"?>
+<p:sld xmlns:a="http://schemas.openxmlformats.org/drawingml/2006/main" xmlns:r="http://schemas.openxmlformats.org/officeDocument/2006/relationships" xmlns:p="http://schemas.openxmlformats.org/presentationml/2006/main">
+  <p:cSld>
+    <p:spTree>
+      <p:nvGrpSpPr>
+        <p:cNvPr id="1" name=""/>
+        <p:cNvGrpSpPr/>
+        <p:nvPr/>
+      </p:nvGrpSpPr>
+      <p:grpSpPr>
+        <a:xfrm>
+          <a:off x="0" y="0"/>
+          <a:ext cx="0" cy="0"/>
+          <a:chOff x="0" y="0"/>
+          <a:chExt cx="0" cy="0"/>
+        </a:xfrm>
+      </p:grpSpPr>
+      <p:sp>
+        <p:nvSpPr>
+          <p:cNvPr id="2" name="제목 1">
+            <a:extLst>
+              <a:ext uri="{FF2B5EF4-FFF2-40B4-BE49-F238E27FC236}">
+                <a16:creationId xmlns:a16="http://schemas.microsoft.com/office/drawing/2014/main" id="{0B510ACA-92C1-4DB2-B891-D4872C9B4F9C}"/>
+              </a:ext>
+            </a:extLst>
+          </p:cNvPr>
+          <p:cNvSpPr>
+            <a:spLocks noGrp="1"/>
+          </p:cNvSpPr>
+          <p:nvPr>
+            <p:ph type="title"/>
+          </p:nvPr>
+        </p:nvSpPr>
+        <p:spPr>
+          <a:xfrm>
+            <a:off x="838200" y="365125"/>
+            <a:ext cx="10515600" cy="1325563"/>
+          </a:xfrm>
+        </p:spPr>
+        <p:txBody>
+          <a:bodyPr/>
+          <a:lstStyle/>
+          <a:p>
+            <a:r>
+              <a:rPr lang="en-US" altLang="ko-KR" dirty="0">
+                <a:latin typeface="HY헤드라인M" panose="02030600000101010101" pitchFamily="18" charset="-127"/>
+                <a:ea typeface="HY헤드라인M" panose="02030600000101010101" pitchFamily="18" charset="-127"/>
+              </a:rPr>
+              <a:t>1. </a:t>
+            </a:r>
+            <a:r>
+              <a:rPr lang="en-US" altLang="ko-KR" dirty="0" smtClean="0">
+                <a:latin typeface="HY헤드라인M" panose="02030600000101010101" pitchFamily="18" charset="-127"/>
+                <a:ea typeface="HY헤드라인M" panose="02030600000101010101" pitchFamily="18" charset="-127"/>
+              </a:rPr>
+              <a:t>VLAN(Virtual LAN)</a:t>
+            </a:r>
+            <a:endParaRPr lang="ko-KR" altLang="en-US" dirty="0">
+              <a:latin typeface="HY헤드라인M" panose="02030600000101010101" pitchFamily="18" charset="-127"/>
+              <a:ea typeface="HY헤드라인M" panose="02030600000101010101" pitchFamily="18" charset="-127"/>
+            </a:endParaRPr>
+          </a:p>
+        </p:txBody>
+      </p:sp>
+      <p:cxnSp>
+        <p:nvCxnSpPr>
+          <p:cNvPr id="4" name="직선 연결선 3">
+            <a:extLst>
+              <a:ext uri="{FF2B5EF4-FFF2-40B4-BE49-F238E27FC236}">
+                <a16:creationId xmlns:a16="http://schemas.microsoft.com/office/drawing/2014/main" id="{B52E875F-886D-4368-BB96-91473E4BD429}"/>
+              </a:ext>
+            </a:extLst>
+          </p:cNvPr>
+          <p:cNvCxnSpPr>
+            <a:cxnSpLocks/>
+          </p:cNvCxnSpPr>
+          <p:nvPr/>
+        </p:nvCxnSpPr>
+        <p:spPr>
+          <a:xfrm>
+            <a:off x="494950" y="1560352"/>
+            <a:ext cx="11216081" cy="0"/>
+          </a:xfrm>
+          <a:prstGeom prst="line">
+            <a:avLst/>
+          </a:prstGeom>
+          <a:ln w="38100">
+            <a:solidFill>
+              <a:schemeClr val="accent6">
+                <a:lumMod val="60000"/>
+                <a:lumOff val="40000"/>
+              </a:schemeClr>
+            </a:solidFill>
+          </a:ln>
+        </p:spPr>
+        <p:style>
+          <a:lnRef idx="1">
+            <a:schemeClr val="accent6"/>
+          </a:lnRef>
+          <a:fillRef idx="0">
+            <a:schemeClr val="accent6"/>
+          </a:fillRef>
+          <a:effectRef idx="0">
+            <a:schemeClr val="accent6"/>
+          </a:effectRef>
+          <a:fontRef idx="minor">
+            <a:schemeClr val="tx1"/>
+          </a:fontRef>
+        </p:style>
+      </p:cxnSp>
+      <p:cxnSp>
+        <p:nvCxnSpPr>
+          <p:cNvPr id="6" name="직선 연결선 5">
+            <a:extLst>
+              <a:ext uri="{FF2B5EF4-FFF2-40B4-BE49-F238E27FC236}">
+                <a16:creationId xmlns:a16="http://schemas.microsoft.com/office/drawing/2014/main" id="{18BBC0F2-0F71-4015-8396-16B4367F8F99}"/>
+              </a:ext>
+            </a:extLst>
+          </p:cNvPr>
+          <p:cNvCxnSpPr>
+            <a:cxnSpLocks/>
+          </p:cNvCxnSpPr>
+          <p:nvPr/>
+        </p:nvCxnSpPr>
+        <p:spPr>
+          <a:xfrm>
+            <a:off x="662730" y="367018"/>
+            <a:ext cx="0" cy="3061982"/>
+          </a:xfrm>
+          <a:prstGeom prst="line">
+            <a:avLst/>
+          </a:prstGeom>
+          <a:ln w="57150"/>
+        </p:spPr>
+        <p:style>
+          <a:lnRef idx="1">
+            <a:schemeClr val="accent1"/>
+          </a:lnRef>
+          <a:fillRef idx="0">
+            <a:schemeClr val="accent1"/>
+          </a:fillRef>
+          <a:effectRef idx="0">
+            <a:schemeClr val="accent1"/>
+          </a:effectRef>
+          <a:fontRef idx="minor">
+            <a:schemeClr val="tx1"/>
+          </a:fontRef>
+        </p:style>
+      </p:cxnSp>
+      <p:sp>
+        <p:nvSpPr>
+          <p:cNvPr id="12" name="내용 개체 틀 11">
+            <a:extLst>
+              <a:ext uri="{FF2B5EF4-FFF2-40B4-BE49-F238E27FC236}">
+                <a16:creationId xmlns:a16="http://schemas.microsoft.com/office/drawing/2014/main" id="{43B55186-9BD8-4F9F-80C3-5F4F8EE8588C}"/>
+              </a:ext>
+            </a:extLst>
+          </p:cNvPr>
+          <p:cNvSpPr>
+            <a:spLocks noGrp="1"/>
+          </p:cNvSpPr>
+          <p:nvPr>
+            <p:ph idx="1"/>
+          </p:nvPr>
+        </p:nvSpPr>
+        <p:spPr>
+          <a:xfrm>
+            <a:off x="838200" y="1825625"/>
+            <a:ext cx="6049161" cy="4351338"/>
+          </a:xfrm>
+        </p:spPr>
+        <p:txBody>
+          <a:bodyPr/>
+          <a:lstStyle/>
+          <a:p>
+            <a:pPr>
+              <a:buFont typeface="Wingdings" panose="05000000000000000000" pitchFamily="2" charset="2"/>
+              <a:buChar char="§"/>
+            </a:pPr>
+            <a:r>
+              <a:rPr lang="en-US" altLang="ko-KR" dirty="0" smtClean="0"/>
+              <a:t>VLAN</a:t>
+            </a:r>
+          </a:p>
+          <a:p>
+            <a:pPr marL="914400" lvl="1" indent="-457200">
+              <a:buSzPct val="100000"/>
+              <a:buFont typeface="+mj-ea"/>
+              <a:buAutoNum type="circleNumDbPlain"/>
+            </a:pPr>
+            <a:r>
+              <a:rPr lang="ko-KR" altLang="en-US" dirty="0" smtClean="0"/>
+              <a:t>논리적으로 분할된 스위치 네트워크</a:t>
+            </a:r>
+            <a:r>
+              <a:rPr lang="en-US" altLang="ko-KR" dirty="0" smtClean="0"/>
+              <a:t>.</a:t>
+            </a:r>
+          </a:p>
+          <a:p>
+            <a:pPr marL="914400" lvl="1" indent="-457200">
+              <a:buSzPct val="100000"/>
+              <a:buFont typeface="+mj-ea"/>
+              <a:buAutoNum type="circleNumDbPlain"/>
+            </a:pPr>
+            <a:r>
+              <a:rPr lang="en-US" altLang="ko-KR" dirty="0" smtClean="0"/>
+              <a:t>VLAN</a:t>
+            </a:r>
+            <a:r>
+              <a:rPr lang="ko-KR" altLang="en-US" dirty="0" smtClean="0"/>
+              <a:t>이 없으면 한 포트에서 수신한 </a:t>
+            </a:r>
+            <a:r>
+              <a:rPr lang="en-US" altLang="ko-KR" dirty="0" smtClean="0"/>
+              <a:t>Broadcast </a:t>
+            </a:r>
+            <a:r>
+              <a:rPr lang="ko-KR" altLang="en-US" dirty="0" smtClean="0"/>
+              <a:t>프레임을 동일 </a:t>
+            </a:r>
+            <a:r>
+              <a:rPr lang="ko-KR" altLang="en-US" dirty="0" err="1" smtClean="0"/>
+              <a:t>스위치뿐만</a:t>
+            </a:r>
+            <a:r>
+              <a:rPr lang="ko-KR" altLang="en-US" dirty="0" smtClean="0"/>
+              <a:t> 아니라 다른 스위치로도 </a:t>
+            </a:r>
+            <a:r>
+              <a:rPr lang="ko-KR" altLang="en-US" dirty="0" err="1" smtClean="0"/>
+              <a:t>플러딩</a:t>
+            </a:r>
+            <a:r>
+              <a:rPr lang="en-US" altLang="ko-KR" dirty="0" smtClean="0"/>
+              <a:t>(flooding).</a:t>
+            </a:r>
+          </a:p>
+          <a:p>
+            <a:pPr marL="914400" lvl="1" indent="-457200">
+              <a:buSzPct val="100000"/>
+              <a:buFont typeface="+mj-ea"/>
+              <a:buAutoNum type="circleNumDbPlain"/>
+            </a:pPr>
+            <a:r>
+              <a:rPr lang="ko-KR" altLang="en-US" dirty="0" smtClean="0"/>
+              <a:t>결과적으로 성능과 보안에 문제가 발생</a:t>
+            </a:r>
+            <a:r>
+              <a:rPr lang="en-US" altLang="ko-KR" dirty="0" smtClean="0"/>
+              <a:t>.</a:t>
+            </a:r>
+          </a:p>
+          <a:p>
+            <a:pPr marL="914400" lvl="1" indent="-457200">
+              <a:buSzPct val="100000"/>
+              <a:buFont typeface="+mj-ea"/>
+              <a:buAutoNum type="circleNumDbPlain"/>
+            </a:pPr>
+            <a:r>
+              <a:rPr lang="en-US" altLang="ko-KR" dirty="0" smtClean="0"/>
+              <a:t>VLAN</a:t>
+            </a:r>
+            <a:r>
+              <a:rPr lang="ko-KR" altLang="en-US" dirty="0" smtClean="0"/>
+              <a:t>은 </a:t>
+            </a:r>
+            <a:r>
+              <a:rPr lang="ko-KR" altLang="en-US" dirty="0" err="1" smtClean="0"/>
+              <a:t>브로드캐스트</a:t>
+            </a:r>
+            <a:r>
+              <a:rPr lang="en-US" altLang="ko-KR" dirty="0" smtClean="0"/>
+              <a:t>(Broadcast)</a:t>
+            </a:r>
+            <a:r>
+              <a:rPr lang="ko-KR" altLang="en-US" dirty="0" smtClean="0"/>
+              <a:t> 도메인 분할</a:t>
+            </a:r>
+            <a:r>
+              <a:rPr lang="en-US" altLang="ko-KR" dirty="0" smtClean="0"/>
+              <a:t>, </a:t>
+            </a:r>
+            <a:r>
+              <a:rPr lang="ko-KR" altLang="en-US" dirty="0" err="1" smtClean="0"/>
+              <a:t>보안성</a:t>
+            </a:r>
+            <a:r>
+              <a:rPr lang="ko-KR" altLang="en-US" dirty="0" smtClean="0"/>
+              <a:t> 강호</a:t>
+            </a:r>
+            <a:r>
+              <a:rPr lang="en-US" altLang="ko-KR" dirty="0" smtClean="0"/>
+              <a:t>, </a:t>
+            </a:r>
+            <a:r>
+              <a:rPr lang="ko-KR" altLang="en-US" dirty="0" smtClean="0"/>
+              <a:t>부하 분산 등 역할</a:t>
+            </a:r>
+            <a:endParaRPr lang="ko-KR" altLang="en-US" dirty="0"/>
+          </a:p>
+        </p:txBody>
+      </p:sp>
       <p:pic>
         <p:nvPicPr>
-          <p:cNvPr id="5" name="그림 4"/>
+          <p:cNvPr id="3" name="그림 2"/>
           <p:cNvPicPr>
             <a:picLocks noChangeAspect="1"/>
           </p:cNvPicPr>
           <p:nvPr/>
         </p:nvPicPr>
-        <p:blipFill rotWithShape="1">
+        <p:blipFill>
           <a:blip r:embed="rId2"/>
-          <a:srcRect t="18148" r="9851" b="72288"/>
-          <a:stretch/>
-        </p:blipFill>
-        <p:spPr>
-          <a:xfrm>
-            <a:off x="846589" y="1901013"/>
-            <a:ext cx="10864442" cy="473229"/>
-          </a:xfrm>
-          <a:prstGeom prst="rect">
-            <a:avLst/>
-          </a:prstGeom>
-        </p:spPr>
-      </p:pic>
-      <p:pic>
-        <p:nvPicPr>
-          <p:cNvPr id="9" name="그림 8"/>
-          <p:cNvPicPr>
-            <a:picLocks noChangeAspect="1"/>
-          </p:cNvPicPr>
-          <p:nvPr/>
-        </p:nvPicPr>
-        <p:blipFill rotWithShape="1">
-          <a:blip r:embed="rId2"/>
-          <a:srcRect t="40730" r="41320" b="17327"/>
-          <a:stretch/>
-        </p:blipFill>
-        <p:spPr>
-          <a:xfrm>
-            <a:off x="846589" y="2474753"/>
-            <a:ext cx="7071920" cy="1384184"/>
-          </a:xfrm>
-          <a:prstGeom prst="rect">
-            <a:avLst/>
-          </a:prstGeom>
-        </p:spPr>
-      </p:pic>
-      <p:pic>
-        <p:nvPicPr>
-          <p:cNvPr id="10" name="그림 9"/>
-          <p:cNvPicPr>
-            <a:picLocks noChangeAspect="1"/>
-          </p:cNvPicPr>
-          <p:nvPr/>
-        </p:nvPicPr>
-        <p:blipFill>
-          <a:blip r:embed="rId3"/>
           <a:stretch>
             <a:fillRect/>
           </a:stretch>
         </p:blipFill>
         <p:spPr>
           <a:xfrm>
-            <a:off x="1099018" y="4646190"/>
-            <a:ext cx="2756093" cy="1041546"/>
+            <a:off x="7062830" y="2418126"/>
+            <a:ext cx="4824293" cy="2875327"/>
           </a:xfrm>
           <a:prstGeom prst="rect">
             <a:avLst/>
@@ -22005,13 +22732,2426 @@
     </p:spTree>
     <p:extLst>
       <p:ext uri="{BB962C8B-B14F-4D97-AF65-F5344CB8AC3E}">
-        <p14:creationId xmlns:p14="http://schemas.microsoft.com/office/powerpoint/2010/main" val="949317208"/>
+        <p14:creationId xmlns:p14="http://schemas.microsoft.com/office/powerpoint/2010/main" val="877093364"/>
       </p:ext>
     </p:extLst>
   </p:cSld>
   <p:clrMapOvr>
     <a:masterClrMapping/>
   </p:clrMapOvr>
+  <p:timing>
+    <p:tnLst>
+      <p:par>
+        <p:cTn id="1" dur="indefinite" restart="never" nodeType="tmRoot"/>
+      </p:par>
+    </p:tnLst>
+  </p:timing>
+</p:sld>
+</file>
+
+<file path=ppt/slides/slide53.xml><?xml version="1.0" encoding="utf-8"?>
+<p:sld xmlns:a="http://schemas.openxmlformats.org/drawingml/2006/main" xmlns:r="http://schemas.openxmlformats.org/officeDocument/2006/relationships" xmlns:p="http://schemas.openxmlformats.org/presentationml/2006/main">
+  <p:cSld>
+    <p:spTree>
+      <p:nvGrpSpPr>
+        <p:cNvPr id="1" name=""/>
+        <p:cNvGrpSpPr/>
+        <p:nvPr/>
+      </p:nvGrpSpPr>
+      <p:grpSpPr>
+        <a:xfrm>
+          <a:off x="0" y="0"/>
+          <a:ext cx="0" cy="0"/>
+          <a:chOff x="0" y="0"/>
+          <a:chExt cx="0" cy="0"/>
+        </a:xfrm>
+      </p:grpSpPr>
+      <p:sp>
+        <p:nvSpPr>
+          <p:cNvPr id="2" name="제목 1">
+            <a:extLst>
+              <a:ext uri="{FF2B5EF4-FFF2-40B4-BE49-F238E27FC236}">
+                <a16:creationId xmlns:a16="http://schemas.microsoft.com/office/drawing/2014/main" id="{0B510ACA-92C1-4DB2-B891-D4872C9B4F9C}"/>
+              </a:ext>
+            </a:extLst>
+          </p:cNvPr>
+          <p:cNvSpPr>
+            <a:spLocks noGrp="1"/>
+          </p:cNvSpPr>
+          <p:nvPr>
+            <p:ph type="title"/>
+          </p:nvPr>
+        </p:nvSpPr>
+        <p:spPr>
+          <a:xfrm>
+            <a:off x="838200" y="365125"/>
+            <a:ext cx="10515600" cy="1325563"/>
+          </a:xfrm>
+        </p:spPr>
+        <p:txBody>
+          <a:bodyPr/>
+          <a:lstStyle/>
+          <a:p>
+            <a:r>
+              <a:rPr lang="en-US" altLang="ko-KR" dirty="0">
+                <a:latin typeface="HY헤드라인M" panose="02030600000101010101" pitchFamily="18" charset="-127"/>
+                <a:ea typeface="HY헤드라인M" panose="02030600000101010101" pitchFamily="18" charset="-127"/>
+              </a:rPr>
+              <a:t>1. </a:t>
+            </a:r>
+            <a:r>
+              <a:rPr lang="en-US" altLang="ko-KR" dirty="0" smtClean="0">
+                <a:latin typeface="HY헤드라인M" panose="02030600000101010101" pitchFamily="18" charset="-127"/>
+                <a:ea typeface="HY헤드라인M" panose="02030600000101010101" pitchFamily="18" charset="-127"/>
+              </a:rPr>
+              <a:t>VLAN(Virtual LAN)</a:t>
+            </a:r>
+            <a:endParaRPr lang="ko-KR" altLang="en-US" dirty="0">
+              <a:latin typeface="HY헤드라인M" panose="02030600000101010101" pitchFamily="18" charset="-127"/>
+              <a:ea typeface="HY헤드라인M" panose="02030600000101010101" pitchFamily="18" charset="-127"/>
+            </a:endParaRPr>
+          </a:p>
+        </p:txBody>
+      </p:sp>
+      <p:cxnSp>
+        <p:nvCxnSpPr>
+          <p:cNvPr id="4" name="직선 연결선 3">
+            <a:extLst>
+              <a:ext uri="{FF2B5EF4-FFF2-40B4-BE49-F238E27FC236}">
+                <a16:creationId xmlns:a16="http://schemas.microsoft.com/office/drawing/2014/main" id="{B52E875F-886D-4368-BB96-91473E4BD429}"/>
+              </a:ext>
+            </a:extLst>
+          </p:cNvPr>
+          <p:cNvCxnSpPr>
+            <a:cxnSpLocks/>
+          </p:cNvCxnSpPr>
+          <p:nvPr/>
+        </p:nvCxnSpPr>
+        <p:spPr>
+          <a:xfrm>
+            <a:off x="494950" y="1560352"/>
+            <a:ext cx="11216081" cy="0"/>
+          </a:xfrm>
+          <a:prstGeom prst="line">
+            <a:avLst/>
+          </a:prstGeom>
+          <a:ln w="38100">
+            <a:solidFill>
+              <a:schemeClr val="accent6">
+                <a:lumMod val="60000"/>
+                <a:lumOff val="40000"/>
+              </a:schemeClr>
+            </a:solidFill>
+          </a:ln>
+        </p:spPr>
+        <p:style>
+          <a:lnRef idx="1">
+            <a:schemeClr val="accent6"/>
+          </a:lnRef>
+          <a:fillRef idx="0">
+            <a:schemeClr val="accent6"/>
+          </a:fillRef>
+          <a:effectRef idx="0">
+            <a:schemeClr val="accent6"/>
+          </a:effectRef>
+          <a:fontRef idx="minor">
+            <a:schemeClr val="tx1"/>
+          </a:fontRef>
+        </p:style>
+      </p:cxnSp>
+      <p:cxnSp>
+        <p:nvCxnSpPr>
+          <p:cNvPr id="6" name="직선 연결선 5">
+            <a:extLst>
+              <a:ext uri="{FF2B5EF4-FFF2-40B4-BE49-F238E27FC236}">
+                <a16:creationId xmlns:a16="http://schemas.microsoft.com/office/drawing/2014/main" id="{18BBC0F2-0F71-4015-8396-16B4367F8F99}"/>
+              </a:ext>
+            </a:extLst>
+          </p:cNvPr>
+          <p:cNvCxnSpPr>
+            <a:cxnSpLocks/>
+          </p:cNvCxnSpPr>
+          <p:nvPr/>
+        </p:nvCxnSpPr>
+        <p:spPr>
+          <a:xfrm>
+            <a:off x="662730" y="367018"/>
+            <a:ext cx="0" cy="3061982"/>
+          </a:xfrm>
+          <a:prstGeom prst="line">
+            <a:avLst/>
+          </a:prstGeom>
+          <a:ln w="57150"/>
+        </p:spPr>
+        <p:style>
+          <a:lnRef idx="1">
+            <a:schemeClr val="accent1"/>
+          </a:lnRef>
+          <a:fillRef idx="0">
+            <a:schemeClr val="accent1"/>
+          </a:fillRef>
+          <a:effectRef idx="0">
+            <a:schemeClr val="accent1"/>
+          </a:effectRef>
+          <a:fontRef idx="minor">
+            <a:schemeClr val="tx1"/>
+          </a:fontRef>
+        </p:style>
+      </p:cxnSp>
+      <p:pic>
+        <p:nvPicPr>
+          <p:cNvPr id="7" name="내용 개체 틀 6"/>
+          <p:cNvPicPr>
+            <a:picLocks noGrp="1" noChangeAspect="1"/>
+          </p:cNvPicPr>
+          <p:nvPr>
+            <p:ph idx="1"/>
+          </p:nvPr>
+        </p:nvPicPr>
+        <p:blipFill rotWithShape="1">
+          <a:blip r:embed="rId2"/>
+          <a:srcRect b="50124"/>
+          <a:stretch/>
+        </p:blipFill>
+        <p:spPr>
+          <a:xfrm>
+            <a:off x="957363" y="1690688"/>
+            <a:ext cx="6508840" cy="2646422"/>
+          </a:xfrm>
+          <a:prstGeom prst="rect">
+            <a:avLst/>
+          </a:prstGeom>
+          <a:ln w="38100" cap="sq">
+            <a:solidFill>
+              <a:srgbClr val="000000"/>
+            </a:solidFill>
+            <a:prstDash val="solid"/>
+            <a:miter lim="800000"/>
+          </a:ln>
+          <a:effectLst>
+            <a:outerShdw blurRad="50800" dist="38100" dir="2700000" algn="tl" rotWithShape="0">
+              <a:srgbClr val="000000">
+                <a:alpha val="43000"/>
+              </a:srgbClr>
+            </a:outerShdw>
+          </a:effectLst>
+        </p:spPr>
+      </p:pic>
+      <p:pic>
+        <p:nvPicPr>
+          <p:cNvPr id="9" name="내용 개체 틀 6"/>
+          <p:cNvPicPr>
+            <a:picLocks noChangeAspect="1"/>
+          </p:cNvPicPr>
+          <p:nvPr/>
+        </p:nvPicPr>
+        <p:blipFill rotWithShape="1">
+          <a:blip r:embed="rId2"/>
+          <a:srcRect t="51637"/>
+          <a:stretch/>
+        </p:blipFill>
+        <p:spPr>
+          <a:xfrm>
+            <a:off x="4991451" y="3665989"/>
+            <a:ext cx="6813256" cy="3061982"/>
+          </a:xfrm>
+          <a:prstGeom prst="rect">
+            <a:avLst/>
+          </a:prstGeom>
+          <a:ln w="38100" cap="sq">
+            <a:solidFill>
+              <a:srgbClr val="000000"/>
+            </a:solidFill>
+            <a:prstDash val="solid"/>
+            <a:miter lim="800000"/>
+          </a:ln>
+          <a:effectLst>
+            <a:outerShdw blurRad="50800" dist="38100" dir="2700000" algn="tl" rotWithShape="0">
+              <a:srgbClr val="000000">
+                <a:alpha val="43000"/>
+              </a:srgbClr>
+            </a:outerShdw>
+          </a:effectLst>
+        </p:spPr>
+      </p:pic>
+      <p:sp>
+        <p:nvSpPr>
+          <p:cNvPr id="10" name="사각형: 둥근 모서리 7">
+            <a:extLst>
+              <a:ext uri="{FF2B5EF4-FFF2-40B4-BE49-F238E27FC236}">
+                <a16:creationId xmlns:a16="http://schemas.microsoft.com/office/drawing/2014/main" id="{9E806862-8609-4037-9DDE-28D57EB11A79}"/>
+              </a:ext>
+            </a:extLst>
+          </p:cNvPr>
+          <p:cNvSpPr/>
+          <p:nvPr/>
+        </p:nvSpPr>
+        <p:spPr>
+          <a:xfrm>
+            <a:off x="781894" y="2021745"/>
+            <a:ext cx="6558473" cy="1644243"/>
+          </a:xfrm>
+          <a:prstGeom prst="roundRect">
+            <a:avLst/>
+          </a:prstGeom>
+          <a:noFill/>
+          <a:ln>
+            <a:solidFill>
+              <a:srgbClr val="FF0000"/>
+            </a:solidFill>
+          </a:ln>
+        </p:spPr>
+        <p:style>
+          <a:lnRef idx="2">
+            <a:schemeClr val="accent1">
+              <a:shade val="50000"/>
+            </a:schemeClr>
+          </a:lnRef>
+          <a:fillRef idx="1">
+            <a:schemeClr val="accent1"/>
+          </a:fillRef>
+          <a:effectRef idx="0">
+            <a:schemeClr val="accent1"/>
+          </a:effectRef>
+          <a:fontRef idx="minor">
+            <a:schemeClr val="lt1"/>
+          </a:fontRef>
+        </p:style>
+        <p:txBody>
+          <a:bodyPr rtlCol="0" anchor="ctr"/>
+          <a:lstStyle/>
+          <a:p>
+            <a:pPr algn="ctr"/>
+            <a:endParaRPr lang="ko-KR" altLang="en-US"/>
+          </a:p>
+        </p:txBody>
+      </p:sp>
+      <p:pic>
+        <p:nvPicPr>
+          <p:cNvPr id="11" name="그림 10">
+            <a:extLst>
+              <a:ext uri="{FF2B5EF4-FFF2-40B4-BE49-F238E27FC236}">
+                <a16:creationId xmlns:a16="http://schemas.microsoft.com/office/drawing/2014/main" id="{225B2E3D-6A10-415C-8A00-3FFF785078CB}"/>
+              </a:ext>
+            </a:extLst>
+          </p:cNvPr>
+          <p:cNvPicPr>
+            <a:picLocks noChangeAspect="1"/>
+          </p:cNvPicPr>
+          <p:nvPr/>
+        </p:nvPicPr>
+        <p:blipFill>
+          <a:blip r:embed="rId3"/>
+          <a:stretch>
+            <a:fillRect/>
+          </a:stretch>
+        </p:blipFill>
+        <p:spPr>
+          <a:xfrm>
+            <a:off x="781894" y="5388486"/>
+            <a:ext cx="7372205" cy="923925"/>
+          </a:xfrm>
+          <a:prstGeom prst="rect">
+            <a:avLst/>
+          </a:prstGeom>
+          <a:ln w="38100" cap="sq">
+            <a:solidFill>
+              <a:srgbClr val="000000"/>
+            </a:solidFill>
+            <a:prstDash val="solid"/>
+            <a:miter lim="800000"/>
+          </a:ln>
+          <a:effectLst>
+            <a:outerShdw blurRad="50800" dist="38100" dir="2700000" algn="tl" rotWithShape="0">
+              <a:srgbClr val="000000">
+                <a:alpha val="43000"/>
+              </a:srgbClr>
+            </a:outerShdw>
+          </a:effectLst>
+        </p:spPr>
+      </p:pic>
+      <p:sp>
+        <p:nvSpPr>
+          <p:cNvPr id="13" name="사각형: 둥근 모서리 7">
+            <a:extLst>
+              <a:ext uri="{FF2B5EF4-FFF2-40B4-BE49-F238E27FC236}">
+                <a16:creationId xmlns:a16="http://schemas.microsoft.com/office/drawing/2014/main" id="{9E806862-8609-4037-9DDE-28D57EB11A79}"/>
+              </a:ext>
+            </a:extLst>
+          </p:cNvPr>
+          <p:cNvSpPr/>
+          <p:nvPr/>
+        </p:nvSpPr>
+        <p:spPr>
+          <a:xfrm>
+            <a:off x="3867325" y="5536734"/>
+            <a:ext cx="4286774" cy="673872"/>
+          </a:xfrm>
+          <a:prstGeom prst="roundRect">
+            <a:avLst/>
+          </a:prstGeom>
+          <a:noFill/>
+          <a:ln w="57150">
+            <a:solidFill>
+              <a:srgbClr val="FF0000"/>
+            </a:solidFill>
+          </a:ln>
+        </p:spPr>
+        <p:style>
+          <a:lnRef idx="2">
+            <a:schemeClr val="accent1">
+              <a:shade val="50000"/>
+            </a:schemeClr>
+          </a:lnRef>
+          <a:fillRef idx="1">
+            <a:schemeClr val="accent1"/>
+          </a:fillRef>
+          <a:effectRef idx="0">
+            <a:schemeClr val="accent1"/>
+          </a:effectRef>
+          <a:fontRef idx="minor">
+            <a:schemeClr val="lt1"/>
+          </a:fontRef>
+        </p:style>
+        <p:txBody>
+          <a:bodyPr rtlCol="0" anchor="ctr"/>
+          <a:lstStyle/>
+          <a:p>
+            <a:pPr algn="ctr"/>
+            <a:endParaRPr lang="ko-KR" altLang="en-US"/>
+          </a:p>
+        </p:txBody>
+      </p:sp>
+      <p:cxnSp>
+        <p:nvCxnSpPr>
+          <p:cNvPr id="14" name="직선 화살표 연결선 13"/>
+          <p:cNvCxnSpPr>
+            <a:endCxn id="13" idx="0"/>
+          </p:cNvCxnSpPr>
+          <p:nvPr/>
+        </p:nvCxnSpPr>
+        <p:spPr>
+          <a:xfrm>
+            <a:off x="4043494" y="3665988"/>
+            <a:ext cx="1967218" cy="1870746"/>
+          </a:xfrm>
+          <a:prstGeom prst="straightConnector1">
+            <a:avLst/>
+          </a:prstGeom>
+          <a:ln w="38100">
+            <a:solidFill>
+              <a:srgbClr val="FF0000"/>
+            </a:solidFill>
+            <a:tailEnd type="triangle"/>
+          </a:ln>
+        </p:spPr>
+        <p:style>
+          <a:lnRef idx="1">
+            <a:schemeClr val="accent1"/>
+          </a:lnRef>
+          <a:fillRef idx="0">
+            <a:schemeClr val="accent1"/>
+          </a:fillRef>
+          <a:effectRef idx="0">
+            <a:schemeClr val="accent1"/>
+          </a:effectRef>
+          <a:fontRef idx="minor">
+            <a:schemeClr val="tx1"/>
+          </a:fontRef>
+        </p:style>
+      </p:cxnSp>
+    </p:spTree>
+    <p:extLst>
+      <p:ext uri="{BB962C8B-B14F-4D97-AF65-F5344CB8AC3E}">
+        <p14:creationId xmlns:p14="http://schemas.microsoft.com/office/powerpoint/2010/main" val="384712516"/>
+      </p:ext>
+    </p:extLst>
+  </p:cSld>
+  <p:clrMapOvr>
+    <a:masterClrMapping/>
+  </p:clrMapOvr>
+  <p:timing>
+    <p:tnLst>
+      <p:par>
+        <p:cTn id="1" dur="indefinite" restart="never" nodeType="tmRoot"/>
+      </p:par>
+    </p:tnLst>
+  </p:timing>
+</p:sld>
+</file>
+
+<file path=ppt/slides/slide54.xml><?xml version="1.0" encoding="utf-8"?>
+<p:sld xmlns:a="http://schemas.openxmlformats.org/drawingml/2006/main" xmlns:r="http://schemas.openxmlformats.org/officeDocument/2006/relationships" xmlns:p="http://schemas.openxmlformats.org/presentationml/2006/main">
+  <p:cSld>
+    <p:spTree>
+      <p:nvGrpSpPr>
+        <p:cNvPr id="1" name=""/>
+        <p:cNvGrpSpPr/>
+        <p:nvPr/>
+      </p:nvGrpSpPr>
+      <p:grpSpPr>
+        <a:xfrm>
+          <a:off x="0" y="0"/>
+          <a:ext cx="0" cy="0"/>
+          <a:chOff x="0" y="0"/>
+          <a:chExt cx="0" cy="0"/>
+        </a:xfrm>
+      </p:grpSpPr>
+      <p:sp>
+        <p:nvSpPr>
+          <p:cNvPr id="2" name="제목 1">
+            <a:extLst>
+              <a:ext uri="{FF2B5EF4-FFF2-40B4-BE49-F238E27FC236}">
+                <a16:creationId xmlns:a16="http://schemas.microsoft.com/office/drawing/2014/main" id="{0B510ACA-92C1-4DB2-B891-D4872C9B4F9C}"/>
+              </a:ext>
+            </a:extLst>
+          </p:cNvPr>
+          <p:cNvSpPr>
+            <a:spLocks noGrp="1"/>
+          </p:cNvSpPr>
+          <p:nvPr>
+            <p:ph type="title"/>
+          </p:nvPr>
+        </p:nvSpPr>
+        <p:spPr>
+          <a:xfrm>
+            <a:off x="838200" y="365125"/>
+            <a:ext cx="10515600" cy="1325563"/>
+          </a:xfrm>
+        </p:spPr>
+        <p:txBody>
+          <a:bodyPr/>
+          <a:lstStyle/>
+          <a:p>
+            <a:r>
+              <a:rPr lang="en-US" altLang="ko-KR" dirty="0">
+                <a:latin typeface="HY헤드라인M" panose="02030600000101010101" pitchFamily="18" charset="-127"/>
+                <a:ea typeface="HY헤드라인M" panose="02030600000101010101" pitchFamily="18" charset="-127"/>
+              </a:rPr>
+              <a:t>1. </a:t>
+            </a:r>
+            <a:r>
+              <a:rPr lang="en-US" altLang="ko-KR" dirty="0" smtClean="0">
+                <a:latin typeface="HY헤드라인M" panose="02030600000101010101" pitchFamily="18" charset="-127"/>
+                <a:ea typeface="HY헤드라인M" panose="02030600000101010101" pitchFamily="18" charset="-127"/>
+              </a:rPr>
+              <a:t>VLAN(Virtual LAN)</a:t>
+            </a:r>
+            <a:endParaRPr lang="ko-KR" altLang="en-US" dirty="0">
+              <a:latin typeface="HY헤드라인M" panose="02030600000101010101" pitchFamily="18" charset="-127"/>
+              <a:ea typeface="HY헤드라인M" panose="02030600000101010101" pitchFamily="18" charset="-127"/>
+            </a:endParaRPr>
+          </a:p>
+        </p:txBody>
+      </p:sp>
+      <p:cxnSp>
+        <p:nvCxnSpPr>
+          <p:cNvPr id="4" name="직선 연결선 3">
+            <a:extLst>
+              <a:ext uri="{FF2B5EF4-FFF2-40B4-BE49-F238E27FC236}">
+                <a16:creationId xmlns:a16="http://schemas.microsoft.com/office/drawing/2014/main" id="{B52E875F-886D-4368-BB96-91473E4BD429}"/>
+              </a:ext>
+            </a:extLst>
+          </p:cNvPr>
+          <p:cNvCxnSpPr>
+            <a:cxnSpLocks/>
+          </p:cNvCxnSpPr>
+          <p:nvPr/>
+        </p:nvCxnSpPr>
+        <p:spPr>
+          <a:xfrm>
+            <a:off x="494950" y="1560352"/>
+            <a:ext cx="11216081" cy="0"/>
+          </a:xfrm>
+          <a:prstGeom prst="line">
+            <a:avLst/>
+          </a:prstGeom>
+          <a:ln w="38100">
+            <a:solidFill>
+              <a:schemeClr val="accent6">
+                <a:lumMod val="60000"/>
+                <a:lumOff val="40000"/>
+              </a:schemeClr>
+            </a:solidFill>
+          </a:ln>
+        </p:spPr>
+        <p:style>
+          <a:lnRef idx="1">
+            <a:schemeClr val="accent6"/>
+          </a:lnRef>
+          <a:fillRef idx="0">
+            <a:schemeClr val="accent6"/>
+          </a:fillRef>
+          <a:effectRef idx="0">
+            <a:schemeClr val="accent6"/>
+          </a:effectRef>
+          <a:fontRef idx="minor">
+            <a:schemeClr val="tx1"/>
+          </a:fontRef>
+        </p:style>
+      </p:cxnSp>
+      <p:cxnSp>
+        <p:nvCxnSpPr>
+          <p:cNvPr id="6" name="직선 연결선 5">
+            <a:extLst>
+              <a:ext uri="{FF2B5EF4-FFF2-40B4-BE49-F238E27FC236}">
+                <a16:creationId xmlns:a16="http://schemas.microsoft.com/office/drawing/2014/main" id="{18BBC0F2-0F71-4015-8396-16B4367F8F99}"/>
+              </a:ext>
+            </a:extLst>
+          </p:cNvPr>
+          <p:cNvCxnSpPr>
+            <a:cxnSpLocks/>
+          </p:cNvCxnSpPr>
+          <p:nvPr/>
+        </p:nvCxnSpPr>
+        <p:spPr>
+          <a:xfrm>
+            <a:off x="662730" y="367018"/>
+            <a:ext cx="0" cy="3061982"/>
+          </a:xfrm>
+          <a:prstGeom prst="line">
+            <a:avLst/>
+          </a:prstGeom>
+          <a:ln w="57150"/>
+        </p:spPr>
+        <p:style>
+          <a:lnRef idx="1">
+            <a:schemeClr val="accent1"/>
+          </a:lnRef>
+          <a:fillRef idx="0">
+            <a:schemeClr val="accent1"/>
+          </a:fillRef>
+          <a:effectRef idx="0">
+            <a:schemeClr val="accent1"/>
+          </a:effectRef>
+          <a:fontRef idx="minor">
+            <a:schemeClr val="tx1"/>
+          </a:fontRef>
+        </p:style>
+      </p:cxnSp>
+      <p:graphicFrame>
+        <p:nvGraphicFramePr>
+          <p:cNvPr id="3" name="내용 개체 틀 2"/>
+          <p:cNvGraphicFramePr>
+            <a:graphicFrameLocks noGrp="1"/>
+          </p:cNvGraphicFramePr>
+          <p:nvPr>
+            <p:ph idx="1"/>
+            <p:extLst>
+              <p:ext uri="{D42A27DB-BD31-4B8C-83A1-F6EECF244321}">
+                <p14:modId xmlns:p14="http://schemas.microsoft.com/office/powerpoint/2010/main" val="2836927162"/>
+              </p:ext>
+            </p:extLst>
+          </p:nvPr>
+        </p:nvGraphicFramePr>
+        <p:xfrm>
+          <a:off x="838199" y="1825625"/>
+          <a:ext cx="4203583" cy="1112520"/>
+        </p:xfrm>
+        <a:graphic>
+          <a:graphicData uri="http://schemas.openxmlformats.org/drawingml/2006/table">
+            <a:tbl>
+              <a:tblPr firstRow="1" bandRow="1">
+                <a:tableStyleId>{5940675A-B579-460E-94D1-54222C63F5DA}</a:tableStyleId>
+              </a:tblPr>
+              <a:tblGrid>
+                <a:gridCol w="2475452">
+                  <a:extLst>
+                    <a:ext uri="{9D8B030D-6E8A-4147-A177-3AD203B41FA5}">
+                      <a16:colId xmlns:a16="http://schemas.microsoft.com/office/drawing/2014/main" val="1112251720"/>
+                    </a:ext>
+                  </a:extLst>
+                </a:gridCol>
+                <a:gridCol w="1728131">
+                  <a:extLst>
+                    <a:ext uri="{9D8B030D-6E8A-4147-A177-3AD203B41FA5}">
+                      <a16:colId xmlns:a16="http://schemas.microsoft.com/office/drawing/2014/main" val="652266239"/>
+                    </a:ext>
+                  </a:extLst>
+                </a:gridCol>
+              </a:tblGrid>
+              <a:tr h="370840">
+                <a:tc>
+                  <a:txBody>
+                    <a:bodyPr/>
+                    <a:lstStyle/>
+                    <a:p>
+                      <a:pPr algn="ctr" latinLnBrk="1"/>
+                      <a:r>
+                        <a:rPr lang="en-US" altLang="ko-KR" dirty="0" smtClean="0"/>
+                        <a:t>VLAN </a:t>
+                      </a:r>
+                      <a:r>
+                        <a:rPr lang="ko-KR" altLang="en-US" dirty="0" smtClean="0"/>
+                        <a:t>이름</a:t>
+                      </a:r>
+                      <a:r>
+                        <a:rPr lang="en-US" altLang="ko-KR" dirty="0" smtClean="0"/>
+                        <a:t>(ID)</a:t>
+                      </a:r>
+                      <a:endParaRPr lang="ko-KR" altLang="en-US" dirty="0"/>
+                    </a:p>
+                  </a:txBody>
+                  <a:tcPr>
+                    <a:solidFill>
+                      <a:schemeClr val="bg1">
+                        <a:lumMod val="85000"/>
+                      </a:schemeClr>
+                    </a:solidFill>
+                  </a:tcPr>
+                </a:tc>
+                <a:tc>
+                  <a:txBody>
+                    <a:bodyPr/>
+                    <a:lstStyle/>
+                    <a:p>
+                      <a:pPr algn="ctr" latinLnBrk="1"/>
+                      <a:r>
+                        <a:rPr lang="en-US" altLang="ko-KR" dirty="0" smtClean="0"/>
+                        <a:t>Port</a:t>
+                      </a:r>
+                      <a:endParaRPr lang="ko-KR" altLang="en-US" dirty="0"/>
+                    </a:p>
+                  </a:txBody>
+                  <a:tcPr>
+                    <a:solidFill>
+                      <a:schemeClr val="bg1">
+                        <a:lumMod val="85000"/>
+                      </a:schemeClr>
+                    </a:solidFill>
+                  </a:tcPr>
+                </a:tc>
+                <a:extLst>
+                  <a:ext uri="{0D108BD9-81ED-4DB2-BD59-A6C34878D82A}">
+                    <a16:rowId xmlns:a16="http://schemas.microsoft.com/office/drawing/2014/main" val="2108624689"/>
+                  </a:ext>
+                </a:extLst>
+              </a:tr>
+              <a:tr h="370840">
+                <a:tc>
+                  <a:txBody>
+                    <a:bodyPr/>
+                    <a:lstStyle/>
+                    <a:p>
+                      <a:pPr algn="ctr" latinLnBrk="1"/>
+                      <a:r>
+                        <a:rPr lang="en-US" altLang="ko-KR" dirty="0" smtClean="0"/>
+                        <a:t>sales(VLAN 10)</a:t>
+                      </a:r>
+                      <a:endParaRPr lang="ko-KR" altLang="en-US" dirty="0"/>
+                    </a:p>
+                  </a:txBody>
+                  <a:tcPr/>
+                </a:tc>
+                <a:tc>
+                  <a:txBody>
+                    <a:bodyPr/>
+                    <a:lstStyle/>
+                    <a:p>
+                      <a:pPr algn="ctr" latinLnBrk="1"/>
+                      <a:r>
+                        <a:rPr lang="en-US" altLang="ko-KR" dirty="0" smtClean="0"/>
+                        <a:t>Fa0/1</a:t>
+                      </a:r>
+                      <a:endParaRPr lang="ko-KR" altLang="en-US" dirty="0"/>
+                    </a:p>
+                  </a:txBody>
+                  <a:tcPr/>
+                </a:tc>
+                <a:extLst>
+                  <a:ext uri="{0D108BD9-81ED-4DB2-BD59-A6C34878D82A}">
+                    <a16:rowId xmlns:a16="http://schemas.microsoft.com/office/drawing/2014/main" val="1780494324"/>
+                  </a:ext>
+                </a:extLst>
+              </a:tr>
+              <a:tr h="370840">
+                <a:tc>
+                  <a:txBody>
+                    <a:bodyPr/>
+                    <a:lstStyle/>
+                    <a:p>
+                      <a:pPr algn="ctr" latinLnBrk="1"/>
+                      <a:r>
+                        <a:rPr lang="en-US" altLang="ko-KR" dirty="0" smtClean="0"/>
+                        <a:t>manage(VLAN</a:t>
+                      </a:r>
+                      <a:r>
+                        <a:rPr lang="ko-KR" altLang="en-US" dirty="0" smtClean="0"/>
+                        <a:t> </a:t>
+                      </a:r>
+                      <a:r>
+                        <a:rPr lang="en-US" altLang="ko-KR" dirty="0" smtClean="0"/>
+                        <a:t>20)</a:t>
+                      </a:r>
+                      <a:endParaRPr lang="ko-KR" altLang="en-US" dirty="0"/>
+                    </a:p>
+                  </a:txBody>
+                  <a:tcPr/>
+                </a:tc>
+                <a:tc>
+                  <a:txBody>
+                    <a:bodyPr/>
+                    <a:lstStyle/>
+                    <a:p>
+                      <a:pPr algn="ctr" latinLnBrk="1"/>
+                      <a:r>
+                        <a:rPr lang="en-US" altLang="ko-KR" dirty="0" smtClean="0"/>
+                        <a:t>Fa0/2</a:t>
+                      </a:r>
+                      <a:endParaRPr lang="ko-KR" altLang="en-US" dirty="0"/>
+                    </a:p>
+                  </a:txBody>
+                  <a:tcPr/>
+                </a:tc>
+                <a:extLst>
+                  <a:ext uri="{0D108BD9-81ED-4DB2-BD59-A6C34878D82A}">
+                    <a16:rowId xmlns:a16="http://schemas.microsoft.com/office/drawing/2014/main" val="897531363"/>
+                  </a:ext>
+                </a:extLst>
+              </a:tr>
+            </a:tbl>
+          </a:graphicData>
+        </a:graphic>
+      </p:graphicFrame>
+      <p:pic>
+        <p:nvPicPr>
+          <p:cNvPr id="12" name="그림 11"/>
+          <p:cNvPicPr>
+            <a:picLocks noChangeAspect="1"/>
+          </p:cNvPicPr>
+          <p:nvPr/>
+        </p:nvPicPr>
+        <p:blipFill>
+          <a:blip r:embed="rId2"/>
+          <a:stretch>
+            <a:fillRect/>
+          </a:stretch>
+        </p:blipFill>
+        <p:spPr>
+          <a:xfrm>
+            <a:off x="135775" y="3137624"/>
+            <a:ext cx="5243119" cy="1557236"/>
+          </a:xfrm>
+          <a:prstGeom prst="rect">
+            <a:avLst/>
+          </a:prstGeom>
+          <a:ln w="38100" cap="sq">
+            <a:solidFill>
+              <a:srgbClr val="000000"/>
+            </a:solidFill>
+            <a:prstDash val="solid"/>
+            <a:miter lim="800000"/>
+          </a:ln>
+          <a:effectLst>
+            <a:outerShdw blurRad="50800" dist="38100" dir="2700000" algn="tl" rotWithShape="0">
+              <a:srgbClr val="000000">
+                <a:alpha val="43000"/>
+              </a:srgbClr>
+            </a:outerShdw>
+          </a:effectLst>
+        </p:spPr>
+      </p:pic>
+      <p:pic>
+        <p:nvPicPr>
+          <p:cNvPr id="13" name="그림 12"/>
+          <p:cNvPicPr>
+            <a:picLocks noChangeAspect="1"/>
+          </p:cNvPicPr>
+          <p:nvPr/>
+        </p:nvPicPr>
+        <p:blipFill>
+          <a:blip r:embed="rId3"/>
+          <a:stretch>
+            <a:fillRect/>
+          </a:stretch>
+        </p:blipFill>
+        <p:spPr>
+          <a:xfrm>
+            <a:off x="5014738" y="3916241"/>
+            <a:ext cx="6696294" cy="2694284"/>
+          </a:xfrm>
+          <a:prstGeom prst="rect">
+            <a:avLst/>
+          </a:prstGeom>
+          <a:ln w="38100" cap="sq">
+            <a:solidFill>
+              <a:srgbClr val="000000"/>
+            </a:solidFill>
+            <a:prstDash val="solid"/>
+            <a:miter lim="800000"/>
+          </a:ln>
+          <a:effectLst>
+            <a:outerShdw blurRad="50800" dist="38100" dir="2700000" algn="tl" rotWithShape="0">
+              <a:srgbClr val="000000">
+                <a:alpha val="43000"/>
+              </a:srgbClr>
+            </a:outerShdw>
+          </a:effectLst>
+        </p:spPr>
+      </p:pic>
+      <p:pic>
+        <p:nvPicPr>
+          <p:cNvPr id="14" name="그림 13"/>
+          <p:cNvPicPr>
+            <a:picLocks noChangeAspect="1"/>
+          </p:cNvPicPr>
+          <p:nvPr/>
+        </p:nvPicPr>
+        <p:blipFill>
+          <a:blip r:embed="rId4"/>
+          <a:stretch>
+            <a:fillRect/>
+          </a:stretch>
+        </p:blipFill>
+        <p:spPr>
+          <a:xfrm>
+            <a:off x="6377229" y="365125"/>
+            <a:ext cx="4748495" cy="3487050"/>
+          </a:xfrm>
+          <a:prstGeom prst="rect">
+            <a:avLst/>
+          </a:prstGeom>
+        </p:spPr>
+      </p:pic>
+      <p:sp>
+        <p:nvSpPr>
+          <p:cNvPr id="15" name="사각형: 둥근 모서리 7">
+            <a:extLst>
+              <a:ext uri="{FF2B5EF4-FFF2-40B4-BE49-F238E27FC236}">
+                <a16:creationId xmlns:a16="http://schemas.microsoft.com/office/drawing/2014/main" id="{9E806862-8609-4037-9DDE-28D57EB11A79}"/>
+              </a:ext>
+            </a:extLst>
+          </p:cNvPr>
+          <p:cNvSpPr/>
+          <p:nvPr/>
+        </p:nvSpPr>
+        <p:spPr>
+          <a:xfrm>
+            <a:off x="4951223" y="6141796"/>
+            <a:ext cx="3790105" cy="532795"/>
+          </a:xfrm>
+          <a:prstGeom prst="roundRect">
+            <a:avLst/>
+          </a:prstGeom>
+          <a:noFill/>
+          <a:ln w="38100">
+            <a:solidFill>
+              <a:srgbClr val="FF0000"/>
+            </a:solidFill>
+          </a:ln>
+        </p:spPr>
+        <p:style>
+          <a:lnRef idx="2">
+            <a:schemeClr val="accent1">
+              <a:shade val="50000"/>
+            </a:schemeClr>
+          </a:lnRef>
+          <a:fillRef idx="1">
+            <a:schemeClr val="accent1"/>
+          </a:fillRef>
+          <a:effectRef idx="0">
+            <a:schemeClr val="accent1"/>
+          </a:effectRef>
+          <a:fontRef idx="minor">
+            <a:schemeClr val="lt1"/>
+          </a:fontRef>
+        </p:style>
+        <p:txBody>
+          <a:bodyPr rtlCol="0" anchor="ctr"/>
+          <a:lstStyle/>
+          <a:p>
+            <a:pPr algn="ctr"/>
+            <a:endParaRPr lang="ko-KR" altLang="en-US"/>
+          </a:p>
+        </p:txBody>
+      </p:sp>
+    </p:spTree>
+    <p:extLst>
+      <p:ext uri="{BB962C8B-B14F-4D97-AF65-F5344CB8AC3E}">
+        <p14:creationId xmlns:p14="http://schemas.microsoft.com/office/powerpoint/2010/main" val="3148805590"/>
+      </p:ext>
+    </p:extLst>
+  </p:cSld>
+  <p:clrMapOvr>
+    <a:masterClrMapping/>
+  </p:clrMapOvr>
+  <p:timing>
+    <p:tnLst>
+      <p:par>
+        <p:cTn id="1" dur="indefinite" restart="never" nodeType="tmRoot"/>
+      </p:par>
+    </p:tnLst>
+  </p:timing>
+</p:sld>
+</file>
+
+<file path=ppt/slides/slide55.xml><?xml version="1.0" encoding="utf-8"?>
+<p:sld xmlns:a="http://schemas.openxmlformats.org/drawingml/2006/main" xmlns:r="http://schemas.openxmlformats.org/officeDocument/2006/relationships" xmlns:p="http://schemas.openxmlformats.org/presentationml/2006/main">
+  <p:cSld>
+    <p:spTree>
+      <p:nvGrpSpPr>
+        <p:cNvPr id="1" name=""/>
+        <p:cNvGrpSpPr/>
+        <p:nvPr/>
+      </p:nvGrpSpPr>
+      <p:grpSpPr>
+        <a:xfrm>
+          <a:off x="0" y="0"/>
+          <a:ext cx="0" cy="0"/>
+          <a:chOff x="0" y="0"/>
+          <a:chExt cx="0" cy="0"/>
+        </a:xfrm>
+      </p:grpSpPr>
+      <p:sp>
+        <p:nvSpPr>
+          <p:cNvPr id="2" name="제목 1">
+            <a:extLst>
+              <a:ext uri="{FF2B5EF4-FFF2-40B4-BE49-F238E27FC236}">
+                <a16:creationId xmlns:a16="http://schemas.microsoft.com/office/drawing/2014/main" id="{0B510ACA-92C1-4DB2-B891-D4872C9B4F9C}"/>
+              </a:ext>
+            </a:extLst>
+          </p:cNvPr>
+          <p:cNvSpPr>
+            <a:spLocks noGrp="1"/>
+          </p:cNvSpPr>
+          <p:nvPr>
+            <p:ph type="title"/>
+          </p:nvPr>
+        </p:nvSpPr>
+        <p:spPr>
+          <a:xfrm>
+            <a:off x="838200" y="365125"/>
+            <a:ext cx="10515600" cy="1325563"/>
+          </a:xfrm>
+        </p:spPr>
+        <p:txBody>
+          <a:bodyPr/>
+          <a:lstStyle/>
+          <a:p>
+            <a:r>
+              <a:rPr lang="en-US" altLang="ko-KR" dirty="0">
+                <a:latin typeface="HY헤드라인M" panose="02030600000101010101" pitchFamily="18" charset="-127"/>
+                <a:ea typeface="HY헤드라인M" panose="02030600000101010101" pitchFamily="18" charset="-127"/>
+              </a:rPr>
+              <a:t>1. </a:t>
+            </a:r>
+            <a:r>
+              <a:rPr lang="en-US" altLang="ko-KR" dirty="0" smtClean="0">
+                <a:latin typeface="HY헤드라인M" panose="02030600000101010101" pitchFamily="18" charset="-127"/>
+                <a:ea typeface="HY헤드라인M" panose="02030600000101010101" pitchFamily="18" charset="-127"/>
+              </a:rPr>
+              <a:t>VLAN(Virtual LAN)</a:t>
+            </a:r>
+            <a:endParaRPr lang="ko-KR" altLang="en-US" dirty="0">
+              <a:latin typeface="HY헤드라인M" panose="02030600000101010101" pitchFamily="18" charset="-127"/>
+              <a:ea typeface="HY헤드라인M" panose="02030600000101010101" pitchFamily="18" charset="-127"/>
+            </a:endParaRPr>
+          </a:p>
+        </p:txBody>
+      </p:sp>
+      <p:cxnSp>
+        <p:nvCxnSpPr>
+          <p:cNvPr id="4" name="직선 연결선 3">
+            <a:extLst>
+              <a:ext uri="{FF2B5EF4-FFF2-40B4-BE49-F238E27FC236}">
+                <a16:creationId xmlns:a16="http://schemas.microsoft.com/office/drawing/2014/main" id="{B52E875F-886D-4368-BB96-91473E4BD429}"/>
+              </a:ext>
+            </a:extLst>
+          </p:cNvPr>
+          <p:cNvCxnSpPr>
+            <a:cxnSpLocks/>
+          </p:cNvCxnSpPr>
+          <p:nvPr/>
+        </p:nvCxnSpPr>
+        <p:spPr>
+          <a:xfrm>
+            <a:off x="494950" y="1560352"/>
+            <a:ext cx="11216081" cy="0"/>
+          </a:xfrm>
+          <a:prstGeom prst="line">
+            <a:avLst/>
+          </a:prstGeom>
+          <a:ln w="38100">
+            <a:solidFill>
+              <a:schemeClr val="accent6">
+                <a:lumMod val="60000"/>
+                <a:lumOff val="40000"/>
+              </a:schemeClr>
+            </a:solidFill>
+          </a:ln>
+        </p:spPr>
+        <p:style>
+          <a:lnRef idx="1">
+            <a:schemeClr val="accent6"/>
+          </a:lnRef>
+          <a:fillRef idx="0">
+            <a:schemeClr val="accent6"/>
+          </a:fillRef>
+          <a:effectRef idx="0">
+            <a:schemeClr val="accent6"/>
+          </a:effectRef>
+          <a:fontRef idx="minor">
+            <a:schemeClr val="tx1"/>
+          </a:fontRef>
+        </p:style>
+      </p:cxnSp>
+      <p:cxnSp>
+        <p:nvCxnSpPr>
+          <p:cNvPr id="6" name="직선 연결선 5">
+            <a:extLst>
+              <a:ext uri="{FF2B5EF4-FFF2-40B4-BE49-F238E27FC236}">
+                <a16:creationId xmlns:a16="http://schemas.microsoft.com/office/drawing/2014/main" id="{18BBC0F2-0F71-4015-8396-16B4367F8F99}"/>
+              </a:ext>
+            </a:extLst>
+          </p:cNvPr>
+          <p:cNvCxnSpPr>
+            <a:cxnSpLocks/>
+          </p:cNvCxnSpPr>
+          <p:nvPr/>
+        </p:nvCxnSpPr>
+        <p:spPr>
+          <a:xfrm>
+            <a:off x="662730" y="367018"/>
+            <a:ext cx="0" cy="3061982"/>
+          </a:xfrm>
+          <a:prstGeom prst="line">
+            <a:avLst/>
+          </a:prstGeom>
+          <a:ln w="57150"/>
+        </p:spPr>
+        <p:style>
+          <a:lnRef idx="1">
+            <a:schemeClr val="accent1"/>
+          </a:lnRef>
+          <a:fillRef idx="0">
+            <a:schemeClr val="accent1"/>
+          </a:fillRef>
+          <a:effectRef idx="0">
+            <a:schemeClr val="accent1"/>
+          </a:effectRef>
+          <a:fontRef idx="minor">
+            <a:schemeClr val="tx1"/>
+          </a:fontRef>
+        </p:style>
+      </p:cxnSp>
+      <p:pic>
+        <p:nvPicPr>
+          <p:cNvPr id="3" name="내용 개체 틀 2"/>
+          <p:cNvPicPr>
+            <a:picLocks noGrp="1" noChangeAspect="1"/>
+          </p:cNvPicPr>
+          <p:nvPr>
+            <p:ph idx="1"/>
+          </p:nvPr>
+        </p:nvPicPr>
+        <p:blipFill>
+          <a:blip r:embed="rId2"/>
+          <a:stretch>
+            <a:fillRect/>
+          </a:stretch>
+        </p:blipFill>
+        <p:spPr>
+          <a:xfrm>
+            <a:off x="838200" y="1715316"/>
+            <a:ext cx="5461932" cy="2325589"/>
+          </a:xfrm>
+          <a:prstGeom prst="rect">
+            <a:avLst/>
+          </a:prstGeom>
+          <a:ln w="38100" cap="sq">
+            <a:solidFill>
+              <a:srgbClr val="000000"/>
+            </a:solidFill>
+            <a:prstDash val="solid"/>
+            <a:miter lim="800000"/>
+          </a:ln>
+          <a:effectLst>
+            <a:outerShdw blurRad="50800" dist="38100" dir="2700000" algn="tl" rotWithShape="0">
+              <a:srgbClr val="000000">
+                <a:alpha val="43000"/>
+              </a:srgbClr>
+            </a:outerShdw>
+          </a:effectLst>
+        </p:spPr>
+      </p:pic>
+      <p:pic>
+        <p:nvPicPr>
+          <p:cNvPr id="7" name="그림 6"/>
+          <p:cNvPicPr>
+            <a:picLocks noChangeAspect="1"/>
+          </p:cNvPicPr>
+          <p:nvPr/>
+        </p:nvPicPr>
+        <p:blipFill>
+          <a:blip r:embed="rId3"/>
+          <a:stretch>
+            <a:fillRect/>
+          </a:stretch>
+        </p:blipFill>
+        <p:spPr>
+          <a:xfrm>
+            <a:off x="4300520" y="3855146"/>
+            <a:ext cx="7410511" cy="2604377"/>
+          </a:xfrm>
+          <a:prstGeom prst="rect">
+            <a:avLst/>
+          </a:prstGeom>
+          <a:ln w="38100" cap="sq">
+            <a:solidFill>
+              <a:srgbClr val="000000"/>
+            </a:solidFill>
+            <a:prstDash val="solid"/>
+            <a:miter lim="800000"/>
+          </a:ln>
+          <a:effectLst>
+            <a:outerShdw blurRad="50800" dist="38100" dir="2700000" algn="tl" rotWithShape="0">
+              <a:srgbClr val="000000">
+                <a:alpha val="43000"/>
+              </a:srgbClr>
+            </a:outerShdw>
+          </a:effectLst>
+        </p:spPr>
+      </p:pic>
+      <p:sp>
+        <p:nvSpPr>
+          <p:cNvPr id="8" name="사각형: 둥근 모서리 7">
+            <a:extLst>
+              <a:ext uri="{FF2B5EF4-FFF2-40B4-BE49-F238E27FC236}">
+                <a16:creationId xmlns:a16="http://schemas.microsoft.com/office/drawing/2014/main" id="{9E806862-8609-4037-9DDE-28D57EB11A79}"/>
+              </a:ext>
+            </a:extLst>
+          </p:cNvPr>
+          <p:cNvSpPr/>
+          <p:nvPr/>
+        </p:nvSpPr>
+        <p:spPr>
+          <a:xfrm>
+            <a:off x="4129102" y="6006077"/>
+            <a:ext cx="5123955" cy="532795"/>
+          </a:xfrm>
+          <a:prstGeom prst="roundRect">
+            <a:avLst/>
+          </a:prstGeom>
+          <a:noFill/>
+          <a:ln w="38100">
+            <a:solidFill>
+              <a:srgbClr val="FF0000"/>
+            </a:solidFill>
+          </a:ln>
+        </p:spPr>
+        <p:style>
+          <a:lnRef idx="2">
+            <a:schemeClr val="accent1">
+              <a:shade val="50000"/>
+            </a:schemeClr>
+          </a:lnRef>
+          <a:fillRef idx="1">
+            <a:schemeClr val="accent1"/>
+          </a:fillRef>
+          <a:effectRef idx="0">
+            <a:schemeClr val="accent1"/>
+          </a:effectRef>
+          <a:fontRef idx="minor">
+            <a:schemeClr val="lt1"/>
+          </a:fontRef>
+        </p:style>
+        <p:txBody>
+          <a:bodyPr rtlCol="0" anchor="ctr"/>
+          <a:lstStyle/>
+          <a:p>
+            <a:pPr algn="ctr"/>
+            <a:endParaRPr lang="ko-KR" altLang="en-US"/>
+          </a:p>
+        </p:txBody>
+      </p:sp>
+    </p:spTree>
+    <p:extLst>
+      <p:ext uri="{BB962C8B-B14F-4D97-AF65-F5344CB8AC3E}">
+        <p14:creationId xmlns:p14="http://schemas.microsoft.com/office/powerpoint/2010/main" val="2422509803"/>
+      </p:ext>
+    </p:extLst>
+  </p:cSld>
+  <p:clrMapOvr>
+    <a:masterClrMapping/>
+  </p:clrMapOvr>
+  <p:timing>
+    <p:tnLst>
+      <p:par>
+        <p:cTn id="1" dur="indefinite" restart="never" nodeType="tmRoot"/>
+      </p:par>
+    </p:tnLst>
+  </p:timing>
+</p:sld>
+</file>
+
+<file path=ppt/slides/slide56.xml><?xml version="1.0" encoding="utf-8"?>
+<p:sld xmlns:a="http://schemas.openxmlformats.org/drawingml/2006/main" xmlns:r="http://schemas.openxmlformats.org/officeDocument/2006/relationships" xmlns:p="http://schemas.openxmlformats.org/presentationml/2006/main">
+  <p:cSld>
+    <p:spTree>
+      <p:nvGrpSpPr>
+        <p:cNvPr id="1" name=""/>
+        <p:cNvGrpSpPr/>
+        <p:nvPr/>
+      </p:nvGrpSpPr>
+      <p:grpSpPr>
+        <a:xfrm>
+          <a:off x="0" y="0"/>
+          <a:ext cx="0" cy="0"/>
+          <a:chOff x="0" y="0"/>
+          <a:chExt cx="0" cy="0"/>
+        </a:xfrm>
+      </p:grpSpPr>
+      <p:sp>
+        <p:nvSpPr>
+          <p:cNvPr id="2" name="제목 1">
+            <a:extLst>
+              <a:ext uri="{FF2B5EF4-FFF2-40B4-BE49-F238E27FC236}">
+                <a16:creationId xmlns:a16="http://schemas.microsoft.com/office/drawing/2014/main" id="{0B510ACA-92C1-4DB2-B891-D4872C9B4F9C}"/>
+              </a:ext>
+            </a:extLst>
+          </p:cNvPr>
+          <p:cNvSpPr>
+            <a:spLocks noGrp="1"/>
+          </p:cNvSpPr>
+          <p:nvPr>
+            <p:ph type="title"/>
+          </p:nvPr>
+        </p:nvSpPr>
+        <p:spPr>
+          <a:xfrm>
+            <a:off x="838200" y="365125"/>
+            <a:ext cx="10515600" cy="1325563"/>
+          </a:xfrm>
+        </p:spPr>
+        <p:txBody>
+          <a:bodyPr/>
+          <a:lstStyle/>
+          <a:p>
+            <a:r>
+              <a:rPr lang="en-US" altLang="ko-KR" dirty="0">
+                <a:latin typeface="HY헤드라인M" panose="02030600000101010101" pitchFamily="18" charset="-127"/>
+                <a:ea typeface="HY헤드라인M" panose="02030600000101010101" pitchFamily="18" charset="-127"/>
+              </a:rPr>
+              <a:t>1. </a:t>
+            </a:r>
+            <a:r>
+              <a:rPr lang="en-US" altLang="ko-KR" dirty="0" smtClean="0">
+                <a:latin typeface="HY헤드라인M" panose="02030600000101010101" pitchFamily="18" charset="-127"/>
+                <a:ea typeface="HY헤드라인M" panose="02030600000101010101" pitchFamily="18" charset="-127"/>
+              </a:rPr>
+              <a:t>VLAN(Virtual LAN)</a:t>
+            </a:r>
+            <a:endParaRPr lang="ko-KR" altLang="en-US" dirty="0">
+              <a:latin typeface="HY헤드라인M" panose="02030600000101010101" pitchFamily="18" charset="-127"/>
+              <a:ea typeface="HY헤드라인M" panose="02030600000101010101" pitchFamily="18" charset="-127"/>
+            </a:endParaRPr>
+          </a:p>
+        </p:txBody>
+      </p:sp>
+      <p:cxnSp>
+        <p:nvCxnSpPr>
+          <p:cNvPr id="4" name="직선 연결선 3">
+            <a:extLst>
+              <a:ext uri="{FF2B5EF4-FFF2-40B4-BE49-F238E27FC236}">
+                <a16:creationId xmlns:a16="http://schemas.microsoft.com/office/drawing/2014/main" id="{B52E875F-886D-4368-BB96-91473E4BD429}"/>
+              </a:ext>
+            </a:extLst>
+          </p:cNvPr>
+          <p:cNvCxnSpPr>
+            <a:cxnSpLocks/>
+          </p:cNvCxnSpPr>
+          <p:nvPr/>
+        </p:nvCxnSpPr>
+        <p:spPr>
+          <a:xfrm>
+            <a:off x="494950" y="1560352"/>
+            <a:ext cx="11216081" cy="0"/>
+          </a:xfrm>
+          <a:prstGeom prst="line">
+            <a:avLst/>
+          </a:prstGeom>
+          <a:ln w="38100">
+            <a:solidFill>
+              <a:schemeClr val="accent6">
+                <a:lumMod val="60000"/>
+                <a:lumOff val="40000"/>
+              </a:schemeClr>
+            </a:solidFill>
+          </a:ln>
+        </p:spPr>
+        <p:style>
+          <a:lnRef idx="1">
+            <a:schemeClr val="accent6"/>
+          </a:lnRef>
+          <a:fillRef idx="0">
+            <a:schemeClr val="accent6"/>
+          </a:fillRef>
+          <a:effectRef idx="0">
+            <a:schemeClr val="accent6"/>
+          </a:effectRef>
+          <a:fontRef idx="minor">
+            <a:schemeClr val="tx1"/>
+          </a:fontRef>
+        </p:style>
+      </p:cxnSp>
+      <p:cxnSp>
+        <p:nvCxnSpPr>
+          <p:cNvPr id="6" name="직선 연결선 5">
+            <a:extLst>
+              <a:ext uri="{FF2B5EF4-FFF2-40B4-BE49-F238E27FC236}">
+                <a16:creationId xmlns:a16="http://schemas.microsoft.com/office/drawing/2014/main" id="{18BBC0F2-0F71-4015-8396-16B4367F8F99}"/>
+              </a:ext>
+            </a:extLst>
+          </p:cNvPr>
+          <p:cNvCxnSpPr>
+            <a:cxnSpLocks/>
+          </p:cNvCxnSpPr>
+          <p:nvPr/>
+        </p:nvCxnSpPr>
+        <p:spPr>
+          <a:xfrm>
+            <a:off x="662730" y="367018"/>
+            <a:ext cx="0" cy="3061982"/>
+          </a:xfrm>
+          <a:prstGeom prst="line">
+            <a:avLst/>
+          </a:prstGeom>
+          <a:ln w="57150"/>
+        </p:spPr>
+        <p:style>
+          <a:lnRef idx="1">
+            <a:schemeClr val="accent1"/>
+          </a:lnRef>
+          <a:fillRef idx="0">
+            <a:schemeClr val="accent1"/>
+          </a:fillRef>
+          <a:effectRef idx="0">
+            <a:schemeClr val="accent1"/>
+          </a:effectRef>
+          <a:fontRef idx="minor">
+            <a:schemeClr val="tx1"/>
+          </a:fontRef>
+        </p:style>
+      </p:cxnSp>
+      <p:pic>
+        <p:nvPicPr>
+          <p:cNvPr id="3" name="내용 개체 틀 2"/>
+          <p:cNvPicPr>
+            <a:picLocks noGrp="1" noChangeAspect="1"/>
+          </p:cNvPicPr>
+          <p:nvPr>
+            <p:ph idx="1"/>
+          </p:nvPr>
+        </p:nvPicPr>
+        <p:blipFill>
+          <a:blip r:embed="rId2"/>
+          <a:stretch>
+            <a:fillRect/>
+          </a:stretch>
+        </p:blipFill>
+        <p:spPr>
+          <a:xfrm>
+            <a:off x="960262" y="1898009"/>
+            <a:ext cx="4534527" cy="2626973"/>
+          </a:xfrm>
+          <a:prstGeom prst="rect">
+            <a:avLst/>
+          </a:prstGeom>
+          <a:ln w="38100" cap="sq">
+            <a:solidFill>
+              <a:srgbClr val="000000"/>
+            </a:solidFill>
+            <a:prstDash val="solid"/>
+            <a:miter lim="800000"/>
+          </a:ln>
+          <a:effectLst>
+            <a:outerShdw blurRad="50800" dist="38100" dir="2700000" algn="tl" rotWithShape="0">
+              <a:srgbClr val="000000">
+                <a:alpha val="43000"/>
+              </a:srgbClr>
+            </a:outerShdw>
+          </a:effectLst>
+        </p:spPr>
+      </p:pic>
+      <p:pic>
+        <p:nvPicPr>
+          <p:cNvPr id="7" name="그림 6"/>
+          <p:cNvPicPr>
+            <a:picLocks noChangeAspect="1"/>
+          </p:cNvPicPr>
+          <p:nvPr/>
+        </p:nvPicPr>
+        <p:blipFill>
+          <a:blip r:embed="rId3"/>
+          <a:stretch>
+            <a:fillRect/>
+          </a:stretch>
+        </p:blipFill>
+        <p:spPr>
+          <a:xfrm>
+            <a:off x="960262" y="5077437"/>
+            <a:ext cx="7226875" cy="1042077"/>
+          </a:xfrm>
+          <a:prstGeom prst="rect">
+            <a:avLst/>
+          </a:prstGeom>
+          <a:ln w="38100" cap="sq">
+            <a:solidFill>
+              <a:srgbClr val="000000"/>
+            </a:solidFill>
+            <a:prstDash val="solid"/>
+            <a:miter lim="800000"/>
+          </a:ln>
+          <a:effectLst>
+            <a:outerShdw blurRad="50800" dist="38100" dir="2700000" algn="tl" rotWithShape="0">
+              <a:srgbClr val="000000">
+                <a:alpha val="43000"/>
+              </a:srgbClr>
+            </a:outerShdw>
+          </a:effectLst>
+        </p:spPr>
+      </p:pic>
+    </p:spTree>
+    <p:extLst>
+      <p:ext uri="{BB962C8B-B14F-4D97-AF65-F5344CB8AC3E}">
+        <p14:creationId xmlns:p14="http://schemas.microsoft.com/office/powerpoint/2010/main" val="180770386"/>
+      </p:ext>
+    </p:extLst>
+  </p:cSld>
+  <p:clrMapOvr>
+    <a:masterClrMapping/>
+  </p:clrMapOvr>
+  <p:timing>
+    <p:tnLst>
+      <p:par>
+        <p:cTn id="1" dur="indefinite" restart="never" nodeType="tmRoot"/>
+      </p:par>
+    </p:tnLst>
+  </p:timing>
+</p:sld>
+</file>
+
+<file path=ppt/slides/slide57.xml><?xml version="1.0" encoding="utf-8"?>
+<p:sld xmlns:a="http://schemas.openxmlformats.org/drawingml/2006/main" xmlns:r="http://schemas.openxmlformats.org/officeDocument/2006/relationships" xmlns:p="http://schemas.openxmlformats.org/presentationml/2006/main">
+  <p:cSld>
+    <p:spTree>
+      <p:nvGrpSpPr>
+        <p:cNvPr id="1" name=""/>
+        <p:cNvGrpSpPr/>
+        <p:nvPr/>
+      </p:nvGrpSpPr>
+      <p:grpSpPr>
+        <a:xfrm>
+          <a:off x="0" y="0"/>
+          <a:ext cx="0" cy="0"/>
+          <a:chOff x="0" y="0"/>
+          <a:chExt cx="0" cy="0"/>
+        </a:xfrm>
+      </p:grpSpPr>
+      <p:sp>
+        <p:nvSpPr>
+          <p:cNvPr id="2" name="제목 1">
+            <a:extLst>
+              <a:ext uri="{FF2B5EF4-FFF2-40B4-BE49-F238E27FC236}">
+                <a16:creationId xmlns:a16="http://schemas.microsoft.com/office/drawing/2014/main" id="{0B510ACA-92C1-4DB2-B891-D4872C9B4F9C}"/>
+              </a:ext>
+            </a:extLst>
+          </p:cNvPr>
+          <p:cNvSpPr>
+            <a:spLocks noGrp="1"/>
+          </p:cNvSpPr>
+          <p:nvPr>
+            <p:ph type="title"/>
+          </p:nvPr>
+        </p:nvSpPr>
+        <p:spPr>
+          <a:xfrm>
+            <a:off x="838200" y="365125"/>
+            <a:ext cx="10515600" cy="1325563"/>
+          </a:xfrm>
+        </p:spPr>
+        <p:txBody>
+          <a:bodyPr/>
+          <a:lstStyle/>
+          <a:p>
+            <a:r>
+              <a:rPr lang="en-US" altLang="ko-KR" dirty="0">
+                <a:latin typeface="HY헤드라인M" panose="02030600000101010101" pitchFamily="18" charset="-127"/>
+                <a:ea typeface="HY헤드라인M" panose="02030600000101010101" pitchFamily="18" charset="-127"/>
+              </a:rPr>
+              <a:t>1. </a:t>
+            </a:r>
+            <a:r>
+              <a:rPr lang="en-US" altLang="ko-KR" dirty="0" smtClean="0">
+                <a:latin typeface="HY헤드라인M" panose="02030600000101010101" pitchFamily="18" charset="-127"/>
+                <a:ea typeface="HY헤드라인M" panose="02030600000101010101" pitchFamily="18" charset="-127"/>
+              </a:rPr>
+              <a:t>VLAN(Virtual LAN) </a:t>
+            </a:r>
+            <a:r>
+              <a:rPr lang="ko-KR" altLang="en-US" dirty="0" smtClean="0">
+                <a:latin typeface="HY헤드라인M" panose="02030600000101010101" pitchFamily="18" charset="-127"/>
+                <a:ea typeface="HY헤드라인M" panose="02030600000101010101" pitchFamily="18" charset="-127"/>
+              </a:rPr>
+              <a:t>번호</a:t>
+            </a:r>
+            <a:endParaRPr lang="ko-KR" altLang="en-US" dirty="0">
+              <a:latin typeface="HY헤드라인M" panose="02030600000101010101" pitchFamily="18" charset="-127"/>
+              <a:ea typeface="HY헤드라인M" panose="02030600000101010101" pitchFamily="18" charset="-127"/>
+            </a:endParaRPr>
+          </a:p>
+        </p:txBody>
+      </p:sp>
+      <p:cxnSp>
+        <p:nvCxnSpPr>
+          <p:cNvPr id="4" name="직선 연결선 3">
+            <a:extLst>
+              <a:ext uri="{FF2B5EF4-FFF2-40B4-BE49-F238E27FC236}">
+                <a16:creationId xmlns:a16="http://schemas.microsoft.com/office/drawing/2014/main" id="{B52E875F-886D-4368-BB96-91473E4BD429}"/>
+              </a:ext>
+            </a:extLst>
+          </p:cNvPr>
+          <p:cNvCxnSpPr>
+            <a:cxnSpLocks/>
+          </p:cNvCxnSpPr>
+          <p:nvPr/>
+        </p:nvCxnSpPr>
+        <p:spPr>
+          <a:xfrm>
+            <a:off x="494950" y="1560352"/>
+            <a:ext cx="11216081" cy="0"/>
+          </a:xfrm>
+          <a:prstGeom prst="line">
+            <a:avLst/>
+          </a:prstGeom>
+          <a:ln w="38100">
+            <a:solidFill>
+              <a:schemeClr val="accent6">
+                <a:lumMod val="60000"/>
+                <a:lumOff val="40000"/>
+              </a:schemeClr>
+            </a:solidFill>
+          </a:ln>
+        </p:spPr>
+        <p:style>
+          <a:lnRef idx="1">
+            <a:schemeClr val="accent6"/>
+          </a:lnRef>
+          <a:fillRef idx="0">
+            <a:schemeClr val="accent6"/>
+          </a:fillRef>
+          <a:effectRef idx="0">
+            <a:schemeClr val="accent6"/>
+          </a:effectRef>
+          <a:fontRef idx="minor">
+            <a:schemeClr val="tx1"/>
+          </a:fontRef>
+        </p:style>
+      </p:cxnSp>
+      <p:cxnSp>
+        <p:nvCxnSpPr>
+          <p:cNvPr id="6" name="직선 연결선 5">
+            <a:extLst>
+              <a:ext uri="{FF2B5EF4-FFF2-40B4-BE49-F238E27FC236}">
+                <a16:creationId xmlns:a16="http://schemas.microsoft.com/office/drawing/2014/main" id="{18BBC0F2-0F71-4015-8396-16B4367F8F99}"/>
+              </a:ext>
+            </a:extLst>
+          </p:cNvPr>
+          <p:cNvCxnSpPr>
+            <a:cxnSpLocks/>
+          </p:cNvCxnSpPr>
+          <p:nvPr/>
+        </p:nvCxnSpPr>
+        <p:spPr>
+          <a:xfrm>
+            <a:off x="662730" y="367018"/>
+            <a:ext cx="0" cy="3061982"/>
+          </a:xfrm>
+          <a:prstGeom prst="line">
+            <a:avLst/>
+          </a:prstGeom>
+          <a:ln w="57150"/>
+        </p:spPr>
+        <p:style>
+          <a:lnRef idx="1">
+            <a:schemeClr val="accent1"/>
+          </a:lnRef>
+          <a:fillRef idx="0">
+            <a:schemeClr val="accent1"/>
+          </a:fillRef>
+          <a:effectRef idx="0">
+            <a:schemeClr val="accent1"/>
+          </a:effectRef>
+          <a:fontRef idx="minor">
+            <a:schemeClr val="tx1"/>
+          </a:fontRef>
+        </p:style>
+      </p:cxnSp>
+      <p:sp>
+        <p:nvSpPr>
+          <p:cNvPr id="5" name="내용 개체 틀 4"/>
+          <p:cNvSpPr>
+            <a:spLocks noGrp="1"/>
+          </p:cNvSpPr>
+          <p:nvPr>
+            <p:ph idx="1"/>
+          </p:nvPr>
+        </p:nvSpPr>
+        <p:spPr/>
+        <p:txBody>
+          <a:bodyPr/>
+          <a:lstStyle/>
+          <a:p>
+            <a:r>
+              <a:rPr lang="en-US" altLang="ko-KR" dirty="0" smtClean="0"/>
+              <a:t>VLAN </a:t>
+            </a:r>
+            <a:r>
+              <a:rPr lang="ko-KR" altLang="en-US" dirty="0" smtClean="0"/>
+              <a:t>번호는 </a:t>
+            </a:r>
+            <a:r>
+              <a:rPr lang="en-US" altLang="ko-KR" dirty="0" smtClean="0"/>
+              <a:t>1~4096 </a:t>
+            </a:r>
+            <a:r>
+              <a:rPr lang="ko-KR" altLang="en-US" dirty="0" smtClean="0"/>
+              <a:t>사이</a:t>
+            </a:r>
+            <a:endParaRPr lang="en-US" altLang="ko-KR" dirty="0" smtClean="0"/>
+          </a:p>
+          <a:p>
+            <a:r>
+              <a:rPr lang="en-US" altLang="ko-KR" dirty="0" smtClean="0"/>
+              <a:t>VLAN </a:t>
+            </a:r>
+            <a:r>
+              <a:rPr lang="ko-KR" altLang="en-US" dirty="0" smtClean="0"/>
+              <a:t>번호가 </a:t>
+            </a:r>
+            <a:r>
+              <a:rPr lang="en-US" altLang="ko-KR" dirty="0" smtClean="0"/>
+              <a:t>1~1005 </a:t>
+            </a:r>
+            <a:r>
+              <a:rPr lang="ko-KR" altLang="en-US" dirty="0" smtClean="0"/>
+              <a:t>사이인</a:t>
+            </a:r>
+            <a:r>
+              <a:rPr lang="en-US" altLang="ko-KR" dirty="0" smtClean="0"/>
+              <a:t> </a:t>
+            </a:r>
+            <a:r>
+              <a:rPr lang="ko-KR" altLang="en-US" dirty="0" smtClean="0"/>
+              <a:t>것을 일반</a:t>
+            </a:r>
+            <a:r>
+              <a:rPr lang="en-US" altLang="ko-KR" dirty="0" smtClean="0"/>
+              <a:t>(normal) VLAN</a:t>
+            </a:r>
+          </a:p>
+          <a:p>
+            <a:r>
+              <a:rPr lang="ko-KR" altLang="en-US" dirty="0" smtClean="0"/>
+              <a:t>이 중에서 </a:t>
+            </a:r>
+            <a:r>
+              <a:rPr lang="en-US" altLang="ko-KR" dirty="0" smtClean="0"/>
+              <a:t>1002~1005</a:t>
+            </a:r>
+            <a:r>
+              <a:rPr lang="ko-KR" altLang="en-US" dirty="0" smtClean="0"/>
+              <a:t>는</a:t>
+            </a:r>
+            <a:r>
+              <a:rPr lang="en-US" altLang="ko-KR" dirty="0" smtClean="0"/>
+              <a:t> </a:t>
+            </a:r>
+            <a:r>
+              <a:rPr lang="ko-KR" altLang="en-US" dirty="0" err="1" smtClean="0"/>
+              <a:t>토큰링과</a:t>
+            </a:r>
+            <a:r>
+              <a:rPr lang="ko-KR" altLang="en-US" dirty="0" smtClean="0"/>
+              <a:t> </a:t>
+            </a:r>
+            <a:r>
+              <a:rPr lang="en-US" altLang="ko-KR" dirty="0" smtClean="0"/>
+              <a:t>FDDI</a:t>
+            </a:r>
+            <a:r>
+              <a:rPr lang="ko-KR" altLang="en-US" dirty="0" smtClean="0"/>
+              <a:t>용</a:t>
+            </a:r>
+            <a:endParaRPr lang="en-US" altLang="ko-KR" dirty="0" smtClean="0"/>
+          </a:p>
+          <a:p>
+            <a:r>
+              <a:rPr lang="ko-KR" altLang="en-US" dirty="0" err="1" smtClean="0"/>
+              <a:t>이더넷에서</a:t>
+            </a:r>
+            <a:r>
+              <a:rPr lang="ko-KR" altLang="en-US" dirty="0" smtClean="0"/>
+              <a:t> 사용할 수 있는 </a:t>
+            </a:r>
+            <a:r>
+              <a:rPr lang="en-US" altLang="ko-KR" dirty="0" smtClean="0"/>
+              <a:t>VLAN </a:t>
+            </a:r>
+            <a:r>
+              <a:rPr lang="ko-KR" altLang="en-US" dirty="0" smtClean="0"/>
+              <a:t>번호는 </a:t>
+            </a:r>
+            <a:r>
+              <a:rPr lang="en-US" altLang="ko-KR" dirty="0" smtClean="0"/>
+              <a:t>1~1001</a:t>
+            </a:r>
+            <a:r>
+              <a:rPr lang="ko-KR" altLang="en-US" dirty="0" smtClean="0"/>
+              <a:t>까지</a:t>
+            </a:r>
+            <a:endParaRPr lang="en-US" altLang="ko-KR" dirty="0" smtClean="0"/>
+          </a:p>
+          <a:p>
+            <a:r>
+              <a:rPr lang="en-US" altLang="ko-KR" dirty="0" smtClean="0"/>
+              <a:t>VLAN </a:t>
+            </a:r>
+            <a:r>
+              <a:rPr lang="ko-KR" altLang="en-US" dirty="0" smtClean="0"/>
+              <a:t>번호가 </a:t>
+            </a:r>
+            <a:r>
+              <a:rPr lang="en-US" altLang="ko-KR" dirty="0" smtClean="0"/>
+              <a:t>1006~4096</a:t>
+            </a:r>
+            <a:r>
+              <a:rPr lang="ko-KR" altLang="en-US" dirty="0" smtClean="0"/>
+              <a:t>인 것을 확장</a:t>
+            </a:r>
+            <a:r>
+              <a:rPr lang="en-US" altLang="ko-KR" dirty="0" smtClean="0"/>
+              <a:t>(extended) VLAN, </a:t>
+            </a:r>
+            <a:r>
+              <a:rPr lang="ko-KR" altLang="en-US" dirty="0" smtClean="0"/>
+              <a:t>사용 가능한 </a:t>
+            </a:r>
+            <a:r>
+              <a:rPr lang="en-US" altLang="ko-KR" dirty="0" smtClean="0"/>
+              <a:t>VLAN </a:t>
+            </a:r>
+            <a:r>
+              <a:rPr lang="ko-KR" altLang="en-US" dirty="0" smtClean="0"/>
+              <a:t>수량은 스위치 모델에 따라 다름</a:t>
+            </a:r>
+            <a:r>
+              <a:rPr lang="en-US" altLang="ko-KR" dirty="0" smtClean="0"/>
+              <a:t>.</a:t>
+            </a:r>
+            <a:endParaRPr lang="ko-KR" altLang="en-US" dirty="0"/>
+          </a:p>
+        </p:txBody>
+      </p:sp>
+    </p:spTree>
+    <p:extLst>
+      <p:ext uri="{BB962C8B-B14F-4D97-AF65-F5344CB8AC3E}">
+        <p14:creationId xmlns:p14="http://schemas.microsoft.com/office/powerpoint/2010/main" val="459015418"/>
+      </p:ext>
+    </p:extLst>
+  </p:cSld>
+  <p:clrMapOvr>
+    <a:masterClrMapping/>
+  </p:clrMapOvr>
+  <p:timing>
+    <p:tnLst>
+      <p:par>
+        <p:cTn id="1" dur="indefinite" restart="never" nodeType="tmRoot"/>
+      </p:par>
+    </p:tnLst>
+  </p:timing>
+</p:sld>
+</file>
+
+<file path=ppt/slides/slide58.xml><?xml version="1.0" encoding="utf-8"?>
+<p:sld xmlns:a="http://schemas.openxmlformats.org/drawingml/2006/main" xmlns:r="http://schemas.openxmlformats.org/officeDocument/2006/relationships" xmlns:p="http://schemas.openxmlformats.org/presentationml/2006/main">
+  <p:cSld>
+    <p:spTree>
+      <p:nvGrpSpPr>
+        <p:cNvPr id="1" name=""/>
+        <p:cNvGrpSpPr/>
+        <p:nvPr/>
+      </p:nvGrpSpPr>
+      <p:grpSpPr>
+        <a:xfrm>
+          <a:off x="0" y="0"/>
+          <a:ext cx="0" cy="0"/>
+          <a:chOff x="0" y="0"/>
+          <a:chExt cx="0" cy="0"/>
+        </a:xfrm>
+      </p:grpSpPr>
+      <p:sp>
+        <p:nvSpPr>
+          <p:cNvPr id="2" name="제목 1">
+            <a:extLst>
+              <a:ext uri="{FF2B5EF4-FFF2-40B4-BE49-F238E27FC236}">
+                <a16:creationId xmlns:a16="http://schemas.microsoft.com/office/drawing/2014/main" id="{0B510ACA-92C1-4DB2-B891-D4872C9B4F9C}"/>
+              </a:ext>
+            </a:extLst>
+          </p:cNvPr>
+          <p:cNvSpPr>
+            <a:spLocks noGrp="1"/>
+          </p:cNvSpPr>
+          <p:nvPr>
+            <p:ph type="title"/>
+          </p:nvPr>
+        </p:nvSpPr>
+        <p:spPr>
+          <a:xfrm>
+            <a:off x="838200" y="365125"/>
+            <a:ext cx="10515600" cy="1325563"/>
+          </a:xfrm>
+        </p:spPr>
+        <p:txBody>
+          <a:bodyPr/>
+          <a:lstStyle/>
+          <a:p>
+            <a:r>
+              <a:rPr lang="en-US" altLang="ko-KR" dirty="0">
+                <a:latin typeface="HY헤드라인M" panose="02030600000101010101" pitchFamily="18" charset="-127"/>
+                <a:ea typeface="HY헤드라인M" panose="02030600000101010101" pitchFamily="18" charset="-127"/>
+              </a:rPr>
+              <a:t>2</a:t>
+            </a:r>
+            <a:r>
+              <a:rPr lang="en-US" altLang="ko-KR" dirty="0" smtClean="0">
+                <a:latin typeface="HY헤드라인M" panose="02030600000101010101" pitchFamily="18" charset="-127"/>
+                <a:ea typeface="HY헤드라인M" panose="02030600000101010101" pitchFamily="18" charset="-127"/>
+              </a:rPr>
+              <a:t>. </a:t>
+            </a:r>
+            <a:r>
+              <a:rPr lang="en-US" altLang="ko-KR" dirty="0" smtClean="0">
+                <a:latin typeface="HY헤드라인M" panose="02030600000101010101" pitchFamily="18" charset="-127"/>
+                <a:ea typeface="HY헤드라인M" panose="02030600000101010101" pitchFamily="18" charset="-127"/>
+              </a:rPr>
+              <a:t>Private V</a:t>
+            </a:r>
+            <a:r>
+              <a:rPr lang="en-US" altLang="ko-KR" dirty="0" smtClean="0">
+                <a:latin typeface="HY헤드라인M" panose="02030600000101010101" pitchFamily="18" charset="-127"/>
+                <a:ea typeface="HY헤드라인M" panose="02030600000101010101" pitchFamily="18" charset="-127"/>
+              </a:rPr>
+              <a:t>LAN</a:t>
+            </a:r>
+            <a:endParaRPr lang="ko-KR" altLang="en-US" dirty="0">
+              <a:latin typeface="HY헤드라인M" panose="02030600000101010101" pitchFamily="18" charset="-127"/>
+              <a:ea typeface="HY헤드라인M" panose="02030600000101010101" pitchFamily="18" charset="-127"/>
+            </a:endParaRPr>
+          </a:p>
+        </p:txBody>
+      </p:sp>
+      <p:cxnSp>
+        <p:nvCxnSpPr>
+          <p:cNvPr id="4" name="직선 연결선 3">
+            <a:extLst>
+              <a:ext uri="{FF2B5EF4-FFF2-40B4-BE49-F238E27FC236}">
+                <a16:creationId xmlns:a16="http://schemas.microsoft.com/office/drawing/2014/main" id="{B52E875F-886D-4368-BB96-91473E4BD429}"/>
+              </a:ext>
+            </a:extLst>
+          </p:cNvPr>
+          <p:cNvCxnSpPr>
+            <a:cxnSpLocks/>
+          </p:cNvCxnSpPr>
+          <p:nvPr/>
+        </p:nvCxnSpPr>
+        <p:spPr>
+          <a:xfrm>
+            <a:off x="494950" y="1560352"/>
+            <a:ext cx="11216081" cy="0"/>
+          </a:xfrm>
+          <a:prstGeom prst="line">
+            <a:avLst/>
+          </a:prstGeom>
+          <a:ln w="38100">
+            <a:solidFill>
+              <a:schemeClr val="accent6">
+                <a:lumMod val="60000"/>
+                <a:lumOff val="40000"/>
+              </a:schemeClr>
+            </a:solidFill>
+          </a:ln>
+        </p:spPr>
+        <p:style>
+          <a:lnRef idx="1">
+            <a:schemeClr val="accent6"/>
+          </a:lnRef>
+          <a:fillRef idx="0">
+            <a:schemeClr val="accent6"/>
+          </a:fillRef>
+          <a:effectRef idx="0">
+            <a:schemeClr val="accent6"/>
+          </a:effectRef>
+          <a:fontRef idx="minor">
+            <a:schemeClr val="tx1"/>
+          </a:fontRef>
+        </p:style>
+      </p:cxnSp>
+      <p:cxnSp>
+        <p:nvCxnSpPr>
+          <p:cNvPr id="6" name="직선 연결선 5">
+            <a:extLst>
+              <a:ext uri="{FF2B5EF4-FFF2-40B4-BE49-F238E27FC236}">
+                <a16:creationId xmlns:a16="http://schemas.microsoft.com/office/drawing/2014/main" id="{18BBC0F2-0F71-4015-8396-16B4367F8F99}"/>
+              </a:ext>
+            </a:extLst>
+          </p:cNvPr>
+          <p:cNvCxnSpPr>
+            <a:cxnSpLocks/>
+          </p:cNvCxnSpPr>
+          <p:nvPr/>
+        </p:nvCxnSpPr>
+        <p:spPr>
+          <a:xfrm>
+            <a:off x="662730" y="367018"/>
+            <a:ext cx="0" cy="3061982"/>
+          </a:xfrm>
+          <a:prstGeom prst="line">
+            <a:avLst/>
+          </a:prstGeom>
+          <a:ln w="57150"/>
+        </p:spPr>
+        <p:style>
+          <a:lnRef idx="1">
+            <a:schemeClr val="accent1"/>
+          </a:lnRef>
+          <a:fillRef idx="0">
+            <a:schemeClr val="accent1"/>
+          </a:fillRef>
+          <a:effectRef idx="0">
+            <a:schemeClr val="accent1"/>
+          </a:effectRef>
+          <a:fontRef idx="minor">
+            <a:schemeClr val="tx1"/>
+          </a:fontRef>
+        </p:style>
+      </p:cxnSp>
+      <p:sp>
+        <p:nvSpPr>
+          <p:cNvPr id="5" name="내용 개체 틀 4"/>
+          <p:cNvSpPr>
+            <a:spLocks noGrp="1"/>
+          </p:cNvSpPr>
+          <p:nvPr>
+            <p:ph idx="1"/>
+          </p:nvPr>
+        </p:nvSpPr>
+        <p:spPr/>
+        <p:txBody>
+          <a:bodyPr/>
+          <a:lstStyle/>
+          <a:p>
+            <a:r>
+              <a:rPr lang="ko-KR" altLang="en-US" dirty="0" smtClean="0"/>
+              <a:t>하나의 </a:t>
+            </a:r>
+            <a:r>
+              <a:rPr lang="en-US" altLang="ko-KR" dirty="0" smtClean="0"/>
+              <a:t>VLAN </a:t>
+            </a:r>
+            <a:r>
+              <a:rPr lang="ko-KR" altLang="en-US" dirty="0" smtClean="0"/>
+              <a:t>안에 </a:t>
+            </a:r>
+            <a:r>
+              <a:rPr lang="en-US" altLang="ko-KR" dirty="0" smtClean="0"/>
+              <a:t>VLAN</a:t>
+            </a:r>
+            <a:r>
+              <a:rPr lang="ko-KR" altLang="en-US" dirty="0" smtClean="0"/>
+              <a:t>을 또 만드는 것을 </a:t>
+            </a:r>
+            <a:r>
+              <a:rPr lang="en-US" altLang="ko-KR" dirty="0" smtClean="0"/>
+              <a:t>PVLAN</a:t>
+            </a:r>
+          </a:p>
+          <a:p>
+            <a:endParaRPr lang="en-US" altLang="ko-KR" dirty="0" smtClean="0"/>
+          </a:p>
+          <a:p>
+            <a:r>
+              <a:rPr lang="ko-KR" altLang="en-US" dirty="0" smtClean="0"/>
+              <a:t>스위치에 많은 고객이 접속되어 있는 경우</a:t>
+            </a:r>
+            <a:endParaRPr lang="en-US" altLang="ko-KR" dirty="0" smtClean="0"/>
+          </a:p>
+          <a:p>
+            <a:pPr lvl="1"/>
+            <a:r>
+              <a:rPr lang="ko-KR" altLang="en-US" dirty="0" smtClean="0"/>
+              <a:t>기존 </a:t>
+            </a:r>
+            <a:r>
+              <a:rPr lang="en-US" altLang="ko-KR" dirty="0" smtClean="0"/>
+              <a:t>VLAN </a:t>
+            </a:r>
+            <a:r>
+              <a:rPr lang="ko-KR" altLang="en-US" dirty="0" smtClean="0"/>
+              <a:t>방식은 각 고객 포트당 별개의 </a:t>
+            </a:r>
+            <a:r>
+              <a:rPr lang="en-US" altLang="ko-KR" dirty="0" smtClean="0"/>
+              <a:t>VLAN</a:t>
+            </a:r>
+            <a:r>
+              <a:rPr lang="ko-KR" altLang="en-US" dirty="0" smtClean="0"/>
+              <a:t>을 할당하거나 모든 고객이 동일한 </a:t>
+            </a:r>
+            <a:r>
+              <a:rPr lang="en-US" altLang="ko-KR" dirty="0" smtClean="0"/>
+              <a:t>VLAN</a:t>
+            </a:r>
+            <a:r>
+              <a:rPr lang="ko-KR" altLang="en-US" dirty="0" smtClean="0"/>
+              <a:t>에 할당</a:t>
+            </a:r>
+            <a:r>
+              <a:rPr lang="en-US" altLang="ko-KR" dirty="0" smtClean="0"/>
+              <a:t>.</a:t>
+            </a:r>
+          </a:p>
+          <a:p>
+            <a:pPr lvl="1"/>
+            <a:r>
+              <a:rPr lang="ko-KR" altLang="en-US" dirty="0" smtClean="0"/>
+              <a:t>각 </a:t>
+            </a:r>
+            <a:r>
+              <a:rPr lang="ko-KR" altLang="en-US" dirty="0" err="1" smtClean="0"/>
+              <a:t>고객당</a:t>
+            </a:r>
+            <a:r>
+              <a:rPr lang="ko-KR" altLang="en-US" dirty="0" smtClean="0"/>
+              <a:t> 별개의 </a:t>
+            </a:r>
+            <a:r>
+              <a:rPr lang="en-US" altLang="ko-KR" dirty="0" smtClean="0"/>
+              <a:t>VLAN </a:t>
+            </a:r>
+            <a:r>
+              <a:rPr lang="ko-KR" altLang="en-US" dirty="0" smtClean="0"/>
+              <a:t>할당 시 </a:t>
+            </a:r>
+            <a:r>
+              <a:rPr lang="en-US" altLang="ko-KR" dirty="0" smtClean="0"/>
+              <a:t>VLAN</a:t>
+            </a:r>
+            <a:r>
+              <a:rPr lang="ko-KR" altLang="en-US" dirty="0" smtClean="0"/>
+              <a:t>이 부족할 수도 있고 </a:t>
+            </a:r>
+            <a:r>
+              <a:rPr lang="en-US" altLang="ko-KR" dirty="0" smtClean="0"/>
+              <a:t>IP </a:t>
+            </a:r>
+            <a:r>
+              <a:rPr lang="ko-KR" altLang="en-US" dirty="0" smtClean="0"/>
+              <a:t>주소 낭비도 심해진다</a:t>
+            </a:r>
+            <a:r>
+              <a:rPr lang="en-US" altLang="ko-KR" dirty="0" smtClean="0"/>
+              <a:t>.</a:t>
+            </a:r>
+          </a:p>
+          <a:p>
+            <a:pPr lvl="1"/>
+            <a:endParaRPr lang="en-US" altLang="ko-KR" dirty="0"/>
+          </a:p>
+          <a:p>
+            <a:pPr lvl="1"/>
+            <a:r>
+              <a:rPr lang="ko-KR" altLang="en-US" dirty="0" smtClean="0"/>
+              <a:t>즉</a:t>
+            </a:r>
+            <a:r>
+              <a:rPr lang="en-US" altLang="ko-KR" dirty="0" smtClean="0"/>
+              <a:t>, PVLAN</a:t>
+            </a:r>
+            <a:r>
+              <a:rPr lang="ko-KR" altLang="en-US" dirty="0" smtClean="0"/>
+              <a:t>은 </a:t>
+            </a:r>
+            <a:r>
+              <a:rPr lang="en-US" altLang="ko-KR" dirty="0" smtClean="0"/>
+              <a:t>VLAN </a:t>
+            </a:r>
+            <a:r>
+              <a:rPr lang="ko-KR" altLang="en-US" dirty="0" smtClean="0"/>
+              <a:t>부족</a:t>
+            </a:r>
+            <a:r>
+              <a:rPr lang="en-US" altLang="ko-KR" dirty="0" smtClean="0"/>
+              <a:t>, IP </a:t>
+            </a:r>
+            <a:r>
+              <a:rPr lang="ko-KR" altLang="en-US" dirty="0" smtClean="0"/>
+              <a:t>주소 낭비 및 보안 문제 등을 해결</a:t>
+            </a:r>
+            <a:endParaRPr lang="ko-KR" altLang="en-US" dirty="0"/>
+          </a:p>
+        </p:txBody>
+      </p:sp>
+    </p:spTree>
+    <p:extLst>
+      <p:ext uri="{BB962C8B-B14F-4D97-AF65-F5344CB8AC3E}">
+        <p14:creationId xmlns:p14="http://schemas.microsoft.com/office/powerpoint/2010/main" val="4078425653"/>
+      </p:ext>
+    </p:extLst>
+  </p:cSld>
+  <p:clrMapOvr>
+    <a:masterClrMapping/>
+  </p:clrMapOvr>
+  <p:timing>
+    <p:tnLst>
+      <p:par>
+        <p:cTn id="1" dur="indefinite" restart="never" nodeType="tmRoot"/>
+      </p:par>
+    </p:tnLst>
+  </p:timing>
+</p:sld>
+</file>
+
+<file path=ppt/slides/slide59.xml><?xml version="1.0" encoding="utf-8"?>
+<p:sld xmlns:a="http://schemas.openxmlformats.org/drawingml/2006/main" xmlns:r="http://schemas.openxmlformats.org/officeDocument/2006/relationships" xmlns:p="http://schemas.openxmlformats.org/presentationml/2006/main">
+  <p:cSld>
+    <p:spTree>
+      <p:nvGrpSpPr>
+        <p:cNvPr id="1" name=""/>
+        <p:cNvGrpSpPr/>
+        <p:nvPr/>
+      </p:nvGrpSpPr>
+      <p:grpSpPr>
+        <a:xfrm>
+          <a:off x="0" y="0"/>
+          <a:ext cx="0" cy="0"/>
+          <a:chOff x="0" y="0"/>
+          <a:chExt cx="0" cy="0"/>
+        </a:xfrm>
+      </p:grpSpPr>
+      <p:sp>
+        <p:nvSpPr>
+          <p:cNvPr id="2" name="제목 1">
+            <a:extLst>
+              <a:ext uri="{FF2B5EF4-FFF2-40B4-BE49-F238E27FC236}">
+                <a16:creationId xmlns:a16="http://schemas.microsoft.com/office/drawing/2014/main" id="{0B510ACA-92C1-4DB2-B891-D4872C9B4F9C}"/>
+              </a:ext>
+            </a:extLst>
+          </p:cNvPr>
+          <p:cNvSpPr>
+            <a:spLocks noGrp="1"/>
+          </p:cNvSpPr>
+          <p:nvPr>
+            <p:ph type="title"/>
+          </p:nvPr>
+        </p:nvSpPr>
+        <p:spPr>
+          <a:xfrm>
+            <a:off x="838200" y="365125"/>
+            <a:ext cx="10515600" cy="1325563"/>
+          </a:xfrm>
+        </p:spPr>
+        <p:txBody>
+          <a:bodyPr/>
+          <a:lstStyle/>
+          <a:p>
+            <a:r>
+              <a:rPr lang="en-US" altLang="ko-KR" dirty="0" smtClean="0">
+                <a:latin typeface="HY헤드라인M" panose="02030600000101010101" pitchFamily="18" charset="-127"/>
+                <a:ea typeface="HY헤드라인M" panose="02030600000101010101" pitchFamily="18" charset="-127"/>
+              </a:rPr>
+              <a:t>2. Private </a:t>
+            </a:r>
+            <a:r>
+              <a:rPr lang="en-US" altLang="ko-KR" dirty="0">
+                <a:latin typeface="HY헤드라인M" panose="02030600000101010101" pitchFamily="18" charset="-127"/>
+                <a:ea typeface="HY헤드라인M" panose="02030600000101010101" pitchFamily="18" charset="-127"/>
+              </a:rPr>
+              <a:t>VLAN</a:t>
+            </a:r>
+            <a:endParaRPr lang="ko-KR" altLang="en-US" dirty="0">
+              <a:latin typeface="HY헤드라인M" panose="02030600000101010101" pitchFamily="18" charset="-127"/>
+              <a:ea typeface="HY헤드라인M" panose="02030600000101010101" pitchFamily="18" charset="-127"/>
+            </a:endParaRPr>
+          </a:p>
+        </p:txBody>
+      </p:sp>
+      <p:cxnSp>
+        <p:nvCxnSpPr>
+          <p:cNvPr id="4" name="직선 연결선 3">
+            <a:extLst>
+              <a:ext uri="{FF2B5EF4-FFF2-40B4-BE49-F238E27FC236}">
+                <a16:creationId xmlns:a16="http://schemas.microsoft.com/office/drawing/2014/main" id="{B52E875F-886D-4368-BB96-91473E4BD429}"/>
+              </a:ext>
+            </a:extLst>
+          </p:cNvPr>
+          <p:cNvCxnSpPr>
+            <a:cxnSpLocks/>
+          </p:cNvCxnSpPr>
+          <p:nvPr/>
+        </p:nvCxnSpPr>
+        <p:spPr>
+          <a:xfrm>
+            <a:off x="494950" y="1560352"/>
+            <a:ext cx="11216081" cy="0"/>
+          </a:xfrm>
+          <a:prstGeom prst="line">
+            <a:avLst/>
+          </a:prstGeom>
+          <a:ln w="38100">
+            <a:solidFill>
+              <a:schemeClr val="accent6">
+                <a:lumMod val="60000"/>
+                <a:lumOff val="40000"/>
+              </a:schemeClr>
+            </a:solidFill>
+          </a:ln>
+        </p:spPr>
+        <p:style>
+          <a:lnRef idx="1">
+            <a:schemeClr val="accent6"/>
+          </a:lnRef>
+          <a:fillRef idx="0">
+            <a:schemeClr val="accent6"/>
+          </a:fillRef>
+          <a:effectRef idx="0">
+            <a:schemeClr val="accent6"/>
+          </a:effectRef>
+          <a:fontRef idx="minor">
+            <a:schemeClr val="tx1"/>
+          </a:fontRef>
+        </p:style>
+      </p:cxnSp>
+      <p:cxnSp>
+        <p:nvCxnSpPr>
+          <p:cNvPr id="6" name="직선 연결선 5">
+            <a:extLst>
+              <a:ext uri="{FF2B5EF4-FFF2-40B4-BE49-F238E27FC236}">
+                <a16:creationId xmlns:a16="http://schemas.microsoft.com/office/drawing/2014/main" id="{18BBC0F2-0F71-4015-8396-16B4367F8F99}"/>
+              </a:ext>
+            </a:extLst>
+          </p:cNvPr>
+          <p:cNvCxnSpPr>
+            <a:cxnSpLocks/>
+          </p:cNvCxnSpPr>
+          <p:nvPr/>
+        </p:nvCxnSpPr>
+        <p:spPr>
+          <a:xfrm>
+            <a:off x="662730" y="367018"/>
+            <a:ext cx="0" cy="3061982"/>
+          </a:xfrm>
+          <a:prstGeom prst="line">
+            <a:avLst/>
+          </a:prstGeom>
+          <a:ln w="57150"/>
+        </p:spPr>
+        <p:style>
+          <a:lnRef idx="1">
+            <a:schemeClr val="accent1"/>
+          </a:lnRef>
+          <a:fillRef idx="0">
+            <a:schemeClr val="accent1"/>
+          </a:fillRef>
+          <a:effectRef idx="0">
+            <a:schemeClr val="accent1"/>
+          </a:effectRef>
+          <a:fontRef idx="minor">
+            <a:schemeClr val="tx1"/>
+          </a:fontRef>
+        </p:style>
+      </p:cxnSp>
+      <p:pic>
+        <p:nvPicPr>
+          <p:cNvPr id="3" name="내용 개체 틀 2"/>
+          <p:cNvPicPr>
+            <a:picLocks noGrp="1" noChangeAspect="1"/>
+          </p:cNvPicPr>
+          <p:nvPr>
+            <p:ph idx="1"/>
+          </p:nvPr>
+        </p:nvPicPr>
+        <p:blipFill>
+          <a:blip r:embed="rId2"/>
+          <a:stretch>
+            <a:fillRect/>
+          </a:stretch>
+        </p:blipFill>
+        <p:spPr>
+          <a:xfrm>
+            <a:off x="838200" y="1819096"/>
+            <a:ext cx="4723002" cy="4645322"/>
+          </a:xfrm>
+          <a:prstGeom prst="rect">
+            <a:avLst/>
+          </a:prstGeom>
+          <a:ln w="38100" cap="sq">
+            <a:solidFill>
+              <a:srgbClr val="000000"/>
+            </a:solidFill>
+            <a:prstDash val="solid"/>
+            <a:miter lim="800000"/>
+          </a:ln>
+          <a:effectLst>
+            <a:outerShdw blurRad="50800" dist="38100" dir="2700000" algn="tl" rotWithShape="0">
+              <a:srgbClr val="000000">
+                <a:alpha val="43000"/>
+              </a:srgbClr>
+            </a:outerShdw>
+          </a:effectLst>
+        </p:spPr>
+      </p:pic>
+      <p:pic>
+        <p:nvPicPr>
+          <p:cNvPr id="7" name="그림 6"/>
+          <p:cNvPicPr>
+            <a:picLocks noChangeAspect="1"/>
+          </p:cNvPicPr>
+          <p:nvPr/>
+        </p:nvPicPr>
+        <p:blipFill>
+          <a:blip r:embed="rId3"/>
+          <a:stretch>
+            <a:fillRect/>
+          </a:stretch>
+        </p:blipFill>
+        <p:spPr>
+          <a:xfrm>
+            <a:off x="5736671" y="1755478"/>
+            <a:ext cx="6132758" cy="2715854"/>
+          </a:xfrm>
+          <a:prstGeom prst="rect">
+            <a:avLst/>
+          </a:prstGeom>
+        </p:spPr>
+      </p:pic>
+    </p:spTree>
+    <p:extLst>
+      <p:ext uri="{BB962C8B-B14F-4D97-AF65-F5344CB8AC3E}">
+        <p14:creationId xmlns:p14="http://schemas.microsoft.com/office/powerpoint/2010/main" val="3228656989"/>
+      </p:ext>
+    </p:extLst>
+  </p:cSld>
+  <p:clrMapOvr>
+    <a:masterClrMapping/>
+  </p:clrMapOvr>
+  <p:timing>
+    <p:tnLst>
+      <p:par>
+        <p:cTn id="1" dur="indefinite" restart="never" nodeType="tmRoot"/>
+      </p:par>
+    </p:tnLst>
+  </p:timing>
 </p:sld>
 </file>
 
@@ -22068,6 +25208,1163 @@
     <p:extLst>
       <p:ext uri="{BB962C8B-B14F-4D97-AF65-F5344CB8AC3E}">
         <p14:creationId xmlns:p14="http://schemas.microsoft.com/office/powerpoint/2010/main" val="741603875"/>
+      </p:ext>
+    </p:extLst>
+  </p:cSld>
+  <p:clrMapOvr>
+    <a:masterClrMapping/>
+  </p:clrMapOvr>
+  <p:timing>
+    <p:tnLst>
+      <p:par>
+        <p:cTn id="1" dur="indefinite" restart="never" nodeType="tmRoot"/>
+      </p:par>
+    </p:tnLst>
+  </p:timing>
+</p:sld>
+</file>
+
+<file path=ppt/slides/slide60.xml><?xml version="1.0" encoding="utf-8"?>
+<p:sld xmlns:a="http://schemas.openxmlformats.org/drawingml/2006/main" xmlns:r="http://schemas.openxmlformats.org/officeDocument/2006/relationships" xmlns:p="http://schemas.openxmlformats.org/presentationml/2006/main">
+  <p:cSld>
+    <p:spTree>
+      <p:nvGrpSpPr>
+        <p:cNvPr id="1" name=""/>
+        <p:cNvGrpSpPr/>
+        <p:nvPr/>
+      </p:nvGrpSpPr>
+      <p:grpSpPr>
+        <a:xfrm>
+          <a:off x="0" y="0"/>
+          <a:ext cx="0" cy="0"/>
+          <a:chOff x="0" y="0"/>
+          <a:chExt cx="0" cy="0"/>
+        </a:xfrm>
+      </p:grpSpPr>
+      <p:sp>
+        <p:nvSpPr>
+          <p:cNvPr id="2" name="제목 1">
+            <a:extLst>
+              <a:ext uri="{FF2B5EF4-FFF2-40B4-BE49-F238E27FC236}">
+                <a16:creationId xmlns:a16="http://schemas.microsoft.com/office/drawing/2014/main" id="{0B510ACA-92C1-4DB2-B891-D4872C9B4F9C}"/>
+              </a:ext>
+            </a:extLst>
+          </p:cNvPr>
+          <p:cNvSpPr>
+            <a:spLocks noGrp="1"/>
+          </p:cNvSpPr>
+          <p:nvPr>
+            <p:ph type="title"/>
+          </p:nvPr>
+        </p:nvSpPr>
+        <p:spPr>
+          <a:xfrm>
+            <a:off x="838200" y="365125"/>
+            <a:ext cx="10515600" cy="1325563"/>
+          </a:xfrm>
+        </p:spPr>
+        <p:txBody>
+          <a:bodyPr/>
+          <a:lstStyle/>
+          <a:p>
+            <a:r>
+              <a:rPr lang="ko-KR" altLang="en-US" dirty="0" smtClean="0">
+                <a:latin typeface="HY헤드라인M" panose="02030600000101010101" pitchFamily="18" charset="-127"/>
+                <a:ea typeface="HY헤드라인M" panose="02030600000101010101" pitchFamily="18" charset="-127"/>
+              </a:rPr>
+              <a:t>실습 더하기 </a:t>
+            </a:r>
+            <a:r>
+              <a:rPr lang="en-US" altLang="ko-KR" dirty="0" smtClean="0">
+                <a:latin typeface="HY헤드라인M" panose="02030600000101010101" pitchFamily="18" charset="-127"/>
+                <a:ea typeface="HY헤드라인M" panose="02030600000101010101" pitchFamily="18" charset="-127"/>
+              </a:rPr>
+              <a:t>: </a:t>
+            </a:r>
+            <a:r>
+              <a:rPr lang="ko-KR" altLang="en-US" dirty="0" err="1" smtClean="0">
+                <a:latin typeface="HY헤드라인M" panose="02030600000101010101" pitchFamily="18" charset="-127"/>
+                <a:ea typeface="HY헤드라인M" panose="02030600000101010101" pitchFamily="18" charset="-127"/>
+              </a:rPr>
+              <a:t>서브넷</a:t>
+            </a:r>
+            <a:r>
+              <a:rPr lang="ko-KR" altLang="en-US" dirty="0" smtClean="0">
+                <a:latin typeface="HY헤드라인M" panose="02030600000101010101" pitchFamily="18" charset="-127"/>
+                <a:ea typeface="HY헤드라인M" panose="02030600000101010101" pitchFamily="18" charset="-127"/>
+              </a:rPr>
+              <a:t> 설계</a:t>
+            </a:r>
+            <a:r>
+              <a:rPr lang="en-US" altLang="ko-KR" dirty="0" smtClean="0">
+                <a:latin typeface="HY헤드라인M" panose="02030600000101010101" pitchFamily="18" charset="-127"/>
+                <a:ea typeface="HY헤드라인M" panose="02030600000101010101" pitchFamily="18" charset="-127"/>
+              </a:rPr>
+              <a:t> </a:t>
+            </a:r>
+            <a:endParaRPr lang="ko-KR" altLang="en-US" dirty="0">
+              <a:latin typeface="HY헤드라인M" panose="02030600000101010101" pitchFamily="18" charset="-127"/>
+              <a:ea typeface="HY헤드라인M" panose="02030600000101010101" pitchFamily="18" charset="-127"/>
+            </a:endParaRPr>
+          </a:p>
+        </p:txBody>
+      </p:sp>
+      <p:cxnSp>
+        <p:nvCxnSpPr>
+          <p:cNvPr id="4" name="직선 연결선 3">
+            <a:extLst>
+              <a:ext uri="{FF2B5EF4-FFF2-40B4-BE49-F238E27FC236}">
+                <a16:creationId xmlns:a16="http://schemas.microsoft.com/office/drawing/2014/main" id="{B52E875F-886D-4368-BB96-91473E4BD429}"/>
+              </a:ext>
+            </a:extLst>
+          </p:cNvPr>
+          <p:cNvCxnSpPr>
+            <a:cxnSpLocks/>
+          </p:cNvCxnSpPr>
+          <p:nvPr/>
+        </p:nvCxnSpPr>
+        <p:spPr>
+          <a:xfrm>
+            <a:off x="494950" y="1560352"/>
+            <a:ext cx="11216081" cy="0"/>
+          </a:xfrm>
+          <a:prstGeom prst="line">
+            <a:avLst/>
+          </a:prstGeom>
+          <a:ln w="38100">
+            <a:solidFill>
+              <a:schemeClr val="accent6">
+                <a:lumMod val="60000"/>
+                <a:lumOff val="40000"/>
+              </a:schemeClr>
+            </a:solidFill>
+          </a:ln>
+        </p:spPr>
+        <p:style>
+          <a:lnRef idx="1">
+            <a:schemeClr val="accent6"/>
+          </a:lnRef>
+          <a:fillRef idx="0">
+            <a:schemeClr val="accent6"/>
+          </a:fillRef>
+          <a:effectRef idx="0">
+            <a:schemeClr val="accent6"/>
+          </a:effectRef>
+          <a:fontRef idx="minor">
+            <a:schemeClr val="tx1"/>
+          </a:fontRef>
+        </p:style>
+      </p:cxnSp>
+      <p:cxnSp>
+        <p:nvCxnSpPr>
+          <p:cNvPr id="6" name="직선 연결선 5">
+            <a:extLst>
+              <a:ext uri="{FF2B5EF4-FFF2-40B4-BE49-F238E27FC236}">
+                <a16:creationId xmlns:a16="http://schemas.microsoft.com/office/drawing/2014/main" id="{18BBC0F2-0F71-4015-8396-16B4367F8F99}"/>
+              </a:ext>
+            </a:extLst>
+          </p:cNvPr>
+          <p:cNvCxnSpPr>
+            <a:cxnSpLocks/>
+          </p:cNvCxnSpPr>
+          <p:nvPr/>
+        </p:nvCxnSpPr>
+        <p:spPr>
+          <a:xfrm>
+            <a:off x="662730" y="367018"/>
+            <a:ext cx="0" cy="3061982"/>
+          </a:xfrm>
+          <a:prstGeom prst="line">
+            <a:avLst/>
+          </a:prstGeom>
+          <a:ln w="57150"/>
+        </p:spPr>
+        <p:style>
+          <a:lnRef idx="1">
+            <a:schemeClr val="accent1"/>
+          </a:lnRef>
+          <a:fillRef idx="0">
+            <a:schemeClr val="accent1"/>
+          </a:fillRef>
+          <a:effectRef idx="0">
+            <a:schemeClr val="accent1"/>
+          </a:effectRef>
+          <a:fontRef idx="minor">
+            <a:schemeClr val="tx1"/>
+          </a:fontRef>
+        </p:style>
+      </p:cxnSp>
+      <p:sp>
+        <p:nvSpPr>
+          <p:cNvPr id="5" name="내용 개체 틀 4"/>
+          <p:cNvSpPr>
+            <a:spLocks noGrp="1"/>
+          </p:cNvSpPr>
+          <p:nvPr>
+            <p:ph idx="1"/>
+          </p:nvPr>
+        </p:nvSpPr>
+        <p:spPr/>
+        <p:txBody>
+          <a:bodyPr/>
+          <a:lstStyle/>
+          <a:p>
+            <a:r>
+              <a:rPr lang="ko-KR" altLang="en-US" dirty="0" smtClean="0"/>
+              <a:t>기본 </a:t>
+            </a:r>
+            <a:r>
+              <a:rPr lang="en-US" altLang="ko-KR" dirty="0" smtClean="0"/>
+              <a:t>SUBNET</a:t>
+            </a:r>
+            <a:endParaRPr lang="ko-KR" altLang="en-US" dirty="0"/>
+          </a:p>
+        </p:txBody>
+      </p:sp>
+    </p:spTree>
+    <p:extLst>
+      <p:ext uri="{BB962C8B-B14F-4D97-AF65-F5344CB8AC3E}">
+        <p14:creationId xmlns:p14="http://schemas.microsoft.com/office/powerpoint/2010/main" val="2700831431"/>
+      </p:ext>
+    </p:extLst>
+  </p:cSld>
+  <p:clrMapOvr>
+    <a:masterClrMapping/>
+  </p:clrMapOvr>
+  <p:timing>
+    <p:tnLst>
+      <p:par>
+        <p:cTn id="1" dur="indefinite" restart="never" nodeType="tmRoot"/>
+      </p:par>
+    </p:tnLst>
+  </p:timing>
+</p:sld>
+</file>
+
+<file path=ppt/slides/slide61.xml><?xml version="1.0" encoding="utf-8"?>
+<p:sld xmlns:a="http://schemas.openxmlformats.org/drawingml/2006/main" xmlns:r="http://schemas.openxmlformats.org/officeDocument/2006/relationships" xmlns:p="http://schemas.openxmlformats.org/presentationml/2006/main">
+  <p:cSld>
+    <p:spTree>
+      <p:nvGrpSpPr>
+        <p:cNvPr id="1" name=""/>
+        <p:cNvGrpSpPr/>
+        <p:nvPr/>
+      </p:nvGrpSpPr>
+      <p:grpSpPr>
+        <a:xfrm>
+          <a:off x="0" y="0"/>
+          <a:ext cx="0" cy="0"/>
+          <a:chOff x="0" y="0"/>
+          <a:chExt cx="0" cy="0"/>
+        </a:xfrm>
+      </p:grpSpPr>
+      <p:sp>
+        <p:nvSpPr>
+          <p:cNvPr id="2" name="제목 1">
+            <a:extLst>
+              <a:ext uri="{FF2B5EF4-FFF2-40B4-BE49-F238E27FC236}">
+                <a16:creationId xmlns:a16="http://schemas.microsoft.com/office/drawing/2014/main" id="{0B510ACA-92C1-4DB2-B891-D4872C9B4F9C}"/>
+              </a:ext>
+            </a:extLst>
+          </p:cNvPr>
+          <p:cNvSpPr>
+            <a:spLocks noGrp="1"/>
+          </p:cNvSpPr>
+          <p:nvPr>
+            <p:ph type="title"/>
+          </p:nvPr>
+        </p:nvSpPr>
+        <p:spPr>
+          <a:xfrm>
+            <a:off x="838200" y="365125"/>
+            <a:ext cx="10515600" cy="1325563"/>
+          </a:xfrm>
+        </p:spPr>
+        <p:txBody>
+          <a:bodyPr/>
+          <a:lstStyle/>
+          <a:p>
+            <a:r>
+              <a:rPr lang="ko-KR" altLang="en-US" dirty="0" smtClean="0">
+                <a:latin typeface="HY헤드라인M" panose="02030600000101010101" pitchFamily="18" charset="-127"/>
+                <a:ea typeface="HY헤드라인M" panose="02030600000101010101" pitchFamily="18" charset="-127"/>
+              </a:rPr>
+              <a:t>실습 더하기 </a:t>
+            </a:r>
+            <a:r>
+              <a:rPr lang="en-US" altLang="ko-KR" dirty="0" smtClean="0">
+                <a:latin typeface="HY헤드라인M" panose="02030600000101010101" pitchFamily="18" charset="-127"/>
+                <a:ea typeface="HY헤드라인M" panose="02030600000101010101" pitchFamily="18" charset="-127"/>
+              </a:rPr>
+              <a:t>: </a:t>
+            </a:r>
+            <a:endParaRPr lang="ko-KR" altLang="en-US" dirty="0">
+              <a:latin typeface="HY헤드라인M" panose="02030600000101010101" pitchFamily="18" charset="-127"/>
+              <a:ea typeface="HY헤드라인M" panose="02030600000101010101" pitchFamily="18" charset="-127"/>
+            </a:endParaRPr>
+          </a:p>
+        </p:txBody>
+      </p:sp>
+      <p:cxnSp>
+        <p:nvCxnSpPr>
+          <p:cNvPr id="4" name="직선 연결선 3">
+            <a:extLst>
+              <a:ext uri="{FF2B5EF4-FFF2-40B4-BE49-F238E27FC236}">
+                <a16:creationId xmlns:a16="http://schemas.microsoft.com/office/drawing/2014/main" id="{B52E875F-886D-4368-BB96-91473E4BD429}"/>
+              </a:ext>
+            </a:extLst>
+          </p:cNvPr>
+          <p:cNvCxnSpPr>
+            <a:cxnSpLocks/>
+          </p:cNvCxnSpPr>
+          <p:nvPr/>
+        </p:nvCxnSpPr>
+        <p:spPr>
+          <a:xfrm>
+            <a:off x="494950" y="1560352"/>
+            <a:ext cx="11216081" cy="0"/>
+          </a:xfrm>
+          <a:prstGeom prst="line">
+            <a:avLst/>
+          </a:prstGeom>
+          <a:ln w="38100">
+            <a:solidFill>
+              <a:schemeClr val="accent6">
+                <a:lumMod val="60000"/>
+                <a:lumOff val="40000"/>
+              </a:schemeClr>
+            </a:solidFill>
+          </a:ln>
+        </p:spPr>
+        <p:style>
+          <a:lnRef idx="1">
+            <a:schemeClr val="accent6"/>
+          </a:lnRef>
+          <a:fillRef idx="0">
+            <a:schemeClr val="accent6"/>
+          </a:fillRef>
+          <a:effectRef idx="0">
+            <a:schemeClr val="accent6"/>
+          </a:effectRef>
+          <a:fontRef idx="minor">
+            <a:schemeClr val="tx1"/>
+          </a:fontRef>
+        </p:style>
+      </p:cxnSp>
+      <p:cxnSp>
+        <p:nvCxnSpPr>
+          <p:cNvPr id="6" name="직선 연결선 5">
+            <a:extLst>
+              <a:ext uri="{FF2B5EF4-FFF2-40B4-BE49-F238E27FC236}">
+                <a16:creationId xmlns:a16="http://schemas.microsoft.com/office/drawing/2014/main" id="{18BBC0F2-0F71-4015-8396-16B4367F8F99}"/>
+              </a:ext>
+            </a:extLst>
+          </p:cNvPr>
+          <p:cNvCxnSpPr>
+            <a:cxnSpLocks/>
+          </p:cNvCxnSpPr>
+          <p:nvPr/>
+        </p:nvCxnSpPr>
+        <p:spPr>
+          <a:xfrm>
+            <a:off x="662730" y="367018"/>
+            <a:ext cx="0" cy="3061982"/>
+          </a:xfrm>
+          <a:prstGeom prst="line">
+            <a:avLst/>
+          </a:prstGeom>
+          <a:ln w="57150"/>
+        </p:spPr>
+        <p:style>
+          <a:lnRef idx="1">
+            <a:schemeClr val="accent1"/>
+          </a:lnRef>
+          <a:fillRef idx="0">
+            <a:schemeClr val="accent1"/>
+          </a:fillRef>
+          <a:effectRef idx="0">
+            <a:schemeClr val="accent1"/>
+          </a:effectRef>
+          <a:fontRef idx="minor">
+            <a:schemeClr val="tx1"/>
+          </a:fontRef>
+        </p:style>
+      </p:cxnSp>
+      <p:sp>
+        <p:nvSpPr>
+          <p:cNvPr id="5" name="내용 개체 틀 4"/>
+          <p:cNvSpPr>
+            <a:spLocks noGrp="1"/>
+          </p:cNvSpPr>
+          <p:nvPr>
+            <p:ph idx="1"/>
+          </p:nvPr>
+        </p:nvSpPr>
+        <p:spPr/>
+        <p:txBody>
+          <a:bodyPr/>
+          <a:lstStyle/>
+          <a:p>
+            <a:endParaRPr lang="ko-KR" altLang="en-US" dirty="0"/>
+          </a:p>
+        </p:txBody>
+      </p:sp>
+    </p:spTree>
+    <p:extLst>
+      <p:ext uri="{BB962C8B-B14F-4D97-AF65-F5344CB8AC3E}">
+        <p14:creationId xmlns:p14="http://schemas.microsoft.com/office/powerpoint/2010/main" val="1501442358"/>
+      </p:ext>
+    </p:extLst>
+  </p:cSld>
+  <p:clrMapOvr>
+    <a:masterClrMapping/>
+  </p:clrMapOvr>
+  <p:timing>
+    <p:tnLst>
+      <p:par>
+        <p:cTn id="1" dur="indefinite" restart="never" nodeType="tmRoot"/>
+      </p:par>
+    </p:tnLst>
+  </p:timing>
+</p:sld>
+</file>
+
+<file path=ppt/slides/slide62.xml><?xml version="1.0" encoding="utf-8"?>
+<p:sld xmlns:a="http://schemas.openxmlformats.org/drawingml/2006/main" xmlns:r="http://schemas.openxmlformats.org/officeDocument/2006/relationships" xmlns:p="http://schemas.openxmlformats.org/presentationml/2006/main">
+  <p:cSld>
+    <p:spTree>
+      <p:nvGrpSpPr>
+        <p:cNvPr id="1" name=""/>
+        <p:cNvGrpSpPr/>
+        <p:nvPr/>
+      </p:nvGrpSpPr>
+      <p:grpSpPr>
+        <a:xfrm>
+          <a:off x="0" y="0"/>
+          <a:ext cx="0" cy="0"/>
+          <a:chOff x="0" y="0"/>
+          <a:chExt cx="0" cy="0"/>
+        </a:xfrm>
+      </p:grpSpPr>
+      <p:sp>
+        <p:nvSpPr>
+          <p:cNvPr id="2" name="제목 1">
+            <a:extLst>
+              <a:ext uri="{FF2B5EF4-FFF2-40B4-BE49-F238E27FC236}">
+                <a16:creationId xmlns:a16="http://schemas.microsoft.com/office/drawing/2014/main" id="{0B510ACA-92C1-4DB2-B891-D4872C9B4F9C}"/>
+              </a:ext>
+            </a:extLst>
+          </p:cNvPr>
+          <p:cNvSpPr>
+            <a:spLocks noGrp="1"/>
+          </p:cNvSpPr>
+          <p:nvPr>
+            <p:ph type="title"/>
+          </p:nvPr>
+        </p:nvSpPr>
+        <p:spPr>
+          <a:xfrm>
+            <a:off x="838200" y="365125"/>
+            <a:ext cx="10515600" cy="1325563"/>
+          </a:xfrm>
+        </p:spPr>
+        <p:txBody>
+          <a:bodyPr/>
+          <a:lstStyle/>
+          <a:p>
+            <a:r>
+              <a:rPr lang="ko-KR" altLang="en-US" dirty="0" smtClean="0">
+                <a:latin typeface="HY헤드라인M" panose="02030600000101010101" pitchFamily="18" charset="-127"/>
+                <a:ea typeface="HY헤드라인M" panose="02030600000101010101" pitchFamily="18" charset="-127"/>
+              </a:rPr>
+              <a:t>실습 더하기 </a:t>
+            </a:r>
+            <a:r>
+              <a:rPr lang="en-US" altLang="ko-KR" dirty="0" smtClean="0">
+                <a:latin typeface="HY헤드라인M" panose="02030600000101010101" pitchFamily="18" charset="-127"/>
+                <a:ea typeface="HY헤드라인M" panose="02030600000101010101" pitchFamily="18" charset="-127"/>
+              </a:rPr>
+              <a:t>: </a:t>
+            </a:r>
+            <a:endParaRPr lang="ko-KR" altLang="en-US" dirty="0">
+              <a:latin typeface="HY헤드라인M" panose="02030600000101010101" pitchFamily="18" charset="-127"/>
+              <a:ea typeface="HY헤드라인M" panose="02030600000101010101" pitchFamily="18" charset="-127"/>
+            </a:endParaRPr>
+          </a:p>
+        </p:txBody>
+      </p:sp>
+      <p:cxnSp>
+        <p:nvCxnSpPr>
+          <p:cNvPr id="4" name="직선 연결선 3">
+            <a:extLst>
+              <a:ext uri="{FF2B5EF4-FFF2-40B4-BE49-F238E27FC236}">
+                <a16:creationId xmlns:a16="http://schemas.microsoft.com/office/drawing/2014/main" id="{B52E875F-886D-4368-BB96-91473E4BD429}"/>
+              </a:ext>
+            </a:extLst>
+          </p:cNvPr>
+          <p:cNvCxnSpPr>
+            <a:cxnSpLocks/>
+          </p:cNvCxnSpPr>
+          <p:nvPr/>
+        </p:nvCxnSpPr>
+        <p:spPr>
+          <a:xfrm>
+            <a:off x="494950" y="1560352"/>
+            <a:ext cx="11216081" cy="0"/>
+          </a:xfrm>
+          <a:prstGeom prst="line">
+            <a:avLst/>
+          </a:prstGeom>
+          <a:ln w="38100">
+            <a:solidFill>
+              <a:schemeClr val="accent6">
+                <a:lumMod val="60000"/>
+                <a:lumOff val="40000"/>
+              </a:schemeClr>
+            </a:solidFill>
+          </a:ln>
+        </p:spPr>
+        <p:style>
+          <a:lnRef idx="1">
+            <a:schemeClr val="accent6"/>
+          </a:lnRef>
+          <a:fillRef idx="0">
+            <a:schemeClr val="accent6"/>
+          </a:fillRef>
+          <a:effectRef idx="0">
+            <a:schemeClr val="accent6"/>
+          </a:effectRef>
+          <a:fontRef idx="minor">
+            <a:schemeClr val="tx1"/>
+          </a:fontRef>
+        </p:style>
+      </p:cxnSp>
+      <p:cxnSp>
+        <p:nvCxnSpPr>
+          <p:cNvPr id="6" name="직선 연결선 5">
+            <a:extLst>
+              <a:ext uri="{FF2B5EF4-FFF2-40B4-BE49-F238E27FC236}">
+                <a16:creationId xmlns:a16="http://schemas.microsoft.com/office/drawing/2014/main" id="{18BBC0F2-0F71-4015-8396-16B4367F8F99}"/>
+              </a:ext>
+            </a:extLst>
+          </p:cNvPr>
+          <p:cNvCxnSpPr>
+            <a:cxnSpLocks/>
+          </p:cNvCxnSpPr>
+          <p:nvPr/>
+        </p:nvCxnSpPr>
+        <p:spPr>
+          <a:xfrm>
+            <a:off x="662730" y="367018"/>
+            <a:ext cx="0" cy="3061982"/>
+          </a:xfrm>
+          <a:prstGeom prst="line">
+            <a:avLst/>
+          </a:prstGeom>
+          <a:ln w="57150"/>
+        </p:spPr>
+        <p:style>
+          <a:lnRef idx="1">
+            <a:schemeClr val="accent1"/>
+          </a:lnRef>
+          <a:fillRef idx="0">
+            <a:schemeClr val="accent1"/>
+          </a:fillRef>
+          <a:effectRef idx="0">
+            <a:schemeClr val="accent1"/>
+          </a:effectRef>
+          <a:fontRef idx="minor">
+            <a:schemeClr val="tx1"/>
+          </a:fontRef>
+        </p:style>
+      </p:cxnSp>
+      <p:sp>
+        <p:nvSpPr>
+          <p:cNvPr id="5" name="내용 개체 틀 4"/>
+          <p:cNvSpPr>
+            <a:spLocks noGrp="1"/>
+          </p:cNvSpPr>
+          <p:nvPr>
+            <p:ph idx="1"/>
+          </p:nvPr>
+        </p:nvSpPr>
+        <p:spPr/>
+        <p:txBody>
+          <a:bodyPr/>
+          <a:lstStyle/>
+          <a:p>
+            <a:endParaRPr lang="ko-KR" altLang="en-US" dirty="0"/>
+          </a:p>
+        </p:txBody>
+      </p:sp>
+    </p:spTree>
+    <p:extLst>
+      <p:ext uri="{BB962C8B-B14F-4D97-AF65-F5344CB8AC3E}">
+        <p14:creationId xmlns:p14="http://schemas.microsoft.com/office/powerpoint/2010/main" val="3216490176"/>
+      </p:ext>
+    </p:extLst>
+  </p:cSld>
+  <p:clrMapOvr>
+    <a:masterClrMapping/>
+  </p:clrMapOvr>
+  <p:timing>
+    <p:tnLst>
+      <p:par>
+        <p:cTn id="1" dur="indefinite" restart="never" nodeType="tmRoot"/>
+      </p:par>
+    </p:tnLst>
+  </p:timing>
+</p:sld>
+</file>
+
+<file path=ppt/slides/slide63.xml><?xml version="1.0" encoding="utf-8"?>
+<p:sld xmlns:a="http://schemas.openxmlformats.org/drawingml/2006/main" xmlns:r="http://schemas.openxmlformats.org/officeDocument/2006/relationships" xmlns:p="http://schemas.openxmlformats.org/presentationml/2006/main">
+  <p:cSld>
+    <p:spTree>
+      <p:nvGrpSpPr>
+        <p:cNvPr id="1" name=""/>
+        <p:cNvGrpSpPr/>
+        <p:nvPr/>
+      </p:nvGrpSpPr>
+      <p:grpSpPr>
+        <a:xfrm>
+          <a:off x="0" y="0"/>
+          <a:ext cx="0" cy="0"/>
+          <a:chOff x="0" y="0"/>
+          <a:chExt cx="0" cy="0"/>
+        </a:xfrm>
+      </p:grpSpPr>
+      <p:sp>
+        <p:nvSpPr>
+          <p:cNvPr id="2" name="제목 1">
+            <a:extLst>
+              <a:ext uri="{FF2B5EF4-FFF2-40B4-BE49-F238E27FC236}">
+                <a16:creationId xmlns:a16="http://schemas.microsoft.com/office/drawing/2014/main" id="{0B510ACA-92C1-4DB2-B891-D4872C9B4F9C}"/>
+              </a:ext>
+            </a:extLst>
+          </p:cNvPr>
+          <p:cNvSpPr>
+            <a:spLocks noGrp="1"/>
+          </p:cNvSpPr>
+          <p:nvPr>
+            <p:ph type="title"/>
+          </p:nvPr>
+        </p:nvSpPr>
+        <p:spPr>
+          <a:xfrm>
+            <a:off x="838200" y="365125"/>
+            <a:ext cx="10515600" cy="1325563"/>
+          </a:xfrm>
+        </p:spPr>
+        <p:txBody>
+          <a:bodyPr/>
+          <a:lstStyle/>
+          <a:p>
+            <a:r>
+              <a:rPr lang="ko-KR" altLang="en-US" dirty="0" smtClean="0">
+                <a:latin typeface="HY헤드라인M" panose="02030600000101010101" pitchFamily="18" charset="-127"/>
+                <a:ea typeface="HY헤드라인M" panose="02030600000101010101" pitchFamily="18" charset="-127"/>
+              </a:rPr>
+              <a:t>실습 더하기 </a:t>
+            </a:r>
+            <a:r>
+              <a:rPr lang="en-US" altLang="ko-KR" dirty="0" smtClean="0">
+                <a:latin typeface="HY헤드라인M" panose="02030600000101010101" pitchFamily="18" charset="-127"/>
+                <a:ea typeface="HY헤드라인M" panose="02030600000101010101" pitchFamily="18" charset="-127"/>
+              </a:rPr>
+              <a:t>: </a:t>
+            </a:r>
+            <a:endParaRPr lang="ko-KR" altLang="en-US" dirty="0">
+              <a:latin typeface="HY헤드라인M" panose="02030600000101010101" pitchFamily="18" charset="-127"/>
+              <a:ea typeface="HY헤드라인M" panose="02030600000101010101" pitchFamily="18" charset="-127"/>
+            </a:endParaRPr>
+          </a:p>
+        </p:txBody>
+      </p:sp>
+      <p:cxnSp>
+        <p:nvCxnSpPr>
+          <p:cNvPr id="4" name="직선 연결선 3">
+            <a:extLst>
+              <a:ext uri="{FF2B5EF4-FFF2-40B4-BE49-F238E27FC236}">
+                <a16:creationId xmlns:a16="http://schemas.microsoft.com/office/drawing/2014/main" id="{B52E875F-886D-4368-BB96-91473E4BD429}"/>
+              </a:ext>
+            </a:extLst>
+          </p:cNvPr>
+          <p:cNvCxnSpPr>
+            <a:cxnSpLocks/>
+          </p:cNvCxnSpPr>
+          <p:nvPr/>
+        </p:nvCxnSpPr>
+        <p:spPr>
+          <a:xfrm>
+            <a:off x="494950" y="1560352"/>
+            <a:ext cx="11216081" cy="0"/>
+          </a:xfrm>
+          <a:prstGeom prst="line">
+            <a:avLst/>
+          </a:prstGeom>
+          <a:ln w="38100">
+            <a:solidFill>
+              <a:schemeClr val="accent6">
+                <a:lumMod val="60000"/>
+                <a:lumOff val="40000"/>
+              </a:schemeClr>
+            </a:solidFill>
+          </a:ln>
+        </p:spPr>
+        <p:style>
+          <a:lnRef idx="1">
+            <a:schemeClr val="accent6"/>
+          </a:lnRef>
+          <a:fillRef idx="0">
+            <a:schemeClr val="accent6"/>
+          </a:fillRef>
+          <a:effectRef idx="0">
+            <a:schemeClr val="accent6"/>
+          </a:effectRef>
+          <a:fontRef idx="minor">
+            <a:schemeClr val="tx1"/>
+          </a:fontRef>
+        </p:style>
+      </p:cxnSp>
+      <p:cxnSp>
+        <p:nvCxnSpPr>
+          <p:cNvPr id="6" name="직선 연결선 5">
+            <a:extLst>
+              <a:ext uri="{FF2B5EF4-FFF2-40B4-BE49-F238E27FC236}">
+                <a16:creationId xmlns:a16="http://schemas.microsoft.com/office/drawing/2014/main" id="{18BBC0F2-0F71-4015-8396-16B4367F8F99}"/>
+              </a:ext>
+            </a:extLst>
+          </p:cNvPr>
+          <p:cNvCxnSpPr>
+            <a:cxnSpLocks/>
+          </p:cNvCxnSpPr>
+          <p:nvPr/>
+        </p:nvCxnSpPr>
+        <p:spPr>
+          <a:xfrm>
+            <a:off x="662730" y="367018"/>
+            <a:ext cx="0" cy="3061982"/>
+          </a:xfrm>
+          <a:prstGeom prst="line">
+            <a:avLst/>
+          </a:prstGeom>
+          <a:ln w="57150"/>
+        </p:spPr>
+        <p:style>
+          <a:lnRef idx="1">
+            <a:schemeClr val="accent1"/>
+          </a:lnRef>
+          <a:fillRef idx="0">
+            <a:schemeClr val="accent1"/>
+          </a:fillRef>
+          <a:effectRef idx="0">
+            <a:schemeClr val="accent1"/>
+          </a:effectRef>
+          <a:fontRef idx="minor">
+            <a:schemeClr val="tx1"/>
+          </a:fontRef>
+        </p:style>
+      </p:cxnSp>
+      <p:sp>
+        <p:nvSpPr>
+          <p:cNvPr id="5" name="내용 개체 틀 4"/>
+          <p:cNvSpPr>
+            <a:spLocks noGrp="1"/>
+          </p:cNvSpPr>
+          <p:nvPr>
+            <p:ph idx="1"/>
+          </p:nvPr>
+        </p:nvSpPr>
+        <p:spPr/>
+        <p:txBody>
+          <a:bodyPr/>
+          <a:lstStyle/>
+          <a:p>
+            <a:endParaRPr lang="ko-KR" altLang="en-US" dirty="0"/>
+          </a:p>
+        </p:txBody>
+      </p:sp>
+    </p:spTree>
+    <p:extLst>
+      <p:ext uri="{BB962C8B-B14F-4D97-AF65-F5344CB8AC3E}">
+        <p14:creationId xmlns:p14="http://schemas.microsoft.com/office/powerpoint/2010/main" val="2716715248"/>
+      </p:ext>
+    </p:extLst>
+  </p:cSld>
+  <p:clrMapOvr>
+    <a:masterClrMapping/>
+  </p:clrMapOvr>
+  <p:timing>
+    <p:tnLst>
+      <p:par>
+        <p:cTn id="1" dur="indefinite" restart="never" nodeType="tmRoot"/>
+      </p:par>
+    </p:tnLst>
+  </p:timing>
+</p:sld>
+</file>
+
+<file path=ppt/slides/slide64.xml><?xml version="1.0" encoding="utf-8"?>
+<p:sld xmlns:a="http://schemas.openxmlformats.org/drawingml/2006/main" xmlns:r="http://schemas.openxmlformats.org/officeDocument/2006/relationships" xmlns:p="http://schemas.openxmlformats.org/presentationml/2006/main">
+  <p:cSld>
+    <p:spTree>
+      <p:nvGrpSpPr>
+        <p:cNvPr id="1" name=""/>
+        <p:cNvGrpSpPr/>
+        <p:nvPr/>
+      </p:nvGrpSpPr>
+      <p:grpSpPr>
+        <a:xfrm>
+          <a:off x="0" y="0"/>
+          <a:ext cx="0" cy="0"/>
+          <a:chOff x="0" y="0"/>
+          <a:chExt cx="0" cy="0"/>
+        </a:xfrm>
+      </p:grpSpPr>
+      <p:sp>
+        <p:nvSpPr>
+          <p:cNvPr id="2" name="제목 1">
+            <a:extLst>
+              <a:ext uri="{FF2B5EF4-FFF2-40B4-BE49-F238E27FC236}">
+                <a16:creationId xmlns:a16="http://schemas.microsoft.com/office/drawing/2014/main" id="{0B510ACA-92C1-4DB2-B891-D4872C9B4F9C}"/>
+              </a:ext>
+            </a:extLst>
+          </p:cNvPr>
+          <p:cNvSpPr>
+            <a:spLocks noGrp="1"/>
+          </p:cNvSpPr>
+          <p:nvPr>
+            <p:ph type="title"/>
+          </p:nvPr>
+        </p:nvSpPr>
+        <p:spPr>
+          <a:xfrm>
+            <a:off x="838200" y="365125"/>
+            <a:ext cx="10515600" cy="1325563"/>
+          </a:xfrm>
+        </p:spPr>
+        <p:txBody>
+          <a:bodyPr/>
+          <a:lstStyle/>
+          <a:p>
+            <a:r>
+              <a:rPr lang="ko-KR" altLang="en-US" dirty="0" smtClean="0">
+                <a:latin typeface="HY헤드라인M" panose="02030600000101010101" pitchFamily="18" charset="-127"/>
+                <a:ea typeface="HY헤드라인M" panose="02030600000101010101" pitchFamily="18" charset="-127"/>
+              </a:rPr>
+              <a:t>실습 더하기 </a:t>
+            </a:r>
+            <a:r>
+              <a:rPr lang="en-US" altLang="ko-KR" dirty="0" smtClean="0">
+                <a:latin typeface="HY헤드라인M" panose="02030600000101010101" pitchFamily="18" charset="-127"/>
+                <a:ea typeface="HY헤드라인M" panose="02030600000101010101" pitchFamily="18" charset="-127"/>
+              </a:rPr>
+              <a:t>: </a:t>
+            </a:r>
+            <a:endParaRPr lang="ko-KR" altLang="en-US" dirty="0">
+              <a:latin typeface="HY헤드라인M" panose="02030600000101010101" pitchFamily="18" charset="-127"/>
+              <a:ea typeface="HY헤드라인M" panose="02030600000101010101" pitchFamily="18" charset="-127"/>
+            </a:endParaRPr>
+          </a:p>
+        </p:txBody>
+      </p:sp>
+      <p:cxnSp>
+        <p:nvCxnSpPr>
+          <p:cNvPr id="4" name="직선 연결선 3">
+            <a:extLst>
+              <a:ext uri="{FF2B5EF4-FFF2-40B4-BE49-F238E27FC236}">
+                <a16:creationId xmlns:a16="http://schemas.microsoft.com/office/drawing/2014/main" id="{B52E875F-886D-4368-BB96-91473E4BD429}"/>
+              </a:ext>
+            </a:extLst>
+          </p:cNvPr>
+          <p:cNvCxnSpPr>
+            <a:cxnSpLocks/>
+          </p:cNvCxnSpPr>
+          <p:nvPr/>
+        </p:nvCxnSpPr>
+        <p:spPr>
+          <a:xfrm>
+            <a:off x="494950" y="1560352"/>
+            <a:ext cx="11216081" cy="0"/>
+          </a:xfrm>
+          <a:prstGeom prst="line">
+            <a:avLst/>
+          </a:prstGeom>
+          <a:ln w="38100">
+            <a:solidFill>
+              <a:schemeClr val="accent6">
+                <a:lumMod val="60000"/>
+                <a:lumOff val="40000"/>
+              </a:schemeClr>
+            </a:solidFill>
+          </a:ln>
+        </p:spPr>
+        <p:style>
+          <a:lnRef idx="1">
+            <a:schemeClr val="accent6"/>
+          </a:lnRef>
+          <a:fillRef idx="0">
+            <a:schemeClr val="accent6"/>
+          </a:fillRef>
+          <a:effectRef idx="0">
+            <a:schemeClr val="accent6"/>
+          </a:effectRef>
+          <a:fontRef idx="minor">
+            <a:schemeClr val="tx1"/>
+          </a:fontRef>
+        </p:style>
+      </p:cxnSp>
+      <p:cxnSp>
+        <p:nvCxnSpPr>
+          <p:cNvPr id="6" name="직선 연결선 5">
+            <a:extLst>
+              <a:ext uri="{FF2B5EF4-FFF2-40B4-BE49-F238E27FC236}">
+                <a16:creationId xmlns:a16="http://schemas.microsoft.com/office/drawing/2014/main" id="{18BBC0F2-0F71-4015-8396-16B4367F8F99}"/>
+              </a:ext>
+            </a:extLst>
+          </p:cNvPr>
+          <p:cNvCxnSpPr>
+            <a:cxnSpLocks/>
+          </p:cNvCxnSpPr>
+          <p:nvPr/>
+        </p:nvCxnSpPr>
+        <p:spPr>
+          <a:xfrm>
+            <a:off x="662730" y="367018"/>
+            <a:ext cx="0" cy="3061982"/>
+          </a:xfrm>
+          <a:prstGeom prst="line">
+            <a:avLst/>
+          </a:prstGeom>
+          <a:ln w="57150"/>
+        </p:spPr>
+        <p:style>
+          <a:lnRef idx="1">
+            <a:schemeClr val="accent1"/>
+          </a:lnRef>
+          <a:fillRef idx="0">
+            <a:schemeClr val="accent1"/>
+          </a:fillRef>
+          <a:effectRef idx="0">
+            <a:schemeClr val="accent1"/>
+          </a:effectRef>
+          <a:fontRef idx="minor">
+            <a:schemeClr val="tx1"/>
+          </a:fontRef>
+        </p:style>
+      </p:cxnSp>
+      <p:sp>
+        <p:nvSpPr>
+          <p:cNvPr id="5" name="내용 개체 틀 4"/>
+          <p:cNvSpPr>
+            <a:spLocks noGrp="1"/>
+          </p:cNvSpPr>
+          <p:nvPr>
+            <p:ph idx="1"/>
+          </p:nvPr>
+        </p:nvSpPr>
+        <p:spPr/>
+        <p:txBody>
+          <a:bodyPr/>
+          <a:lstStyle/>
+          <a:p>
+            <a:endParaRPr lang="ko-KR" altLang="en-US" dirty="0"/>
+          </a:p>
+        </p:txBody>
+      </p:sp>
+    </p:spTree>
+    <p:extLst>
+      <p:ext uri="{BB962C8B-B14F-4D97-AF65-F5344CB8AC3E}">
+        <p14:creationId xmlns:p14="http://schemas.microsoft.com/office/powerpoint/2010/main" val="3727602148"/>
+      </p:ext>
+    </p:extLst>
+  </p:cSld>
+  <p:clrMapOvr>
+    <a:masterClrMapping/>
+  </p:clrMapOvr>
+  <p:timing>
+    <p:tnLst>
+      <p:par>
+        <p:cTn id="1" dur="indefinite" restart="never" nodeType="tmRoot"/>
+      </p:par>
+    </p:tnLst>
+  </p:timing>
+</p:sld>
+</file>
+
+<file path=ppt/slides/slide65.xml><?xml version="1.0" encoding="utf-8"?>
+<p:sld xmlns:a="http://schemas.openxmlformats.org/drawingml/2006/main" xmlns:r="http://schemas.openxmlformats.org/officeDocument/2006/relationships" xmlns:p="http://schemas.openxmlformats.org/presentationml/2006/main">
+  <p:cSld>
+    <p:spTree>
+      <p:nvGrpSpPr>
+        <p:cNvPr id="1" name=""/>
+        <p:cNvGrpSpPr/>
+        <p:nvPr/>
+      </p:nvGrpSpPr>
+      <p:grpSpPr>
+        <a:xfrm>
+          <a:off x="0" y="0"/>
+          <a:ext cx="0" cy="0"/>
+          <a:chOff x="0" y="0"/>
+          <a:chExt cx="0" cy="0"/>
+        </a:xfrm>
+      </p:grpSpPr>
+      <p:sp>
+        <p:nvSpPr>
+          <p:cNvPr id="2" name="제목 1">
+            <a:extLst>
+              <a:ext uri="{FF2B5EF4-FFF2-40B4-BE49-F238E27FC236}">
+                <a16:creationId xmlns:a16="http://schemas.microsoft.com/office/drawing/2014/main" id="{0B510ACA-92C1-4DB2-B891-D4872C9B4F9C}"/>
+              </a:ext>
+            </a:extLst>
+          </p:cNvPr>
+          <p:cNvSpPr>
+            <a:spLocks noGrp="1"/>
+          </p:cNvSpPr>
+          <p:nvPr>
+            <p:ph type="title"/>
+          </p:nvPr>
+        </p:nvSpPr>
+        <p:spPr>
+          <a:xfrm>
+            <a:off x="838200" y="365125"/>
+            <a:ext cx="10515600" cy="1325563"/>
+          </a:xfrm>
+        </p:spPr>
+        <p:txBody>
+          <a:bodyPr/>
+          <a:lstStyle/>
+          <a:p>
+            <a:r>
+              <a:rPr lang="ko-KR" altLang="en-US" dirty="0" smtClean="0">
+                <a:latin typeface="HY헤드라인M" panose="02030600000101010101" pitchFamily="18" charset="-127"/>
+                <a:ea typeface="HY헤드라인M" panose="02030600000101010101" pitchFamily="18" charset="-127"/>
+              </a:rPr>
+              <a:t>실습 더하기 </a:t>
+            </a:r>
+            <a:r>
+              <a:rPr lang="en-US" altLang="ko-KR" dirty="0" smtClean="0">
+                <a:latin typeface="HY헤드라인M" panose="02030600000101010101" pitchFamily="18" charset="-127"/>
+                <a:ea typeface="HY헤드라인M" panose="02030600000101010101" pitchFamily="18" charset="-127"/>
+              </a:rPr>
+              <a:t>: </a:t>
+            </a:r>
+            <a:endParaRPr lang="ko-KR" altLang="en-US" dirty="0">
+              <a:latin typeface="HY헤드라인M" panose="02030600000101010101" pitchFamily="18" charset="-127"/>
+              <a:ea typeface="HY헤드라인M" panose="02030600000101010101" pitchFamily="18" charset="-127"/>
+            </a:endParaRPr>
+          </a:p>
+        </p:txBody>
+      </p:sp>
+      <p:cxnSp>
+        <p:nvCxnSpPr>
+          <p:cNvPr id="4" name="직선 연결선 3">
+            <a:extLst>
+              <a:ext uri="{FF2B5EF4-FFF2-40B4-BE49-F238E27FC236}">
+                <a16:creationId xmlns:a16="http://schemas.microsoft.com/office/drawing/2014/main" id="{B52E875F-886D-4368-BB96-91473E4BD429}"/>
+              </a:ext>
+            </a:extLst>
+          </p:cNvPr>
+          <p:cNvCxnSpPr>
+            <a:cxnSpLocks/>
+          </p:cNvCxnSpPr>
+          <p:nvPr/>
+        </p:nvCxnSpPr>
+        <p:spPr>
+          <a:xfrm>
+            <a:off x="494950" y="1560352"/>
+            <a:ext cx="11216081" cy="0"/>
+          </a:xfrm>
+          <a:prstGeom prst="line">
+            <a:avLst/>
+          </a:prstGeom>
+          <a:ln w="38100">
+            <a:solidFill>
+              <a:schemeClr val="accent6">
+                <a:lumMod val="60000"/>
+                <a:lumOff val="40000"/>
+              </a:schemeClr>
+            </a:solidFill>
+          </a:ln>
+        </p:spPr>
+        <p:style>
+          <a:lnRef idx="1">
+            <a:schemeClr val="accent6"/>
+          </a:lnRef>
+          <a:fillRef idx="0">
+            <a:schemeClr val="accent6"/>
+          </a:fillRef>
+          <a:effectRef idx="0">
+            <a:schemeClr val="accent6"/>
+          </a:effectRef>
+          <a:fontRef idx="minor">
+            <a:schemeClr val="tx1"/>
+          </a:fontRef>
+        </p:style>
+      </p:cxnSp>
+      <p:cxnSp>
+        <p:nvCxnSpPr>
+          <p:cNvPr id="6" name="직선 연결선 5">
+            <a:extLst>
+              <a:ext uri="{FF2B5EF4-FFF2-40B4-BE49-F238E27FC236}">
+                <a16:creationId xmlns:a16="http://schemas.microsoft.com/office/drawing/2014/main" id="{18BBC0F2-0F71-4015-8396-16B4367F8F99}"/>
+              </a:ext>
+            </a:extLst>
+          </p:cNvPr>
+          <p:cNvCxnSpPr>
+            <a:cxnSpLocks/>
+          </p:cNvCxnSpPr>
+          <p:nvPr/>
+        </p:nvCxnSpPr>
+        <p:spPr>
+          <a:xfrm>
+            <a:off x="662730" y="367018"/>
+            <a:ext cx="0" cy="3061982"/>
+          </a:xfrm>
+          <a:prstGeom prst="line">
+            <a:avLst/>
+          </a:prstGeom>
+          <a:ln w="57150"/>
+        </p:spPr>
+        <p:style>
+          <a:lnRef idx="1">
+            <a:schemeClr val="accent1"/>
+          </a:lnRef>
+          <a:fillRef idx="0">
+            <a:schemeClr val="accent1"/>
+          </a:fillRef>
+          <a:effectRef idx="0">
+            <a:schemeClr val="accent1"/>
+          </a:effectRef>
+          <a:fontRef idx="minor">
+            <a:schemeClr val="tx1"/>
+          </a:fontRef>
+        </p:style>
+      </p:cxnSp>
+      <p:sp>
+        <p:nvSpPr>
+          <p:cNvPr id="5" name="내용 개체 틀 4"/>
+          <p:cNvSpPr>
+            <a:spLocks noGrp="1"/>
+          </p:cNvSpPr>
+          <p:nvPr>
+            <p:ph idx="1"/>
+          </p:nvPr>
+        </p:nvSpPr>
+        <p:spPr/>
+        <p:txBody>
+          <a:bodyPr/>
+          <a:lstStyle/>
+          <a:p>
+            <a:endParaRPr lang="ko-KR" altLang="en-US" dirty="0"/>
+          </a:p>
+        </p:txBody>
+      </p:sp>
+    </p:spTree>
+    <p:extLst>
+      <p:ext uri="{BB962C8B-B14F-4D97-AF65-F5344CB8AC3E}">
+        <p14:creationId xmlns:p14="http://schemas.microsoft.com/office/powerpoint/2010/main" val="4198006668"/>
       </p:ext>
     </p:extLst>
   </p:cSld>
